--- a/materials/slides/ch01-review-and-linux.pptx
+++ b/materials/slides/ch01-review-and-linux.pptx
@@ -5,10 +5,10 @@
     <p:sldMasterId id="2147483648" r:id="rId1"/>
   </p:sldMasterIdLst>
   <p:notesMasterIdLst>
-    <p:notesMasterId r:id="rId20"/>
+    <p:notesMasterId r:id="rId21"/>
   </p:notesMasterIdLst>
   <p:handoutMasterIdLst>
-    <p:handoutMasterId r:id="rId21"/>
+    <p:handoutMasterId r:id="rId22"/>
   </p:handoutMasterIdLst>
   <p:sldIdLst>
     <p:sldId id="257" r:id="rId2"/>
@@ -29,6 +29,7 @@
     <p:sldId id="291" r:id="rId17"/>
     <p:sldId id="292" r:id="rId18"/>
     <p:sldId id="293" r:id="rId19"/>
+    <p:sldId id="294" r:id="rId20"/>
   </p:sldIdLst>
   <p:sldSz cx="12192000" cy="6858000"/>
   <p:notesSz cx="7104063" cy="10234613"/>
@@ -232,7 +233,7 @@
           <a:p>
             <a:fld id="{E923E828-953C-4D4A-9B10-11E7329F433D}" type="datetimeFigureOut">
               <a:rPr lang="zh-CN" altLang="en-US" smtClean="0"/>
-              <a:t>2018/2/22</a:t>
+              <a:t>2018/2/24</a:t>
             </a:fld>
             <a:endParaRPr lang="zh-CN" altLang="en-US"/>
           </a:p>
@@ -413,7 +414,7 @@
           <a:p>
             <a:fld id="{867C5346-22E5-4085-8130-851344A84DFF}" type="datetimeFigureOut">
               <a:rPr lang="zh-CN" altLang="en-US" smtClean="0"/>
-              <a:t>2018/2/22</a:t>
+              <a:t>2018/2/24</a:t>
             </a:fld>
             <a:endParaRPr lang="zh-CN" altLang="en-US"/>
           </a:p>
@@ -839,7 +840,7 @@
           <a:p>
             <a:fld id="{A5E21016-498F-4141-B0CA-D95A38CA7D62}" type="datetimeFigureOut">
               <a:rPr lang="zh-CN" altLang="en-US" smtClean="0"/>
-              <a:t>2018/2/22</a:t>
+              <a:t>2018/2/24</a:t>
             </a:fld>
             <a:endParaRPr lang="zh-CN" altLang="en-US"/>
           </a:p>
@@ -1069,7 +1070,7 @@
           <a:p>
             <a:fld id="{A5E21016-498F-4141-B0CA-D95A38CA7D62}" type="datetimeFigureOut">
               <a:rPr lang="zh-CN" altLang="en-US" smtClean="0"/>
-              <a:t>2018/2/22</a:t>
+              <a:t>2018/2/24</a:t>
             </a:fld>
             <a:endParaRPr lang="zh-CN" altLang="en-US"/>
           </a:p>
@@ -1304,7 +1305,7 @@
           <a:p>
             <a:fld id="{A5E21016-498F-4141-B0CA-D95A38CA7D62}" type="datetimeFigureOut">
               <a:rPr lang="zh-CN" altLang="en-US" smtClean="0"/>
-              <a:t>2018/2/22</a:t>
+              <a:t>2018/2/24</a:t>
             </a:fld>
             <a:endParaRPr lang="zh-CN" altLang="en-US"/>
           </a:p>
@@ -1866,7 +1867,7 @@
           <a:p>
             <a:fld id="{A5E21016-498F-4141-B0CA-D95A38CA7D62}" type="datetimeFigureOut">
               <a:rPr lang="zh-CN" altLang="en-US" smtClean="0"/>
-              <a:t>2018/2/22</a:t>
+              <a:t>2018/2/24</a:t>
             </a:fld>
             <a:endParaRPr lang="zh-CN" altLang="en-US"/>
           </a:p>
@@ -2163,7 +2164,7 @@
           <a:p>
             <a:fld id="{A5E21016-498F-4141-B0CA-D95A38CA7D62}" type="datetimeFigureOut">
               <a:rPr lang="zh-CN" altLang="en-US" smtClean="0"/>
-              <a:t>2018/2/22</a:t>
+              <a:t>2018/2/24</a:t>
             </a:fld>
             <a:endParaRPr lang="zh-CN" altLang="en-US"/>
           </a:p>
@@ -2602,7 +2603,7 @@
           <a:p>
             <a:fld id="{A5E21016-498F-4141-B0CA-D95A38CA7D62}" type="datetimeFigureOut">
               <a:rPr lang="zh-CN" altLang="en-US" smtClean="0"/>
-              <a:t>2018/2/22</a:t>
+              <a:t>2018/2/24</a:t>
             </a:fld>
             <a:endParaRPr lang="zh-CN" altLang="en-US"/>
           </a:p>
@@ -2775,7 +2776,7 @@
           <a:p>
             <a:fld id="{A5E21016-498F-4141-B0CA-D95A38CA7D62}" type="datetimeFigureOut">
               <a:rPr lang="zh-CN" altLang="en-US" smtClean="0"/>
-              <a:t>2018/2/22</a:t>
+              <a:t>2018/2/24</a:t>
             </a:fld>
             <a:endParaRPr lang="zh-CN" altLang="en-US"/>
           </a:p>
@@ -2912,7 +2913,7 @@
           <a:p>
             <a:fld id="{A5E21016-498F-4141-B0CA-D95A38CA7D62}" type="datetimeFigureOut">
               <a:rPr lang="zh-CN" altLang="en-US" smtClean="0"/>
-              <a:t>2018/2/22</a:t>
+              <a:t>2018/2/24</a:t>
             </a:fld>
             <a:endParaRPr lang="zh-CN" altLang="en-US"/>
           </a:p>
@@ -3250,7 +3251,7 @@
           <a:p>
             <a:fld id="{A5E21016-498F-4141-B0CA-D95A38CA7D62}" type="datetimeFigureOut">
               <a:rPr lang="zh-CN" altLang="en-US" smtClean="0"/>
-              <a:t>2018/2/22</a:t>
+              <a:t>2018/2/24</a:t>
             </a:fld>
             <a:endParaRPr lang="zh-CN" altLang="en-US"/>
           </a:p>
@@ -3565,7 +3566,7 @@
           <a:p>
             <a:fld id="{A5E21016-498F-4141-B0CA-D95A38CA7D62}" type="datetimeFigureOut">
               <a:rPr lang="zh-CN" altLang="en-US" smtClean="0"/>
-              <a:t>2018/2/22</a:t>
+              <a:t>2018/2/24</a:t>
             </a:fld>
             <a:endParaRPr lang="zh-CN" altLang="en-US"/>
           </a:p>
@@ -6267,6 +6268,170 @@
     <p:extLst>
       <p:ext uri="{BB962C8B-B14F-4D97-AF65-F5344CB8AC3E}">
         <p14:creationId xmlns:p14="http://schemas.microsoft.com/office/powerpoint/2010/main" val="1798764241"/>
+      </p:ext>
+    </p:extLst>
+  </p:cSld>
+  <p:clrMapOvr>
+    <a:masterClrMapping/>
+  </p:clrMapOvr>
+</p:sld>
+</file>
+
+<file path=ppt/slides/slide19.xml><?xml version="1.0" encoding="utf-8"?>
+<p:sld xmlns:a="http://schemas.openxmlformats.org/drawingml/2006/main" xmlns:r="http://schemas.openxmlformats.org/officeDocument/2006/relationships" xmlns:p="http://schemas.openxmlformats.org/presentationml/2006/main">
+  <p:cSld>
+    <p:spTree>
+      <p:nvGrpSpPr>
+        <p:cNvPr id="1" name=""/>
+        <p:cNvGrpSpPr/>
+        <p:nvPr/>
+      </p:nvGrpSpPr>
+      <p:grpSpPr>
+        <a:xfrm>
+          <a:off x="0" y="0"/>
+          <a:ext cx="0" cy="0"/>
+          <a:chOff x="0" y="0"/>
+          <a:chExt cx="0" cy="0"/>
+        </a:xfrm>
+      </p:grpSpPr>
+      <p:sp>
+        <p:nvSpPr>
+          <p:cNvPr id="2" name="标题 1">
+            <a:extLst>
+              <a:ext uri="{FF2B5EF4-FFF2-40B4-BE49-F238E27FC236}">
+                <a16:creationId xmlns:a16="http://schemas.microsoft.com/office/drawing/2014/main" id="{8B88BACC-24DE-4087-9AB3-A099CF573089}"/>
+              </a:ext>
+            </a:extLst>
+          </p:cNvPr>
+          <p:cNvSpPr>
+            <a:spLocks noGrp="1"/>
+          </p:cNvSpPr>
+          <p:nvPr>
+            <p:ph type="title"/>
+          </p:nvPr>
+        </p:nvSpPr>
+        <p:spPr/>
+        <p:txBody>
+          <a:bodyPr/>
+          <a:lstStyle/>
+          <a:p>
+            <a:r>
+              <a:rPr lang="zh-CN" altLang="en-US" dirty="0"/>
+              <a:t>脚本示例</a:t>
+            </a:r>
+          </a:p>
+        </p:txBody>
+      </p:sp>
+      <p:sp>
+        <p:nvSpPr>
+          <p:cNvPr id="3" name="内容占位符 2">
+            <a:extLst>
+              <a:ext uri="{FF2B5EF4-FFF2-40B4-BE49-F238E27FC236}">
+                <a16:creationId xmlns:a16="http://schemas.microsoft.com/office/drawing/2014/main" id="{0A1C6B17-780B-4799-8193-E52FD817AC0E}"/>
+              </a:ext>
+            </a:extLst>
+          </p:cNvPr>
+          <p:cNvSpPr>
+            <a:spLocks noGrp="1"/>
+          </p:cNvSpPr>
+          <p:nvPr>
+            <p:ph idx="1"/>
+          </p:nvPr>
+        </p:nvSpPr>
+        <p:spPr/>
+        <p:txBody>
+          <a:bodyPr/>
+          <a:lstStyle/>
+          <a:p>
+            <a:r>
+              <a:rPr lang="en-US" altLang="zh-CN" sz="2000" dirty="0"/>
+              <a:t>while</a:t>
+            </a:r>
+            <a:r>
+              <a:rPr lang="zh-CN" altLang="en-US" sz="2000" dirty="0"/>
+              <a:t>与</a:t>
+            </a:r>
+            <a:r>
+              <a:rPr lang="en-US" altLang="zh-CN" sz="2000" dirty="0"/>
+              <a:t>until</a:t>
+            </a:r>
+            <a:r>
+              <a:rPr lang="zh-CN" altLang="en-US" sz="2000" dirty="0"/>
+              <a:t>循环的结构一致，不同的是对待条件退出的状态，</a:t>
+            </a:r>
+            <a:r>
+              <a:rPr lang="en-US" altLang="zh-CN" sz="2000" dirty="0"/>
+              <a:t>while</a:t>
+            </a:r>
+            <a:r>
+              <a:rPr lang="zh-CN" altLang="en-US" sz="2000" dirty="0"/>
+              <a:t>是成功则执行，</a:t>
+            </a:r>
+            <a:r>
+              <a:rPr lang="en-US" altLang="zh-CN" sz="2000" dirty="0"/>
+              <a:t>until</a:t>
+            </a:r>
+            <a:r>
+              <a:rPr lang="zh-CN" altLang="en-US" sz="2000" dirty="0"/>
+              <a:t>是不成功则执行。结构使用如下：</a:t>
+            </a:r>
+            <a:endParaRPr lang="en-US" altLang="zh-CN" sz="2000" dirty="0"/>
+          </a:p>
+          <a:p>
+            <a:pPr marL="457200" lvl="1" indent="0">
+              <a:buNone/>
+            </a:pPr>
+            <a:r>
+              <a:rPr lang="en-US" altLang="zh-CN" sz="2000" dirty="0"/>
+              <a:t>while  CONDITION</a:t>
+            </a:r>
+          </a:p>
+          <a:p>
+            <a:pPr marL="457200" lvl="1" indent="0">
+              <a:buNone/>
+            </a:pPr>
+            <a:r>
+              <a:rPr lang="en-US" altLang="zh-CN" sz="2000" dirty="0"/>
+              <a:t>do</a:t>
+            </a:r>
+          </a:p>
+          <a:p>
+            <a:pPr marL="457200" lvl="1" indent="0">
+              <a:buNone/>
+            </a:pPr>
+            <a:r>
+              <a:rPr lang="en-US" altLang="zh-CN" sz="2000" dirty="0"/>
+              <a:t>        COMMANDS</a:t>
+            </a:r>
+          </a:p>
+          <a:p>
+            <a:pPr marL="457200" lvl="1" indent="0">
+              <a:buNone/>
+            </a:pPr>
+            <a:r>
+              <a:rPr lang="en-US" altLang="zh-CN" sz="2000" dirty="0"/>
+              <a:t>done</a:t>
+            </a:r>
+          </a:p>
+          <a:p>
+            <a:r>
+              <a:rPr lang="zh-CN" altLang="en-US" sz="2000" dirty="0"/>
+              <a:t>示例：</a:t>
+            </a:r>
+            <a:endParaRPr lang="en-US" altLang="zh-CN" sz="2000" dirty="0"/>
+          </a:p>
+          <a:p>
+            <a:pPr marL="0" indent="0">
+              <a:buNone/>
+            </a:pPr>
+            <a:endParaRPr lang="en-US" altLang="zh-CN" sz="2000" dirty="0"/>
+          </a:p>
+        </p:txBody>
+      </p:sp>
+    </p:spTree>
+    <p:extLst>
+      <p:ext uri="{BB962C8B-B14F-4D97-AF65-F5344CB8AC3E}">
+        <p14:creationId xmlns:p14="http://schemas.microsoft.com/office/powerpoint/2010/main" val="3809587189"/>
       </p:ext>
     </p:extLst>
   </p:cSld>

--- a/materials/slides/ch01-review-and-linux.pptx
+++ b/materials/slides/ch01-review-and-linux.pptx
@@ -5,10 +5,10 @@
     <p:sldMasterId id="2147483648" r:id="rId1"/>
   </p:sldMasterIdLst>
   <p:notesMasterIdLst>
-    <p:notesMasterId r:id="rId21"/>
+    <p:notesMasterId r:id="rId33"/>
   </p:notesMasterIdLst>
   <p:handoutMasterIdLst>
-    <p:handoutMasterId r:id="rId22"/>
+    <p:handoutMasterId r:id="rId34"/>
   </p:handoutMasterIdLst>
   <p:sldIdLst>
     <p:sldId id="257" r:id="rId2"/>
@@ -20,16 +20,28 @@
     <p:sldId id="263" r:id="rId8"/>
     <p:sldId id="259" r:id="rId9"/>
     <p:sldId id="287" r:id="rId10"/>
-    <p:sldId id="288" r:id="rId11"/>
-    <p:sldId id="289" r:id="rId12"/>
-    <p:sldId id="260" r:id="rId13"/>
-    <p:sldId id="282" r:id="rId14"/>
-    <p:sldId id="283" r:id="rId15"/>
-    <p:sldId id="290" r:id="rId16"/>
-    <p:sldId id="291" r:id="rId17"/>
-    <p:sldId id="292" r:id="rId18"/>
-    <p:sldId id="293" r:id="rId19"/>
-    <p:sldId id="294" r:id="rId20"/>
+    <p:sldId id="315" r:id="rId11"/>
+    <p:sldId id="312" r:id="rId12"/>
+    <p:sldId id="313" r:id="rId13"/>
+    <p:sldId id="314" r:id="rId14"/>
+    <p:sldId id="310" r:id="rId15"/>
+    <p:sldId id="311" r:id="rId16"/>
+    <p:sldId id="289" r:id="rId17"/>
+    <p:sldId id="260" r:id="rId18"/>
+    <p:sldId id="295" r:id="rId19"/>
+    <p:sldId id="296" r:id="rId20"/>
+    <p:sldId id="297" r:id="rId21"/>
+    <p:sldId id="298" r:id="rId22"/>
+    <p:sldId id="299" r:id="rId23"/>
+    <p:sldId id="300" r:id="rId24"/>
+    <p:sldId id="301" r:id="rId25"/>
+    <p:sldId id="303" r:id="rId26"/>
+    <p:sldId id="304" r:id="rId27"/>
+    <p:sldId id="305" r:id="rId28"/>
+    <p:sldId id="306" r:id="rId29"/>
+    <p:sldId id="307" r:id="rId30"/>
+    <p:sldId id="308" r:id="rId31"/>
+    <p:sldId id="309" r:id="rId32"/>
   </p:sldIdLst>
   <p:sldSz cx="12192000" cy="6858000"/>
   <p:notesSz cx="7104063" cy="10234613"/>
@@ -233,7 +245,7 @@
           <a:p>
             <a:fld id="{E923E828-953C-4D4A-9B10-11E7329F433D}" type="datetimeFigureOut">
               <a:rPr lang="zh-CN" altLang="en-US" smtClean="0"/>
-              <a:t>2018/2/24</a:t>
+              <a:t>2018/2/27</a:t>
             </a:fld>
             <a:endParaRPr lang="zh-CN" altLang="en-US"/>
           </a:p>
@@ -414,7 +426,7 @@
           <a:p>
             <a:fld id="{867C5346-22E5-4085-8130-851344A84DFF}" type="datetimeFigureOut">
               <a:rPr lang="zh-CN" altLang="en-US" smtClean="0"/>
-              <a:t>2018/2/24</a:t>
+              <a:t>2018/2/27</a:t>
             </a:fld>
             <a:endParaRPr lang="zh-CN" altLang="en-US"/>
           </a:p>
@@ -840,7 +852,7 @@
           <a:p>
             <a:fld id="{A5E21016-498F-4141-B0CA-D95A38CA7D62}" type="datetimeFigureOut">
               <a:rPr lang="zh-CN" altLang="en-US" smtClean="0"/>
-              <a:t>2018/2/24</a:t>
+              <a:t>2018/2/27</a:t>
             </a:fld>
             <a:endParaRPr lang="zh-CN" altLang="en-US"/>
           </a:p>
@@ -1070,7 +1082,7 @@
           <a:p>
             <a:fld id="{A5E21016-498F-4141-B0CA-D95A38CA7D62}" type="datetimeFigureOut">
               <a:rPr lang="zh-CN" altLang="en-US" smtClean="0"/>
-              <a:t>2018/2/24</a:t>
+              <a:t>2018/2/27</a:t>
             </a:fld>
             <a:endParaRPr lang="zh-CN" altLang="en-US"/>
           </a:p>
@@ -1305,7 +1317,7 @@
           <a:p>
             <a:fld id="{A5E21016-498F-4141-B0CA-D95A38CA7D62}" type="datetimeFigureOut">
               <a:rPr lang="zh-CN" altLang="en-US" smtClean="0"/>
-              <a:t>2018/2/24</a:t>
+              <a:t>2018/2/27</a:t>
             </a:fld>
             <a:endParaRPr lang="zh-CN" altLang="en-US"/>
           </a:p>
@@ -1867,7 +1879,7 @@
           <a:p>
             <a:fld id="{A5E21016-498F-4141-B0CA-D95A38CA7D62}" type="datetimeFigureOut">
               <a:rPr lang="zh-CN" altLang="en-US" smtClean="0"/>
-              <a:t>2018/2/24</a:t>
+              <a:t>2018/2/27</a:t>
             </a:fld>
             <a:endParaRPr lang="zh-CN" altLang="en-US"/>
           </a:p>
@@ -2164,7 +2176,7 @@
           <a:p>
             <a:fld id="{A5E21016-498F-4141-B0CA-D95A38CA7D62}" type="datetimeFigureOut">
               <a:rPr lang="zh-CN" altLang="en-US" smtClean="0"/>
-              <a:t>2018/2/24</a:t>
+              <a:t>2018/2/27</a:t>
             </a:fld>
             <a:endParaRPr lang="zh-CN" altLang="en-US"/>
           </a:p>
@@ -2603,7 +2615,7 @@
           <a:p>
             <a:fld id="{A5E21016-498F-4141-B0CA-D95A38CA7D62}" type="datetimeFigureOut">
               <a:rPr lang="zh-CN" altLang="en-US" smtClean="0"/>
-              <a:t>2018/2/24</a:t>
+              <a:t>2018/2/27</a:t>
             </a:fld>
             <a:endParaRPr lang="zh-CN" altLang="en-US"/>
           </a:p>
@@ -2776,7 +2788,7 @@
           <a:p>
             <a:fld id="{A5E21016-498F-4141-B0CA-D95A38CA7D62}" type="datetimeFigureOut">
               <a:rPr lang="zh-CN" altLang="en-US" smtClean="0"/>
-              <a:t>2018/2/24</a:t>
+              <a:t>2018/2/27</a:t>
             </a:fld>
             <a:endParaRPr lang="zh-CN" altLang="en-US"/>
           </a:p>
@@ -2913,7 +2925,7 @@
           <a:p>
             <a:fld id="{A5E21016-498F-4141-B0CA-D95A38CA7D62}" type="datetimeFigureOut">
               <a:rPr lang="zh-CN" altLang="en-US" smtClean="0"/>
-              <a:t>2018/2/24</a:t>
+              <a:t>2018/2/27</a:t>
             </a:fld>
             <a:endParaRPr lang="zh-CN" altLang="en-US"/>
           </a:p>
@@ -3251,7 +3263,7 @@
           <a:p>
             <a:fld id="{A5E21016-498F-4141-B0CA-D95A38CA7D62}" type="datetimeFigureOut">
               <a:rPr lang="zh-CN" altLang="en-US" smtClean="0"/>
-              <a:t>2018/2/24</a:t>
+              <a:t>2018/2/27</a:t>
             </a:fld>
             <a:endParaRPr lang="zh-CN" altLang="en-US"/>
           </a:p>
@@ -3566,7 +3578,7 @@
           <a:p>
             <a:fld id="{A5E21016-498F-4141-B0CA-D95A38CA7D62}" type="datetimeFigureOut">
               <a:rPr lang="zh-CN" altLang="en-US" smtClean="0"/>
-              <a:t>2018/2/24</a:t>
+              <a:t>2018/2/27</a:t>
             </a:fld>
             <a:endParaRPr lang="zh-CN" altLang="en-US"/>
           </a:p>
@@ -4418,21 +4430,21 @@
           <a:p>
             <a:r>
               <a:rPr lang="en-US" altLang="zh-CN" dirty="0"/>
-              <a:t>IO</a:t>
+              <a:t>shell</a:t>
             </a:r>
             <a:r>
               <a:rPr lang="zh-CN" altLang="en-US" dirty="0"/>
-              <a:t>重定向与管道</a:t>
+              <a:t>如何执行命令</a:t>
             </a:r>
           </a:p>
         </p:txBody>
       </p:sp>
       <p:sp>
         <p:nvSpPr>
-          <p:cNvPr id="3" name="内容占位符 2">
+          <p:cNvPr id="5" name="内容占位符 4">
             <a:extLst>
               <a:ext uri="{FF2B5EF4-FFF2-40B4-BE49-F238E27FC236}">
-                <a16:creationId xmlns:a16="http://schemas.microsoft.com/office/drawing/2014/main" id="{0A1C6B17-780B-4799-8193-E52FD817AC0E}"/>
+                <a16:creationId xmlns:a16="http://schemas.microsoft.com/office/drawing/2014/main" id="{2C34C872-4D85-42A5-826D-E50F695E08B2}"/>
               </a:ext>
             </a:extLst>
           </p:cNvPr>
@@ -4448,14 +4460,14 @@
           <a:bodyPr/>
           <a:lstStyle/>
           <a:p>
-            <a:endParaRPr lang="en-US" altLang="zh-CN" sz="2000" dirty="0"/>
+            <a:endParaRPr lang="zh-CN" altLang="en-US"/>
           </a:p>
         </p:txBody>
       </p:sp>
     </p:spTree>
     <p:extLst>
       <p:ext uri="{BB962C8B-B14F-4D97-AF65-F5344CB8AC3E}">
-        <p14:creationId xmlns:p14="http://schemas.microsoft.com/office/powerpoint/2010/main" val="1718543445"/>
+        <p14:creationId xmlns:p14="http://schemas.microsoft.com/office/powerpoint/2010/main" val="378892727"/>
       </p:ext>
     </p:extLst>
   </p:cSld>
@@ -4503,7 +4515,14 @@
           <a:bodyPr/>
           <a:lstStyle/>
           <a:p>
-            <a:endParaRPr lang="zh-CN" altLang="en-US" dirty="0"/>
+            <a:r>
+              <a:rPr lang="en-US" altLang="zh-CN" dirty="0"/>
+              <a:t>IO</a:t>
+            </a:r>
+            <a:r>
+              <a:rPr lang="zh-CN" altLang="en-US" dirty="0"/>
+              <a:t>重定向</a:t>
+            </a:r>
           </a:p>
         </p:txBody>
       </p:sp>
@@ -4525,9 +4544,57 @@
         </p:nvSpPr>
         <p:spPr/>
         <p:txBody>
-          <a:bodyPr/>
+          <a:bodyPr>
+            <a:normAutofit/>
+          </a:bodyPr>
           <a:lstStyle/>
           <a:p>
+            <a:r>
+              <a:rPr lang="zh-CN" altLang="en-US" sz="2000" dirty="0"/>
+              <a:t>在</a:t>
+            </a:r>
+            <a:r>
+              <a:rPr lang="en-US" altLang="zh-CN" sz="2000" dirty="0"/>
+              <a:t>shell</a:t>
+            </a:r>
+            <a:r>
+              <a:rPr lang="zh-CN" altLang="en-US" sz="2000" dirty="0"/>
+              <a:t>中输入命令运行程序，程序的正常输出信息（标准输出）和一些出错信息（标准错误）会通过</a:t>
+            </a:r>
+            <a:r>
+              <a:rPr lang="en-US" altLang="zh-CN" sz="2000" dirty="0"/>
+              <a:t>shell</a:t>
+            </a:r>
+            <a:r>
+              <a:rPr lang="zh-CN" altLang="en-US" sz="2000" dirty="0"/>
+              <a:t>显示在屏幕上。有时候我们并不需要把这些输出信息（包括标准输出和标准错误）显示在屏幕上，或需要把这些输出信息保存在一个文件中，这时就需要进行输出重定向。输入重定向也是如此。</a:t>
+            </a:r>
+            <a:endParaRPr lang="en-US" altLang="zh-CN" sz="2000" dirty="0"/>
+          </a:p>
+          <a:p>
+            <a:endParaRPr lang="en-US" altLang="zh-CN" sz="2000" dirty="0"/>
+          </a:p>
+          <a:p>
+            <a:r>
+              <a:rPr lang="zh-CN" altLang="en-US" sz="2000" dirty="0"/>
+              <a:t>执行重定向操作的是</a:t>
+            </a:r>
+            <a:r>
+              <a:rPr lang="en-US" altLang="zh-CN" sz="2000" dirty="0"/>
+              <a:t>shell</a:t>
+            </a:r>
+            <a:r>
+              <a:rPr lang="zh-CN" altLang="en-US" sz="2000" dirty="0"/>
+              <a:t>，而不是程序。</a:t>
+            </a:r>
+            <a:r>
+              <a:rPr lang="en-US" altLang="zh-CN" sz="2000" dirty="0"/>
+              <a:t>shell</a:t>
+            </a:r>
+            <a:r>
+              <a:rPr lang="zh-CN" altLang="en-US" sz="2000" dirty="0"/>
+              <a:t>把重定向符号解释成指令，将标准输出（或标准错误）指向文件，而不是当前显示设备。输入重定向也是如此。</a:t>
+            </a:r>
             <a:endParaRPr lang="en-US" altLang="zh-CN" sz="2000" dirty="0"/>
           </a:p>
         </p:txBody>
@@ -4535,7 +4602,7 @@
     </p:spTree>
     <p:extLst>
       <p:ext uri="{BB962C8B-B14F-4D97-AF65-F5344CB8AC3E}">
-        <p14:creationId xmlns:p14="http://schemas.microsoft.com/office/powerpoint/2010/main" val="1662545917"/>
+        <p14:creationId xmlns:p14="http://schemas.microsoft.com/office/powerpoint/2010/main" val="4134894898"/>
       </p:ext>
     </p:extLst>
   </p:cSld>
@@ -4564,13 +4631,7 @@
       </p:grpSpPr>
       <p:sp>
         <p:nvSpPr>
-          <p:cNvPr id="4" name="标题 3">
-            <a:extLst>
-              <a:ext uri="{FF2B5EF4-FFF2-40B4-BE49-F238E27FC236}">
-                <a16:creationId xmlns:a16="http://schemas.microsoft.com/office/drawing/2014/main" id="{2729939D-814A-4BD2-9922-3F8EA865938B}"/>
-              </a:ext>
-            </a:extLst>
-          </p:cNvPr>
+          <p:cNvPr id="2" name="标题 1"/>
           <p:cNvSpPr>
             <a:spLocks noGrp="1"/>
           </p:cNvSpPr>
@@ -4578,33 +4639,21 @@
             <p:ph type="title"/>
           </p:nvPr>
         </p:nvSpPr>
-        <p:spPr>
-          <a:xfrm>
-            <a:off x="838200" y="683581"/>
-            <a:ext cx="10515600" cy="736846"/>
-          </a:xfrm>
-        </p:spPr>
+        <p:spPr/>
         <p:txBody>
           <a:bodyPr/>
           <a:lstStyle/>
           <a:p>
             <a:r>
-              <a:rPr lang="en-US" altLang="zh-CN" dirty="0"/>
-              <a:t>3</a:t>
-            </a:r>
-            <a:endParaRPr lang="zh-CN" altLang="en-US" dirty="0"/>
+              <a:rPr lang="zh-CN" altLang="en-US" dirty="0"/>
+              <a:t>重定向符号</a:t>
+            </a:r>
           </a:p>
         </p:txBody>
       </p:sp>
       <p:sp>
         <p:nvSpPr>
-          <p:cNvPr id="3" name="内容占位符 2">
-            <a:extLst>
-              <a:ext uri="{FF2B5EF4-FFF2-40B4-BE49-F238E27FC236}">
-                <a16:creationId xmlns:a16="http://schemas.microsoft.com/office/drawing/2014/main" id="{4C1193B6-9CFF-4FAE-AB0A-97DE12E9A50A}"/>
-              </a:ext>
-            </a:extLst>
-          </p:cNvPr>
+          <p:cNvPr id="3" name="内容占位符 2"/>
           <p:cNvSpPr>
             <a:spLocks noGrp="1"/>
           </p:cNvSpPr>
@@ -4614,39 +4663,1948 @@
         </p:nvSpPr>
         <p:spPr/>
         <p:txBody>
-          <a:bodyPr anchor="ctr"/>
+          <a:bodyPr>
+            <a:normAutofit/>
+          </a:bodyPr>
           <a:lstStyle/>
           <a:p>
-            <a:pPr marL="0" indent="0" algn="ctr">
-              <a:buNone/>
-            </a:pPr>
-            <a:r>
-              <a:rPr lang="en-US" altLang="zh-CN" dirty="0">
-                <a:solidFill>
-                  <a:schemeClr val="accent1">
-                    <a:lumMod val="50000"/>
-                  </a:schemeClr>
-                </a:solidFill>
-              </a:rPr>
+            <a:r>
+              <a:rPr lang="en-US" altLang="zh-CN" sz="2000" dirty="0"/>
               <a:t>shell</a:t>
             </a:r>
             <a:r>
-              <a:rPr lang="zh-CN" altLang="en-US" dirty="0">
-                <a:solidFill>
-                  <a:schemeClr val="accent1">
-                    <a:lumMod val="50000"/>
-                  </a:schemeClr>
-                </a:solidFill>
-              </a:rPr>
-              <a:t>脚本</a:t>
-            </a:r>
+              <a:rPr lang="zh-CN" altLang="en-US" sz="2000" dirty="0"/>
+              <a:t>将</a:t>
+            </a:r>
+            <a:r>
+              <a:rPr lang="en-US" altLang="zh-CN" sz="2000" dirty="0"/>
+              <a:t>&lt;</a:t>
+            </a:r>
+            <a:r>
+              <a:rPr lang="zh-CN" altLang="en-US" sz="2000" dirty="0"/>
+              <a:t>、</a:t>
+            </a:r>
+            <a:r>
+              <a:rPr lang="en-US" altLang="zh-CN" sz="2000" dirty="0"/>
+              <a:t>&gt;</a:t>
+            </a:r>
+            <a:r>
+              <a:rPr lang="zh-CN" altLang="en-US" sz="2000" dirty="0"/>
+              <a:t>、</a:t>
+            </a:r>
+            <a:r>
+              <a:rPr lang="en-US" altLang="zh-CN" sz="2000" dirty="0"/>
+              <a:t>&gt;&gt;</a:t>
+            </a:r>
+            <a:r>
+              <a:rPr lang="zh-CN" altLang="en-US" sz="2000" dirty="0"/>
+              <a:t>解释成指令，用来把一条命令的输入或输出重定向到一个文件。</a:t>
+            </a:r>
+            <a:r>
+              <a:rPr lang="en-US" altLang="zh-CN" sz="2000" dirty="0"/>
+              <a:t>&lt;</a:t>
+            </a:r>
+            <a:r>
+              <a:rPr lang="zh-CN" altLang="en-US" sz="2000" dirty="0"/>
+              <a:t>这个符号把这条命令的</a:t>
+            </a:r>
+            <a:r>
+              <a:rPr lang="en-US" altLang="zh-CN" sz="2000" dirty="0"/>
+              <a:t>STDIN</a:t>
+            </a:r>
+            <a:r>
+              <a:rPr lang="zh-CN" altLang="en-US" sz="2000" dirty="0"/>
+              <a:t>和已有的某个文件的内容联系起来。符号</a:t>
+            </a:r>
+            <a:r>
+              <a:rPr lang="en-US" altLang="zh-CN" sz="2000" dirty="0"/>
+              <a:t>&gt;</a:t>
+            </a:r>
+            <a:r>
+              <a:rPr lang="zh-CN" altLang="en-US" sz="2000" dirty="0"/>
+              <a:t>和</a:t>
+            </a:r>
+            <a:r>
+              <a:rPr lang="en-US" altLang="zh-CN" sz="2000" dirty="0"/>
+              <a:t>&gt;&gt;</a:t>
+            </a:r>
+            <a:r>
+              <a:rPr lang="zh-CN" altLang="en-US" sz="2000" dirty="0"/>
+              <a:t>则仅重定向</a:t>
+            </a:r>
+            <a:r>
+              <a:rPr lang="en-US" altLang="zh-CN" sz="2000" dirty="0"/>
+              <a:t>STDOUT</a:t>
+            </a:r>
+            <a:r>
+              <a:rPr lang="zh-CN" altLang="en-US" sz="2000" dirty="0"/>
+              <a:t>，</a:t>
+            </a:r>
+            <a:r>
+              <a:rPr lang="en-US" altLang="zh-CN" sz="2000" dirty="0"/>
+              <a:t>&gt;</a:t>
+            </a:r>
+            <a:r>
+              <a:rPr lang="zh-CN" altLang="en-US" sz="2000" dirty="0"/>
+              <a:t>会替换文件中的现有内容，</a:t>
+            </a:r>
+            <a:r>
+              <a:rPr lang="en-US" altLang="zh-CN" sz="2000" dirty="0"/>
+              <a:t>&gt;&gt;</a:t>
+            </a:r>
+            <a:r>
+              <a:rPr lang="zh-CN" altLang="en-US" sz="2000" dirty="0"/>
+              <a:t>则给文件追加内容。仅仅重定向</a:t>
+            </a:r>
+            <a:r>
+              <a:rPr lang="en-US" altLang="zh-CN" sz="2000" dirty="0"/>
+              <a:t>STDERR</a:t>
+            </a:r>
+            <a:r>
+              <a:rPr lang="zh-CN" altLang="en-US" sz="2000" dirty="0"/>
+              <a:t>的话，则用</a:t>
+            </a:r>
+            <a:r>
+              <a:rPr lang="en-US" altLang="zh-CN" sz="2000" dirty="0"/>
+              <a:t>2&gt;</a:t>
+            </a:r>
+            <a:r>
+              <a:rPr lang="zh-CN" altLang="en-US" sz="2000" dirty="0"/>
+              <a:t>。</a:t>
+            </a:r>
+            <a:endParaRPr lang="en-US" altLang="zh-CN" sz="2000" dirty="0"/>
+          </a:p>
+          <a:p>
+            <a:endParaRPr lang="en-US" altLang="zh-CN" sz="2000" dirty="0"/>
+          </a:p>
+          <a:p>
+            <a:endParaRPr lang="en-US" altLang="zh-CN" sz="2000" dirty="0"/>
           </a:p>
         </p:txBody>
       </p:sp>
+      <p:graphicFrame>
+        <p:nvGraphicFramePr>
+          <p:cNvPr id="4" name="表格 3"/>
+          <p:cNvGraphicFramePr>
+            <a:graphicFrameLocks noGrp="1"/>
+          </p:cNvGraphicFramePr>
+          <p:nvPr>
+            <p:extLst/>
+          </p:nvPr>
+        </p:nvGraphicFramePr>
+        <p:xfrm>
+          <a:off x="2289609" y="2711222"/>
+          <a:ext cx="7971991" cy="3950835"/>
+        </p:xfrm>
+        <a:graphic>
+          <a:graphicData uri="http://schemas.openxmlformats.org/drawingml/2006/table">
+            <a:tbl>
+              <a:tblPr/>
+              <a:tblGrid>
+                <a:gridCol w="2059269">
+                  <a:extLst>
+                    <a:ext uri="{9D8B030D-6E8A-4147-A177-3AD203B41FA5}">
+                      <a16:colId xmlns:a16="http://schemas.microsoft.com/office/drawing/2014/main" val="20000"/>
+                    </a:ext>
+                  </a:extLst>
+                </a:gridCol>
+                <a:gridCol w="1123384">
+                  <a:extLst>
+                    <a:ext uri="{9D8B030D-6E8A-4147-A177-3AD203B41FA5}">
+                      <a16:colId xmlns:a16="http://schemas.microsoft.com/office/drawing/2014/main" val="20001"/>
+                    </a:ext>
+                  </a:extLst>
+                </a:gridCol>
+                <a:gridCol w="4789338">
+                  <a:extLst>
+                    <a:ext uri="{9D8B030D-6E8A-4147-A177-3AD203B41FA5}">
+                      <a16:colId xmlns:a16="http://schemas.microsoft.com/office/drawing/2014/main" val="20002"/>
+                    </a:ext>
+                  </a:extLst>
+                </a:gridCol>
+              </a:tblGrid>
+              <a:tr h="472002">
+                <a:tc>
+                  <a:txBody>
+                    <a:bodyPr/>
+                    <a:lstStyle/>
+                    <a:p>
+                      <a:pPr marL="0" marR="0" lvl="0" indent="0" algn="ctr" defTabSz="914400" rtl="0" eaLnBrk="1" fontAlgn="base" latinLnBrk="0" hangingPunct="1">
+                        <a:lnSpc>
+                          <a:spcPct val="100000"/>
+                        </a:lnSpc>
+                        <a:spcBef>
+                          <a:spcPct val="20000"/>
+                        </a:spcBef>
+                        <a:spcAft>
+                          <a:spcPct val="0"/>
+                        </a:spcAft>
+                        <a:buClr>
+                          <a:schemeClr val="tx1"/>
+                        </a:buClr>
+                        <a:buSzTx/>
+                        <a:buFont typeface="Wingdings" pitchFamily="2" charset="2"/>
+                        <a:buNone/>
+                        <a:tabLst/>
+                      </a:pPr>
+                      <a:r>
+                        <a:rPr kumimoji="0" lang="zh-CN" altLang="en-US" sz="2400" b="1" i="0" u="none" strike="noStrike" cap="none" normalizeH="0" baseline="0" dirty="0">
+                          <a:ln>
+                            <a:noFill/>
+                          </a:ln>
+                          <a:solidFill>
+                            <a:srgbClr val="000000"/>
+                          </a:solidFill>
+                          <a:effectLst/>
+                          <a:latin typeface="Arial" pitchFamily="34" charset="0"/>
+                          <a:ea typeface="楷体_GB2312"/>
+                          <a:cs typeface="楷体_GB2312"/>
+                        </a:rPr>
+                        <a:t>类型</a:t>
+                      </a:r>
+                    </a:p>
+                  </a:txBody>
+                  <a:tcPr marT="45715" marB="45715" horzOverflow="overflow">
+                    <a:lnL w="28575" cap="flat" cmpd="sng" algn="ctr">
+                      <a:solidFill>
+                        <a:srgbClr val="003399"/>
+                      </a:solidFill>
+                      <a:prstDash val="solid"/>
+                      <a:round/>
+                      <a:headEnd type="none" w="med" len="med"/>
+                      <a:tailEnd type="none" w="med" len="med"/>
+                    </a:lnL>
+                    <a:lnR w="12700" cap="flat" cmpd="sng" algn="ctr">
+                      <a:solidFill>
+                        <a:schemeClr val="tx2"/>
+                      </a:solidFill>
+                      <a:prstDash val="solid"/>
+                      <a:round/>
+                      <a:headEnd type="none" w="med" len="med"/>
+                      <a:tailEnd type="none" w="med" len="med"/>
+                    </a:lnR>
+                    <a:lnT w="28575" cap="flat" cmpd="sng" algn="ctr">
+                      <a:solidFill>
+                        <a:srgbClr val="003399"/>
+                      </a:solidFill>
+                      <a:prstDash val="solid"/>
+                      <a:round/>
+                      <a:headEnd type="none" w="med" len="med"/>
+                      <a:tailEnd type="none" w="med" len="med"/>
+                    </a:lnT>
+                    <a:lnB w="12700" cap="flat" cmpd="sng" algn="ctr">
+                      <a:solidFill>
+                        <a:schemeClr val="tx2"/>
+                      </a:solidFill>
+                      <a:prstDash val="solid"/>
+                      <a:round/>
+                      <a:headEnd type="none" w="med" len="med"/>
+                      <a:tailEnd type="none" w="med" len="med"/>
+                    </a:lnB>
+                    <a:lnTlToBr>
+                      <a:noFill/>
+                    </a:lnTlToBr>
+                    <a:lnBlToTr>
+                      <a:noFill/>
+                    </a:lnBlToTr>
+                    <a:solidFill>
+                      <a:srgbClr val="99CCFF"/>
+                    </a:solidFill>
+                  </a:tcPr>
+                </a:tc>
+                <a:tc>
+                  <a:txBody>
+                    <a:bodyPr/>
+                    <a:lstStyle/>
+                    <a:p>
+                      <a:pPr marL="0" marR="0" lvl="0" indent="0" algn="ctr" defTabSz="914400" rtl="0" eaLnBrk="1" fontAlgn="base" latinLnBrk="0" hangingPunct="1">
+                        <a:lnSpc>
+                          <a:spcPct val="100000"/>
+                        </a:lnSpc>
+                        <a:spcBef>
+                          <a:spcPct val="20000"/>
+                        </a:spcBef>
+                        <a:spcAft>
+                          <a:spcPct val="0"/>
+                        </a:spcAft>
+                        <a:buClr>
+                          <a:schemeClr val="tx1"/>
+                        </a:buClr>
+                        <a:buSzTx/>
+                        <a:buFont typeface="Wingdings" pitchFamily="2" charset="2"/>
+                        <a:buNone/>
+                        <a:tabLst/>
+                      </a:pPr>
+                      <a:r>
+                        <a:rPr kumimoji="0" lang="zh-CN" altLang="en-US" sz="2400" b="1" i="0" u="none" strike="noStrike" cap="none" normalizeH="0" baseline="0">
+                          <a:ln>
+                            <a:noFill/>
+                          </a:ln>
+                          <a:solidFill>
+                            <a:srgbClr val="000000"/>
+                          </a:solidFill>
+                          <a:effectLst/>
+                          <a:latin typeface="Arial" pitchFamily="34" charset="0"/>
+                          <a:ea typeface="楷体_GB2312"/>
+                          <a:cs typeface="楷体_GB2312"/>
+                        </a:rPr>
+                        <a:t>操作符</a:t>
+                      </a:r>
+                    </a:p>
+                  </a:txBody>
+                  <a:tcPr marT="45715" marB="45715" horzOverflow="overflow">
+                    <a:lnL w="12700" cap="flat" cmpd="sng" algn="ctr">
+                      <a:solidFill>
+                        <a:schemeClr val="tx2"/>
+                      </a:solidFill>
+                      <a:prstDash val="solid"/>
+                      <a:round/>
+                      <a:headEnd type="none" w="med" len="med"/>
+                      <a:tailEnd type="none" w="med" len="med"/>
+                    </a:lnL>
+                    <a:lnR w="12700" cap="flat" cmpd="sng" algn="ctr">
+                      <a:solidFill>
+                        <a:schemeClr val="tx2"/>
+                      </a:solidFill>
+                      <a:prstDash val="solid"/>
+                      <a:round/>
+                      <a:headEnd type="none" w="med" len="med"/>
+                      <a:tailEnd type="none" w="med" len="med"/>
+                    </a:lnR>
+                    <a:lnT w="28575" cap="flat" cmpd="sng" algn="ctr">
+                      <a:solidFill>
+                        <a:srgbClr val="003399"/>
+                      </a:solidFill>
+                      <a:prstDash val="solid"/>
+                      <a:round/>
+                      <a:headEnd type="none" w="med" len="med"/>
+                      <a:tailEnd type="none" w="med" len="med"/>
+                    </a:lnT>
+                    <a:lnB w="12700" cap="flat" cmpd="sng" algn="ctr">
+                      <a:solidFill>
+                        <a:schemeClr val="tx2"/>
+                      </a:solidFill>
+                      <a:prstDash val="solid"/>
+                      <a:round/>
+                      <a:headEnd type="none" w="med" len="med"/>
+                      <a:tailEnd type="none" w="med" len="med"/>
+                    </a:lnB>
+                    <a:lnTlToBr>
+                      <a:noFill/>
+                    </a:lnTlToBr>
+                    <a:lnBlToTr>
+                      <a:noFill/>
+                    </a:lnBlToTr>
+                    <a:solidFill>
+                      <a:srgbClr val="99CCFF"/>
+                    </a:solidFill>
+                  </a:tcPr>
+                </a:tc>
+                <a:tc>
+                  <a:txBody>
+                    <a:bodyPr/>
+                    <a:lstStyle/>
+                    <a:p>
+                      <a:pPr marL="0" marR="0" lvl="0" indent="0" algn="ctr" defTabSz="914400" rtl="0" eaLnBrk="1" fontAlgn="base" latinLnBrk="0" hangingPunct="1">
+                        <a:lnSpc>
+                          <a:spcPct val="100000"/>
+                        </a:lnSpc>
+                        <a:spcBef>
+                          <a:spcPct val="20000"/>
+                        </a:spcBef>
+                        <a:spcAft>
+                          <a:spcPct val="0"/>
+                        </a:spcAft>
+                        <a:buClr>
+                          <a:schemeClr val="tx1"/>
+                        </a:buClr>
+                        <a:buSzTx/>
+                        <a:buFont typeface="Wingdings" pitchFamily="2" charset="2"/>
+                        <a:buNone/>
+                        <a:tabLst/>
+                      </a:pPr>
+                      <a:r>
+                        <a:rPr kumimoji="0" lang="zh-CN" altLang="en-US" sz="2400" b="1" i="0" u="none" strike="noStrike" cap="none" normalizeH="0" baseline="0" dirty="0">
+                          <a:ln>
+                            <a:noFill/>
+                          </a:ln>
+                          <a:solidFill>
+                            <a:srgbClr val="000000"/>
+                          </a:solidFill>
+                          <a:effectLst/>
+                          <a:latin typeface="Arial" pitchFamily="34" charset="0"/>
+                          <a:ea typeface="楷体_GB2312"/>
+                          <a:cs typeface="楷体_GB2312"/>
+                        </a:rPr>
+                        <a:t>用途</a:t>
+                      </a:r>
+                    </a:p>
+                  </a:txBody>
+                  <a:tcPr marT="45715" marB="45715" horzOverflow="overflow">
+                    <a:lnL w="12700" cap="flat" cmpd="sng" algn="ctr">
+                      <a:solidFill>
+                        <a:schemeClr val="tx2"/>
+                      </a:solidFill>
+                      <a:prstDash val="solid"/>
+                      <a:round/>
+                      <a:headEnd type="none" w="med" len="med"/>
+                      <a:tailEnd type="none" w="med" len="med"/>
+                    </a:lnL>
+                    <a:lnR w="28575" cap="flat" cmpd="sng" algn="ctr">
+                      <a:solidFill>
+                        <a:srgbClr val="003399"/>
+                      </a:solidFill>
+                      <a:prstDash val="solid"/>
+                      <a:round/>
+                      <a:headEnd type="none" w="med" len="med"/>
+                      <a:tailEnd type="none" w="med" len="med"/>
+                    </a:lnR>
+                    <a:lnT w="28575" cap="flat" cmpd="sng" algn="ctr">
+                      <a:solidFill>
+                        <a:srgbClr val="003399"/>
+                      </a:solidFill>
+                      <a:prstDash val="solid"/>
+                      <a:round/>
+                      <a:headEnd type="none" w="med" len="med"/>
+                      <a:tailEnd type="none" w="med" len="med"/>
+                    </a:lnT>
+                    <a:lnB w="12700" cap="flat" cmpd="sng" algn="ctr">
+                      <a:solidFill>
+                        <a:schemeClr val="tx2"/>
+                      </a:solidFill>
+                      <a:prstDash val="solid"/>
+                      <a:round/>
+                      <a:headEnd type="none" w="med" len="med"/>
+                      <a:tailEnd type="none" w="med" len="med"/>
+                    </a:lnB>
+                    <a:lnTlToBr>
+                      <a:noFill/>
+                    </a:lnTlToBr>
+                    <a:lnBlToTr>
+                      <a:noFill/>
+                    </a:lnBlToTr>
+                    <a:solidFill>
+                      <a:srgbClr val="99CCFF"/>
+                    </a:solidFill>
+                  </a:tcPr>
+                </a:tc>
+                <a:extLst>
+                  <a:ext uri="{0D108BD9-81ED-4DB2-BD59-A6C34878D82A}">
+                    <a16:rowId xmlns:a16="http://schemas.microsoft.com/office/drawing/2014/main" val="10000"/>
+                  </a:ext>
+                </a:extLst>
+              </a:tr>
+              <a:tr h="673415">
+                <a:tc>
+                  <a:txBody>
+                    <a:bodyPr/>
+                    <a:lstStyle/>
+                    <a:p>
+                      <a:pPr marL="0" marR="0" lvl="0" indent="0" algn="l" defTabSz="914400" rtl="0" eaLnBrk="1" fontAlgn="base" latinLnBrk="0" hangingPunct="1">
+                        <a:lnSpc>
+                          <a:spcPct val="100000"/>
+                        </a:lnSpc>
+                        <a:spcBef>
+                          <a:spcPct val="20000"/>
+                        </a:spcBef>
+                        <a:spcAft>
+                          <a:spcPct val="0"/>
+                        </a:spcAft>
+                        <a:buClr>
+                          <a:schemeClr val="tx1"/>
+                        </a:buClr>
+                        <a:buSzTx/>
+                        <a:buFont typeface="Wingdings" pitchFamily="2" charset="2"/>
+                        <a:buNone/>
+                        <a:tabLst/>
+                      </a:pPr>
+                      <a:r>
+                        <a:rPr kumimoji="0" lang="zh-CN" altLang="en-US" sz="1800" b="1" i="0" u="none" strike="noStrike" cap="none" normalizeH="0" baseline="0" dirty="0">
+                          <a:ln>
+                            <a:noFill/>
+                          </a:ln>
+                          <a:solidFill>
+                            <a:srgbClr val="000000"/>
+                          </a:solidFill>
+                          <a:effectLst/>
+                          <a:latin typeface="Arial" pitchFamily="34" charset="0"/>
+                          <a:ea typeface="楷体_GB2312"/>
+                          <a:cs typeface="楷体_GB2312"/>
+                        </a:rPr>
+                        <a:t>重定向标准输入</a:t>
+                      </a:r>
+                    </a:p>
+                  </a:txBody>
+                  <a:tcPr marL="90000" marR="90000" marT="46794" marB="46794" anchor="ctr" horzOverflow="overflow">
+                    <a:lnL w="28575" cap="flat" cmpd="sng" algn="ctr">
+                      <a:solidFill>
+                        <a:srgbClr val="003399"/>
+                      </a:solidFill>
+                      <a:prstDash val="solid"/>
+                      <a:round/>
+                      <a:headEnd type="none" w="med" len="med"/>
+                      <a:tailEnd type="none" w="med" len="med"/>
+                    </a:lnL>
+                    <a:lnR w="12700" cap="flat" cmpd="sng" algn="ctr">
+                      <a:solidFill>
+                        <a:schemeClr val="tx2"/>
+                      </a:solidFill>
+                      <a:prstDash val="solid"/>
+                      <a:round/>
+                      <a:headEnd type="none" w="med" len="med"/>
+                      <a:tailEnd type="none" w="med" len="med"/>
+                    </a:lnR>
+                    <a:lnT w="12700" cap="flat" cmpd="sng" algn="ctr">
+                      <a:solidFill>
+                        <a:schemeClr val="tx2"/>
+                      </a:solidFill>
+                      <a:prstDash val="solid"/>
+                      <a:round/>
+                      <a:headEnd type="none" w="med" len="med"/>
+                      <a:tailEnd type="none" w="med" len="med"/>
+                    </a:lnT>
+                    <a:lnB w="12700" cap="flat" cmpd="sng" algn="ctr">
+                      <a:solidFill>
+                        <a:schemeClr val="tx2"/>
+                      </a:solidFill>
+                      <a:prstDash val="solid"/>
+                      <a:round/>
+                      <a:headEnd type="none" w="med" len="med"/>
+                      <a:tailEnd type="none" w="med" len="med"/>
+                    </a:lnB>
+                    <a:lnTlToBr>
+                      <a:noFill/>
+                    </a:lnTlToBr>
+                    <a:lnBlToTr>
+                      <a:noFill/>
+                    </a:lnBlToTr>
+                    <a:noFill/>
+                  </a:tcPr>
+                </a:tc>
+                <a:tc>
+                  <a:txBody>
+                    <a:bodyPr/>
+                    <a:lstStyle/>
+                    <a:p>
+                      <a:pPr marL="0" marR="0" lvl="0" indent="0" algn="ctr" defTabSz="914400" rtl="0" eaLnBrk="1" fontAlgn="base" latinLnBrk="0" hangingPunct="1">
+                        <a:lnSpc>
+                          <a:spcPct val="100000"/>
+                        </a:lnSpc>
+                        <a:spcBef>
+                          <a:spcPct val="20000"/>
+                        </a:spcBef>
+                        <a:spcAft>
+                          <a:spcPct val="0"/>
+                        </a:spcAft>
+                        <a:buClr>
+                          <a:schemeClr val="tx1"/>
+                        </a:buClr>
+                        <a:buSzTx/>
+                        <a:buFont typeface="Wingdings" pitchFamily="2" charset="2"/>
+                        <a:buNone/>
+                        <a:tabLst/>
+                      </a:pPr>
+                      <a:r>
+                        <a:rPr kumimoji="0" lang="en-US" altLang="zh-CN" sz="1800" b="1" i="0" u="none" strike="noStrike" cap="none" normalizeH="0" baseline="0" dirty="0">
+                          <a:ln>
+                            <a:noFill/>
+                          </a:ln>
+                          <a:solidFill>
+                            <a:srgbClr val="FF3300"/>
+                          </a:solidFill>
+                          <a:effectLst/>
+                          <a:latin typeface="Arial" pitchFamily="34" charset="0"/>
+                          <a:ea typeface="楷体_GB2312"/>
+                          <a:cs typeface="楷体_GB2312"/>
+                        </a:rPr>
+                        <a:t>&lt;</a:t>
+                      </a:r>
+                    </a:p>
+                  </a:txBody>
+                  <a:tcPr marL="90000" marR="90000" marT="46794" marB="46794" anchor="ctr" anchorCtr="1" horzOverflow="overflow">
+                    <a:lnL w="12700" cap="flat" cmpd="sng" algn="ctr">
+                      <a:solidFill>
+                        <a:schemeClr val="tx2"/>
+                      </a:solidFill>
+                      <a:prstDash val="solid"/>
+                      <a:round/>
+                      <a:headEnd type="none" w="med" len="med"/>
+                      <a:tailEnd type="none" w="med" len="med"/>
+                    </a:lnL>
+                    <a:lnR w="12700" cap="flat" cmpd="sng" algn="ctr">
+                      <a:solidFill>
+                        <a:schemeClr val="tx2"/>
+                      </a:solidFill>
+                      <a:prstDash val="solid"/>
+                      <a:round/>
+                      <a:headEnd type="none" w="med" len="med"/>
+                      <a:tailEnd type="none" w="med" len="med"/>
+                    </a:lnR>
+                    <a:lnT w="12700" cap="flat" cmpd="sng" algn="ctr">
+                      <a:solidFill>
+                        <a:schemeClr val="tx2"/>
+                      </a:solidFill>
+                      <a:prstDash val="solid"/>
+                      <a:round/>
+                      <a:headEnd type="none" w="med" len="med"/>
+                      <a:tailEnd type="none" w="med" len="med"/>
+                    </a:lnT>
+                    <a:lnB w="12700" cap="flat" cmpd="sng" algn="ctr">
+                      <a:solidFill>
+                        <a:schemeClr val="tx2"/>
+                      </a:solidFill>
+                      <a:prstDash val="solid"/>
+                      <a:round/>
+                      <a:headEnd type="none" w="med" len="med"/>
+                      <a:tailEnd type="none" w="med" len="med"/>
+                    </a:lnB>
+                    <a:lnTlToBr>
+                      <a:noFill/>
+                    </a:lnTlToBr>
+                    <a:lnBlToTr>
+                      <a:noFill/>
+                    </a:lnBlToTr>
+                    <a:noFill/>
+                  </a:tcPr>
+                </a:tc>
+                <a:tc>
+                  <a:txBody>
+                    <a:bodyPr/>
+                    <a:lstStyle/>
+                    <a:p>
+                      <a:pPr marL="0" marR="0" lvl="0" indent="0" algn="l" defTabSz="914400" rtl="0" eaLnBrk="1" fontAlgn="base" latinLnBrk="0" hangingPunct="1">
+                        <a:lnSpc>
+                          <a:spcPct val="100000"/>
+                        </a:lnSpc>
+                        <a:spcBef>
+                          <a:spcPct val="20000"/>
+                        </a:spcBef>
+                        <a:spcAft>
+                          <a:spcPct val="0"/>
+                        </a:spcAft>
+                        <a:buClr>
+                          <a:schemeClr val="tx1"/>
+                        </a:buClr>
+                        <a:buSzTx/>
+                        <a:buFont typeface="Wingdings" pitchFamily="2" charset="2"/>
+                        <a:buNone/>
+                        <a:tabLst/>
+                      </a:pPr>
+                      <a:r>
+                        <a:rPr kumimoji="0" lang="zh-CN" altLang="en-US" sz="1800" b="1" i="0" u="none" strike="noStrike" cap="none" normalizeH="0" baseline="0" dirty="0">
+                          <a:ln>
+                            <a:noFill/>
+                          </a:ln>
+                          <a:solidFill>
+                            <a:srgbClr val="000000"/>
+                          </a:solidFill>
+                          <a:effectLst/>
+                          <a:latin typeface="Arial" pitchFamily="34" charset="0"/>
+                          <a:ea typeface="楷体_GB2312"/>
+                          <a:cs typeface="楷体_GB2312"/>
+                        </a:rPr>
+                        <a:t>将命令中接收输入的途径由默认的键盘更改为指定的文件 </a:t>
+                      </a:r>
+                    </a:p>
+                  </a:txBody>
+                  <a:tcPr marL="90000" marR="90000" marT="46794" marB="46794" anchor="ctr" horzOverflow="overflow">
+                    <a:lnL w="12700" cap="flat" cmpd="sng" algn="ctr">
+                      <a:solidFill>
+                        <a:schemeClr val="tx2"/>
+                      </a:solidFill>
+                      <a:prstDash val="solid"/>
+                      <a:round/>
+                      <a:headEnd type="none" w="med" len="med"/>
+                      <a:tailEnd type="none" w="med" len="med"/>
+                    </a:lnL>
+                    <a:lnR w="28575" cap="flat" cmpd="sng" algn="ctr">
+                      <a:solidFill>
+                        <a:srgbClr val="003399"/>
+                      </a:solidFill>
+                      <a:prstDash val="solid"/>
+                      <a:round/>
+                      <a:headEnd type="none" w="med" len="med"/>
+                      <a:tailEnd type="none" w="med" len="med"/>
+                    </a:lnR>
+                    <a:lnT w="12700" cap="flat" cmpd="sng" algn="ctr">
+                      <a:solidFill>
+                        <a:schemeClr val="tx2"/>
+                      </a:solidFill>
+                      <a:prstDash val="solid"/>
+                      <a:round/>
+                      <a:headEnd type="none" w="med" len="med"/>
+                      <a:tailEnd type="none" w="med" len="med"/>
+                    </a:lnT>
+                    <a:lnB w="12700" cap="flat" cmpd="sng" algn="ctr">
+                      <a:solidFill>
+                        <a:schemeClr val="tx2"/>
+                      </a:solidFill>
+                      <a:prstDash val="solid"/>
+                      <a:round/>
+                      <a:headEnd type="none" w="med" len="med"/>
+                      <a:tailEnd type="none" w="med" len="med"/>
+                    </a:lnB>
+                    <a:lnTlToBr>
+                      <a:noFill/>
+                    </a:lnTlToBr>
+                    <a:lnBlToTr>
+                      <a:noFill/>
+                    </a:lnBlToTr>
+                    <a:noFill/>
+                  </a:tcPr>
+                </a:tc>
+                <a:extLst>
+                  <a:ext uri="{0D108BD9-81ED-4DB2-BD59-A6C34878D82A}">
+                    <a16:rowId xmlns:a16="http://schemas.microsoft.com/office/drawing/2014/main" val="10001"/>
+                  </a:ext>
+                </a:extLst>
+              </a:tr>
+              <a:tr h="663042">
+                <a:tc rowSpan="2">
+                  <a:txBody>
+                    <a:bodyPr/>
+                    <a:lstStyle/>
+                    <a:p>
+                      <a:pPr marL="0" marR="0" lvl="0" indent="0" algn="l" defTabSz="914400" rtl="0" eaLnBrk="1" fontAlgn="base" latinLnBrk="0" hangingPunct="1">
+                        <a:lnSpc>
+                          <a:spcPct val="100000"/>
+                        </a:lnSpc>
+                        <a:spcBef>
+                          <a:spcPct val="20000"/>
+                        </a:spcBef>
+                        <a:spcAft>
+                          <a:spcPct val="0"/>
+                        </a:spcAft>
+                        <a:buClr>
+                          <a:schemeClr val="tx1"/>
+                        </a:buClr>
+                        <a:buSzTx/>
+                        <a:buFont typeface="Wingdings" pitchFamily="2" charset="2"/>
+                        <a:buNone/>
+                        <a:tabLst/>
+                      </a:pPr>
+                      <a:r>
+                        <a:rPr kumimoji="0" lang="zh-CN" altLang="en-US" sz="1800" b="1" i="0" u="none" strike="noStrike" cap="none" normalizeH="0" baseline="0">
+                          <a:ln>
+                            <a:noFill/>
+                          </a:ln>
+                          <a:solidFill>
+                            <a:srgbClr val="000000"/>
+                          </a:solidFill>
+                          <a:effectLst/>
+                          <a:latin typeface="Arial" pitchFamily="34" charset="0"/>
+                          <a:ea typeface="楷体_GB2312"/>
+                          <a:cs typeface="楷体_GB2312"/>
+                        </a:rPr>
+                        <a:t>重定向标准输出</a:t>
+                      </a:r>
+                    </a:p>
+                  </a:txBody>
+                  <a:tcPr marL="90000" marR="90000" marT="46794" marB="46794" anchor="ctr" horzOverflow="overflow">
+                    <a:lnL w="28575" cap="flat" cmpd="sng" algn="ctr">
+                      <a:solidFill>
+                        <a:srgbClr val="003399"/>
+                      </a:solidFill>
+                      <a:prstDash val="solid"/>
+                      <a:round/>
+                      <a:headEnd type="none" w="med" len="med"/>
+                      <a:tailEnd type="none" w="med" len="med"/>
+                    </a:lnL>
+                    <a:lnR w="12700" cap="flat" cmpd="sng" algn="ctr">
+                      <a:solidFill>
+                        <a:schemeClr val="tx2"/>
+                      </a:solidFill>
+                      <a:prstDash val="solid"/>
+                      <a:round/>
+                      <a:headEnd type="none" w="med" len="med"/>
+                      <a:tailEnd type="none" w="med" len="med"/>
+                    </a:lnR>
+                    <a:lnT w="12700" cap="flat" cmpd="sng" algn="ctr">
+                      <a:solidFill>
+                        <a:schemeClr val="tx2"/>
+                      </a:solidFill>
+                      <a:prstDash val="solid"/>
+                      <a:round/>
+                      <a:headEnd type="none" w="med" len="med"/>
+                      <a:tailEnd type="none" w="med" len="med"/>
+                    </a:lnT>
+                    <a:lnB w="12700" cap="flat" cmpd="sng" algn="ctr">
+                      <a:solidFill>
+                        <a:schemeClr val="tx2"/>
+                      </a:solidFill>
+                      <a:prstDash val="solid"/>
+                      <a:round/>
+                      <a:headEnd type="none" w="med" len="med"/>
+                      <a:tailEnd type="none" w="med" len="med"/>
+                    </a:lnB>
+                    <a:lnTlToBr>
+                      <a:noFill/>
+                    </a:lnTlToBr>
+                    <a:lnBlToTr>
+                      <a:noFill/>
+                    </a:lnBlToTr>
+                    <a:noFill/>
+                  </a:tcPr>
+                </a:tc>
+                <a:tc>
+                  <a:txBody>
+                    <a:bodyPr/>
+                    <a:lstStyle/>
+                    <a:p>
+                      <a:pPr marL="0" marR="0" lvl="0" indent="0" algn="ctr" defTabSz="914400" rtl="0" eaLnBrk="1" fontAlgn="base" latinLnBrk="0" hangingPunct="1">
+                        <a:lnSpc>
+                          <a:spcPct val="100000"/>
+                        </a:lnSpc>
+                        <a:spcBef>
+                          <a:spcPct val="20000"/>
+                        </a:spcBef>
+                        <a:spcAft>
+                          <a:spcPct val="0"/>
+                        </a:spcAft>
+                        <a:buClr>
+                          <a:schemeClr val="tx1"/>
+                        </a:buClr>
+                        <a:buSzTx/>
+                        <a:buFont typeface="Wingdings" pitchFamily="2" charset="2"/>
+                        <a:buNone/>
+                        <a:tabLst/>
+                      </a:pPr>
+                      <a:r>
+                        <a:rPr kumimoji="0" lang="en-US" altLang="zh-CN" sz="1800" b="1" i="0" u="none" strike="noStrike" cap="none" normalizeH="0" baseline="0" dirty="0">
+                          <a:ln>
+                            <a:noFill/>
+                          </a:ln>
+                          <a:solidFill>
+                            <a:srgbClr val="FF3300"/>
+                          </a:solidFill>
+                          <a:effectLst/>
+                          <a:latin typeface="Arial" pitchFamily="34" charset="0"/>
+                          <a:ea typeface="楷体_GB2312"/>
+                          <a:cs typeface="楷体_GB2312"/>
+                        </a:rPr>
+                        <a:t>&gt;</a:t>
+                      </a:r>
+                    </a:p>
+                  </a:txBody>
+                  <a:tcPr marL="90000" marR="90000" marT="46794" marB="46794" anchor="ctr" anchorCtr="1" horzOverflow="overflow">
+                    <a:lnL w="12700" cap="flat" cmpd="sng" algn="ctr">
+                      <a:solidFill>
+                        <a:schemeClr val="tx2"/>
+                      </a:solidFill>
+                      <a:prstDash val="solid"/>
+                      <a:round/>
+                      <a:headEnd type="none" w="med" len="med"/>
+                      <a:tailEnd type="none" w="med" len="med"/>
+                    </a:lnL>
+                    <a:lnR w="12700" cap="flat" cmpd="sng" algn="ctr">
+                      <a:solidFill>
+                        <a:schemeClr val="tx2"/>
+                      </a:solidFill>
+                      <a:prstDash val="solid"/>
+                      <a:round/>
+                      <a:headEnd type="none" w="med" len="med"/>
+                      <a:tailEnd type="none" w="med" len="med"/>
+                    </a:lnR>
+                    <a:lnT w="12700" cap="flat" cmpd="sng" algn="ctr">
+                      <a:solidFill>
+                        <a:schemeClr val="tx2"/>
+                      </a:solidFill>
+                      <a:prstDash val="solid"/>
+                      <a:round/>
+                      <a:headEnd type="none" w="med" len="med"/>
+                      <a:tailEnd type="none" w="med" len="med"/>
+                    </a:lnT>
+                    <a:lnB w="12700" cap="flat" cmpd="sng" algn="ctr">
+                      <a:solidFill>
+                        <a:schemeClr val="tx2"/>
+                      </a:solidFill>
+                      <a:prstDash val="solid"/>
+                      <a:round/>
+                      <a:headEnd type="none" w="med" len="med"/>
+                      <a:tailEnd type="none" w="med" len="med"/>
+                    </a:lnB>
+                    <a:lnTlToBr>
+                      <a:noFill/>
+                    </a:lnTlToBr>
+                    <a:lnBlToTr>
+                      <a:noFill/>
+                    </a:lnBlToTr>
+                    <a:noFill/>
+                  </a:tcPr>
+                </a:tc>
+                <a:tc>
+                  <a:txBody>
+                    <a:bodyPr/>
+                    <a:lstStyle/>
+                    <a:p>
+                      <a:pPr marL="0" marR="0" lvl="0" indent="0" algn="l" defTabSz="914400" rtl="0" eaLnBrk="1" fontAlgn="base" latinLnBrk="0" hangingPunct="1">
+                        <a:lnSpc>
+                          <a:spcPct val="100000"/>
+                        </a:lnSpc>
+                        <a:spcBef>
+                          <a:spcPct val="20000"/>
+                        </a:spcBef>
+                        <a:spcAft>
+                          <a:spcPct val="0"/>
+                        </a:spcAft>
+                        <a:buClr>
+                          <a:schemeClr val="tx1"/>
+                        </a:buClr>
+                        <a:buSzTx/>
+                        <a:buFont typeface="Wingdings" pitchFamily="2" charset="2"/>
+                        <a:buNone/>
+                        <a:tabLst/>
+                      </a:pPr>
+                      <a:r>
+                        <a:rPr kumimoji="0" lang="zh-CN" altLang="en-US" sz="1800" b="1" i="0" u="none" strike="noStrike" cap="none" normalizeH="0" baseline="0" dirty="0">
+                          <a:ln>
+                            <a:noFill/>
+                          </a:ln>
+                          <a:solidFill>
+                            <a:srgbClr val="000000"/>
+                          </a:solidFill>
+                          <a:effectLst/>
+                          <a:latin typeface="Arial" pitchFamily="34" charset="0"/>
+                          <a:ea typeface="楷体_GB2312"/>
+                          <a:cs typeface="楷体_GB2312"/>
+                        </a:rPr>
+                        <a:t>以替换的方式将命令的执行结果输出到指定的文件，而不是直接显示在屏幕上 </a:t>
+                      </a:r>
+                    </a:p>
+                  </a:txBody>
+                  <a:tcPr marL="90000" marR="90000" marT="46794" marB="46794" anchor="ctr" horzOverflow="overflow">
+                    <a:lnL w="12700" cap="flat" cmpd="sng" algn="ctr">
+                      <a:solidFill>
+                        <a:schemeClr val="tx2"/>
+                      </a:solidFill>
+                      <a:prstDash val="solid"/>
+                      <a:round/>
+                      <a:headEnd type="none" w="med" len="med"/>
+                      <a:tailEnd type="none" w="med" len="med"/>
+                    </a:lnL>
+                    <a:lnR w="28575" cap="flat" cmpd="sng" algn="ctr">
+                      <a:solidFill>
+                        <a:srgbClr val="003399"/>
+                      </a:solidFill>
+                      <a:prstDash val="solid"/>
+                      <a:round/>
+                      <a:headEnd type="none" w="med" len="med"/>
+                      <a:tailEnd type="none" w="med" len="med"/>
+                    </a:lnR>
+                    <a:lnT w="12700" cap="flat" cmpd="sng" algn="ctr">
+                      <a:solidFill>
+                        <a:schemeClr val="tx2"/>
+                      </a:solidFill>
+                      <a:prstDash val="solid"/>
+                      <a:round/>
+                      <a:headEnd type="none" w="med" len="med"/>
+                      <a:tailEnd type="none" w="med" len="med"/>
+                    </a:lnT>
+                    <a:lnB w="12700" cap="flat" cmpd="sng" algn="ctr">
+                      <a:solidFill>
+                        <a:schemeClr val="tx2"/>
+                      </a:solidFill>
+                      <a:prstDash val="solid"/>
+                      <a:round/>
+                      <a:headEnd type="none" w="med" len="med"/>
+                      <a:tailEnd type="none" w="med" len="med"/>
+                    </a:lnB>
+                    <a:lnTlToBr>
+                      <a:noFill/>
+                    </a:lnTlToBr>
+                    <a:lnBlToTr>
+                      <a:noFill/>
+                    </a:lnBlToTr>
+                    <a:noFill/>
+                  </a:tcPr>
+                </a:tc>
+                <a:extLst>
+                  <a:ext uri="{0D108BD9-81ED-4DB2-BD59-A6C34878D82A}">
+                    <a16:rowId xmlns:a16="http://schemas.microsoft.com/office/drawing/2014/main" val="10002"/>
+                  </a:ext>
+                </a:extLst>
+              </a:tr>
+              <a:tr h="379824">
+                <a:tc vMerge="1">
+                  <a:txBody>
+                    <a:bodyPr/>
+                    <a:lstStyle/>
+                    <a:p>
+                      <a:endParaRPr lang="zh-CN" altLang="en-US"/>
+                    </a:p>
+                  </a:txBody>
+                  <a:tcPr/>
+                </a:tc>
+                <a:tc>
+                  <a:txBody>
+                    <a:bodyPr/>
+                    <a:lstStyle/>
+                    <a:p>
+                      <a:pPr marL="0" marR="0" lvl="0" indent="0" algn="ctr" defTabSz="914400" rtl="0" eaLnBrk="1" fontAlgn="base" latinLnBrk="0" hangingPunct="1">
+                        <a:lnSpc>
+                          <a:spcPct val="100000"/>
+                        </a:lnSpc>
+                        <a:spcBef>
+                          <a:spcPct val="20000"/>
+                        </a:spcBef>
+                        <a:spcAft>
+                          <a:spcPct val="0"/>
+                        </a:spcAft>
+                        <a:buClr>
+                          <a:schemeClr val="tx1"/>
+                        </a:buClr>
+                        <a:buSzTx/>
+                        <a:buFont typeface="Wingdings" pitchFamily="2" charset="2"/>
+                        <a:buNone/>
+                        <a:tabLst/>
+                      </a:pPr>
+                      <a:r>
+                        <a:rPr kumimoji="0" lang="en-US" altLang="zh-CN" sz="1800" b="1" i="0" u="none" strike="noStrike" cap="none" normalizeH="0" baseline="0">
+                          <a:ln>
+                            <a:noFill/>
+                          </a:ln>
+                          <a:solidFill>
+                            <a:srgbClr val="FF3300"/>
+                          </a:solidFill>
+                          <a:effectLst/>
+                          <a:latin typeface="Arial" pitchFamily="34" charset="0"/>
+                          <a:ea typeface="楷体_GB2312"/>
+                          <a:cs typeface="楷体_GB2312"/>
+                        </a:rPr>
+                        <a:t>&gt;&gt;</a:t>
+                      </a:r>
+                    </a:p>
+                  </a:txBody>
+                  <a:tcPr marL="90000" marR="90000" marT="46794" marB="46794" anchor="ctr" anchorCtr="1" horzOverflow="overflow">
+                    <a:lnL w="12700" cap="flat" cmpd="sng" algn="ctr">
+                      <a:solidFill>
+                        <a:schemeClr val="tx2"/>
+                      </a:solidFill>
+                      <a:prstDash val="solid"/>
+                      <a:round/>
+                      <a:headEnd type="none" w="med" len="med"/>
+                      <a:tailEnd type="none" w="med" len="med"/>
+                    </a:lnL>
+                    <a:lnR w="12700" cap="flat" cmpd="sng" algn="ctr">
+                      <a:solidFill>
+                        <a:schemeClr val="tx2"/>
+                      </a:solidFill>
+                      <a:prstDash val="solid"/>
+                      <a:round/>
+                      <a:headEnd type="none" w="med" len="med"/>
+                      <a:tailEnd type="none" w="med" len="med"/>
+                    </a:lnR>
+                    <a:lnT w="12700" cap="flat" cmpd="sng" algn="ctr">
+                      <a:solidFill>
+                        <a:schemeClr val="tx2"/>
+                      </a:solidFill>
+                      <a:prstDash val="solid"/>
+                      <a:round/>
+                      <a:headEnd type="none" w="med" len="med"/>
+                      <a:tailEnd type="none" w="med" len="med"/>
+                    </a:lnT>
+                    <a:lnB w="12700" cap="flat" cmpd="sng" algn="ctr">
+                      <a:solidFill>
+                        <a:schemeClr val="tx2"/>
+                      </a:solidFill>
+                      <a:prstDash val="solid"/>
+                      <a:round/>
+                      <a:headEnd type="none" w="med" len="med"/>
+                      <a:tailEnd type="none" w="med" len="med"/>
+                    </a:lnB>
+                    <a:lnTlToBr>
+                      <a:noFill/>
+                    </a:lnTlToBr>
+                    <a:lnBlToTr>
+                      <a:noFill/>
+                    </a:lnBlToTr>
+                    <a:noFill/>
+                  </a:tcPr>
+                </a:tc>
+                <a:tc>
+                  <a:txBody>
+                    <a:bodyPr/>
+                    <a:lstStyle/>
+                    <a:p>
+                      <a:pPr marL="0" marR="0" lvl="0" indent="0" algn="l" defTabSz="914400" rtl="0" eaLnBrk="1" fontAlgn="base" latinLnBrk="0" hangingPunct="1">
+                        <a:lnSpc>
+                          <a:spcPct val="100000"/>
+                        </a:lnSpc>
+                        <a:spcBef>
+                          <a:spcPct val="20000"/>
+                        </a:spcBef>
+                        <a:spcAft>
+                          <a:spcPct val="0"/>
+                        </a:spcAft>
+                        <a:buClr>
+                          <a:schemeClr val="tx1"/>
+                        </a:buClr>
+                        <a:buSzTx/>
+                        <a:buFont typeface="Wingdings" pitchFamily="2" charset="2"/>
+                        <a:buNone/>
+                        <a:tabLst/>
+                      </a:pPr>
+                      <a:r>
+                        <a:rPr kumimoji="0" lang="zh-CN" altLang="en-US" sz="1800" b="1" i="0" u="none" strike="noStrike" cap="none" normalizeH="0" baseline="0" dirty="0">
+                          <a:ln>
+                            <a:noFill/>
+                          </a:ln>
+                          <a:solidFill>
+                            <a:srgbClr val="000000"/>
+                          </a:solidFill>
+                          <a:effectLst/>
+                          <a:latin typeface="Arial" pitchFamily="34" charset="0"/>
+                          <a:ea typeface="楷体_GB2312"/>
+                          <a:cs typeface="楷体_GB2312"/>
+                        </a:rPr>
+                        <a:t>将命令执行的结果追加输出到指定文件 </a:t>
+                      </a:r>
+                    </a:p>
+                  </a:txBody>
+                  <a:tcPr marL="90000" marR="90000" marT="46794" marB="46794" anchor="ctr" horzOverflow="overflow">
+                    <a:lnL w="12700" cap="flat" cmpd="sng" algn="ctr">
+                      <a:solidFill>
+                        <a:schemeClr val="tx2"/>
+                      </a:solidFill>
+                      <a:prstDash val="solid"/>
+                      <a:round/>
+                      <a:headEnd type="none" w="med" len="med"/>
+                      <a:tailEnd type="none" w="med" len="med"/>
+                    </a:lnL>
+                    <a:lnR w="28575" cap="flat" cmpd="sng" algn="ctr">
+                      <a:solidFill>
+                        <a:srgbClr val="003399"/>
+                      </a:solidFill>
+                      <a:prstDash val="solid"/>
+                      <a:round/>
+                      <a:headEnd type="none" w="med" len="med"/>
+                      <a:tailEnd type="none" w="med" len="med"/>
+                    </a:lnR>
+                    <a:lnT w="12700" cap="flat" cmpd="sng" algn="ctr">
+                      <a:solidFill>
+                        <a:schemeClr val="tx2"/>
+                      </a:solidFill>
+                      <a:prstDash val="solid"/>
+                      <a:round/>
+                      <a:headEnd type="none" w="med" len="med"/>
+                      <a:tailEnd type="none" w="med" len="med"/>
+                    </a:lnT>
+                    <a:lnB w="12700" cap="flat" cmpd="sng" algn="ctr">
+                      <a:solidFill>
+                        <a:schemeClr val="tx2"/>
+                      </a:solidFill>
+                      <a:prstDash val="solid"/>
+                      <a:round/>
+                      <a:headEnd type="none" w="med" len="med"/>
+                      <a:tailEnd type="none" w="med" len="med"/>
+                    </a:lnB>
+                    <a:lnTlToBr>
+                      <a:noFill/>
+                    </a:lnTlToBr>
+                    <a:lnBlToTr>
+                      <a:noFill/>
+                    </a:lnBlToTr>
+                    <a:noFill/>
+                  </a:tcPr>
+                </a:tc>
+                <a:extLst>
+                  <a:ext uri="{0D108BD9-81ED-4DB2-BD59-A6C34878D82A}">
+                    <a16:rowId xmlns:a16="http://schemas.microsoft.com/office/drawing/2014/main" val="10003"/>
+                  </a:ext>
+                </a:extLst>
+              </a:tr>
+              <a:tr h="663042">
+                <a:tc rowSpan="2">
+                  <a:txBody>
+                    <a:bodyPr/>
+                    <a:lstStyle/>
+                    <a:p>
+                      <a:pPr marL="0" marR="0" lvl="0" indent="0" algn="l" defTabSz="914400" rtl="0" eaLnBrk="1" fontAlgn="base" latinLnBrk="0" hangingPunct="1">
+                        <a:lnSpc>
+                          <a:spcPct val="100000"/>
+                        </a:lnSpc>
+                        <a:spcBef>
+                          <a:spcPct val="20000"/>
+                        </a:spcBef>
+                        <a:spcAft>
+                          <a:spcPct val="0"/>
+                        </a:spcAft>
+                        <a:buClr>
+                          <a:schemeClr val="tx1"/>
+                        </a:buClr>
+                        <a:buSzTx/>
+                        <a:buFont typeface="Wingdings" pitchFamily="2" charset="2"/>
+                        <a:buNone/>
+                        <a:tabLst/>
+                      </a:pPr>
+                      <a:r>
+                        <a:rPr kumimoji="0" lang="zh-CN" altLang="en-US" sz="1800" b="1" i="0" u="none" strike="noStrike" cap="none" normalizeH="0" baseline="0">
+                          <a:ln>
+                            <a:noFill/>
+                          </a:ln>
+                          <a:solidFill>
+                            <a:srgbClr val="000000"/>
+                          </a:solidFill>
+                          <a:effectLst/>
+                          <a:latin typeface="Arial" pitchFamily="34" charset="0"/>
+                          <a:ea typeface="楷体_GB2312"/>
+                          <a:cs typeface="楷体_GB2312"/>
+                        </a:rPr>
+                        <a:t>重定向标准错误</a:t>
+                      </a:r>
+                    </a:p>
+                  </a:txBody>
+                  <a:tcPr marL="90000" marR="90000" marT="46794" marB="46794" anchor="ctr" horzOverflow="overflow">
+                    <a:lnL w="28575" cap="flat" cmpd="sng" algn="ctr">
+                      <a:solidFill>
+                        <a:srgbClr val="003399"/>
+                      </a:solidFill>
+                      <a:prstDash val="solid"/>
+                      <a:round/>
+                      <a:headEnd type="none" w="med" len="med"/>
+                      <a:tailEnd type="none" w="med" len="med"/>
+                    </a:lnL>
+                    <a:lnR w="12700" cap="flat" cmpd="sng" algn="ctr">
+                      <a:solidFill>
+                        <a:schemeClr val="tx2"/>
+                      </a:solidFill>
+                      <a:prstDash val="solid"/>
+                      <a:round/>
+                      <a:headEnd type="none" w="med" len="med"/>
+                      <a:tailEnd type="none" w="med" len="med"/>
+                    </a:lnR>
+                    <a:lnT w="12700" cap="flat" cmpd="sng" algn="ctr">
+                      <a:solidFill>
+                        <a:schemeClr val="tx2"/>
+                      </a:solidFill>
+                      <a:prstDash val="solid"/>
+                      <a:round/>
+                      <a:headEnd type="none" w="med" len="med"/>
+                      <a:tailEnd type="none" w="med" len="med"/>
+                    </a:lnT>
+                    <a:lnB w="12700" cap="flat" cmpd="sng" algn="ctr">
+                      <a:solidFill>
+                        <a:schemeClr val="tx2"/>
+                      </a:solidFill>
+                      <a:prstDash val="solid"/>
+                      <a:round/>
+                      <a:headEnd type="none" w="med" len="med"/>
+                      <a:tailEnd type="none" w="med" len="med"/>
+                    </a:lnB>
+                    <a:lnTlToBr>
+                      <a:noFill/>
+                    </a:lnTlToBr>
+                    <a:lnBlToTr>
+                      <a:noFill/>
+                    </a:lnBlToTr>
+                    <a:noFill/>
+                  </a:tcPr>
+                </a:tc>
+                <a:tc>
+                  <a:txBody>
+                    <a:bodyPr/>
+                    <a:lstStyle/>
+                    <a:p>
+                      <a:pPr marL="0" marR="0" lvl="0" indent="0" algn="ctr" defTabSz="914400" rtl="0" eaLnBrk="1" fontAlgn="base" latinLnBrk="0" hangingPunct="1">
+                        <a:lnSpc>
+                          <a:spcPct val="100000"/>
+                        </a:lnSpc>
+                        <a:spcBef>
+                          <a:spcPct val="20000"/>
+                        </a:spcBef>
+                        <a:spcAft>
+                          <a:spcPct val="0"/>
+                        </a:spcAft>
+                        <a:buClr>
+                          <a:schemeClr val="tx1"/>
+                        </a:buClr>
+                        <a:buSzTx/>
+                        <a:buFont typeface="Wingdings" pitchFamily="2" charset="2"/>
+                        <a:buNone/>
+                        <a:tabLst/>
+                      </a:pPr>
+                      <a:r>
+                        <a:rPr kumimoji="0" lang="en-US" altLang="zh-CN" sz="1800" b="1" i="0" u="none" strike="noStrike" cap="none" normalizeH="0" baseline="0">
+                          <a:ln>
+                            <a:noFill/>
+                          </a:ln>
+                          <a:solidFill>
+                            <a:srgbClr val="000000"/>
+                          </a:solidFill>
+                          <a:effectLst/>
+                          <a:latin typeface="Arial" pitchFamily="34" charset="0"/>
+                          <a:ea typeface="楷体_GB2312"/>
+                          <a:cs typeface="楷体_GB2312"/>
+                        </a:rPr>
+                        <a:t>2&gt;</a:t>
+                      </a:r>
+                    </a:p>
+                  </a:txBody>
+                  <a:tcPr marL="90000" marR="90000" marT="46794" marB="46794" anchor="ctr" anchorCtr="1" horzOverflow="overflow">
+                    <a:lnL w="12700" cap="flat" cmpd="sng" algn="ctr">
+                      <a:solidFill>
+                        <a:schemeClr val="tx2"/>
+                      </a:solidFill>
+                      <a:prstDash val="solid"/>
+                      <a:round/>
+                      <a:headEnd type="none" w="med" len="med"/>
+                      <a:tailEnd type="none" w="med" len="med"/>
+                    </a:lnL>
+                    <a:lnR w="12700" cap="flat" cmpd="sng" algn="ctr">
+                      <a:solidFill>
+                        <a:schemeClr val="tx2"/>
+                      </a:solidFill>
+                      <a:prstDash val="solid"/>
+                      <a:round/>
+                      <a:headEnd type="none" w="med" len="med"/>
+                      <a:tailEnd type="none" w="med" len="med"/>
+                    </a:lnR>
+                    <a:lnT w="12700" cap="flat" cmpd="sng" algn="ctr">
+                      <a:solidFill>
+                        <a:schemeClr val="tx2"/>
+                      </a:solidFill>
+                      <a:prstDash val="solid"/>
+                      <a:round/>
+                      <a:headEnd type="none" w="med" len="med"/>
+                      <a:tailEnd type="none" w="med" len="med"/>
+                    </a:lnT>
+                    <a:lnB w="12700" cap="flat" cmpd="sng" algn="ctr">
+                      <a:solidFill>
+                        <a:schemeClr val="tx2"/>
+                      </a:solidFill>
+                      <a:prstDash val="solid"/>
+                      <a:round/>
+                      <a:headEnd type="none" w="med" len="med"/>
+                      <a:tailEnd type="none" w="med" len="med"/>
+                    </a:lnB>
+                    <a:lnTlToBr>
+                      <a:noFill/>
+                    </a:lnTlToBr>
+                    <a:lnBlToTr>
+                      <a:noFill/>
+                    </a:lnBlToTr>
+                    <a:noFill/>
+                  </a:tcPr>
+                </a:tc>
+                <a:tc>
+                  <a:txBody>
+                    <a:bodyPr/>
+                    <a:lstStyle/>
+                    <a:p>
+                      <a:pPr marL="0" marR="0" lvl="0" indent="0" algn="l" defTabSz="914400" rtl="0" eaLnBrk="1" fontAlgn="base" latinLnBrk="0" hangingPunct="1">
+                        <a:lnSpc>
+                          <a:spcPct val="100000"/>
+                        </a:lnSpc>
+                        <a:spcBef>
+                          <a:spcPct val="20000"/>
+                        </a:spcBef>
+                        <a:spcAft>
+                          <a:spcPct val="0"/>
+                        </a:spcAft>
+                        <a:buClr>
+                          <a:schemeClr val="tx1"/>
+                        </a:buClr>
+                        <a:buSzTx/>
+                        <a:buFont typeface="Wingdings" pitchFamily="2" charset="2"/>
+                        <a:buNone/>
+                        <a:tabLst/>
+                      </a:pPr>
+                      <a:r>
+                        <a:rPr kumimoji="0" lang="zh-CN" altLang="en-US" sz="1800" b="1" i="0" u="none" strike="noStrike" cap="none" normalizeH="0" baseline="0" dirty="0">
+                          <a:ln>
+                            <a:noFill/>
+                          </a:ln>
+                          <a:solidFill>
+                            <a:srgbClr val="000000"/>
+                          </a:solidFill>
+                          <a:effectLst/>
+                          <a:latin typeface="Arial" pitchFamily="34" charset="0"/>
+                          <a:ea typeface="楷体_GB2312"/>
+                          <a:cs typeface="楷体_GB2312"/>
+                        </a:rPr>
+                        <a:t>清空指定文件的内容，并将标准错误信息保存到该文件中</a:t>
+                      </a:r>
+                    </a:p>
+                  </a:txBody>
+                  <a:tcPr marL="90000" marR="90000" marT="46794" marB="46794" anchor="ctr" horzOverflow="overflow">
+                    <a:lnL w="12700" cap="flat" cmpd="sng" algn="ctr">
+                      <a:solidFill>
+                        <a:schemeClr val="tx2"/>
+                      </a:solidFill>
+                      <a:prstDash val="solid"/>
+                      <a:round/>
+                      <a:headEnd type="none" w="med" len="med"/>
+                      <a:tailEnd type="none" w="med" len="med"/>
+                    </a:lnL>
+                    <a:lnR w="28575" cap="flat" cmpd="sng" algn="ctr">
+                      <a:solidFill>
+                        <a:srgbClr val="003399"/>
+                      </a:solidFill>
+                      <a:prstDash val="solid"/>
+                      <a:round/>
+                      <a:headEnd type="none" w="med" len="med"/>
+                      <a:tailEnd type="none" w="med" len="med"/>
+                    </a:lnR>
+                    <a:lnT w="12700" cap="flat" cmpd="sng" algn="ctr">
+                      <a:solidFill>
+                        <a:schemeClr val="tx2"/>
+                      </a:solidFill>
+                      <a:prstDash val="solid"/>
+                      <a:round/>
+                      <a:headEnd type="none" w="med" len="med"/>
+                      <a:tailEnd type="none" w="med" len="med"/>
+                    </a:lnT>
+                    <a:lnB w="12700" cap="flat" cmpd="sng" algn="ctr">
+                      <a:solidFill>
+                        <a:schemeClr val="tx2"/>
+                      </a:solidFill>
+                      <a:prstDash val="solid"/>
+                      <a:round/>
+                      <a:headEnd type="none" w="med" len="med"/>
+                      <a:tailEnd type="none" w="med" len="med"/>
+                    </a:lnB>
+                    <a:lnTlToBr>
+                      <a:noFill/>
+                    </a:lnTlToBr>
+                    <a:lnBlToTr>
+                      <a:noFill/>
+                    </a:lnBlToTr>
+                    <a:noFill/>
+                  </a:tcPr>
+                </a:tc>
+                <a:extLst>
+                  <a:ext uri="{0D108BD9-81ED-4DB2-BD59-A6C34878D82A}">
+                    <a16:rowId xmlns:a16="http://schemas.microsoft.com/office/drawing/2014/main" val="10004"/>
+                  </a:ext>
+                </a:extLst>
+              </a:tr>
+              <a:tr h="379824">
+                <a:tc vMerge="1">
+                  <a:txBody>
+                    <a:bodyPr/>
+                    <a:lstStyle/>
+                    <a:p>
+                      <a:endParaRPr lang="zh-CN" altLang="en-US"/>
+                    </a:p>
+                  </a:txBody>
+                  <a:tcPr/>
+                </a:tc>
+                <a:tc>
+                  <a:txBody>
+                    <a:bodyPr/>
+                    <a:lstStyle/>
+                    <a:p>
+                      <a:pPr marL="0" marR="0" lvl="0" indent="0" algn="ctr" defTabSz="914400" rtl="0" eaLnBrk="1" fontAlgn="base" latinLnBrk="0" hangingPunct="1">
+                        <a:lnSpc>
+                          <a:spcPct val="100000"/>
+                        </a:lnSpc>
+                        <a:spcBef>
+                          <a:spcPct val="20000"/>
+                        </a:spcBef>
+                        <a:spcAft>
+                          <a:spcPct val="0"/>
+                        </a:spcAft>
+                        <a:buClr>
+                          <a:schemeClr val="tx1"/>
+                        </a:buClr>
+                        <a:buSzTx/>
+                        <a:buFont typeface="Wingdings" pitchFamily="2" charset="2"/>
+                        <a:buNone/>
+                        <a:tabLst/>
+                      </a:pPr>
+                      <a:r>
+                        <a:rPr kumimoji="0" lang="en-US" altLang="zh-CN" sz="1800" b="1" i="0" u="none" strike="noStrike" cap="none" normalizeH="0" baseline="0">
+                          <a:ln>
+                            <a:noFill/>
+                          </a:ln>
+                          <a:solidFill>
+                            <a:srgbClr val="000000"/>
+                          </a:solidFill>
+                          <a:effectLst/>
+                          <a:latin typeface="Arial" pitchFamily="34" charset="0"/>
+                          <a:ea typeface="楷体_GB2312"/>
+                          <a:cs typeface="楷体_GB2312"/>
+                        </a:rPr>
+                        <a:t>2&gt;&gt;</a:t>
+                      </a:r>
+                    </a:p>
+                  </a:txBody>
+                  <a:tcPr marL="90000" marR="90000" marT="46794" marB="46794" anchor="ctr" anchorCtr="1" horzOverflow="overflow">
+                    <a:lnL w="12700" cap="flat" cmpd="sng" algn="ctr">
+                      <a:solidFill>
+                        <a:schemeClr val="tx2"/>
+                      </a:solidFill>
+                      <a:prstDash val="solid"/>
+                      <a:round/>
+                      <a:headEnd type="none" w="med" len="med"/>
+                      <a:tailEnd type="none" w="med" len="med"/>
+                    </a:lnL>
+                    <a:lnR w="12700" cap="flat" cmpd="sng" algn="ctr">
+                      <a:solidFill>
+                        <a:schemeClr val="tx2"/>
+                      </a:solidFill>
+                      <a:prstDash val="solid"/>
+                      <a:round/>
+                      <a:headEnd type="none" w="med" len="med"/>
+                      <a:tailEnd type="none" w="med" len="med"/>
+                    </a:lnR>
+                    <a:lnT w="12700" cap="flat" cmpd="sng" algn="ctr">
+                      <a:solidFill>
+                        <a:schemeClr val="tx2"/>
+                      </a:solidFill>
+                      <a:prstDash val="solid"/>
+                      <a:round/>
+                      <a:headEnd type="none" w="med" len="med"/>
+                      <a:tailEnd type="none" w="med" len="med"/>
+                    </a:lnT>
+                    <a:lnB w="12700" cap="flat" cmpd="sng" algn="ctr">
+                      <a:solidFill>
+                        <a:schemeClr val="tx2"/>
+                      </a:solidFill>
+                      <a:prstDash val="solid"/>
+                      <a:round/>
+                      <a:headEnd type="none" w="med" len="med"/>
+                      <a:tailEnd type="none" w="med" len="med"/>
+                    </a:lnB>
+                    <a:lnTlToBr>
+                      <a:noFill/>
+                    </a:lnTlToBr>
+                    <a:lnBlToTr>
+                      <a:noFill/>
+                    </a:lnBlToTr>
+                    <a:noFill/>
+                  </a:tcPr>
+                </a:tc>
+                <a:tc>
+                  <a:txBody>
+                    <a:bodyPr/>
+                    <a:lstStyle/>
+                    <a:p>
+                      <a:pPr marL="0" marR="0" lvl="0" indent="0" algn="l" defTabSz="914400" rtl="0" eaLnBrk="1" fontAlgn="base" latinLnBrk="0" hangingPunct="1">
+                        <a:lnSpc>
+                          <a:spcPct val="100000"/>
+                        </a:lnSpc>
+                        <a:spcBef>
+                          <a:spcPct val="20000"/>
+                        </a:spcBef>
+                        <a:spcAft>
+                          <a:spcPct val="0"/>
+                        </a:spcAft>
+                        <a:buClr>
+                          <a:schemeClr val="tx1"/>
+                        </a:buClr>
+                        <a:buSzTx/>
+                        <a:buFont typeface="Wingdings" pitchFamily="2" charset="2"/>
+                        <a:buNone/>
+                        <a:tabLst/>
+                      </a:pPr>
+                      <a:r>
+                        <a:rPr kumimoji="0" lang="zh-CN" altLang="en-US" sz="1800" b="1" i="0" u="none" strike="noStrike" cap="none" normalizeH="0" baseline="0" dirty="0">
+                          <a:ln>
+                            <a:noFill/>
+                          </a:ln>
+                          <a:solidFill>
+                            <a:srgbClr val="000000"/>
+                          </a:solidFill>
+                          <a:effectLst/>
+                          <a:latin typeface="Arial" pitchFamily="34" charset="0"/>
+                          <a:ea typeface="楷体_GB2312"/>
+                          <a:cs typeface="楷体_GB2312"/>
+                        </a:rPr>
+                        <a:t>将标准错误信息追加输出到指定的文件中</a:t>
+                      </a:r>
+                    </a:p>
+                  </a:txBody>
+                  <a:tcPr marL="90000" marR="90000" marT="46794" marB="46794" anchor="ctr" horzOverflow="overflow">
+                    <a:lnL w="12700" cap="flat" cmpd="sng" algn="ctr">
+                      <a:solidFill>
+                        <a:schemeClr val="tx2"/>
+                      </a:solidFill>
+                      <a:prstDash val="solid"/>
+                      <a:round/>
+                      <a:headEnd type="none" w="med" len="med"/>
+                      <a:tailEnd type="none" w="med" len="med"/>
+                    </a:lnL>
+                    <a:lnR w="28575" cap="flat" cmpd="sng" algn="ctr">
+                      <a:solidFill>
+                        <a:srgbClr val="003399"/>
+                      </a:solidFill>
+                      <a:prstDash val="solid"/>
+                      <a:round/>
+                      <a:headEnd type="none" w="med" len="med"/>
+                      <a:tailEnd type="none" w="med" len="med"/>
+                    </a:lnR>
+                    <a:lnT w="12700" cap="flat" cmpd="sng" algn="ctr">
+                      <a:solidFill>
+                        <a:schemeClr val="tx2"/>
+                      </a:solidFill>
+                      <a:prstDash val="solid"/>
+                      <a:round/>
+                      <a:headEnd type="none" w="med" len="med"/>
+                      <a:tailEnd type="none" w="med" len="med"/>
+                    </a:lnT>
+                    <a:lnB w="12700" cap="flat" cmpd="sng" algn="ctr">
+                      <a:solidFill>
+                        <a:schemeClr val="tx2"/>
+                      </a:solidFill>
+                      <a:prstDash val="solid"/>
+                      <a:round/>
+                      <a:headEnd type="none" w="med" len="med"/>
+                      <a:tailEnd type="none" w="med" len="med"/>
+                    </a:lnB>
+                    <a:lnTlToBr>
+                      <a:noFill/>
+                    </a:lnTlToBr>
+                    <a:lnBlToTr>
+                      <a:noFill/>
+                    </a:lnBlToTr>
+                    <a:noFill/>
+                  </a:tcPr>
+                </a:tc>
+                <a:extLst>
+                  <a:ext uri="{0D108BD9-81ED-4DB2-BD59-A6C34878D82A}">
+                    <a16:rowId xmlns:a16="http://schemas.microsoft.com/office/drawing/2014/main" val="10005"/>
+                  </a:ext>
+                </a:extLst>
+              </a:tr>
+              <a:tr h="719686">
+                <a:tc>
+                  <a:txBody>
+                    <a:bodyPr/>
+                    <a:lstStyle/>
+                    <a:p>
+                      <a:pPr marL="0" marR="0" lvl="0" indent="0" algn="l" defTabSz="914400" rtl="0" eaLnBrk="1" fontAlgn="base" latinLnBrk="0" hangingPunct="1">
+                        <a:lnSpc>
+                          <a:spcPct val="100000"/>
+                        </a:lnSpc>
+                        <a:spcBef>
+                          <a:spcPct val="20000"/>
+                        </a:spcBef>
+                        <a:spcAft>
+                          <a:spcPct val="0"/>
+                        </a:spcAft>
+                        <a:buClr>
+                          <a:schemeClr val="tx1"/>
+                        </a:buClr>
+                        <a:buSzTx/>
+                        <a:buFont typeface="Wingdings" pitchFamily="2" charset="2"/>
+                        <a:buNone/>
+                        <a:tabLst/>
+                      </a:pPr>
+                      <a:r>
+                        <a:rPr kumimoji="0" lang="zh-CN" altLang="en-US" sz="1800" b="1" i="0" u="none" strike="noStrike" cap="none" normalizeH="0" baseline="0">
+                          <a:ln>
+                            <a:noFill/>
+                          </a:ln>
+                          <a:solidFill>
+                            <a:srgbClr val="000000"/>
+                          </a:solidFill>
+                          <a:effectLst/>
+                          <a:latin typeface="Arial" pitchFamily="34" charset="0"/>
+                          <a:ea typeface="楷体_GB2312"/>
+                          <a:cs typeface="楷体_GB2312"/>
+                        </a:rPr>
+                        <a:t>重定向标准输出和</a:t>
+                      </a:r>
+                    </a:p>
+                    <a:p>
+                      <a:pPr marL="0" marR="0" lvl="0" indent="0" algn="l" defTabSz="914400" rtl="0" eaLnBrk="1" fontAlgn="base" latinLnBrk="0" hangingPunct="1">
+                        <a:lnSpc>
+                          <a:spcPct val="100000"/>
+                        </a:lnSpc>
+                        <a:spcBef>
+                          <a:spcPct val="20000"/>
+                        </a:spcBef>
+                        <a:spcAft>
+                          <a:spcPct val="0"/>
+                        </a:spcAft>
+                        <a:buClr>
+                          <a:schemeClr val="tx1"/>
+                        </a:buClr>
+                        <a:buSzTx/>
+                        <a:buFont typeface="Wingdings" pitchFamily="2" charset="2"/>
+                        <a:buNone/>
+                        <a:tabLst/>
+                      </a:pPr>
+                      <a:r>
+                        <a:rPr kumimoji="0" lang="zh-CN" altLang="en-US" sz="1800" b="1" i="0" u="none" strike="noStrike" cap="none" normalizeH="0" baseline="0">
+                          <a:ln>
+                            <a:noFill/>
+                          </a:ln>
+                          <a:solidFill>
+                            <a:srgbClr val="000000"/>
+                          </a:solidFill>
+                          <a:effectLst/>
+                          <a:latin typeface="Arial" pitchFamily="34" charset="0"/>
+                          <a:ea typeface="楷体_GB2312"/>
+                          <a:cs typeface="楷体_GB2312"/>
+                        </a:rPr>
+                        <a:t>标准错误</a:t>
+                      </a:r>
+                    </a:p>
+                  </a:txBody>
+                  <a:tcPr marL="90000" marR="90000" marT="46794" marB="46794" anchor="ctr" horzOverflow="overflow">
+                    <a:lnL w="28575" cap="flat" cmpd="sng" algn="ctr">
+                      <a:solidFill>
+                        <a:srgbClr val="003399"/>
+                      </a:solidFill>
+                      <a:prstDash val="solid"/>
+                      <a:round/>
+                      <a:headEnd type="none" w="med" len="med"/>
+                      <a:tailEnd type="none" w="med" len="med"/>
+                    </a:lnL>
+                    <a:lnR w="12700" cap="flat" cmpd="sng" algn="ctr">
+                      <a:solidFill>
+                        <a:schemeClr val="tx2"/>
+                      </a:solidFill>
+                      <a:prstDash val="solid"/>
+                      <a:round/>
+                      <a:headEnd type="none" w="med" len="med"/>
+                      <a:tailEnd type="none" w="med" len="med"/>
+                    </a:lnR>
+                    <a:lnT w="12700" cap="flat" cmpd="sng" algn="ctr">
+                      <a:solidFill>
+                        <a:schemeClr val="tx2"/>
+                      </a:solidFill>
+                      <a:prstDash val="solid"/>
+                      <a:round/>
+                      <a:headEnd type="none" w="med" len="med"/>
+                      <a:tailEnd type="none" w="med" len="med"/>
+                    </a:lnT>
+                    <a:lnB w="28575" cap="flat" cmpd="sng" algn="ctr">
+                      <a:solidFill>
+                        <a:srgbClr val="003399"/>
+                      </a:solidFill>
+                      <a:prstDash val="solid"/>
+                      <a:round/>
+                      <a:headEnd type="none" w="med" len="med"/>
+                      <a:tailEnd type="none" w="med" len="med"/>
+                    </a:lnB>
+                    <a:lnTlToBr>
+                      <a:noFill/>
+                    </a:lnTlToBr>
+                    <a:lnBlToTr>
+                      <a:noFill/>
+                    </a:lnBlToTr>
+                    <a:noFill/>
+                  </a:tcPr>
+                </a:tc>
+                <a:tc>
+                  <a:txBody>
+                    <a:bodyPr/>
+                    <a:lstStyle/>
+                    <a:p>
+                      <a:pPr marL="0" marR="0" lvl="0" indent="0" algn="ctr" defTabSz="914400" rtl="0" eaLnBrk="1" fontAlgn="base" latinLnBrk="0" hangingPunct="1">
+                        <a:lnSpc>
+                          <a:spcPct val="100000"/>
+                        </a:lnSpc>
+                        <a:spcBef>
+                          <a:spcPct val="20000"/>
+                        </a:spcBef>
+                        <a:spcAft>
+                          <a:spcPct val="0"/>
+                        </a:spcAft>
+                        <a:buClr>
+                          <a:schemeClr val="tx1"/>
+                        </a:buClr>
+                        <a:buSzTx/>
+                        <a:buFont typeface="Wingdings" pitchFamily="2" charset="2"/>
+                        <a:buNone/>
+                        <a:tabLst/>
+                      </a:pPr>
+                      <a:r>
+                        <a:rPr kumimoji="0" lang="en-US" altLang="zh-CN" sz="1800" b="1" i="0" u="none" strike="noStrike" cap="none" normalizeH="0" baseline="0" dirty="0">
+                          <a:ln>
+                            <a:noFill/>
+                          </a:ln>
+                          <a:solidFill>
+                            <a:srgbClr val="FF3300"/>
+                          </a:solidFill>
+                          <a:effectLst/>
+                          <a:latin typeface="Arial" pitchFamily="34" charset="0"/>
+                          <a:ea typeface="楷体_GB2312"/>
+                          <a:cs typeface="楷体_GB2312"/>
+                        </a:rPr>
+                        <a:t>&amp;&gt;</a:t>
+                      </a:r>
+                      <a:r>
+                        <a:rPr kumimoji="0" lang="zh-CN" altLang="en-US" sz="1800" b="1" i="0" u="none" strike="noStrike" cap="none" normalizeH="0" baseline="0" dirty="0">
+                          <a:ln>
+                            <a:noFill/>
+                          </a:ln>
+                          <a:solidFill>
+                            <a:srgbClr val="FF3300"/>
+                          </a:solidFill>
+                          <a:effectLst/>
+                          <a:latin typeface="Arial" pitchFamily="34" charset="0"/>
+                          <a:ea typeface="楷体_GB2312"/>
+                          <a:cs typeface="楷体_GB2312"/>
+                        </a:rPr>
+                        <a:t>或</a:t>
+                      </a:r>
+                      <a:r>
+                        <a:rPr kumimoji="0" lang="en-US" altLang="zh-CN" sz="1800" b="1" i="0" u="none" strike="noStrike" cap="none" normalizeH="0" baseline="0" dirty="0">
+                          <a:ln>
+                            <a:noFill/>
+                          </a:ln>
+                          <a:solidFill>
+                            <a:srgbClr val="FF3300"/>
+                          </a:solidFill>
+                          <a:effectLst/>
+                          <a:latin typeface="Arial" pitchFamily="34" charset="0"/>
+                          <a:ea typeface="楷体_GB2312"/>
+                          <a:cs typeface="楷体_GB2312"/>
+                        </a:rPr>
+                        <a:t>&gt;&amp;</a:t>
+                      </a:r>
+                    </a:p>
+                  </a:txBody>
+                  <a:tcPr marL="90000" marR="90000" marT="46794" marB="46794" anchor="ctr" anchorCtr="1" horzOverflow="overflow">
+                    <a:lnL w="12700" cap="flat" cmpd="sng" algn="ctr">
+                      <a:solidFill>
+                        <a:schemeClr val="tx2"/>
+                      </a:solidFill>
+                      <a:prstDash val="solid"/>
+                      <a:round/>
+                      <a:headEnd type="none" w="med" len="med"/>
+                      <a:tailEnd type="none" w="med" len="med"/>
+                    </a:lnL>
+                    <a:lnR w="12700" cap="flat" cmpd="sng" algn="ctr">
+                      <a:solidFill>
+                        <a:schemeClr val="tx2"/>
+                      </a:solidFill>
+                      <a:prstDash val="solid"/>
+                      <a:round/>
+                      <a:headEnd type="none" w="med" len="med"/>
+                      <a:tailEnd type="none" w="med" len="med"/>
+                    </a:lnR>
+                    <a:lnT w="12700" cap="flat" cmpd="sng" algn="ctr">
+                      <a:solidFill>
+                        <a:schemeClr val="tx2"/>
+                      </a:solidFill>
+                      <a:prstDash val="solid"/>
+                      <a:round/>
+                      <a:headEnd type="none" w="med" len="med"/>
+                      <a:tailEnd type="none" w="med" len="med"/>
+                    </a:lnT>
+                    <a:lnB w="28575" cap="flat" cmpd="sng" algn="ctr">
+                      <a:solidFill>
+                        <a:srgbClr val="003399"/>
+                      </a:solidFill>
+                      <a:prstDash val="solid"/>
+                      <a:round/>
+                      <a:headEnd type="none" w="med" len="med"/>
+                      <a:tailEnd type="none" w="med" len="med"/>
+                    </a:lnB>
+                    <a:lnTlToBr>
+                      <a:noFill/>
+                    </a:lnTlToBr>
+                    <a:lnBlToTr>
+                      <a:noFill/>
+                    </a:lnBlToTr>
+                    <a:noFill/>
+                  </a:tcPr>
+                </a:tc>
+                <a:tc>
+                  <a:txBody>
+                    <a:bodyPr/>
+                    <a:lstStyle/>
+                    <a:p>
+                      <a:pPr marL="0" marR="0" lvl="0" indent="0" algn="l" defTabSz="914400" rtl="0" eaLnBrk="1" fontAlgn="base" latinLnBrk="0" hangingPunct="1">
+                        <a:lnSpc>
+                          <a:spcPct val="100000"/>
+                        </a:lnSpc>
+                        <a:spcBef>
+                          <a:spcPct val="20000"/>
+                        </a:spcBef>
+                        <a:spcAft>
+                          <a:spcPct val="0"/>
+                        </a:spcAft>
+                        <a:buClr>
+                          <a:schemeClr val="tx1"/>
+                        </a:buClr>
+                        <a:buSzTx/>
+                        <a:buFont typeface="Wingdings" pitchFamily="2" charset="2"/>
+                        <a:buNone/>
+                        <a:tabLst/>
+                      </a:pPr>
+                      <a:r>
+                        <a:rPr kumimoji="0" lang="zh-CN" altLang="en-US" sz="1800" b="1" i="0" u="none" strike="noStrike" cap="none" normalizeH="0" baseline="0" dirty="0">
+                          <a:ln>
+                            <a:noFill/>
+                          </a:ln>
+                          <a:solidFill>
+                            <a:srgbClr val="000000"/>
+                          </a:solidFill>
+                          <a:effectLst/>
+                          <a:latin typeface="Arial" pitchFamily="34" charset="0"/>
+                          <a:ea typeface="楷体_GB2312"/>
+                          <a:cs typeface="楷体_GB2312"/>
+                        </a:rPr>
+                        <a:t>将标准输出、标准错误的内容全部保存到指定的文件中，而不是直接显示在屏幕上</a:t>
+                      </a:r>
+                    </a:p>
+                  </a:txBody>
+                  <a:tcPr marL="90000" marR="90000" marT="46794" marB="46794" anchor="ctr" horzOverflow="overflow">
+                    <a:lnL w="12700" cap="flat" cmpd="sng" algn="ctr">
+                      <a:solidFill>
+                        <a:schemeClr val="tx2"/>
+                      </a:solidFill>
+                      <a:prstDash val="solid"/>
+                      <a:round/>
+                      <a:headEnd type="none" w="med" len="med"/>
+                      <a:tailEnd type="none" w="med" len="med"/>
+                    </a:lnL>
+                    <a:lnR w="28575" cap="flat" cmpd="sng" algn="ctr">
+                      <a:solidFill>
+                        <a:srgbClr val="003399"/>
+                      </a:solidFill>
+                      <a:prstDash val="solid"/>
+                      <a:round/>
+                      <a:headEnd type="none" w="med" len="med"/>
+                      <a:tailEnd type="none" w="med" len="med"/>
+                    </a:lnR>
+                    <a:lnT w="12700" cap="flat" cmpd="sng" algn="ctr">
+                      <a:solidFill>
+                        <a:schemeClr val="tx2"/>
+                      </a:solidFill>
+                      <a:prstDash val="solid"/>
+                      <a:round/>
+                      <a:headEnd type="none" w="med" len="med"/>
+                      <a:tailEnd type="none" w="med" len="med"/>
+                    </a:lnT>
+                    <a:lnB w="28575" cap="flat" cmpd="sng" algn="ctr">
+                      <a:solidFill>
+                        <a:srgbClr val="003399"/>
+                      </a:solidFill>
+                      <a:prstDash val="solid"/>
+                      <a:round/>
+                      <a:headEnd type="none" w="med" len="med"/>
+                      <a:tailEnd type="none" w="med" len="med"/>
+                    </a:lnB>
+                    <a:lnTlToBr>
+                      <a:noFill/>
+                    </a:lnTlToBr>
+                    <a:lnBlToTr>
+                      <a:noFill/>
+                    </a:lnBlToTr>
+                    <a:noFill/>
+                  </a:tcPr>
+                </a:tc>
+                <a:extLst>
+                  <a:ext uri="{0D108BD9-81ED-4DB2-BD59-A6C34878D82A}">
+                    <a16:rowId xmlns:a16="http://schemas.microsoft.com/office/drawing/2014/main" val="10006"/>
+                  </a:ext>
+                </a:extLst>
+              </a:tr>
+            </a:tbl>
+          </a:graphicData>
+        </a:graphic>
+      </p:graphicFrame>
     </p:spTree>
     <p:extLst>
       <p:ext uri="{BB962C8B-B14F-4D97-AF65-F5344CB8AC3E}">
-        <p14:creationId xmlns:p14="http://schemas.microsoft.com/office/powerpoint/2010/main" val="3750985408"/>
+        <p14:creationId xmlns:p14="http://schemas.microsoft.com/office/powerpoint/2010/main" val="4183609098"/>
       </p:ext>
     </p:extLst>
   </p:cSld>
@@ -4675,13 +6633,7 @@
       </p:grpSpPr>
       <p:sp>
         <p:nvSpPr>
-          <p:cNvPr id="2" name="标题 1">
-            <a:extLst>
-              <a:ext uri="{FF2B5EF4-FFF2-40B4-BE49-F238E27FC236}">
-                <a16:creationId xmlns:a16="http://schemas.microsoft.com/office/drawing/2014/main" id="{8B88BACC-24DE-4087-9AB3-A099CF573089}"/>
-              </a:ext>
-            </a:extLst>
-          </p:cNvPr>
+          <p:cNvPr id="2" name="标题 1"/>
           <p:cNvSpPr>
             <a:spLocks noGrp="1"/>
           </p:cNvSpPr>
@@ -4695,25 +6647,15 @@
           <a:lstStyle/>
           <a:p>
             <a:r>
-              <a:rPr lang="en-US" altLang="zh-CN" dirty="0"/>
-              <a:t>shell</a:t>
-            </a:r>
-            <a:r>
               <a:rPr lang="zh-CN" altLang="en-US" dirty="0"/>
-              <a:t>如何执行命令</a:t>
+              <a:t>重定向示例</a:t>
             </a:r>
           </a:p>
         </p:txBody>
       </p:sp>
       <p:sp>
         <p:nvSpPr>
-          <p:cNvPr id="5" name="内容占位符 4">
-            <a:extLst>
-              <a:ext uri="{FF2B5EF4-FFF2-40B4-BE49-F238E27FC236}">
-                <a16:creationId xmlns:a16="http://schemas.microsoft.com/office/drawing/2014/main" id="{2C34C872-4D85-42A5-826D-E50F695E08B2}"/>
-              </a:ext>
-            </a:extLst>
-          </p:cNvPr>
+          <p:cNvPr id="3" name="内容占位符 2"/>
           <p:cNvSpPr>
             <a:spLocks noGrp="1"/>
           </p:cNvSpPr>
@@ -4723,17 +6665,141 @@
         </p:nvSpPr>
         <p:spPr/>
         <p:txBody>
-          <a:bodyPr/>
+          <a:bodyPr>
+            <a:normAutofit/>
+          </a:bodyPr>
           <a:lstStyle/>
           <a:p>
-            <a:endParaRPr lang="zh-CN" altLang="en-US"/>
+            <a:r>
+              <a:rPr lang="en-US" altLang="zh-CN" sz="2000" dirty="0"/>
+              <a:t>echo  ‘</a:t>
+            </a:r>
+            <a:r>
+              <a:rPr lang="en-US" altLang="zh-CN" sz="2000" dirty="0" err="1"/>
+              <a:t>abc</a:t>
+            </a:r>
+            <a:r>
+              <a:rPr lang="en-US" altLang="zh-CN" sz="2000" dirty="0"/>
+              <a:t>’ </a:t>
+            </a:r>
+            <a:r>
+              <a:rPr lang="zh-CN" altLang="en-US" sz="2000" dirty="0"/>
+              <a:t>会输出</a:t>
+            </a:r>
+            <a:r>
+              <a:rPr lang="en-US" altLang="zh-CN" sz="2000" dirty="0" err="1"/>
+              <a:t>abc</a:t>
+            </a:r>
+            <a:r>
+              <a:rPr lang="zh-CN" altLang="en-US" sz="2000" dirty="0"/>
+              <a:t>到屏幕。</a:t>
+            </a:r>
+            <a:r>
+              <a:rPr lang="en-US" altLang="zh-CN" sz="2000" dirty="0"/>
+              <a:t>echo  ‘</a:t>
+            </a:r>
+            <a:r>
+              <a:rPr lang="en-US" altLang="zh-CN" sz="2000" dirty="0" err="1"/>
+              <a:t>abc</a:t>
+            </a:r>
+            <a:r>
+              <a:rPr lang="en-US" altLang="zh-CN" sz="2000" dirty="0"/>
+              <a:t>’ &gt; </a:t>
+            </a:r>
+            <a:r>
+              <a:rPr lang="en-US" altLang="zh-CN" sz="2000" dirty="0" err="1"/>
+              <a:t>tmp</a:t>
+            </a:r>
+            <a:r>
+              <a:rPr lang="en-US" altLang="zh-CN" sz="2000" dirty="0"/>
+              <a:t>/buff</a:t>
+            </a:r>
+            <a:r>
+              <a:rPr lang="zh-CN" altLang="en-US" sz="2000" dirty="0"/>
+              <a:t>会把</a:t>
+            </a:r>
+            <a:r>
+              <a:rPr lang="en-US" altLang="zh-CN" sz="2000" dirty="0" err="1"/>
+              <a:t>abc</a:t>
+            </a:r>
+            <a:r>
+              <a:rPr lang="zh-CN" altLang="en-US" sz="2000" dirty="0"/>
+              <a:t>输出到</a:t>
+            </a:r>
+            <a:r>
+              <a:rPr lang="en-US" altLang="zh-CN" sz="2000" dirty="0" err="1"/>
+              <a:t>tmp</a:t>
+            </a:r>
+            <a:r>
+              <a:rPr lang="en-US" altLang="zh-CN" sz="2000" dirty="0"/>
+              <a:t>/buff</a:t>
+            </a:r>
+            <a:r>
+              <a:rPr lang="zh-CN" altLang="en-US" sz="2000" dirty="0"/>
+              <a:t>这个文件。</a:t>
+            </a:r>
+            <a:endParaRPr lang="en-US" altLang="zh-CN" sz="2000" dirty="0"/>
+          </a:p>
+          <a:p>
+            <a:endParaRPr lang="en-US" altLang="zh-CN" sz="2000" dirty="0"/>
+          </a:p>
+          <a:p>
+            <a:r>
+              <a:rPr lang="zh-CN" altLang="en-US" sz="2000" dirty="0"/>
+              <a:t>如果没有此文件则会创建这个文件并写入。但是如果文件存在并且不为空，则重定向会导致之前的数据丢失，只保存重定向的数据。</a:t>
+            </a:r>
+            <a:endParaRPr lang="en-US" altLang="zh-CN" sz="2000" dirty="0"/>
+          </a:p>
+          <a:p>
+            <a:endParaRPr lang="en-US" altLang="zh-CN" sz="2000" dirty="0"/>
+          </a:p>
+          <a:p>
+            <a:r>
+              <a:rPr lang="en-US" altLang="zh-CN" sz="2000" dirty="0"/>
+              <a:t>echo ‘</a:t>
+            </a:r>
+            <a:r>
+              <a:rPr lang="en-US" altLang="zh-CN" sz="2000" dirty="0" err="1"/>
+              <a:t>abc</a:t>
+            </a:r>
+            <a:r>
+              <a:rPr lang="en-US" altLang="zh-CN" sz="2000" dirty="0"/>
+              <a:t>’  &gt;&gt;  /</a:t>
+            </a:r>
+            <a:r>
+              <a:rPr lang="en-US" altLang="zh-CN" sz="2000" dirty="0" err="1"/>
+              <a:t>tmp</a:t>
+            </a:r>
+            <a:r>
+              <a:rPr lang="en-US" altLang="zh-CN" sz="2000" dirty="0"/>
+              <a:t>/buff </a:t>
+            </a:r>
+            <a:r>
+              <a:rPr lang="zh-CN" altLang="en-US" sz="2000" dirty="0"/>
+              <a:t>会把</a:t>
+            </a:r>
+            <a:r>
+              <a:rPr lang="en-US" altLang="zh-CN" sz="2000" dirty="0" err="1"/>
+              <a:t>abc</a:t>
+            </a:r>
+            <a:r>
+              <a:rPr lang="zh-CN" altLang="en-US" sz="2000" dirty="0"/>
+              <a:t>追加到文件末尾，之前的数据不会丢失。</a:t>
+            </a:r>
+            <a:endParaRPr lang="en-US" altLang="zh-CN" sz="2000" dirty="0"/>
+          </a:p>
+          <a:p>
+            <a:endParaRPr lang="en-US" altLang="zh-CN" sz="2000" dirty="0"/>
+          </a:p>
+          <a:p>
+            <a:endParaRPr lang="en-US" altLang="zh-CN" sz="2000" dirty="0"/>
           </a:p>
         </p:txBody>
       </p:sp>
     </p:spTree>
     <p:extLst>
       <p:ext uri="{BB962C8B-B14F-4D97-AF65-F5344CB8AC3E}">
-        <p14:creationId xmlns:p14="http://schemas.microsoft.com/office/powerpoint/2010/main" val="2720314654"/>
+        <p14:creationId xmlns:p14="http://schemas.microsoft.com/office/powerpoint/2010/main" val="1566490931"/>
       </p:ext>
     </p:extLst>
   </p:cSld>
@@ -4782,22 +6848,18 @@
           <a:lstStyle/>
           <a:p>
             <a:r>
-              <a:rPr lang="en-US" altLang="zh-CN" dirty="0"/>
-              <a:t>shell</a:t>
-            </a:r>
-            <a:r>
               <a:rPr lang="zh-CN" altLang="en-US" dirty="0"/>
-              <a:t>脚本介绍</a:t>
+              <a:t>管道</a:t>
             </a:r>
           </a:p>
         </p:txBody>
       </p:sp>
       <p:sp>
         <p:nvSpPr>
-          <p:cNvPr id="5" name="内容占位符 4">
+          <p:cNvPr id="3" name="内容占位符 2">
             <a:extLst>
               <a:ext uri="{FF2B5EF4-FFF2-40B4-BE49-F238E27FC236}">
-                <a16:creationId xmlns:a16="http://schemas.microsoft.com/office/drawing/2014/main" id="{1B88EC2C-5BBB-447E-B12D-2BE3B4A29D79}"/>
+                <a16:creationId xmlns:a16="http://schemas.microsoft.com/office/drawing/2014/main" id="{0A1C6B17-780B-4799-8193-E52FD817AC0E}"/>
               </a:ext>
             </a:extLst>
           </p:cNvPr>
@@ -4813,14 +6875,81 @@
           <a:bodyPr/>
           <a:lstStyle/>
           <a:p>
-            <a:endParaRPr lang="zh-CN" altLang="en-US"/>
+            <a:r>
+              <a:rPr lang="zh-CN" altLang="en-US" sz="2000" dirty="0"/>
+              <a:t>把一条命令的</a:t>
+            </a:r>
+            <a:r>
+              <a:rPr lang="en-US" altLang="zh-CN" sz="2000" dirty="0"/>
+              <a:t>STDOUT</a:t>
+            </a:r>
+            <a:r>
+              <a:rPr lang="zh-CN" altLang="en-US" sz="2000" dirty="0"/>
+              <a:t>连接到另一条命令的</a:t>
+            </a:r>
+            <a:r>
+              <a:rPr lang="en-US" altLang="zh-CN" sz="2000" dirty="0"/>
+              <a:t>STDIN</a:t>
+            </a:r>
+            <a:r>
+              <a:rPr lang="zh-CN" altLang="en-US" sz="2000" dirty="0"/>
+              <a:t>上，可以用 </a:t>
+            </a:r>
+            <a:r>
+              <a:rPr lang="en-US" altLang="zh-CN" sz="2000" dirty="0"/>
+              <a:t>| </a:t>
+            </a:r>
+            <a:r>
+              <a:rPr lang="zh-CN" altLang="en-US" sz="2000" dirty="0"/>
+              <a:t>这个符号，它叫做管道。</a:t>
+            </a:r>
+            <a:endParaRPr lang="en-US" altLang="zh-CN" sz="2000" dirty="0"/>
+          </a:p>
+          <a:p>
+            <a:endParaRPr lang="en-US" altLang="zh-CN" sz="2000" dirty="0"/>
+          </a:p>
+          <a:p>
+            <a:r>
+              <a:rPr lang="en-US" altLang="zh-CN" sz="2000" dirty="0"/>
+              <a:t>shell</a:t>
+            </a:r>
+            <a:r>
+              <a:rPr lang="zh-CN" altLang="en-US" sz="2000" dirty="0"/>
+              <a:t>在解释命令遇到 </a:t>
+            </a:r>
+            <a:r>
+              <a:rPr lang="en-US" altLang="zh-CN" sz="2000" dirty="0"/>
+              <a:t>| </a:t>
+            </a:r>
+            <a:r>
+              <a:rPr lang="zh-CN" altLang="en-US" sz="2000" dirty="0"/>
+              <a:t>时会创建管道，并创建两个进程，把标准输入输出重定向到管道，前一个进程向管道写数据，后一个进程从管道读数据。</a:t>
+            </a:r>
+            <a:endParaRPr lang="en-US" altLang="zh-CN" sz="2000" dirty="0"/>
+          </a:p>
+          <a:p>
+            <a:endParaRPr lang="en-US" altLang="zh-CN" sz="2000" dirty="0"/>
+          </a:p>
+          <a:p>
+            <a:r>
+              <a:rPr lang="zh-CN" altLang="zh-CN" sz="2000" dirty="0"/>
+              <a:t>在管道中只有标准输出才传递给下一个命令 标准错误输出直接输出到终端</a:t>
+            </a:r>
+            <a:r>
+              <a:rPr lang="zh-CN" altLang="en-US" sz="2000" dirty="0"/>
+              <a:t>。</a:t>
+            </a:r>
+            <a:endParaRPr lang="en-US" altLang="zh-CN" sz="2000" dirty="0"/>
+          </a:p>
+          <a:p>
+            <a:endParaRPr lang="en-US" altLang="zh-CN" sz="2000" dirty="0"/>
           </a:p>
         </p:txBody>
       </p:sp>
     </p:spTree>
     <p:extLst>
       <p:ext uri="{BB962C8B-B14F-4D97-AF65-F5344CB8AC3E}">
-        <p14:creationId xmlns:p14="http://schemas.microsoft.com/office/powerpoint/2010/main" val="580245471"/>
+        <p14:creationId xmlns:p14="http://schemas.microsoft.com/office/powerpoint/2010/main" val="3045266092"/>
       </p:ext>
     </p:extLst>
   </p:cSld>
@@ -4870,7 +6999,7 @@
           <a:p>
             <a:r>
               <a:rPr lang="zh-CN" altLang="en-US" dirty="0"/>
-              <a:t>算数运算与逻辑运算</a:t>
+              <a:t>管道示例</a:t>
             </a:r>
           </a:p>
         </p:txBody>
@@ -4897,185 +7026,150 @@
           <a:lstStyle/>
           <a:p>
             <a:r>
-              <a:rPr lang="en-US" altLang="zh-CN" sz="2000" dirty="0"/>
-              <a:t>shell</a:t>
-            </a:r>
-            <a:r>
-              <a:rPr lang="zh-CN" altLang="en-US" sz="2000" dirty="0"/>
-              <a:t>支持算术运算，并且</a:t>
-            </a:r>
-            <a:r>
-              <a:rPr lang="en-US" altLang="zh-CN" sz="2000" dirty="0"/>
-              <a:t>shell</a:t>
-            </a:r>
-            <a:r>
-              <a:rPr lang="zh-CN" altLang="en-US" sz="2000" dirty="0"/>
-              <a:t>会对</a:t>
-            </a:r>
-            <a:r>
-              <a:rPr lang="en-US" altLang="zh-CN" sz="2000" dirty="0"/>
-              <a:t>$((····))</a:t>
-            </a:r>
-            <a:r>
-              <a:rPr lang="zh-CN" altLang="en-US" sz="2000" dirty="0"/>
-              <a:t>里的算数表达式进行运算。</a:t>
+              <a:rPr lang="en-US" altLang="zh-CN" sz="2000" dirty="0" err="1"/>
+              <a:t>sudo</a:t>
+            </a:r>
+            <a:r>
+              <a:rPr lang="en-US" altLang="zh-CN" sz="2000" dirty="0"/>
+              <a:t> find / -name </a:t>
+            </a:r>
+            <a:r>
+              <a:rPr lang="en-US" altLang="zh-CN" sz="2000" dirty="0" err="1"/>
+              <a:t>gcc</a:t>
+            </a:r>
+            <a:r>
+              <a:rPr lang="en-US" altLang="zh-CN" sz="2000" dirty="0"/>
+              <a:t> | </a:t>
+            </a:r>
+            <a:r>
+              <a:rPr lang="en-US" altLang="zh-CN" sz="2000" dirty="0" err="1"/>
+              <a:t>wc</a:t>
+            </a:r>
+            <a:r>
+              <a:rPr lang="en-US" altLang="zh-CN" sz="2000" dirty="0"/>
+              <a:t> –l </a:t>
+            </a:r>
+          </a:p>
+          <a:p>
+            <a:pPr lvl="1"/>
+            <a:r>
+              <a:rPr lang="zh-CN" altLang="en-US" sz="1800" dirty="0"/>
+              <a:t>查找名称含有</a:t>
+            </a:r>
+            <a:r>
+              <a:rPr lang="en-US" altLang="zh-CN" sz="1800" dirty="0" err="1"/>
+              <a:t>gcc</a:t>
+            </a:r>
+            <a:r>
+              <a:rPr lang="zh-CN" altLang="en-US" sz="1800" dirty="0"/>
+              <a:t>的文件并使用</a:t>
+            </a:r>
+            <a:r>
+              <a:rPr lang="en-US" altLang="zh-CN" sz="1800" dirty="0" err="1"/>
+              <a:t>wc</a:t>
+            </a:r>
+            <a:r>
+              <a:rPr lang="zh-CN" altLang="en-US" sz="1800" dirty="0"/>
+              <a:t>计数</a:t>
+            </a:r>
+            <a:endParaRPr lang="en-US" altLang="zh-CN" sz="1800" dirty="0"/>
+          </a:p>
+          <a:p>
+            <a:pPr lvl="1"/>
+            <a:endParaRPr lang="en-US" altLang="zh-CN" sz="1800" dirty="0"/>
+          </a:p>
+          <a:p>
+            <a:r>
+              <a:rPr lang="en-US" altLang="zh-CN" sz="2000" dirty="0" err="1"/>
+              <a:t>ps</a:t>
+            </a:r>
+            <a:r>
+              <a:rPr lang="en-US" altLang="zh-CN" sz="2000" dirty="0"/>
+              <a:t> -</a:t>
+            </a:r>
+            <a:r>
+              <a:rPr lang="en-US" altLang="zh-CN" sz="2000" dirty="0" err="1"/>
+              <a:t>ef</a:t>
+            </a:r>
+            <a:r>
+              <a:rPr lang="en-US" altLang="zh-CN" sz="2000" dirty="0"/>
+              <a:t> | grep </a:t>
+            </a:r>
+            <a:r>
+              <a:rPr lang="en-US" altLang="zh-CN" sz="2000" dirty="0" err="1"/>
+              <a:t>ssh</a:t>
             </a:r>
             <a:endParaRPr lang="en-US" altLang="zh-CN" sz="2000" dirty="0"/>
           </a:p>
           <a:p>
-            <a:pPr marL="914400" lvl="2" indent="0">
-              <a:buNone/>
-            </a:pPr>
-            <a:r>
-              <a:rPr lang="en-US" altLang="zh-CN" dirty="0"/>
-              <a:t>a=12;b=14</a:t>
-            </a:r>
-          </a:p>
-          <a:p>
-            <a:pPr marL="914400" lvl="2" indent="0">
-              <a:buNone/>
-            </a:pPr>
-            <a:r>
-              <a:rPr lang="en-US" altLang="zh-CN" dirty="0"/>
-              <a:t>x=$(($a+$b))</a:t>
-            </a:r>
-          </a:p>
-          <a:p>
-            <a:pPr marL="914400" lvl="2" indent="0">
-              <a:buNone/>
-            </a:pPr>
-            <a:r>
-              <a:rPr lang="en-US" altLang="zh-CN" dirty="0"/>
-              <a:t>echo  $x</a:t>
-            </a:r>
-          </a:p>
-          <a:p>
             <a:pPr lvl="1"/>
-            <a:endParaRPr lang="en-US" altLang="zh-CN" sz="1600" dirty="0"/>
-          </a:p>
-          <a:p>
+            <a:r>
+              <a:rPr lang="zh-CN" altLang="en-US" sz="1800" dirty="0"/>
+              <a:t>查找名称含有</a:t>
+            </a:r>
+            <a:r>
+              <a:rPr lang="en-US" altLang="zh-CN" sz="1800" dirty="0" err="1"/>
+              <a:t>ssh</a:t>
+            </a:r>
+            <a:r>
+              <a:rPr lang="zh-CN" altLang="en-US" sz="1800" dirty="0"/>
+              <a:t>的进程</a:t>
+            </a:r>
+            <a:endParaRPr lang="en-US" altLang="zh-CN" sz="1800" dirty="0"/>
+          </a:p>
+          <a:p>
+            <a:pPr lvl="1"/>
+            <a:endParaRPr lang="en-US" altLang="zh-CN" sz="1800" dirty="0"/>
+          </a:p>
+          <a:p>
+            <a:r>
+              <a:rPr lang="en-US" altLang="zh-CN" sz="2000" dirty="0"/>
+              <a:t>ls –l –R /</a:t>
+            </a:r>
             <a:r>
               <a:rPr lang="en-US" altLang="zh-CN" sz="2000" dirty="0" err="1"/>
-              <a:t>readonly</a:t>
-            </a:r>
-            <a:r>
-              <a:rPr lang="zh-CN" altLang="en-US" sz="2000" dirty="0"/>
-              <a:t>把变量设置为只读：</a:t>
-            </a:r>
-            <a:r>
-              <a:rPr lang="en-US" altLang="zh-CN" sz="2000" dirty="0" err="1"/>
-              <a:t>readonly</a:t>
-            </a:r>
-            <a:r>
-              <a:rPr lang="en-US" altLang="zh-CN" sz="2000" dirty="0"/>
-              <a:t>  a</a:t>
-            </a:r>
-            <a:r>
-              <a:rPr lang="zh-CN" altLang="en-US" sz="2000" dirty="0"/>
-              <a:t>，但是设置之后，只读变量就无法更改和取消。</a:t>
-            </a:r>
+              <a:t>usr</a:t>
+            </a:r>
+            <a:r>
+              <a:rPr lang="en-US" altLang="zh-CN" sz="2000" dirty="0"/>
+              <a:t>/share | less</a:t>
+            </a:r>
+          </a:p>
+          <a:p>
+            <a:pPr lvl="1"/>
+            <a:r>
+              <a:rPr lang="zh-CN" altLang="en-US" sz="1800" dirty="0"/>
+              <a:t>分页查看内容</a:t>
+            </a:r>
+            <a:endParaRPr lang="en-US" altLang="zh-CN" sz="1800" dirty="0"/>
+          </a:p>
+          <a:p>
+            <a:pPr lvl="1"/>
+            <a:endParaRPr lang="en-US" altLang="zh-CN" sz="1800" dirty="0"/>
+          </a:p>
+          <a:p>
+            <a:r>
+              <a:rPr lang="en-US" altLang="zh-CN" sz="2000" dirty="0"/>
+              <a:t>ls | sort –r</a:t>
+            </a:r>
+          </a:p>
+          <a:p>
+            <a:pPr lvl="1"/>
+            <a:r>
+              <a:rPr lang="zh-CN" altLang="en-US" sz="1800" dirty="0"/>
+              <a:t>排序文件</a:t>
+            </a:r>
+            <a:endParaRPr lang="en-US" altLang="zh-CN" sz="1800" dirty="0"/>
+          </a:p>
+          <a:p>
             <a:endParaRPr lang="en-US" altLang="zh-CN" sz="2000" dirty="0"/>
-          </a:p>
-          <a:p>
-            <a:endParaRPr lang="en-US" altLang="zh-CN" sz="2000" dirty="0"/>
-          </a:p>
-          <a:p>
-            <a:r>
-              <a:rPr lang="en-US" altLang="zh-CN" sz="2000" dirty="0"/>
-              <a:t>export  a</a:t>
-            </a:r>
-            <a:r>
-              <a:rPr lang="zh-CN" altLang="en-US" sz="2000" dirty="0"/>
-              <a:t>：把变量放到环境变量，环境变量是一个名称与值的简单列表。</a:t>
-            </a:r>
-            <a:endParaRPr lang="en-US" altLang="zh-CN" sz="2000" dirty="0"/>
-          </a:p>
-          <a:p>
-            <a:r>
-              <a:rPr lang="zh-CN" altLang="en-US" sz="2000" dirty="0"/>
-              <a:t>逻辑运算：</a:t>
-            </a:r>
-            <a:r>
-              <a:rPr lang="en-US" altLang="zh-CN" sz="2000" dirty="0"/>
-              <a:t>&amp;&amp;</a:t>
-            </a:r>
-            <a:r>
-              <a:rPr lang="zh-CN" altLang="en-US" sz="2000" dirty="0"/>
-              <a:t>（</a:t>
-            </a:r>
-            <a:r>
-              <a:rPr lang="en-US" altLang="zh-CN" sz="2000" dirty="0"/>
-              <a:t>AND</a:t>
-            </a:r>
-            <a:r>
-              <a:rPr lang="zh-CN" altLang="en-US" sz="2000" dirty="0"/>
-              <a:t>），</a:t>
-            </a:r>
-            <a:r>
-              <a:rPr lang="en-US" altLang="zh-CN" sz="2000" dirty="0"/>
-              <a:t>||</a:t>
-            </a:r>
-            <a:r>
-              <a:rPr lang="zh-CN" altLang="en-US" sz="2000" dirty="0"/>
-              <a:t>（</a:t>
-            </a:r>
-            <a:r>
-              <a:rPr lang="en-US" altLang="zh-CN" sz="2000" dirty="0"/>
-              <a:t>OR</a:t>
-            </a:r>
-            <a:r>
-              <a:rPr lang="zh-CN" altLang="en-US" sz="2000" dirty="0"/>
-              <a:t>）， </a:t>
-            </a:r>
-            <a:r>
-              <a:rPr lang="en-US" altLang="zh-CN" sz="2000" dirty="0"/>
-              <a:t>!</a:t>
-            </a:r>
-            <a:r>
-              <a:rPr lang="zh-CN" altLang="en-US" sz="2000" dirty="0"/>
-              <a:t>（</a:t>
-            </a:r>
-            <a:r>
-              <a:rPr lang="en-US" altLang="zh-CN" sz="2000" dirty="0"/>
-              <a:t>NOT</a:t>
-            </a:r>
-            <a:r>
-              <a:rPr lang="zh-CN" altLang="en-US" sz="2000" dirty="0"/>
-              <a:t>）。</a:t>
-            </a:r>
-            <a:endParaRPr lang="en-US" altLang="zh-CN" sz="2000" dirty="0"/>
-          </a:p>
-          <a:p>
-            <a:r>
-              <a:rPr lang="zh-CN" altLang="en-US" sz="2000" dirty="0"/>
-              <a:t>对逻辑运算来说，任何非</a:t>
-            </a:r>
-            <a:r>
-              <a:rPr lang="en-US" altLang="zh-CN" sz="2000" dirty="0"/>
-              <a:t>0</a:t>
-            </a:r>
-            <a:r>
-              <a:rPr lang="zh-CN" altLang="en-US" sz="2000" dirty="0"/>
-              <a:t>值都是真。</a:t>
-            </a:r>
-            <a:endParaRPr lang="en-US" altLang="zh-CN" sz="2000" dirty="0"/>
-          </a:p>
-          <a:p>
-            <a:r>
-              <a:rPr lang="zh-CN" altLang="en-US" sz="2000" dirty="0"/>
-              <a:t>示例：</a:t>
-            </a:r>
-            <a:r>
-              <a:rPr lang="en-US" altLang="zh-CN" sz="2000" dirty="0"/>
-              <a:t>echo  $((1&amp;&amp;0))  ;  echo $(( 2 || 0))</a:t>
-            </a:r>
           </a:p>
         </p:txBody>
       </p:sp>
     </p:spTree>
     <p:extLst>
       <p:ext uri="{BB962C8B-B14F-4D97-AF65-F5344CB8AC3E}">
-        <p14:creationId xmlns:p14="http://schemas.microsoft.com/office/powerpoint/2010/main" val="3129173604"/>
+        <p14:creationId xmlns:p14="http://schemas.microsoft.com/office/powerpoint/2010/main" val="3688259680"/>
       </p:ext>
     </p:extLst>
   </p:cSld>
@@ -5123,27 +7217,1280 @@
           <a:bodyPr/>
           <a:lstStyle/>
           <a:p>
+            <a:endParaRPr lang="zh-CN" altLang="en-US" dirty="0"/>
+          </a:p>
+        </p:txBody>
+      </p:sp>
+      <p:sp>
+        <p:nvSpPr>
+          <p:cNvPr id="3" name="内容占位符 2">
+            <a:extLst>
+              <a:ext uri="{FF2B5EF4-FFF2-40B4-BE49-F238E27FC236}">
+                <a16:creationId xmlns:a16="http://schemas.microsoft.com/office/drawing/2014/main" id="{0A1C6B17-780B-4799-8193-E52FD817AC0E}"/>
+              </a:ext>
+            </a:extLst>
+          </p:cNvPr>
+          <p:cNvSpPr>
+            <a:spLocks noGrp="1"/>
+          </p:cNvSpPr>
+          <p:nvPr>
+            <p:ph idx="1"/>
+          </p:nvPr>
+        </p:nvSpPr>
+        <p:spPr/>
+        <p:txBody>
+          <a:bodyPr/>
+          <a:lstStyle/>
+          <a:p>
+            <a:endParaRPr lang="en-US" altLang="zh-CN" sz="2000" dirty="0"/>
+          </a:p>
+        </p:txBody>
+      </p:sp>
+    </p:spTree>
+    <p:extLst>
+      <p:ext uri="{BB962C8B-B14F-4D97-AF65-F5344CB8AC3E}">
+        <p14:creationId xmlns:p14="http://schemas.microsoft.com/office/powerpoint/2010/main" val="1662545917"/>
+      </p:ext>
+    </p:extLst>
+  </p:cSld>
+  <p:clrMapOvr>
+    <a:masterClrMapping/>
+  </p:clrMapOvr>
+</p:sld>
+</file>
+
+<file path=ppt/slides/slide17.xml><?xml version="1.0" encoding="utf-8"?>
+<p:sld xmlns:a="http://schemas.openxmlformats.org/drawingml/2006/main" xmlns:r="http://schemas.openxmlformats.org/officeDocument/2006/relationships" xmlns:p="http://schemas.openxmlformats.org/presentationml/2006/main">
+  <p:cSld>
+    <p:spTree>
+      <p:nvGrpSpPr>
+        <p:cNvPr id="1" name=""/>
+        <p:cNvGrpSpPr/>
+        <p:nvPr/>
+      </p:nvGrpSpPr>
+      <p:grpSpPr>
+        <a:xfrm>
+          <a:off x="0" y="0"/>
+          <a:ext cx="0" cy="0"/>
+          <a:chOff x="0" y="0"/>
+          <a:chExt cx="0" cy="0"/>
+        </a:xfrm>
+      </p:grpSpPr>
+      <p:sp>
+        <p:nvSpPr>
+          <p:cNvPr id="4" name="标题 3">
+            <a:extLst>
+              <a:ext uri="{FF2B5EF4-FFF2-40B4-BE49-F238E27FC236}">
+                <a16:creationId xmlns:a16="http://schemas.microsoft.com/office/drawing/2014/main" id="{2729939D-814A-4BD2-9922-3F8EA865938B}"/>
+              </a:ext>
+            </a:extLst>
+          </p:cNvPr>
+          <p:cNvSpPr>
+            <a:spLocks noGrp="1"/>
+          </p:cNvSpPr>
+          <p:nvPr>
+            <p:ph type="title"/>
+          </p:nvPr>
+        </p:nvSpPr>
+        <p:spPr>
+          <a:xfrm>
+            <a:off x="838200" y="683581"/>
+            <a:ext cx="10515600" cy="736846"/>
+          </a:xfrm>
+        </p:spPr>
+        <p:txBody>
+          <a:bodyPr/>
+          <a:lstStyle/>
+          <a:p>
             <a:r>
               <a:rPr lang="en-US" altLang="zh-CN" dirty="0"/>
+              <a:t>3</a:t>
+            </a:r>
+            <a:endParaRPr lang="zh-CN" altLang="en-US" dirty="0"/>
+          </a:p>
+        </p:txBody>
+      </p:sp>
+      <p:sp>
+        <p:nvSpPr>
+          <p:cNvPr id="3" name="内容占位符 2">
+            <a:extLst>
+              <a:ext uri="{FF2B5EF4-FFF2-40B4-BE49-F238E27FC236}">
+                <a16:creationId xmlns:a16="http://schemas.microsoft.com/office/drawing/2014/main" id="{4C1193B6-9CFF-4FAE-AB0A-97DE12E9A50A}"/>
+              </a:ext>
+            </a:extLst>
+          </p:cNvPr>
+          <p:cNvSpPr>
+            <a:spLocks noGrp="1"/>
+          </p:cNvSpPr>
+          <p:nvPr>
+            <p:ph idx="1"/>
+          </p:nvPr>
+        </p:nvSpPr>
+        <p:spPr/>
+        <p:txBody>
+          <a:bodyPr anchor="ctr"/>
+          <a:lstStyle/>
+          <a:p>
+            <a:pPr marL="0" indent="0" algn="ctr">
+              <a:buNone/>
+            </a:pPr>
+            <a:r>
+              <a:rPr lang="en-US" altLang="zh-CN" dirty="0">
+                <a:solidFill>
+                  <a:schemeClr val="accent1">
+                    <a:lumMod val="50000"/>
+                  </a:schemeClr>
+                </a:solidFill>
+              </a:rPr>
+              <a:t>shell</a:t>
+            </a:r>
+            <a:r>
+              <a:rPr lang="zh-CN" altLang="en-US" dirty="0">
+                <a:solidFill>
+                  <a:schemeClr val="accent1">
+                    <a:lumMod val="50000"/>
+                  </a:schemeClr>
+                </a:solidFill>
+              </a:rPr>
+              <a:t>脚本</a:t>
+            </a:r>
+          </a:p>
+        </p:txBody>
+      </p:sp>
+    </p:spTree>
+    <p:extLst>
+      <p:ext uri="{BB962C8B-B14F-4D97-AF65-F5344CB8AC3E}">
+        <p14:creationId xmlns:p14="http://schemas.microsoft.com/office/powerpoint/2010/main" val="3750985408"/>
+      </p:ext>
+    </p:extLst>
+  </p:cSld>
+  <p:clrMapOvr>
+    <a:masterClrMapping/>
+  </p:clrMapOvr>
+</p:sld>
+</file>
+
+<file path=ppt/slides/slide18.xml><?xml version="1.0" encoding="utf-8"?>
+<p:sld xmlns:a="http://schemas.openxmlformats.org/drawingml/2006/main" xmlns:r="http://schemas.openxmlformats.org/officeDocument/2006/relationships" xmlns:p="http://schemas.openxmlformats.org/presentationml/2006/main">
+  <p:cSld>
+    <p:spTree>
+      <p:nvGrpSpPr>
+        <p:cNvPr id="1" name=""/>
+        <p:cNvGrpSpPr/>
+        <p:nvPr/>
+      </p:nvGrpSpPr>
+      <p:grpSpPr>
+        <a:xfrm>
+          <a:off x="0" y="0"/>
+          <a:ext cx="0" cy="0"/>
+          <a:chOff x="0" y="0"/>
+          <a:chExt cx="0" cy="0"/>
+        </a:xfrm>
+      </p:grpSpPr>
+      <p:sp>
+        <p:nvSpPr>
+          <p:cNvPr id="2" name="标题 1">
+            <a:extLst>
+              <a:ext uri="{FF2B5EF4-FFF2-40B4-BE49-F238E27FC236}">
+                <a16:creationId xmlns:a16="http://schemas.microsoft.com/office/drawing/2014/main" id="{8B88BACC-24DE-4087-9AB3-A099CF573089}"/>
+              </a:ext>
+            </a:extLst>
+          </p:cNvPr>
+          <p:cNvSpPr>
+            <a:spLocks noGrp="1"/>
+          </p:cNvSpPr>
+          <p:nvPr>
+            <p:ph type="title"/>
+          </p:nvPr>
+        </p:nvSpPr>
+        <p:spPr/>
+        <p:txBody>
+          <a:bodyPr/>
+          <a:lstStyle/>
+          <a:p>
+            <a:r>
+              <a:rPr lang="en-US" altLang="zh-CN" dirty="0"/>
+              <a:t>shell</a:t>
+            </a:r>
+            <a:r>
+              <a:rPr lang="zh-CN" altLang="en-US" dirty="0"/>
+              <a:t>脚本</a:t>
+            </a:r>
+          </a:p>
+        </p:txBody>
+      </p:sp>
+      <p:sp>
+        <p:nvSpPr>
+          <p:cNvPr id="3" name="内容占位符 2">
+            <a:extLst>
+              <a:ext uri="{FF2B5EF4-FFF2-40B4-BE49-F238E27FC236}">
+                <a16:creationId xmlns:a16="http://schemas.microsoft.com/office/drawing/2014/main" id="{0A1C6B17-780B-4799-8193-E52FD817AC0E}"/>
+              </a:ext>
+            </a:extLst>
+          </p:cNvPr>
+          <p:cNvSpPr>
+            <a:spLocks noGrp="1"/>
+          </p:cNvSpPr>
+          <p:nvPr>
+            <p:ph idx="1"/>
+          </p:nvPr>
+        </p:nvSpPr>
+        <p:spPr/>
+        <p:txBody>
+          <a:bodyPr/>
+          <a:lstStyle/>
+          <a:p>
+            <a:r>
+              <a:rPr lang="en-US" altLang="zh-CN" sz="2000" dirty="0"/>
+              <a:t>shell</a:t>
+            </a:r>
+            <a:r>
+              <a:rPr lang="zh-CN" altLang="en-US" sz="2000" dirty="0"/>
+              <a:t>的实现版本支持的语法大致都相同，区别并不大。一般都支持变量，</a:t>
+            </a:r>
+            <a:r>
+              <a:rPr lang="en-US" altLang="zh-CN" sz="2000" dirty="0"/>
               <a:t>if</a:t>
             </a:r>
             <a:r>
+              <a:rPr lang="zh-CN" altLang="en-US" sz="2000" dirty="0"/>
+              <a:t>，</a:t>
+            </a:r>
+            <a:r>
+              <a:rPr lang="en-US" altLang="zh-CN" sz="2000" dirty="0"/>
+              <a:t>else</a:t>
+            </a:r>
+            <a:r>
+              <a:rPr lang="zh-CN" altLang="en-US" sz="2000" dirty="0"/>
+              <a:t>，</a:t>
+            </a:r>
+            <a:r>
+              <a:rPr lang="en-US" altLang="zh-CN" sz="2000" dirty="0"/>
+              <a:t>for</a:t>
+            </a:r>
+            <a:r>
+              <a:rPr lang="zh-CN" altLang="en-US" sz="2000" dirty="0"/>
+              <a:t>，</a:t>
+            </a:r>
+            <a:r>
+              <a:rPr lang="en-US" altLang="zh-CN" sz="2000" dirty="0"/>
+              <a:t>while</a:t>
+            </a:r>
+            <a:r>
+              <a:rPr lang="zh-CN" altLang="en-US" sz="2000" dirty="0"/>
+              <a:t>关键字等。</a:t>
+            </a:r>
+            <a:endParaRPr lang="en-US" altLang="zh-CN" sz="2000" dirty="0"/>
+          </a:p>
+          <a:p>
+            <a:r>
+              <a:rPr lang="en-US" altLang="zh-CN" sz="2000" dirty="0"/>
+              <a:t>shell</a:t>
+            </a:r>
+            <a:r>
+              <a:rPr lang="zh-CN" altLang="en-US" sz="2000" dirty="0"/>
+              <a:t>脚本在运行时会逐步执行脚本文件里面的命令。脚本实际上就是</a:t>
+            </a:r>
+            <a:r>
+              <a:rPr lang="en-US" altLang="zh-CN" sz="2000" dirty="0"/>
+              <a:t>shell</a:t>
+            </a:r>
+            <a:r>
+              <a:rPr lang="zh-CN" altLang="en-US" sz="2000" dirty="0"/>
+              <a:t>命令的堆叠。</a:t>
+            </a:r>
+            <a:endParaRPr lang="en-US" altLang="zh-CN" sz="2000" dirty="0"/>
+          </a:p>
+          <a:p>
+            <a:r>
+              <a:rPr lang="zh-CN" altLang="en-US" sz="2000" dirty="0"/>
+              <a:t>大多数</a:t>
+            </a:r>
+            <a:r>
+              <a:rPr lang="en-US" altLang="zh-CN" sz="2000" dirty="0"/>
+              <a:t>Linux</a:t>
+            </a:r>
+            <a:r>
+              <a:rPr lang="zh-CN" altLang="en-US" sz="2000" dirty="0"/>
+              <a:t>发行版的默认</a:t>
+            </a:r>
+            <a:r>
+              <a:rPr lang="en-US" altLang="zh-CN" sz="2000" dirty="0"/>
+              <a:t>shell</a:t>
+            </a:r>
+            <a:r>
+              <a:rPr lang="zh-CN" altLang="en-US" sz="2000" dirty="0"/>
+              <a:t>都是</a:t>
+            </a:r>
+            <a:r>
+              <a:rPr lang="en-US" altLang="zh-CN" sz="2000" dirty="0"/>
+              <a:t>bash</a:t>
+            </a:r>
+            <a:r>
+              <a:rPr lang="zh-CN" altLang="en-US" sz="2000" dirty="0"/>
+              <a:t>。其他</a:t>
+            </a:r>
+            <a:r>
+              <a:rPr lang="en-US" altLang="zh-CN" sz="2000" dirty="0"/>
+              <a:t>shell</a:t>
+            </a:r>
+            <a:r>
+              <a:rPr lang="zh-CN" altLang="en-US" sz="2000" dirty="0"/>
+              <a:t>实现程序虽有自己不同的设计，但是也会兼容</a:t>
+            </a:r>
+            <a:r>
+              <a:rPr lang="en-US" altLang="zh-CN" sz="2000" dirty="0"/>
+              <a:t>bash</a:t>
+            </a:r>
+            <a:r>
+              <a:rPr lang="zh-CN" altLang="en-US" sz="2000" dirty="0"/>
+              <a:t>的配置文件。</a:t>
+            </a:r>
+            <a:endParaRPr lang="en-US" altLang="zh-CN" sz="2000" dirty="0"/>
+          </a:p>
+          <a:p>
+            <a:r>
+              <a:rPr lang="zh-CN" altLang="en-US" sz="2000" dirty="0"/>
+              <a:t>文件第一行使用</a:t>
+            </a:r>
+            <a:r>
+              <a:rPr lang="en-US" altLang="zh-CN" sz="2000" dirty="0"/>
+              <a:t>#!/bin/bash</a:t>
+            </a:r>
+            <a:r>
+              <a:rPr lang="zh-CN" altLang="en-US" sz="2000" dirty="0"/>
+              <a:t>表明这是一个</a:t>
+            </a:r>
+            <a:r>
+              <a:rPr lang="en-US" altLang="zh-CN" sz="2000" dirty="0"/>
+              <a:t>bash</a:t>
+            </a:r>
+            <a:r>
+              <a:rPr lang="zh-CN" altLang="en-US" sz="2000" dirty="0"/>
+              <a:t>脚本，注意有些脚本程序使用</a:t>
+            </a:r>
+            <a:r>
+              <a:rPr lang="en-US" altLang="zh-CN" sz="2000" dirty="0"/>
+              <a:t>#!/bin/</a:t>
+            </a:r>
+            <a:r>
+              <a:rPr lang="en-US" altLang="zh-CN" sz="2000" dirty="0" err="1"/>
+              <a:t>sh</a:t>
+            </a:r>
+            <a:r>
+              <a:rPr lang="zh-CN" altLang="en-US" sz="2000" dirty="0"/>
+              <a:t>表示。</a:t>
+            </a:r>
+            <a:endParaRPr lang="en-US" altLang="zh-CN" sz="2000" dirty="0"/>
+          </a:p>
+          <a:p>
+            <a:r>
+              <a:rPr lang="zh-CN" altLang="en-US" sz="2000" dirty="0"/>
+              <a:t>在</a:t>
+            </a:r>
+            <a:r>
+              <a:rPr lang="en-US" altLang="zh-CN" sz="2000" dirty="0"/>
+              <a:t>Ubuntu/Debian</a:t>
+            </a:r>
+            <a:r>
+              <a:rPr lang="zh-CN" altLang="en-US" sz="2000" dirty="0"/>
+              <a:t>上，</a:t>
+            </a:r>
+            <a:r>
+              <a:rPr lang="en-US" altLang="zh-CN" sz="2000" dirty="0" err="1"/>
+              <a:t>sh</a:t>
+            </a:r>
+            <a:r>
+              <a:rPr lang="zh-CN" altLang="en-US" sz="2000" dirty="0"/>
+              <a:t>是一个符号链接指向</a:t>
+            </a:r>
+            <a:r>
+              <a:rPr lang="en-US" altLang="zh-CN" sz="2000" dirty="0"/>
+              <a:t>dash</a:t>
+            </a:r>
+            <a:r>
+              <a:rPr lang="zh-CN" altLang="en-US" sz="2000" dirty="0"/>
+              <a:t>，</a:t>
+            </a:r>
+            <a:r>
+              <a:rPr lang="en-US" altLang="zh-CN" sz="2000" dirty="0"/>
+              <a:t>dash</a:t>
+            </a:r>
+            <a:r>
+              <a:rPr lang="zh-CN" altLang="en-US" sz="2000" dirty="0"/>
+              <a:t>是一个专为执行脚本而设计的</a:t>
+            </a:r>
+            <a:r>
+              <a:rPr lang="en-US" altLang="zh-CN" sz="2000" dirty="0"/>
+              <a:t>shell</a:t>
+            </a:r>
+            <a:r>
+              <a:rPr lang="zh-CN" altLang="en-US" sz="2000" dirty="0"/>
+              <a:t>程序，执行速度快，语法遵循</a:t>
+            </a:r>
+            <a:r>
+              <a:rPr lang="en-US" altLang="zh-CN" sz="2000" dirty="0"/>
+              <a:t>POSIX</a:t>
+            </a:r>
+            <a:r>
+              <a:rPr lang="zh-CN" altLang="en-US" sz="2000" dirty="0"/>
+              <a:t>标准，但是功能比</a:t>
+            </a:r>
+            <a:r>
+              <a:rPr lang="en-US" altLang="zh-CN" sz="2000" dirty="0"/>
+              <a:t>bash</a:t>
+            </a:r>
+            <a:r>
+              <a:rPr lang="zh-CN" altLang="en-US" sz="2000" dirty="0"/>
+              <a:t>少很多。</a:t>
+            </a:r>
+            <a:endParaRPr lang="en-US" altLang="zh-CN" sz="2000" dirty="0"/>
+          </a:p>
+          <a:p>
+            <a:r>
+              <a:rPr lang="zh-CN" altLang="en-US" sz="2000" dirty="0"/>
+              <a:t>一个简单的脚本：开头声明这是一个</a:t>
+            </a:r>
+            <a:r>
+              <a:rPr lang="en-US" altLang="zh-CN" sz="2000" dirty="0"/>
+              <a:t>bash</a:t>
+            </a:r>
+            <a:r>
+              <a:rPr lang="zh-CN" altLang="en-US" sz="2000" dirty="0"/>
+              <a:t>脚本，然后是主要操作代码，最后以</a:t>
+            </a:r>
+            <a:r>
+              <a:rPr lang="en-US" altLang="zh-CN" sz="2000" dirty="0"/>
+              <a:t>exit 0</a:t>
+            </a:r>
+            <a:r>
+              <a:rPr lang="zh-CN" altLang="en-US" sz="2000" dirty="0"/>
+              <a:t>退出。</a:t>
+            </a:r>
+            <a:endParaRPr lang="en-US" altLang="zh-CN" sz="2000" dirty="0"/>
+          </a:p>
+          <a:p>
+            <a:pPr marL="0" indent="0">
+              <a:buNone/>
+            </a:pPr>
+            <a:endParaRPr lang="en-US" altLang="zh-CN" sz="2000" dirty="0"/>
+          </a:p>
+        </p:txBody>
+      </p:sp>
+      <p:pic>
+        <p:nvPicPr>
+          <p:cNvPr id="9" name="图片 8">
+            <a:extLst>
+              <a:ext uri="{FF2B5EF4-FFF2-40B4-BE49-F238E27FC236}">
+                <a16:creationId xmlns:a16="http://schemas.microsoft.com/office/drawing/2014/main" id="{67AD0491-89B2-48F9-A940-2C9B72CDFD40}"/>
+              </a:ext>
+            </a:extLst>
+          </p:cNvPr>
+          <p:cNvPicPr>
+            <a:picLocks noChangeAspect="1"/>
+          </p:cNvPicPr>
+          <p:nvPr/>
+        </p:nvPicPr>
+        <p:blipFill>
+          <a:blip r:embed="rId2">
+            <a:extLst>
+              <a:ext uri="{28A0092B-C50C-407E-A947-70E740481C1C}">
+                <a14:useLocalDpi xmlns:a14="http://schemas.microsoft.com/office/drawing/2010/main" val="0"/>
+              </a:ext>
+            </a:extLst>
+          </a:blip>
+          <a:stretch>
+            <a:fillRect/>
+          </a:stretch>
+        </p:blipFill>
+        <p:spPr>
+          <a:xfrm>
+            <a:off x="2813961" y="4973350"/>
+            <a:ext cx="5619579" cy="1602018"/>
+          </a:xfrm>
+          <a:prstGeom prst="rect">
+            <a:avLst/>
+          </a:prstGeom>
+        </p:spPr>
+      </p:pic>
+    </p:spTree>
+    <p:extLst>
+      <p:ext uri="{BB962C8B-B14F-4D97-AF65-F5344CB8AC3E}">
+        <p14:creationId xmlns:p14="http://schemas.microsoft.com/office/powerpoint/2010/main" val="1283951382"/>
+      </p:ext>
+    </p:extLst>
+  </p:cSld>
+  <p:clrMapOvr>
+    <a:masterClrMapping/>
+  </p:clrMapOvr>
+</p:sld>
+</file>
+
+<file path=ppt/slides/slide19.xml><?xml version="1.0" encoding="utf-8"?>
+<p:sld xmlns:a="http://schemas.openxmlformats.org/drawingml/2006/main" xmlns:r="http://schemas.openxmlformats.org/officeDocument/2006/relationships" xmlns:p="http://schemas.openxmlformats.org/presentationml/2006/main">
+  <p:cSld>
+    <p:spTree>
+      <p:nvGrpSpPr>
+        <p:cNvPr id="1" name=""/>
+        <p:cNvGrpSpPr/>
+        <p:nvPr/>
+      </p:nvGrpSpPr>
+      <p:grpSpPr>
+        <a:xfrm>
+          <a:off x="0" y="0"/>
+          <a:ext cx="0" cy="0"/>
+          <a:chOff x="0" y="0"/>
+          <a:chExt cx="0" cy="0"/>
+        </a:xfrm>
+      </p:grpSpPr>
+      <p:sp>
+        <p:nvSpPr>
+          <p:cNvPr id="2" name="标题 1">
+            <a:extLst>
+              <a:ext uri="{FF2B5EF4-FFF2-40B4-BE49-F238E27FC236}">
+                <a16:creationId xmlns:a16="http://schemas.microsoft.com/office/drawing/2014/main" id="{8B88BACC-24DE-4087-9AB3-A099CF573089}"/>
+              </a:ext>
+            </a:extLst>
+          </p:cNvPr>
+          <p:cNvSpPr>
+            <a:spLocks noGrp="1"/>
+          </p:cNvSpPr>
+          <p:nvPr>
+            <p:ph type="title"/>
+          </p:nvPr>
+        </p:nvSpPr>
+        <p:spPr/>
+        <p:txBody>
+          <a:bodyPr/>
+          <a:lstStyle/>
+          <a:p>
+            <a:r>
               <a:rPr lang="zh-CN" altLang="en-US" dirty="0"/>
-              <a:t>，</a:t>
-            </a:r>
-            <a:r>
-              <a:rPr lang="en-US" altLang="zh-CN" dirty="0"/>
-              <a:t>else</a:t>
-            </a:r>
+              <a:t>脚本的可执行权限</a:t>
+            </a:r>
+          </a:p>
+        </p:txBody>
+      </p:sp>
+      <p:sp>
+        <p:nvSpPr>
+          <p:cNvPr id="3" name="内容占位符 2">
+            <a:extLst>
+              <a:ext uri="{FF2B5EF4-FFF2-40B4-BE49-F238E27FC236}">
+                <a16:creationId xmlns:a16="http://schemas.microsoft.com/office/drawing/2014/main" id="{0A1C6B17-780B-4799-8193-E52FD817AC0E}"/>
+              </a:ext>
+            </a:extLst>
+          </p:cNvPr>
+          <p:cNvSpPr>
+            <a:spLocks noGrp="1"/>
+          </p:cNvSpPr>
+          <p:nvPr>
+            <p:ph idx="1"/>
+          </p:nvPr>
+        </p:nvSpPr>
+        <p:spPr/>
+        <p:txBody>
+          <a:bodyPr/>
+          <a:lstStyle/>
+          <a:p>
+            <a:endParaRPr lang="en-US" altLang="zh-CN" sz="2000" dirty="0"/>
+          </a:p>
+          <a:p>
+            <a:r>
+              <a:rPr lang="zh-CN" altLang="en-US" sz="2000" dirty="0"/>
+              <a:t>执行脚本可以使用 </a:t>
+            </a:r>
+            <a:r>
+              <a:rPr lang="en-US" altLang="zh-CN" sz="2000" dirty="0"/>
+              <a:t>bash [SCRIPT NAME]</a:t>
+            </a:r>
+            <a:r>
+              <a:rPr lang="zh-CN" altLang="en-US" sz="2000" dirty="0"/>
+              <a:t>，此时</a:t>
+            </a:r>
+            <a:r>
+              <a:rPr lang="en-US" altLang="zh-CN" sz="2000" dirty="0"/>
+              <a:t>bash</a:t>
+            </a:r>
+            <a:r>
+              <a:rPr lang="zh-CN" altLang="en-US" sz="2000" dirty="0"/>
+              <a:t>读取脚本文件并执行，</a:t>
+            </a:r>
+            <a:r>
+              <a:rPr lang="en-US" altLang="zh-CN" sz="2000" dirty="0"/>
+              <a:t>#!/bin/bash</a:t>
+            </a:r>
+            <a:r>
+              <a:rPr lang="zh-CN" altLang="en-US" sz="2000" dirty="0"/>
+              <a:t>是被解释为注释。</a:t>
+            </a:r>
+            <a:endParaRPr lang="en-US" altLang="zh-CN" sz="2000" dirty="0"/>
+          </a:p>
+          <a:p>
+            <a:endParaRPr lang="en-US" altLang="zh-CN" sz="2000" dirty="0"/>
+          </a:p>
+          <a:p>
+            <a:r>
+              <a:rPr lang="zh-CN" altLang="en-US" sz="2000" dirty="0"/>
+              <a:t>另一种方式就是给脚本添加可执行权限：</a:t>
+            </a:r>
+            <a:r>
+              <a:rPr lang="en-US" altLang="zh-CN" sz="2000" dirty="0" err="1"/>
+              <a:t>chmod</a:t>
+            </a:r>
+            <a:r>
+              <a:rPr lang="en-US" altLang="zh-CN" sz="2000" dirty="0"/>
+              <a:t> +x [SCRIPT NAME]</a:t>
+            </a:r>
+          </a:p>
+          <a:p>
+            <a:endParaRPr lang="en-US" altLang="zh-CN" sz="2000" dirty="0"/>
+          </a:p>
+          <a:p>
+            <a:r>
+              <a:rPr lang="zh-CN" altLang="en-US" sz="2000" dirty="0"/>
+              <a:t>给脚本添加执行权限，脚本开头的</a:t>
+            </a:r>
+            <a:r>
+              <a:rPr lang="en-US" altLang="zh-CN" sz="2000" dirty="0"/>
+              <a:t>#!/bin/bash</a:t>
+            </a:r>
+            <a:r>
+              <a:rPr lang="zh-CN" altLang="en-US" sz="2000" dirty="0"/>
+              <a:t>声明这是一个脚本文件，要用</a:t>
+            </a:r>
+            <a:r>
+              <a:rPr lang="en-US" altLang="zh-CN" sz="2000" dirty="0"/>
+              <a:t>/bin/bash</a:t>
+            </a:r>
+            <a:r>
+              <a:rPr lang="zh-CN" altLang="en-US" sz="2000" dirty="0"/>
+              <a:t>执行。</a:t>
+            </a:r>
+            <a:endParaRPr lang="en-US" altLang="zh-CN" sz="2000" dirty="0"/>
+          </a:p>
+          <a:p>
+            <a:endParaRPr lang="en-US" altLang="zh-CN" sz="2000" dirty="0"/>
+          </a:p>
+        </p:txBody>
+      </p:sp>
+    </p:spTree>
+    <p:extLst>
+      <p:ext uri="{BB962C8B-B14F-4D97-AF65-F5344CB8AC3E}">
+        <p14:creationId xmlns:p14="http://schemas.microsoft.com/office/powerpoint/2010/main" val="3466496868"/>
+      </p:ext>
+    </p:extLst>
+  </p:cSld>
+  <p:clrMapOvr>
+    <a:masterClrMapping/>
+  </p:clrMapOvr>
+</p:sld>
+</file>
+
+<file path=ppt/slides/slide2.xml><?xml version="1.0" encoding="utf-8"?>
+<p:sld xmlns:a="http://schemas.openxmlformats.org/drawingml/2006/main" xmlns:r="http://schemas.openxmlformats.org/officeDocument/2006/relationships" xmlns:p="http://schemas.openxmlformats.org/presentationml/2006/main">
+  <p:cSld>
+    <p:spTree>
+      <p:nvGrpSpPr>
+        <p:cNvPr id="1" name=""/>
+        <p:cNvGrpSpPr/>
+        <p:nvPr/>
+      </p:nvGrpSpPr>
+      <p:grpSpPr>
+        <a:xfrm>
+          <a:off x="0" y="0"/>
+          <a:ext cx="0" cy="0"/>
+          <a:chOff x="0" y="0"/>
+          <a:chExt cx="0" cy="0"/>
+        </a:xfrm>
+      </p:grpSpPr>
+      <p:sp>
+        <p:nvSpPr>
+          <p:cNvPr id="4" name="标题 3">
+            <a:extLst>
+              <a:ext uri="{FF2B5EF4-FFF2-40B4-BE49-F238E27FC236}">
+                <a16:creationId xmlns:a16="http://schemas.microsoft.com/office/drawing/2014/main" id="{2729939D-814A-4BD2-9922-3F8EA865938B}"/>
+              </a:ext>
+            </a:extLst>
+          </p:cNvPr>
+          <p:cNvSpPr>
+            <a:spLocks noGrp="1"/>
+          </p:cNvSpPr>
+          <p:nvPr>
+            <p:ph type="title"/>
+          </p:nvPr>
+        </p:nvSpPr>
+        <p:spPr>
+          <a:xfrm>
+            <a:off x="838200" y="683581"/>
+            <a:ext cx="10515600" cy="736846"/>
+          </a:xfrm>
+        </p:spPr>
+        <p:txBody>
+          <a:bodyPr/>
+          <a:lstStyle/>
+          <a:p>
             <a:r>
               <a:rPr lang="zh-CN" altLang="en-US" dirty="0"/>
-              <a:t>，</a:t>
-            </a:r>
-            <a:r>
-              <a:rPr lang="en-US" altLang="zh-CN" dirty="0"/>
-              <a:t>test</a:t>
-            </a:r>
-            <a:endParaRPr lang="zh-CN" altLang="en-US" dirty="0"/>
+              <a:t>目录</a:t>
+            </a:r>
+          </a:p>
+        </p:txBody>
+      </p:sp>
+      <p:graphicFrame>
+        <p:nvGraphicFramePr>
+          <p:cNvPr id="8" name="内容占位符 7">
+            <a:extLst>
+              <a:ext uri="{FF2B5EF4-FFF2-40B4-BE49-F238E27FC236}">
+                <a16:creationId xmlns:a16="http://schemas.microsoft.com/office/drawing/2014/main" id="{E297281D-D602-49CD-B5A2-49E27DF0DF4B}"/>
+              </a:ext>
+            </a:extLst>
+          </p:cNvPr>
+          <p:cNvGraphicFramePr>
+            <a:graphicFrameLocks noGrp="1"/>
+          </p:cNvGraphicFramePr>
+          <p:nvPr>
+            <p:ph idx="1"/>
+            <p:extLst>
+              <p:ext uri="{D42A27DB-BD31-4B8C-83A1-F6EECF244321}">
+                <p14:modId xmlns:p14="http://schemas.microsoft.com/office/powerpoint/2010/main" val="2173196533"/>
+              </p:ext>
+            </p:extLst>
+          </p:nvPr>
+        </p:nvGraphicFramePr>
+        <p:xfrm>
+          <a:off x="870012" y="2317072"/>
+          <a:ext cx="10483788" cy="2223819"/>
+        </p:xfrm>
+        <a:graphic>
+          <a:graphicData uri="http://schemas.openxmlformats.org/drawingml/2006/table">
+            <a:tbl>
+              <a:tblPr firstRow="1" bandRow="1">
+                <a:tableStyleId>{8799B23B-EC83-4686-B30A-512413B5E67A}</a:tableStyleId>
+              </a:tblPr>
+              <a:tblGrid>
+                <a:gridCol w="10483788">
+                  <a:extLst>
+                    <a:ext uri="{9D8B030D-6E8A-4147-A177-3AD203B41FA5}">
+                      <a16:colId xmlns:a16="http://schemas.microsoft.com/office/drawing/2014/main" val="2172453955"/>
+                    </a:ext>
+                  </a:extLst>
+                </a:gridCol>
+              </a:tblGrid>
+              <a:tr h="741273">
+                <a:tc>
+                  <a:txBody>
+                    <a:bodyPr/>
+                    <a:lstStyle/>
+                    <a:p>
+                      <a:pPr lvl="4" algn="l"/>
+                      <a:r>
+                        <a:rPr lang="zh-CN" altLang="en-US" sz="2000" b="0" dirty="0">
+                          <a:latin typeface="汉仪家书简" panose="02010609000101010101" pitchFamily="49" charset="-122"/>
+                          <a:ea typeface="汉仪家书简" panose="02010609000101010101" pitchFamily="49" charset="-122"/>
+                        </a:rPr>
+                        <a:t>知识回顾</a:t>
+                      </a:r>
+                    </a:p>
+                  </a:txBody>
+                  <a:tcPr anchor="ctr">
+                    <a:lnL w="12700" cmpd="sng">
+                      <a:noFill/>
+                    </a:lnL>
+                    <a:lnR w="12700" cmpd="sng">
+                      <a:noFill/>
+                    </a:lnR>
+                    <a:lnT w="12700" cmpd="sng">
+                      <a:noFill/>
+                    </a:lnT>
+                    <a:lnB w="25400" cmpd="sng">
+                      <a:noFill/>
+                    </a:lnB>
+                    <a:lnTlToBr w="12700" cmpd="sng">
+                      <a:noFill/>
+                      <a:prstDash val="solid"/>
+                    </a:lnTlToBr>
+                    <a:lnBlToTr w="12700" cmpd="sng">
+                      <a:noFill/>
+                      <a:prstDash val="solid"/>
+                    </a:lnBlToTr>
+                    <a:solidFill>
+                      <a:schemeClr val="accent1">
+                        <a:lumMod val="20000"/>
+                        <a:lumOff val="80000"/>
+                      </a:schemeClr>
+                    </a:solidFill>
+                  </a:tcPr>
+                </a:tc>
+                <a:extLst>
+                  <a:ext uri="{0D108BD9-81ED-4DB2-BD59-A6C34878D82A}">
+                    <a16:rowId xmlns:a16="http://schemas.microsoft.com/office/drawing/2014/main" val="2767275421"/>
+                  </a:ext>
+                </a:extLst>
+              </a:tr>
+              <a:tr h="741273">
+                <a:tc>
+                  <a:txBody>
+                    <a:bodyPr/>
+                    <a:lstStyle/>
+                    <a:p>
+                      <a:pPr lvl="4" algn="l"/>
+                      <a:r>
+                        <a:rPr lang="en-US" altLang="zh-CN" sz="2000" dirty="0">
+                          <a:latin typeface="汉仪家书简" panose="02010609000101010101" pitchFamily="49" charset="-122"/>
+                          <a:ea typeface="汉仪家书简" panose="02010609000101010101" pitchFamily="49" charset="-122"/>
+                        </a:rPr>
+                        <a:t>Linux</a:t>
+                      </a:r>
+                      <a:r>
+                        <a:rPr lang="zh-CN" altLang="en-US" sz="2000" dirty="0">
+                          <a:latin typeface="汉仪家书简" panose="02010609000101010101" pitchFamily="49" charset="-122"/>
+                          <a:ea typeface="汉仪家书简" panose="02010609000101010101" pitchFamily="49" charset="-122"/>
+                        </a:rPr>
+                        <a:t>基础使用</a:t>
+                      </a:r>
+                    </a:p>
+                  </a:txBody>
+                  <a:tcPr anchor="ctr">
+                    <a:lnL w="12700" cmpd="sng">
+                      <a:noFill/>
+                    </a:lnL>
+                    <a:lnR w="12700" cmpd="sng">
+                      <a:noFill/>
+                    </a:lnR>
+                    <a:lnT w="25400" cmpd="sng">
+                      <a:noFill/>
+                    </a:lnT>
+                    <a:lnB w="12700" cmpd="sng">
+                      <a:noFill/>
+                    </a:lnB>
+                    <a:lnTlToBr w="12700" cmpd="sng">
+                      <a:noFill/>
+                      <a:prstDash val="solid"/>
+                    </a:lnTlToBr>
+                    <a:lnBlToTr w="12700" cmpd="sng">
+                      <a:noFill/>
+                      <a:prstDash val="solid"/>
+                    </a:lnBlToTr>
+                    <a:solidFill>
+                      <a:schemeClr val="accent1">
+                        <a:lumMod val="20000"/>
+                        <a:lumOff val="80000"/>
+                      </a:schemeClr>
+                    </a:solidFill>
+                  </a:tcPr>
+                </a:tc>
+                <a:extLst>
+                  <a:ext uri="{0D108BD9-81ED-4DB2-BD59-A6C34878D82A}">
+                    <a16:rowId xmlns:a16="http://schemas.microsoft.com/office/drawing/2014/main" val="994305771"/>
+                  </a:ext>
+                </a:extLst>
+              </a:tr>
+              <a:tr h="741273">
+                <a:tc>
+                  <a:txBody>
+                    <a:bodyPr/>
+                    <a:lstStyle/>
+                    <a:p>
+                      <a:pPr lvl="4" algn="l"/>
+                      <a:r>
+                        <a:rPr lang="en-US" altLang="zh-CN" sz="2000" dirty="0">
+                          <a:latin typeface="汉仪家书简" panose="02010609000101010101" pitchFamily="49" charset="-122"/>
+                          <a:ea typeface="汉仪家书简" panose="02010609000101010101" pitchFamily="49" charset="-122"/>
+                        </a:rPr>
+                        <a:t>shell</a:t>
+                      </a:r>
+                      <a:r>
+                        <a:rPr lang="zh-CN" altLang="en-US" sz="2000" dirty="0">
+                          <a:latin typeface="汉仪家书简" panose="02010609000101010101" pitchFamily="49" charset="-122"/>
+                          <a:ea typeface="汉仪家书简" panose="02010609000101010101" pitchFamily="49" charset="-122"/>
+                        </a:rPr>
+                        <a:t>脚本</a:t>
+                      </a:r>
+                    </a:p>
+                  </a:txBody>
+                  <a:tcPr anchor="ctr">
+                    <a:lnL w="12700" cmpd="sng">
+                      <a:noFill/>
+                    </a:lnL>
+                    <a:lnR w="12700" cmpd="sng">
+                      <a:noFill/>
+                    </a:lnR>
+                    <a:lnT w="12700" cmpd="sng">
+                      <a:noFill/>
+                    </a:lnT>
+                    <a:lnB w="12700" cmpd="sng">
+                      <a:noFill/>
+                    </a:lnB>
+                    <a:lnTlToBr w="12700" cmpd="sng">
+                      <a:noFill/>
+                      <a:prstDash val="solid"/>
+                    </a:lnTlToBr>
+                    <a:lnBlToTr w="12700" cmpd="sng">
+                      <a:noFill/>
+                      <a:prstDash val="solid"/>
+                    </a:lnBlToTr>
+                    <a:solidFill>
+                      <a:schemeClr val="accent1">
+                        <a:lumMod val="20000"/>
+                        <a:lumOff val="80000"/>
+                      </a:schemeClr>
+                    </a:solidFill>
+                  </a:tcPr>
+                </a:tc>
+                <a:extLst>
+                  <a:ext uri="{0D108BD9-81ED-4DB2-BD59-A6C34878D82A}">
+                    <a16:rowId xmlns:a16="http://schemas.microsoft.com/office/drawing/2014/main" val="3453593494"/>
+                  </a:ext>
+                </a:extLst>
+              </a:tr>
+            </a:tbl>
+          </a:graphicData>
+        </a:graphic>
+      </p:graphicFrame>
+    </p:spTree>
+    <p:extLst>
+      <p:ext uri="{BB962C8B-B14F-4D97-AF65-F5344CB8AC3E}">
+        <p14:creationId xmlns:p14="http://schemas.microsoft.com/office/powerpoint/2010/main" val="3581785050"/>
+      </p:ext>
+    </p:extLst>
+  </p:cSld>
+  <p:clrMapOvr>
+    <a:masterClrMapping/>
+  </p:clrMapOvr>
+</p:sld>
+</file>
+
+<file path=ppt/slides/slide20.xml><?xml version="1.0" encoding="utf-8"?>
+<p:sld xmlns:a="http://schemas.openxmlformats.org/drawingml/2006/main" xmlns:r="http://schemas.openxmlformats.org/officeDocument/2006/relationships" xmlns:p="http://schemas.openxmlformats.org/presentationml/2006/main">
+  <p:cSld>
+    <p:spTree>
+      <p:nvGrpSpPr>
+        <p:cNvPr id="1" name=""/>
+        <p:cNvGrpSpPr/>
+        <p:nvPr/>
+      </p:nvGrpSpPr>
+      <p:grpSpPr>
+        <a:xfrm>
+          <a:off x="0" y="0"/>
+          <a:ext cx="0" cy="0"/>
+          <a:chOff x="0" y="0"/>
+          <a:chExt cx="0" cy="0"/>
+        </a:xfrm>
+      </p:grpSpPr>
+      <p:sp>
+        <p:nvSpPr>
+          <p:cNvPr id="2" name="标题 1">
+            <a:extLst>
+              <a:ext uri="{FF2B5EF4-FFF2-40B4-BE49-F238E27FC236}">
+                <a16:creationId xmlns:a16="http://schemas.microsoft.com/office/drawing/2014/main" id="{8B88BACC-24DE-4087-9AB3-A099CF573089}"/>
+              </a:ext>
+            </a:extLst>
+          </p:cNvPr>
+          <p:cNvSpPr>
+            <a:spLocks noGrp="1"/>
+          </p:cNvSpPr>
+          <p:nvPr>
+            <p:ph type="title"/>
+          </p:nvPr>
+        </p:nvSpPr>
+        <p:spPr/>
+        <p:txBody>
+          <a:bodyPr/>
+          <a:lstStyle/>
+          <a:p>
+            <a:r>
+              <a:rPr lang="zh-CN" altLang="en-US" dirty="0"/>
+              <a:t>变量</a:t>
+            </a:r>
+          </a:p>
+        </p:txBody>
+      </p:sp>
+      <p:sp>
+        <p:nvSpPr>
+          <p:cNvPr id="3" name="内容占位符 2">
+            <a:extLst>
+              <a:ext uri="{FF2B5EF4-FFF2-40B4-BE49-F238E27FC236}">
+                <a16:creationId xmlns:a16="http://schemas.microsoft.com/office/drawing/2014/main" id="{0A1C6B17-780B-4799-8193-E52FD817AC0E}"/>
+              </a:ext>
+            </a:extLst>
+          </p:cNvPr>
+          <p:cNvSpPr>
+            <a:spLocks noGrp="1"/>
+          </p:cNvSpPr>
+          <p:nvPr>
+            <p:ph idx="1"/>
+          </p:nvPr>
+        </p:nvSpPr>
+        <p:spPr/>
+        <p:txBody>
+          <a:bodyPr/>
+          <a:lstStyle/>
+          <a:p>
+            <a:r>
+              <a:rPr lang="en-US" altLang="zh-CN" sz="2000" dirty="0"/>
+              <a:t>shell</a:t>
+            </a:r>
+            <a:r>
+              <a:rPr lang="zh-CN" altLang="en-US" sz="2000" dirty="0"/>
+              <a:t>运行</a:t>
+            </a:r>
+            <a:r>
+              <a:rPr lang="en-US" altLang="zh-CN" sz="2000" dirty="0"/>
+              <a:t>a=123</a:t>
+            </a:r>
+            <a:r>
+              <a:rPr lang="zh-CN" altLang="en-US" sz="2000" dirty="0"/>
+              <a:t>就定义了</a:t>
+            </a:r>
+            <a:r>
+              <a:rPr lang="en-US" altLang="zh-CN" sz="2000" dirty="0"/>
+              <a:t>a</a:t>
+            </a:r>
+            <a:r>
+              <a:rPr lang="zh-CN" altLang="en-US" sz="2000" dirty="0"/>
+              <a:t>变量。</a:t>
+            </a:r>
+            <a:r>
+              <a:rPr lang="en-US" altLang="zh-CN" sz="2000" dirty="0"/>
+              <a:t>shell</a:t>
+            </a:r>
+            <a:r>
+              <a:rPr lang="zh-CN" altLang="en-US" sz="2000" dirty="0"/>
+              <a:t>中的变量就是为某些需要保存的数据用一个名称标记，方便以后使用。变量的名称以字母或是下划线符号开头，后可跟任意长度的字母、数字、下划线。</a:t>
+            </a:r>
+            <a:endParaRPr lang="en-US" altLang="zh-CN" sz="2000" dirty="0"/>
+          </a:p>
+          <a:p>
+            <a:r>
+              <a:rPr lang="en-US" altLang="zh-CN" sz="2000" dirty="0"/>
+              <a:t>=</a:t>
+            </a:r>
+            <a:r>
+              <a:rPr lang="zh-CN" altLang="en-US" sz="2000" dirty="0"/>
+              <a:t>左右不能有空格，否则会按照运行命令的方式去执行。</a:t>
+            </a:r>
+            <a:endParaRPr lang="en-US" altLang="zh-CN" sz="2000" dirty="0"/>
+          </a:p>
+          <a:p>
+            <a:endParaRPr lang="en-US" altLang="zh-CN" sz="2000" dirty="0"/>
+          </a:p>
+          <a:p>
+            <a:r>
+              <a:rPr lang="en-US" altLang="zh-CN" sz="2000" dirty="0"/>
+              <a:t>a=`</a:t>
+            </a:r>
+            <a:r>
+              <a:rPr lang="en-US" altLang="zh-CN" sz="2000" dirty="0" err="1"/>
+              <a:t>ls`</a:t>
+            </a:r>
+            <a:r>
+              <a:rPr lang="en-US" altLang="zh-CN" sz="2000" dirty="0"/>
+              <a:t> </a:t>
+            </a:r>
+            <a:r>
+              <a:rPr lang="zh-CN" altLang="en-US" sz="2000" dirty="0"/>
+              <a:t>会把</a:t>
+            </a:r>
+            <a:r>
+              <a:rPr lang="en-US" altLang="zh-CN" sz="2000" dirty="0"/>
+              <a:t>ls</a:t>
+            </a:r>
+            <a:r>
+              <a:rPr lang="zh-CN" altLang="en-US" sz="2000" dirty="0"/>
+              <a:t>运行的结果赋值给</a:t>
+            </a:r>
+            <a:r>
+              <a:rPr lang="en-US" altLang="zh-CN" sz="2000" dirty="0"/>
+              <a:t>a</a:t>
+            </a:r>
+            <a:r>
+              <a:rPr lang="zh-CN" altLang="en-US" sz="2000" dirty="0"/>
+              <a:t>。注意</a:t>
+            </a:r>
+            <a:r>
+              <a:rPr lang="en-US" altLang="zh-CN" sz="2000" dirty="0"/>
+              <a:t>ls</a:t>
+            </a:r>
+            <a:r>
+              <a:rPr lang="zh-CN" altLang="en-US" sz="2000" dirty="0"/>
+              <a:t>不是被单引号包含，而是数字键</a:t>
+            </a:r>
+            <a:r>
+              <a:rPr lang="en-US" altLang="zh-CN" sz="2000" dirty="0"/>
+              <a:t>1</a:t>
+            </a:r>
+            <a:r>
+              <a:rPr lang="zh-CN" altLang="en-US" sz="2000" dirty="0"/>
+              <a:t>左侧按键，按住</a:t>
+            </a:r>
+            <a:r>
+              <a:rPr lang="en-US" altLang="zh-CN" sz="2000" dirty="0"/>
+              <a:t>Shift</a:t>
+            </a:r>
+            <a:r>
+              <a:rPr lang="zh-CN" altLang="en-US" sz="2000" dirty="0"/>
+              <a:t>输入</a:t>
+            </a:r>
+            <a:r>
+              <a:rPr lang="en-US" altLang="zh-CN" sz="2000" dirty="0"/>
+              <a:t>~</a:t>
+            </a:r>
+            <a:r>
+              <a:rPr lang="zh-CN" altLang="en-US" sz="2000" dirty="0"/>
+              <a:t>，英语键盘直接按下输入</a:t>
+            </a:r>
+            <a:r>
+              <a:rPr lang="en-US" altLang="zh-CN" sz="2000" dirty="0"/>
+              <a:t>`</a:t>
+            </a:r>
+            <a:r>
+              <a:rPr lang="zh-CN" altLang="en-US" sz="2000" dirty="0"/>
+              <a:t>。</a:t>
+            </a:r>
+            <a:endParaRPr lang="en-US" altLang="zh-CN" sz="2000" dirty="0"/>
+          </a:p>
+          <a:p>
+            <a:endParaRPr lang="en-US" altLang="zh-CN" sz="2000" dirty="0"/>
+          </a:p>
+          <a:p>
+            <a:r>
+              <a:rPr lang="en-US" altLang="zh-CN" sz="2000" dirty="0"/>
+              <a:t>echo $a</a:t>
+            </a:r>
+            <a:r>
+              <a:rPr lang="zh-CN" altLang="en-US" sz="2000" dirty="0"/>
+              <a:t>可以输出变量的值。</a:t>
+            </a:r>
+            <a:endParaRPr lang="en-US" altLang="zh-CN" sz="2000" dirty="0"/>
+          </a:p>
+          <a:p>
+            <a:endParaRPr lang="en-US" altLang="zh-CN" sz="2000" dirty="0"/>
+          </a:p>
+          <a:p>
+            <a:r>
+              <a:rPr lang="en-US" altLang="zh-CN" sz="2000" dirty="0"/>
+              <a:t>shell</a:t>
+            </a:r>
+            <a:r>
+              <a:rPr lang="zh-CN" altLang="en-US" sz="2000" dirty="0"/>
+              <a:t>中的变量就是键值对（</a:t>
+            </a:r>
+            <a:r>
+              <a:rPr lang="en-US" altLang="zh-CN" sz="2000" dirty="0"/>
+              <a:t>key-value</a:t>
+            </a:r>
+            <a:r>
+              <a:rPr lang="zh-CN" altLang="en-US" sz="2000" dirty="0"/>
+              <a:t>）的列表，都是以文本的形式存储的。</a:t>
+            </a:r>
+            <a:endParaRPr lang="en-US" altLang="zh-CN" sz="2000" dirty="0"/>
+          </a:p>
+          <a:p>
+            <a:endParaRPr lang="en-US" altLang="zh-CN" sz="2000" dirty="0"/>
+          </a:p>
+          <a:p>
+            <a:r>
+              <a:rPr lang="en-US" altLang="zh-CN" sz="2000" dirty="0"/>
+              <a:t>a=1+2</a:t>
+            </a:r>
+            <a:r>
+              <a:rPr lang="zh-CN" altLang="en-US" sz="2000" dirty="0"/>
+              <a:t>不会进行计算把</a:t>
+            </a:r>
+            <a:r>
+              <a:rPr lang="en-US" altLang="zh-CN" sz="2000" dirty="0"/>
+              <a:t>3</a:t>
+            </a:r>
+            <a:r>
+              <a:rPr lang="zh-CN" altLang="en-US" sz="2000" dirty="0"/>
+              <a:t>赋值给</a:t>
+            </a:r>
+            <a:r>
+              <a:rPr lang="en-US" altLang="zh-CN" sz="2000" dirty="0"/>
+              <a:t>a</a:t>
+            </a:r>
+            <a:r>
+              <a:rPr lang="zh-CN" altLang="en-US" sz="2000" dirty="0"/>
+              <a:t>，而是</a:t>
+            </a:r>
+            <a:r>
+              <a:rPr lang="en-US" altLang="zh-CN" sz="2000" dirty="0"/>
+              <a:t>a</a:t>
+            </a:r>
+            <a:r>
+              <a:rPr lang="zh-CN" altLang="en-US" sz="2000" dirty="0"/>
+              <a:t>的值就是‘</a:t>
+            </a:r>
+            <a:r>
+              <a:rPr lang="en-US" altLang="zh-CN" sz="2000" dirty="0"/>
+              <a:t>1+2</a:t>
+            </a:r>
+            <a:r>
+              <a:rPr lang="zh-CN" altLang="en-US" sz="2000" dirty="0"/>
+              <a:t>’这段文本。</a:t>
+            </a:r>
+            <a:endParaRPr lang="en-US" altLang="zh-CN" sz="2000" dirty="0"/>
+          </a:p>
+          <a:p>
+            <a:endParaRPr lang="en-US" altLang="zh-CN" sz="2000" dirty="0"/>
+          </a:p>
+        </p:txBody>
+      </p:sp>
+    </p:spTree>
+    <p:extLst>
+      <p:ext uri="{BB962C8B-B14F-4D97-AF65-F5344CB8AC3E}">
+        <p14:creationId xmlns:p14="http://schemas.microsoft.com/office/powerpoint/2010/main" val="2718262743"/>
+      </p:ext>
+    </p:extLst>
+  </p:cSld>
+  <p:clrMapOvr>
+    <a:masterClrMapping/>
+  </p:clrMapOvr>
+</p:sld>
+</file>
+
+<file path=ppt/slides/slide21.xml><?xml version="1.0" encoding="utf-8"?>
+<p:sld xmlns:a="http://schemas.openxmlformats.org/drawingml/2006/main" xmlns:r="http://schemas.openxmlformats.org/officeDocument/2006/relationships" xmlns:p="http://schemas.openxmlformats.org/presentationml/2006/main">
+  <p:cSld>
+    <p:spTree>
+      <p:nvGrpSpPr>
+        <p:cNvPr id="1" name=""/>
+        <p:cNvGrpSpPr/>
+        <p:nvPr/>
+      </p:nvGrpSpPr>
+      <p:grpSpPr>
+        <a:xfrm>
+          <a:off x="0" y="0"/>
+          <a:ext cx="0" cy="0"/>
+          <a:chOff x="0" y="0"/>
+          <a:chExt cx="0" cy="0"/>
+        </a:xfrm>
+      </p:grpSpPr>
+      <p:sp>
+        <p:nvSpPr>
+          <p:cNvPr id="2" name="标题 1">
+            <a:extLst>
+              <a:ext uri="{FF2B5EF4-FFF2-40B4-BE49-F238E27FC236}">
+                <a16:creationId xmlns:a16="http://schemas.microsoft.com/office/drawing/2014/main" id="{8B88BACC-24DE-4087-9AB3-A099CF573089}"/>
+              </a:ext>
+            </a:extLst>
+          </p:cNvPr>
+          <p:cNvSpPr>
+            <a:spLocks noGrp="1"/>
+          </p:cNvSpPr>
+          <p:nvPr>
+            <p:ph type="title"/>
+          </p:nvPr>
+        </p:nvSpPr>
+        <p:spPr/>
+        <p:txBody>
+          <a:bodyPr/>
+          <a:lstStyle/>
+          <a:p>
+            <a:r>
+              <a:rPr lang="zh-CN" altLang="en-US" dirty="0"/>
+              <a:t>只读变量</a:t>
+            </a:r>
           </a:p>
         </p:txBody>
       </p:sp>
@@ -5166,7 +8513,7 @@
         <p:spPr/>
         <p:txBody>
           <a:bodyPr>
-            <a:normAutofit fontScale="47500" lnSpcReduction="20000"/>
+            <a:normAutofit/>
           </a:bodyPr>
           <a:lstStyle/>
           <a:p>
@@ -5176,78 +8523,29 @@
               </a:lnSpc>
             </a:pPr>
             <a:r>
-              <a:rPr lang="en-US" altLang="zh-CN" sz="3800" dirty="0"/>
-              <a:t>test</a:t>
-            </a:r>
-            <a:r>
-              <a:rPr lang="zh-CN" altLang="en-US" sz="3800" dirty="0"/>
-              <a:t>是</a:t>
-            </a:r>
-            <a:r>
-              <a:rPr lang="en-US" altLang="zh-CN" sz="3800" dirty="0"/>
-              <a:t>shell</a:t>
-            </a:r>
-            <a:r>
-              <a:rPr lang="zh-CN" altLang="en-US" sz="3800" dirty="0"/>
-              <a:t>内建命令，可以处理脚本里的各类工作，产生的不是一般形式的输出，而是可用的退出状态。使用</a:t>
-            </a:r>
-            <a:r>
-              <a:rPr lang="en-US" altLang="zh-CN" sz="3800" dirty="0"/>
-              <a:t>help  test</a:t>
-            </a:r>
-            <a:r>
-              <a:rPr lang="zh-CN" altLang="en-US" sz="3800" dirty="0"/>
-              <a:t>查看帮助文档。</a:t>
-            </a:r>
-            <a:r>
-              <a:rPr lang="en-US" altLang="zh-CN" sz="3800" dirty="0"/>
-              <a:t>test</a:t>
-            </a:r>
-            <a:r>
-              <a:rPr lang="zh-CN" altLang="en-US" sz="3800" dirty="0"/>
-              <a:t>命令有其他形式：</a:t>
-            </a:r>
-            <a:r>
-              <a:rPr lang="en-US" altLang="zh-CN" sz="3800" dirty="0"/>
-              <a:t>[······]</a:t>
-            </a:r>
-            <a:r>
-              <a:rPr lang="zh-CN" altLang="en-US" sz="3800" dirty="0"/>
-              <a:t>，</a:t>
-            </a:r>
-            <a:r>
-              <a:rPr lang="en-US" altLang="zh-CN" sz="3800" dirty="0"/>
-              <a:t>[[······]]</a:t>
-            </a:r>
-            <a:r>
-              <a:rPr lang="zh-CN" altLang="en-US" sz="3800" dirty="0"/>
-              <a:t>。当在</a:t>
-            </a:r>
-            <a:r>
-              <a:rPr lang="en-US" altLang="zh-CN" sz="3800" dirty="0"/>
-              <a:t>[ ]</a:t>
-            </a:r>
-            <a:r>
-              <a:rPr lang="zh-CN" altLang="en-US" sz="3800" dirty="0"/>
-              <a:t>中使用</a:t>
-            </a:r>
-            <a:r>
-              <a:rPr lang="en-US" altLang="zh-CN" sz="3800" dirty="0"/>
-              <a:t>&amp;&amp; || </a:t>
-            </a:r>
-            <a:r>
-              <a:rPr lang="zh-CN" altLang="en-US" sz="3800" dirty="0"/>
-              <a:t>会出错，这时候要使用</a:t>
-            </a:r>
-            <a:r>
-              <a:rPr lang="en-US" altLang="zh-CN" sz="3800" dirty="0"/>
-              <a:t>[[ ]]</a:t>
-            </a:r>
-            <a:r>
-              <a:rPr lang="zh-CN" altLang="en-US" sz="3800" dirty="0"/>
-              <a:t>。</a:t>
-            </a:r>
-            <a:endParaRPr lang="en-US" altLang="zh-CN" sz="3800" dirty="0"/>
+              <a:rPr lang="zh-CN" altLang="en-US" sz="2000" dirty="0"/>
+              <a:t>变量设置后，是可以修改值的：</a:t>
+            </a:r>
+            <a:r>
+              <a:rPr lang="en-US" altLang="zh-CN" sz="2000" dirty="0"/>
+              <a:t>a=12; a=13</a:t>
+            </a:r>
+            <a:r>
+              <a:rPr lang="zh-CN" altLang="en-US" sz="2000" dirty="0"/>
+              <a:t>，此时</a:t>
+            </a:r>
+            <a:r>
+              <a:rPr lang="en-US" altLang="zh-CN" sz="2000" dirty="0"/>
+              <a:t>a</a:t>
+            </a:r>
+            <a:r>
+              <a:rPr lang="zh-CN" altLang="en-US" sz="2000" dirty="0"/>
+              <a:t>的值就是</a:t>
+            </a:r>
+            <a:r>
+              <a:rPr lang="en-US" altLang="zh-CN" sz="2000" dirty="0"/>
+              <a:t>13</a:t>
+            </a:r>
           </a:p>
           <a:p>
             <a:pPr>
@@ -5255,282 +8553,1137 @@
                 <a:spcPct val="120000"/>
               </a:lnSpc>
             </a:pPr>
-            <a:r>
-              <a:rPr lang="en-US" altLang="zh-CN" sz="3800" dirty="0"/>
+            <a:endParaRPr lang="en-US" altLang="zh-CN" sz="2000" dirty="0"/>
+          </a:p>
+          <a:p>
+            <a:pPr>
+              <a:lnSpc>
+                <a:spcPct val="120000"/>
+              </a:lnSpc>
+            </a:pPr>
+            <a:r>
+              <a:rPr lang="en-US" altLang="zh-CN" sz="2000" dirty="0" err="1"/>
+              <a:t>readonly</a:t>
+            </a:r>
+            <a:r>
+              <a:rPr lang="zh-CN" altLang="en-US" sz="2000" dirty="0"/>
+              <a:t>把变量设置为只读：</a:t>
+            </a:r>
+            <a:r>
+              <a:rPr lang="en-US" altLang="zh-CN" sz="2000" dirty="0" err="1"/>
+              <a:t>readonly</a:t>
+            </a:r>
+            <a:r>
+              <a:rPr lang="en-US" altLang="zh-CN" sz="2000" dirty="0"/>
+              <a:t>  a</a:t>
+            </a:r>
+          </a:p>
+          <a:p>
+            <a:pPr>
+              <a:lnSpc>
+                <a:spcPct val="120000"/>
+              </a:lnSpc>
+            </a:pPr>
+            <a:endParaRPr lang="en-US" altLang="zh-CN" sz="2000" dirty="0"/>
+          </a:p>
+          <a:p>
+            <a:pPr>
+              <a:lnSpc>
+                <a:spcPct val="120000"/>
+              </a:lnSpc>
+            </a:pPr>
+            <a:r>
+              <a:rPr lang="zh-CN" altLang="en-US" sz="2000" dirty="0"/>
+              <a:t>但是设置之后，只读变量就无法更改和取消。除非重置</a:t>
+            </a:r>
+            <a:r>
+              <a:rPr lang="en-US" altLang="zh-CN" sz="2000" dirty="0"/>
+              <a:t>shell</a:t>
+            </a:r>
+            <a:r>
+              <a:rPr lang="zh-CN" altLang="en-US" sz="2000" dirty="0"/>
+              <a:t>环境。</a:t>
+            </a:r>
+            <a:endParaRPr lang="en-US" altLang="zh-CN" sz="2000" dirty="0"/>
+          </a:p>
+          <a:p>
+            <a:pPr marL="0" indent="0">
+              <a:lnSpc>
+                <a:spcPct val="120000"/>
+              </a:lnSpc>
+              <a:buNone/>
+            </a:pPr>
+            <a:endParaRPr lang="en-US" altLang="zh-CN" sz="2000" dirty="0"/>
+          </a:p>
+        </p:txBody>
+      </p:sp>
+    </p:spTree>
+    <p:extLst>
+      <p:ext uri="{BB962C8B-B14F-4D97-AF65-F5344CB8AC3E}">
+        <p14:creationId xmlns:p14="http://schemas.microsoft.com/office/powerpoint/2010/main" val="1910982210"/>
+      </p:ext>
+    </p:extLst>
+  </p:cSld>
+  <p:clrMapOvr>
+    <a:masterClrMapping/>
+  </p:clrMapOvr>
+</p:sld>
+</file>
+
+<file path=ppt/slides/slide22.xml><?xml version="1.0" encoding="utf-8"?>
+<p:sld xmlns:a="http://schemas.openxmlformats.org/drawingml/2006/main" xmlns:r="http://schemas.openxmlformats.org/officeDocument/2006/relationships" xmlns:p="http://schemas.openxmlformats.org/presentationml/2006/main">
+  <p:cSld>
+    <p:spTree>
+      <p:nvGrpSpPr>
+        <p:cNvPr id="1" name=""/>
+        <p:cNvGrpSpPr/>
+        <p:nvPr/>
+      </p:nvGrpSpPr>
+      <p:grpSpPr>
+        <a:xfrm>
+          <a:off x="0" y="0"/>
+          <a:ext cx="0" cy="0"/>
+          <a:chOff x="0" y="0"/>
+          <a:chExt cx="0" cy="0"/>
+        </a:xfrm>
+      </p:grpSpPr>
+      <p:sp>
+        <p:nvSpPr>
+          <p:cNvPr id="2" name="标题 1">
+            <a:extLst>
+              <a:ext uri="{FF2B5EF4-FFF2-40B4-BE49-F238E27FC236}">
+                <a16:creationId xmlns:a16="http://schemas.microsoft.com/office/drawing/2014/main" id="{8B88BACC-24DE-4087-9AB3-A099CF573089}"/>
+              </a:ext>
+            </a:extLst>
+          </p:cNvPr>
+          <p:cNvSpPr>
+            <a:spLocks noGrp="1"/>
+          </p:cNvSpPr>
+          <p:nvPr>
+            <p:ph type="title"/>
+          </p:nvPr>
+        </p:nvSpPr>
+        <p:spPr/>
+        <p:txBody>
+          <a:bodyPr/>
+          <a:lstStyle/>
+          <a:p>
+            <a:r>
+              <a:rPr lang="zh-CN" altLang="en-US" dirty="0"/>
+              <a:t>算数运算</a:t>
+            </a:r>
+          </a:p>
+        </p:txBody>
+      </p:sp>
+      <p:sp>
+        <p:nvSpPr>
+          <p:cNvPr id="3" name="内容占位符 2">
+            <a:extLst>
+              <a:ext uri="{FF2B5EF4-FFF2-40B4-BE49-F238E27FC236}">
+                <a16:creationId xmlns:a16="http://schemas.microsoft.com/office/drawing/2014/main" id="{0A1C6B17-780B-4799-8193-E52FD817AC0E}"/>
+              </a:ext>
+            </a:extLst>
+          </p:cNvPr>
+          <p:cNvSpPr>
+            <a:spLocks noGrp="1"/>
+          </p:cNvSpPr>
+          <p:nvPr>
+            <p:ph idx="1"/>
+          </p:nvPr>
+        </p:nvSpPr>
+        <p:spPr/>
+        <p:txBody>
+          <a:bodyPr/>
+          <a:lstStyle/>
+          <a:p>
+            <a:r>
+              <a:rPr lang="en-US" altLang="zh-CN" sz="2000" dirty="0"/>
+              <a:t>shell</a:t>
+            </a:r>
+            <a:r>
+              <a:rPr lang="zh-CN" altLang="en-US" sz="2000" dirty="0"/>
+              <a:t>支持算术运算，并且</a:t>
+            </a:r>
+            <a:r>
+              <a:rPr lang="en-US" altLang="zh-CN" sz="2000" dirty="0"/>
+              <a:t>shell</a:t>
+            </a:r>
+            <a:r>
+              <a:rPr lang="zh-CN" altLang="en-US" sz="2000" dirty="0"/>
+              <a:t>会对</a:t>
+            </a:r>
+            <a:r>
+              <a:rPr lang="en-US" altLang="zh-CN" sz="2000" dirty="0"/>
+              <a:t>$((····))</a:t>
+            </a:r>
+            <a:r>
+              <a:rPr lang="zh-CN" altLang="en-US" sz="2000" dirty="0"/>
+              <a:t>里的算数表达式进行运算。</a:t>
+            </a:r>
+            <a:endParaRPr lang="en-US" altLang="zh-CN" sz="2000" dirty="0"/>
+          </a:p>
+          <a:p>
+            <a:pPr marL="914400" lvl="2" indent="0">
+              <a:buNone/>
+            </a:pPr>
+            <a:r>
+              <a:rPr lang="en-US" altLang="zh-CN" dirty="0"/>
+              <a:t>a=12;b=14</a:t>
+            </a:r>
+          </a:p>
+          <a:p>
+            <a:pPr marL="914400" lvl="2" indent="0">
+              <a:buNone/>
+            </a:pPr>
+            <a:endParaRPr lang="en-US" altLang="zh-CN" dirty="0"/>
+          </a:p>
+          <a:p>
+            <a:pPr marL="914400" lvl="2" indent="0">
+              <a:buNone/>
+            </a:pPr>
+            <a:r>
+              <a:rPr lang="en-US" altLang="zh-CN" dirty="0"/>
+              <a:t>x=$(($a+$b))</a:t>
+            </a:r>
+          </a:p>
+          <a:p>
+            <a:pPr marL="914400" lvl="2" indent="0">
+              <a:buNone/>
+            </a:pPr>
+            <a:endParaRPr lang="en-US" altLang="zh-CN" dirty="0"/>
+          </a:p>
+          <a:p>
+            <a:pPr marL="914400" lvl="2" indent="0">
+              <a:buNone/>
+            </a:pPr>
+            <a:r>
+              <a:rPr lang="en-US" altLang="zh-CN" dirty="0"/>
+              <a:t>echo  $x</a:t>
+            </a:r>
+          </a:p>
+          <a:p>
+            <a:pPr marL="0" indent="0">
+              <a:buNone/>
+            </a:pPr>
+            <a:endParaRPr lang="en-US" altLang="zh-CN" sz="2000" dirty="0"/>
+          </a:p>
+        </p:txBody>
+      </p:sp>
+    </p:spTree>
+    <p:extLst>
+      <p:ext uri="{BB962C8B-B14F-4D97-AF65-F5344CB8AC3E}">
+        <p14:creationId xmlns:p14="http://schemas.microsoft.com/office/powerpoint/2010/main" val="3058948098"/>
+      </p:ext>
+    </p:extLst>
+  </p:cSld>
+  <p:clrMapOvr>
+    <a:masterClrMapping/>
+  </p:clrMapOvr>
+</p:sld>
+</file>
+
+<file path=ppt/slides/slide23.xml><?xml version="1.0" encoding="utf-8"?>
+<p:sld xmlns:a="http://schemas.openxmlformats.org/drawingml/2006/main" xmlns:r="http://schemas.openxmlformats.org/officeDocument/2006/relationships" xmlns:p="http://schemas.openxmlformats.org/presentationml/2006/main">
+  <p:cSld>
+    <p:spTree>
+      <p:nvGrpSpPr>
+        <p:cNvPr id="1" name=""/>
+        <p:cNvGrpSpPr/>
+        <p:nvPr/>
+      </p:nvGrpSpPr>
+      <p:grpSpPr>
+        <a:xfrm>
+          <a:off x="0" y="0"/>
+          <a:ext cx="0" cy="0"/>
+          <a:chOff x="0" y="0"/>
+          <a:chExt cx="0" cy="0"/>
+        </a:xfrm>
+      </p:grpSpPr>
+      <p:sp>
+        <p:nvSpPr>
+          <p:cNvPr id="2" name="标题 1">
+            <a:extLst>
+              <a:ext uri="{FF2B5EF4-FFF2-40B4-BE49-F238E27FC236}">
+                <a16:creationId xmlns:a16="http://schemas.microsoft.com/office/drawing/2014/main" id="{5C87EE67-1862-47A3-8368-16DC248FDC44}"/>
+              </a:ext>
+            </a:extLst>
+          </p:cNvPr>
+          <p:cNvSpPr>
+            <a:spLocks noGrp="1"/>
+          </p:cNvSpPr>
+          <p:nvPr>
+            <p:ph type="title"/>
+          </p:nvPr>
+        </p:nvSpPr>
+        <p:spPr/>
+        <p:txBody>
+          <a:bodyPr/>
+          <a:lstStyle/>
+          <a:p>
+            <a:r>
+              <a:rPr lang="zh-CN" altLang="en-US" dirty="0"/>
+              <a:t>逻辑运算</a:t>
+            </a:r>
+          </a:p>
+        </p:txBody>
+      </p:sp>
+      <p:sp>
+        <p:nvSpPr>
+          <p:cNvPr id="3" name="内容占位符 2">
+            <a:extLst>
+              <a:ext uri="{FF2B5EF4-FFF2-40B4-BE49-F238E27FC236}">
+                <a16:creationId xmlns:a16="http://schemas.microsoft.com/office/drawing/2014/main" id="{21958A92-EFCF-4BD4-840B-8945E4435A10}"/>
+              </a:ext>
+            </a:extLst>
+          </p:cNvPr>
+          <p:cNvSpPr>
+            <a:spLocks noGrp="1"/>
+          </p:cNvSpPr>
+          <p:nvPr>
+            <p:ph idx="1"/>
+          </p:nvPr>
+        </p:nvSpPr>
+        <p:spPr/>
+        <p:txBody>
+          <a:bodyPr>
+            <a:normAutofit/>
+          </a:bodyPr>
+          <a:lstStyle/>
+          <a:p>
+            <a:r>
+              <a:rPr lang="zh-CN" altLang="en-US" sz="2000" dirty="0"/>
+              <a:t>逻辑运算：</a:t>
+            </a:r>
+            <a:r>
+              <a:rPr lang="en-US" altLang="zh-CN" sz="2000" dirty="0"/>
+              <a:t>&amp;&amp;</a:t>
+            </a:r>
+            <a:r>
+              <a:rPr lang="zh-CN" altLang="en-US" sz="2000" dirty="0"/>
+              <a:t>，</a:t>
+            </a:r>
+            <a:r>
+              <a:rPr lang="en-US" altLang="zh-CN" sz="2000" dirty="0"/>
+              <a:t>||</a:t>
+            </a:r>
+            <a:r>
+              <a:rPr lang="zh-CN" altLang="en-US" sz="2000" dirty="0"/>
+              <a:t>， </a:t>
+            </a:r>
+            <a:r>
+              <a:rPr lang="en-US" altLang="zh-CN" sz="2000" dirty="0"/>
+              <a:t>!</a:t>
+            </a:r>
+            <a:r>
+              <a:rPr lang="zh-CN" altLang="en-US" sz="2000" dirty="0"/>
+              <a:t>。分别是</a:t>
+            </a:r>
+            <a:r>
+              <a:rPr lang="en-US" altLang="zh-CN" sz="2000" dirty="0"/>
+              <a:t>AND</a:t>
+            </a:r>
+            <a:r>
+              <a:rPr lang="zh-CN" altLang="en-US" sz="2000" dirty="0"/>
+              <a:t>，</a:t>
+            </a:r>
+            <a:r>
+              <a:rPr lang="en-US" altLang="zh-CN" sz="2000" dirty="0"/>
+              <a:t>OR</a:t>
+            </a:r>
+            <a:r>
+              <a:rPr lang="zh-CN" altLang="en-US" sz="2000" dirty="0"/>
+              <a:t>，</a:t>
+            </a:r>
+            <a:r>
+              <a:rPr lang="en-US" altLang="zh-CN" sz="2000" dirty="0"/>
+              <a:t>NOT</a:t>
+            </a:r>
+            <a:r>
+              <a:rPr lang="zh-CN" altLang="en-US" sz="2000" dirty="0"/>
+              <a:t>。</a:t>
+            </a:r>
+            <a:endParaRPr lang="en-US" altLang="zh-CN" sz="2000" dirty="0"/>
+          </a:p>
+          <a:p>
+            <a:endParaRPr lang="en-US" altLang="zh-CN" sz="2000" dirty="0"/>
+          </a:p>
+          <a:p>
+            <a:r>
+              <a:rPr lang="zh-CN" altLang="en-US" sz="2000" dirty="0"/>
+              <a:t>对逻辑运算来说，任何非</a:t>
+            </a:r>
+            <a:r>
+              <a:rPr lang="en-US" altLang="zh-CN" sz="2000" dirty="0"/>
+              <a:t>0</a:t>
+            </a:r>
+            <a:r>
+              <a:rPr lang="zh-CN" altLang="en-US" sz="2000" dirty="0"/>
+              <a:t>值都是真。</a:t>
+            </a:r>
+            <a:endParaRPr lang="en-US" altLang="zh-CN" sz="2000" dirty="0"/>
+          </a:p>
+          <a:p>
+            <a:endParaRPr lang="en-US" altLang="zh-CN" sz="2000" dirty="0"/>
+          </a:p>
+          <a:p>
+            <a:r>
+              <a:rPr lang="zh-CN" altLang="en-US" sz="2000" dirty="0"/>
+              <a:t>示例：</a:t>
+            </a:r>
+            <a:r>
+              <a:rPr lang="en-US" altLang="zh-CN" sz="2000" dirty="0"/>
+              <a:t>echo  $((1&amp;&amp;0))  ;  echo $(( 2 || 0))</a:t>
+            </a:r>
+          </a:p>
+          <a:p>
+            <a:endParaRPr lang="en-US" altLang="zh-CN" sz="2000" dirty="0"/>
+          </a:p>
+          <a:p>
+            <a:r>
+              <a:rPr lang="zh-CN" altLang="en-US" sz="2000" dirty="0"/>
+              <a:t>非数字格式逻辑运算：</a:t>
+            </a:r>
+            <a:endParaRPr lang="en-US" altLang="zh-CN" sz="2000" dirty="0"/>
+          </a:p>
+          <a:p>
+            <a:pPr marL="457200" lvl="1" indent="0">
+              <a:buNone/>
+            </a:pPr>
+            <a:r>
+              <a:rPr lang="en-US" altLang="zh-CN" sz="1800" dirty="0"/>
+              <a:t>b=</a:t>
+            </a:r>
+            <a:r>
+              <a:rPr lang="en-US" altLang="zh-CN" sz="1800" dirty="0" err="1"/>
+              <a:t>abc</a:t>
+            </a:r>
+            <a:endParaRPr lang="en-US" altLang="zh-CN" sz="1800" dirty="0"/>
+          </a:p>
+          <a:p>
+            <a:pPr marL="457200" lvl="1" indent="0">
+              <a:buNone/>
+            </a:pPr>
+            <a:r>
+              <a:rPr lang="en-US" altLang="zh-CN" sz="1800" dirty="0"/>
+              <a:t>echo  $(( 1 &amp;&amp; $b ))  //</a:t>
+            </a:r>
+            <a:r>
+              <a:rPr lang="zh-CN" altLang="en-US" sz="1800" dirty="0"/>
+              <a:t>输出是</a:t>
+            </a:r>
+            <a:r>
+              <a:rPr lang="en-US" altLang="zh-CN" sz="1800" dirty="0"/>
+              <a:t>0</a:t>
+            </a:r>
+          </a:p>
+          <a:p>
+            <a:pPr marL="457200" lvl="1" indent="0">
+              <a:buNone/>
+            </a:pPr>
+            <a:r>
+              <a:rPr lang="en-US" altLang="zh-CN" sz="1800" dirty="0"/>
+              <a:t>/</a:t>
+            </a:r>
+            <a:r>
+              <a:rPr lang="zh-CN" altLang="en-US" sz="1800" dirty="0"/>
+              <a:t>*************</a:t>
+            </a:r>
+            <a:r>
+              <a:rPr lang="en-US" altLang="zh-CN" sz="1800" dirty="0"/>
+              <a:t>/</a:t>
+            </a:r>
+          </a:p>
+          <a:p>
+            <a:pPr marL="457200" lvl="1" indent="0">
+              <a:buNone/>
+            </a:pPr>
+            <a:r>
+              <a:rPr lang="en-US" altLang="zh-CN" sz="1800" dirty="0"/>
+              <a:t>b=12a</a:t>
+            </a:r>
+          </a:p>
+          <a:p>
+            <a:pPr marL="457200" lvl="1" indent="0">
+              <a:buNone/>
+            </a:pPr>
+            <a:r>
+              <a:rPr lang="en-US" altLang="zh-CN" sz="1800" dirty="0"/>
+              <a:t>echo $(( 1 &amp;&amp; $b)) //</a:t>
+            </a:r>
+            <a:r>
+              <a:rPr lang="zh-CN" altLang="en-US" sz="1800" dirty="0"/>
+              <a:t>提示错误</a:t>
+            </a:r>
+            <a:endParaRPr lang="en-US" altLang="zh-CN" sz="1800" dirty="0"/>
+          </a:p>
+          <a:p>
+            <a:endParaRPr lang="zh-CN" altLang="en-US" sz="2000" dirty="0"/>
+          </a:p>
+        </p:txBody>
+      </p:sp>
+    </p:spTree>
+    <p:extLst>
+      <p:ext uri="{BB962C8B-B14F-4D97-AF65-F5344CB8AC3E}">
+        <p14:creationId xmlns:p14="http://schemas.microsoft.com/office/powerpoint/2010/main" val="1261303279"/>
+      </p:ext>
+    </p:extLst>
+  </p:cSld>
+  <p:clrMapOvr>
+    <a:masterClrMapping/>
+  </p:clrMapOvr>
+</p:sld>
+</file>
+
+<file path=ppt/slides/slide24.xml><?xml version="1.0" encoding="utf-8"?>
+<p:sld xmlns:a="http://schemas.openxmlformats.org/drawingml/2006/main" xmlns:r="http://schemas.openxmlformats.org/officeDocument/2006/relationships" xmlns:p="http://schemas.openxmlformats.org/presentationml/2006/main">
+  <p:cSld>
+    <p:spTree>
+      <p:nvGrpSpPr>
+        <p:cNvPr id="1" name=""/>
+        <p:cNvGrpSpPr/>
+        <p:nvPr/>
+      </p:nvGrpSpPr>
+      <p:grpSpPr>
+        <a:xfrm>
+          <a:off x="0" y="0"/>
+          <a:ext cx="0" cy="0"/>
+          <a:chOff x="0" y="0"/>
+          <a:chExt cx="0" cy="0"/>
+        </a:xfrm>
+      </p:grpSpPr>
+      <p:sp>
+        <p:nvSpPr>
+          <p:cNvPr id="2" name="标题 1">
+            <a:extLst>
+              <a:ext uri="{FF2B5EF4-FFF2-40B4-BE49-F238E27FC236}">
+                <a16:creationId xmlns:a16="http://schemas.microsoft.com/office/drawing/2014/main" id="{0C00CA4B-9B33-4A7A-B5C8-EBEFD26C924A}"/>
+              </a:ext>
+            </a:extLst>
+          </p:cNvPr>
+          <p:cNvSpPr>
+            <a:spLocks noGrp="1"/>
+          </p:cNvSpPr>
+          <p:nvPr>
+            <p:ph type="title"/>
+          </p:nvPr>
+        </p:nvSpPr>
+        <p:spPr/>
+        <p:txBody>
+          <a:bodyPr/>
+          <a:lstStyle/>
+          <a:p>
+            <a:r>
+              <a:rPr lang="zh-CN" altLang="en-US" dirty="0"/>
+              <a:t>放进环境变量</a:t>
+            </a:r>
+          </a:p>
+        </p:txBody>
+      </p:sp>
+      <p:sp>
+        <p:nvSpPr>
+          <p:cNvPr id="3" name="内容占位符 2">
+            <a:extLst>
+              <a:ext uri="{FF2B5EF4-FFF2-40B4-BE49-F238E27FC236}">
+                <a16:creationId xmlns:a16="http://schemas.microsoft.com/office/drawing/2014/main" id="{D9310E58-FE8C-494D-B407-80E802EA0D90}"/>
+              </a:ext>
+            </a:extLst>
+          </p:cNvPr>
+          <p:cNvSpPr>
+            <a:spLocks noGrp="1"/>
+          </p:cNvSpPr>
+          <p:nvPr>
+            <p:ph idx="1"/>
+          </p:nvPr>
+        </p:nvSpPr>
+        <p:spPr/>
+        <p:txBody>
+          <a:bodyPr/>
+          <a:lstStyle/>
+          <a:p>
+            <a:r>
+              <a:rPr lang="zh-CN" altLang="en-US" sz="2000" dirty="0"/>
+              <a:t>环境变量是全局存在的，在任何</a:t>
+            </a:r>
+            <a:r>
+              <a:rPr lang="en-US" altLang="zh-CN" sz="2000" dirty="0"/>
+              <a:t>shell</a:t>
+            </a:r>
+            <a:r>
+              <a:rPr lang="zh-CN" altLang="en-US" sz="2000" dirty="0"/>
+              <a:t>脚本中都可以直接使用。</a:t>
+            </a:r>
+            <a:endParaRPr lang="en-US" altLang="zh-CN" sz="2000" dirty="0"/>
+          </a:p>
+          <a:p>
+            <a:endParaRPr lang="en-US" altLang="zh-CN" sz="2000" dirty="0"/>
+          </a:p>
+          <a:p>
+            <a:r>
+              <a:rPr lang="zh-CN" altLang="en-US" sz="2000" dirty="0"/>
+              <a:t>使用</a:t>
+            </a:r>
+            <a:r>
+              <a:rPr lang="en-US" altLang="zh-CN" sz="2000" dirty="0" err="1"/>
+              <a:t>env</a:t>
+            </a:r>
+            <a:r>
+              <a:rPr lang="zh-CN" altLang="en-US" sz="2000" dirty="0"/>
+              <a:t>查看环境变量。</a:t>
+            </a:r>
+            <a:endParaRPr lang="en-US" altLang="zh-CN" sz="2000" dirty="0"/>
+          </a:p>
+          <a:p>
+            <a:pPr marL="0" indent="0">
+              <a:buNone/>
+            </a:pPr>
+            <a:endParaRPr lang="en-US" altLang="zh-CN" sz="2000" dirty="0"/>
+          </a:p>
+          <a:p>
+            <a:r>
+              <a:rPr lang="en-US" altLang="zh-CN" sz="2000" dirty="0"/>
+              <a:t>export  a</a:t>
+            </a:r>
+            <a:r>
+              <a:rPr lang="zh-CN" altLang="en-US" sz="2000" dirty="0"/>
+              <a:t>：把变量放到环境变量，环境变量是一个名称与值的简单列表。</a:t>
+            </a:r>
+            <a:endParaRPr lang="en-US" altLang="zh-CN" sz="2000" dirty="0"/>
+          </a:p>
+          <a:p>
+            <a:pPr marL="0" indent="0">
+              <a:buNone/>
+            </a:pPr>
+            <a:endParaRPr lang="en-US" altLang="zh-CN" sz="2000" dirty="0"/>
+          </a:p>
+          <a:p>
+            <a:r>
+              <a:rPr lang="zh-CN" altLang="en-US" sz="2000" dirty="0"/>
+              <a:t>创建脚本</a:t>
+            </a:r>
+            <a:r>
+              <a:rPr lang="en-US" altLang="zh-CN" sz="2000" dirty="0"/>
+              <a:t>vartest.sh</a:t>
+            </a:r>
+            <a:r>
+              <a:rPr lang="zh-CN" altLang="en-US" sz="2000"/>
+              <a:t>写入以下代码，保存并设置可执行权限，查看运行结果：</a:t>
+            </a:r>
+            <a:endParaRPr lang="en-US" altLang="zh-CN" sz="2000" dirty="0"/>
+          </a:p>
+          <a:p>
+            <a:pPr marL="457200" lvl="1" indent="0">
+              <a:buNone/>
+            </a:pPr>
+            <a:r>
+              <a:rPr lang="en-US" altLang="zh-CN" sz="1800" dirty="0"/>
+              <a:t>a=`</a:t>
+            </a:r>
+            <a:r>
+              <a:rPr lang="en-US" altLang="zh-CN" sz="1800" dirty="0" err="1"/>
+              <a:t>env</a:t>
+            </a:r>
+            <a:r>
+              <a:rPr lang="en-US" altLang="zh-CN" sz="1800" dirty="0"/>
+              <a:t> | grep  </a:t>
+            </a:r>
+            <a:r>
+              <a:rPr lang="en-US" altLang="zh-CN" sz="1800" dirty="0" err="1"/>
+              <a:t>linux</a:t>
+            </a:r>
+            <a:r>
+              <a:rPr lang="en-US" altLang="zh-CN" sz="1800" dirty="0"/>
+              <a:t>`</a:t>
+            </a:r>
+          </a:p>
+          <a:p>
+            <a:pPr marL="457200" lvl="1" indent="0">
+              <a:buNone/>
+            </a:pPr>
+            <a:r>
+              <a:rPr lang="en-US" altLang="zh-CN" sz="1800" dirty="0" err="1"/>
+              <a:t>linux</a:t>
+            </a:r>
+            <a:r>
+              <a:rPr lang="en-US" altLang="zh-CN" sz="1800" dirty="0"/>
+              <a:t>=1</a:t>
+            </a:r>
+          </a:p>
+          <a:p>
+            <a:pPr marL="457200" lvl="1" indent="0">
+              <a:buNone/>
+            </a:pPr>
+            <a:r>
+              <a:rPr lang="en-US" altLang="zh-CN" sz="1800" dirty="0"/>
+              <a:t>export </a:t>
+            </a:r>
+            <a:r>
+              <a:rPr lang="en-US" altLang="zh-CN" sz="1800" dirty="0" err="1"/>
+              <a:t>linux</a:t>
+            </a:r>
+            <a:endParaRPr lang="en-US" altLang="zh-CN" sz="1800" dirty="0"/>
+          </a:p>
+          <a:p>
+            <a:pPr marL="457200" lvl="1" indent="0">
+              <a:buNone/>
+            </a:pPr>
+            <a:r>
+              <a:rPr lang="en-US" altLang="zh-CN" sz="1800" dirty="0"/>
+              <a:t>b=`</a:t>
+            </a:r>
+            <a:r>
+              <a:rPr lang="en-US" altLang="zh-CN" sz="1800" dirty="0" err="1"/>
+              <a:t>env</a:t>
+            </a:r>
+            <a:r>
+              <a:rPr lang="en-US" altLang="zh-CN" sz="1800" dirty="0"/>
+              <a:t> | grep </a:t>
+            </a:r>
+            <a:r>
+              <a:rPr lang="en-US" altLang="zh-CN" sz="1800" dirty="0" err="1"/>
+              <a:t>linux</a:t>
+            </a:r>
+            <a:r>
+              <a:rPr lang="en-US" altLang="zh-CN" sz="1800" dirty="0"/>
+              <a:t>`</a:t>
+            </a:r>
+          </a:p>
+          <a:p>
+            <a:pPr marL="457200" lvl="1" indent="0">
+              <a:buNone/>
+            </a:pPr>
+            <a:r>
+              <a:rPr lang="en-US" altLang="zh-CN" sz="1800" dirty="0"/>
+              <a:t>echo “a :</a:t>
+            </a:r>
+            <a:r>
+              <a:rPr lang="zh-CN" altLang="en-US" sz="1800" dirty="0"/>
+              <a:t> </a:t>
+            </a:r>
+            <a:r>
+              <a:rPr lang="en-US" altLang="zh-CN" sz="1800" dirty="0"/>
+              <a:t>$a”</a:t>
+            </a:r>
+          </a:p>
+          <a:p>
+            <a:pPr marL="457200" lvl="1" indent="0">
+              <a:buNone/>
+            </a:pPr>
+            <a:r>
+              <a:rPr lang="en-US" altLang="zh-CN" sz="1800" dirty="0"/>
+              <a:t>echo “b : $b”</a:t>
+            </a:r>
+          </a:p>
+          <a:p>
+            <a:pPr marL="457200" lvl="1" indent="0">
+              <a:buNone/>
+            </a:pPr>
+            <a:endParaRPr lang="en-US" altLang="zh-CN" sz="1800" dirty="0"/>
+          </a:p>
+          <a:p>
+            <a:pPr marL="457200" lvl="1" indent="0">
+              <a:buNone/>
+            </a:pPr>
+            <a:endParaRPr lang="en-US" altLang="zh-CN" sz="1800" dirty="0"/>
+          </a:p>
+        </p:txBody>
+      </p:sp>
+    </p:spTree>
+    <p:extLst>
+      <p:ext uri="{BB962C8B-B14F-4D97-AF65-F5344CB8AC3E}">
+        <p14:creationId xmlns:p14="http://schemas.microsoft.com/office/powerpoint/2010/main" val="3936334075"/>
+      </p:ext>
+    </p:extLst>
+  </p:cSld>
+  <p:clrMapOvr>
+    <a:masterClrMapping/>
+  </p:clrMapOvr>
+</p:sld>
+</file>
+
+<file path=ppt/slides/slide25.xml><?xml version="1.0" encoding="utf-8"?>
+<p:sld xmlns:a="http://schemas.openxmlformats.org/drawingml/2006/main" xmlns:r="http://schemas.openxmlformats.org/officeDocument/2006/relationships" xmlns:p="http://schemas.openxmlformats.org/presentationml/2006/main">
+  <p:cSld>
+    <p:spTree>
+      <p:nvGrpSpPr>
+        <p:cNvPr id="1" name=""/>
+        <p:cNvGrpSpPr/>
+        <p:nvPr/>
+      </p:nvGrpSpPr>
+      <p:grpSpPr>
+        <a:xfrm>
+          <a:off x="0" y="0"/>
+          <a:ext cx="0" cy="0"/>
+          <a:chOff x="0" y="0"/>
+          <a:chExt cx="0" cy="0"/>
+        </a:xfrm>
+      </p:grpSpPr>
+      <p:sp>
+        <p:nvSpPr>
+          <p:cNvPr id="2" name="标题 1">
+            <a:extLst>
+              <a:ext uri="{FF2B5EF4-FFF2-40B4-BE49-F238E27FC236}">
+                <a16:creationId xmlns:a16="http://schemas.microsoft.com/office/drawing/2014/main" id="{8B88BACC-24DE-4087-9AB3-A099CF573089}"/>
+              </a:ext>
+            </a:extLst>
+          </p:cNvPr>
+          <p:cNvSpPr>
+            <a:spLocks noGrp="1"/>
+          </p:cNvSpPr>
+          <p:nvPr>
+            <p:ph type="title"/>
+          </p:nvPr>
+        </p:nvSpPr>
+        <p:spPr/>
+        <p:txBody>
+          <a:bodyPr/>
+          <a:lstStyle/>
+          <a:p>
+            <a:r>
+              <a:rPr lang="en-US" altLang="zh-CN" dirty="0"/>
               <a:t>test</a:t>
             </a:r>
-            <a:r>
-              <a:rPr lang="zh-CN" altLang="en-US" sz="3800" dirty="0"/>
+            <a:endParaRPr lang="zh-CN" altLang="en-US" dirty="0"/>
+          </a:p>
+        </p:txBody>
+      </p:sp>
+      <p:sp>
+        <p:nvSpPr>
+          <p:cNvPr id="3" name="内容占位符 2">
+            <a:extLst>
+              <a:ext uri="{FF2B5EF4-FFF2-40B4-BE49-F238E27FC236}">
+                <a16:creationId xmlns:a16="http://schemas.microsoft.com/office/drawing/2014/main" id="{0A1C6B17-780B-4799-8193-E52FD817AC0E}"/>
+              </a:ext>
+            </a:extLst>
+          </p:cNvPr>
+          <p:cNvSpPr>
+            <a:spLocks noGrp="1"/>
+          </p:cNvSpPr>
+          <p:nvPr>
+            <p:ph idx="1"/>
+          </p:nvPr>
+        </p:nvSpPr>
+        <p:spPr/>
+        <p:txBody>
+          <a:bodyPr>
+            <a:normAutofit/>
+          </a:bodyPr>
+          <a:lstStyle/>
+          <a:p>
+            <a:pPr>
+              <a:lnSpc>
+                <a:spcPct val="120000"/>
+              </a:lnSpc>
+            </a:pPr>
+            <a:r>
+              <a:rPr lang="en-US" altLang="zh-CN" sz="2000" dirty="0"/>
+              <a:t>test</a:t>
+            </a:r>
+            <a:r>
+              <a:rPr lang="zh-CN" altLang="en-US" sz="2000" dirty="0"/>
+              <a:t>是</a:t>
+            </a:r>
+            <a:r>
+              <a:rPr lang="en-US" altLang="zh-CN" sz="2000" dirty="0"/>
+              <a:t>shell</a:t>
+            </a:r>
+            <a:r>
+              <a:rPr lang="zh-CN" altLang="en-US" sz="2000" dirty="0"/>
+              <a:t>内建命令，可以处理脚本里的各类工作，产生的不是一般形式的输出，而是可用的退出状态。使用</a:t>
+            </a:r>
+            <a:r>
+              <a:rPr lang="en-US" altLang="zh-CN" sz="2000" dirty="0"/>
+              <a:t>help  test</a:t>
+            </a:r>
+            <a:r>
+              <a:rPr lang="zh-CN" altLang="en-US" sz="2000" dirty="0"/>
+              <a:t>查看帮助文档。</a:t>
+            </a:r>
+            <a:endParaRPr lang="en-US" altLang="zh-CN" sz="2000" dirty="0"/>
+          </a:p>
+          <a:p>
+            <a:pPr>
+              <a:lnSpc>
+                <a:spcPct val="120000"/>
+              </a:lnSpc>
+            </a:pPr>
+            <a:r>
+              <a:rPr lang="en-US" altLang="zh-CN" sz="2000" dirty="0"/>
+              <a:t>test</a:t>
+            </a:r>
+            <a:r>
+              <a:rPr lang="zh-CN" altLang="en-US" sz="2000" dirty="0"/>
+              <a:t>命令有其他形式：</a:t>
+            </a:r>
+            <a:r>
+              <a:rPr lang="en-US" altLang="zh-CN" sz="2000" dirty="0"/>
+              <a:t>[······]</a:t>
+            </a:r>
+            <a:r>
+              <a:rPr lang="zh-CN" altLang="en-US" sz="2000" dirty="0"/>
+              <a:t>，</a:t>
+            </a:r>
+            <a:r>
+              <a:rPr lang="en-US" altLang="zh-CN" sz="2000" dirty="0"/>
+              <a:t>[[······]]</a:t>
+            </a:r>
+            <a:r>
+              <a:rPr lang="zh-CN" altLang="en-US" sz="2000" dirty="0"/>
+              <a:t>。当在</a:t>
+            </a:r>
+            <a:r>
+              <a:rPr lang="en-US" altLang="zh-CN" sz="2000" dirty="0"/>
+              <a:t>[ ]</a:t>
+            </a:r>
+            <a:r>
+              <a:rPr lang="zh-CN" altLang="en-US" sz="2000" dirty="0"/>
+              <a:t>中使用</a:t>
+            </a:r>
+            <a:r>
+              <a:rPr lang="en-US" altLang="zh-CN" sz="2000" dirty="0"/>
+              <a:t>&amp;&amp; || </a:t>
+            </a:r>
+            <a:r>
+              <a:rPr lang="zh-CN" altLang="en-US" sz="2000" dirty="0"/>
+              <a:t>会出错，这时候要使用</a:t>
+            </a:r>
+            <a:r>
+              <a:rPr lang="en-US" altLang="zh-CN" sz="2000" dirty="0"/>
+              <a:t>[[ ]]</a:t>
+            </a:r>
+            <a:r>
+              <a:rPr lang="zh-CN" altLang="en-US" sz="2000" dirty="0"/>
+              <a:t>。</a:t>
+            </a:r>
+            <a:endParaRPr lang="en-US" altLang="zh-CN" sz="2000" dirty="0"/>
+          </a:p>
+          <a:p>
+            <a:pPr>
+              <a:lnSpc>
+                <a:spcPct val="120000"/>
+              </a:lnSpc>
+            </a:pPr>
+            <a:endParaRPr lang="en-US" altLang="zh-CN" sz="2000" dirty="0"/>
+          </a:p>
+          <a:p>
+            <a:pPr>
+              <a:lnSpc>
+                <a:spcPct val="120000"/>
+              </a:lnSpc>
+            </a:pPr>
+            <a:r>
+              <a:rPr lang="en-US" altLang="zh-CN" sz="2000" dirty="0"/>
+              <a:t>test</a:t>
+            </a:r>
+            <a:r>
+              <a:rPr lang="zh-CN" altLang="en-US" sz="2000" dirty="0"/>
               <a:t>返回</a:t>
             </a:r>
             <a:r>
-              <a:rPr lang="en-US" altLang="zh-CN" sz="3800" dirty="0"/>
+              <a:rPr lang="en-US" altLang="zh-CN" sz="2000" dirty="0"/>
               <a:t>true</a:t>
             </a:r>
             <a:r>
-              <a:rPr lang="zh-CN" altLang="en-US" sz="3800" dirty="0"/>
+              <a:rPr lang="zh-CN" altLang="en-US" sz="2000" dirty="0"/>
               <a:t>或</a:t>
             </a:r>
             <a:r>
-              <a:rPr lang="en-US" altLang="zh-CN" sz="3800" dirty="0"/>
+              <a:rPr lang="en-US" altLang="zh-CN" sz="2000" dirty="0"/>
               <a:t>false</a:t>
             </a:r>
             <a:r>
-              <a:rPr lang="zh-CN" altLang="en-US" sz="3800" dirty="0"/>
+              <a:rPr lang="zh-CN" altLang="en-US" sz="2000" dirty="0"/>
               <a:t>，但是</a:t>
             </a:r>
             <a:r>
-              <a:rPr lang="en-US" altLang="zh-CN" sz="3800" dirty="0"/>
+              <a:rPr lang="en-US" altLang="zh-CN" sz="2000" dirty="0"/>
               <a:t>test</a:t>
             </a:r>
             <a:r>
-              <a:rPr lang="zh-CN" altLang="en-US" sz="3800" dirty="0"/>
+              <a:rPr lang="zh-CN" altLang="en-US" sz="2000" dirty="0"/>
               <a:t>返回的</a:t>
             </a:r>
             <a:r>
-              <a:rPr lang="en-US" altLang="zh-CN" sz="3800" dirty="0"/>
+              <a:rPr lang="en-US" altLang="zh-CN" sz="2000" dirty="0"/>
               <a:t>true</a:t>
             </a:r>
             <a:r>
-              <a:rPr lang="zh-CN" altLang="en-US" sz="3800" dirty="0"/>
+              <a:rPr lang="zh-CN" altLang="en-US" sz="2000" dirty="0"/>
               <a:t>是</a:t>
             </a:r>
             <a:r>
-              <a:rPr lang="en-US" altLang="zh-CN" sz="3800" dirty="0"/>
+              <a:rPr lang="en-US" altLang="zh-CN" sz="2000" dirty="0"/>
               <a:t>0</a:t>
             </a:r>
             <a:r>
-              <a:rPr lang="zh-CN" altLang="en-US" sz="3800" dirty="0"/>
+              <a:rPr lang="zh-CN" altLang="en-US" sz="2000" dirty="0"/>
               <a:t>，</a:t>
             </a:r>
             <a:r>
-              <a:rPr lang="en-US" altLang="zh-CN" sz="3800" dirty="0"/>
+              <a:rPr lang="en-US" altLang="zh-CN" sz="2000" dirty="0"/>
               <a:t>false</a:t>
             </a:r>
             <a:r>
-              <a:rPr lang="zh-CN" altLang="en-US" sz="3800" dirty="0"/>
+              <a:rPr lang="zh-CN" altLang="en-US" sz="2000" dirty="0"/>
               <a:t>是</a:t>
             </a:r>
             <a:r>
-              <a:rPr lang="en-US" altLang="zh-CN" sz="3800" dirty="0"/>
+              <a:rPr lang="en-US" altLang="zh-CN" sz="2000" dirty="0"/>
               <a:t>1</a:t>
             </a:r>
             <a:r>
-              <a:rPr lang="zh-CN" altLang="en-US" sz="3800" dirty="0"/>
+              <a:rPr lang="zh-CN" altLang="en-US" sz="2000" dirty="0"/>
               <a:t>，这和通常的编程语言定义的</a:t>
             </a:r>
             <a:r>
-              <a:rPr lang="en-US" altLang="zh-CN" sz="3800" dirty="0"/>
+              <a:rPr lang="en-US" altLang="zh-CN" sz="2000" dirty="0"/>
               <a:t>true</a:t>
             </a:r>
             <a:r>
-              <a:rPr lang="zh-CN" altLang="en-US" sz="3800" dirty="0"/>
+              <a:rPr lang="zh-CN" altLang="en-US" sz="2000" dirty="0"/>
               <a:t>是</a:t>
             </a:r>
             <a:r>
-              <a:rPr lang="en-US" altLang="zh-CN" sz="3800" dirty="0"/>
+              <a:rPr lang="en-US" altLang="zh-CN" sz="2000" dirty="0"/>
               <a:t>1</a:t>
             </a:r>
             <a:r>
-              <a:rPr lang="zh-CN" altLang="en-US" sz="3800" dirty="0"/>
+              <a:rPr lang="zh-CN" altLang="en-US" sz="2000" dirty="0"/>
               <a:t>（或非</a:t>
             </a:r>
             <a:r>
-              <a:rPr lang="en-US" altLang="zh-CN" sz="3800" dirty="0"/>
+              <a:rPr lang="en-US" altLang="zh-CN" sz="2000" dirty="0"/>
               <a:t>0</a:t>
             </a:r>
             <a:r>
-              <a:rPr lang="zh-CN" altLang="en-US" sz="3800" dirty="0"/>
+              <a:rPr lang="zh-CN" altLang="en-US" sz="2000" dirty="0"/>
               <a:t>值），</a:t>
             </a:r>
             <a:r>
-              <a:rPr lang="en-US" altLang="zh-CN" sz="3800" dirty="0"/>
+              <a:rPr lang="en-US" altLang="zh-CN" sz="2000" dirty="0"/>
               <a:t>false</a:t>
             </a:r>
             <a:r>
-              <a:rPr lang="zh-CN" altLang="en-US" sz="3800" dirty="0"/>
+              <a:rPr lang="zh-CN" altLang="en-US" sz="2000" dirty="0"/>
               <a:t>是</a:t>
             </a:r>
             <a:r>
-              <a:rPr lang="en-US" altLang="zh-CN" sz="3800" dirty="0"/>
+              <a:rPr lang="en-US" altLang="zh-CN" sz="2000" dirty="0"/>
               <a:t>0</a:t>
             </a:r>
             <a:r>
-              <a:rPr lang="zh-CN" altLang="en-US" sz="3800" dirty="0"/>
+              <a:rPr lang="zh-CN" altLang="en-US" sz="2000" dirty="0"/>
               <a:t>有所区别。</a:t>
             </a:r>
-            <a:endParaRPr lang="en-US" altLang="zh-CN" sz="3800" dirty="0"/>
-          </a:p>
-          <a:p>
-            <a:r>
-              <a:rPr lang="zh-CN" altLang="en-US" sz="3800" dirty="0"/>
+            <a:r>
+              <a:rPr lang="zh-CN" altLang="en-US" sz="2000" dirty="0">
+                <a:solidFill>
+                  <a:srgbClr val="C00000"/>
+                </a:solidFill>
+              </a:rPr>
+              <a:t>（</a:t>
+            </a:r>
+            <a:r>
+              <a:rPr lang="en-US" altLang="zh-CN" sz="2000" dirty="0">
+                <a:solidFill>
+                  <a:srgbClr val="C00000"/>
+                </a:solidFill>
+              </a:rPr>
+              <a:t>Linux/Unix</a:t>
+            </a:r>
+            <a:r>
+              <a:rPr lang="zh-CN" altLang="en-US" sz="2000" dirty="0">
+                <a:solidFill>
+                  <a:srgbClr val="C00000"/>
+                </a:solidFill>
+              </a:rPr>
+              <a:t>上程序退出状态为</a:t>
+            </a:r>
+            <a:r>
+              <a:rPr lang="en-US" altLang="zh-CN" sz="2000" dirty="0">
+                <a:solidFill>
+                  <a:srgbClr val="C00000"/>
+                </a:solidFill>
+              </a:rPr>
+              <a:t>0</a:t>
+            </a:r>
+            <a:r>
+              <a:rPr lang="zh-CN" altLang="en-US" sz="2000" dirty="0">
+                <a:solidFill>
+                  <a:srgbClr val="C00000"/>
+                </a:solidFill>
+              </a:rPr>
+              <a:t>表示</a:t>
+            </a:r>
+            <a:r>
+              <a:rPr lang="en-US" altLang="zh-CN" sz="2000" dirty="0">
+                <a:solidFill>
+                  <a:srgbClr val="C00000"/>
+                </a:solidFill>
+              </a:rPr>
+              <a:t>0</a:t>
+            </a:r>
+            <a:r>
+              <a:rPr lang="zh-CN" altLang="en-US" sz="2000" dirty="0">
+                <a:solidFill>
+                  <a:srgbClr val="C00000"/>
+                </a:solidFill>
+              </a:rPr>
+              <a:t>错误正确执行，而非</a:t>
+            </a:r>
+            <a:r>
+              <a:rPr lang="en-US" altLang="zh-CN" sz="2000" dirty="0">
+                <a:solidFill>
+                  <a:srgbClr val="C00000"/>
+                </a:solidFill>
+              </a:rPr>
+              <a:t>0</a:t>
+            </a:r>
+            <a:r>
+              <a:rPr lang="zh-CN" altLang="en-US" sz="2000" dirty="0">
+                <a:solidFill>
+                  <a:srgbClr val="C00000"/>
+                </a:solidFill>
+              </a:rPr>
+              <a:t>值表示有错。）</a:t>
+            </a:r>
+            <a:endParaRPr lang="en-US" altLang="zh-CN" sz="2000" dirty="0">
+              <a:solidFill>
+                <a:srgbClr val="C00000"/>
+              </a:solidFill>
+            </a:endParaRPr>
+          </a:p>
+          <a:p>
+            <a:pPr>
+              <a:lnSpc>
+                <a:spcPct val="120000"/>
+              </a:lnSpc>
+            </a:pPr>
+            <a:endParaRPr lang="en-US" altLang="zh-CN" sz="2000" dirty="0"/>
+          </a:p>
+          <a:p>
+            <a:r>
+              <a:rPr lang="zh-CN" altLang="en-US" sz="2000" dirty="0"/>
               <a:t>例：</a:t>
             </a:r>
             <a:r>
-              <a:rPr lang="en-US" altLang="zh-CN" sz="3800" dirty="0"/>
+              <a:rPr lang="en-US" altLang="zh-CN" sz="2000" dirty="0"/>
               <a:t>test  “</a:t>
             </a:r>
             <a:r>
-              <a:rPr lang="en-US" altLang="zh-CN" sz="3800" dirty="0" err="1"/>
+              <a:rPr lang="en-US" altLang="zh-CN" sz="2000" dirty="0" err="1"/>
               <a:t>abc</a:t>
             </a:r>
             <a:r>
-              <a:rPr lang="en-US" altLang="zh-CN" sz="3800" dirty="0"/>
+              <a:rPr lang="en-US" altLang="zh-CN" sz="2000" dirty="0"/>
               <a:t>”=“</a:t>
             </a:r>
             <a:r>
-              <a:rPr lang="en-US" altLang="zh-CN" sz="3800" dirty="0" err="1"/>
+              <a:rPr lang="en-US" altLang="zh-CN" sz="2000" dirty="0" err="1"/>
               <a:t>abc</a:t>
             </a:r>
             <a:r>
-              <a:rPr lang="en-US" altLang="zh-CN" sz="3800" dirty="0"/>
+              <a:rPr lang="en-US" altLang="zh-CN" sz="2000" dirty="0"/>
               <a:t>” ;  test  -f  ~/tmp/a.sh ; [ -f  ~/tmp/a.sh ]</a:t>
-            </a:r>
-          </a:p>
-          <a:p>
-            <a:r>
-              <a:rPr lang="en-US" altLang="zh-CN" sz="3800" dirty="0"/>
-              <a:t>if ,</a:t>
-            </a:r>
-            <a:r>
-              <a:rPr lang="en-US" altLang="zh-CN" sz="3800" dirty="0" err="1"/>
-              <a:t>else,elif</a:t>
-            </a:r>
-            <a:r>
-              <a:rPr lang="zh-CN" altLang="en-US" sz="3800" dirty="0"/>
-              <a:t>的用法：</a:t>
-            </a:r>
-            <a:endParaRPr lang="en-US" altLang="zh-CN" sz="3800" dirty="0"/>
-          </a:p>
-          <a:p>
-            <a:pPr marL="457200" lvl="1" indent="0">
-              <a:buNone/>
-            </a:pPr>
-            <a:r>
-              <a:rPr lang="en-US" altLang="zh-CN" sz="3300" dirty="0"/>
-              <a:t>file=~/tmp/a.sh</a:t>
-            </a:r>
-          </a:p>
-          <a:p>
-            <a:pPr marL="457200" lvl="1" indent="0">
-              <a:buNone/>
-            </a:pPr>
-            <a:r>
-              <a:rPr lang="en-US" altLang="zh-CN" sz="3300" dirty="0" err="1"/>
-              <a:t>dbin</a:t>
-            </a:r>
-            <a:r>
-              <a:rPr lang="en-US" altLang="zh-CN" sz="3300" dirty="0"/>
-              <a:t>=~/bin</a:t>
-            </a:r>
-          </a:p>
-          <a:p>
-            <a:pPr marL="457200" lvl="1" indent="0">
-              <a:buNone/>
-            </a:pPr>
-            <a:r>
-              <a:rPr lang="en-US" altLang="zh-CN" sz="3300" dirty="0"/>
-              <a:t>if  test  -f</a:t>
-            </a:r>
-            <a:r>
-              <a:rPr lang="zh-CN" altLang="en-US" sz="3300" dirty="0"/>
-              <a:t>  </a:t>
-            </a:r>
-            <a:r>
-              <a:rPr lang="en-US" altLang="zh-CN" sz="3300" dirty="0"/>
-              <a:t>“$file”</a:t>
-            </a:r>
-          </a:p>
-          <a:p>
-            <a:pPr marL="457200" lvl="1" indent="0">
-              <a:buNone/>
-            </a:pPr>
-            <a:r>
-              <a:rPr lang="en-US" altLang="zh-CN" sz="3300" dirty="0"/>
-              <a:t>    then</a:t>
-            </a:r>
-          </a:p>
-          <a:p>
-            <a:pPr marL="457200" lvl="1" indent="0">
-              <a:buNone/>
-            </a:pPr>
-            <a:r>
-              <a:rPr lang="en-US" altLang="zh-CN" sz="3300" dirty="0"/>
-              <a:t>        cat  “$file”</a:t>
-            </a:r>
-          </a:p>
-          <a:p>
-            <a:pPr marL="457200" lvl="1" indent="0">
-              <a:buNone/>
-            </a:pPr>
-            <a:r>
-              <a:rPr lang="en-US" altLang="zh-CN" sz="3300" dirty="0" err="1"/>
-              <a:t>elif</a:t>
-            </a:r>
-            <a:r>
-              <a:rPr lang="en-US" altLang="zh-CN" sz="3300" dirty="0"/>
-              <a:t> [ -d “$</a:t>
-            </a:r>
-            <a:r>
-              <a:rPr lang="en-US" altLang="zh-CN" sz="3300" dirty="0" err="1"/>
-              <a:t>dbin</a:t>
-            </a:r>
-            <a:r>
-              <a:rPr lang="en-US" altLang="zh-CN" sz="3300" dirty="0"/>
-              <a:t>” ]</a:t>
-            </a:r>
-          </a:p>
-          <a:p>
-            <a:pPr marL="457200" lvl="1" indent="0">
-              <a:buNone/>
-            </a:pPr>
-            <a:r>
-              <a:rPr lang="en-US" altLang="zh-CN" sz="3300" dirty="0"/>
-              <a:t>    then</a:t>
-            </a:r>
-          </a:p>
-          <a:p>
-            <a:pPr marL="457200" lvl="1" indent="0">
-              <a:buNone/>
-            </a:pPr>
-            <a:r>
-              <a:rPr lang="en-US" altLang="zh-CN" sz="3300" dirty="0"/>
-              <a:t>        ls “$</a:t>
-            </a:r>
-            <a:r>
-              <a:rPr lang="en-US" altLang="zh-CN" sz="3300" dirty="0" err="1"/>
-              <a:t>dbin</a:t>
-            </a:r>
-            <a:r>
-              <a:rPr lang="en-US" altLang="zh-CN" sz="3300" dirty="0"/>
-              <a:t>”</a:t>
-            </a:r>
-          </a:p>
-          <a:p>
-            <a:pPr marL="457200" lvl="1" indent="0">
-              <a:buNone/>
-            </a:pPr>
-            <a:r>
-              <a:rPr lang="en-US" altLang="zh-CN" sz="3300" dirty="0"/>
-              <a:t>else</a:t>
-            </a:r>
-          </a:p>
-          <a:p>
-            <a:pPr marL="457200" lvl="1" indent="0">
-              <a:buNone/>
-            </a:pPr>
-            <a:r>
-              <a:rPr lang="en-US" altLang="zh-CN" sz="3300" dirty="0"/>
-              <a:t>    echo  “file not found”</a:t>
-            </a:r>
-          </a:p>
-          <a:p>
-            <a:pPr marL="457200" lvl="1" indent="0">
-              <a:buNone/>
-            </a:pPr>
-            <a:r>
-              <a:rPr lang="en-US" altLang="zh-CN" sz="3300" dirty="0"/>
-              <a:t>fi</a:t>
             </a:r>
           </a:p>
         </p:txBody>
@@ -5548,7 +9701,1138 @@
 </p:sld>
 </file>
 
-<file path=ppt/slides/slide17.xml><?xml version="1.0" encoding="utf-8"?>
+<file path=ppt/slides/slide26.xml><?xml version="1.0" encoding="utf-8"?>
+<p:sld xmlns:a="http://schemas.openxmlformats.org/drawingml/2006/main" xmlns:r="http://schemas.openxmlformats.org/officeDocument/2006/relationships" xmlns:p="http://schemas.openxmlformats.org/presentationml/2006/main">
+  <p:cSld>
+    <p:spTree>
+      <p:nvGrpSpPr>
+        <p:cNvPr id="1" name=""/>
+        <p:cNvGrpSpPr/>
+        <p:nvPr/>
+      </p:nvGrpSpPr>
+      <p:grpSpPr>
+        <a:xfrm>
+          <a:off x="0" y="0"/>
+          <a:ext cx="0" cy="0"/>
+          <a:chOff x="0" y="0"/>
+          <a:chExt cx="0" cy="0"/>
+        </a:xfrm>
+      </p:grpSpPr>
+      <p:sp>
+        <p:nvSpPr>
+          <p:cNvPr id="2" name="标题 1">
+            <a:extLst>
+              <a:ext uri="{FF2B5EF4-FFF2-40B4-BE49-F238E27FC236}">
+                <a16:creationId xmlns:a16="http://schemas.microsoft.com/office/drawing/2014/main" id="{9E328C32-8851-4853-AD26-4F64E70337AE}"/>
+              </a:ext>
+            </a:extLst>
+          </p:cNvPr>
+          <p:cNvSpPr>
+            <a:spLocks noGrp="1"/>
+          </p:cNvSpPr>
+          <p:nvPr>
+            <p:ph type="title"/>
+          </p:nvPr>
+        </p:nvSpPr>
+        <p:spPr/>
+        <p:txBody>
+          <a:bodyPr/>
+          <a:lstStyle/>
+          <a:p>
+            <a:r>
+              <a:rPr lang="en-US" altLang="zh-CN" dirty="0" err="1"/>
+              <a:t>if,else,elif</a:t>
+            </a:r>
+            <a:endParaRPr lang="zh-CN" altLang="en-US" dirty="0"/>
+          </a:p>
+        </p:txBody>
+      </p:sp>
+      <p:sp>
+        <p:nvSpPr>
+          <p:cNvPr id="3" name="内容占位符 2">
+            <a:extLst>
+              <a:ext uri="{FF2B5EF4-FFF2-40B4-BE49-F238E27FC236}">
+                <a16:creationId xmlns:a16="http://schemas.microsoft.com/office/drawing/2014/main" id="{DD7E04DD-9E82-4F14-8054-5F856E49EDF6}"/>
+              </a:ext>
+            </a:extLst>
+          </p:cNvPr>
+          <p:cNvSpPr>
+            <a:spLocks noGrp="1"/>
+          </p:cNvSpPr>
+          <p:nvPr>
+            <p:ph idx="1"/>
+          </p:nvPr>
+        </p:nvSpPr>
+        <p:spPr/>
+        <p:txBody>
+          <a:bodyPr>
+            <a:normAutofit/>
+          </a:bodyPr>
+          <a:lstStyle/>
+          <a:p>
+            <a:r>
+              <a:rPr lang="en-US" altLang="zh-CN" sz="2200" dirty="0"/>
+              <a:t>if ,</a:t>
+            </a:r>
+            <a:r>
+              <a:rPr lang="en-US" altLang="zh-CN" sz="2200" dirty="0" err="1"/>
+              <a:t>else,elif</a:t>
+            </a:r>
+            <a:r>
+              <a:rPr lang="zh-CN" altLang="en-US" sz="2200" dirty="0"/>
+              <a:t>的语法结构：</a:t>
+            </a:r>
+            <a:endParaRPr lang="en-US" altLang="zh-CN" sz="1800" dirty="0"/>
+          </a:p>
+          <a:p>
+            <a:r>
+              <a:rPr lang="zh-CN" altLang="en-US" sz="2000" dirty="0"/>
+              <a:t>写在一行要使用分号分隔：</a:t>
+            </a:r>
+            <a:r>
+              <a:rPr lang="en-US" altLang="zh-CN" sz="2000" dirty="0"/>
+              <a:t>if  [COMMAND] ; then  [COMMAND] ; fi</a:t>
+            </a:r>
+          </a:p>
+        </p:txBody>
+      </p:sp>
+      <p:graphicFrame>
+        <p:nvGraphicFramePr>
+          <p:cNvPr id="5" name="表格 4">
+            <a:extLst>
+              <a:ext uri="{FF2B5EF4-FFF2-40B4-BE49-F238E27FC236}">
+                <a16:creationId xmlns:a16="http://schemas.microsoft.com/office/drawing/2014/main" id="{BF7F6071-FC00-40C8-813C-1AF477BE8B71}"/>
+              </a:ext>
+            </a:extLst>
+          </p:cNvPr>
+          <p:cNvGraphicFramePr>
+            <a:graphicFrameLocks noGrp="1"/>
+          </p:cNvGraphicFramePr>
+          <p:nvPr>
+            <p:extLst/>
+          </p:nvPr>
+        </p:nvGraphicFramePr>
+        <p:xfrm>
+          <a:off x="838200" y="2858610"/>
+          <a:ext cx="10515600" cy="3586578"/>
+        </p:xfrm>
+        <a:graphic>
+          <a:graphicData uri="http://schemas.openxmlformats.org/drawingml/2006/table">
+            <a:tbl>
+              <a:tblPr firstRow="1" bandRow="1">
+                <a:tableStyleId>{2D5ABB26-0587-4C30-8999-92F81FD0307C}</a:tableStyleId>
+              </a:tblPr>
+              <a:tblGrid>
+                <a:gridCol w="3505200">
+                  <a:extLst>
+                    <a:ext uri="{9D8B030D-6E8A-4147-A177-3AD203B41FA5}">
+                      <a16:colId xmlns:a16="http://schemas.microsoft.com/office/drawing/2014/main" val="1329219970"/>
+                    </a:ext>
+                  </a:extLst>
+                </a:gridCol>
+                <a:gridCol w="3505200">
+                  <a:extLst>
+                    <a:ext uri="{9D8B030D-6E8A-4147-A177-3AD203B41FA5}">
+                      <a16:colId xmlns:a16="http://schemas.microsoft.com/office/drawing/2014/main" val="3232649243"/>
+                    </a:ext>
+                  </a:extLst>
+                </a:gridCol>
+                <a:gridCol w="3505200">
+                  <a:extLst>
+                    <a:ext uri="{9D8B030D-6E8A-4147-A177-3AD203B41FA5}">
+                      <a16:colId xmlns:a16="http://schemas.microsoft.com/office/drawing/2014/main" val="3421335014"/>
+                    </a:ext>
+                  </a:extLst>
+                </a:gridCol>
+              </a:tblGrid>
+              <a:tr h="3586578">
+                <a:tc>
+                  <a:txBody>
+                    <a:bodyPr/>
+                    <a:lstStyle/>
+                    <a:p>
+                      <a:r>
+                        <a:rPr lang="en-US" altLang="zh-CN" dirty="0"/>
+                        <a:t>if  [COMMAND]</a:t>
+                      </a:r>
+                    </a:p>
+                    <a:p>
+                      <a:r>
+                        <a:rPr lang="en-US" altLang="zh-CN" dirty="0"/>
+                        <a:t>then</a:t>
+                      </a:r>
+                    </a:p>
+                    <a:p>
+                      <a:r>
+                        <a:rPr lang="en-US" altLang="zh-CN" dirty="0"/>
+                        <a:t>        [COMMAND]</a:t>
+                      </a:r>
+                    </a:p>
+                    <a:p>
+                      <a:r>
+                        <a:rPr lang="en-US" altLang="zh-CN" dirty="0"/>
+                        <a:t>fi</a:t>
+                      </a:r>
+                      <a:endParaRPr lang="zh-CN" altLang="en-US" dirty="0"/>
+                    </a:p>
+                  </a:txBody>
+                  <a:tcPr>
+                    <a:solidFill>
+                      <a:schemeClr val="accent1">
+                        <a:lumMod val="20000"/>
+                        <a:lumOff val="80000"/>
+                      </a:schemeClr>
+                    </a:solidFill>
+                  </a:tcPr>
+                </a:tc>
+                <a:tc>
+                  <a:txBody>
+                    <a:bodyPr/>
+                    <a:lstStyle/>
+                    <a:p>
+                      <a:r>
+                        <a:rPr lang="en-US" altLang="zh-CN" dirty="0"/>
+                        <a:t>if [COMMAND]; then</a:t>
+                      </a:r>
+                    </a:p>
+                    <a:p>
+                      <a:r>
+                        <a:rPr lang="en-US" altLang="zh-CN" dirty="0"/>
+                        <a:t>        [COMMAND]</a:t>
+                      </a:r>
+                    </a:p>
+                    <a:p>
+                      <a:r>
+                        <a:rPr lang="en-US" altLang="zh-CN" dirty="0"/>
+                        <a:t>else</a:t>
+                      </a:r>
+                    </a:p>
+                    <a:p>
+                      <a:r>
+                        <a:rPr lang="en-US" altLang="zh-CN" dirty="0"/>
+                        <a:t>        [COMMAND]</a:t>
+                      </a:r>
+                    </a:p>
+                    <a:p>
+                      <a:r>
+                        <a:rPr lang="en-US" altLang="zh-CN" dirty="0"/>
+                        <a:t>fi</a:t>
+                      </a:r>
+                      <a:endParaRPr lang="zh-CN" altLang="en-US" dirty="0"/>
+                    </a:p>
+                  </a:txBody>
+                  <a:tcPr>
+                    <a:solidFill>
+                      <a:schemeClr val="accent1">
+                        <a:lumMod val="20000"/>
+                        <a:lumOff val="80000"/>
+                      </a:schemeClr>
+                    </a:solidFill>
+                  </a:tcPr>
+                </a:tc>
+                <a:tc>
+                  <a:txBody>
+                    <a:bodyPr/>
+                    <a:lstStyle/>
+                    <a:p>
+                      <a:r>
+                        <a:rPr lang="en-US" altLang="zh-CN" dirty="0"/>
+                        <a:t>if  [COMMAND]; then</a:t>
+                      </a:r>
+                    </a:p>
+                    <a:p>
+                      <a:r>
+                        <a:rPr lang="en-US" altLang="zh-CN" dirty="0"/>
+                        <a:t>        [COMMAND]</a:t>
+                      </a:r>
+                    </a:p>
+                    <a:p>
+                      <a:r>
+                        <a:rPr lang="en-US" altLang="zh-CN" dirty="0" err="1"/>
+                        <a:t>elif</a:t>
+                      </a:r>
+                      <a:r>
+                        <a:rPr lang="en-US" altLang="zh-CN" dirty="0"/>
+                        <a:t>  [COMMAND] ; then</a:t>
+                      </a:r>
+                    </a:p>
+                    <a:p>
+                      <a:r>
+                        <a:rPr lang="en-US" altLang="zh-CN" dirty="0"/>
+                        <a:t>        [COMMAND]</a:t>
+                      </a:r>
+                    </a:p>
+                    <a:p>
+                      <a:r>
+                        <a:rPr lang="en-US" altLang="zh-CN" dirty="0"/>
+                        <a:t>else</a:t>
+                      </a:r>
+                    </a:p>
+                    <a:p>
+                      <a:r>
+                        <a:rPr lang="en-US" altLang="zh-CN" dirty="0"/>
+                        <a:t>        [COMMAND]</a:t>
+                      </a:r>
+                    </a:p>
+                    <a:p>
+                      <a:r>
+                        <a:rPr lang="en-US" altLang="zh-CN" dirty="0"/>
+                        <a:t>fi</a:t>
+                      </a:r>
+                      <a:endParaRPr lang="zh-CN" altLang="en-US" dirty="0"/>
+                    </a:p>
+                  </a:txBody>
+                  <a:tcPr>
+                    <a:solidFill>
+                      <a:schemeClr val="accent1">
+                        <a:lumMod val="20000"/>
+                        <a:lumOff val="80000"/>
+                      </a:schemeClr>
+                    </a:solidFill>
+                  </a:tcPr>
+                </a:tc>
+                <a:extLst>
+                  <a:ext uri="{0D108BD9-81ED-4DB2-BD59-A6C34878D82A}">
+                    <a16:rowId xmlns:a16="http://schemas.microsoft.com/office/drawing/2014/main" val="3567882753"/>
+                  </a:ext>
+                </a:extLst>
+              </a:tr>
+            </a:tbl>
+          </a:graphicData>
+        </a:graphic>
+      </p:graphicFrame>
+    </p:spTree>
+    <p:extLst>
+      <p:ext uri="{BB962C8B-B14F-4D97-AF65-F5344CB8AC3E}">
+        <p14:creationId xmlns:p14="http://schemas.microsoft.com/office/powerpoint/2010/main" val="2089174616"/>
+      </p:ext>
+    </p:extLst>
+  </p:cSld>
+  <p:clrMapOvr>
+    <a:masterClrMapping/>
+  </p:clrMapOvr>
+</p:sld>
+</file>
+
+<file path=ppt/slides/slide27.xml><?xml version="1.0" encoding="utf-8"?>
+<p:sld xmlns:a="http://schemas.openxmlformats.org/drawingml/2006/main" xmlns:r="http://schemas.openxmlformats.org/officeDocument/2006/relationships" xmlns:p="http://schemas.openxmlformats.org/presentationml/2006/main">
+  <p:cSld>
+    <p:spTree>
+      <p:nvGrpSpPr>
+        <p:cNvPr id="1" name=""/>
+        <p:cNvGrpSpPr/>
+        <p:nvPr/>
+      </p:nvGrpSpPr>
+      <p:grpSpPr>
+        <a:xfrm>
+          <a:off x="0" y="0"/>
+          <a:ext cx="0" cy="0"/>
+          <a:chOff x="0" y="0"/>
+          <a:chExt cx="0" cy="0"/>
+        </a:xfrm>
+      </p:grpSpPr>
+      <p:sp>
+        <p:nvSpPr>
+          <p:cNvPr id="2" name="标题 1">
+            <a:extLst>
+              <a:ext uri="{FF2B5EF4-FFF2-40B4-BE49-F238E27FC236}">
+                <a16:creationId xmlns:a16="http://schemas.microsoft.com/office/drawing/2014/main" id="{9E328C32-8851-4853-AD26-4F64E70337AE}"/>
+              </a:ext>
+            </a:extLst>
+          </p:cNvPr>
+          <p:cNvSpPr>
+            <a:spLocks noGrp="1"/>
+          </p:cNvSpPr>
+          <p:nvPr>
+            <p:ph type="title"/>
+          </p:nvPr>
+        </p:nvSpPr>
+        <p:spPr/>
+        <p:txBody>
+          <a:bodyPr/>
+          <a:lstStyle/>
+          <a:p>
+            <a:r>
+              <a:rPr lang="en-US" altLang="zh-CN" dirty="0" err="1"/>
+              <a:t>if,else,elif</a:t>
+            </a:r>
+            <a:r>
+              <a:rPr lang="zh-CN" altLang="en-US" dirty="0"/>
+              <a:t>示例</a:t>
+            </a:r>
+          </a:p>
+        </p:txBody>
+      </p:sp>
+      <p:sp>
+        <p:nvSpPr>
+          <p:cNvPr id="3" name="内容占位符 2">
+            <a:extLst>
+              <a:ext uri="{FF2B5EF4-FFF2-40B4-BE49-F238E27FC236}">
+                <a16:creationId xmlns:a16="http://schemas.microsoft.com/office/drawing/2014/main" id="{DD7E04DD-9E82-4F14-8054-5F856E49EDF6}"/>
+              </a:ext>
+            </a:extLst>
+          </p:cNvPr>
+          <p:cNvSpPr>
+            <a:spLocks noGrp="1"/>
+          </p:cNvSpPr>
+          <p:nvPr>
+            <p:ph idx="1"/>
+          </p:nvPr>
+        </p:nvSpPr>
+        <p:spPr/>
+        <p:txBody>
+          <a:bodyPr>
+            <a:normAutofit/>
+          </a:bodyPr>
+          <a:lstStyle/>
+          <a:p>
+            <a:r>
+              <a:rPr lang="en-US" altLang="zh-CN" sz="2200" dirty="0"/>
+              <a:t>if ,</a:t>
+            </a:r>
+            <a:r>
+              <a:rPr lang="en-US" altLang="zh-CN" sz="2200" dirty="0" err="1"/>
+              <a:t>else,elif</a:t>
+            </a:r>
+            <a:r>
+              <a:rPr lang="zh-CN" altLang="en-US" sz="2200" dirty="0"/>
+              <a:t>的用法：</a:t>
+            </a:r>
+            <a:endParaRPr lang="en-US" altLang="zh-CN" sz="2200" dirty="0"/>
+          </a:p>
+          <a:p>
+            <a:pPr marL="457200" lvl="1" indent="0">
+              <a:buNone/>
+            </a:pPr>
+            <a:r>
+              <a:rPr lang="en-US" altLang="zh-CN" sz="2200" dirty="0"/>
+              <a:t>file=~/tmp/a.sh</a:t>
+            </a:r>
+          </a:p>
+          <a:p>
+            <a:pPr marL="457200" lvl="1" indent="0">
+              <a:buNone/>
+            </a:pPr>
+            <a:r>
+              <a:rPr lang="en-US" altLang="zh-CN" sz="2200" dirty="0" err="1"/>
+              <a:t>dbin</a:t>
+            </a:r>
+            <a:r>
+              <a:rPr lang="en-US" altLang="zh-CN" sz="2200" dirty="0"/>
+              <a:t>=~/bin</a:t>
+            </a:r>
+          </a:p>
+          <a:p>
+            <a:pPr marL="457200" lvl="1" indent="0">
+              <a:buNone/>
+            </a:pPr>
+            <a:r>
+              <a:rPr lang="en-US" altLang="zh-CN" sz="2200" dirty="0"/>
+              <a:t>if  test  -f</a:t>
+            </a:r>
+            <a:r>
+              <a:rPr lang="zh-CN" altLang="en-US" sz="2200" dirty="0"/>
+              <a:t>  </a:t>
+            </a:r>
+            <a:r>
+              <a:rPr lang="en-US" altLang="zh-CN" sz="2200" dirty="0"/>
+              <a:t>“$file”</a:t>
+            </a:r>
+          </a:p>
+          <a:p>
+            <a:pPr marL="457200" lvl="1" indent="0">
+              <a:buNone/>
+            </a:pPr>
+            <a:r>
+              <a:rPr lang="en-US" altLang="zh-CN" sz="2200" dirty="0"/>
+              <a:t>    then</a:t>
+            </a:r>
+          </a:p>
+          <a:p>
+            <a:pPr marL="457200" lvl="1" indent="0">
+              <a:buNone/>
+            </a:pPr>
+            <a:r>
+              <a:rPr lang="en-US" altLang="zh-CN" sz="2200" dirty="0"/>
+              <a:t>        cat  “$file”</a:t>
+            </a:r>
+          </a:p>
+          <a:p>
+            <a:pPr marL="457200" lvl="1" indent="0">
+              <a:buNone/>
+            </a:pPr>
+            <a:r>
+              <a:rPr lang="en-US" altLang="zh-CN" sz="2200" dirty="0" err="1"/>
+              <a:t>elif</a:t>
+            </a:r>
+            <a:r>
+              <a:rPr lang="en-US" altLang="zh-CN" sz="2200" dirty="0"/>
+              <a:t> [ -d “$</a:t>
+            </a:r>
+            <a:r>
+              <a:rPr lang="en-US" altLang="zh-CN" sz="2200" dirty="0" err="1"/>
+              <a:t>dbin</a:t>
+            </a:r>
+            <a:r>
+              <a:rPr lang="en-US" altLang="zh-CN" sz="2200" dirty="0"/>
+              <a:t>” ]</a:t>
+            </a:r>
+          </a:p>
+          <a:p>
+            <a:pPr marL="457200" lvl="1" indent="0">
+              <a:buNone/>
+            </a:pPr>
+            <a:r>
+              <a:rPr lang="en-US" altLang="zh-CN" sz="2200" dirty="0"/>
+              <a:t>    then</a:t>
+            </a:r>
+          </a:p>
+          <a:p>
+            <a:pPr marL="457200" lvl="1" indent="0">
+              <a:buNone/>
+            </a:pPr>
+            <a:r>
+              <a:rPr lang="en-US" altLang="zh-CN" sz="2200" dirty="0"/>
+              <a:t>        ls “$</a:t>
+            </a:r>
+            <a:r>
+              <a:rPr lang="en-US" altLang="zh-CN" sz="2200" dirty="0" err="1"/>
+              <a:t>dbin</a:t>
+            </a:r>
+            <a:r>
+              <a:rPr lang="en-US" altLang="zh-CN" sz="2200" dirty="0"/>
+              <a:t>”</a:t>
+            </a:r>
+          </a:p>
+          <a:p>
+            <a:pPr marL="457200" lvl="1" indent="0">
+              <a:buNone/>
+            </a:pPr>
+            <a:r>
+              <a:rPr lang="en-US" altLang="zh-CN" sz="2200" dirty="0"/>
+              <a:t>else</a:t>
+            </a:r>
+          </a:p>
+          <a:p>
+            <a:pPr marL="457200" lvl="1" indent="0">
+              <a:buNone/>
+            </a:pPr>
+            <a:r>
+              <a:rPr lang="en-US" altLang="zh-CN" sz="2200" dirty="0"/>
+              <a:t>    echo  “file not found”</a:t>
+            </a:r>
+          </a:p>
+          <a:p>
+            <a:pPr marL="457200" lvl="1" indent="0">
+              <a:buNone/>
+            </a:pPr>
+            <a:r>
+              <a:rPr lang="en-US" altLang="zh-CN" sz="2200" dirty="0"/>
+              <a:t>fi</a:t>
+            </a:r>
+          </a:p>
+          <a:p>
+            <a:endParaRPr lang="zh-CN" altLang="en-US" dirty="0"/>
+          </a:p>
+        </p:txBody>
+      </p:sp>
+    </p:spTree>
+    <p:extLst>
+      <p:ext uri="{BB962C8B-B14F-4D97-AF65-F5344CB8AC3E}">
+        <p14:creationId xmlns:p14="http://schemas.microsoft.com/office/powerpoint/2010/main" val="2006120448"/>
+      </p:ext>
+    </p:extLst>
+  </p:cSld>
+  <p:clrMapOvr>
+    <a:masterClrMapping/>
+  </p:clrMapOvr>
+</p:sld>
+</file>
+
+<file path=ppt/slides/slide28.xml><?xml version="1.0" encoding="utf-8"?>
+<p:sld xmlns:a="http://schemas.openxmlformats.org/drawingml/2006/main" xmlns:r="http://schemas.openxmlformats.org/officeDocument/2006/relationships" xmlns:p="http://schemas.openxmlformats.org/presentationml/2006/main">
+  <p:cSld>
+    <p:spTree>
+      <p:nvGrpSpPr>
+        <p:cNvPr id="1" name=""/>
+        <p:cNvGrpSpPr/>
+        <p:nvPr/>
+      </p:nvGrpSpPr>
+      <p:grpSpPr>
+        <a:xfrm>
+          <a:off x="0" y="0"/>
+          <a:ext cx="0" cy="0"/>
+          <a:chOff x="0" y="0"/>
+          <a:chExt cx="0" cy="0"/>
+        </a:xfrm>
+      </p:grpSpPr>
+      <p:sp>
+        <p:nvSpPr>
+          <p:cNvPr id="2" name="标题 1">
+            <a:extLst>
+              <a:ext uri="{FF2B5EF4-FFF2-40B4-BE49-F238E27FC236}">
+                <a16:creationId xmlns:a16="http://schemas.microsoft.com/office/drawing/2014/main" id="{9E328C32-8851-4853-AD26-4F64E70337AE}"/>
+              </a:ext>
+            </a:extLst>
+          </p:cNvPr>
+          <p:cNvSpPr>
+            <a:spLocks noGrp="1"/>
+          </p:cNvSpPr>
+          <p:nvPr>
+            <p:ph type="title"/>
+          </p:nvPr>
+        </p:nvSpPr>
+        <p:spPr/>
+        <p:txBody>
+          <a:bodyPr/>
+          <a:lstStyle/>
+          <a:p>
+            <a:r>
+              <a:rPr lang="en-US" altLang="zh-CN" dirty="0"/>
+              <a:t>case</a:t>
+            </a:r>
+            <a:endParaRPr lang="zh-CN" altLang="en-US" dirty="0"/>
+          </a:p>
+        </p:txBody>
+      </p:sp>
+      <p:sp>
+        <p:nvSpPr>
+          <p:cNvPr id="3" name="内容占位符 2">
+            <a:extLst>
+              <a:ext uri="{FF2B5EF4-FFF2-40B4-BE49-F238E27FC236}">
+                <a16:creationId xmlns:a16="http://schemas.microsoft.com/office/drawing/2014/main" id="{DD7E04DD-9E82-4F14-8054-5F856E49EDF6}"/>
+              </a:ext>
+            </a:extLst>
+          </p:cNvPr>
+          <p:cNvSpPr>
+            <a:spLocks noGrp="1"/>
+          </p:cNvSpPr>
+          <p:nvPr>
+            <p:ph idx="1"/>
+          </p:nvPr>
+        </p:nvSpPr>
+        <p:spPr/>
+        <p:txBody>
+          <a:bodyPr>
+            <a:normAutofit/>
+          </a:bodyPr>
+          <a:lstStyle/>
+          <a:p>
+            <a:r>
+              <a:rPr lang="zh-CN" altLang="en-US" sz="2200" dirty="0"/>
+              <a:t>多个判断值可以使用</a:t>
+            </a:r>
+            <a:r>
+              <a:rPr lang="en-US" altLang="zh-CN" sz="2200" dirty="0"/>
+              <a:t>if</a:t>
+            </a:r>
+            <a:r>
+              <a:rPr lang="zh-CN" altLang="en-US" sz="2200" dirty="0"/>
+              <a:t>，</a:t>
+            </a:r>
+            <a:r>
+              <a:rPr lang="en-US" altLang="zh-CN" sz="2200" dirty="0" err="1"/>
+              <a:t>elif</a:t>
+            </a:r>
+            <a:r>
+              <a:rPr lang="zh-CN" altLang="en-US" sz="2200" dirty="0"/>
+              <a:t>，</a:t>
+            </a:r>
+            <a:r>
+              <a:rPr lang="en-US" altLang="zh-CN" sz="2200" dirty="0"/>
+              <a:t>else</a:t>
+            </a:r>
+            <a:r>
+              <a:rPr lang="zh-CN" altLang="en-US" sz="2200" dirty="0"/>
+              <a:t>组合。更简洁的形式是使用</a:t>
+            </a:r>
+            <a:r>
+              <a:rPr lang="en-US" altLang="zh-CN" sz="2200" dirty="0"/>
+              <a:t>case</a:t>
+            </a:r>
+            <a:r>
+              <a:rPr lang="zh-CN" altLang="en-US" sz="2200" dirty="0"/>
+              <a:t>语句实现，就像普通编程语言的</a:t>
+            </a:r>
+            <a:r>
+              <a:rPr lang="en-US" altLang="zh-CN" sz="2200" dirty="0"/>
+              <a:t>switch</a:t>
+            </a:r>
+            <a:r>
+              <a:rPr lang="zh-CN" altLang="en-US" sz="2200" dirty="0"/>
+              <a:t>。语法结构：</a:t>
+            </a:r>
+            <a:endParaRPr lang="en-US" altLang="zh-CN" sz="2200" dirty="0"/>
+          </a:p>
+          <a:p>
+            <a:pPr marL="457200" lvl="1" indent="0">
+              <a:buNone/>
+            </a:pPr>
+            <a:r>
+              <a:rPr lang="en-US" altLang="zh-CN" sz="2000" dirty="0"/>
+              <a:t>case WORD in</a:t>
+            </a:r>
+          </a:p>
+          <a:p>
+            <a:pPr marL="457200" lvl="1" indent="0">
+              <a:buNone/>
+            </a:pPr>
+            <a:r>
+              <a:rPr lang="en-US" altLang="zh-CN" sz="2000" dirty="0"/>
+              <a:t>    VALUE1)</a:t>
+            </a:r>
+          </a:p>
+          <a:p>
+            <a:pPr marL="457200" lvl="1" indent="0">
+              <a:buNone/>
+            </a:pPr>
+            <a:r>
+              <a:rPr lang="en-US" altLang="zh-CN" sz="2000" dirty="0"/>
+              <a:t>        [COMMANDS]</a:t>
+            </a:r>
+          </a:p>
+          <a:p>
+            <a:pPr marL="457200" lvl="1" indent="0">
+              <a:buNone/>
+            </a:pPr>
+            <a:r>
+              <a:rPr lang="en-US" altLang="zh-CN" sz="2000" dirty="0"/>
+              <a:t>        ;;</a:t>
+            </a:r>
+          </a:p>
+          <a:p>
+            <a:pPr marL="457200" lvl="1" indent="0">
+              <a:buNone/>
+            </a:pPr>
+            <a:r>
+              <a:rPr lang="en-US" altLang="zh-CN" sz="2000" dirty="0"/>
+              <a:t>    VALUE2)</a:t>
+            </a:r>
+          </a:p>
+          <a:p>
+            <a:pPr marL="457200" lvl="1" indent="0">
+              <a:buNone/>
+            </a:pPr>
+            <a:r>
+              <a:rPr lang="en-US" altLang="zh-CN" sz="2000" dirty="0"/>
+              <a:t>        [COMMANDS]</a:t>
+            </a:r>
+          </a:p>
+          <a:p>
+            <a:pPr marL="457200" lvl="1" indent="0">
+              <a:buNone/>
+            </a:pPr>
+            <a:r>
+              <a:rPr lang="en-US" altLang="zh-CN" sz="2000" dirty="0"/>
+              <a:t>        ;;</a:t>
+            </a:r>
+          </a:p>
+          <a:p>
+            <a:pPr marL="457200" lvl="1" indent="0">
+              <a:buNone/>
+            </a:pPr>
+            <a:r>
+              <a:rPr lang="en-US" altLang="zh-CN" sz="2000" dirty="0"/>
+              <a:t>    *)</a:t>
+            </a:r>
+          </a:p>
+          <a:p>
+            <a:pPr marL="457200" lvl="1" indent="0">
+              <a:buNone/>
+            </a:pPr>
+            <a:r>
+              <a:rPr lang="en-US" altLang="zh-CN" sz="2000" dirty="0"/>
+              <a:t>        [COMMANDS]</a:t>
+            </a:r>
+          </a:p>
+          <a:p>
+            <a:pPr marL="457200" lvl="1" indent="0">
+              <a:buNone/>
+            </a:pPr>
+            <a:r>
+              <a:rPr lang="en-US" altLang="zh-CN" sz="2000" dirty="0"/>
+              <a:t>        ;;  //</a:t>
+            </a:r>
+            <a:r>
+              <a:rPr lang="en-US" altLang="zh-CN" sz="2000" dirty="0" err="1"/>
+              <a:t>esac</a:t>
+            </a:r>
+            <a:r>
+              <a:rPr lang="zh-CN" altLang="en-US" sz="2000" dirty="0"/>
+              <a:t>之前的</a:t>
+            </a:r>
+            <a:r>
+              <a:rPr lang="en-US" altLang="zh-CN" sz="2000" dirty="0"/>
+              <a:t>;;</a:t>
+            </a:r>
+            <a:r>
+              <a:rPr lang="zh-CN" altLang="en-US" sz="2000" dirty="0"/>
+              <a:t>可以省略</a:t>
+            </a:r>
+            <a:endParaRPr lang="en-US" altLang="zh-CN" sz="2000" dirty="0"/>
+          </a:p>
+          <a:p>
+            <a:pPr marL="457200" lvl="1" indent="0">
+              <a:buNone/>
+            </a:pPr>
+            <a:r>
+              <a:rPr lang="en-US" altLang="zh-CN" sz="2000" dirty="0" err="1"/>
+              <a:t>esac</a:t>
+            </a:r>
+            <a:endParaRPr lang="en-US" altLang="zh-CN" sz="2000" dirty="0"/>
+          </a:p>
+          <a:p>
+            <a:r>
+              <a:rPr lang="en-US" altLang="zh-CN" sz="2000" dirty="0"/>
+              <a:t>)</a:t>
+            </a:r>
+            <a:r>
+              <a:rPr lang="zh-CN" altLang="en-US" sz="2000" dirty="0"/>
+              <a:t>是必须要加的，每个逻辑块执行到</a:t>
+            </a:r>
+            <a:r>
+              <a:rPr lang="en-US" altLang="zh-CN" sz="2000" dirty="0"/>
+              <a:t>;;</a:t>
+            </a:r>
+            <a:r>
+              <a:rPr lang="zh-CN" altLang="en-US" sz="2000" dirty="0"/>
+              <a:t>结束。*</a:t>
+            </a:r>
+            <a:r>
+              <a:rPr lang="en-US" altLang="zh-CN" sz="2000" dirty="0"/>
+              <a:t>)</a:t>
+            </a:r>
+            <a:r>
+              <a:rPr lang="zh-CN" altLang="en-US" sz="2000" dirty="0"/>
+              <a:t>是默认情况，并非必须。</a:t>
+            </a:r>
+          </a:p>
+        </p:txBody>
+      </p:sp>
+    </p:spTree>
+    <p:extLst>
+      <p:ext uri="{BB962C8B-B14F-4D97-AF65-F5344CB8AC3E}">
+        <p14:creationId xmlns:p14="http://schemas.microsoft.com/office/powerpoint/2010/main" val="4021538054"/>
+      </p:ext>
+    </p:extLst>
+  </p:cSld>
+  <p:clrMapOvr>
+    <a:masterClrMapping/>
+  </p:clrMapOvr>
+</p:sld>
+</file>
+
+<file path=ppt/slides/slide29.xml><?xml version="1.0" encoding="utf-8"?>
+<p:sld xmlns:a="http://schemas.openxmlformats.org/drawingml/2006/main" xmlns:r="http://schemas.openxmlformats.org/officeDocument/2006/relationships" xmlns:p="http://schemas.openxmlformats.org/presentationml/2006/main">
+  <p:cSld>
+    <p:spTree>
+      <p:nvGrpSpPr>
+        <p:cNvPr id="1" name=""/>
+        <p:cNvGrpSpPr/>
+        <p:nvPr/>
+      </p:nvGrpSpPr>
+      <p:grpSpPr>
+        <a:xfrm>
+          <a:off x="0" y="0"/>
+          <a:ext cx="0" cy="0"/>
+          <a:chOff x="0" y="0"/>
+          <a:chExt cx="0" cy="0"/>
+        </a:xfrm>
+      </p:grpSpPr>
+      <p:sp>
+        <p:nvSpPr>
+          <p:cNvPr id="2" name="标题 1">
+            <a:extLst>
+              <a:ext uri="{FF2B5EF4-FFF2-40B4-BE49-F238E27FC236}">
+                <a16:creationId xmlns:a16="http://schemas.microsoft.com/office/drawing/2014/main" id="{9E328C32-8851-4853-AD26-4F64E70337AE}"/>
+              </a:ext>
+            </a:extLst>
+          </p:cNvPr>
+          <p:cNvSpPr>
+            <a:spLocks noGrp="1"/>
+          </p:cNvSpPr>
+          <p:nvPr>
+            <p:ph type="title"/>
+          </p:nvPr>
+        </p:nvSpPr>
+        <p:spPr/>
+        <p:txBody>
+          <a:bodyPr/>
+          <a:lstStyle/>
+          <a:p>
+            <a:r>
+              <a:rPr lang="en-US" altLang="zh-CN" dirty="0"/>
+              <a:t>case</a:t>
+            </a:r>
+            <a:r>
+              <a:rPr lang="zh-CN" altLang="en-US" dirty="0"/>
+              <a:t>示例</a:t>
+            </a:r>
+          </a:p>
+        </p:txBody>
+      </p:sp>
+      <p:sp>
+        <p:nvSpPr>
+          <p:cNvPr id="3" name="内容占位符 2">
+            <a:extLst>
+              <a:ext uri="{FF2B5EF4-FFF2-40B4-BE49-F238E27FC236}">
+                <a16:creationId xmlns:a16="http://schemas.microsoft.com/office/drawing/2014/main" id="{DD7E04DD-9E82-4F14-8054-5F856E49EDF6}"/>
+              </a:ext>
+            </a:extLst>
+          </p:cNvPr>
+          <p:cNvSpPr>
+            <a:spLocks noGrp="1"/>
+          </p:cNvSpPr>
+          <p:nvPr>
+            <p:ph idx="1"/>
+          </p:nvPr>
+        </p:nvSpPr>
+        <p:spPr/>
+        <p:txBody>
+          <a:bodyPr>
+            <a:normAutofit/>
+          </a:bodyPr>
+          <a:lstStyle/>
+          <a:p>
+            <a:r>
+              <a:rPr lang="zh-CN" altLang="en-US" sz="2000" dirty="0"/>
+              <a:t>创建</a:t>
+            </a:r>
+            <a:r>
+              <a:rPr lang="en-US" altLang="zh-CN" sz="2000" dirty="0"/>
+              <a:t>shell</a:t>
+            </a:r>
+            <a:r>
+              <a:rPr lang="zh-CN" altLang="en-US" sz="2000" dirty="0"/>
+              <a:t>脚本</a:t>
+            </a:r>
+            <a:r>
+              <a:rPr lang="en-US" altLang="zh-CN" sz="2000" dirty="0"/>
+              <a:t>casetest.sh</a:t>
+            </a:r>
+            <a:r>
+              <a:rPr lang="zh-CN" altLang="en-US" sz="2000" dirty="0"/>
+              <a:t>，写入一下代码并运行：</a:t>
+            </a:r>
+            <a:endParaRPr lang="en-US" altLang="zh-CN" sz="2000" dirty="0"/>
+          </a:p>
+          <a:p>
+            <a:pPr marL="0" indent="0">
+              <a:buNone/>
+            </a:pPr>
+            <a:r>
+              <a:rPr lang="en-US" altLang="zh-CN" sz="2000" dirty="0"/>
+              <a:t>case  $1 in</a:t>
+            </a:r>
+          </a:p>
+          <a:p>
+            <a:pPr marL="0" indent="0">
+              <a:buNone/>
+            </a:pPr>
+            <a:r>
+              <a:rPr lang="en-US" altLang="zh-CN" sz="2000" dirty="0"/>
+              <a:t>    “hello”)</a:t>
+            </a:r>
+          </a:p>
+          <a:p>
+            <a:pPr marL="0" indent="0">
+              <a:buNone/>
+            </a:pPr>
+            <a:r>
+              <a:rPr lang="en-US" altLang="zh-CN" sz="2000" dirty="0"/>
+              <a:t>        echo “hey!”</a:t>
+            </a:r>
+          </a:p>
+          <a:p>
+            <a:pPr marL="0" indent="0">
+              <a:buNone/>
+            </a:pPr>
+            <a:r>
+              <a:rPr lang="en-US" altLang="zh-CN" sz="2000" dirty="0"/>
+              <a:t>        ;;</a:t>
+            </a:r>
+          </a:p>
+          <a:p>
+            <a:pPr marL="0" indent="0">
+              <a:buNone/>
+            </a:pPr>
+            <a:r>
+              <a:rPr lang="en-US" altLang="zh-CN" sz="2000" dirty="0"/>
+              <a:t>    “time”)</a:t>
+            </a:r>
+          </a:p>
+          <a:p>
+            <a:pPr marL="0" indent="0">
+              <a:buNone/>
+            </a:pPr>
+            <a:r>
+              <a:rPr lang="en-US" altLang="zh-CN" sz="2000" dirty="0"/>
+              <a:t>        date</a:t>
+            </a:r>
+          </a:p>
+          <a:p>
+            <a:pPr marL="0" indent="0">
+              <a:buNone/>
+            </a:pPr>
+            <a:r>
+              <a:rPr lang="en-US" altLang="zh-CN" sz="2000" dirty="0"/>
+              <a:t>        ;;</a:t>
+            </a:r>
+          </a:p>
+          <a:p>
+            <a:pPr marL="0" indent="0">
+              <a:buNone/>
+            </a:pPr>
+            <a:r>
+              <a:rPr lang="en-US" altLang="zh-CN" sz="2000" dirty="0"/>
+              <a:t>    *)</a:t>
+            </a:r>
+          </a:p>
+          <a:p>
+            <a:pPr marL="0" indent="0">
+              <a:buNone/>
+            </a:pPr>
+            <a:r>
+              <a:rPr lang="en-US" altLang="zh-CN" sz="2000" dirty="0"/>
+              <a:t>        echo “nothing to do”</a:t>
+            </a:r>
+          </a:p>
+          <a:p>
+            <a:pPr marL="0" indent="0">
+              <a:buNone/>
+            </a:pPr>
+            <a:r>
+              <a:rPr lang="en-US" altLang="zh-CN" sz="2000" dirty="0"/>
+              <a:t>        exit 0</a:t>
+            </a:r>
+          </a:p>
+          <a:p>
+            <a:pPr marL="0" indent="0">
+              <a:buNone/>
+            </a:pPr>
+            <a:r>
+              <a:rPr lang="en-US" altLang="zh-CN" sz="2000" dirty="0" err="1"/>
+              <a:t>esac</a:t>
+            </a:r>
+            <a:endParaRPr lang="zh-CN" altLang="en-US" sz="2000" dirty="0"/>
+          </a:p>
+        </p:txBody>
+      </p:sp>
+    </p:spTree>
+    <p:extLst>
+      <p:ext uri="{BB962C8B-B14F-4D97-AF65-F5344CB8AC3E}">
+        <p14:creationId xmlns:p14="http://schemas.microsoft.com/office/powerpoint/2010/main" val="2776238513"/>
+      </p:ext>
+    </p:extLst>
+  </p:cSld>
+  <p:clrMapOvr>
+    <a:masterClrMapping/>
+  </p:clrMapOvr>
+</p:sld>
+</file>
+
+<file path=ppt/slides/slide3.xml><?xml version="1.0" encoding="utf-8"?>
+<p:sld xmlns:a="http://schemas.openxmlformats.org/drawingml/2006/main" xmlns:r="http://schemas.openxmlformats.org/officeDocument/2006/relationships" xmlns:p="http://schemas.openxmlformats.org/presentationml/2006/main">
+  <p:cSld>
+    <p:spTree>
+      <p:nvGrpSpPr>
+        <p:cNvPr id="1" name=""/>
+        <p:cNvGrpSpPr/>
+        <p:nvPr/>
+      </p:nvGrpSpPr>
+      <p:grpSpPr>
+        <a:xfrm>
+          <a:off x="0" y="0"/>
+          <a:ext cx="0" cy="0"/>
+          <a:chOff x="0" y="0"/>
+          <a:chExt cx="0" cy="0"/>
+        </a:xfrm>
+      </p:grpSpPr>
+      <p:sp>
+        <p:nvSpPr>
+          <p:cNvPr id="4" name="标题 3">
+            <a:extLst>
+              <a:ext uri="{FF2B5EF4-FFF2-40B4-BE49-F238E27FC236}">
+                <a16:creationId xmlns:a16="http://schemas.microsoft.com/office/drawing/2014/main" id="{2729939D-814A-4BD2-9922-3F8EA865938B}"/>
+              </a:ext>
+            </a:extLst>
+          </p:cNvPr>
+          <p:cNvSpPr>
+            <a:spLocks noGrp="1"/>
+          </p:cNvSpPr>
+          <p:nvPr>
+            <p:ph type="title"/>
+          </p:nvPr>
+        </p:nvSpPr>
+        <p:spPr>
+          <a:xfrm>
+            <a:off x="838200" y="683581"/>
+            <a:ext cx="10515600" cy="736846"/>
+          </a:xfrm>
+        </p:spPr>
+        <p:txBody>
+          <a:bodyPr/>
+          <a:lstStyle/>
+          <a:p>
+            <a:r>
+              <a:rPr lang="en-US" altLang="zh-CN" dirty="0"/>
+              <a:t>1</a:t>
+            </a:r>
+            <a:endParaRPr lang="zh-CN" altLang="en-US" dirty="0"/>
+          </a:p>
+        </p:txBody>
+      </p:sp>
+      <p:sp>
+        <p:nvSpPr>
+          <p:cNvPr id="3" name="内容占位符 2">
+            <a:extLst>
+              <a:ext uri="{FF2B5EF4-FFF2-40B4-BE49-F238E27FC236}">
+                <a16:creationId xmlns:a16="http://schemas.microsoft.com/office/drawing/2014/main" id="{3C8E7491-39CF-4BD4-9510-F0E0DF2ADF5B}"/>
+              </a:ext>
+            </a:extLst>
+          </p:cNvPr>
+          <p:cNvSpPr>
+            <a:spLocks noGrp="1"/>
+          </p:cNvSpPr>
+          <p:nvPr>
+            <p:ph idx="1"/>
+          </p:nvPr>
+        </p:nvSpPr>
+        <p:spPr/>
+        <p:txBody>
+          <a:bodyPr anchor="ctr"/>
+          <a:lstStyle/>
+          <a:p>
+            <a:pPr marL="0" indent="0" algn="ctr">
+              <a:buNone/>
+            </a:pPr>
+            <a:r>
+              <a:rPr lang="zh-CN" altLang="en-US" dirty="0">
+                <a:solidFill>
+                  <a:schemeClr val="accent1">
+                    <a:lumMod val="50000"/>
+                  </a:schemeClr>
+                </a:solidFill>
+              </a:rPr>
+              <a:t>知识回顾</a:t>
+            </a:r>
+          </a:p>
+        </p:txBody>
+      </p:sp>
+    </p:spTree>
+    <p:extLst>
+      <p:ext uri="{BB962C8B-B14F-4D97-AF65-F5344CB8AC3E}">
+        <p14:creationId xmlns:p14="http://schemas.microsoft.com/office/powerpoint/2010/main" val="4085003278"/>
+      </p:ext>
+    </p:extLst>
+  </p:cSld>
+  <p:clrMapOvr>
+    <a:masterClrMapping/>
+  </p:clrMapOvr>
+</p:sld>
+</file>
+
+<file path=ppt/slides/slide30.xml><?xml version="1.0" encoding="utf-8"?>
 <p:sld xmlns:a="http://schemas.openxmlformats.org/drawingml/2006/main" xmlns:r="http://schemas.openxmlformats.org/officeDocument/2006/relationships" xmlns:p="http://schemas.openxmlformats.org/presentationml/2006/main">
   <p:cSld>
     <p:spTree>
@@ -5940,7 +11224,7 @@
 </p:sld>
 </file>
 
-<file path=ppt/slides/slide18.xml><?xml version="1.0" encoding="utf-8"?>
+<file path=ppt/slides/slide31.xml><?xml version="1.0" encoding="utf-8"?>
 <p:sld xmlns:a="http://schemas.openxmlformats.org/drawingml/2006/main" xmlns:r="http://schemas.openxmlformats.org/officeDocument/2006/relationships" xmlns:p="http://schemas.openxmlformats.org/presentationml/2006/main">
   <p:cSld>
     <p:spTree>
@@ -6277,545 +11561,6 @@
 </p:sld>
 </file>
 
-<file path=ppt/slides/slide19.xml><?xml version="1.0" encoding="utf-8"?>
-<p:sld xmlns:a="http://schemas.openxmlformats.org/drawingml/2006/main" xmlns:r="http://schemas.openxmlformats.org/officeDocument/2006/relationships" xmlns:p="http://schemas.openxmlformats.org/presentationml/2006/main">
-  <p:cSld>
-    <p:spTree>
-      <p:nvGrpSpPr>
-        <p:cNvPr id="1" name=""/>
-        <p:cNvGrpSpPr/>
-        <p:nvPr/>
-      </p:nvGrpSpPr>
-      <p:grpSpPr>
-        <a:xfrm>
-          <a:off x="0" y="0"/>
-          <a:ext cx="0" cy="0"/>
-          <a:chOff x="0" y="0"/>
-          <a:chExt cx="0" cy="0"/>
-        </a:xfrm>
-      </p:grpSpPr>
-      <p:sp>
-        <p:nvSpPr>
-          <p:cNvPr id="2" name="标题 1">
-            <a:extLst>
-              <a:ext uri="{FF2B5EF4-FFF2-40B4-BE49-F238E27FC236}">
-                <a16:creationId xmlns:a16="http://schemas.microsoft.com/office/drawing/2014/main" id="{8B88BACC-24DE-4087-9AB3-A099CF573089}"/>
-              </a:ext>
-            </a:extLst>
-          </p:cNvPr>
-          <p:cNvSpPr>
-            <a:spLocks noGrp="1"/>
-          </p:cNvSpPr>
-          <p:nvPr>
-            <p:ph type="title"/>
-          </p:nvPr>
-        </p:nvSpPr>
-        <p:spPr/>
-        <p:txBody>
-          <a:bodyPr/>
-          <a:lstStyle/>
-          <a:p>
-            <a:r>
-              <a:rPr lang="zh-CN" altLang="en-US" dirty="0"/>
-              <a:t>脚本示例</a:t>
-            </a:r>
-          </a:p>
-        </p:txBody>
-      </p:sp>
-      <p:sp>
-        <p:nvSpPr>
-          <p:cNvPr id="3" name="内容占位符 2">
-            <a:extLst>
-              <a:ext uri="{FF2B5EF4-FFF2-40B4-BE49-F238E27FC236}">
-                <a16:creationId xmlns:a16="http://schemas.microsoft.com/office/drawing/2014/main" id="{0A1C6B17-780B-4799-8193-E52FD817AC0E}"/>
-              </a:ext>
-            </a:extLst>
-          </p:cNvPr>
-          <p:cNvSpPr>
-            <a:spLocks noGrp="1"/>
-          </p:cNvSpPr>
-          <p:nvPr>
-            <p:ph idx="1"/>
-          </p:nvPr>
-        </p:nvSpPr>
-        <p:spPr/>
-        <p:txBody>
-          <a:bodyPr/>
-          <a:lstStyle/>
-          <a:p>
-            <a:r>
-              <a:rPr lang="en-US" altLang="zh-CN" sz="2000" dirty="0"/>
-              <a:t>while</a:t>
-            </a:r>
-            <a:r>
-              <a:rPr lang="zh-CN" altLang="en-US" sz="2000" dirty="0"/>
-              <a:t>与</a:t>
-            </a:r>
-            <a:r>
-              <a:rPr lang="en-US" altLang="zh-CN" sz="2000" dirty="0"/>
-              <a:t>until</a:t>
-            </a:r>
-            <a:r>
-              <a:rPr lang="zh-CN" altLang="en-US" sz="2000" dirty="0"/>
-              <a:t>循环的结构一致，不同的是对待条件退出的状态，</a:t>
-            </a:r>
-            <a:r>
-              <a:rPr lang="en-US" altLang="zh-CN" sz="2000" dirty="0"/>
-              <a:t>while</a:t>
-            </a:r>
-            <a:r>
-              <a:rPr lang="zh-CN" altLang="en-US" sz="2000" dirty="0"/>
-              <a:t>是成功则执行，</a:t>
-            </a:r>
-            <a:r>
-              <a:rPr lang="en-US" altLang="zh-CN" sz="2000" dirty="0"/>
-              <a:t>until</a:t>
-            </a:r>
-            <a:r>
-              <a:rPr lang="zh-CN" altLang="en-US" sz="2000" dirty="0"/>
-              <a:t>是不成功则执行。结构使用如下：</a:t>
-            </a:r>
-            <a:endParaRPr lang="en-US" altLang="zh-CN" sz="2000" dirty="0"/>
-          </a:p>
-          <a:p>
-            <a:pPr marL="457200" lvl="1" indent="0">
-              <a:buNone/>
-            </a:pPr>
-            <a:r>
-              <a:rPr lang="en-US" altLang="zh-CN" sz="2000" dirty="0"/>
-              <a:t>while  CONDITION</a:t>
-            </a:r>
-          </a:p>
-          <a:p>
-            <a:pPr marL="457200" lvl="1" indent="0">
-              <a:buNone/>
-            </a:pPr>
-            <a:r>
-              <a:rPr lang="en-US" altLang="zh-CN" sz="2000" dirty="0"/>
-              <a:t>do</a:t>
-            </a:r>
-          </a:p>
-          <a:p>
-            <a:pPr marL="457200" lvl="1" indent="0">
-              <a:buNone/>
-            </a:pPr>
-            <a:r>
-              <a:rPr lang="en-US" altLang="zh-CN" sz="2000" dirty="0"/>
-              <a:t>        COMMANDS</a:t>
-            </a:r>
-          </a:p>
-          <a:p>
-            <a:pPr marL="457200" lvl="1" indent="0">
-              <a:buNone/>
-            </a:pPr>
-            <a:r>
-              <a:rPr lang="en-US" altLang="zh-CN" sz="2000" dirty="0"/>
-              <a:t>done</a:t>
-            </a:r>
-          </a:p>
-          <a:p>
-            <a:r>
-              <a:rPr lang="zh-CN" altLang="en-US" sz="2000" dirty="0"/>
-              <a:t>示例：</a:t>
-            </a:r>
-            <a:endParaRPr lang="en-US" altLang="zh-CN" sz="2000" dirty="0"/>
-          </a:p>
-          <a:p>
-            <a:pPr marL="0" indent="0">
-              <a:buNone/>
-            </a:pPr>
-            <a:endParaRPr lang="en-US" altLang="zh-CN" sz="2000" dirty="0"/>
-          </a:p>
-        </p:txBody>
-      </p:sp>
-    </p:spTree>
-    <p:extLst>
-      <p:ext uri="{BB962C8B-B14F-4D97-AF65-F5344CB8AC3E}">
-        <p14:creationId xmlns:p14="http://schemas.microsoft.com/office/powerpoint/2010/main" val="3809587189"/>
-      </p:ext>
-    </p:extLst>
-  </p:cSld>
-  <p:clrMapOvr>
-    <a:masterClrMapping/>
-  </p:clrMapOvr>
-</p:sld>
-</file>
-
-<file path=ppt/slides/slide2.xml><?xml version="1.0" encoding="utf-8"?>
-<p:sld xmlns:a="http://schemas.openxmlformats.org/drawingml/2006/main" xmlns:r="http://schemas.openxmlformats.org/officeDocument/2006/relationships" xmlns:p="http://schemas.openxmlformats.org/presentationml/2006/main">
-  <p:cSld>
-    <p:spTree>
-      <p:nvGrpSpPr>
-        <p:cNvPr id="1" name=""/>
-        <p:cNvGrpSpPr/>
-        <p:nvPr/>
-      </p:nvGrpSpPr>
-      <p:grpSpPr>
-        <a:xfrm>
-          <a:off x="0" y="0"/>
-          <a:ext cx="0" cy="0"/>
-          <a:chOff x="0" y="0"/>
-          <a:chExt cx="0" cy="0"/>
-        </a:xfrm>
-      </p:grpSpPr>
-      <p:sp>
-        <p:nvSpPr>
-          <p:cNvPr id="4" name="标题 3">
-            <a:extLst>
-              <a:ext uri="{FF2B5EF4-FFF2-40B4-BE49-F238E27FC236}">
-                <a16:creationId xmlns:a16="http://schemas.microsoft.com/office/drawing/2014/main" id="{2729939D-814A-4BD2-9922-3F8EA865938B}"/>
-              </a:ext>
-            </a:extLst>
-          </p:cNvPr>
-          <p:cNvSpPr>
-            <a:spLocks noGrp="1"/>
-          </p:cNvSpPr>
-          <p:nvPr>
-            <p:ph type="title"/>
-          </p:nvPr>
-        </p:nvSpPr>
-        <p:spPr>
-          <a:xfrm>
-            <a:off x="838200" y="683581"/>
-            <a:ext cx="10515600" cy="736846"/>
-          </a:xfrm>
-        </p:spPr>
-        <p:txBody>
-          <a:bodyPr/>
-          <a:lstStyle/>
-          <a:p>
-            <a:r>
-              <a:rPr lang="zh-CN" altLang="en-US" dirty="0"/>
-              <a:t>目录</a:t>
-            </a:r>
-          </a:p>
-        </p:txBody>
-      </p:sp>
-      <p:graphicFrame>
-        <p:nvGraphicFramePr>
-          <p:cNvPr id="8" name="内容占位符 7">
-            <a:extLst>
-              <a:ext uri="{FF2B5EF4-FFF2-40B4-BE49-F238E27FC236}">
-                <a16:creationId xmlns:a16="http://schemas.microsoft.com/office/drawing/2014/main" id="{E297281D-D602-49CD-B5A2-49E27DF0DF4B}"/>
-              </a:ext>
-            </a:extLst>
-          </p:cNvPr>
-          <p:cNvGraphicFramePr>
-            <a:graphicFrameLocks noGrp="1"/>
-          </p:cNvGraphicFramePr>
-          <p:nvPr>
-            <p:ph idx="1"/>
-            <p:extLst>
-              <p:ext uri="{D42A27DB-BD31-4B8C-83A1-F6EECF244321}">
-                <p14:modId xmlns:p14="http://schemas.microsoft.com/office/powerpoint/2010/main" val="2173196533"/>
-              </p:ext>
-            </p:extLst>
-          </p:nvPr>
-        </p:nvGraphicFramePr>
-        <p:xfrm>
-          <a:off x="870012" y="2317072"/>
-          <a:ext cx="10483788" cy="2223819"/>
-        </p:xfrm>
-        <a:graphic>
-          <a:graphicData uri="http://schemas.openxmlformats.org/drawingml/2006/table">
-            <a:tbl>
-              <a:tblPr firstRow="1" bandRow="1">
-                <a:tableStyleId>{8799B23B-EC83-4686-B30A-512413B5E67A}</a:tableStyleId>
-              </a:tblPr>
-              <a:tblGrid>
-                <a:gridCol w="10483788">
-                  <a:extLst>
-                    <a:ext uri="{9D8B030D-6E8A-4147-A177-3AD203B41FA5}">
-                      <a16:colId xmlns:a16="http://schemas.microsoft.com/office/drawing/2014/main" val="2172453955"/>
-                    </a:ext>
-                  </a:extLst>
-                </a:gridCol>
-              </a:tblGrid>
-              <a:tr h="741273">
-                <a:tc>
-                  <a:txBody>
-                    <a:bodyPr/>
-                    <a:lstStyle/>
-                    <a:p>
-                      <a:pPr lvl="4" algn="l"/>
-                      <a:r>
-                        <a:rPr lang="zh-CN" altLang="en-US" sz="2000" b="0" dirty="0">
-                          <a:latin typeface="汉仪家书简" panose="02010609000101010101" pitchFamily="49" charset="-122"/>
-                          <a:ea typeface="汉仪家书简" panose="02010609000101010101" pitchFamily="49" charset="-122"/>
-                        </a:rPr>
-                        <a:t>知识回顾</a:t>
-                      </a:r>
-                    </a:p>
-                  </a:txBody>
-                  <a:tcPr anchor="ctr">
-                    <a:lnL w="12700" cmpd="sng">
-                      <a:noFill/>
-                    </a:lnL>
-                    <a:lnR w="12700" cmpd="sng">
-                      <a:noFill/>
-                    </a:lnR>
-                    <a:lnT w="12700" cmpd="sng">
-                      <a:noFill/>
-                    </a:lnT>
-                    <a:lnB w="25400" cmpd="sng">
-                      <a:noFill/>
-                    </a:lnB>
-                    <a:lnTlToBr w="12700" cmpd="sng">
-                      <a:noFill/>
-                      <a:prstDash val="solid"/>
-                    </a:lnTlToBr>
-                    <a:lnBlToTr w="12700" cmpd="sng">
-                      <a:noFill/>
-                      <a:prstDash val="solid"/>
-                    </a:lnBlToTr>
-                    <a:solidFill>
-                      <a:schemeClr val="accent1">
-                        <a:lumMod val="20000"/>
-                        <a:lumOff val="80000"/>
-                      </a:schemeClr>
-                    </a:solidFill>
-                  </a:tcPr>
-                </a:tc>
-                <a:extLst>
-                  <a:ext uri="{0D108BD9-81ED-4DB2-BD59-A6C34878D82A}">
-                    <a16:rowId xmlns:a16="http://schemas.microsoft.com/office/drawing/2014/main" val="2767275421"/>
-                  </a:ext>
-                </a:extLst>
-              </a:tr>
-              <a:tr h="741273">
-                <a:tc>
-                  <a:txBody>
-                    <a:bodyPr/>
-                    <a:lstStyle/>
-                    <a:p>
-                      <a:pPr lvl="4" algn="l"/>
-                      <a:r>
-                        <a:rPr lang="en-US" altLang="zh-CN" sz="2000" dirty="0">
-                          <a:latin typeface="汉仪家书简" panose="02010609000101010101" pitchFamily="49" charset="-122"/>
-                          <a:ea typeface="汉仪家书简" panose="02010609000101010101" pitchFamily="49" charset="-122"/>
-                        </a:rPr>
-                        <a:t>Linux</a:t>
-                      </a:r>
-                      <a:r>
-                        <a:rPr lang="zh-CN" altLang="en-US" sz="2000" dirty="0">
-                          <a:latin typeface="汉仪家书简" panose="02010609000101010101" pitchFamily="49" charset="-122"/>
-                          <a:ea typeface="汉仪家书简" panose="02010609000101010101" pitchFamily="49" charset="-122"/>
-                        </a:rPr>
-                        <a:t>基础使用</a:t>
-                      </a:r>
-                    </a:p>
-                  </a:txBody>
-                  <a:tcPr anchor="ctr">
-                    <a:lnL w="12700" cmpd="sng">
-                      <a:noFill/>
-                    </a:lnL>
-                    <a:lnR w="12700" cmpd="sng">
-                      <a:noFill/>
-                    </a:lnR>
-                    <a:lnT w="25400" cmpd="sng">
-                      <a:noFill/>
-                    </a:lnT>
-                    <a:lnB w="12700" cmpd="sng">
-                      <a:noFill/>
-                    </a:lnB>
-                    <a:lnTlToBr w="12700" cmpd="sng">
-                      <a:noFill/>
-                      <a:prstDash val="solid"/>
-                    </a:lnTlToBr>
-                    <a:lnBlToTr w="12700" cmpd="sng">
-                      <a:noFill/>
-                      <a:prstDash val="solid"/>
-                    </a:lnBlToTr>
-                    <a:solidFill>
-                      <a:schemeClr val="accent1">
-                        <a:lumMod val="20000"/>
-                        <a:lumOff val="80000"/>
-                      </a:schemeClr>
-                    </a:solidFill>
-                  </a:tcPr>
-                </a:tc>
-                <a:extLst>
-                  <a:ext uri="{0D108BD9-81ED-4DB2-BD59-A6C34878D82A}">
-                    <a16:rowId xmlns:a16="http://schemas.microsoft.com/office/drawing/2014/main" val="994305771"/>
-                  </a:ext>
-                </a:extLst>
-              </a:tr>
-              <a:tr h="741273">
-                <a:tc>
-                  <a:txBody>
-                    <a:bodyPr/>
-                    <a:lstStyle/>
-                    <a:p>
-                      <a:pPr lvl="4" algn="l"/>
-                      <a:r>
-                        <a:rPr lang="en-US" altLang="zh-CN" sz="2000" dirty="0">
-                          <a:latin typeface="汉仪家书简" panose="02010609000101010101" pitchFamily="49" charset="-122"/>
-                          <a:ea typeface="汉仪家书简" panose="02010609000101010101" pitchFamily="49" charset="-122"/>
-                        </a:rPr>
-                        <a:t>shell</a:t>
-                      </a:r>
-                      <a:r>
-                        <a:rPr lang="zh-CN" altLang="en-US" sz="2000" dirty="0">
-                          <a:latin typeface="汉仪家书简" panose="02010609000101010101" pitchFamily="49" charset="-122"/>
-                          <a:ea typeface="汉仪家书简" panose="02010609000101010101" pitchFamily="49" charset="-122"/>
-                        </a:rPr>
-                        <a:t>脚本</a:t>
-                      </a:r>
-                    </a:p>
-                  </a:txBody>
-                  <a:tcPr anchor="ctr">
-                    <a:lnL w="12700" cmpd="sng">
-                      <a:noFill/>
-                    </a:lnL>
-                    <a:lnR w="12700" cmpd="sng">
-                      <a:noFill/>
-                    </a:lnR>
-                    <a:lnT w="12700" cmpd="sng">
-                      <a:noFill/>
-                    </a:lnT>
-                    <a:lnB w="12700" cmpd="sng">
-                      <a:noFill/>
-                    </a:lnB>
-                    <a:lnTlToBr w="12700" cmpd="sng">
-                      <a:noFill/>
-                      <a:prstDash val="solid"/>
-                    </a:lnTlToBr>
-                    <a:lnBlToTr w="12700" cmpd="sng">
-                      <a:noFill/>
-                      <a:prstDash val="solid"/>
-                    </a:lnBlToTr>
-                    <a:solidFill>
-                      <a:schemeClr val="accent1">
-                        <a:lumMod val="20000"/>
-                        <a:lumOff val="80000"/>
-                      </a:schemeClr>
-                    </a:solidFill>
-                  </a:tcPr>
-                </a:tc>
-                <a:extLst>
-                  <a:ext uri="{0D108BD9-81ED-4DB2-BD59-A6C34878D82A}">
-                    <a16:rowId xmlns:a16="http://schemas.microsoft.com/office/drawing/2014/main" val="3453593494"/>
-                  </a:ext>
-                </a:extLst>
-              </a:tr>
-            </a:tbl>
-          </a:graphicData>
-        </a:graphic>
-      </p:graphicFrame>
-    </p:spTree>
-    <p:extLst>
-      <p:ext uri="{BB962C8B-B14F-4D97-AF65-F5344CB8AC3E}">
-        <p14:creationId xmlns:p14="http://schemas.microsoft.com/office/powerpoint/2010/main" val="3581785050"/>
-      </p:ext>
-    </p:extLst>
-  </p:cSld>
-  <p:clrMapOvr>
-    <a:masterClrMapping/>
-  </p:clrMapOvr>
-</p:sld>
-</file>
-
-<file path=ppt/slides/slide3.xml><?xml version="1.0" encoding="utf-8"?>
-<p:sld xmlns:a="http://schemas.openxmlformats.org/drawingml/2006/main" xmlns:r="http://schemas.openxmlformats.org/officeDocument/2006/relationships" xmlns:p="http://schemas.openxmlformats.org/presentationml/2006/main">
-  <p:cSld>
-    <p:spTree>
-      <p:nvGrpSpPr>
-        <p:cNvPr id="1" name=""/>
-        <p:cNvGrpSpPr/>
-        <p:nvPr/>
-      </p:nvGrpSpPr>
-      <p:grpSpPr>
-        <a:xfrm>
-          <a:off x="0" y="0"/>
-          <a:ext cx="0" cy="0"/>
-          <a:chOff x="0" y="0"/>
-          <a:chExt cx="0" cy="0"/>
-        </a:xfrm>
-      </p:grpSpPr>
-      <p:sp>
-        <p:nvSpPr>
-          <p:cNvPr id="4" name="标题 3">
-            <a:extLst>
-              <a:ext uri="{FF2B5EF4-FFF2-40B4-BE49-F238E27FC236}">
-                <a16:creationId xmlns:a16="http://schemas.microsoft.com/office/drawing/2014/main" id="{2729939D-814A-4BD2-9922-3F8EA865938B}"/>
-              </a:ext>
-            </a:extLst>
-          </p:cNvPr>
-          <p:cNvSpPr>
-            <a:spLocks noGrp="1"/>
-          </p:cNvSpPr>
-          <p:nvPr>
-            <p:ph type="title"/>
-          </p:nvPr>
-        </p:nvSpPr>
-        <p:spPr>
-          <a:xfrm>
-            <a:off x="838200" y="683581"/>
-            <a:ext cx="10515600" cy="736846"/>
-          </a:xfrm>
-        </p:spPr>
-        <p:txBody>
-          <a:bodyPr/>
-          <a:lstStyle/>
-          <a:p>
-            <a:r>
-              <a:rPr lang="en-US" altLang="zh-CN" dirty="0"/>
-              <a:t>1</a:t>
-            </a:r>
-            <a:endParaRPr lang="zh-CN" altLang="en-US" dirty="0"/>
-          </a:p>
-        </p:txBody>
-      </p:sp>
-      <p:sp>
-        <p:nvSpPr>
-          <p:cNvPr id="3" name="内容占位符 2">
-            <a:extLst>
-              <a:ext uri="{FF2B5EF4-FFF2-40B4-BE49-F238E27FC236}">
-                <a16:creationId xmlns:a16="http://schemas.microsoft.com/office/drawing/2014/main" id="{3C8E7491-39CF-4BD4-9510-F0E0DF2ADF5B}"/>
-              </a:ext>
-            </a:extLst>
-          </p:cNvPr>
-          <p:cNvSpPr>
-            <a:spLocks noGrp="1"/>
-          </p:cNvSpPr>
-          <p:nvPr>
-            <p:ph idx="1"/>
-          </p:nvPr>
-        </p:nvSpPr>
-        <p:spPr/>
-        <p:txBody>
-          <a:bodyPr anchor="ctr"/>
-          <a:lstStyle/>
-          <a:p>
-            <a:pPr marL="0" indent="0" algn="ctr">
-              <a:buNone/>
-            </a:pPr>
-            <a:r>
-              <a:rPr lang="zh-CN" altLang="en-US" dirty="0">
-                <a:solidFill>
-                  <a:schemeClr val="accent1">
-                    <a:lumMod val="50000"/>
-                  </a:schemeClr>
-                </a:solidFill>
-              </a:rPr>
-              <a:t>知识回顾</a:t>
-            </a:r>
-          </a:p>
-        </p:txBody>
-      </p:sp>
-    </p:spTree>
-    <p:extLst>
-      <p:ext uri="{BB962C8B-B14F-4D97-AF65-F5344CB8AC3E}">
-        <p14:creationId xmlns:p14="http://schemas.microsoft.com/office/powerpoint/2010/main" val="4085003278"/>
-      </p:ext>
-    </p:extLst>
-  </p:cSld>
-  <p:clrMapOvr>
-    <a:masterClrMapping/>
-  </p:clrMapOvr>
-</p:sld>
-</file>
-
 <file path=ppt/slides/slide4.xml><?xml version="1.0" encoding="utf-8"?>
 <p:sld xmlns:a="http://schemas.openxmlformats.org/drawingml/2006/main" xmlns:r="http://schemas.openxmlformats.org/officeDocument/2006/relationships" xmlns:p="http://schemas.openxmlformats.org/presentationml/2006/main">
   <p:cSld>
@@ -7552,7 +12297,7 @@
             </a:r>
             <a:r>
               <a:rPr lang="zh-CN" altLang="en-US" sz="2000" dirty="0"/>
-              <a:t>本身作为一个编程语言，是可以脱离</a:t>
+              <a:t>几乎只被用于</a:t>
             </a:r>
             <a:r>
               <a:rPr lang="en-US" altLang="zh-CN" sz="2000" dirty="0"/>
@@ -7560,49 +12305,24 @@
             </a:r>
             <a:r>
               <a:rPr lang="zh-CN" altLang="en-US" sz="2000" dirty="0"/>
-              <a:t>做一些系统运维之类的脚本处理的，并不仅仅局限于</a:t>
-            </a:r>
-            <a:r>
-              <a:rPr lang="en-US" altLang="zh-CN" sz="2000" dirty="0"/>
-              <a:t>Web</a:t>
-            </a:r>
-            <a:r>
-              <a:rPr lang="zh-CN" altLang="en-US" sz="2000" dirty="0"/>
-              <a:t>。</a:t>
+              <a:t>领域。</a:t>
             </a:r>
             <a:endParaRPr lang="en-US" altLang="zh-CN" sz="2000" dirty="0"/>
           </a:p>
           <a:p>
+            <a:pPr marL="0" indent="0">
+              <a:buNone/>
+            </a:pPr>
             <a:endParaRPr lang="en-US" altLang="zh-CN" sz="2000" dirty="0"/>
           </a:p>
           <a:p>
             <a:r>
-              <a:rPr lang="zh-CN" altLang="en-US" sz="2000" dirty="0"/>
-              <a:t>但是</a:t>
-            </a:r>
-            <a:r>
               <a:rPr lang="en-US" altLang="zh-CN" sz="2000" dirty="0"/>
               <a:t>PHP</a:t>
             </a:r>
             <a:r>
               <a:rPr lang="zh-CN" altLang="en-US" sz="2000" dirty="0"/>
-              <a:t>几乎没有应用于</a:t>
-            </a:r>
-            <a:r>
-              <a:rPr lang="en-US" altLang="zh-CN" sz="2000" dirty="0"/>
-              <a:t>Web</a:t>
-            </a:r>
-            <a:r>
-              <a:rPr lang="zh-CN" altLang="en-US" sz="2000" dirty="0"/>
-              <a:t>领域之外，最多是用于和</a:t>
-            </a:r>
-            <a:r>
-              <a:rPr lang="en-US" altLang="zh-CN" sz="2000" dirty="0"/>
-              <a:t>Web</a:t>
-            </a:r>
-            <a:r>
-              <a:rPr lang="zh-CN" altLang="en-US" sz="2000" dirty="0"/>
-              <a:t>相关的一些后台维护，系统监控等工作。这和</a:t>
+              <a:t>的网站支持热部署，因为是脚本运行，每次请求会重新加载脚本，所以代码更改后改变会立即体现，这是优点，同时也是缺点：</a:t>
             </a:r>
             <a:r>
               <a:rPr lang="en-US" altLang="zh-CN" sz="2000" dirty="0"/>
@@ -7610,37 +12330,7 @@
             </a:r>
             <a:r>
               <a:rPr lang="zh-CN" altLang="en-US" sz="2000" dirty="0"/>
-              <a:t>本身的特点有关。</a:t>
-            </a:r>
-            <a:endParaRPr lang="en-US" altLang="zh-CN" sz="2000" dirty="0"/>
-          </a:p>
-          <a:p>
-            <a:endParaRPr lang="en-US" altLang="zh-CN" sz="2000" dirty="0"/>
-          </a:p>
-          <a:p>
-            <a:r>
-              <a:rPr lang="en-US" altLang="zh-CN" sz="2000" dirty="0"/>
-              <a:t>PHP</a:t>
-            </a:r>
-            <a:r>
-              <a:rPr lang="zh-CN" altLang="en-US" sz="2000" dirty="0"/>
-              <a:t>的网站支持热部署，因为是脚本运行，每次请求会重新加载脚本，所以代码更改后改变会立即体现，这是优点，同时也是缺点：</a:t>
-            </a:r>
-            <a:r>
-              <a:rPr lang="en-US" altLang="zh-CN" sz="2000" dirty="0"/>
-              <a:t>PHP</a:t>
-            </a:r>
-            <a:r>
-              <a:rPr lang="zh-CN" altLang="en-US" sz="2000" dirty="0"/>
-              <a:t>不适合常驻内存，实时运行的场景，服务端推送也很难实现（</a:t>
-            </a:r>
-            <a:r>
-              <a:rPr lang="en-US" altLang="zh-CN" sz="2000" dirty="0" err="1"/>
-              <a:t>Websocket</a:t>
-            </a:r>
-            <a:r>
-              <a:rPr lang="zh-CN" altLang="en-US" sz="2000" dirty="0"/>
-              <a:t>协议解决了这个问题）。</a:t>
+              <a:t>不适合常驻内存，实时运行的场景，服务端推送也很难实现。</a:t>
             </a:r>
             <a:endParaRPr lang="en-US" altLang="zh-CN" sz="2000" dirty="0"/>
           </a:p>
@@ -8146,8 +12836,12 @@
           <a:lstStyle/>
           <a:p>
             <a:r>
+              <a:rPr lang="en-US" altLang="zh-CN" dirty="0"/>
+              <a:t>shell</a:t>
+            </a:r>
+            <a:r>
               <a:rPr lang="zh-CN" altLang="en-US" dirty="0"/>
-              <a:t>指令路径</a:t>
+              <a:t>运行命令的路径</a:t>
             </a:r>
           </a:p>
         </p:txBody>
@@ -8179,56 +12873,137 @@
             </a:r>
             <a:r>
               <a:rPr lang="zh-CN" altLang="en-US" sz="2000" dirty="0"/>
-              <a:t>会根据配置自动寻找输入的指令名称</a:t>
+              <a:t>会根据</a:t>
+            </a:r>
+            <a:r>
+              <a:rPr lang="en-US" altLang="zh-CN" sz="2000" dirty="0"/>
+              <a:t>PATH</a:t>
+            </a:r>
+            <a:r>
+              <a:rPr lang="zh-CN" altLang="en-US" sz="2000" dirty="0"/>
+              <a:t>变量的设置自动寻找输入的命令。如果有同名的命令，按照路径顺序找到后返回执行，不再继续寻找。有同名的指令可以输入路径运行。</a:t>
             </a:r>
             <a:endParaRPr lang="en-US" altLang="zh-CN" sz="2000" dirty="0"/>
           </a:p>
           <a:p>
             <a:r>
-              <a:rPr lang="zh-CN" altLang="en-US" sz="2000" dirty="0"/>
-              <a:t>如果有相同名称的命令，按照路径顺序找到后会运行当前找到的，不会继续寻找。</a:t>
+              <a:rPr lang="en-US" altLang="zh-CN" sz="2000" dirty="0"/>
+              <a:t>.profile</a:t>
+            </a:r>
+            <a:r>
+              <a:rPr lang="zh-CN" altLang="en-US" sz="2000" dirty="0"/>
+              <a:t>记录了</a:t>
+            </a:r>
+            <a:r>
+              <a:rPr lang="en-US" altLang="zh-CN" sz="2000" dirty="0"/>
+              <a:t>bash</a:t>
+            </a:r>
+            <a:r>
+              <a:rPr lang="zh-CN" altLang="en-US" sz="2000" dirty="0"/>
+              <a:t>会在哪些目录查找命令</a:t>
             </a:r>
             <a:endParaRPr lang="en-US" altLang="zh-CN" sz="2000" dirty="0"/>
           </a:p>
           <a:p>
             <a:r>
               <a:rPr lang="zh-CN" altLang="en-US" sz="2000" dirty="0"/>
-              <a:t>有重复的指令名称可以输入路径运行</a:t>
+              <a:t>默认的路径：</a:t>
             </a:r>
             <a:endParaRPr lang="en-US" altLang="zh-CN" sz="2000" dirty="0"/>
           </a:p>
           <a:p>
-            <a:r>
-              <a:rPr lang="en-US" altLang="zh-CN" sz="2000" dirty="0"/>
-              <a:t>.profile</a:t>
-            </a:r>
-            <a:r>
-              <a:rPr lang="zh-CN" altLang="en-US" sz="2000" dirty="0"/>
-              <a:t>记录了</a:t>
-            </a:r>
-            <a:r>
-              <a:rPr lang="en-US" altLang="zh-CN" sz="2000" dirty="0"/>
-              <a:t>bash</a:t>
-            </a:r>
-            <a:r>
-              <a:rPr lang="zh-CN" altLang="en-US" sz="2000" dirty="0"/>
-              <a:t>会在哪些目录查找</a:t>
-            </a:r>
-            <a:endParaRPr lang="en-US" altLang="zh-CN" sz="2000" dirty="0"/>
-          </a:p>
-          <a:p>
-            <a:r>
-              <a:rPr lang="zh-CN" altLang="en-US" sz="2000" dirty="0"/>
-              <a:t>默认的路径：</a:t>
-            </a:r>
-            <a:endParaRPr lang="en-US" altLang="zh-CN" sz="2000" dirty="0"/>
-          </a:p>
-          <a:p>
             <a:pPr marL="457200" lvl="1" indent="0">
               <a:buNone/>
             </a:pPr>
             <a:r>
-              <a:rPr lang="en-US" altLang="zh-CN" sz="1600" dirty="0"/>
+              <a:rPr lang="en-US" altLang="zh-CN" sz="1800" dirty="0"/>
+              <a:t>~/bin</a:t>
+            </a:r>
+          </a:p>
+          <a:p>
+            <a:pPr marL="457200" lvl="1" indent="0">
+              <a:buNone/>
+            </a:pPr>
+            <a:r>
+              <a:rPr lang="en-US" altLang="zh-CN" sz="1800" dirty="0"/>
+              <a:t>~/.local/bin</a:t>
+            </a:r>
+          </a:p>
+          <a:p>
+            <a:pPr marL="457200" lvl="1" indent="0">
+              <a:buNone/>
+            </a:pPr>
+            <a:r>
+              <a:rPr lang="en-US" altLang="zh-CN" sz="1800" dirty="0"/>
+              <a:t>/</a:t>
+            </a:r>
+            <a:r>
+              <a:rPr lang="en-US" altLang="zh-CN" sz="1800" dirty="0" err="1"/>
+              <a:t>usr</a:t>
+            </a:r>
+            <a:r>
+              <a:rPr lang="en-US" altLang="zh-CN" sz="1800" dirty="0"/>
+              <a:t>/local/</a:t>
+            </a:r>
+            <a:r>
+              <a:rPr lang="en-US" altLang="zh-CN" sz="1800" dirty="0" err="1"/>
+              <a:t>sbin</a:t>
+            </a:r>
+            <a:endParaRPr lang="en-US" altLang="zh-CN" sz="1800" dirty="0"/>
+          </a:p>
+          <a:p>
+            <a:pPr marL="457200" lvl="1" indent="0">
+              <a:buNone/>
+            </a:pPr>
+            <a:r>
+              <a:rPr lang="en-US" altLang="zh-CN" sz="1800" dirty="0"/>
+              <a:t>/</a:t>
+            </a:r>
+            <a:r>
+              <a:rPr lang="en-US" altLang="zh-CN" sz="1800" dirty="0" err="1"/>
+              <a:t>usr</a:t>
+            </a:r>
+            <a:r>
+              <a:rPr lang="en-US" altLang="zh-CN" sz="1800" dirty="0"/>
+              <a:t>/local/bin</a:t>
+            </a:r>
+          </a:p>
+          <a:p>
+            <a:pPr marL="457200" lvl="1" indent="0">
+              <a:buNone/>
+            </a:pPr>
+            <a:r>
+              <a:rPr lang="en-US" altLang="zh-CN" sz="1800" dirty="0"/>
+              <a:t>/</a:t>
+            </a:r>
+            <a:r>
+              <a:rPr lang="en-US" altLang="zh-CN" sz="1800" dirty="0" err="1"/>
+              <a:t>usr</a:t>
+            </a:r>
+            <a:r>
+              <a:rPr lang="en-US" altLang="zh-CN" sz="1800" dirty="0"/>
+              <a:t>/</a:t>
+            </a:r>
+            <a:r>
+              <a:rPr lang="en-US" altLang="zh-CN" sz="1800" dirty="0" err="1"/>
+              <a:t>sbin</a:t>
+            </a:r>
+            <a:endParaRPr lang="en-US" altLang="zh-CN" sz="1800" dirty="0"/>
+          </a:p>
+          <a:p>
+            <a:pPr marL="457200" lvl="1" indent="0">
+              <a:buNone/>
+            </a:pPr>
+            <a:r>
+              <a:rPr lang="en-US" altLang="zh-CN" sz="1800" dirty="0"/>
+              <a:t>/</a:t>
+            </a:r>
+            <a:r>
+              <a:rPr lang="en-US" altLang="zh-CN" sz="1800" dirty="0" err="1"/>
+              <a:t>usr</a:t>
+            </a:r>
+            <a:r>
+              <a:rPr lang="en-US" altLang="zh-CN" sz="1800" dirty="0"/>
               <a:t>/bin</a:t>
             </a:r>
           </a:p>
@@ -8237,30 +13012,39 @@
               <a:buNone/>
             </a:pPr>
             <a:r>
-              <a:rPr lang="en-US" altLang="zh-CN" sz="1600" dirty="0"/>
+              <a:rPr lang="en-US" altLang="zh-CN" sz="1800" dirty="0"/>
               <a:t>/</a:t>
             </a:r>
             <a:r>
-              <a:rPr lang="en-US" altLang="zh-CN" sz="1600" dirty="0" err="1"/>
+              <a:rPr lang="en-US" altLang="zh-CN" sz="1800" dirty="0" err="1"/>
               <a:t>sbin</a:t>
             </a:r>
-            <a:endParaRPr lang="en-US" altLang="zh-CN" sz="1600" dirty="0"/>
+            <a:endParaRPr lang="en-US" altLang="zh-CN" sz="1800" dirty="0"/>
           </a:p>
           <a:p>
             <a:pPr marL="457200" lvl="1" indent="0">
               <a:buNone/>
             </a:pPr>
             <a:r>
-              <a:rPr lang="en-US" altLang="zh-CN" sz="1600" dirty="0"/>
+              <a:rPr lang="en-US" altLang="zh-CN" sz="1800" dirty="0"/>
+              <a:t>/bin</a:t>
+            </a:r>
+          </a:p>
+          <a:p>
+            <a:pPr marL="457200" lvl="1" indent="0">
+              <a:buNone/>
+            </a:pPr>
+            <a:r>
+              <a:rPr lang="en-US" altLang="zh-CN" sz="1800" dirty="0"/>
               <a:t>/</a:t>
             </a:r>
             <a:r>
-              <a:rPr lang="en-US" altLang="zh-CN" sz="1600" dirty="0" err="1"/>
+              <a:rPr lang="en-US" altLang="zh-CN" sz="1800" dirty="0" err="1"/>
               <a:t>usr</a:t>
             </a:r>
             <a:r>
-              <a:rPr lang="en-US" altLang="zh-CN" sz="1600" dirty="0"/>
-              <a:t>/bin</a:t>
+              <a:rPr lang="en-US" altLang="zh-CN" sz="1800" dirty="0"/>
+              <a:t>/games</a:t>
             </a:r>
           </a:p>
           <a:p>
@@ -8268,83 +13052,17 @@
               <a:buNone/>
             </a:pPr>
             <a:r>
-              <a:rPr lang="en-US" altLang="zh-CN" sz="1600" dirty="0"/>
+              <a:rPr lang="en-US" altLang="zh-CN" sz="1800" dirty="0"/>
               <a:t>/</a:t>
             </a:r>
             <a:r>
-              <a:rPr lang="en-US" altLang="zh-CN" sz="1600" dirty="0" err="1"/>
+              <a:rPr lang="en-US" altLang="zh-CN" sz="1800" dirty="0" err="1"/>
               <a:t>usr</a:t>
             </a:r>
             <a:r>
-              <a:rPr lang="en-US" altLang="zh-CN" sz="1600" dirty="0"/>
-              <a:t>/</a:t>
-            </a:r>
-            <a:r>
-              <a:rPr lang="en-US" altLang="zh-CN" sz="1600" dirty="0" err="1"/>
-              <a:t>sbin</a:t>
-            </a:r>
-            <a:endParaRPr lang="en-US" altLang="zh-CN" sz="1600" dirty="0"/>
-          </a:p>
-          <a:p>
-            <a:pPr marL="457200" lvl="1" indent="0">
-              <a:buNone/>
-            </a:pPr>
-            <a:r>
-              <a:rPr lang="en-US" altLang="zh-CN" sz="1600" dirty="0"/>
-              <a:t>/</a:t>
-            </a:r>
-            <a:r>
-              <a:rPr lang="en-US" altLang="zh-CN" sz="1600" dirty="0" err="1"/>
-              <a:t>usr</a:t>
-            </a:r>
-            <a:r>
-              <a:rPr lang="en-US" altLang="zh-CN" sz="1600" dirty="0"/>
-              <a:t>/local/bin</a:t>
-            </a:r>
-          </a:p>
-          <a:p>
-            <a:pPr marL="457200" lvl="1" indent="0">
-              <a:buNone/>
-            </a:pPr>
-            <a:r>
-              <a:rPr lang="en-US" altLang="zh-CN" sz="1600" dirty="0"/>
-              <a:t>/</a:t>
-            </a:r>
-            <a:r>
-              <a:rPr lang="en-US" altLang="zh-CN" sz="1600" dirty="0" err="1"/>
-              <a:t>usr</a:t>
-            </a:r>
-            <a:r>
-              <a:rPr lang="en-US" altLang="zh-CN" sz="1600" dirty="0"/>
-              <a:t>/local/</a:t>
-            </a:r>
-            <a:r>
-              <a:rPr lang="en-US" altLang="zh-CN" sz="1600" dirty="0" err="1"/>
-              <a:t>sbin</a:t>
-            </a:r>
-            <a:endParaRPr lang="en-US" altLang="zh-CN" sz="1600" dirty="0"/>
-          </a:p>
-          <a:p>
-            <a:pPr marL="457200" lvl="1" indent="0">
-              <a:buNone/>
-            </a:pPr>
-            <a:r>
-              <a:rPr lang="en-US" altLang="zh-CN" sz="1600" dirty="0"/>
-              <a:t>~/bin</a:t>
-            </a:r>
-            <a:r>
-              <a:rPr lang="zh-CN" altLang="en-US" sz="1600" dirty="0"/>
-              <a:t>：当前用户主目录下的</a:t>
-            </a:r>
-            <a:r>
-              <a:rPr lang="en-US" altLang="zh-CN" sz="1600" dirty="0"/>
-              <a:t>bin</a:t>
-            </a:r>
-            <a:r>
-              <a:rPr lang="zh-CN" altLang="en-US" sz="1600" dirty="0"/>
-              <a:t>目录</a:t>
-            </a:r>
-            <a:endParaRPr lang="en-US" altLang="zh-CN" sz="1600" dirty="0"/>
+              <a:rPr lang="en-US" altLang="zh-CN" sz="1800" dirty="0"/>
+              <a:t>/local/games</a:t>
+            </a:r>
           </a:p>
         </p:txBody>
       </p:sp>

--- a/materials/slides/ch01-review-and-linux.pptx
+++ b/materials/slides/ch01-review-and-linux.pptx
@@ -245,7 +245,7 @@
           <a:p>
             <a:fld id="{E923E828-953C-4D4A-9B10-11E7329F433D}" type="datetimeFigureOut">
               <a:rPr lang="zh-CN" altLang="en-US" smtClean="0"/>
-              <a:t>2018/2/27</a:t>
+              <a:t>2018/2/28</a:t>
             </a:fld>
             <a:endParaRPr lang="zh-CN" altLang="en-US"/>
           </a:p>
@@ -426,7 +426,7 @@
           <a:p>
             <a:fld id="{867C5346-22E5-4085-8130-851344A84DFF}" type="datetimeFigureOut">
               <a:rPr lang="zh-CN" altLang="en-US" smtClean="0"/>
-              <a:t>2018/2/27</a:t>
+              <a:t>2018/2/28</a:t>
             </a:fld>
             <a:endParaRPr lang="zh-CN" altLang="en-US"/>
           </a:p>
@@ -852,7 +852,7 @@
           <a:p>
             <a:fld id="{A5E21016-498F-4141-B0CA-D95A38CA7D62}" type="datetimeFigureOut">
               <a:rPr lang="zh-CN" altLang="en-US" smtClean="0"/>
-              <a:t>2018/2/27</a:t>
+              <a:t>2018/2/28</a:t>
             </a:fld>
             <a:endParaRPr lang="zh-CN" altLang="en-US"/>
           </a:p>
@@ -1082,7 +1082,7 @@
           <a:p>
             <a:fld id="{A5E21016-498F-4141-B0CA-D95A38CA7D62}" type="datetimeFigureOut">
               <a:rPr lang="zh-CN" altLang="en-US" smtClean="0"/>
-              <a:t>2018/2/27</a:t>
+              <a:t>2018/2/28</a:t>
             </a:fld>
             <a:endParaRPr lang="zh-CN" altLang="en-US"/>
           </a:p>
@@ -1317,7 +1317,7 @@
           <a:p>
             <a:fld id="{A5E21016-498F-4141-B0CA-D95A38CA7D62}" type="datetimeFigureOut">
               <a:rPr lang="zh-CN" altLang="en-US" smtClean="0"/>
-              <a:t>2018/2/27</a:t>
+              <a:t>2018/2/28</a:t>
             </a:fld>
             <a:endParaRPr lang="zh-CN" altLang="en-US"/>
           </a:p>
@@ -1879,7 +1879,7 @@
           <a:p>
             <a:fld id="{A5E21016-498F-4141-B0CA-D95A38CA7D62}" type="datetimeFigureOut">
               <a:rPr lang="zh-CN" altLang="en-US" smtClean="0"/>
-              <a:t>2018/2/27</a:t>
+              <a:t>2018/2/28</a:t>
             </a:fld>
             <a:endParaRPr lang="zh-CN" altLang="en-US"/>
           </a:p>
@@ -2176,7 +2176,7 @@
           <a:p>
             <a:fld id="{A5E21016-498F-4141-B0CA-D95A38CA7D62}" type="datetimeFigureOut">
               <a:rPr lang="zh-CN" altLang="en-US" smtClean="0"/>
-              <a:t>2018/2/27</a:t>
+              <a:t>2018/2/28</a:t>
             </a:fld>
             <a:endParaRPr lang="zh-CN" altLang="en-US"/>
           </a:p>
@@ -2615,7 +2615,7 @@
           <a:p>
             <a:fld id="{A5E21016-498F-4141-B0CA-D95A38CA7D62}" type="datetimeFigureOut">
               <a:rPr lang="zh-CN" altLang="en-US" smtClean="0"/>
-              <a:t>2018/2/27</a:t>
+              <a:t>2018/2/28</a:t>
             </a:fld>
             <a:endParaRPr lang="zh-CN" altLang="en-US"/>
           </a:p>
@@ -2788,7 +2788,7 @@
           <a:p>
             <a:fld id="{A5E21016-498F-4141-B0CA-D95A38CA7D62}" type="datetimeFigureOut">
               <a:rPr lang="zh-CN" altLang="en-US" smtClean="0"/>
-              <a:t>2018/2/27</a:t>
+              <a:t>2018/2/28</a:t>
             </a:fld>
             <a:endParaRPr lang="zh-CN" altLang="en-US"/>
           </a:p>
@@ -2925,7 +2925,7 @@
           <a:p>
             <a:fld id="{A5E21016-498F-4141-B0CA-D95A38CA7D62}" type="datetimeFigureOut">
               <a:rPr lang="zh-CN" altLang="en-US" smtClean="0"/>
-              <a:t>2018/2/27</a:t>
+              <a:t>2018/2/28</a:t>
             </a:fld>
             <a:endParaRPr lang="zh-CN" altLang="en-US"/>
           </a:p>
@@ -3263,7 +3263,7 @@
           <a:p>
             <a:fld id="{A5E21016-498F-4141-B0CA-D95A38CA7D62}" type="datetimeFigureOut">
               <a:rPr lang="zh-CN" altLang="en-US" smtClean="0"/>
-              <a:t>2018/2/27</a:t>
+              <a:t>2018/2/28</a:t>
             </a:fld>
             <a:endParaRPr lang="zh-CN" altLang="en-US"/>
           </a:p>
@@ -3578,7 +3578,7 @@
           <a:p>
             <a:fld id="{A5E21016-498F-4141-B0CA-D95A38CA7D62}" type="datetimeFigureOut">
               <a:rPr lang="zh-CN" altLang="en-US" smtClean="0"/>
-              <a:t>2018/2/27</a:t>
+              <a:t>2018/2/28</a:t>
             </a:fld>
             <a:endParaRPr lang="zh-CN" altLang="en-US"/>
           </a:p>
@@ -4177,7 +4177,7 @@
         <p:spPr>
           <a:xfrm>
             <a:off x="672483" y="1012055"/>
-            <a:ext cx="10847034" cy="5170646"/>
+            <a:ext cx="10847034" cy="4893647"/>
           </a:xfrm>
           <a:prstGeom prst="rect">
             <a:avLst/>
@@ -4192,11 +4192,19 @@
           <a:p>
             <a:r>
               <a:rPr lang="en-US" altLang="zh-CN" sz="3200" dirty="0"/>
+              <a:t>Linux</a:t>
+            </a:r>
+            <a:r>
+              <a:rPr lang="zh-CN" altLang="en-US" sz="3200" dirty="0"/>
+              <a:t>平台</a:t>
+            </a:r>
+            <a:r>
+              <a:rPr lang="en-US" altLang="zh-CN" sz="3200" dirty="0"/>
               <a:t>PHP</a:t>
             </a:r>
             <a:r>
               <a:rPr lang="zh-CN" altLang="en-US" sz="3200" dirty="0"/>
-              <a:t>底层开发 </a:t>
+              <a:t>服务端开发</a:t>
             </a:r>
             <a:r>
               <a:rPr lang="en-US" altLang="zh-CN" sz="3200" dirty="0"/>
@@ -4217,73 +4225,47 @@
           </a:p>
           <a:p>
             <a:pPr algn="ctr"/>
-            <a:r>
-              <a:rPr lang="en-US" altLang="zh-CN" dirty="0">
-                <a:solidFill>
-                  <a:schemeClr val="tx1">
-                    <a:lumMod val="50000"/>
-                    <a:lumOff val="50000"/>
-                  </a:schemeClr>
-                </a:solidFill>
-              </a:rPr>
-              <a:t>1  0  0  1</a:t>
-            </a:r>
+            <a:endParaRPr lang="en-US" altLang="zh-CN" dirty="0">
+              <a:solidFill>
+                <a:schemeClr val="tx1">
+                  <a:lumMod val="50000"/>
+                  <a:lumOff val="50000"/>
+                </a:schemeClr>
+              </a:solidFill>
+            </a:endParaRPr>
           </a:p>
           <a:p>
             <a:pPr algn="ctr"/>
-            <a:r>
-              <a:rPr lang="en-US" altLang="zh-CN" dirty="0">
-                <a:solidFill>
-                  <a:schemeClr val="tx1">
-                    <a:lumMod val="50000"/>
-                    <a:lumOff val="50000"/>
-                  </a:schemeClr>
-                </a:solidFill>
-              </a:rPr>
-              <a:t>0  1  1  0</a:t>
-            </a:r>
+            <a:endParaRPr lang="en-US" altLang="zh-CN" dirty="0">
+              <a:solidFill>
+                <a:schemeClr val="tx1">
+                  <a:lumMod val="50000"/>
+                  <a:lumOff val="50000"/>
+                </a:schemeClr>
+              </a:solidFill>
+            </a:endParaRPr>
           </a:p>
           <a:p>
             <a:pPr algn="ctr"/>
-            <a:r>
-              <a:rPr lang="en-US" altLang="zh-CN" dirty="0">
-                <a:solidFill>
-                  <a:schemeClr val="tx1">
-                    <a:lumMod val="50000"/>
-                    <a:lumOff val="50000"/>
-                  </a:schemeClr>
-                </a:solidFill>
-              </a:rPr>
-              <a:t>1  0  0  1</a:t>
-            </a:r>
+            <a:endParaRPr lang="en-US" altLang="zh-CN">
+              <a:solidFill>
+                <a:schemeClr val="tx1">
+                  <a:lumMod val="50000"/>
+                  <a:lumOff val="50000"/>
+                </a:schemeClr>
+              </a:solidFill>
+            </a:endParaRPr>
           </a:p>
           <a:p>
             <a:pPr algn="ctr"/>
-            <a:r>
-              <a:rPr lang="en-US" altLang="zh-CN" dirty="0">
-                <a:solidFill>
-                  <a:schemeClr val="tx1">
-                    <a:lumMod val="50000"/>
-                    <a:lumOff val="50000"/>
-                  </a:schemeClr>
-                </a:solidFill>
-              </a:rPr>
-              <a:t>0  1  1  0</a:t>
-            </a:r>
-          </a:p>
-          <a:p>
-            <a:pPr algn="ctr"/>
-            <a:r>
-              <a:rPr lang="en-US" altLang="zh-CN" dirty="0">
-                <a:solidFill>
-                  <a:schemeClr val="tx1">
-                    <a:lumMod val="50000"/>
-                    <a:lumOff val="50000"/>
-                  </a:schemeClr>
-                </a:solidFill>
-              </a:rPr>
-              <a:t>1  0  0  1</a:t>
-            </a:r>
+            <a:endParaRPr lang="en-US" altLang="zh-CN" dirty="0">
+              <a:solidFill>
+                <a:schemeClr val="tx1">
+                  <a:lumMod val="50000"/>
+                  <a:lumOff val="50000"/>
+                </a:schemeClr>
+              </a:solidFill>
+            </a:endParaRPr>
           </a:p>
           <a:p>
             <a:pPr algn="ctr"/>
@@ -4319,61 +4301,6 @@
           </a:p>
           <a:p>
             <a:endParaRPr lang="en-US" altLang="zh-CN" dirty="0"/>
-          </a:p>
-        </p:txBody>
-      </p:sp>
-      <p:sp>
-        <p:nvSpPr>
-          <p:cNvPr id="4" name="云形 3">
-            <a:extLst>
-              <a:ext uri="{FF2B5EF4-FFF2-40B4-BE49-F238E27FC236}">
-                <a16:creationId xmlns:a16="http://schemas.microsoft.com/office/drawing/2014/main" id="{FB93CA04-9A10-4FDC-B520-5825D0C2A77A}"/>
-              </a:ext>
-            </a:extLst>
-          </p:cNvPr>
-          <p:cNvSpPr/>
-          <p:nvPr/>
-        </p:nvSpPr>
-        <p:spPr>
-          <a:xfrm>
-            <a:off x="4685710" y="1632582"/>
-            <a:ext cx="2521259" cy="1020932"/>
-          </a:xfrm>
-          <a:prstGeom prst="cloud">
-            <a:avLst/>
-          </a:prstGeom>
-          <a:noFill/>
-          <a:ln>
-            <a:solidFill>
-              <a:schemeClr val="tx1">
-                <a:lumMod val="65000"/>
-                <a:lumOff val="35000"/>
-              </a:schemeClr>
-            </a:solidFill>
-          </a:ln>
-        </p:spPr>
-        <p:style>
-          <a:lnRef idx="2">
-            <a:schemeClr val="accent1">
-              <a:shade val="50000"/>
-            </a:schemeClr>
-          </a:lnRef>
-          <a:fillRef idx="1">
-            <a:schemeClr val="accent1"/>
-          </a:fillRef>
-          <a:effectRef idx="0">
-            <a:schemeClr val="accent1"/>
-          </a:effectRef>
-          <a:fontRef idx="minor">
-            <a:schemeClr val="lt1"/>
-          </a:fontRef>
-        </p:style>
-        <p:txBody>
-          <a:bodyPr rtlCol="0" anchor="ctr"/>
-          <a:lstStyle/>
-          <a:p>
-            <a:pPr algn="ctr"/>
-            <a:endParaRPr lang="zh-CN" altLang="en-US"/>
           </a:p>
         </p:txBody>
       </p:sp>

--- a/materials/slides/ch01-review-and-linux.pptx
+++ b/materials/slides/ch01-review-and-linux.pptx
@@ -245,7 +245,7 @@
           <a:p>
             <a:fld id="{E923E828-953C-4D4A-9B10-11E7329F433D}" type="datetimeFigureOut">
               <a:rPr lang="zh-CN" altLang="en-US" smtClean="0"/>
-              <a:t>2018/2/28</a:t>
+              <a:t>2018/3/3</a:t>
             </a:fld>
             <a:endParaRPr lang="zh-CN" altLang="en-US"/>
           </a:p>
@@ -426,7 +426,7 @@
           <a:p>
             <a:fld id="{867C5346-22E5-4085-8130-851344A84DFF}" type="datetimeFigureOut">
               <a:rPr lang="zh-CN" altLang="en-US" smtClean="0"/>
-              <a:t>2018/2/28</a:t>
+              <a:t>2018/3/3</a:t>
             </a:fld>
             <a:endParaRPr lang="zh-CN" altLang="en-US"/>
           </a:p>
@@ -852,7 +852,7 @@
           <a:p>
             <a:fld id="{A5E21016-498F-4141-B0CA-D95A38CA7D62}" type="datetimeFigureOut">
               <a:rPr lang="zh-CN" altLang="en-US" smtClean="0"/>
-              <a:t>2018/2/28</a:t>
+              <a:t>2018/3/3</a:t>
             </a:fld>
             <a:endParaRPr lang="zh-CN" altLang="en-US"/>
           </a:p>
@@ -1082,7 +1082,7 @@
           <a:p>
             <a:fld id="{A5E21016-498F-4141-B0CA-D95A38CA7D62}" type="datetimeFigureOut">
               <a:rPr lang="zh-CN" altLang="en-US" smtClean="0"/>
-              <a:t>2018/2/28</a:t>
+              <a:t>2018/3/3</a:t>
             </a:fld>
             <a:endParaRPr lang="zh-CN" altLang="en-US"/>
           </a:p>
@@ -1317,7 +1317,7 @@
           <a:p>
             <a:fld id="{A5E21016-498F-4141-B0CA-D95A38CA7D62}" type="datetimeFigureOut">
               <a:rPr lang="zh-CN" altLang="en-US" smtClean="0"/>
-              <a:t>2018/2/28</a:t>
+              <a:t>2018/3/3</a:t>
             </a:fld>
             <a:endParaRPr lang="zh-CN" altLang="en-US"/>
           </a:p>
@@ -1879,7 +1879,7 @@
           <a:p>
             <a:fld id="{A5E21016-498F-4141-B0CA-D95A38CA7D62}" type="datetimeFigureOut">
               <a:rPr lang="zh-CN" altLang="en-US" smtClean="0"/>
-              <a:t>2018/2/28</a:t>
+              <a:t>2018/3/3</a:t>
             </a:fld>
             <a:endParaRPr lang="zh-CN" altLang="en-US"/>
           </a:p>
@@ -2176,7 +2176,7 @@
           <a:p>
             <a:fld id="{A5E21016-498F-4141-B0CA-D95A38CA7D62}" type="datetimeFigureOut">
               <a:rPr lang="zh-CN" altLang="en-US" smtClean="0"/>
-              <a:t>2018/2/28</a:t>
+              <a:t>2018/3/3</a:t>
             </a:fld>
             <a:endParaRPr lang="zh-CN" altLang="en-US"/>
           </a:p>
@@ -2615,7 +2615,7 @@
           <a:p>
             <a:fld id="{A5E21016-498F-4141-B0CA-D95A38CA7D62}" type="datetimeFigureOut">
               <a:rPr lang="zh-CN" altLang="en-US" smtClean="0"/>
-              <a:t>2018/2/28</a:t>
+              <a:t>2018/3/3</a:t>
             </a:fld>
             <a:endParaRPr lang="zh-CN" altLang="en-US"/>
           </a:p>
@@ -2788,7 +2788,7 @@
           <a:p>
             <a:fld id="{A5E21016-498F-4141-B0CA-D95A38CA7D62}" type="datetimeFigureOut">
               <a:rPr lang="zh-CN" altLang="en-US" smtClean="0"/>
-              <a:t>2018/2/28</a:t>
+              <a:t>2018/3/3</a:t>
             </a:fld>
             <a:endParaRPr lang="zh-CN" altLang="en-US"/>
           </a:p>
@@ -2925,7 +2925,7 @@
           <a:p>
             <a:fld id="{A5E21016-498F-4141-B0CA-D95A38CA7D62}" type="datetimeFigureOut">
               <a:rPr lang="zh-CN" altLang="en-US" smtClean="0"/>
-              <a:t>2018/2/28</a:t>
+              <a:t>2018/3/3</a:t>
             </a:fld>
             <a:endParaRPr lang="zh-CN" altLang="en-US"/>
           </a:p>
@@ -3263,7 +3263,7 @@
           <a:p>
             <a:fld id="{A5E21016-498F-4141-B0CA-D95A38CA7D62}" type="datetimeFigureOut">
               <a:rPr lang="zh-CN" altLang="en-US" smtClean="0"/>
-              <a:t>2018/2/28</a:t>
+              <a:t>2018/3/3</a:t>
             </a:fld>
             <a:endParaRPr lang="zh-CN" altLang="en-US"/>
           </a:p>
@@ -3578,7 +3578,7 @@
           <a:p>
             <a:fld id="{A5E21016-498F-4141-B0CA-D95A38CA7D62}" type="datetimeFigureOut">
               <a:rPr lang="zh-CN" altLang="en-US" smtClean="0"/>
-              <a:t>2018/2/28</a:t>
+              <a:t>2018/3/3</a:t>
             </a:fld>
             <a:endParaRPr lang="zh-CN" altLang="en-US"/>
           </a:p>
@@ -4361,7 +4361,7 @@
             </a:r>
             <a:r>
               <a:rPr lang="zh-CN" altLang="en-US" dirty="0"/>
-              <a:t>如何执行命令</a:t>
+              <a:t>运行命令的基本过程</a:t>
             </a:r>
           </a:p>
         </p:txBody>
@@ -4384,10 +4384,12 @@
         </p:nvSpPr>
         <p:spPr/>
         <p:txBody>
-          <a:bodyPr/>
+          <a:bodyPr>
+            <a:normAutofit/>
+          </a:bodyPr>
           <a:lstStyle/>
           <a:p>
-            <a:endParaRPr lang="zh-CN" altLang="en-US"/>
+            <a:endParaRPr lang="zh-CN" altLang="en-US" sz="2000" dirty="0"/>
           </a:p>
         </p:txBody>
       </p:sp>
@@ -4627,81 +4629,6 @@
               <a:rPr lang="zh-CN" altLang="en-US" sz="2000" dirty="0"/>
               <a:t>解释成指令，用来把一条命令的输入或输出重定向到一个文件。</a:t>
             </a:r>
-            <a:r>
-              <a:rPr lang="en-US" altLang="zh-CN" sz="2000" dirty="0"/>
-              <a:t>&lt;</a:t>
-            </a:r>
-            <a:r>
-              <a:rPr lang="zh-CN" altLang="en-US" sz="2000" dirty="0"/>
-              <a:t>这个符号把这条命令的</a:t>
-            </a:r>
-            <a:r>
-              <a:rPr lang="en-US" altLang="zh-CN" sz="2000" dirty="0"/>
-              <a:t>STDIN</a:t>
-            </a:r>
-            <a:r>
-              <a:rPr lang="zh-CN" altLang="en-US" sz="2000" dirty="0"/>
-              <a:t>和已有的某个文件的内容联系起来。符号</a:t>
-            </a:r>
-            <a:r>
-              <a:rPr lang="en-US" altLang="zh-CN" sz="2000" dirty="0"/>
-              <a:t>&gt;</a:t>
-            </a:r>
-            <a:r>
-              <a:rPr lang="zh-CN" altLang="en-US" sz="2000" dirty="0"/>
-              <a:t>和</a:t>
-            </a:r>
-            <a:r>
-              <a:rPr lang="en-US" altLang="zh-CN" sz="2000" dirty="0"/>
-              <a:t>&gt;&gt;</a:t>
-            </a:r>
-            <a:r>
-              <a:rPr lang="zh-CN" altLang="en-US" sz="2000" dirty="0"/>
-              <a:t>则仅重定向</a:t>
-            </a:r>
-            <a:r>
-              <a:rPr lang="en-US" altLang="zh-CN" sz="2000" dirty="0"/>
-              <a:t>STDOUT</a:t>
-            </a:r>
-            <a:r>
-              <a:rPr lang="zh-CN" altLang="en-US" sz="2000" dirty="0"/>
-              <a:t>，</a:t>
-            </a:r>
-            <a:r>
-              <a:rPr lang="en-US" altLang="zh-CN" sz="2000" dirty="0"/>
-              <a:t>&gt;</a:t>
-            </a:r>
-            <a:r>
-              <a:rPr lang="zh-CN" altLang="en-US" sz="2000" dirty="0"/>
-              <a:t>会替换文件中的现有内容，</a:t>
-            </a:r>
-            <a:r>
-              <a:rPr lang="en-US" altLang="zh-CN" sz="2000" dirty="0"/>
-              <a:t>&gt;&gt;</a:t>
-            </a:r>
-            <a:r>
-              <a:rPr lang="zh-CN" altLang="en-US" sz="2000" dirty="0"/>
-              <a:t>则给文件追加内容。仅仅重定向</a:t>
-            </a:r>
-            <a:r>
-              <a:rPr lang="en-US" altLang="zh-CN" sz="2000" dirty="0"/>
-              <a:t>STDERR</a:t>
-            </a:r>
-            <a:r>
-              <a:rPr lang="zh-CN" altLang="en-US" sz="2000" dirty="0"/>
-              <a:t>的话，则用</a:t>
-            </a:r>
-            <a:r>
-              <a:rPr lang="en-US" altLang="zh-CN" sz="2000" dirty="0"/>
-              <a:t>2&gt;</a:t>
-            </a:r>
-            <a:r>
-              <a:rPr lang="zh-CN" altLang="en-US" sz="2000" dirty="0"/>
-              <a:t>。</a:t>
-            </a:r>
-            <a:endParaRPr lang="en-US" altLang="zh-CN" sz="2000" dirty="0"/>
-          </a:p>
-          <a:p>
             <a:endParaRPr lang="en-US" altLang="zh-CN" sz="2000" dirty="0"/>
           </a:p>
           <a:p>
@@ -4716,33 +4643,39 @@
             <a:graphicFrameLocks noGrp="1"/>
           </p:cNvGraphicFramePr>
           <p:nvPr>
-            <p:extLst/>
+            <p:extLst>
+              <p:ext uri="{D42A27DB-BD31-4B8C-83A1-F6EECF244321}">
+                <p14:modId xmlns:p14="http://schemas.microsoft.com/office/powerpoint/2010/main" val="487300174"/>
+              </p:ext>
+            </p:extLst>
           </p:nvPr>
         </p:nvGraphicFramePr>
         <p:xfrm>
-          <a:off x="2289609" y="2711222"/>
-          <a:ext cx="7971991" cy="3950835"/>
+          <a:off x="1090247" y="2306776"/>
+          <a:ext cx="9935309" cy="4269869"/>
         </p:xfrm>
         <a:graphic>
           <a:graphicData uri="http://schemas.openxmlformats.org/drawingml/2006/table">
             <a:tbl>
-              <a:tblPr/>
+              <a:tblPr>
+                <a:tableStyleId>{8799B23B-EC83-4686-B30A-512413B5E67A}</a:tableStyleId>
+              </a:tblPr>
               <a:tblGrid>
-                <a:gridCol w="2059269">
+                <a:gridCol w="2189284">
                   <a:extLst>
                     <a:ext uri="{9D8B030D-6E8A-4147-A177-3AD203B41FA5}">
                       <a16:colId xmlns:a16="http://schemas.microsoft.com/office/drawing/2014/main" val="20000"/>
                     </a:ext>
                   </a:extLst>
                 </a:gridCol>
-                <a:gridCol w="1123384">
+                <a:gridCol w="1266092">
                   <a:extLst>
                     <a:ext uri="{9D8B030D-6E8A-4147-A177-3AD203B41FA5}">
                       <a16:colId xmlns:a16="http://schemas.microsoft.com/office/drawing/2014/main" val="20001"/>
                     </a:ext>
                   </a:extLst>
                 </a:gridCol>
-                <a:gridCol w="4789338">
+                <a:gridCol w="6479933">
                   <a:extLst>
                     <a:ext uri="{9D8B030D-6E8A-4147-A177-3AD203B41FA5}">
                       <a16:colId xmlns:a16="http://schemas.microsoft.com/office/drawing/2014/main" val="20002"/>
@@ -4750,7 +4683,7 @@
                   </a:extLst>
                 </a:gridCol>
               </a:tblGrid>
-              <a:tr h="472002">
+              <a:tr h="510117">
                 <a:tc>
                   <a:txBody>
                     <a:bodyPr/>
@@ -4775,69 +4708,29 @@
                         <a:tabLst/>
                       </a:pPr>
                       <a:r>
-                        <a:rPr kumimoji="0" lang="zh-CN" altLang="en-US" sz="2400" b="1" i="0" u="none" strike="noStrike" cap="none" normalizeH="0" baseline="0" dirty="0">
+                        <a:rPr kumimoji="0" lang="zh-CN" altLang="en-US" sz="2000" u="none" strike="noStrike" cap="none" normalizeH="0" baseline="0" dirty="0">
                           <a:ln>
                             <a:noFill/>
                           </a:ln>
-                          <a:solidFill>
-                            <a:srgbClr val="000000"/>
-                          </a:solidFill>
                           <a:effectLst/>
-                          <a:latin typeface="Arial" pitchFamily="34" charset="0"/>
-                          <a:ea typeface="楷体_GB2312"/>
-                          <a:cs typeface="楷体_GB2312"/>
                         </a:rPr>
                         <a:t>类型</a:t>
                       </a:r>
+                      <a:endParaRPr kumimoji="0" lang="zh-CN" altLang="en-US" sz="2000" b="0" i="0" u="none" strike="noStrike" cap="none" normalizeH="0" baseline="0" dirty="0">
+                        <a:ln>
+                          <a:noFill/>
+                        </a:ln>
+                        <a:solidFill>
+                          <a:srgbClr val="000000"/>
+                        </a:solidFill>
+                        <a:effectLst/>
+                        <a:latin typeface="+mn-lt"/>
+                        <a:ea typeface="楷体_GB2312"/>
+                        <a:cs typeface="楷体_GB2312"/>
+                      </a:endParaRPr>
                     </a:p>
                   </a:txBody>
-                  <a:tcPr marT="45715" marB="45715" horzOverflow="overflow">
-                    <a:lnL w="28575" cap="flat" cmpd="sng" algn="ctr">
-                      <a:solidFill>
-                        <a:srgbClr val="003399"/>
-                      </a:solidFill>
-                      <a:prstDash val="solid"/>
-                      <a:round/>
-                      <a:headEnd type="none" w="med" len="med"/>
-                      <a:tailEnd type="none" w="med" len="med"/>
-                    </a:lnL>
-                    <a:lnR w="12700" cap="flat" cmpd="sng" algn="ctr">
-                      <a:solidFill>
-                        <a:schemeClr val="tx2"/>
-                      </a:solidFill>
-                      <a:prstDash val="solid"/>
-                      <a:round/>
-                      <a:headEnd type="none" w="med" len="med"/>
-                      <a:tailEnd type="none" w="med" len="med"/>
-                    </a:lnR>
-                    <a:lnT w="28575" cap="flat" cmpd="sng" algn="ctr">
-                      <a:solidFill>
-                        <a:srgbClr val="003399"/>
-                      </a:solidFill>
-                      <a:prstDash val="solid"/>
-                      <a:round/>
-                      <a:headEnd type="none" w="med" len="med"/>
-                      <a:tailEnd type="none" w="med" len="med"/>
-                    </a:lnT>
-                    <a:lnB w="12700" cap="flat" cmpd="sng" algn="ctr">
-                      <a:solidFill>
-                        <a:schemeClr val="tx2"/>
-                      </a:solidFill>
-                      <a:prstDash val="solid"/>
-                      <a:round/>
-                      <a:headEnd type="none" w="med" len="med"/>
-                      <a:tailEnd type="none" w="med" len="med"/>
-                    </a:lnB>
-                    <a:lnTlToBr>
-                      <a:noFill/>
-                    </a:lnTlToBr>
-                    <a:lnBlToTr>
-                      <a:noFill/>
-                    </a:lnBlToTr>
-                    <a:solidFill>
-                      <a:srgbClr val="99CCFF"/>
-                    </a:solidFill>
-                  </a:tcPr>
+                  <a:tcPr marT="45715" marB="45715" horzOverflow="overflow"/>
                 </a:tc>
                 <a:tc>
                   <a:txBody>
@@ -4863,69 +4756,29 @@
                         <a:tabLst/>
                       </a:pPr>
                       <a:r>
-                        <a:rPr kumimoji="0" lang="zh-CN" altLang="en-US" sz="2400" b="1" i="0" u="none" strike="noStrike" cap="none" normalizeH="0" baseline="0">
+                        <a:rPr kumimoji="0" lang="zh-CN" altLang="en-US" sz="2000" u="none" strike="noStrike" cap="none" normalizeH="0" baseline="0" dirty="0">
                           <a:ln>
                             <a:noFill/>
                           </a:ln>
-                          <a:solidFill>
-                            <a:srgbClr val="000000"/>
-                          </a:solidFill>
                           <a:effectLst/>
-                          <a:latin typeface="Arial" pitchFamily="34" charset="0"/>
-                          <a:ea typeface="楷体_GB2312"/>
-                          <a:cs typeface="楷体_GB2312"/>
                         </a:rPr>
                         <a:t>操作符</a:t>
                       </a:r>
+                      <a:endParaRPr kumimoji="0" lang="zh-CN" altLang="en-US" sz="2000" b="0" i="0" u="none" strike="noStrike" cap="none" normalizeH="0" baseline="0" dirty="0">
+                        <a:ln>
+                          <a:noFill/>
+                        </a:ln>
+                        <a:solidFill>
+                          <a:srgbClr val="000000"/>
+                        </a:solidFill>
+                        <a:effectLst/>
+                        <a:latin typeface="+mn-lt"/>
+                        <a:ea typeface="楷体_GB2312"/>
+                        <a:cs typeface="楷体_GB2312"/>
+                      </a:endParaRPr>
                     </a:p>
                   </a:txBody>
-                  <a:tcPr marT="45715" marB="45715" horzOverflow="overflow">
-                    <a:lnL w="12700" cap="flat" cmpd="sng" algn="ctr">
-                      <a:solidFill>
-                        <a:schemeClr val="tx2"/>
-                      </a:solidFill>
-                      <a:prstDash val="solid"/>
-                      <a:round/>
-                      <a:headEnd type="none" w="med" len="med"/>
-                      <a:tailEnd type="none" w="med" len="med"/>
-                    </a:lnL>
-                    <a:lnR w="12700" cap="flat" cmpd="sng" algn="ctr">
-                      <a:solidFill>
-                        <a:schemeClr val="tx2"/>
-                      </a:solidFill>
-                      <a:prstDash val="solid"/>
-                      <a:round/>
-                      <a:headEnd type="none" w="med" len="med"/>
-                      <a:tailEnd type="none" w="med" len="med"/>
-                    </a:lnR>
-                    <a:lnT w="28575" cap="flat" cmpd="sng" algn="ctr">
-                      <a:solidFill>
-                        <a:srgbClr val="003399"/>
-                      </a:solidFill>
-                      <a:prstDash val="solid"/>
-                      <a:round/>
-                      <a:headEnd type="none" w="med" len="med"/>
-                      <a:tailEnd type="none" w="med" len="med"/>
-                    </a:lnT>
-                    <a:lnB w="12700" cap="flat" cmpd="sng" algn="ctr">
-                      <a:solidFill>
-                        <a:schemeClr val="tx2"/>
-                      </a:solidFill>
-                      <a:prstDash val="solid"/>
-                      <a:round/>
-                      <a:headEnd type="none" w="med" len="med"/>
-                      <a:tailEnd type="none" w="med" len="med"/>
-                    </a:lnB>
-                    <a:lnTlToBr>
-                      <a:noFill/>
-                    </a:lnTlToBr>
-                    <a:lnBlToTr>
-                      <a:noFill/>
-                    </a:lnBlToTr>
-                    <a:solidFill>
-                      <a:srgbClr val="99CCFF"/>
-                    </a:solidFill>
-                  </a:tcPr>
+                  <a:tcPr marT="45715" marB="45715" horzOverflow="overflow"/>
                 </a:tc>
                 <a:tc>
                   <a:txBody>
@@ -4951,69 +4804,29 @@
                         <a:tabLst/>
                       </a:pPr>
                       <a:r>
-                        <a:rPr kumimoji="0" lang="zh-CN" altLang="en-US" sz="2400" b="1" i="0" u="none" strike="noStrike" cap="none" normalizeH="0" baseline="0" dirty="0">
+                        <a:rPr kumimoji="0" lang="zh-CN" altLang="en-US" sz="2000" u="none" strike="noStrike" cap="none" normalizeH="0" baseline="0" dirty="0">
                           <a:ln>
                             <a:noFill/>
                           </a:ln>
-                          <a:solidFill>
-                            <a:srgbClr val="000000"/>
-                          </a:solidFill>
                           <a:effectLst/>
-                          <a:latin typeface="Arial" pitchFamily="34" charset="0"/>
-                          <a:ea typeface="楷体_GB2312"/>
-                          <a:cs typeface="楷体_GB2312"/>
                         </a:rPr>
                         <a:t>用途</a:t>
                       </a:r>
+                      <a:endParaRPr kumimoji="0" lang="zh-CN" altLang="en-US" sz="2000" b="0" i="0" u="none" strike="noStrike" cap="none" normalizeH="0" baseline="0" dirty="0">
+                        <a:ln>
+                          <a:noFill/>
+                        </a:ln>
+                        <a:solidFill>
+                          <a:srgbClr val="000000"/>
+                        </a:solidFill>
+                        <a:effectLst/>
+                        <a:latin typeface="+mn-lt"/>
+                        <a:ea typeface="楷体_GB2312"/>
+                        <a:cs typeface="楷体_GB2312"/>
+                      </a:endParaRPr>
                     </a:p>
                   </a:txBody>
-                  <a:tcPr marT="45715" marB="45715" horzOverflow="overflow">
-                    <a:lnL w="12700" cap="flat" cmpd="sng" algn="ctr">
-                      <a:solidFill>
-                        <a:schemeClr val="tx2"/>
-                      </a:solidFill>
-                      <a:prstDash val="solid"/>
-                      <a:round/>
-                      <a:headEnd type="none" w="med" len="med"/>
-                      <a:tailEnd type="none" w="med" len="med"/>
-                    </a:lnL>
-                    <a:lnR w="28575" cap="flat" cmpd="sng" algn="ctr">
-                      <a:solidFill>
-                        <a:srgbClr val="003399"/>
-                      </a:solidFill>
-                      <a:prstDash val="solid"/>
-                      <a:round/>
-                      <a:headEnd type="none" w="med" len="med"/>
-                      <a:tailEnd type="none" w="med" len="med"/>
-                    </a:lnR>
-                    <a:lnT w="28575" cap="flat" cmpd="sng" algn="ctr">
-                      <a:solidFill>
-                        <a:srgbClr val="003399"/>
-                      </a:solidFill>
-                      <a:prstDash val="solid"/>
-                      <a:round/>
-                      <a:headEnd type="none" w="med" len="med"/>
-                      <a:tailEnd type="none" w="med" len="med"/>
-                    </a:lnT>
-                    <a:lnB w="12700" cap="flat" cmpd="sng" algn="ctr">
-                      <a:solidFill>
-                        <a:schemeClr val="tx2"/>
-                      </a:solidFill>
-                      <a:prstDash val="solid"/>
-                      <a:round/>
-                      <a:headEnd type="none" w="med" len="med"/>
-                      <a:tailEnd type="none" w="med" len="med"/>
-                    </a:lnB>
-                    <a:lnTlToBr>
-                      <a:noFill/>
-                    </a:lnTlToBr>
-                    <a:lnBlToTr>
-                      <a:noFill/>
-                    </a:lnBlToTr>
-                    <a:solidFill>
-                      <a:srgbClr val="99CCFF"/>
-                    </a:solidFill>
-                  </a:tcPr>
+                  <a:tcPr marT="45715" marB="45715" horzOverflow="overflow"/>
                 </a:tc>
                 <a:extLst>
                   <a:ext uri="{0D108BD9-81ED-4DB2-BD59-A6C34878D82A}">
@@ -5021,7 +4834,7 @@
                   </a:ext>
                 </a:extLst>
               </a:tr>
-              <a:tr h="673415">
+              <a:tr h="727794">
                 <a:tc>
                   <a:txBody>
                     <a:bodyPr/>
@@ -5046,67 +4859,29 @@
                         <a:tabLst/>
                       </a:pPr>
                       <a:r>
-                        <a:rPr kumimoji="0" lang="zh-CN" altLang="en-US" sz="1800" b="1" i="0" u="none" strike="noStrike" cap="none" normalizeH="0" baseline="0" dirty="0">
+                        <a:rPr kumimoji="0" lang="zh-CN" altLang="en-US" sz="1800" u="none" strike="noStrike" cap="none" normalizeH="0" baseline="0" dirty="0">
                           <a:ln>
                             <a:noFill/>
                           </a:ln>
-                          <a:solidFill>
-                            <a:srgbClr val="000000"/>
-                          </a:solidFill>
                           <a:effectLst/>
-                          <a:latin typeface="Arial" pitchFamily="34" charset="0"/>
-                          <a:ea typeface="楷体_GB2312"/>
-                          <a:cs typeface="楷体_GB2312"/>
                         </a:rPr>
                         <a:t>重定向标准输入</a:t>
                       </a:r>
+                      <a:endParaRPr kumimoji="0" lang="zh-CN" altLang="en-US" sz="1800" b="0" i="0" u="none" strike="noStrike" cap="none" normalizeH="0" baseline="0" dirty="0">
+                        <a:ln>
+                          <a:noFill/>
+                        </a:ln>
+                        <a:solidFill>
+                          <a:srgbClr val="000000"/>
+                        </a:solidFill>
+                        <a:effectLst/>
+                        <a:latin typeface="+mn-lt"/>
+                        <a:ea typeface="楷体_GB2312"/>
+                        <a:cs typeface="楷体_GB2312"/>
+                      </a:endParaRPr>
                     </a:p>
                   </a:txBody>
-                  <a:tcPr marL="90000" marR="90000" marT="46794" marB="46794" anchor="ctr" horzOverflow="overflow">
-                    <a:lnL w="28575" cap="flat" cmpd="sng" algn="ctr">
-                      <a:solidFill>
-                        <a:srgbClr val="003399"/>
-                      </a:solidFill>
-                      <a:prstDash val="solid"/>
-                      <a:round/>
-                      <a:headEnd type="none" w="med" len="med"/>
-                      <a:tailEnd type="none" w="med" len="med"/>
-                    </a:lnL>
-                    <a:lnR w="12700" cap="flat" cmpd="sng" algn="ctr">
-                      <a:solidFill>
-                        <a:schemeClr val="tx2"/>
-                      </a:solidFill>
-                      <a:prstDash val="solid"/>
-                      <a:round/>
-                      <a:headEnd type="none" w="med" len="med"/>
-                      <a:tailEnd type="none" w="med" len="med"/>
-                    </a:lnR>
-                    <a:lnT w="12700" cap="flat" cmpd="sng" algn="ctr">
-                      <a:solidFill>
-                        <a:schemeClr val="tx2"/>
-                      </a:solidFill>
-                      <a:prstDash val="solid"/>
-                      <a:round/>
-                      <a:headEnd type="none" w="med" len="med"/>
-                      <a:tailEnd type="none" w="med" len="med"/>
-                    </a:lnT>
-                    <a:lnB w="12700" cap="flat" cmpd="sng" algn="ctr">
-                      <a:solidFill>
-                        <a:schemeClr val="tx2"/>
-                      </a:solidFill>
-                      <a:prstDash val="solid"/>
-                      <a:round/>
-                      <a:headEnd type="none" w="med" len="med"/>
-                      <a:tailEnd type="none" w="med" len="med"/>
-                    </a:lnB>
-                    <a:lnTlToBr>
-                      <a:noFill/>
-                    </a:lnTlToBr>
-                    <a:lnBlToTr>
-                      <a:noFill/>
-                    </a:lnBlToTr>
-                    <a:noFill/>
-                  </a:tcPr>
+                  <a:tcPr marL="90000" marR="90000" marT="46794" marB="46794" anchor="ctr" horzOverflow="overflow"/>
                 </a:tc>
                 <a:tc>
                   <a:txBody>
@@ -5132,67 +4907,29 @@
                         <a:tabLst/>
                       </a:pPr>
                       <a:r>
-                        <a:rPr kumimoji="0" lang="en-US" altLang="zh-CN" sz="1800" b="1" i="0" u="none" strike="noStrike" cap="none" normalizeH="0" baseline="0" dirty="0">
+                        <a:rPr kumimoji="0" lang="en-US" altLang="zh-CN" sz="1800" u="none" strike="noStrike" cap="none" normalizeH="0" baseline="0" dirty="0">
                           <a:ln>
                             <a:noFill/>
                           </a:ln>
-                          <a:solidFill>
-                            <a:srgbClr val="FF3300"/>
-                          </a:solidFill>
                           <a:effectLst/>
-                          <a:latin typeface="Arial" pitchFamily="34" charset="0"/>
-                          <a:ea typeface="楷体_GB2312"/>
-                          <a:cs typeface="楷体_GB2312"/>
                         </a:rPr>
                         <a:t>&lt;</a:t>
                       </a:r>
+                      <a:endParaRPr kumimoji="0" lang="en-US" altLang="zh-CN" sz="1800" b="0" i="0" u="none" strike="noStrike" cap="none" normalizeH="0" baseline="0" dirty="0">
+                        <a:ln>
+                          <a:noFill/>
+                        </a:ln>
+                        <a:solidFill>
+                          <a:srgbClr val="FF3300"/>
+                        </a:solidFill>
+                        <a:effectLst/>
+                        <a:latin typeface="+mn-lt"/>
+                        <a:ea typeface="楷体_GB2312"/>
+                        <a:cs typeface="楷体_GB2312"/>
+                      </a:endParaRPr>
                     </a:p>
                   </a:txBody>
-                  <a:tcPr marL="90000" marR="90000" marT="46794" marB="46794" anchor="ctr" anchorCtr="1" horzOverflow="overflow">
-                    <a:lnL w="12700" cap="flat" cmpd="sng" algn="ctr">
-                      <a:solidFill>
-                        <a:schemeClr val="tx2"/>
-                      </a:solidFill>
-                      <a:prstDash val="solid"/>
-                      <a:round/>
-                      <a:headEnd type="none" w="med" len="med"/>
-                      <a:tailEnd type="none" w="med" len="med"/>
-                    </a:lnL>
-                    <a:lnR w="12700" cap="flat" cmpd="sng" algn="ctr">
-                      <a:solidFill>
-                        <a:schemeClr val="tx2"/>
-                      </a:solidFill>
-                      <a:prstDash val="solid"/>
-                      <a:round/>
-                      <a:headEnd type="none" w="med" len="med"/>
-                      <a:tailEnd type="none" w="med" len="med"/>
-                    </a:lnR>
-                    <a:lnT w="12700" cap="flat" cmpd="sng" algn="ctr">
-                      <a:solidFill>
-                        <a:schemeClr val="tx2"/>
-                      </a:solidFill>
-                      <a:prstDash val="solid"/>
-                      <a:round/>
-                      <a:headEnd type="none" w="med" len="med"/>
-                      <a:tailEnd type="none" w="med" len="med"/>
-                    </a:lnT>
-                    <a:lnB w="12700" cap="flat" cmpd="sng" algn="ctr">
-                      <a:solidFill>
-                        <a:schemeClr val="tx2"/>
-                      </a:solidFill>
-                      <a:prstDash val="solid"/>
-                      <a:round/>
-                      <a:headEnd type="none" w="med" len="med"/>
-                      <a:tailEnd type="none" w="med" len="med"/>
-                    </a:lnB>
-                    <a:lnTlToBr>
-                      <a:noFill/>
-                    </a:lnTlToBr>
-                    <a:lnBlToTr>
-                      <a:noFill/>
-                    </a:lnBlToTr>
-                    <a:noFill/>
-                  </a:tcPr>
+                  <a:tcPr marL="90000" marR="90000" marT="46794" marB="46794" anchor="ctr" anchorCtr="1" horzOverflow="overflow"/>
                 </a:tc>
                 <a:tc>
                   <a:txBody>
@@ -5218,67 +4955,29 @@
                         <a:tabLst/>
                       </a:pPr>
                       <a:r>
-                        <a:rPr kumimoji="0" lang="zh-CN" altLang="en-US" sz="1800" b="1" i="0" u="none" strike="noStrike" cap="none" normalizeH="0" baseline="0" dirty="0">
+                        <a:rPr kumimoji="0" lang="zh-CN" altLang="en-US" sz="1800" u="none" strike="noStrike" cap="none" normalizeH="0" baseline="0" dirty="0">
                           <a:ln>
                             <a:noFill/>
                           </a:ln>
-                          <a:solidFill>
-                            <a:srgbClr val="000000"/>
-                          </a:solidFill>
                           <a:effectLst/>
-                          <a:latin typeface="Arial" pitchFamily="34" charset="0"/>
-                          <a:ea typeface="楷体_GB2312"/>
-                          <a:cs typeface="楷体_GB2312"/>
                         </a:rPr>
                         <a:t>将命令中接收输入的途径由默认的键盘更改为指定的文件 </a:t>
                       </a:r>
+                      <a:endParaRPr kumimoji="0" lang="zh-CN" altLang="en-US" sz="1800" b="0" i="0" u="none" strike="noStrike" cap="none" normalizeH="0" baseline="0" dirty="0">
+                        <a:ln>
+                          <a:noFill/>
+                        </a:ln>
+                        <a:solidFill>
+                          <a:srgbClr val="000000"/>
+                        </a:solidFill>
+                        <a:effectLst/>
+                        <a:latin typeface="+mn-lt"/>
+                        <a:ea typeface="楷体_GB2312"/>
+                        <a:cs typeface="楷体_GB2312"/>
+                      </a:endParaRPr>
                     </a:p>
                   </a:txBody>
-                  <a:tcPr marL="90000" marR="90000" marT="46794" marB="46794" anchor="ctr" horzOverflow="overflow">
-                    <a:lnL w="12700" cap="flat" cmpd="sng" algn="ctr">
-                      <a:solidFill>
-                        <a:schemeClr val="tx2"/>
-                      </a:solidFill>
-                      <a:prstDash val="solid"/>
-                      <a:round/>
-                      <a:headEnd type="none" w="med" len="med"/>
-                      <a:tailEnd type="none" w="med" len="med"/>
-                    </a:lnL>
-                    <a:lnR w="28575" cap="flat" cmpd="sng" algn="ctr">
-                      <a:solidFill>
-                        <a:srgbClr val="003399"/>
-                      </a:solidFill>
-                      <a:prstDash val="solid"/>
-                      <a:round/>
-                      <a:headEnd type="none" w="med" len="med"/>
-                      <a:tailEnd type="none" w="med" len="med"/>
-                    </a:lnR>
-                    <a:lnT w="12700" cap="flat" cmpd="sng" algn="ctr">
-                      <a:solidFill>
-                        <a:schemeClr val="tx2"/>
-                      </a:solidFill>
-                      <a:prstDash val="solid"/>
-                      <a:round/>
-                      <a:headEnd type="none" w="med" len="med"/>
-                      <a:tailEnd type="none" w="med" len="med"/>
-                    </a:lnT>
-                    <a:lnB w="12700" cap="flat" cmpd="sng" algn="ctr">
-                      <a:solidFill>
-                        <a:schemeClr val="tx2"/>
-                      </a:solidFill>
-                      <a:prstDash val="solid"/>
-                      <a:round/>
-                      <a:headEnd type="none" w="med" len="med"/>
-                      <a:tailEnd type="none" w="med" len="med"/>
-                    </a:lnB>
-                    <a:lnTlToBr>
-                      <a:noFill/>
-                    </a:lnTlToBr>
-                    <a:lnBlToTr>
-                      <a:noFill/>
-                    </a:lnBlToTr>
-                    <a:noFill/>
-                  </a:tcPr>
+                  <a:tcPr marL="90000" marR="90000" marT="46794" marB="46794" anchor="ctr" horzOverflow="overflow"/>
                 </a:tc>
                 <a:extLst>
                   <a:ext uri="{0D108BD9-81ED-4DB2-BD59-A6C34878D82A}">
@@ -5286,7 +4985,7 @@
                   </a:ext>
                 </a:extLst>
               </a:tr>
-              <a:tr h="663042">
+              <a:tr h="716583">
                 <a:tc rowSpan="2">
                   <a:txBody>
                     <a:bodyPr/>
@@ -5311,67 +5010,29 @@
                         <a:tabLst/>
                       </a:pPr>
                       <a:r>
-                        <a:rPr kumimoji="0" lang="zh-CN" altLang="en-US" sz="1800" b="1" i="0" u="none" strike="noStrike" cap="none" normalizeH="0" baseline="0">
+                        <a:rPr kumimoji="0" lang="zh-CN" altLang="en-US" sz="1800" u="none" strike="noStrike" cap="none" normalizeH="0" baseline="0" dirty="0">
                           <a:ln>
                             <a:noFill/>
                           </a:ln>
-                          <a:solidFill>
-                            <a:srgbClr val="000000"/>
-                          </a:solidFill>
                           <a:effectLst/>
-                          <a:latin typeface="Arial" pitchFamily="34" charset="0"/>
-                          <a:ea typeface="楷体_GB2312"/>
-                          <a:cs typeface="楷体_GB2312"/>
                         </a:rPr>
                         <a:t>重定向标准输出</a:t>
                       </a:r>
+                      <a:endParaRPr kumimoji="0" lang="zh-CN" altLang="en-US" sz="1800" b="0" i="0" u="none" strike="noStrike" cap="none" normalizeH="0" baseline="0" dirty="0">
+                        <a:ln>
+                          <a:noFill/>
+                        </a:ln>
+                        <a:solidFill>
+                          <a:srgbClr val="000000"/>
+                        </a:solidFill>
+                        <a:effectLst/>
+                        <a:latin typeface="+mn-lt"/>
+                        <a:ea typeface="楷体_GB2312"/>
+                        <a:cs typeface="楷体_GB2312"/>
+                      </a:endParaRPr>
                     </a:p>
                   </a:txBody>
-                  <a:tcPr marL="90000" marR="90000" marT="46794" marB="46794" anchor="ctr" horzOverflow="overflow">
-                    <a:lnL w="28575" cap="flat" cmpd="sng" algn="ctr">
-                      <a:solidFill>
-                        <a:srgbClr val="003399"/>
-                      </a:solidFill>
-                      <a:prstDash val="solid"/>
-                      <a:round/>
-                      <a:headEnd type="none" w="med" len="med"/>
-                      <a:tailEnd type="none" w="med" len="med"/>
-                    </a:lnL>
-                    <a:lnR w="12700" cap="flat" cmpd="sng" algn="ctr">
-                      <a:solidFill>
-                        <a:schemeClr val="tx2"/>
-                      </a:solidFill>
-                      <a:prstDash val="solid"/>
-                      <a:round/>
-                      <a:headEnd type="none" w="med" len="med"/>
-                      <a:tailEnd type="none" w="med" len="med"/>
-                    </a:lnR>
-                    <a:lnT w="12700" cap="flat" cmpd="sng" algn="ctr">
-                      <a:solidFill>
-                        <a:schemeClr val="tx2"/>
-                      </a:solidFill>
-                      <a:prstDash val="solid"/>
-                      <a:round/>
-                      <a:headEnd type="none" w="med" len="med"/>
-                      <a:tailEnd type="none" w="med" len="med"/>
-                    </a:lnT>
-                    <a:lnB w="12700" cap="flat" cmpd="sng" algn="ctr">
-                      <a:solidFill>
-                        <a:schemeClr val="tx2"/>
-                      </a:solidFill>
-                      <a:prstDash val="solid"/>
-                      <a:round/>
-                      <a:headEnd type="none" w="med" len="med"/>
-                      <a:tailEnd type="none" w="med" len="med"/>
-                    </a:lnB>
-                    <a:lnTlToBr>
-                      <a:noFill/>
-                    </a:lnTlToBr>
-                    <a:lnBlToTr>
-                      <a:noFill/>
-                    </a:lnBlToTr>
-                    <a:noFill/>
-                  </a:tcPr>
+                  <a:tcPr marL="90000" marR="90000" marT="46794" marB="46794" anchor="ctr" horzOverflow="overflow"/>
                 </a:tc>
                 <a:tc>
                   <a:txBody>
@@ -5397,67 +5058,29 @@
                         <a:tabLst/>
                       </a:pPr>
                       <a:r>
-                        <a:rPr kumimoji="0" lang="en-US" altLang="zh-CN" sz="1800" b="1" i="0" u="none" strike="noStrike" cap="none" normalizeH="0" baseline="0" dirty="0">
+                        <a:rPr kumimoji="0" lang="en-US" altLang="zh-CN" sz="1800" u="none" strike="noStrike" cap="none" normalizeH="0" baseline="0" dirty="0">
                           <a:ln>
                             <a:noFill/>
                           </a:ln>
-                          <a:solidFill>
-                            <a:srgbClr val="FF3300"/>
-                          </a:solidFill>
                           <a:effectLst/>
-                          <a:latin typeface="Arial" pitchFamily="34" charset="0"/>
-                          <a:ea typeface="楷体_GB2312"/>
-                          <a:cs typeface="楷体_GB2312"/>
                         </a:rPr>
                         <a:t>&gt;</a:t>
                       </a:r>
+                      <a:endParaRPr kumimoji="0" lang="en-US" altLang="zh-CN" sz="1800" b="0" i="0" u="none" strike="noStrike" cap="none" normalizeH="0" baseline="0" dirty="0">
+                        <a:ln>
+                          <a:noFill/>
+                        </a:ln>
+                        <a:solidFill>
+                          <a:srgbClr val="FF3300"/>
+                        </a:solidFill>
+                        <a:effectLst/>
+                        <a:latin typeface="+mn-lt"/>
+                        <a:ea typeface="楷体_GB2312"/>
+                        <a:cs typeface="楷体_GB2312"/>
+                      </a:endParaRPr>
                     </a:p>
                   </a:txBody>
-                  <a:tcPr marL="90000" marR="90000" marT="46794" marB="46794" anchor="ctr" anchorCtr="1" horzOverflow="overflow">
-                    <a:lnL w="12700" cap="flat" cmpd="sng" algn="ctr">
-                      <a:solidFill>
-                        <a:schemeClr val="tx2"/>
-                      </a:solidFill>
-                      <a:prstDash val="solid"/>
-                      <a:round/>
-                      <a:headEnd type="none" w="med" len="med"/>
-                      <a:tailEnd type="none" w="med" len="med"/>
-                    </a:lnL>
-                    <a:lnR w="12700" cap="flat" cmpd="sng" algn="ctr">
-                      <a:solidFill>
-                        <a:schemeClr val="tx2"/>
-                      </a:solidFill>
-                      <a:prstDash val="solid"/>
-                      <a:round/>
-                      <a:headEnd type="none" w="med" len="med"/>
-                      <a:tailEnd type="none" w="med" len="med"/>
-                    </a:lnR>
-                    <a:lnT w="12700" cap="flat" cmpd="sng" algn="ctr">
-                      <a:solidFill>
-                        <a:schemeClr val="tx2"/>
-                      </a:solidFill>
-                      <a:prstDash val="solid"/>
-                      <a:round/>
-                      <a:headEnd type="none" w="med" len="med"/>
-                      <a:tailEnd type="none" w="med" len="med"/>
-                    </a:lnT>
-                    <a:lnB w="12700" cap="flat" cmpd="sng" algn="ctr">
-                      <a:solidFill>
-                        <a:schemeClr val="tx2"/>
-                      </a:solidFill>
-                      <a:prstDash val="solid"/>
-                      <a:round/>
-                      <a:headEnd type="none" w="med" len="med"/>
-                      <a:tailEnd type="none" w="med" len="med"/>
-                    </a:lnB>
-                    <a:lnTlToBr>
-                      <a:noFill/>
-                    </a:lnTlToBr>
-                    <a:lnBlToTr>
-                      <a:noFill/>
-                    </a:lnBlToTr>
-                    <a:noFill/>
-                  </a:tcPr>
+                  <a:tcPr marL="90000" marR="90000" marT="46794" marB="46794" anchor="ctr" anchorCtr="1" horzOverflow="overflow"/>
                 </a:tc>
                 <a:tc>
                   <a:txBody>
@@ -5483,67 +5106,29 @@
                         <a:tabLst/>
                       </a:pPr>
                       <a:r>
-                        <a:rPr kumimoji="0" lang="zh-CN" altLang="en-US" sz="1800" b="1" i="0" u="none" strike="noStrike" cap="none" normalizeH="0" baseline="0" dirty="0">
+                        <a:rPr kumimoji="0" lang="zh-CN" altLang="en-US" sz="1800" u="none" strike="noStrike" cap="none" normalizeH="0" baseline="0" dirty="0">
                           <a:ln>
                             <a:noFill/>
                           </a:ln>
-                          <a:solidFill>
-                            <a:srgbClr val="000000"/>
-                          </a:solidFill>
                           <a:effectLst/>
-                          <a:latin typeface="Arial" pitchFamily="34" charset="0"/>
-                          <a:ea typeface="楷体_GB2312"/>
-                          <a:cs typeface="楷体_GB2312"/>
                         </a:rPr>
                         <a:t>以替换的方式将命令的执行结果输出到指定的文件，而不是直接显示在屏幕上 </a:t>
                       </a:r>
+                      <a:endParaRPr kumimoji="0" lang="zh-CN" altLang="en-US" sz="1800" b="0" i="0" u="none" strike="noStrike" cap="none" normalizeH="0" baseline="0" dirty="0">
+                        <a:ln>
+                          <a:noFill/>
+                        </a:ln>
+                        <a:solidFill>
+                          <a:srgbClr val="000000"/>
+                        </a:solidFill>
+                        <a:effectLst/>
+                        <a:latin typeface="+mn-lt"/>
+                        <a:ea typeface="楷体_GB2312"/>
+                        <a:cs typeface="楷体_GB2312"/>
+                      </a:endParaRPr>
                     </a:p>
                   </a:txBody>
-                  <a:tcPr marL="90000" marR="90000" marT="46794" marB="46794" anchor="ctr" horzOverflow="overflow">
-                    <a:lnL w="12700" cap="flat" cmpd="sng" algn="ctr">
-                      <a:solidFill>
-                        <a:schemeClr val="tx2"/>
-                      </a:solidFill>
-                      <a:prstDash val="solid"/>
-                      <a:round/>
-                      <a:headEnd type="none" w="med" len="med"/>
-                      <a:tailEnd type="none" w="med" len="med"/>
-                    </a:lnL>
-                    <a:lnR w="28575" cap="flat" cmpd="sng" algn="ctr">
-                      <a:solidFill>
-                        <a:srgbClr val="003399"/>
-                      </a:solidFill>
-                      <a:prstDash val="solid"/>
-                      <a:round/>
-                      <a:headEnd type="none" w="med" len="med"/>
-                      <a:tailEnd type="none" w="med" len="med"/>
-                    </a:lnR>
-                    <a:lnT w="12700" cap="flat" cmpd="sng" algn="ctr">
-                      <a:solidFill>
-                        <a:schemeClr val="tx2"/>
-                      </a:solidFill>
-                      <a:prstDash val="solid"/>
-                      <a:round/>
-                      <a:headEnd type="none" w="med" len="med"/>
-                      <a:tailEnd type="none" w="med" len="med"/>
-                    </a:lnT>
-                    <a:lnB w="12700" cap="flat" cmpd="sng" algn="ctr">
-                      <a:solidFill>
-                        <a:schemeClr val="tx2"/>
-                      </a:solidFill>
-                      <a:prstDash val="solid"/>
-                      <a:round/>
-                      <a:headEnd type="none" w="med" len="med"/>
-                      <a:tailEnd type="none" w="med" len="med"/>
-                    </a:lnB>
-                    <a:lnTlToBr>
-                      <a:noFill/>
-                    </a:lnTlToBr>
-                    <a:lnBlToTr>
-                      <a:noFill/>
-                    </a:lnBlToTr>
-                    <a:noFill/>
-                  </a:tcPr>
+                  <a:tcPr marL="90000" marR="90000" marT="46794" marB="46794" anchor="ctr" horzOverflow="overflow"/>
                 </a:tc>
                 <a:extLst>
                   <a:ext uri="{0D108BD9-81ED-4DB2-BD59-A6C34878D82A}">
@@ -5551,7 +5136,7 @@
                   </a:ext>
                 </a:extLst>
               </a:tr>
-              <a:tr h="379824">
+              <a:tr h="410495">
                 <a:tc vMerge="1">
                   <a:txBody>
                     <a:bodyPr/>
@@ -5586,67 +5171,29 @@
                         <a:tabLst/>
                       </a:pPr>
                       <a:r>
-                        <a:rPr kumimoji="0" lang="en-US" altLang="zh-CN" sz="1800" b="1" i="0" u="none" strike="noStrike" cap="none" normalizeH="0" baseline="0">
+                        <a:rPr kumimoji="0" lang="en-US" altLang="zh-CN" sz="1800" u="none" strike="noStrike" cap="none" normalizeH="0" baseline="0" dirty="0">
                           <a:ln>
                             <a:noFill/>
                           </a:ln>
-                          <a:solidFill>
-                            <a:srgbClr val="FF3300"/>
-                          </a:solidFill>
                           <a:effectLst/>
-                          <a:latin typeface="Arial" pitchFamily="34" charset="0"/>
-                          <a:ea typeface="楷体_GB2312"/>
-                          <a:cs typeface="楷体_GB2312"/>
                         </a:rPr>
                         <a:t>&gt;&gt;</a:t>
                       </a:r>
+                      <a:endParaRPr kumimoji="0" lang="en-US" altLang="zh-CN" sz="1800" b="0" i="0" u="none" strike="noStrike" cap="none" normalizeH="0" baseline="0" dirty="0">
+                        <a:ln>
+                          <a:noFill/>
+                        </a:ln>
+                        <a:solidFill>
+                          <a:srgbClr val="FF3300"/>
+                        </a:solidFill>
+                        <a:effectLst/>
+                        <a:latin typeface="+mn-lt"/>
+                        <a:ea typeface="楷体_GB2312"/>
+                        <a:cs typeface="楷体_GB2312"/>
+                      </a:endParaRPr>
                     </a:p>
                   </a:txBody>
-                  <a:tcPr marL="90000" marR="90000" marT="46794" marB="46794" anchor="ctr" anchorCtr="1" horzOverflow="overflow">
-                    <a:lnL w="12700" cap="flat" cmpd="sng" algn="ctr">
-                      <a:solidFill>
-                        <a:schemeClr val="tx2"/>
-                      </a:solidFill>
-                      <a:prstDash val="solid"/>
-                      <a:round/>
-                      <a:headEnd type="none" w="med" len="med"/>
-                      <a:tailEnd type="none" w="med" len="med"/>
-                    </a:lnL>
-                    <a:lnR w="12700" cap="flat" cmpd="sng" algn="ctr">
-                      <a:solidFill>
-                        <a:schemeClr val="tx2"/>
-                      </a:solidFill>
-                      <a:prstDash val="solid"/>
-                      <a:round/>
-                      <a:headEnd type="none" w="med" len="med"/>
-                      <a:tailEnd type="none" w="med" len="med"/>
-                    </a:lnR>
-                    <a:lnT w="12700" cap="flat" cmpd="sng" algn="ctr">
-                      <a:solidFill>
-                        <a:schemeClr val="tx2"/>
-                      </a:solidFill>
-                      <a:prstDash val="solid"/>
-                      <a:round/>
-                      <a:headEnd type="none" w="med" len="med"/>
-                      <a:tailEnd type="none" w="med" len="med"/>
-                    </a:lnT>
-                    <a:lnB w="12700" cap="flat" cmpd="sng" algn="ctr">
-                      <a:solidFill>
-                        <a:schemeClr val="tx2"/>
-                      </a:solidFill>
-                      <a:prstDash val="solid"/>
-                      <a:round/>
-                      <a:headEnd type="none" w="med" len="med"/>
-                      <a:tailEnd type="none" w="med" len="med"/>
-                    </a:lnB>
-                    <a:lnTlToBr>
-                      <a:noFill/>
-                    </a:lnTlToBr>
-                    <a:lnBlToTr>
-                      <a:noFill/>
-                    </a:lnBlToTr>
-                    <a:noFill/>
-                  </a:tcPr>
+                  <a:tcPr marL="90000" marR="90000" marT="46794" marB="46794" anchor="ctr" anchorCtr="1" horzOverflow="overflow"/>
                 </a:tc>
                 <a:tc>
                   <a:txBody>
@@ -5672,67 +5219,29 @@
                         <a:tabLst/>
                       </a:pPr>
                       <a:r>
-                        <a:rPr kumimoji="0" lang="zh-CN" altLang="en-US" sz="1800" b="1" i="0" u="none" strike="noStrike" cap="none" normalizeH="0" baseline="0" dirty="0">
+                        <a:rPr kumimoji="0" lang="zh-CN" altLang="en-US" sz="1800" u="none" strike="noStrike" cap="none" normalizeH="0" baseline="0" dirty="0">
                           <a:ln>
                             <a:noFill/>
                           </a:ln>
-                          <a:solidFill>
-                            <a:srgbClr val="000000"/>
-                          </a:solidFill>
                           <a:effectLst/>
-                          <a:latin typeface="Arial" pitchFamily="34" charset="0"/>
-                          <a:ea typeface="楷体_GB2312"/>
-                          <a:cs typeface="楷体_GB2312"/>
                         </a:rPr>
                         <a:t>将命令执行的结果追加输出到指定文件 </a:t>
                       </a:r>
+                      <a:endParaRPr kumimoji="0" lang="zh-CN" altLang="en-US" sz="1800" b="0" i="0" u="none" strike="noStrike" cap="none" normalizeH="0" baseline="0" dirty="0">
+                        <a:ln>
+                          <a:noFill/>
+                        </a:ln>
+                        <a:solidFill>
+                          <a:srgbClr val="000000"/>
+                        </a:solidFill>
+                        <a:effectLst/>
+                        <a:latin typeface="+mn-lt"/>
+                        <a:ea typeface="楷体_GB2312"/>
+                        <a:cs typeface="楷体_GB2312"/>
+                      </a:endParaRPr>
                     </a:p>
                   </a:txBody>
-                  <a:tcPr marL="90000" marR="90000" marT="46794" marB="46794" anchor="ctr" horzOverflow="overflow">
-                    <a:lnL w="12700" cap="flat" cmpd="sng" algn="ctr">
-                      <a:solidFill>
-                        <a:schemeClr val="tx2"/>
-                      </a:solidFill>
-                      <a:prstDash val="solid"/>
-                      <a:round/>
-                      <a:headEnd type="none" w="med" len="med"/>
-                      <a:tailEnd type="none" w="med" len="med"/>
-                    </a:lnL>
-                    <a:lnR w="28575" cap="flat" cmpd="sng" algn="ctr">
-                      <a:solidFill>
-                        <a:srgbClr val="003399"/>
-                      </a:solidFill>
-                      <a:prstDash val="solid"/>
-                      <a:round/>
-                      <a:headEnd type="none" w="med" len="med"/>
-                      <a:tailEnd type="none" w="med" len="med"/>
-                    </a:lnR>
-                    <a:lnT w="12700" cap="flat" cmpd="sng" algn="ctr">
-                      <a:solidFill>
-                        <a:schemeClr val="tx2"/>
-                      </a:solidFill>
-                      <a:prstDash val="solid"/>
-                      <a:round/>
-                      <a:headEnd type="none" w="med" len="med"/>
-                      <a:tailEnd type="none" w="med" len="med"/>
-                    </a:lnT>
-                    <a:lnB w="12700" cap="flat" cmpd="sng" algn="ctr">
-                      <a:solidFill>
-                        <a:schemeClr val="tx2"/>
-                      </a:solidFill>
-                      <a:prstDash val="solid"/>
-                      <a:round/>
-                      <a:headEnd type="none" w="med" len="med"/>
-                      <a:tailEnd type="none" w="med" len="med"/>
-                    </a:lnB>
-                    <a:lnTlToBr>
-                      <a:noFill/>
-                    </a:lnTlToBr>
-                    <a:lnBlToTr>
-                      <a:noFill/>
-                    </a:lnBlToTr>
-                    <a:noFill/>
-                  </a:tcPr>
+                  <a:tcPr marL="90000" marR="90000" marT="46794" marB="46794" anchor="ctr" horzOverflow="overflow"/>
                 </a:tc>
                 <a:extLst>
                   <a:ext uri="{0D108BD9-81ED-4DB2-BD59-A6C34878D82A}">
@@ -5740,7 +5249,7 @@
                   </a:ext>
                 </a:extLst>
               </a:tr>
-              <a:tr h="663042">
+              <a:tr h="716583">
                 <a:tc rowSpan="2">
                   <a:txBody>
                     <a:bodyPr/>
@@ -5765,67 +5274,29 @@
                         <a:tabLst/>
                       </a:pPr>
                       <a:r>
-                        <a:rPr kumimoji="0" lang="zh-CN" altLang="en-US" sz="1800" b="1" i="0" u="none" strike="noStrike" cap="none" normalizeH="0" baseline="0">
+                        <a:rPr kumimoji="0" lang="zh-CN" altLang="en-US" sz="1800" u="none" strike="noStrike" cap="none" normalizeH="0" baseline="0" dirty="0">
                           <a:ln>
                             <a:noFill/>
                           </a:ln>
-                          <a:solidFill>
-                            <a:srgbClr val="000000"/>
-                          </a:solidFill>
                           <a:effectLst/>
-                          <a:latin typeface="Arial" pitchFamily="34" charset="0"/>
-                          <a:ea typeface="楷体_GB2312"/>
-                          <a:cs typeface="楷体_GB2312"/>
                         </a:rPr>
                         <a:t>重定向标准错误</a:t>
                       </a:r>
+                      <a:endParaRPr kumimoji="0" lang="zh-CN" altLang="en-US" sz="1800" b="0" i="0" u="none" strike="noStrike" cap="none" normalizeH="0" baseline="0" dirty="0">
+                        <a:ln>
+                          <a:noFill/>
+                        </a:ln>
+                        <a:solidFill>
+                          <a:srgbClr val="000000"/>
+                        </a:solidFill>
+                        <a:effectLst/>
+                        <a:latin typeface="+mn-lt"/>
+                        <a:ea typeface="楷体_GB2312"/>
+                        <a:cs typeface="楷体_GB2312"/>
+                      </a:endParaRPr>
                     </a:p>
                   </a:txBody>
-                  <a:tcPr marL="90000" marR="90000" marT="46794" marB="46794" anchor="ctr" horzOverflow="overflow">
-                    <a:lnL w="28575" cap="flat" cmpd="sng" algn="ctr">
-                      <a:solidFill>
-                        <a:srgbClr val="003399"/>
-                      </a:solidFill>
-                      <a:prstDash val="solid"/>
-                      <a:round/>
-                      <a:headEnd type="none" w="med" len="med"/>
-                      <a:tailEnd type="none" w="med" len="med"/>
-                    </a:lnL>
-                    <a:lnR w="12700" cap="flat" cmpd="sng" algn="ctr">
-                      <a:solidFill>
-                        <a:schemeClr val="tx2"/>
-                      </a:solidFill>
-                      <a:prstDash val="solid"/>
-                      <a:round/>
-                      <a:headEnd type="none" w="med" len="med"/>
-                      <a:tailEnd type="none" w="med" len="med"/>
-                    </a:lnR>
-                    <a:lnT w="12700" cap="flat" cmpd="sng" algn="ctr">
-                      <a:solidFill>
-                        <a:schemeClr val="tx2"/>
-                      </a:solidFill>
-                      <a:prstDash val="solid"/>
-                      <a:round/>
-                      <a:headEnd type="none" w="med" len="med"/>
-                      <a:tailEnd type="none" w="med" len="med"/>
-                    </a:lnT>
-                    <a:lnB w="12700" cap="flat" cmpd="sng" algn="ctr">
-                      <a:solidFill>
-                        <a:schemeClr val="tx2"/>
-                      </a:solidFill>
-                      <a:prstDash val="solid"/>
-                      <a:round/>
-                      <a:headEnd type="none" w="med" len="med"/>
-                      <a:tailEnd type="none" w="med" len="med"/>
-                    </a:lnB>
-                    <a:lnTlToBr>
-                      <a:noFill/>
-                    </a:lnTlToBr>
-                    <a:lnBlToTr>
-                      <a:noFill/>
-                    </a:lnBlToTr>
-                    <a:noFill/>
-                  </a:tcPr>
+                  <a:tcPr marL="90000" marR="90000" marT="46794" marB="46794" anchor="ctr" horzOverflow="overflow"/>
                 </a:tc>
                 <a:tc>
                   <a:txBody>
@@ -5851,67 +5322,29 @@
                         <a:tabLst/>
                       </a:pPr>
                       <a:r>
-                        <a:rPr kumimoji="0" lang="en-US" altLang="zh-CN" sz="1800" b="1" i="0" u="none" strike="noStrike" cap="none" normalizeH="0" baseline="0">
+                        <a:rPr kumimoji="0" lang="en-US" altLang="zh-CN" sz="1800" u="none" strike="noStrike" cap="none" normalizeH="0" baseline="0">
                           <a:ln>
                             <a:noFill/>
                           </a:ln>
-                          <a:solidFill>
-                            <a:srgbClr val="000000"/>
-                          </a:solidFill>
                           <a:effectLst/>
-                          <a:latin typeface="Arial" pitchFamily="34" charset="0"/>
-                          <a:ea typeface="楷体_GB2312"/>
-                          <a:cs typeface="楷体_GB2312"/>
                         </a:rPr>
                         <a:t>2&gt;</a:t>
                       </a:r>
+                      <a:endParaRPr kumimoji="0" lang="en-US" altLang="zh-CN" sz="1800" b="0" i="0" u="none" strike="noStrike" cap="none" normalizeH="0" baseline="0">
+                        <a:ln>
+                          <a:noFill/>
+                        </a:ln>
+                        <a:solidFill>
+                          <a:srgbClr val="000000"/>
+                        </a:solidFill>
+                        <a:effectLst/>
+                        <a:latin typeface="+mn-lt"/>
+                        <a:ea typeface="楷体_GB2312"/>
+                        <a:cs typeface="楷体_GB2312"/>
+                      </a:endParaRPr>
                     </a:p>
                   </a:txBody>
-                  <a:tcPr marL="90000" marR="90000" marT="46794" marB="46794" anchor="ctr" anchorCtr="1" horzOverflow="overflow">
-                    <a:lnL w="12700" cap="flat" cmpd="sng" algn="ctr">
-                      <a:solidFill>
-                        <a:schemeClr val="tx2"/>
-                      </a:solidFill>
-                      <a:prstDash val="solid"/>
-                      <a:round/>
-                      <a:headEnd type="none" w="med" len="med"/>
-                      <a:tailEnd type="none" w="med" len="med"/>
-                    </a:lnL>
-                    <a:lnR w="12700" cap="flat" cmpd="sng" algn="ctr">
-                      <a:solidFill>
-                        <a:schemeClr val="tx2"/>
-                      </a:solidFill>
-                      <a:prstDash val="solid"/>
-                      <a:round/>
-                      <a:headEnd type="none" w="med" len="med"/>
-                      <a:tailEnd type="none" w="med" len="med"/>
-                    </a:lnR>
-                    <a:lnT w="12700" cap="flat" cmpd="sng" algn="ctr">
-                      <a:solidFill>
-                        <a:schemeClr val="tx2"/>
-                      </a:solidFill>
-                      <a:prstDash val="solid"/>
-                      <a:round/>
-                      <a:headEnd type="none" w="med" len="med"/>
-                      <a:tailEnd type="none" w="med" len="med"/>
-                    </a:lnT>
-                    <a:lnB w="12700" cap="flat" cmpd="sng" algn="ctr">
-                      <a:solidFill>
-                        <a:schemeClr val="tx2"/>
-                      </a:solidFill>
-                      <a:prstDash val="solid"/>
-                      <a:round/>
-                      <a:headEnd type="none" w="med" len="med"/>
-                      <a:tailEnd type="none" w="med" len="med"/>
-                    </a:lnB>
-                    <a:lnTlToBr>
-                      <a:noFill/>
-                    </a:lnTlToBr>
-                    <a:lnBlToTr>
-                      <a:noFill/>
-                    </a:lnBlToTr>
-                    <a:noFill/>
-                  </a:tcPr>
+                  <a:tcPr marL="90000" marR="90000" marT="46794" marB="46794" anchor="ctr" anchorCtr="1" horzOverflow="overflow"/>
                 </a:tc>
                 <a:tc>
                   <a:txBody>
@@ -5937,67 +5370,29 @@
                         <a:tabLst/>
                       </a:pPr>
                       <a:r>
-                        <a:rPr kumimoji="0" lang="zh-CN" altLang="en-US" sz="1800" b="1" i="0" u="none" strike="noStrike" cap="none" normalizeH="0" baseline="0" dirty="0">
+                        <a:rPr kumimoji="0" lang="zh-CN" altLang="en-US" sz="1800" u="none" strike="noStrike" cap="none" normalizeH="0" baseline="0" dirty="0">
                           <a:ln>
                             <a:noFill/>
                           </a:ln>
-                          <a:solidFill>
-                            <a:srgbClr val="000000"/>
-                          </a:solidFill>
                           <a:effectLst/>
-                          <a:latin typeface="Arial" pitchFamily="34" charset="0"/>
-                          <a:ea typeface="楷体_GB2312"/>
-                          <a:cs typeface="楷体_GB2312"/>
                         </a:rPr>
                         <a:t>清空指定文件的内容，并将标准错误信息保存到该文件中</a:t>
                       </a:r>
+                      <a:endParaRPr kumimoji="0" lang="zh-CN" altLang="en-US" sz="1800" b="0" i="0" u="none" strike="noStrike" cap="none" normalizeH="0" baseline="0" dirty="0">
+                        <a:ln>
+                          <a:noFill/>
+                        </a:ln>
+                        <a:solidFill>
+                          <a:srgbClr val="000000"/>
+                        </a:solidFill>
+                        <a:effectLst/>
+                        <a:latin typeface="+mn-lt"/>
+                        <a:ea typeface="楷体_GB2312"/>
+                        <a:cs typeface="楷体_GB2312"/>
+                      </a:endParaRPr>
                     </a:p>
                   </a:txBody>
-                  <a:tcPr marL="90000" marR="90000" marT="46794" marB="46794" anchor="ctr" horzOverflow="overflow">
-                    <a:lnL w="12700" cap="flat" cmpd="sng" algn="ctr">
-                      <a:solidFill>
-                        <a:schemeClr val="tx2"/>
-                      </a:solidFill>
-                      <a:prstDash val="solid"/>
-                      <a:round/>
-                      <a:headEnd type="none" w="med" len="med"/>
-                      <a:tailEnd type="none" w="med" len="med"/>
-                    </a:lnL>
-                    <a:lnR w="28575" cap="flat" cmpd="sng" algn="ctr">
-                      <a:solidFill>
-                        <a:srgbClr val="003399"/>
-                      </a:solidFill>
-                      <a:prstDash val="solid"/>
-                      <a:round/>
-                      <a:headEnd type="none" w="med" len="med"/>
-                      <a:tailEnd type="none" w="med" len="med"/>
-                    </a:lnR>
-                    <a:lnT w="12700" cap="flat" cmpd="sng" algn="ctr">
-                      <a:solidFill>
-                        <a:schemeClr val="tx2"/>
-                      </a:solidFill>
-                      <a:prstDash val="solid"/>
-                      <a:round/>
-                      <a:headEnd type="none" w="med" len="med"/>
-                      <a:tailEnd type="none" w="med" len="med"/>
-                    </a:lnT>
-                    <a:lnB w="12700" cap="flat" cmpd="sng" algn="ctr">
-                      <a:solidFill>
-                        <a:schemeClr val="tx2"/>
-                      </a:solidFill>
-                      <a:prstDash val="solid"/>
-                      <a:round/>
-                      <a:headEnd type="none" w="med" len="med"/>
-                      <a:tailEnd type="none" w="med" len="med"/>
-                    </a:lnB>
-                    <a:lnTlToBr>
-                      <a:noFill/>
-                    </a:lnTlToBr>
-                    <a:lnBlToTr>
-                      <a:noFill/>
-                    </a:lnBlToTr>
-                    <a:noFill/>
-                  </a:tcPr>
+                  <a:tcPr marL="90000" marR="90000" marT="46794" marB="46794" anchor="ctr" horzOverflow="overflow"/>
                 </a:tc>
                 <a:extLst>
                   <a:ext uri="{0D108BD9-81ED-4DB2-BD59-A6C34878D82A}">
@@ -6005,7 +5400,7 @@
                   </a:ext>
                 </a:extLst>
               </a:tr>
-              <a:tr h="379824">
+              <a:tr h="410495">
                 <a:tc vMerge="1">
                   <a:txBody>
                     <a:bodyPr/>
@@ -6040,67 +5435,29 @@
                         <a:tabLst/>
                       </a:pPr>
                       <a:r>
-                        <a:rPr kumimoji="0" lang="en-US" altLang="zh-CN" sz="1800" b="1" i="0" u="none" strike="noStrike" cap="none" normalizeH="0" baseline="0">
+                        <a:rPr kumimoji="0" lang="en-US" altLang="zh-CN" sz="1800" u="none" strike="noStrike" cap="none" normalizeH="0" baseline="0">
                           <a:ln>
                             <a:noFill/>
                           </a:ln>
-                          <a:solidFill>
-                            <a:srgbClr val="000000"/>
-                          </a:solidFill>
                           <a:effectLst/>
-                          <a:latin typeface="Arial" pitchFamily="34" charset="0"/>
-                          <a:ea typeface="楷体_GB2312"/>
-                          <a:cs typeface="楷体_GB2312"/>
                         </a:rPr>
                         <a:t>2&gt;&gt;</a:t>
                       </a:r>
+                      <a:endParaRPr kumimoji="0" lang="en-US" altLang="zh-CN" sz="1800" b="0" i="0" u="none" strike="noStrike" cap="none" normalizeH="0" baseline="0">
+                        <a:ln>
+                          <a:noFill/>
+                        </a:ln>
+                        <a:solidFill>
+                          <a:srgbClr val="000000"/>
+                        </a:solidFill>
+                        <a:effectLst/>
+                        <a:latin typeface="+mn-lt"/>
+                        <a:ea typeface="楷体_GB2312"/>
+                        <a:cs typeface="楷体_GB2312"/>
+                      </a:endParaRPr>
                     </a:p>
                   </a:txBody>
-                  <a:tcPr marL="90000" marR="90000" marT="46794" marB="46794" anchor="ctr" anchorCtr="1" horzOverflow="overflow">
-                    <a:lnL w="12700" cap="flat" cmpd="sng" algn="ctr">
-                      <a:solidFill>
-                        <a:schemeClr val="tx2"/>
-                      </a:solidFill>
-                      <a:prstDash val="solid"/>
-                      <a:round/>
-                      <a:headEnd type="none" w="med" len="med"/>
-                      <a:tailEnd type="none" w="med" len="med"/>
-                    </a:lnL>
-                    <a:lnR w="12700" cap="flat" cmpd="sng" algn="ctr">
-                      <a:solidFill>
-                        <a:schemeClr val="tx2"/>
-                      </a:solidFill>
-                      <a:prstDash val="solid"/>
-                      <a:round/>
-                      <a:headEnd type="none" w="med" len="med"/>
-                      <a:tailEnd type="none" w="med" len="med"/>
-                    </a:lnR>
-                    <a:lnT w="12700" cap="flat" cmpd="sng" algn="ctr">
-                      <a:solidFill>
-                        <a:schemeClr val="tx2"/>
-                      </a:solidFill>
-                      <a:prstDash val="solid"/>
-                      <a:round/>
-                      <a:headEnd type="none" w="med" len="med"/>
-                      <a:tailEnd type="none" w="med" len="med"/>
-                    </a:lnT>
-                    <a:lnB w="12700" cap="flat" cmpd="sng" algn="ctr">
-                      <a:solidFill>
-                        <a:schemeClr val="tx2"/>
-                      </a:solidFill>
-                      <a:prstDash val="solid"/>
-                      <a:round/>
-                      <a:headEnd type="none" w="med" len="med"/>
-                      <a:tailEnd type="none" w="med" len="med"/>
-                    </a:lnB>
-                    <a:lnTlToBr>
-                      <a:noFill/>
-                    </a:lnTlToBr>
-                    <a:lnBlToTr>
-                      <a:noFill/>
-                    </a:lnBlToTr>
-                    <a:noFill/>
-                  </a:tcPr>
+                  <a:tcPr marL="90000" marR="90000" marT="46794" marB="46794" anchor="ctr" anchorCtr="1" horzOverflow="overflow"/>
                 </a:tc>
                 <a:tc>
                   <a:txBody>
@@ -6126,67 +5483,29 @@
                         <a:tabLst/>
                       </a:pPr>
                       <a:r>
-                        <a:rPr kumimoji="0" lang="zh-CN" altLang="en-US" sz="1800" b="1" i="0" u="none" strike="noStrike" cap="none" normalizeH="0" baseline="0" dirty="0">
+                        <a:rPr kumimoji="0" lang="zh-CN" altLang="en-US" sz="1800" u="none" strike="noStrike" cap="none" normalizeH="0" baseline="0" dirty="0">
                           <a:ln>
                             <a:noFill/>
                           </a:ln>
-                          <a:solidFill>
-                            <a:srgbClr val="000000"/>
-                          </a:solidFill>
                           <a:effectLst/>
-                          <a:latin typeface="Arial" pitchFamily="34" charset="0"/>
-                          <a:ea typeface="楷体_GB2312"/>
-                          <a:cs typeface="楷体_GB2312"/>
                         </a:rPr>
                         <a:t>将标准错误信息追加输出到指定的文件中</a:t>
                       </a:r>
+                      <a:endParaRPr kumimoji="0" lang="zh-CN" altLang="en-US" sz="1800" b="0" i="0" u="none" strike="noStrike" cap="none" normalizeH="0" baseline="0" dirty="0">
+                        <a:ln>
+                          <a:noFill/>
+                        </a:ln>
+                        <a:solidFill>
+                          <a:srgbClr val="000000"/>
+                        </a:solidFill>
+                        <a:effectLst/>
+                        <a:latin typeface="+mn-lt"/>
+                        <a:ea typeface="楷体_GB2312"/>
+                        <a:cs typeface="楷体_GB2312"/>
+                      </a:endParaRPr>
                     </a:p>
                   </a:txBody>
-                  <a:tcPr marL="90000" marR="90000" marT="46794" marB="46794" anchor="ctr" horzOverflow="overflow">
-                    <a:lnL w="12700" cap="flat" cmpd="sng" algn="ctr">
-                      <a:solidFill>
-                        <a:schemeClr val="tx2"/>
-                      </a:solidFill>
-                      <a:prstDash val="solid"/>
-                      <a:round/>
-                      <a:headEnd type="none" w="med" len="med"/>
-                      <a:tailEnd type="none" w="med" len="med"/>
-                    </a:lnL>
-                    <a:lnR w="28575" cap="flat" cmpd="sng" algn="ctr">
-                      <a:solidFill>
-                        <a:srgbClr val="003399"/>
-                      </a:solidFill>
-                      <a:prstDash val="solid"/>
-                      <a:round/>
-                      <a:headEnd type="none" w="med" len="med"/>
-                      <a:tailEnd type="none" w="med" len="med"/>
-                    </a:lnR>
-                    <a:lnT w="12700" cap="flat" cmpd="sng" algn="ctr">
-                      <a:solidFill>
-                        <a:schemeClr val="tx2"/>
-                      </a:solidFill>
-                      <a:prstDash val="solid"/>
-                      <a:round/>
-                      <a:headEnd type="none" w="med" len="med"/>
-                      <a:tailEnd type="none" w="med" len="med"/>
-                    </a:lnT>
-                    <a:lnB w="12700" cap="flat" cmpd="sng" algn="ctr">
-                      <a:solidFill>
-                        <a:schemeClr val="tx2"/>
-                      </a:solidFill>
-                      <a:prstDash val="solid"/>
-                      <a:round/>
-                      <a:headEnd type="none" w="med" len="med"/>
-                      <a:tailEnd type="none" w="med" len="med"/>
-                    </a:lnB>
-                    <a:lnTlToBr>
-                      <a:noFill/>
-                    </a:lnTlToBr>
-                    <a:lnBlToTr>
-                      <a:noFill/>
-                    </a:lnBlToTr>
-                    <a:noFill/>
-                  </a:tcPr>
+                  <a:tcPr marL="90000" marR="90000" marT="46794" marB="46794" anchor="ctr" horzOverflow="overflow"/>
                 </a:tc>
                 <a:extLst>
                   <a:ext uri="{0D108BD9-81ED-4DB2-BD59-A6C34878D82A}">
@@ -6194,7 +5513,7 @@
                   </a:ext>
                 </a:extLst>
               </a:tr>
-              <a:tr h="719686">
+              <a:tr h="777802">
                 <a:tc>
                   <a:txBody>
                     <a:bodyPr/>
@@ -6219,102 +5538,29 @@
                         <a:tabLst/>
                       </a:pPr>
                       <a:r>
-                        <a:rPr kumimoji="0" lang="zh-CN" altLang="en-US" sz="1800" b="1" i="0" u="none" strike="noStrike" cap="none" normalizeH="0" baseline="0">
+                        <a:rPr kumimoji="0" lang="zh-CN" altLang="en-US" sz="1800" u="none" strike="noStrike" cap="none" normalizeH="0" baseline="0" dirty="0">
                           <a:ln>
                             <a:noFill/>
                           </a:ln>
-                          <a:solidFill>
-                            <a:srgbClr val="000000"/>
-                          </a:solidFill>
                           <a:effectLst/>
-                          <a:latin typeface="Arial" pitchFamily="34" charset="0"/>
-                          <a:ea typeface="楷体_GB2312"/>
-                          <a:cs typeface="楷体_GB2312"/>
                         </a:rPr>
-                        <a:t>重定向标准输出和</a:t>
+                        <a:t>重定向标准输出和标准错误</a:t>
                       </a:r>
-                    </a:p>
-                    <a:p>
-                      <a:pPr marL="0" marR="0" lvl="0" indent="0" algn="l" defTabSz="914400" rtl="0" eaLnBrk="1" fontAlgn="base" latinLnBrk="0" hangingPunct="1">
-                        <a:lnSpc>
-                          <a:spcPct val="100000"/>
-                        </a:lnSpc>
-                        <a:spcBef>
-                          <a:spcPct val="20000"/>
-                        </a:spcBef>
-                        <a:spcAft>
-                          <a:spcPct val="0"/>
-                        </a:spcAft>
-                        <a:buClr>
-                          <a:schemeClr val="tx1"/>
-                        </a:buClr>
-                        <a:buSzTx/>
-                        <a:buFont typeface="Wingdings" pitchFamily="2" charset="2"/>
-                        <a:buNone/>
-                        <a:tabLst/>
-                      </a:pPr>
-                      <a:r>
-                        <a:rPr kumimoji="0" lang="zh-CN" altLang="en-US" sz="1800" b="1" i="0" u="none" strike="noStrike" cap="none" normalizeH="0" baseline="0">
-                          <a:ln>
-                            <a:noFill/>
-                          </a:ln>
-                          <a:solidFill>
-                            <a:srgbClr val="000000"/>
-                          </a:solidFill>
-                          <a:effectLst/>
-                          <a:latin typeface="Arial" pitchFamily="34" charset="0"/>
-                          <a:ea typeface="楷体_GB2312"/>
-                          <a:cs typeface="楷体_GB2312"/>
-                        </a:rPr>
-                        <a:t>标准错误</a:t>
-                      </a:r>
+                      <a:endParaRPr kumimoji="0" lang="zh-CN" altLang="en-US" sz="1800" b="0" i="0" u="none" strike="noStrike" cap="none" normalizeH="0" baseline="0" dirty="0">
+                        <a:ln>
+                          <a:noFill/>
+                        </a:ln>
+                        <a:solidFill>
+                          <a:srgbClr val="000000"/>
+                        </a:solidFill>
+                        <a:effectLst/>
+                        <a:latin typeface="+mn-lt"/>
+                        <a:ea typeface="楷体_GB2312"/>
+                        <a:cs typeface="楷体_GB2312"/>
+                      </a:endParaRPr>
                     </a:p>
                   </a:txBody>
-                  <a:tcPr marL="90000" marR="90000" marT="46794" marB="46794" anchor="ctr" horzOverflow="overflow">
-                    <a:lnL w="28575" cap="flat" cmpd="sng" algn="ctr">
-                      <a:solidFill>
-                        <a:srgbClr val="003399"/>
-                      </a:solidFill>
-                      <a:prstDash val="solid"/>
-                      <a:round/>
-                      <a:headEnd type="none" w="med" len="med"/>
-                      <a:tailEnd type="none" w="med" len="med"/>
-                    </a:lnL>
-                    <a:lnR w="12700" cap="flat" cmpd="sng" algn="ctr">
-                      <a:solidFill>
-                        <a:schemeClr val="tx2"/>
-                      </a:solidFill>
-                      <a:prstDash val="solid"/>
-                      <a:round/>
-                      <a:headEnd type="none" w="med" len="med"/>
-                      <a:tailEnd type="none" w="med" len="med"/>
-                    </a:lnR>
-                    <a:lnT w="12700" cap="flat" cmpd="sng" algn="ctr">
-                      <a:solidFill>
-                        <a:schemeClr val="tx2"/>
-                      </a:solidFill>
-                      <a:prstDash val="solid"/>
-                      <a:round/>
-                      <a:headEnd type="none" w="med" len="med"/>
-                      <a:tailEnd type="none" w="med" len="med"/>
-                    </a:lnT>
-                    <a:lnB w="28575" cap="flat" cmpd="sng" algn="ctr">
-                      <a:solidFill>
-                        <a:srgbClr val="003399"/>
-                      </a:solidFill>
-                      <a:prstDash val="solid"/>
-                      <a:round/>
-                      <a:headEnd type="none" w="med" len="med"/>
-                      <a:tailEnd type="none" w="med" len="med"/>
-                    </a:lnB>
-                    <a:lnTlToBr>
-                      <a:noFill/>
-                    </a:lnTlToBr>
-                    <a:lnBlToTr>
-                      <a:noFill/>
-                    </a:lnBlToTr>
-                    <a:noFill/>
-                  </a:tcPr>
+                  <a:tcPr marL="90000" marR="90000" marT="46794" marB="46794" anchor="ctr" horzOverflow="overflow"/>
                 </a:tc>
                 <a:tc>
                   <a:txBody>
@@ -6340,97 +5586,47 @@
                         <a:tabLst/>
                       </a:pPr>
                       <a:r>
-                        <a:rPr kumimoji="0" lang="en-US" altLang="zh-CN" sz="1800" b="1" i="0" u="none" strike="noStrike" cap="none" normalizeH="0" baseline="0" dirty="0">
+                        <a:rPr kumimoji="0" lang="en-US" altLang="zh-CN" sz="1800" u="none" strike="noStrike" cap="none" normalizeH="0" baseline="0" dirty="0">
                           <a:ln>
                             <a:noFill/>
                           </a:ln>
-                          <a:solidFill>
-                            <a:srgbClr val="FF3300"/>
-                          </a:solidFill>
                           <a:effectLst/>
-                          <a:latin typeface="Arial" pitchFamily="34" charset="0"/>
-                          <a:ea typeface="楷体_GB2312"/>
-                          <a:cs typeface="楷体_GB2312"/>
                         </a:rPr>
                         <a:t>&amp;&gt;</a:t>
                       </a:r>
                       <a:r>
-                        <a:rPr kumimoji="0" lang="zh-CN" altLang="en-US" sz="1800" b="1" i="0" u="none" strike="noStrike" cap="none" normalizeH="0" baseline="0" dirty="0">
+                        <a:rPr kumimoji="0" lang="zh-CN" altLang="en-US" sz="1800" u="none" strike="noStrike" cap="none" normalizeH="0" baseline="0" dirty="0">
                           <a:ln>
                             <a:noFill/>
                           </a:ln>
-                          <a:solidFill>
-                            <a:srgbClr val="FF3300"/>
-                          </a:solidFill>
                           <a:effectLst/>
-                          <a:latin typeface="Arial" pitchFamily="34" charset="0"/>
-                          <a:ea typeface="楷体_GB2312"/>
-                          <a:cs typeface="楷体_GB2312"/>
                         </a:rPr>
                         <a:t>或</a:t>
                       </a:r>
                       <a:r>
-                        <a:rPr kumimoji="0" lang="en-US" altLang="zh-CN" sz="1800" b="1" i="0" u="none" strike="noStrike" cap="none" normalizeH="0" baseline="0" dirty="0">
+                        <a:rPr kumimoji="0" lang="en-US" altLang="zh-CN" sz="1800" u="none" strike="noStrike" cap="none" normalizeH="0" baseline="0" dirty="0">
                           <a:ln>
                             <a:noFill/>
                           </a:ln>
-                          <a:solidFill>
-                            <a:srgbClr val="FF3300"/>
-                          </a:solidFill>
                           <a:effectLst/>
-                          <a:latin typeface="Arial" pitchFamily="34" charset="0"/>
-                          <a:ea typeface="楷体_GB2312"/>
-                          <a:cs typeface="楷体_GB2312"/>
                         </a:rPr>
                         <a:t>&gt;&amp;</a:t>
                       </a:r>
+                      <a:endParaRPr kumimoji="0" lang="en-US" altLang="zh-CN" sz="1800" b="0" i="0" u="none" strike="noStrike" cap="none" normalizeH="0" baseline="0" dirty="0">
+                        <a:ln>
+                          <a:noFill/>
+                        </a:ln>
+                        <a:solidFill>
+                          <a:srgbClr val="FF3300"/>
+                        </a:solidFill>
+                        <a:effectLst/>
+                        <a:latin typeface="+mn-lt"/>
+                        <a:ea typeface="楷体_GB2312"/>
+                        <a:cs typeface="楷体_GB2312"/>
+                      </a:endParaRPr>
                     </a:p>
                   </a:txBody>
-                  <a:tcPr marL="90000" marR="90000" marT="46794" marB="46794" anchor="ctr" anchorCtr="1" horzOverflow="overflow">
-                    <a:lnL w="12700" cap="flat" cmpd="sng" algn="ctr">
-                      <a:solidFill>
-                        <a:schemeClr val="tx2"/>
-                      </a:solidFill>
-                      <a:prstDash val="solid"/>
-                      <a:round/>
-                      <a:headEnd type="none" w="med" len="med"/>
-                      <a:tailEnd type="none" w="med" len="med"/>
-                    </a:lnL>
-                    <a:lnR w="12700" cap="flat" cmpd="sng" algn="ctr">
-                      <a:solidFill>
-                        <a:schemeClr val="tx2"/>
-                      </a:solidFill>
-                      <a:prstDash val="solid"/>
-                      <a:round/>
-                      <a:headEnd type="none" w="med" len="med"/>
-                      <a:tailEnd type="none" w="med" len="med"/>
-                    </a:lnR>
-                    <a:lnT w="12700" cap="flat" cmpd="sng" algn="ctr">
-                      <a:solidFill>
-                        <a:schemeClr val="tx2"/>
-                      </a:solidFill>
-                      <a:prstDash val="solid"/>
-                      <a:round/>
-                      <a:headEnd type="none" w="med" len="med"/>
-                      <a:tailEnd type="none" w="med" len="med"/>
-                    </a:lnT>
-                    <a:lnB w="28575" cap="flat" cmpd="sng" algn="ctr">
-                      <a:solidFill>
-                        <a:srgbClr val="003399"/>
-                      </a:solidFill>
-                      <a:prstDash val="solid"/>
-                      <a:round/>
-                      <a:headEnd type="none" w="med" len="med"/>
-                      <a:tailEnd type="none" w="med" len="med"/>
-                    </a:lnB>
-                    <a:lnTlToBr>
-                      <a:noFill/>
-                    </a:lnTlToBr>
-                    <a:lnBlToTr>
-                      <a:noFill/>
-                    </a:lnBlToTr>
-                    <a:noFill/>
-                  </a:tcPr>
+                  <a:tcPr marL="90000" marR="90000" marT="46794" marB="46794" anchor="ctr" anchorCtr="1" horzOverflow="overflow"/>
                 </a:tc>
                 <a:tc>
                   <a:txBody>
@@ -6456,67 +5652,29 @@
                         <a:tabLst/>
                       </a:pPr>
                       <a:r>
-                        <a:rPr kumimoji="0" lang="zh-CN" altLang="en-US" sz="1800" b="1" i="0" u="none" strike="noStrike" cap="none" normalizeH="0" baseline="0" dirty="0">
+                        <a:rPr kumimoji="0" lang="zh-CN" altLang="en-US" sz="1800" u="none" strike="noStrike" cap="none" normalizeH="0" baseline="0" dirty="0">
                           <a:ln>
                             <a:noFill/>
                           </a:ln>
-                          <a:solidFill>
-                            <a:srgbClr val="000000"/>
-                          </a:solidFill>
                           <a:effectLst/>
-                          <a:latin typeface="Arial" pitchFamily="34" charset="0"/>
-                          <a:ea typeface="楷体_GB2312"/>
-                          <a:cs typeface="楷体_GB2312"/>
                         </a:rPr>
                         <a:t>将标准输出、标准错误的内容全部保存到指定的文件中，而不是直接显示在屏幕上</a:t>
                       </a:r>
+                      <a:endParaRPr kumimoji="0" lang="zh-CN" altLang="en-US" sz="1800" b="0" i="0" u="none" strike="noStrike" cap="none" normalizeH="0" baseline="0" dirty="0">
+                        <a:ln>
+                          <a:noFill/>
+                        </a:ln>
+                        <a:solidFill>
+                          <a:srgbClr val="000000"/>
+                        </a:solidFill>
+                        <a:effectLst/>
+                        <a:latin typeface="+mn-lt"/>
+                        <a:ea typeface="楷体_GB2312"/>
+                        <a:cs typeface="楷体_GB2312"/>
+                      </a:endParaRPr>
                     </a:p>
                   </a:txBody>
-                  <a:tcPr marL="90000" marR="90000" marT="46794" marB="46794" anchor="ctr" horzOverflow="overflow">
-                    <a:lnL w="12700" cap="flat" cmpd="sng" algn="ctr">
-                      <a:solidFill>
-                        <a:schemeClr val="tx2"/>
-                      </a:solidFill>
-                      <a:prstDash val="solid"/>
-                      <a:round/>
-                      <a:headEnd type="none" w="med" len="med"/>
-                      <a:tailEnd type="none" w="med" len="med"/>
-                    </a:lnL>
-                    <a:lnR w="28575" cap="flat" cmpd="sng" algn="ctr">
-                      <a:solidFill>
-                        <a:srgbClr val="003399"/>
-                      </a:solidFill>
-                      <a:prstDash val="solid"/>
-                      <a:round/>
-                      <a:headEnd type="none" w="med" len="med"/>
-                      <a:tailEnd type="none" w="med" len="med"/>
-                    </a:lnR>
-                    <a:lnT w="12700" cap="flat" cmpd="sng" algn="ctr">
-                      <a:solidFill>
-                        <a:schemeClr val="tx2"/>
-                      </a:solidFill>
-                      <a:prstDash val="solid"/>
-                      <a:round/>
-                      <a:headEnd type="none" w="med" len="med"/>
-                      <a:tailEnd type="none" w="med" len="med"/>
-                    </a:lnT>
-                    <a:lnB w="28575" cap="flat" cmpd="sng" algn="ctr">
-                      <a:solidFill>
-                        <a:srgbClr val="003399"/>
-                      </a:solidFill>
-                      <a:prstDash val="solid"/>
-                      <a:round/>
-                      <a:headEnd type="none" w="med" len="med"/>
-                      <a:tailEnd type="none" w="med" len="med"/>
-                    </a:lnB>
-                    <a:lnTlToBr>
-                      <a:noFill/>
-                    </a:lnTlToBr>
-                    <a:lnBlToTr>
-                      <a:noFill/>
-                    </a:lnBlToTr>
-                    <a:noFill/>
-                  </a:tcPr>
+                  <a:tcPr marL="90000" marR="90000" marT="46794" marB="46794" anchor="ctr" horzOverflow="overflow"/>
                 </a:tc>
                 <a:extLst>
                   <a:ext uri="{0D108BD9-81ED-4DB2-BD59-A6C34878D82A}">
@@ -6953,33 +6111,6 @@
           <a:lstStyle/>
           <a:p>
             <a:r>
-              <a:rPr lang="en-US" altLang="zh-CN" sz="2000" dirty="0" err="1"/>
-              <a:t>sudo</a:t>
-            </a:r>
-            <a:r>
-              <a:rPr lang="en-US" altLang="zh-CN" sz="2000" dirty="0"/>
-              <a:t> find / -name </a:t>
-            </a:r>
-            <a:r>
-              <a:rPr lang="en-US" altLang="zh-CN" sz="2000" dirty="0" err="1"/>
-              <a:t>gcc</a:t>
-            </a:r>
-            <a:r>
-              <a:rPr lang="en-US" altLang="zh-CN" sz="2000" dirty="0"/>
-              <a:t> | </a:t>
-            </a:r>
-            <a:r>
-              <a:rPr lang="en-US" altLang="zh-CN" sz="2000" dirty="0" err="1"/>
-              <a:t>wc</a:t>
-            </a:r>
-            <a:r>
-              <a:rPr lang="en-US" altLang="zh-CN" sz="2000" dirty="0"/>
-              <a:t> –l </a:t>
-            </a:r>
-          </a:p>
-          <a:p>
-            <a:pPr lvl="1"/>
-            <a:r>
               <a:rPr lang="zh-CN" altLang="en-US" sz="1800" dirty="0"/>
               <a:t>查找名称含有</a:t>
             </a:r>
@@ -7002,46 +6133,77 @@
             <a:endParaRPr lang="en-US" altLang="zh-CN" sz="1800" dirty="0"/>
           </a:p>
           <a:p>
+            <a:pPr marL="457200" lvl="1" indent="0">
+              <a:buNone/>
+            </a:pPr>
+            <a:r>
+              <a:rPr lang="en-US" altLang="zh-CN" sz="1800" dirty="0" err="1"/>
+              <a:t>sudo</a:t>
+            </a:r>
+            <a:r>
+              <a:rPr lang="en-US" altLang="zh-CN" sz="1800" dirty="0"/>
+              <a:t> find / -name </a:t>
+            </a:r>
+            <a:r>
+              <a:rPr lang="en-US" altLang="zh-CN" sz="1800" dirty="0" err="1"/>
+              <a:t>gcc</a:t>
+            </a:r>
+            <a:r>
+              <a:rPr lang="en-US" altLang="zh-CN" sz="1800" dirty="0"/>
+              <a:t> | </a:t>
+            </a:r>
+            <a:r>
+              <a:rPr lang="en-US" altLang="zh-CN" sz="1800" dirty="0" err="1"/>
+              <a:t>wc</a:t>
+            </a:r>
+            <a:r>
+              <a:rPr lang="en-US" altLang="zh-CN" sz="1800" dirty="0"/>
+              <a:t> –l </a:t>
+            </a:r>
+          </a:p>
+          <a:p>
             <a:pPr lvl="1"/>
             <a:endParaRPr lang="en-US" altLang="zh-CN" sz="1800" dirty="0"/>
           </a:p>
           <a:p>
             <a:r>
-              <a:rPr lang="en-US" altLang="zh-CN" sz="2000" dirty="0" err="1"/>
-              <a:t>ps</a:t>
-            </a:r>
-            <a:r>
-              <a:rPr lang="en-US" altLang="zh-CN" sz="2000" dirty="0"/>
-              <a:t> -</a:t>
-            </a:r>
-            <a:r>
-              <a:rPr lang="en-US" altLang="zh-CN" sz="2000" dirty="0" err="1"/>
-              <a:t>ef</a:t>
-            </a:r>
-            <a:r>
-              <a:rPr lang="en-US" altLang="zh-CN" sz="2000" dirty="0"/>
-              <a:t> | grep </a:t>
+              <a:rPr lang="zh-CN" altLang="en-US" sz="2000" dirty="0"/>
+              <a:t>查找名称含有</a:t>
             </a:r>
             <a:r>
               <a:rPr lang="en-US" altLang="zh-CN" sz="2000" dirty="0" err="1"/>
               <a:t>ssh</a:t>
             </a:r>
+            <a:r>
+              <a:rPr lang="zh-CN" altLang="en-US" sz="2000" dirty="0"/>
+              <a:t>的进程</a:t>
+            </a:r>
             <a:endParaRPr lang="en-US" altLang="zh-CN" sz="2000" dirty="0"/>
           </a:p>
           <a:p>
-            <a:pPr lvl="1"/>
-            <a:r>
-              <a:rPr lang="zh-CN" altLang="en-US" sz="1800" dirty="0"/>
-              <a:t>查找名称含有</a:t>
+            <a:pPr marL="457200" lvl="1" indent="0">
+              <a:buNone/>
+            </a:pPr>
+            <a:r>
+              <a:rPr lang="en-US" altLang="zh-CN" sz="1800" dirty="0" err="1"/>
+              <a:t>ps</a:t>
+            </a:r>
+            <a:r>
+              <a:rPr lang="en-US" altLang="zh-CN" sz="1800" dirty="0"/>
+              <a:t> -</a:t>
+            </a:r>
+            <a:r>
+              <a:rPr lang="en-US" altLang="zh-CN" sz="1800" dirty="0" err="1"/>
+              <a:t>ef</a:t>
+            </a:r>
+            <a:r>
+              <a:rPr lang="en-US" altLang="zh-CN" sz="1800" dirty="0"/>
+              <a:t> | grep </a:t>
             </a:r>
             <a:r>
               <a:rPr lang="en-US" altLang="zh-CN" sz="1800" dirty="0" err="1"/>
               <a:t>ssh</a:t>
             </a:r>
-            <a:r>
-              <a:rPr lang="zh-CN" altLang="en-US" sz="1800" dirty="0"/>
-              <a:t>的进程</a:t>
-            </a:r>
             <a:endParaRPr lang="en-US" altLang="zh-CN" sz="1800" dirty="0"/>
           </a:p>
           <a:p>
@@ -7050,25 +6212,27 @@
           </a:p>
           <a:p>
             <a:r>
-              <a:rPr lang="en-US" altLang="zh-CN" sz="2000" dirty="0"/>
+              <a:rPr lang="zh-CN" altLang="en-US" sz="2000" dirty="0"/>
+              <a:t>分页查看内容</a:t>
+            </a:r>
+            <a:endParaRPr lang="en-US" altLang="zh-CN" sz="2000" dirty="0"/>
+          </a:p>
+          <a:p>
+            <a:pPr marL="457200" lvl="1" indent="0">
+              <a:buNone/>
+            </a:pPr>
+            <a:r>
+              <a:rPr lang="en-US" altLang="zh-CN" sz="1800" dirty="0"/>
               <a:t>ls –l –R /</a:t>
             </a:r>
             <a:r>
-              <a:rPr lang="en-US" altLang="zh-CN" sz="2000" dirty="0" err="1"/>
+              <a:rPr lang="en-US" altLang="zh-CN" sz="1800" dirty="0" err="1"/>
               <a:t>usr</a:t>
             </a:r>
             <a:r>
-              <a:rPr lang="en-US" altLang="zh-CN" sz="2000" dirty="0"/>
+              <a:rPr lang="en-US" altLang="zh-CN" sz="1800" dirty="0"/>
               <a:t>/share | less</a:t>
             </a:r>
-          </a:p>
-          <a:p>
-            <a:pPr lvl="1"/>
-            <a:r>
-              <a:rPr lang="zh-CN" altLang="en-US" sz="1800" dirty="0"/>
-              <a:t>分页查看内容</a:t>
-            </a:r>
-            <a:endParaRPr lang="en-US" altLang="zh-CN" sz="1800" dirty="0"/>
           </a:p>
           <a:p>
             <a:pPr lvl="1"/>
@@ -7076,17 +6240,19 @@
           </a:p>
           <a:p>
             <a:r>
-              <a:rPr lang="en-US" altLang="zh-CN" sz="2000" dirty="0"/>
+              <a:rPr lang="zh-CN" altLang="en-US" sz="2000" dirty="0"/>
+              <a:t>排序文件</a:t>
+            </a:r>
+            <a:endParaRPr lang="en-US" altLang="zh-CN" sz="2000" dirty="0"/>
+          </a:p>
+          <a:p>
+            <a:pPr marL="457200" lvl="1" indent="0">
+              <a:buNone/>
+            </a:pPr>
+            <a:r>
+              <a:rPr lang="en-US" altLang="zh-CN" sz="1800" dirty="0"/>
               <a:t>ls | sort –r</a:t>
             </a:r>
-          </a:p>
-          <a:p>
-            <a:pPr lvl="1"/>
-            <a:r>
-              <a:rPr lang="zh-CN" altLang="en-US" sz="1800" dirty="0"/>
-              <a:t>排序文件</a:t>
-            </a:r>
-            <a:endParaRPr lang="en-US" altLang="zh-CN" sz="1800" dirty="0"/>
           </a:p>
           <a:p>
             <a:endParaRPr lang="en-US" altLang="zh-CN" sz="2000" dirty="0"/>
@@ -8687,6 +7853,70 @@
               <a:rPr lang="en-US" altLang="zh-CN" dirty="0"/>
               <a:t>echo  $x</a:t>
             </a:r>
+          </a:p>
+          <a:p>
+            <a:pPr marL="914400" lvl="2" indent="0">
+              <a:buNone/>
+            </a:pPr>
+            <a:r>
+              <a:rPr lang="zh-CN" altLang="en-US" dirty="0"/>
+              <a:t>如果</a:t>
+            </a:r>
+            <a:r>
+              <a:rPr lang="en-US" altLang="zh-CN" dirty="0"/>
+              <a:t>b=12a</a:t>
+            </a:r>
+            <a:r>
+              <a:rPr lang="zh-CN" altLang="en-US" dirty="0"/>
+              <a:t>，此时会报错，但是如果以字母开头的文本，比如</a:t>
+            </a:r>
+            <a:r>
+              <a:rPr lang="en-US" altLang="zh-CN" dirty="0"/>
+              <a:t>b=a12</a:t>
+            </a:r>
+            <a:r>
+              <a:rPr lang="zh-CN" altLang="en-US" dirty="0"/>
+              <a:t>，则</a:t>
+            </a:r>
+            <a:r>
+              <a:rPr lang="en-US" altLang="zh-CN" dirty="0"/>
+              <a:t>x=$(($a+$b))</a:t>
+            </a:r>
+            <a:r>
+              <a:rPr lang="zh-CN" altLang="en-US" dirty="0"/>
+              <a:t>则直接就计算为</a:t>
+            </a:r>
+            <a:r>
+              <a:rPr lang="en-US" altLang="zh-CN" dirty="0"/>
+              <a:t>a</a:t>
+            </a:r>
+            <a:r>
+              <a:rPr lang="zh-CN" altLang="en-US" dirty="0"/>
+              <a:t>的数值，</a:t>
+            </a:r>
+            <a:r>
+              <a:rPr lang="en-US" altLang="zh-CN" dirty="0"/>
+              <a:t>b</a:t>
+            </a:r>
+            <a:r>
+              <a:rPr lang="zh-CN" altLang="en-US" dirty="0"/>
+              <a:t>转成数字为</a:t>
+            </a:r>
+            <a:r>
+              <a:rPr lang="en-US" altLang="zh-CN" dirty="0"/>
+              <a:t>0</a:t>
+            </a:r>
+            <a:r>
+              <a:rPr lang="zh-CN" altLang="en-US" dirty="0"/>
+              <a:t>。</a:t>
+            </a:r>
+            <a:endParaRPr lang="en-US" altLang="zh-CN" dirty="0"/>
+          </a:p>
+          <a:p>
+            <a:pPr marL="914400" lvl="2" indent="0">
+              <a:buNone/>
+            </a:pPr>
+            <a:endParaRPr lang="en-US" altLang="zh-CN" dirty="0"/>
           </a:p>
           <a:p>
             <a:pPr marL="0" indent="0">
@@ -12706,7 +11936,7 @@
                   </a:schemeClr>
                 </a:solidFill>
               </a:rPr>
-              <a:t>基础使用</a:t>
+              <a:t>基础使用进阶</a:t>
             </a:r>
           </a:p>
         </p:txBody>

--- a/materials/slides/ch01-review-and-linux.pptx
+++ b/materials/slides/ch01-review-and-linux.pptx
@@ -26,22 +26,22 @@
     <p:sldId id="314" r:id="rId14"/>
     <p:sldId id="310" r:id="rId15"/>
     <p:sldId id="311" r:id="rId16"/>
-    <p:sldId id="289" r:id="rId17"/>
-    <p:sldId id="260" r:id="rId18"/>
-    <p:sldId id="295" r:id="rId19"/>
-    <p:sldId id="296" r:id="rId20"/>
-    <p:sldId id="297" r:id="rId21"/>
-    <p:sldId id="298" r:id="rId22"/>
-    <p:sldId id="299" r:id="rId23"/>
-    <p:sldId id="300" r:id="rId24"/>
-    <p:sldId id="301" r:id="rId25"/>
-    <p:sldId id="303" r:id="rId26"/>
-    <p:sldId id="304" r:id="rId27"/>
-    <p:sldId id="305" r:id="rId28"/>
-    <p:sldId id="306" r:id="rId29"/>
-    <p:sldId id="307" r:id="rId30"/>
-    <p:sldId id="308" r:id="rId31"/>
-    <p:sldId id="309" r:id="rId32"/>
+    <p:sldId id="260" r:id="rId17"/>
+    <p:sldId id="295" r:id="rId18"/>
+    <p:sldId id="296" r:id="rId19"/>
+    <p:sldId id="297" r:id="rId20"/>
+    <p:sldId id="298" r:id="rId21"/>
+    <p:sldId id="299" r:id="rId22"/>
+    <p:sldId id="300" r:id="rId23"/>
+    <p:sldId id="301" r:id="rId24"/>
+    <p:sldId id="303" r:id="rId25"/>
+    <p:sldId id="304" r:id="rId26"/>
+    <p:sldId id="305" r:id="rId27"/>
+    <p:sldId id="306" r:id="rId28"/>
+    <p:sldId id="307" r:id="rId29"/>
+    <p:sldId id="308" r:id="rId30"/>
+    <p:sldId id="309" r:id="rId31"/>
+    <p:sldId id="316" r:id="rId32"/>
   </p:sldIdLst>
   <p:sldSz cx="12192000" cy="6858000"/>
   <p:notesSz cx="7104063" cy="10234613"/>
@@ -692,6 +692,90 @@
     </a:lvl9pPr>
   </p:notesStyle>
 </p:notesMaster>
+</file>
+
+<file path=ppt/notesSlides/notesSlide1.xml><?xml version="1.0" encoding="utf-8"?>
+<p:notes xmlns:a="http://schemas.openxmlformats.org/drawingml/2006/main" xmlns:r="http://schemas.openxmlformats.org/officeDocument/2006/relationships" xmlns:p="http://schemas.openxmlformats.org/presentationml/2006/main">
+  <p:cSld>
+    <p:spTree>
+      <p:nvGrpSpPr>
+        <p:cNvPr id="1" name=""/>
+        <p:cNvGrpSpPr/>
+        <p:nvPr/>
+      </p:nvGrpSpPr>
+      <p:grpSpPr>
+        <a:xfrm>
+          <a:off x="0" y="0"/>
+          <a:ext cx="0" cy="0"/>
+          <a:chOff x="0" y="0"/>
+          <a:chExt cx="0" cy="0"/>
+        </a:xfrm>
+      </p:grpSpPr>
+      <p:sp>
+        <p:nvSpPr>
+          <p:cNvPr id="2" name="幻灯片图像占位符 1"/>
+          <p:cNvSpPr>
+            <a:spLocks noGrp="1" noRot="1" noChangeAspect="1"/>
+          </p:cNvSpPr>
+          <p:nvPr>
+            <p:ph type="sldImg"/>
+          </p:nvPr>
+        </p:nvSpPr>
+        <p:spPr/>
+      </p:sp>
+      <p:sp>
+        <p:nvSpPr>
+          <p:cNvPr id="3" name="备注占位符 2"/>
+          <p:cNvSpPr>
+            <a:spLocks noGrp="1"/>
+          </p:cNvSpPr>
+          <p:nvPr>
+            <p:ph type="body" idx="1"/>
+          </p:nvPr>
+        </p:nvSpPr>
+        <p:spPr/>
+        <p:txBody>
+          <a:bodyPr/>
+          <a:lstStyle/>
+          <a:p>
+            <a:endParaRPr lang="zh-CN" altLang="en-US" dirty="0"/>
+          </a:p>
+        </p:txBody>
+      </p:sp>
+      <p:sp>
+        <p:nvSpPr>
+          <p:cNvPr id="4" name="灯片编号占位符 3"/>
+          <p:cNvSpPr>
+            <a:spLocks noGrp="1"/>
+          </p:cNvSpPr>
+          <p:nvPr>
+            <p:ph type="sldNum" sz="quarter" idx="10"/>
+          </p:nvPr>
+        </p:nvSpPr>
+        <p:spPr/>
+        <p:txBody>
+          <a:bodyPr/>
+          <a:lstStyle/>
+          <a:p>
+            <a:fld id="{9FB975F3-1C40-4D40-A7FE-36EEB7CAFC85}" type="slidenum">
+              <a:rPr lang="zh-CN" altLang="en-US" smtClean="0"/>
+              <a:t>17</a:t>
+            </a:fld>
+            <a:endParaRPr lang="zh-CN" altLang="en-US"/>
+          </a:p>
+        </p:txBody>
+      </p:sp>
+    </p:spTree>
+    <p:extLst>
+      <p:ext uri="{BB962C8B-B14F-4D97-AF65-F5344CB8AC3E}">
+        <p14:creationId xmlns:p14="http://schemas.microsoft.com/office/powerpoint/2010/main" val="2586010691"/>
+      </p:ext>
+    </p:extLst>
+  </p:cSld>
+  <p:clrMapOvr>
+    <a:masterClrMapping/>
+  </p:clrMapOvr>
+</p:notes>
 </file>
 
 <file path=ppt/slideLayouts/slideLayout1.xml><?xml version="1.0" encoding="utf-8"?>
@@ -4247,7 +4331,7 @@
           </a:p>
           <a:p>
             <a:pPr algn="ctr"/>
-            <a:endParaRPr lang="en-US" altLang="zh-CN">
+            <a:endParaRPr lang="en-US" altLang="zh-CN" dirty="0">
               <a:solidFill>
                 <a:schemeClr val="tx1">
                   <a:lumMod val="50000"/>
@@ -4368,28 +4452,679 @@
       </p:sp>
       <p:sp>
         <p:nvSpPr>
-          <p:cNvPr id="5" name="内容占位符 4">
-            <a:extLst>
-              <a:ext uri="{FF2B5EF4-FFF2-40B4-BE49-F238E27FC236}">
-                <a16:creationId xmlns:a16="http://schemas.microsoft.com/office/drawing/2014/main" id="{2C34C872-4D85-42A5-826D-E50F695E08B2}"/>
-              </a:ext>
-            </a:extLst>
-          </p:cNvPr>
-          <p:cNvSpPr>
-            <a:spLocks noGrp="1"/>
-          </p:cNvSpPr>
-          <p:nvPr>
-            <p:ph idx="1"/>
-          </p:nvPr>
-        </p:nvSpPr>
-        <p:spPr/>
-        <p:txBody>
-          <a:bodyPr>
-            <a:normAutofit/>
-          </a:bodyPr>
+          <p:cNvPr id="7" name="矩形 6">
+            <a:extLst>
+              <a:ext uri="{FF2B5EF4-FFF2-40B4-BE49-F238E27FC236}">
+                <a16:creationId xmlns:a16="http://schemas.microsoft.com/office/drawing/2014/main" id="{D9E414A1-8DD8-4DB9-96CB-38D1139D3BD7}"/>
+              </a:ext>
+            </a:extLst>
+          </p:cNvPr>
+          <p:cNvSpPr/>
+          <p:nvPr/>
+        </p:nvSpPr>
+        <p:spPr>
+          <a:xfrm>
+            <a:off x="838200" y="1828800"/>
+            <a:ext cx="2505807" cy="360485"/>
+          </a:xfrm>
+          <a:prstGeom prst="rect">
+            <a:avLst/>
+          </a:prstGeom>
+          <a:solidFill>
+            <a:schemeClr val="bg1"/>
+          </a:solidFill>
+        </p:spPr>
+        <p:style>
+          <a:lnRef idx="2">
+            <a:schemeClr val="accent1">
+              <a:shade val="50000"/>
+            </a:schemeClr>
+          </a:lnRef>
+          <a:fillRef idx="1">
+            <a:schemeClr val="accent1"/>
+          </a:fillRef>
+          <a:effectRef idx="0">
+            <a:schemeClr val="accent1"/>
+          </a:effectRef>
+          <a:fontRef idx="minor">
+            <a:schemeClr val="lt1"/>
+          </a:fontRef>
+        </p:style>
+        <p:txBody>
+          <a:bodyPr rtlCol="0" anchor="ctr"/>
           <a:lstStyle/>
           <a:p>
-            <a:endParaRPr lang="zh-CN" altLang="en-US" sz="2000" dirty="0"/>
+            <a:pPr algn="ctr"/>
+            <a:r>
+              <a:rPr lang="zh-CN" altLang="en-US" dirty="0">
+                <a:solidFill>
+                  <a:schemeClr val="tx1">
+                    <a:lumMod val="95000"/>
+                    <a:lumOff val="5000"/>
+                  </a:schemeClr>
+                </a:solidFill>
+              </a:rPr>
+              <a:t>从键盘或文件获取输入</a:t>
+            </a:r>
+          </a:p>
+        </p:txBody>
+      </p:sp>
+      <p:cxnSp>
+        <p:nvCxnSpPr>
+          <p:cNvPr id="9" name="直接箭头连接符 8">
+            <a:extLst>
+              <a:ext uri="{FF2B5EF4-FFF2-40B4-BE49-F238E27FC236}">
+                <a16:creationId xmlns:a16="http://schemas.microsoft.com/office/drawing/2014/main" id="{A85DD9C2-A50F-4334-A9B0-82057A6F0DEB}"/>
+              </a:ext>
+            </a:extLst>
+          </p:cNvPr>
+          <p:cNvCxnSpPr>
+            <a:cxnSpLocks/>
+            <a:stCxn id="7" idx="3"/>
+          </p:cNvCxnSpPr>
+          <p:nvPr/>
+        </p:nvCxnSpPr>
+        <p:spPr>
+          <a:xfrm flipV="1">
+            <a:off x="3344007" y="2009042"/>
+            <a:ext cx="700455" cy="1"/>
+          </a:xfrm>
+          <a:prstGeom prst="straightConnector1">
+            <a:avLst/>
+          </a:prstGeom>
+          <a:ln>
+            <a:solidFill>
+              <a:schemeClr val="tx1">
+                <a:lumMod val="95000"/>
+                <a:lumOff val="5000"/>
+              </a:schemeClr>
+            </a:solidFill>
+            <a:tailEnd type="triangle"/>
+          </a:ln>
+        </p:spPr>
+        <p:style>
+          <a:lnRef idx="1">
+            <a:schemeClr val="accent1"/>
+          </a:lnRef>
+          <a:fillRef idx="0">
+            <a:schemeClr val="accent1"/>
+          </a:fillRef>
+          <a:effectRef idx="0">
+            <a:schemeClr val="accent1"/>
+          </a:effectRef>
+          <a:fontRef idx="minor">
+            <a:schemeClr val="tx1"/>
+          </a:fontRef>
+        </p:style>
+      </p:cxnSp>
+      <p:sp>
+        <p:nvSpPr>
+          <p:cNvPr id="11" name="矩形 10">
+            <a:extLst>
+              <a:ext uri="{FF2B5EF4-FFF2-40B4-BE49-F238E27FC236}">
+                <a16:creationId xmlns:a16="http://schemas.microsoft.com/office/drawing/2014/main" id="{BB8C4E82-5848-442E-B6D9-E567BEED765C}"/>
+              </a:ext>
+            </a:extLst>
+          </p:cNvPr>
+          <p:cNvSpPr/>
+          <p:nvPr/>
+        </p:nvSpPr>
+        <p:spPr>
+          <a:xfrm>
+            <a:off x="4044462" y="1839058"/>
+            <a:ext cx="3121270" cy="360482"/>
+          </a:xfrm>
+          <a:prstGeom prst="rect">
+            <a:avLst/>
+          </a:prstGeom>
+          <a:solidFill>
+            <a:schemeClr val="bg1"/>
+          </a:solidFill>
+        </p:spPr>
+        <p:style>
+          <a:lnRef idx="2">
+            <a:schemeClr val="accent1">
+              <a:shade val="50000"/>
+            </a:schemeClr>
+          </a:lnRef>
+          <a:fillRef idx="1">
+            <a:schemeClr val="accent1"/>
+          </a:fillRef>
+          <a:effectRef idx="0">
+            <a:schemeClr val="accent1"/>
+          </a:effectRef>
+          <a:fontRef idx="minor">
+            <a:schemeClr val="lt1"/>
+          </a:fontRef>
+        </p:style>
+        <p:txBody>
+          <a:bodyPr rtlCol="0" anchor="ctr"/>
+          <a:lstStyle/>
+          <a:p>
+            <a:pPr algn="ctr"/>
+            <a:r>
+              <a:rPr lang="zh-CN" altLang="en-US" dirty="0">
+                <a:solidFill>
+                  <a:schemeClr val="tx1">
+                    <a:lumMod val="95000"/>
+                    <a:lumOff val="5000"/>
+                  </a:schemeClr>
+                </a:solidFill>
+              </a:rPr>
+              <a:t>解析文本得到命令参数信息</a:t>
+            </a:r>
+          </a:p>
+        </p:txBody>
+      </p:sp>
+      <p:cxnSp>
+        <p:nvCxnSpPr>
+          <p:cNvPr id="14" name="直接箭头连接符 13">
+            <a:extLst>
+              <a:ext uri="{FF2B5EF4-FFF2-40B4-BE49-F238E27FC236}">
+                <a16:creationId xmlns:a16="http://schemas.microsoft.com/office/drawing/2014/main" id="{591A6EB5-3270-4CAD-AE34-300ED5D716C6}"/>
+              </a:ext>
+            </a:extLst>
+          </p:cNvPr>
+          <p:cNvCxnSpPr>
+            <a:cxnSpLocks/>
+          </p:cNvCxnSpPr>
+          <p:nvPr/>
+        </p:nvCxnSpPr>
+        <p:spPr>
+          <a:xfrm flipV="1">
+            <a:off x="7165732" y="2026627"/>
+            <a:ext cx="712176" cy="1"/>
+          </a:xfrm>
+          <a:prstGeom prst="straightConnector1">
+            <a:avLst/>
+          </a:prstGeom>
+          <a:ln>
+            <a:solidFill>
+              <a:schemeClr val="tx1">
+                <a:lumMod val="95000"/>
+                <a:lumOff val="5000"/>
+              </a:schemeClr>
+            </a:solidFill>
+            <a:tailEnd type="triangle"/>
+          </a:ln>
+        </p:spPr>
+        <p:style>
+          <a:lnRef idx="1">
+            <a:schemeClr val="accent1"/>
+          </a:lnRef>
+          <a:fillRef idx="0">
+            <a:schemeClr val="accent1"/>
+          </a:fillRef>
+          <a:effectRef idx="0">
+            <a:schemeClr val="accent1"/>
+          </a:effectRef>
+          <a:fontRef idx="minor">
+            <a:schemeClr val="tx1"/>
+          </a:fontRef>
+        </p:style>
+      </p:cxnSp>
+      <p:sp>
+        <p:nvSpPr>
+          <p:cNvPr id="19" name="矩形 18">
+            <a:extLst>
+              <a:ext uri="{FF2B5EF4-FFF2-40B4-BE49-F238E27FC236}">
+                <a16:creationId xmlns:a16="http://schemas.microsoft.com/office/drawing/2014/main" id="{EACE3CEC-4CD6-4EB8-ABEB-104152432DE1}"/>
+              </a:ext>
+            </a:extLst>
+          </p:cNvPr>
+          <p:cNvSpPr/>
+          <p:nvPr/>
+        </p:nvSpPr>
+        <p:spPr>
+          <a:xfrm>
+            <a:off x="7877908" y="1641234"/>
+            <a:ext cx="3121270" cy="1116611"/>
+          </a:xfrm>
+          <a:prstGeom prst="rect">
+            <a:avLst/>
+          </a:prstGeom>
+          <a:solidFill>
+            <a:schemeClr val="bg1"/>
+          </a:solidFill>
+        </p:spPr>
+        <p:style>
+          <a:lnRef idx="2">
+            <a:schemeClr val="accent1">
+              <a:shade val="50000"/>
+            </a:schemeClr>
+          </a:lnRef>
+          <a:fillRef idx="1">
+            <a:schemeClr val="accent1"/>
+          </a:fillRef>
+          <a:effectRef idx="0">
+            <a:schemeClr val="accent1"/>
+          </a:effectRef>
+          <a:fontRef idx="minor">
+            <a:schemeClr val="lt1"/>
+          </a:fontRef>
+        </p:style>
+        <p:txBody>
+          <a:bodyPr rtlCol="0" anchor="ctr"/>
+          <a:lstStyle/>
+          <a:p>
+            <a:pPr algn="ctr"/>
+            <a:r>
+              <a:rPr lang="zh-CN" altLang="en-US" dirty="0">
+                <a:solidFill>
+                  <a:schemeClr val="tx1">
+                    <a:lumMod val="95000"/>
+                    <a:lumOff val="5000"/>
+                  </a:schemeClr>
+                </a:solidFill>
+              </a:rPr>
+              <a:t>根据输入的命令名称从</a:t>
+            </a:r>
+            <a:r>
+              <a:rPr lang="en-US" altLang="zh-CN" dirty="0">
+                <a:solidFill>
+                  <a:schemeClr val="tx1">
+                    <a:lumMod val="95000"/>
+                    <a:lumOff val="5000"/>
+                  </a:schemeClr>
+                </a:solidFill>
+              </a:rPr>
+              <a:t>PATH</a:t>
+            </a:r>
+            <a:r>
+              <a:rPr lang="zh-CN" altLang="en-US" dirty="0">
+                <a:solidFill>
+                  <a:schemeClr val="tx1">
+                    <a:lumMod val="95000"/>
+                    <a:lumOff val="5000"/>
+                  </a:schemeClr>
+                </a:solidFill>
+              </a:rPr>
+              <a:t>环境变量设置的搜索路径搜索程序</a:t>
+            </a:r>
+          </a:p>
+        </p:txBody>
+      </p:sp>
+      <p:cxnSp>
+        <p:nvCxnSpPr>
+          <p:cNvPr id="20" name="直接箭头连接符 19">
+            <a:extLst>
+              <a:ext uri="{FF2B5EF4-FFF2-40B4-BE49-F238E27FC236}">
+                <a16:creationId xmlns:a16="http://schemas.microsoft.com/office/drawing/2014/main" id="{CA8EC419-6245-4811-9F99-6F5928ABAB30}"/>
+              </a:ext>
+            </a:extLst>
+          </p:cNvPr>
+          <p:cNvCxnSpPr>
+            <a:cxnSpLocks/>
+          </p:cNvCxnSpPr>
+          <p:nvPr/>
+        </p:nvCxnSpPr>
+        <p:spPr>
+          <a:xfrm flipH="1">
+            <a:off x="7069015" y="3852495"/>
+            <a:ext cx="1628045" cy="0"/>
+          </a:xfrm>
+          <a:prstGeom prst="straightConnector1">
+            <a:avLst/>
+          </a:prstGeom>
+          <a:ln>
+            <a:solidFill>
+              <a:schemeClr val="tx1">
+                <a:lumMod val="95000"/>
+                <a:lumOff val="5000"/>
+              </a:schemeClr>
+            </a:solidFill>
+            <a:tailEnd type="triangle"/>
+          </a:ln>
+        </p:spPr>
+        <p:style>
+          <a:lnRef idx="1">
+            <a:schemeClr val="accent1"/>
+          </a:lnRef>
+          <a:fillRef idx="0">
+            <a:schemeClr val="accent1"/>
+          </a:fillRef>
+          <a:effectRef idx="0">
+            <a:schemeClr val="accent1"/>
+          </a:effectRef>
+          <a:fontRef idx="minor">
+            <a:schemeClr val="tx1"/>
+          </a:fontRef>
+        </p:style>
+      </p:cxnSp>
+      <p:cxnSp>
+        <p:nvCxnSpPr>
+          <p:cNvPr id="22" name="直接箭头连接符 21">
+            <a:extLst>
+              <a:ext uri="{FF2B5EF4-FFF2-40B4-BE49-F238E27FC236}">
+                <a16:creationId xmlns:a16="http://schemas.microsoft.com/office/drawing/2014/main" id="{215545C5-2A30-45FC-9CBF-EEB9A90E0120}"/>
+              </a:ext>
+            </a:extLst>
+          </p:cNvPr>
+          <p:cNvCxnSpPr>
+            <a:cxnSpLocks/>
+          </p:cNvCxnSpPr>
+          <p:nvPr/>
+        </p:nvCxnSpPr>
+        <p:spPr>
+          <a:xfrm>
+            <a:off x="9996853" y="2757845"/>
+            <a:ext cx="0" cy="970093"/>
+          </a:xfrm>
+          <a:prstGeom prst="straightConnector1">
+            <a:avLst/>
+          </a:prstGeom>
+          <a:ln>
+            <a:solidFill>
+              <a:schemeClr val="tx1">
+                <a:lumMod val="95000"/>
+                <a:lumOff val="5000"/>
+              </a:schemeClr>
+            </a:solidFill>
+            <a:tailEnd type="triangle"/>
+          </a:ln>
+        </p:spPr>
+        <p:style>
+          <a:lnRef idx="1">
+            <a:schemeClr val="accent1"/>
+          </a:lnRef>
+          <a:fillRef idx="0">
+            <a:schemeClr val="accent1"/>
+          </a:fillRef>
+          <a:effectRef idx="0">
+            <a:schemeClr val="accent1"/>
+          </a:effectRef>
+          <a:fontRef idx="minor">
+            <a:schemeClr val="tx1"/>
+          </a:fontRef>
+        </p:style>
+      </p:cxnSp>
+      <p:cxnSp>
+        <p:nvCxnSpPr>
+          <p:cNvPr id="26" name="直接连接符 25">
+            <a:extLst>
+              <a:ext uri="{FF2B5EF4-FFF2-40B4-BE49-F238E27FC236}">
+                <a16:creationId xmlns:a16="http://schemas.microsoft.com/office/drawing/2014/main" id="{75D2BED6-EA90-466A-AAB3-B008BB53FA3A}"/>
+              </a:ext>
+            </a:extLst>
+          </p:cNvPr>
+          <p:cNvCxnSpPr/>
+          <p:nvPr/>
+        </p:nvCxnSpPr>
+        <p:spPr>
+          <a:xfrm>
+            <a:off x="8704385" y="2757845"/>
+            <a:ext cx="0" cy="1093186"/>
+          </a:xfrm>
+          <a:prstGeom prst="line">
+            <a:avLst/>
+          </a:prstGeom>
+          <a:ln>
+            <a:solidFill>
+              <a:schemeClr val="tx1">
+                <a:lumMod val="95000"/>
+                <a:lumOff val="5000"/>
+              </a:schemeClr>
+            </a:solidFill>
+          </a:ln>
+        </p:spPr>
+        <p:style>
+          <a:lnRef idx="1">
+            <a:schemeClr val="accent1"/>
+          </a:lnRef>
+          <a:fillRef idx="0">
+            <a:schemeClr val="accent1"/>
+          </a:fillRef>
+          <a:effectRef idx="0">
+            <a:schemeClr val="accent1"/>
+          </a:effectRef>
+          <a:fontRef idx="minor">
+            <a:schemeClr val="tx1"/>
+          </a:fontRef>
+        </p:style>
+      </p:cxnSp>
+      <p:sp>
+        <p:nvSpPr>
+          <p:cNvPr id="28" name="矩形 27">
+            <a:extLst>
+              <a:ext uri="{FF2B5EF4-FFF2-40B4-BE49-F238E27FC236}">
+                <a16:creationId xmlns:a16="http://schemas.microsoft.com/office/drawing/2014/main" id="{18A93B0E-50BE-451A-872D-5D6337C225DF}"/>
+              </a:ext>
+            </a:extLst>
+          </p:cNvPr>
+          <p:cNvSpPr/>
+          <p:nvPr/>
+        </p:nvSpPr>
+        <p:spPr>
+          <a:xfrm>
+            <a:off x="10078917" y="3002541"/>
+            <a:ext cx="920262" cy="360482"/>
+          </a:xfrm>
+          <a:prstGeom prst="rect">
+            <a:avLst/>
+          </a:prstGeom>
+          <a:solidFill>
+            <a:schemeClr val="bg1"/>
+          </a:solidFill>
+          <a:ln>
+            <a:solidFill>
+              <a:schemeClr val="bg1"/>
+            </a:solidFill>
+          </a:ln>
+        </p:spPr>
+        <p:style>
+          <a:lnRef idx="2">
+            <a:schemeClr val="accent1">
+              <a:shade val="50000"/>
+            </a:schemeClr>
+          </a:lnRef>
+          <a:fillRef idx="1">
+            <a:schemeClr val="accent1"/>
+          </a:fillRef>
+          <a:effectRef idx="0">
+            <a:schemeClr val="accent1"/>
+          </a:effectRef>
+          <a:fontRef idx="minor">
+            <a:schemeClr val="lt1"/>
+          </a:fontRef>
+        </p:style>
+        <p:txBody>
+          <a:bodyPr rtlCol="0" anchor="ctr"/>
+          <a:lstStyle/>
+          <a:p>
+            <a:pPr algn="ctr"/>
+            <a:r>
+              <a:rPr lang="zh-CN" altLang="en-US" dirty="0">
+                <a:solidFill>
+                  <a:schemeClr val="tx1">
+                    <a:lumMod val="95000"/>
+                    <a:lumOff val="5000"/>
+                  </a:schemeClr>
+                </a:solidFill>
+              </a:rPr>
+              <a:t>未发现</a:t>
+            </a:r>
+          </a:p>
+        </p:txBody>
+      </p:sp>
+      <p:sp>
+        <p:nvSpPr>
+          <p:cNvPr id="29" name="矩形 28">
+            <a:extLst>
+              <a:ext uri="{FF2B5EF4-FFF2-40B4-BE49-F238E27FC236}">
+                <a16:creationId xmlns:a16="http://schemas.microsoft.com/office/drawing/2014/main" id="{7C3DCF21-8C85-4D2D-8E50-F8DD5AE73FE8}"/>
+              </a:ext>
+            </a:extLst>
+          </p:cNvPr>
+          <p:cNvSpPr/>
+          <p:nvPr/>
+        </p:nvSpPr>
+        <p:spPr>
+          <a:xfrm>
+            <a:off x="9068537" y="3732314"/>
+            <a:ext cx="2020759" cy="631534"/>
+          </a:xfrm>
+          <a:prstGeom prst="rect">
+            <a:avLst/>
+          </a:prstGeom>
+          <a:solidFill>
+            <a:schemeClr val="bg1"/>
+          </a:solidFill>
+        </p:spPr>
+        <p:style>
+          <a:lnRef idx="2">
+            <a:schemeClr val="accent1">
+              <a:shade val="50000"/>
+            </a:schemeClr>
+          </a:lnRef>
+          <a:fillRef idx="1">
+            <a:schemeClr val="accent1"/>
+          </a:fillRef>
+          <a:effectRef idx="0">
+            <a:schemeClr val="accent1"/>
+          </a:effectRef>
+          <a:fontRef idx="minor">
+            <a:schemeClr val="lt1"/>
+          </a:fontRef>
+        </p:style>
+        <p:txBody>
+          <a:bodyPr rtlCol="0" anchor="ctr"/>
+          <a:lstStyle/>
+          <a:p>
+            <a:pPr algn="ctr"/>
+            <a:r>
+              <a:rPr lang="zh-CN" altLang="en-US" dirty="0">
+                <a:solidFill>
+                  <a:schemeClr val="tx1">
+                    <a:lumMod val="95000"/>
+                    <a:lumOff val="5000"/>
+                  </a:schemeClr>
+                </a:solidFill>
+              </a:rPr>
+              <a:t>输出错误提示信息</a:t>
+            </a:r>
+          </a:p>
+        </p:txBody>
+      </p:sp>
+      <p:sp>
+        <p:nvSpPr>
+          <p:cNvPr id="30" name="矩形 29">
+            <a:extLst>
+              <a:ext uri="{FF2B5EF4-FFF2-40B4-BE49-F238E27FC236}">
+                <a16:creationId xmlns:a16="http://schemas.microsoft.com/office/drawing/2014/main" id="{9658F369-4B38-468A-A016-82E9A02E4DA7}"/>
+              </a:ext>
+            </a:extLst>
+          </p:cNvPr>
+          <p:cNvSpPr/>
+          <p:nvPr/>
+        </p:nvSpPr>
+        <p:spPr>
+          <a:xfrm>
+            <a:off x="7455875" y="3068518"/>
+            <a:ext cx="1166447" cy="360482"/>
+          </a:xfrm>
+          <a:prstGeom prst="rect">
+            <a:avLst/>
+          </a:prstGeom>
+          <a:solidFill>
+            <a:schemeClr val="bg1"/>
+          </a:solidFill>
+          <a:ln>
+            <a:solidFill>
+              <a:schemeClr val="bg1"/>
+            </a:solidFill>
+          </a:ln>
+        </p:spPr>
+        <p:style>
+          <a:lnRef idx="2">
+            <a:schemeClr val="accent1">
+              <a:shade val="50000"/>
+            </a:schemeClr>
+          </a:lnRef>
+          <a:fillRef idx="1">
+            <a:schemeClr val="accent1"/>
+          </a:fillRef>
+          <a:effectRef idx="0">
+            <a:schemeClr val="accent1"/>
+          </a:effectRef>
+          <a:fontRef idx="minor">
+            <a:schemeClr val="lt1"/>
+          </a:fontRef>
+        </p:style>
+        <p:txBody>
+          <a:bodyPr rtlCol="0" anchor="ctr"/>
+          <a:lstStyle/>
+          <a:p>
+            <a:pPr algn="ctr"/>
+            <a:r>
+              <a:rPr lang="zh-CN" altLang="en-US" dirty="0">
+                <a:solidFill>
+                  <a:schemeClr val="tx1">
+                    <a:lumMod val="95000"/>
+                    <a:lumOff val="5000"/>
+                  </a:schemeClr>
+                </a:solidFill>
+              </a:rPr>
+              <a:t>找到程序</a:t>
+            </a:r>
+          </a:p>
+        </p:txBody>
+      </p:sp>
+      <p:sp>
+        <p:nvSpPr>
+          <p:cNvPr id="33" name="矩形 32">
+            <a:extLst>
+              <a:ext uri="{FF2B5EF4-FFF2-40B4-BE49-F238E27FC236}">
+                <a16:creationId xmlns:a16="http://schemas.microsoft.com/office/drawing/2014/main" id="{C87698C1-BC8B-4176-B9D6-AE9048F78C41}"/>
+              </a:ext>
+            </a:extLst>
+          </p:cNvPr>
+          <p:cNvSpPr/>
+          <p:nvPr/>
+        </p:nvSpPr>
+        <p:spPr>
+          <a:xfrm>
+            <a:off x="2944691" y="3231108"/>
+            <a:ext cx="4125057" cy="1241225"/>
+          </a:xfrm>
+          <a:prstGeom prst="rect">
+            <a:avLst/>
+          </a:prstGeom>
+          <a:solidFill>
+            <a:schemeClr val="bg1"/>
+          </a:solidFill>
+        </p:spPr>
+        <p:style>
+          <a:lnRef idx="2">
+            <a:schemeClr val="accent1">
+              <a:shade val="50000"/>
+            </a:schemeClr>
+          </a:lnRef>
+          <a:fillRef idx="1">
+            <a:schemeClr val="accent1"/>
+          </a:fillRef>
+          <a:effectRef idx="0">
+            <a:schemeClr val="accent1"/>
+          </a:effectRef>
+          <a:fontRef idx="minor">
+            <a:schemeClr val="lt1"/>
+          </a:fontRef>
+        </p:style>
+        <p:txBody>
+          <a:bodyPr rtlCol="0" anchor="ctr"/>
+          <a:lstStyle/>
+          <a:p>
+            <a:pPr algn="ctr"/>
+            <a:r>
+              <a:rPr lang="zh-CN" altLang="en-US" dirty="0">
+                <a:solidFill>
+                  <a:schemeClr val="tx1">
+                    <a:lumMod val="95000"/>
+                    <a:lumOff val="5000"/>
+                  </a:schemeClr>
+                </a:solidFill>
+              </a:rPr>
+              <a:t>通过内核提供的系统调用创建子进程运行命令。</a:t>
+            </a:r>
           </a:p>
         </p:txBody>
       </p:sp>
@@ -5961,32 +6696,12 @@
           <a:lstStyle/>
           <a:p>
             <a:r>
-              <a:rPr lang="zh-CN" altLang="en-US" sz="2000" dirty="0"/>
-              <a:t>把一条命令的</a:t>
-            </a:r>
-            <a:r>
-              <a:rPr lang="en-US" altLang="zh-CN" sz="2000" dirty="0"/>
-              <a:t>STDOUT</a:t>
-            </a:r>
-            <a:r>
-              <a:rPr lang="zh-CN" altLang="en-US" sz="2000" dirty="0"/>
-              <a:t>连接到另一条命令的</a:t>
-            </a:r>
-            <a:r>
-              <a:rPr lang="en-US" altLang="zh-CN" sz="2000" dirty="0"/>
-              <a:t>STDIN</a:t>
-            </a:r>
-            <a:r>
-              <a:rPr lang="zh-CN" altLang="en-US" sz="2000" dirty="0"/>
-              <a:t>上，可以用 </a:t>
-            </a:r>
-            <a:r>
               <a:rPr lang="en-US" altLang="zh-CN" sz="2000" dirty="0"/>
               <a:t>| </a:t>
             </a:r>
             <a:r>
               <a:rPr lang="zh-CN" altLang="en-US" sz="2000" dirty="0"/>
-              <a:t>这个符号，它叫做管道。</a:t>
+              <a:t>用于连接一个程序的输出和另一个程序的输入。</a:t>
             </a:r>
             <a:endParaRPr lang="en-US" altLang="zh-CN" sz="2000" dirty="0"/>
           </a:p>
@@ -6008,22 +6723,30 @@
             </a:r>
             <a:r>
               <a:rPr lang="zh-CN" altLang="en-US" sz="2000" dirty="0"/>
-              <a:t>时会创建管道，并创建两个进程，把标准输入输出重定向到管道，前一个进程向管道写数据，后一个进程从管道读数据。</a:t>
-            </a:r>
-            <a:endParaRPr lang="en-US" altLang="zh-CN" sz="2000" dirty="0"/>
-          </a:p>
-          <a:p>
-            <a:endParaRPr lang="en-US" altLang="zh-CN" sz="2000" dirty="0"/>
-          </a:p>
-          <a:p>
-            <a:r>
-              <a:rPr lang="zh-CN" altLang="zh-CN" sz="2000" dirty="0"/>
-              <a:t>在管道中只有标准输出才传递给下一个命令 标准错误输出直接输出到终端</a:t>
-            </a:r>
-            <a:r>
-              <a:rPr lang="zh-CN" altLang="en-US" sz="2000" dirty="0"/>
-              <a:t>。</a:t>
-            </a:r>
+              <a:t>时会创建管道，</a:t>
+            </a:r>
+            <a:r>
+              <a:rPr lang="zh-CN" altLang="en-US" sz="2000" dirty="0">
+                <a:solidFill>
+                  <a:schemeClr val="accent2">
+                    <a:lumMod val="50000"/>
+                  </a:schemeClr>
+                </a:solidFill>
+              </a:rPr>
+              <a:t>并创建两个进程，把标准输入输出重定向到管道，前一个进程向管道写数据，后一个进程从管道读数据。</a:t>
+            </a:r>
+            <a:endParaRPr lang="en-US" altLang="zh-CN" sz="2000" dirty="0">
+              <a:solidFill>
+                <a:schemeClr val="accent2">
+                  <a:lumMod val="50000"/>
+                </a:schemeClr>
+              </a:solidFill>
+            </a:endParaRPr>
+          </a:p>
+          <a:p>
+            <a:pPr marL="0" indent="0">
+              <a:buNone/>
+            </a:pPr>
             <a:endParaRPr lang="en-US" altLang="zh-CN" sz="2000" dirty="0"/>
           </a:p>
           <a:p>
@@ -6291,10 +7014,10 @@
       </p:grpSpPr>
       <p:sp>
         <p:nvSpPr>
-          <p:cNvPr id="2" name="标题 1">
-            <a:extLst>
-              <a:ext uri="{FF2B5EF4-FFF2-40B4-BE49-F238E27FC236}">
-                <a16:creationId xmlns:a16="http://schemas.microsoft.com/office/drawing/2014/main" id="{8B88BACC-24DE-4087-9AB3-A099CF573089}"/>
+          <p:cNvPr id="4" name="标题 3">
+            <a:extLst>
+              <a:ext uri="{FF2B5EF4-FFF2-40B4-BE49-F238E27FC236}">
+                <a16:creationId xmlns:a16="http://schemas.microsoft.com/office/drawing/2014/main" id="{2729939D-814A-4BD2-9922-3F8EA865938B}"/>
               </a:ext>
             </a:extLst>
           </p:cNvPr>
@@ -6305,11 +7028,20 @@
             <p:ph type="title"/>
           </p:nvPr>
         </p:nvSpPr>
-        <p:spPr/>
+        <p:spPr>
+          <a:xfrm>
+            <a:off x="838200" y="683581"/>
+            <a:ext cx="10515600" cy="736846"/>
+          </a:xfrm>
+        </p:spPr>
         <p:txBody>
           <a:bodyPr/>
           <a:lstStyle/>
           <a:p>
+            <a:r>
+              <a:rPr lang="en-US" altLang="zh-CN" dirty="0"/>
+              <a:t>3</a:t>
+            </a:r>
             <a:endParaRPr lang="zh-CN" altLang="en-US" dirty="0"/>
           </a:p>
         </p:txBody>
@@ -6319,7 +7051,7 @@
           <p:cNvPr id="3" name="内容占位符 2">
             <a:extLst>
               <a:ext uri="{FF2B5EF4-FFF2-40B4-BE49-F238E27FC236}">
-                <a16:creationId xmlns:a16="http://schemas.microsoft.com/office/drawing/2014/main" id="{0A1C6B17-780B-4799-8193-E52FD817AC0E}"/>
+                <a16:creationId xmlns:a16="http://schemas.microsoft.com/office/drawing/2014/main" id="{4C1193B6-9CFF-4FAE-AB0A-97DE12E9A50A}"/>
               </a:ext>
             </a:extLst>
           </p:cNvPr>
@@ -6332,17 +7064,39 @@
         </p:nvSpPr>
         <p:spPr/>
         <p:txBody>
-          <a:bodyPr/>
+          <a:bodyPr anchor="ctr"/>
           <a:lstStyle/>
           <a:p>
-            <a:endParaRPr lang="en-US" altLang="zh-CN" sz="2000" dirty="0"/>
+            <a:pPr marL="0" indent="0" algn="ctr">
+              <a:buNone/>
+            </a:pPr>
+            <a:r>
+              <a:rPr lang="en-US" altLang="zh-CN" dirty="0">
+                <a:solidFill>
+                  <a:schemeClr val="accent1">
+                    <a:lumMod val="50000"/>
+                  </a:schemeClr>
+                </a:solidFill>
+              </a:rPr>
+              <a:t>shell</a:t>
+            </a:r>
+            <a:r>
+              <a:rPr lang="zh-CN" altLang="en-US" dirty="0">
+                <a:solidFill>
+                  <a:schemeClr val="accent1">
+                    <a:lumMod val="50000"/>
+                  </a:schemeClr>
+                </a:solidFill>
+              </a:rPr>
+              <a:t>脚本</a:t>
+            </a:r>
           </a:p>
         </p:txBody>
       </p:sp>
     </p:spTree>
     <p:extLst>
       <p:ext uri="{BB962C8B-B14F-4D97-AF65-F5344CB8AC3E}">
-        <p14:creationId xmlns:p14="http://schemas.microsoft.com/office/powerpoint/2010/main" val="1662545917"/>
+        <p14:creationId xmlns:p14="http://schemas.microsoft.com/office/powerpoint/2010/main" val="3750985408"/>
       </p:ext>
     </p:extLst>
   </p:cSld>
@@ -6371,10 +7125,10 @@
       </p:grpSpPr>
       <p:sp>
         <p:nvSpPr>
-          <p:cNvPr id="4" name="标题 3">
-            <a:extLst>
-              <a:ext uri="{FF2B5EF4-FFF2-40B4-BE49-F238E27FC236}">
-                <a16:creationId xmlns:a16="http://schemas.microsoft.com/office/drawing/2014/main" id="{2729939D-814A-4BD2-9922-3F8EA865938B}"/>
+          <p:cNvPr id="2" name="标题 1">
+            <a:extLst>
+              <a:ext uri="{FF2B5EF4-FFF2-40B4-BE49-F238E27FC236}">
+                <a16:creationId xmlns:a16="http://schemas.microsoft.com/office/drawing/2014/main" id="{8B88BACC-24DE-4087-9AB3-A099CF573089}"/>
               </a:ext>
             </a:extLst>
           </p:cNvPr>
@@ -6385,21 +7139,19 @@
             <p:ph type="title"/>
           </p:nvPr>
         </p:nvSpPr>
-        <p:spPr>
-          <a:xfrm>
-            <a:off x="838200" y="683581"/>
-            <a:ext cx="10515600" cy="736846"/>
-          </a:xfrm>
-        </p:spPr>
+        <p:spPr/>
         <p:txBody>
           <a:bodyPr/>
           <a:lstStyle/>
           <a:p>
             <a:r>
               <a:rPr lang="en-US" altLang="zh-CN" dirty="0"/>
-              <a:t>3</a:t>
-            </a:r>
-            <a:endParaRPr lang="zh-CN" altLang="en-US" dirty="0"/>
+              <a:t>shell</a:t>
+            </a:r>
+            <a:r>
+              <a:rPr lang="zh-CN" altLang="en-US" dirty="0"/>
+              <a:t>脚本</a:t>
+            </a:r>
           </a:p>
         </p:txBody>
       </p:sp>
@@ -6408,7 +7160,7 @@
           <p:cNvPr id="3" name="内容占位符 2">
             <a:extLst>
               <a:ext uri="{FF2B5EF4-FFF2-40B4-BE49-F238E27FC236}">
-                <a16:creationId xmlns:a16="http://schemas.microsoft.com/office/drawing/2014/main" id="{4C1193B6-9CFF-4FAE-AB0A-97DE12E9A50A}"/>
+                <a16:creationId xmlns:a16="http://schemas.microsoft.com/office/drawing/2014/main" id="{0A1C6B17-780B-4799-8193-E52FD817AC0E}"/>
               </a:ext>
             </a:extLst>
           </p:cNvPr>
@@ -6421,115 +7173,6 @@
         </p:nvSpPr>
         <p:spPr/>
         <p:txBody>
-          <a:bodyPr anchor="ctr"/>
-          <a:lstStyle/>
-          <a:p>
-            <a:pPr marL="0" indent="0" algn="ctr">
-              <a:buNone/>
-            </a:pPr>
-            <a:r>
-              <a:rPr lang="en-US" altLang="zh-CN" dirty="0">
-                <a:solidFill>
-                  <a:schemeClr val="accent1">
-                    <a:lumMod val="50000"/>
-                  </a:schemeClr>
-                </a:solidFill>
-              </a:rPr>
-              <a:t>shell</a:t>
-            </a:r>
-            <a:r>
-              <a:rPr lang="zh-CN" altLang="en-US" dirty="0">
-                <a:solidFill>
-                  <a:schemeClr val="accent1">
-                    <a:lumMod val="50000"/>
-                  </a:schemeClr>
-                </a:solidFill>
-              </a:rPr>
-              <a:t>脚本</a:t>
-            </a:r>
-          </a:p>
-        </p:txBody>
-      </p:sp>
-    </p:spTree>
-    <p:extLst>
-      <p:ext uri="{BB962C8B-B14F-4D97-AF65-F5344CB8AC3E}">
-        <p14:creationId xmlns:p14="http://schemas.microsoft.com/office/powerpoint/2010/main" val="3750985408"/>
-      </p:ext>
-    </p:extLst>
-  </p:cSld>
-  <p:clrMapOvr>
-    <a:masterClrMapping/>
-  </p:clrMapOvr>
-</p:sld>
-</file>
-
-<file path=ppt/slides/slide18.xml><?xml version="1.0" encoding="utf-8"?>
-<p:sld xmlns:a="http://schemas.openxmlformats.org/drawingml/2006/main" xmlns:r="http://schemas.openxmlformats.org/officeDocument/2006/relationships" xmlns:p="http://schemas.openxmlformats.org/presentationml/2006/main">
-  <p:cSld>
-    <p:spTree>
-      <p:nvGrpSpPr>
-        <p:cNvPr id="1" name=""/>
-        <p:cNvGrpSpPr/>
-        <p:nvPr/>
-      </p:nvGrpSpPr>
-      <p:grpSpPr>
-        <a:xfrm>
-          <a:off x="0" y="0"/>
-          <a:ext cx="0" cy="0"/>
-          <a:chOff x="0" y="0"/>
-          <a:chExt cx="0" cy="0"/>
-        </a:xfrm>
-      </p:grpSpPr>
-      <p:sp>
-        <p:nvSpPr>
-          <p:cNvPr id="2" name="标题 1">
-            <a:extLst>
-              <a:ext uri="{FF2B5EF4-FFF2-40B4-BE49-F238E27FC236}">
-                <a16:creationId xmlns:a16="http://schemas.microsoft.com/office/drawing/2014/main" id="{8B88BACC-24DE-4087-9AB3-A099CF573089}"/>
-              </a:ext>
-            </a:extLst>
-          </p:cNvPr>
-          <p:cNvSpPr>
-            <a:spLocks noGrp="1"/>
-          </p:cNvSpPr>
-          <p:nvPr>
-            <p:ph type="title"/>
-          </p:nvPr>
-        </p:nvSpPr>
-        <p:spPr/>
-        <p:txBody>
-          <a:bodyPr/>
-          <a:lstStyle/>
-          <a:p>
-            <a:r>
-              <a:rPr lang="en-US" altLang="zh-CN" dirty="0"/>
-              <a:t>shell</a:t>
-            </a:r>
-            <a:r>
-              <a:rPr lang="zh-CN" altLang="en-US" dirty="0"/>
-              <a:t>脚本</a:t>
-            </a:r>
-          </a:p>
-        </p:txBody>
-      </p:sp>
-      <p:sp>
-        <p:nvSpPr>
-          <p:cNvPr id="3" name="内容占位符 2">
-            <a:extLst>
-              <a:ext uri="{FF2B5EF4-FFF2-40B4-BE49-F238E27FC236}">
-                <a16:creationId xmlns:a16="http://schemas.microsoft.com/office/drawing/2014/main" id="{0A1C6B17-780B-4799-8193-E52FD817AC0E}"/>
-              </a:ext>
-            </a:extLst>
-          </p:cNvPr>
-          <p:cNvSpPr>
-            <a:spLocks noGrp="1"/>
-          </p:cNvSpPr>
-          <p:nvPr>
-            <p:ph idx="1"/>
-          </p:nvPr>
-        </p:nvSpPr>
-        <p:spPr/>
-        <p:txBody>
           <a:bodyPr/>
           <a:lstStyle/>
           <a:p>
@@ -6785,7 +7428,7 @@
           <p:nvPr/>
         </p:nvPicPr>
         <p:blipFill>
-          <a:blip r:embed="rId2">
+          <a:blip r:embed="rId3">
             <a:extLst>
               <a:ext uri="{28A0092B-C50C-407E-A947-70E740481C1C}">
                 <a14:useLocalDpi xmlns:a14="http://schemas.microsoft.com/office/drawing/2010/main" val="0"/>
@@ -6819,6 +7462,166 @@
 </p:sld>
 </file>
 
+<file path=ppt/slides/slide18.xml><?xml version="1.0" encoding="utf-8"?>
+<p:sld xmlns:a="http://schemas.openxmlformats.org/drawingml/2006/main" xmlns:r="http://schemas.openxmlformats.org/officeDocument/2006/relationships" xmlns:p="http://schemas.openxmlformats.org/presentationml/2006/main">
+  <p:cSld>
+    <p:spTree>
+      <p:nvGrpSpPr>
+        <p:cNvPr id="1" name=""/>
+        <p:cNvGrpSpPr/>
+        <p:nvPr/>
+      </p:nvGrpSpPr>
+      <p:grpSpPr>
+        <a:xfrm>
+          <a:off x="0" y="0"/>
+          <a:ext cx="0" cy="0"/>
+          <a:chOff x="0" y="0"/>
+          <a:chExt cx="0" cy="0"/>
+        </a:xfrm>
+      </p:grpSpPr>
+      <p:sp>
+        <p:nvSpPr>
+          <p:cNvPr id="2" name="标题 1">
+            <a:extLst>
+              <a:ext uri="{FF2B5EF4-FFF2-40B4-BE49-F238E27FC236}">
+                <a16:creationId xmlns:a16="http://schemas.microsoft.com/office/drawing/2014/main" id="{8B88BACC-24DE-4087-9AB3-A099CF573089}"/>
+              </a:ext>
+            </a:extLst>
+          </p:cNvPr>
+          <p:cNvSpPr>
+            <a:spLocks noGrp="1"/>
+          </p:cNvSpPr>
+          <p:nvPr>
+            <p:ph type="title"/>
+          </p:nvPr>
+        </p:nvSpPr>
+        <p:spPr/>
+        <p:txBody>
+          <a:bodyPr/>
+          <a:lstStyle/>
+          <a:p>
+            <a:r>
+              <a:rPr lang="zh-CN" altLang="en-US" dirty="0"/>
+              <a:t>脚本的可执行权限</a:t>
+            </a:r>
+          </a:p>
+        </p:txBody>
+      </p:sp>
+      <p:sp>
+        <p:nvSpPr>
+          <p:cNvPr id="3" name="内容占位符 2">
+            <a:extLst>
+              <a:ext uri="{FF2B5EF4-FFF2-40B4-BE49-F238E27FC236}">
+                <a16:creationId xmlns:a16="http://schemas.microsoft.com/office/drawing/2014/main" id="{0A1C6B17-780B-4799-8193-E52FD817AC0E}"/>
+              </a:ext>
+            </a:extLst>
+          </p:cNvPr>
+          <p:cNvSpPr>
+            <a:spLocks noGrp="1"/>
+          </p:cNvSpPr>
+          <p:nvPr>
+            <p:ph idx="1"/>
+          </p:nvPr>
+        </p:nvSpPr>
+        <p:spPr/>
+        <p:txBody>
+          <a:bodyPr/>
+          <a:lstStyle/>
+          <a:p>
+            <a:endParaRPr lang="en-US" altLang="zh-CN" sz="2000" dirty="0"/>
+          </a:p>
+          <a:p>
+            <a:r>
+              <a:rPr lang="zh-CN" altLang="en-US" sz="2000" dirty="0"/>
+              <a:t>执行脚本可以使用 </a:t>
+            </a:r>
+            <a:r>
+              <a:rPr lang="en-US" altLang="zh-CN" sz="2000" dirty="0"/>
+              <a:t>bash [SCRIPT NAME]</a:t>
+            </a:r>
+            <a:r>
+              <a:rPr lang="zh-CN" altLang="en-US" sz="2000" dirty="0"/>
+              <a:t>，此时</a:t>
+            </a:r>
+            <a:r>
+              <a:rPr lang="en-US" altLang="zh-CN" sz="2000" dirty="0"/>
+              <a:t>bash</a:t>
+            </a:r>
+            <a:r>
+              <a:rPr lang="zh-CN" altLang="en-US" sz="2000" dirty="0"/>
+              <a:t>读取脚本文件并执行，</a:t>
+            </a:r>
+            <a:r>
+              <a:rPr lang="en-US" altLang="zh-CN" sz="2000" dirty="0"/>
+              <a:t>#!/bin/bash</a:t>
+            </a:r>
+            <a:r>
+              <a:rPr lang="zh-CN" altLang="en-US" sz="2000" dirty="0"/>
+              <a:t>是被解释为注释。</a:t>
+            </a:r>
+            <a:endParaRPr lang="en-US" altLang="zh-CN" sz="2000" dirty="0"/>
+          </a:p>
+          <a:p>
+            <a:endParaRPr lang="en-US" altLang="zh-CN" sz="2000" dirty="0"/>
+          </a:p>
+          <a:p>
+            <a:r>
+              <a:rPr lang="zh-CN" altLang="en-US" sz="2000" dirty="0"/>
+              <a:t>另一种方式就是给脚本添加可执行权限：</a:t>
+            </a:r>
+            <a:r>
+              <a:rPr lang="en-US" altLang="zh-CN" sz="2000" dirty="0" err="1"/>
+              <a:t>chmod</a:t>
+            </a:r>
+            <a:r>
+              <a:rPr lang="en-US" altLang="zh-CN" sz="2000" dirty="0"/>
+              <a:t> +x [SCRIPT NAME]</a:t>
+            </a:r>
+          </a:p>
+          <a:p>
+            <a:endParaRPr lang="en-US" altLang="zh-CN" sz="2000" dirty="0"/>
+          </a:p>
+          <a:p>
+            <a:r>
+              <a:rPr lang="zh-CN" altLang="en-US" sz="2000" dirty="0"/>
+              <a:t>给脚本添加执行权限，脚本开头的</a:t>
+            </a:r>
+            <a:r>
+              <a:rPr lang="en-US" altLang="zh-CN" sz="2000" dirty="0"/>
+              <a:t>#!/bin/bash</a:t>
+            </a:r>
+            <a:r>
+              <a:rPr lang="zh-CN" altLang="en-US" sz="2000" dirty="0"/>
+              <a:t>声明这是一个脚本文件，要用</a:t>
+            </a:r>
+            <a:r>
+              <a:rPr lang="en-US" altLang="zh-CN" sz="2000" dirty="0"/>
+              <a:t>/bin/bash</a:t>
+            </a:r>
+            <a:r>
+              <a:rPr lang="zh-CN" altLang="en-US" sz="2000" dirty="0"/>
+              <a:t>执行。</a:t>
+            </a:r>
+            <a:endParaRPr lang="en-US" altLang="zh-CN" sz="2000" dirty="0"/>
+          </a:p>
+          <a:p>
+            <a:endParaRPr lang="en-US" altLang="zh-CN" sz="2000" dirty="0"/>
+          </a:p>
+        </p:txBody>
+      </p:sp>
+    </p:spTree>
+    <p:extLst>
+      <p:ext uri="{BB962C8B-B14F-4D97-AF65-F5344CB8AC3E}">
+        <p14:creationId xmlns:p14="http://schemas.microsoft.com/office/powerpoint/2010/main" val="3466496868"/>
+      </p:ext>
+    </p:extLst>
+  </p:cSld>
+  <p:clrMapOvr>
+    <a:masterClrMapping/>
+  </p:clrMapOvr>
+</p:sld>
+</file>
+
 <file path=ppt/slides/slide19.xml><?xml version="1.0" encoding="utf-8"?>
 <p:sld xmlns:a="http://schemas.openxmlformats.org/drawingml/2006/main" xmlns:r="http://schemas.openxmlformats.org/officeDocument/2006/relationships" xmlns:p="http://schemas.openxmlformats.org/presentationml/2006/main">
   <p:cSld>
@@ -6859,7 +7662,7 @@
           <a:p>
             <a:r>
               <a:rPr lang="zh-CN" altLang="en-US" dirty="0"/>
-              <a:t>脚本的可执行权限</a:t>
+              <a:t>变量</a:t>
             </a:r>
           </a:p>
         </p:txBody>
@@ -6885,36 +7688,48 @@
           <a:bodyPr/>
           <a:lstStyle/>
           <a:p>
+            <a:r>
+              <a:rPr lang="en-US" altLang="zh-CN" sz="2000" dirty="0"/>
+              <a:t>shell</a:t>
+            </a:r>
+            <a:r>
+              <a:rPr lang="zh-CN" altLang="en-US" sz="2000" dirty="0"/>
+              <a:t>运行</a:t>
+            </a:r>
+            <a:r>
+              <a:rPr lang="en-US" altLang="zh-CN" sz="2000" dirty="0"/>
+              <a:t>a=123</a:t>
+            </a:r>
+            <a:r>
+              <a:rPr lang="zh-CN" altLang="en-US" sz="2000" dirty="0"/>
+              <a:t>就定义了</a:t>
+            </a:r>
+            <a:r>
+              <a:rPr lang="en-US" altLang="zh-CN" sz="2000" dirty="0"/>
+              <a:t>a</a:t>
+            </a:r>
+            <a:r>
+              <a:rPr lang="zh-CN" altLang="en-US" sz="2000" dirty="0"/>
+              <a:t>变量。</a:t>
+            </a:r>
+            <a:r>
+              <a:rPr lang="en-US" altLang="zh-CN" sz="2000" dirty="0"/>
+              <a:t>shell</a:t>
+            </a:r>
+            <a:r>
+              <a:rPr lang="zh-CN" altLang="en-US" sz="2000" dirty="0"/>
+              <a:t>中的变量就是为某些需要保存的数据用一个名称标记，方便以后使用。变量的名称以字母或是下划线符号开头，后可跟任意长度的字母、数字、下划线。</a:t>
+            </a:r>
             <a:endParaRPr lang="en-US" altLang="zh-CN" sz="2000" dirty="0"/>
           </a:p>
           <a:p>
             <a:r>
-              <a:rPr lang="zh-CN" altLang="en-US" sz="2000" dirty="0"/>
-              <a:t>执行脚本可以使用 </a:t>
-            </a:r>
-            <a:r>
-              <a:rPr lang="en-US" altLang="zh-CN" sz="2000" dirty="0"/>
-              <a:t>bash [SCRIPT NAME]</a:t>
-            </a:r>
-            <a:r>
-              <a:rPr lang="zh-CN" altLang="en-US" sz="2000" dirty="0"/>
-              <a:t>，此时</a:t>
-            </a:r>
-            <a:r>
-              <a:rPr lang="en-US" altLang="zh-CN" sz="2000" dirty="0"/>
-              <a:t>bash</a:t>
-            </a:r>
-            <a:r>
-              <a:rPr lang="zh-CN" altLang="en-US" sz="2000" dirty="0"/>
-              <a:t>读取脚本文件并执行，</a:t>
-            </a:r>
-            <a:r>
-              <a:rPr lang="en-US" altLang="zh-CN" sz="2000" dirty="0"/>
-              <a:t>#!/bin/bash</a:t>
-            </a:r>
-            <a:r>
-              <a:rPr lang="zh-CN" altLang="en-US" sz="2000" dirty="0"/>
-              <a:t>是被解释为注释。</a:t>
+              <a:rPr lang="en-US" altLang="zh-CN" sz="2000" dirty="0"/>
+              <a:t>=</a:t>
+            </a:r>
+            <a:r>
+              <a:rPr lang="zh-CN" altLang="en-US" sz="2000" dirty="0"/>
+              <a:t>左右不能有空格，否则会按照运行命令的方式去执行。</a:t>
             </a:r>
             <a:endParaRPr lang="en-US" altLang="zh-CN" sz="2000" dirty="0"/>
           </a:p>
@@ -6923,41 +7738,158 @@
           </a:p>
           <a:p>
             <a:r>
-              <a:rPr lang="zh-CN" altLang="en-US" sz="2000" dirty="0"/>
-              <a:t>另一种方式就是给脚本添加可执行权限：</a:t>
+              <a:rPr lang="en-US" altLang="zh-CN" sz="2000" dirty="0"/>
+              <a:t>a=`</a:t>
             </a:r>
             <a:r>
               <a:rPr lang="en-US" altLang="zh-CN" sz="2000" dirty="0" err="1"/>
-              <a:t>chmod</a:t>
-            </a:r>
-            <a:r>
-              <a:rPr lang="en-US" altLang="zh-CN" sz="2000" dirty="0"/>
-              <a:t> +x [SCRIPT NAME]</a:t>
-            </a:r>
-          </a:p>
-          <a:p>
+              <a:t>ls`</a:t>
+            </a:r>
+            <a:r>
+              <a:rPr lang="en-US" altLang="zh-CN" sz="2000" dirty="0"/>
+              <a:t> </a:t>
+            </a:r>
+            <a:r>
+              <a:rPr lang="zh-CN" altLang="en-US" sz="2000" dirty="0"/>
+              <a:t>会把</a:t>
+            </a:r>
+            <a:r>
+              <a:rPr lang="en-US" altLang="zh-CN" sz="2000" dirty="0"/>
+              <a:t>ls</a:t>
+            </a:r>
+            <a:r>
+              <a:rPr lang="zh-CN" altLang="en-US" sz="2000" dirty="0"/>
+              <a:t>运行的结果赋值给</a:t>
+            </a:r>
+            <a:r>
+              <a:rPr lang="en-US" altLang="zh-CN" sz="2000" dirty="0"/>
+              <a:t>a</a:t>
+            </a:r>
+            <a:r>
+              <a:rPr lang="zh-CN" altLang="en-US" sz="2000" dirty="0"/>
+              <a:t>。注意</a:t>
+            </a:r>
+            <a:r>
+              <a:rPr lang="en-US" altLang="zh-CN" sz="2000" dirty="0"/>
+              <a:t>ls</a:t>
+            </a:r>
+            <a:r>
+              <a:rPr lang="zh-CN" altLang="en-US" sz="2000" dirty="0"/>
+              <a:t>不是被单引号包含，而是数字键</a:t>
+            </a:r>
+            <a:r>
+              <a:rPr lang="en-US" altLang="zh-CN" sz="2000" dirty="0"/>
+              <a:t>1</a:t>
+            </a:r>
+            <a:r>
+              <a:rPr lang="zh-CN" altLang="en-US" sz="2000" dirty="0"/>
+              <a:t>左侧按键，按住</a:t>
+            </a:r>
+            <a:r>
+              <a:rPr lang="en-US" altLang="zh-CN" sz="2000" dirty="0"/>
+              <a:t>Shift</a:t>
+            </a:r>
+            <a:r>
+              <a:rPr lang="zh-CN" altLang="en-US" sz="2000" dirty="0"/>
+              <a:t>输入</a:t>
+            </a:r>
+            <a:r>
+              <a:rPr lang="en-US" altLang="zh-CN" sz="2000" dirty="0"/>
+              <a:t>~</a:t>
+            </a:r>
+            <a:r>
+              <a:rPr lang="zh-CN" altLang="en-US" sz="2000" dirty="0"/>
+              <a:t>，英语键盘直接按下输入</a:t>
+            </a:r>
+            <a:r>
+              <a:rPr lang="en-US" altLang="zh-CN" sz="2000" dirty="0"/>
+              <a:t>`</a:t>
+            </a:r>
+            <a:r>
+              <a:rPr lang="zh-CN" altLang="en-US" sz="2000" dirty="0"/>
+              <a:t>。</a:t>
+            </a:r>
             <a:endParaRPr lang="en-US" altLang="zh-CN" sz="2000" dirty="0"/>
           </a:p>
           <a:p>
-            <a:r>
-              <a:rPr lang="zh-CN" altLang="en-US" sz="2000" dirty="0"/>
-              <a:t>给脚本添加执行权限，脚本开头的</a:t>
-            </a:r>
-            <a:r>
-              <a:rPr lang="en-US" altLang="zh-CN" sz="2000" dirty="0"/>
-              <a:t>#!/bin/bash</a:t>
-            </a:r>
-            <a:r>
-              <a:rPr lang="zh-CN" altLang="en-US" sz="2000" dirty="0"/>
-              <a:t>声明这是一个脚本文件，要用</a:t>
-            </a:r>
-            <a:r>
-              <a:rPr lang="en-US" altLang="zh-CN" sz="2000" dirty="0"/>
-              <a:t>/bin/bash</a:t>
-            </a:r>
-            <a:r>
-              <a:rPr lang="zh-CN" altLang="en-US" sz="2000" dirty="0"/>
-              <a:t>执行。</a:t>
+            <a:endParaRPr lang="en-US" altLang="zh-CN" sz="2000" dirty="0"/>
+          </a:p>
+          <a:p>
+            <a:r>
+              <a:rPr lang="en-US" altLang="zh-CN" sz="2000" dirty="0"/>
+              <a:t>echo $a</a:t>
+            </a:r>
+            <a:r>
+              <a:rPr lang="zh-CN" altLang="en-US" sz="2000" dirty="0"/>
+              <a:t>可以输出变量的值。</a:t>
+            </a:r>
+            <a:endParaRPr lang="en-US" altLang="zh-CN" sz="2000" dirty="0"/>
+          </a:p>
+          <a:p>
+            <a:endParaRPr lang="en-US" altLang="zh-CN" sz="2000" dirty="0"/>
+          </a:p>
+          <a:p>
+            <a:r>
+              <a:rPr lang="en-US" altLang="zh-CN" sz="2000" dirty="0"/>
+              <a:t>shell</a:t>
+            </a:r>
+            <a:r>
+              <a:rPr lang="zh-CN" altLang="en-US" sz="2000" dirty="0"/>
+              <a:t>中的变量就是键值对（</a:t>
+            </a:r>
+            <a:r>
+              <a:rPr lang="en-US" altLang="zh-CN" sz="2000" dirty="0"/>
+              <a:t>key-value</a:t>
+            </a:r>
+            <a:r>
+              <a:rPr lang="zh-CN" altLang="en-US" sz="2000" dirty="0"/>
+              <a:t>）的列表，都是以文本的形式存储的。</a:t>
+            </a:r>
+            <a:endParaRPr lang="en-US" altLang="zh-CN" sz="2000" dirty="0"/>
+          </a:p>
+          <a:p>
+            <a:endParaRPr lang="en-US" altLang="zh-CN" sz="2000" dirty="0"/>
+          </a:p>
+          <a:p>
+            <a:r>
+              <a:rPr lang="en-US" altLang="zh-CN" sz="2000" dirty="0"/>
+              <a:t>a=1+2</a:t>
+            </a:r>
+            <a:r>
+              <a:rPr lang="zh-CN" altLang="en-US" sz="2000" dirty="0"/>
+              <a:t>不会进行计算把</a:t>
+            </a:r>
+            <a:r>
+              <a:rPr lang="en-US" altLang="zh-CN" sz="2000" dirty="0"/>
+              <a:t>3</a:t>
+            </a:r>
+            <a:r>
+              <a:rPr lang="zh-CN" altLang="en-US" sz="2000" dirty="0"/>
+              <a:t>赋值给</a:t>
+            </a:r>
+            <a:r>
+              <a:rPr lang="en-US" altLang="zh-CN" sz="2000" dirty="0"/>
+              <a:t>a</a:t>
+            </a:r>
+            <a:r>
+              <a:rPr lang="zh-CN" altLang="en-US" sz="2000" dirty="0"/>
+              <a:t>，而是</a:t>
+            </a:r>
+            <a:r>
+              <a:rPr lang="en-US" altLang="zh-CN" sz="2000" dirty="0"/>
+              <a:t>a</a:t>
+            </a:r>
+            <a:r>
+              <a:rPr lang="zh-CN" altLang="en-US" sz="2000" dirty="0"/>
+              <a:t>的值就是‘</a:t>
+            </a:r>
+            <a:r>
+              <a:rPr lang="en-US" altLang="zh-CN" sz="2000" dirty="0"/>
+              <a:t>1+2</a:t>
+            </a:r>
+            <a:r>
+              <a:rPr lang="zh-CN" altLang="en-US" sz="2000" dirty="0"/>
+              <a:t>’这段文本。</a:t>
             </a:r>
             <a:endParaRPr lang="en-US" altLang="zh-CN" sz="2000" dirty="0"/>
           </a:p>
@@ -6969,7 +7901,7 @@
     </p:spTree>
     <p:extLst>
       <p:ext uri="{BB962C8B-B14F-4D97-AF65-F5344CB8AC3E}">
-        <p14:creationId xmlns:p14="http://schemas.microsoft.com/office/powerpoint/2010/main" val="3466496868"/>
+        <p14:creationId xmlns:p14="http://schemas.microsoft.com/office/powerpoint/2010/main" val="2718262743"/>
       </p:ext>
     </p:extLst>
   </p:cSld>
@@ -7293,7 +8225,7 @@
           <a:p>
             <a:r>
               <a:rPr lang="zh-CN" altLang="en-US" dirty="0"/>
-              <a:t>变量</a:t>
+              <a:t>只读变量</a:t>
             </a:r>
           </a:p>
         </p:txBody>
@@ -7316,215 +8248,107 @@
         </p:nvSpPr>
         <p:spPr/>
         <p:txBody>
-          <a:bodyPr/>
+          <a:bodyPr>
+            <a:normAutofit/>
+          </a:bodyPr>
           <a:lstStyle/>
           <a:p>
+            <a:pPr>
+              <a:lnSpc>
+                <a:spcPct val="120000"/>
+              </a:lnSpc>
+            </a:pPr>
+            <a:r>
+              <a:rPr lang="zh-CN" altLang="en-US" sz="2000" dirty="0"/>
+              <a:t>变量设置后，是可以修改值的：</a:t>
+            </a:r>
+            <a:r>
+              <a:rPr lang="en-US" altLang="zh-CN" sz="2000" dirty="0"/>
+              <a:t>a=12; a=13</a:t>
+            </a:r>
+            <a:r>
+              <a:rPr lang="zh-CN" altLang="en-US" sz="2000" dirty="0"/>
+              <a:t>，此时</a:t>
+            </a:r>
+            <a:r>
+              <a:rPr lang="en-US" altLang="zh-CN" sz="2000" dirty="0"/>
+              <a:t>a</a:t>
+            </a:r>
+            <a:r>
+              <a:rPr lang="zh-CN" altLang="en-US" sz="2000" dirty="0"/>
+              <a:t>的值就是</a:t>
+            </a:r>
+            <a:r>
+              <a:rPr lang="en-US" altLang="zh-CN" sz="2000" dirty="0"/>
+              <a:t>13</a:t>
+            </a:r>
+          </a:p>
+          <a:p>
+            <a:pPr>
+              <a:lnSpc>
+                <a:spcPct val="120000"/>
+              </a:lnSpc>
+            </a:pPr>
+            <a:endParaRPr lang="en-US" altLang="zh-CN" sz="2000" dirty="0"/>
+          </a:p>
+          <a:p>
+            <a:pPr>
+              <a:lnSpc>
+                <a:spcPct val="120000"/>
+              </a:lnSpc>
+            </a:pPr>
+            <a:r>
+              <a:rPr lang="en-US" altLang="zh-CN" sz="2000" dirty="0" err="1"/>
+              <a:t>readonly</a:t>
+            </a:r>
+            <a:r>
+              <a:rPr lang="zh-CN" altLang="en-US" sz="2000" dirty="0"/>
+              <a:t>把变量设置为只读：</a:t>
+            </a:r>
+            <a:r>
+              <a:rPr lang="en-US" altLang="zh-CN" sz="2000" dirty="0" err="1"/>
+              <a:t>readonly</a:t>
+            </a:r>
+            <a:r>
+              <a:rPr lang="en-US" altLang="zh-CN" sz="2000" dirty="0"/>
+              <a:t>  a</a:t>
+            </a:r>
+          </a:p>
+          <a:p>
+            <a:pPr>
+              <a:lnSpc>
+                <a:spcPct val="120000"/>
+              </a:lnSpc>
+            </a:pPr>
+            <a:endParaRPr lang="en-US" altLang="zh-CN" sz="2000" dirty="0"/>
+          </a:p>
+          <a:p>
+            <a:pPr>
+              <a:lnSpc>
+                <a:spcPct val="120000"/>
+              </a:lnSpc>
+            </a:pPr>
+            <a:r>
+              <a:rPr lang="zh-CN" altLang="en-US" sz="2000" dirty="0"/>
+              <a:t>但是设置之后，只读变量就无法更改和取消。除非重置</a:t>
+            </a:r>
             <a:r>
               <a:rPr lang="en-US" altLang="zh-CN" sz="2000" dirty="0"/>
               <a:t>shell</a:t>
             </a:r>
             <a:r>
               <a:rPr lang="zh-CN" altLang="en-US" sz="2000" dirty="0"/>
-              <a:t>运行</a:t>
-            </a:r>
-            <a:r>
-              <a:rPr lang="en-US" altLang="zh-CN" sz="2000" dirty="0"/>
-              <a:t>a=123</a:t>
-            </a:r>
-            <a:r>
-              <a:rPr lang="zh-CN" altLang="en-US" sz="2000" dirty="0"/>
-              <a:t>就定义了</a:t>
-            </a:r>
-            <a:r>
-              <a:rPr lang="en-US" altLang="zh-CN" sz="2000" dirty="0"/>
-              <a:t>a</a:t>
-            </a:r>
-            <a:r>
-              <a:rPr lang="zh-CN" altLang="en-US" sz="2000" dirty="0"/>
-              <a:t>变量。</a:t>
-            </a:r>
-            <a:r>
-              <a:rPr lang="en-US" altLang="zh-CN" sz="2000" dirty="0"/>
-              <a:t>shell</a:t>
-            </a:r>
-            <a:r>
-              <a:rPr lang="zh-CN" altLang="en-US" sz="2000" dirty="0"/>
-              <a:t>中的变量就是为某些需要保存的数据用一个名称标记，方便以后使用。变量的名称以字母或是下划线符号开头，后可跟任意长度的字母、数字、下划线。</a:t>
+              <a:t>环境。</a:t>
             </a:r>
             <a:endParaRPr lang="en-US" altLang="zh-CN" sz="2000" dirty="0"/>
           </a:p>
           <a:p>
-            <a:r>
-              <a:rPr lang="en-US" altLang="zh-CN" sz="2000" dirty="0"/>
-              <a:t>=</a:t>
-            </a:r>
-            <a:r>
-              <a:rPr lang="zh-CN" altLang="en-US" sz="2000" dirty="0"/>
-              <a:t>左右不能有空格，否则会按照运行命令的方式去执行。</a:t>
-            </a:r>
-            <a:endParaRPr lang="en-US" altLang="zh-CN" sz="2000" dirty="0"/>
-          </a:p>
-          <a:p>
-            <a:endParaRPr lang="en-US" altLang="zh-CN" sz="2000" dirty="0"/>
-          </a:p>
-          <a:p>
-            <a:r>
-              <a:rPr lang="en-US" altLang="zh-CN" sz="2000" dirty="0"/>
-              <a:t>a=`</a:t>
-            </a:r>
-            <a:r>
-              <a:rPr lang="en-US" altLang="zh-CN" sz="2000" dirty="0" err="1"/>
-              <a:t>ls`</a:t>
-            </a:r>
-            <a:r>
-              <a:rPr lang="en-US" altLang="zh-CN" sz="2000" dirty="0"/>
-              <a:t> </a:t>
-            </a:r>
-            <a:r>
-              <a:rPr lang="zh-CN" altLang="en-US" sz="2000" dirty="0"/>
-              <a:t>会把</a:t>
-            </a:r>
-            <a:r>
-              <a:rPr lang="en-US" altLang="zh-CN" sz="2000" dirty="0"/>
-              <a:t>ls</a:t>
-            </a:r>
-            <a:r>
-              <a:rPr lang="zh-CN" altLang="en-US" sz="2000" dirty="0"/>
-              <a:t>运行的结果赋值给</a:t>
-            </a:r>
-            <a:r>
-              <a:rPr lang="en-US" altLang="zh-CN" sz="2000" dirty="0"/>
-              <a:t>a</a:t>
-            </a:r>
-            <a:r>
-              <a:rPr lang="zh-CN" altLang="en-US" sz="2000" dirty="0"/>
-              <a:t>。注意</a:t>
-            </a:r>
-            <a:r>
-              <a:rPr lang="en-US" altLang="zh-CN" sz="2000" dirty="0"/>
-              <a:t>ls</a:t>
-            </a:r>
-            <a:r>
-              <a:rPr lang="zh-CN" altLang="en-US" sz="2000" dirty="0"/>
-              <a:t>不是被单引号包含，而是数字键</a:t>
-            </a:r>
-            <a:r>
-              <a:rPr lang="en-US" altLang="zh-CN" sz="2000" dirty="0"/>
-              <a:t>1</a:t>
-            </a:r>
-            <a:r>
-              <a:rPr lang="zh-CN" altLang="en-US" sz="2000" dirty="0"/>
-              <a:t>左侧按键，按住</a:t>
-            </a:r>
-            <a:r>
-              <a:rPr lang="en-US" altLang="zh-CN" sz="2000" dirty="0"/>
-              <a:t>Shift</a:t>
-            </a:r>
-            <a:r>
-              <a:rPr lang="zh-CN" altLang="en-US" sz="2000" dirty="0"/>
-              <a:t>输入</a:t>
-            </a:r>
-            <a:r>
-              <a:rPr lang="en-US" altLang="zh-CN" sz="2000" dirty="0"/>
-              <a:t>~</a:t>
-            </a:r>
-            <a:r>
-              <a:rPr lang="zh-CN" altLang="en-US" sz="2000" dirty="0"/>
-              <a:t>，英语键盘直接按下输入</a:t>
-            </a:r>
-            <a:r>
-              <a:rPr lang="en-US" altLang="zh-CN" sz="2000" dirty="0"/>
-              <a:t>`</a:t>
-            </a:r>
-            <a:r>
-              <a:rPr lang="zh-CN" altLang="en-US" sz="2000" dirty="0"/>
-              <a:t>。</a:t>
-            </a:r>
-            <a:endParaRPr lang="en-US" altLang="zh-CN" sz="2000" dirty="0"/>
-          </a:p>
-          <a:p>
-            <a:endParaRPr lang="en-US" altLang="zh-CN" sz="2000" dirty="0"/>
-          </a:p>
-          <a:p>
-            <a:r>
-              <a:rPr lang="en-US" altLang="zh-CN" sz="2000" dirty="0"/>
-              <a:t>echo $a</a:t>
-            </a:r>
-            <a:r>
-              <a:rPr lang="zh-CN" altLang="en-US" sz="2000" dirty="0"/>
-              <a:t>可以输出变量的值。</a:t>
-            </a:r>
-            <a:endParaRPr lang="en-US" altLang="zh-CN" sz="2000" dirty="0"/>
-          </a:p>
-          <a:p>
-            <a:endParaRPr lang="en-US" altLang="zh-CN" sz="2000" dirty="0"/>
-          </a:p>
-          <a:p>
-            <a:r>
-              <a:rPr lang="en-US" altLang="zh-CN" sz="2000" dirty="0"/>
-              <a:t>shell</a:t>
-            </a:r>
-            <a:r>
-              <a:rPr lang="zh-CN" altLang="en-US" sz="2000" dirty="0"/>
-              <a:t>中的变量就是键值对（</a:t>
-            </a:r>
-            <a:r>
-              <a:rPr lang="en-US" altLang="zh-CN" sz="2000" dirty="0"/>
-              <a:t>key-value</a:t>
-            </a:r>
-            <a:r>
-              <a:rPr lang="zh-CN" altLang="en-US" sz="2000" dirty="0"/>
-              <a:t>）的列表，都是以文本的形式存储的。</a:t>
-            </a:r>
-            <a:endParaRPr lang="en-US" altLang="zh-CN" sz="2000" dirty="0"/>
-          </a:p>
-          <a:p>
-            <a:endParaRPr lang="en-US" altLang="zh-CN" sz="2000" dirty="0"/>
-          </a:p>
-          <a:p>
-            <a:r>
-              <a:rPr lang="en-US" altLang="zh-CN" sz="2000" dirty="0"/>
-              <a:t>a=1+2</a:t>
-            </a:r>
-            <a:r>
-              <a:rPr lang="zh-CN" altLang="en-US" sz="2000" dirty="0"/>
-              <a:t>不会进行计算把</a:t>
-            </a:r>
-            <a:r>
-              <a:rPr lang="en-US" altLang="zh-CN" sz="2000" dirty="0"/>
-              <a:t>3</a:t>
-            </a:r>
-            <a:r>
-              <a:rPr lang="zh-CN" altLang="en-US" sz="2000" dirty="0"/>
-              <a:t>赋值给</a:t>
-            </a:r>
-            <a:r>
-              <a:rPr lang="en-US" altLang="zh-CN" sz="2000" dirty="0"/>
-              <a:t>a</a:t>
-            </a:r>
-            <a:r>
-              <a:rPr lang="zh-CN" altLang="en-US" sz="2000" dirty="0"/>
-              <a:t>，而是</a:t>
-            </a:r>
-            <a:r>
-              <a:rPr lang="en-US" altLang="zh-CN" sz="2000" dirty="0"/>
-              <a:t>a</a:t>
-            </a:r>
-            <a:r>
-              <a:rPr lang="zh-CN" altLang="en-US" sz="2000" dirty="0"/>
-              <a:t>的值就是‘</a:t>
-            </a:r>
-            <a:r>
-              <a:rPr lang="en-US" altLang="zh-CN" sz="2000" dirty="0"/>
-              <a:t>1+2</a:t>
-            </a:r>
-            <a:r>
-              <a:rPr lang="zh-CN" altLang="en-US" sz="2000" dirty="0"/>
-              <a:t>’这段文本。</a:t>
-            </a:r>
-            <a:endParaRPr lang="en-US" altLang="zh-CN" sz="2000" dirty="0"/>
-          </a:p>
-          <a:p>
+            <a:pPr marL="0" indent="0">
+              <a:lnSpc>
+                <a:spcPct val="120000"/>
+              </a:lnSpc>
+              <a:buNone/>
+            </a:pPr>
             <a:endParaRPr lang="en-US" altLang="zh-CN" sz="2000" dirty="0"/>
           </a:p>
         </p:txBody>
@@ -7532,7 +8356,7 @@
     </p:spTree>
     <p:extLst>
       <p:ext uri="{BB962C8B-B14F-4D97-AF65-F5344CB8AC3E}">
-        <p14:creationId xmlns:p14="http://schemas.microsoft.com/office/powerpoint/2010/main" val="2718262743"/>
+        <p14:creationId xmlns:p14="http://schemas.microsoft.com/office/powerpoint/2010/main" val="1910982210"/>
       </p:ext>
     </p:extLst>
   </p:cSld>
@@ -7582,7 +8406,7 @@
           <a:p>
             <a:r>
               <a:rPr lang="zh-CN" altLang="en-US" dirty="0"/>
-              <a:t>只读变量</a:t>
+              <a:t>算数运算</a:t>
             </a:r>
           </a:p>
         </p:txBody>
@@ -7605,105 +8429,140 @@
         </p:nvSpPr>
         <p:spPr/>
         <p:txBody>
-          <a:bodyPr>
-            <a:normAutofit/>
-          </a:bodyPr>
+          <a:bodyPr/>
           <a:lstStyle/>
           <a:p>
-            <a:pPr>
-              <a:lnSpc>
-                <a:spcPct val="120000"/>
-              </a:lnSpc>
+            <a:r>
+              <a:rPr lang="en-US" altLang="zh-CN" sz="2000" dirty="0"/>
+              <a:t>shell</a:t>
+            </a:r>
+            <a:r>
+              <a:rPr lang="zh-CN" altLang="en-US" sz="2000" dirty="0"/>
+              <a:t>支持算术运算，并且</a:t>
+            </a:r>
+            <a:r>
+              <a:rPr lang="en-US" altLang="zh-CN" sz="2000" dirty="0"/>
+              <a:t>shell</a:t>
+            </a:r>
+            <a:r>
+              <a:rPr lang="zh-CN" altLang="en-US" sz="2000" dirty="0"/>
+              <a:t>会对</a:t>
+            </a:r>
+            <a:r>
+              <a:rPr lang="en-US" altLang="zh-CN" sz="2000" dirty="0"/>
+              <a:t>$((····))</a:t>
+            </a:r>
+            <a:r>
+              <a:rPr lang="zh-CN" altLang="en-US" sz="2000" dirty="0"/>
+              <a:t>里的算数表达式进行运算。</a:t>
+            </a:r>
+            <a:endParaRPr lang="en-US" altLang="zh-CN" sz="2000" dirty="0"/>
+          </a:p>
+          <a:p>
+            <a:pPr marL="914400" lvl="2" indent="0">
+              <a:buNone/>
             </a:pPr>
             <a:r>
-              <a:rPr lang="zh-CN" altLang="en-US" sz="2000" dirty="0"/>
-              <a:t>变量设置后，是可以修改值的：</a:t>
-            </a:r>
-            <a:r>
-              <a:rPr lang="en-US" altLang="zh-CN" sz="2000" dirty="0"/>
-              <a:t>a=12; a=13</a:t>
-            </a:r>
-            <a:r>
-              <a:rPr lang="zh-CN" altLang="en-US" sz="2000" dirty="0"/>
-              <a:t>，此时</a:t>
-            </a:r>
-            <a:r>
-              <a:rPr lang="en-US" altLang="zh-CN" sz="2000" dirty="0"/>
+              <a:rPr lang="en-US" altLang="zh-CN" dirty="0"/>
+              <a:t>a=12;b=14</a:t>
+            </a:r>
+          </a:p>
+          <a:p>
+            <a:pPr marL="914400" lvl="2" indent="0">
+              <a:buNone/>
+            </a:pPr>
+            <a:endParaRPr lang="en-US" altLang="zh-CN" dirty="0"/>
+          </a:p>
+          <a:p>
+            <a:pPr marL="914400" lvl="2" indent="0">
+              <a:buNone/>
+            </a:pPr>
+            <a:r>
+              <a:rPr lang="en-US" altLang="zh-CN" dirty="0"/>
+              <a:t>x=$(($a+$b))</a:t>
+            </a:r>
+          </a:p>
+          <a:p>
+            <a:pPr marL="914400" lvl="2" indent="0">
+              <a:buNone/>
+            </a:pPr>
+            <a:endParaRPr lang="en-US" altLang="zh-CN" dirty="0"/>
+          </a:p>
+          <a:p>
+            <a:pPr marL="914400" lvl="2" indent="0">
+              <a:buNone/>
+            </a:pPr>
+            <a:r>
+              <a:rPr lang="en-US" altLang="zh-CN" dirty="0"/>
+              <a:t>echo  $x</a:t>
+            </a:r>
+          </a:p>
+          <a:p>
+            <a:pPr marL="914400" lvl="2" indent="0">
+              <a:buNone/>
+            </a:pPr>
+            <a:r>
+              <a:rPr lang="zh-CN" altLang="en-US" dirty="0"/>
+              <a:t>如果</a:t>
+            </a:r>
+            <a:r>
+              <a:rPr lang="en-US" altLang="zh-CN" dirty="0"/>
+              <a:t>b=12a</a:t>
+            </a:r>
+            <a:r>
+              <a:rPr lang="zh-CN" altLang="en-US" dirty="0"/>
+              <a:t>，此时会报错，但是如果以字母开头的文本，比如</a:t>
+            </a:r>
+            <a:r>
+              <a:rPr lang="en-US" altLang="zh-CN" dirty="0"/>
+              <a:t>b=a12</a:t>
+            </a:r>
+            <a:r>
+              <a:rPr lang="zh-CN" altLang="en-US" dirty="0"/>
+              <a:t>，则</a:t>
+            </a:r>
+            <a:r>
+              <a:rPr lang="en-US" altLang="zh-CN" dirty="0"/>
+              <a:t>x=$(($a+$b))</a:t>
+            </a:r>
+            <a:r>
+              <a:rPr lang="zh-CN" altLang="en-US" dirty="0"/>
+              <a:t>则直接就计算为</a:t>
+            </a:r>
+            <a:r>
+              <a:rPr lang="en-US" altLang="zh-CN" dirty="0"/>
               <a:t>a</a:t>
             </a:r>
             <a:r>
-              <a:rPr lang="zh-CN" altLang="en-US" sz="2000" dirty="0"/>
-              <a:t>的值就是</a:t>
-            </a:r>
-            <a:r>
-              <a:rPr lang="en-US" altLang="zh-CN" sz="2000" dirty="0"/>
-              <a:t>13</a:t>
-            </a:r>
-          </a:p>
-          <a:p>
-            <a:pPr>
-              <a:lnSpc>
-                <a:spcPct val="120000"/>
-              </a:lnSpc>
+              <a:rPr lang="zh-CN" altLang="en-US" dirty="0"/>
+              <a:t>的数值，</a:t>
+            </a:r>
+            <a:r>
+              <a:rPr lang="en-US" altLang="zh-CN" dirty="0"/>
+              <a:t>b</a:t>
+            </a:r>
+            <a:r>
+              <a:rPr lang="zh-CN" altLang="en-US" dirty="0"/>
+              <a:t>转成数字为</a:t>
+            </a:r>
+            <a:r>
+              <a:rPr lang="en-US" altLang="zh-CN" dirty="0"/>
+              <a:t>0</a:t>
+            </a:r>
+            <a:r>
+              <a:rPr lang="zh-CN" altLang="en-US" dirty="0"/>
+              <a:t>。</a:t>
+            </a:r>
+            <a:endParaRPr lang="en-US" altLang="zh-CN" dirty="0"/>
+          </a:p>
+          <a:p>
+            <a:pPr marL="914400" lvl="2" indent="0">
+              <a:buNone/>
             </a:pPr>
-            <a:endParaRPr lang="en-US" altLang="zh-CN" sz="2000" dirty="0"/>
-          </a:p>
-          <a:p>
-            <a:pPr>
-              <a:lnSpc>
-                <a:spcPct val="120000"/>
-              </a:lnSpc>
-            </a:pPr>
-            <a:r>
-              <a:rPr lang="en-US" altLang="zh-CN" sz="2000" dirty="0" err="1"/>
-              <a:t>readonly</a:t>
-            </a:r>
-            <a:r>
-              <a:rPr lang="zh-CN" altLang="en-US" sz="2000" dirty="0"/>
-              <a:t>把变量设置为只读：</a:t>
-            </a:r>
-            <a:r>
-              <a:rPr lang="en-US" altLang="zh-CN" sz="2000" dirty="0" err="1"/>
-              <a:t>readonly</a:t>
-            </a:r>
-            <a:r>
-              <a:rPr lang="en-US" altLang="zh-CN" sz="2000" dirty="0"/>
-              <a:t>  a</a:t>
-            </a:r>
-          </a:p>
-          <a:p>
-            <a:pPr>
-              <a:lnSpc>
-                <a:spcPct val="120000"/>
-              </a:lnSpc>
-            </a:pPr>
-            <a:endParaRPr lang="en-US" altLang="zh-CN" sz="2000" dirty="0"/>
-          </a:p>
-          <a:p>
-            <a:pPr>
-              <a:lnSpc>
-                <a:spcPct val="120000"/>
-              </a:lnSpc>
-            </a:pPr>
-            <a:r>
-              <a:rPr lang="zh-CN" altLang="en-US" sz="2000" dirty="0"/>
-              <a:t>但是设置之后，只读变量就无法更改和取消。除非重置</a:t>
-            </a:r>
-            <a:r>
-              <a:rPr lang="en-US" altLang="zh-CN" sz="2000" dirty="0"/>
-              <a:t>shell</a:t>
-            </a:r>
-            <a:r>
-              <a:rPr lang="zh-CN" altLang="en-US" sz="2000" dirty="0"/>
-              <a:t>环境。</a:t>
-            </a:r>
-            <a:endParaRPr lang="en-US" altLang="zh-CN" sz="2000" dirty="0"/>
+            <a:endParaRPr lang="en-US" altLang="zh-CN" dirty="0"/>
           </a:p>
           <a:p>
             <a:pPr marL="0" indent="0">
-              <a:lnSpc>
-                <a:spcPct val="120000"/>
-              </a:lnSpc>
               <a:buNone/>
             </a:pPr>
             <a:endParaRPr lang="en-US" altLang="zh-CN" sz="2000" dirty="0"/>
@@ -7713,7 +8572,7 @@
     </p:spTree>
     <p:extLst>
       <p:ext uri="{BB962C8B-B14F-4D97-AF65-F5344CB8AC3E}">
-        <p14:creationId xmlns:p14="http://schemas.microsoft.com/office/powerpoint/2010/main" val="1910982210"/>
+        <p14:creationId xmlns:p14="http://schemas.microsoft.com/office/powerpoint/2010/main" val="3058948098"/>
       </p:ext>
     </p:extLst>
   </p:cSld>
@@ -7745,7 +8604,7 @@
           <p:cNvPr id="2" name="标题 1">
             <a:extLst>
               <a:ext uri="{FF2B5EF4-FFF2-40B4-BE49-F238E27FC236}">
-                <a16:creationId xmlns:a16="http://schemas.microsoft.com/office/drawing/2014/main" id="{8B88BACC-24DE-4087-9AB3-A099CF573089}"/>
+                <a16:creationId xmlns:a16="http://schemas.microsoft.com/office/drawing/2014/main" id="{5C87EE67-1862-47A3-8368-16DC248FDC44}"/>
               </a:ext>
             </a:extLst>
           </p:cNvPr>
@@ -7763,7 +8622,7 @@
           <a:p>
             <a:r>
               <a:rPr lang="zh-CN" altLang="en-US" dirty="0"/>
-              <a:t>算数运算</a:t>
+              <a:t>逻辑运算</a:t>
             </a:r>
           </a:p>
         </p:txBody>
@@ -7773,7 +8632,7 @@
           <p:cNvPr id="3" name="内容占位符 2">
             <a:extLst>
               <a:ext uri="{FF2B5EF4-FFF2-40B4-BE49-F238E27FC236}">
-                <a16:creationId xmlns:a16="http://schemas.microsoft.com/office/drawing/2014/main" id="{0A1C6B17-780B-4799-8193-E52FD817AC0E}"/>
+                <a16:creationId xmlns:a16="http://schemas.microsoft.com/office/drawing/2014/main" id="{21958A92-EFCF-4BD4-840B-8945E4435A10}"/>
               </a:ext>
             </a:extLst>
           </p:cNvPr>
@@ -7786,150 +8645,186 @@
         </p:nvSpPr>
         <p:spPr/>
         <p:txBody>
-          <a:bodyPr/>
+          <a:bodyPr>
+            <a:normAutofit/>
+          </a:bodyPr>
           <a:lstStyle/>
           <a:p>
             <a:r>
-              <a:rPr lang="en-US" altLang="zh-CN" sz="2000" dirty="0"/>
-              <a:t>shell</a:t>
-            </a:r>
-            <a:r>
-              <a:rPr lang="zh-CN" altLang="en-US" sz="2000" dirty="0"/>
-              <a:t>支持算术运算，并且</a:t>
-            </a:r>
-            <a:r>
-              <a:rPr lang="en-US" altLang="zh-CN" sz="2000" dirty="0"/>
-              <a:t>shell</a:t>
-            </a:r>
-            <a:r>
-              <a:rPr lang="zh-CN" altLang="en-US" sz="2000" dirty="0"/>
-              <a:t>会对</a:t>
-            </a:r>
-            <a:r>
-              <a:rPr lang="en-US" altLang="zh-CN" sz="2000" dirty="0"/>
-              <a:t>$((····))</a:t>
-            </a:r>
-            <a:r>
-              <a:rPr lang="zh-CN" altLang="en-US" sz="2000" dirty="0"/>
-              <a:t>里的算数表达式进行运算。</a:t>
+              <a:rPr lang="zh-CN" altLang="en-US" sz="2000" dirty="0"/>
+              <a:t>逻辑运算：</a:t>
+            </a:r>
+            <a:r>
+              <a:rPr lang="en-US" altLang="zh-CN" sz="2000" dirty="0"/>
+              <a:t>&amp;&amp;</a:t>
+            </a:r>
+            <a:r>
+              <a:rPr lang="zh-CN" altLang="en-US" sz="2000" dirty="0"/>
+              <a:t>，</a:t>
+            </a:r>
+            <a:r>
+              <a:rPr lang="en-US" altLang="zh-CN" sz="2000" dirty="0"/>
+              <a:t>||</a:t>
+            </a:r>
+            <a:r>
+              <a:rPr lang="zh-CN" altLang="en-US" sz="2000" dirty="0"/>
+              <a:t>， </a:t>
+            </a:r>
+            <a:r>
+              <a:rPr lang="en-US" altLang="zh-CN" sz="2000" dirty="0"/>
+              <a:t>!</a:t>
+            </a:r>
+            <a:r>
+              <a:rPr lang="zh-CN" altLang="en-US" sz="2000" dirty="0"/>
+              <a:t>。分别是</a:t>
+            </a:r>
+            <a:r>
+              <a:rPr lang="en-US" altLang="zh-CN" sz="2000" dirty="0"/>
+              <a:t>AND</a:t>
+            </a:r>
+            <a:r>
+              <a:rPr lang="zh-CN" altLang="en-US" sz="2000" dirty="0"/>
+              <a:t>，</a:t>
+            </a:r>
+            <a:r>
+              <a:rPr lang="en-US" altLang="zh-CN" sz="2000" dirty="0"/>
+              <a:t>OR</a:t>
+            </a:r>
+            <a:r>
+              <a:rPr lang="zh-CN" altLang="en-US" sz="2000" dirty="0"/>
+              <a:t>，</a:t>
+            </a:r>
+            <a:r>
+              <a:rPr lang="en-US" altLang="zh-CN" sz="2000" dirty="0"/>
+              <a:t>NOT</a:t>
+            </a:r>
+            <a:r>
+              <a:rPr lang="zh-CN" altLang="en-US" sz="2000" dirty="0"/>
+              <a:t>。</a:t>
             </a:r>
             <a:endParaRPr lang="en-US" altLang="zh-CN" sz="2000" dirty="0"/>
           </a:p>
           <a:p>
-            <a:pPr marL="914400" lvl="2" indent="0">
+            <a:endParaRPr lang="en-US" altLang="zh-CN" sz="2000" dirty="0"/>
+          </a:p>
+          <a:p>
+            <a:r>
+              <a:rPr lang="zh-CN" altLang="en-US" sz="2000" dirty="0"/>
+              <a:t>对逻辑运算来说，任何非</a:t>
+            </a:r>
+            <a:r>
+              <a:rPr lang="en-US" altLang="zh-CN" sz="2000" dirty="0"/>
+              <a:t>0</a:t>
+            </a:r>
+            <a:r>
+              <a:rPr lang="zh-CN" altLang="en-US" sz="2000" dirty="0"/>
+              <a:t>值都是真。</a:t>
+            </a:r>
+            <a:endParaRPr lang="en-US" altLang="zh-CN" sz="2000" dirty="0"/>
+          </a:p>
+          <a:p>
+            <a:endParaRPr lang="en-US" altLang="zh-CN" sz="2000" dirty="0"/>
+          </a:p>
+          <a:p>
+            <a:r>
+              <a:rPr lang="zh-CN" altLang="en-US" sz="2000" dirty="0"/>
+              <a:t>示例：</a:t>
+            </a:r>
+            <a:r>
+              <a:rPr lang="en-US" altLang="zh-CN" sz="2000" dirty="0"/>
+              <a:t>echo  $((1&amp;&amp;0))  ;  echo $(( 2 || 0))</a:t>
+            </a:r>
+          </a:p>
+          <a:p>
+            <a:endParaRPr lang="en-US" altLang="zh-CN" sz="2000" dirty="0"/>
+          </a:p>
+          <a:p>
+            <a:r>
+              <a:rPr lang="zh-CN" altLang="en-US" sz="2000" dirty="0"/>
+              <a:t>非数字格式逻辑运算：</a:t>
+            </a:r>
+            <a:endParaRPr lang="en-US" altLang="zh-CN" sz="2000" dirty="0"/>
+          </a:p>
+          <a:p>
+            <a:pPr marL="457200" lvl="1" indent="0">
               <a:buNone/>
             </a:pPr>
             <a:r>
-              <a:rPr lang="en-US" altLang="zh-CN" dirty="0"/>
-              <a:t>a=12;b=14</a:t>
-            </a:r>
-          </a:p>
-          <a:p>
-            <a:pPr marL="914400" lvl="2" indent="0">
+              <a:rPr lang="en-US" altLang="zh-CN" sz="1800" dirty="0"/>
+              <a:t>b=</a:t>
+            </a:r>
+            <a:r>
+              <a:rPr lang="en-US" altLang="zh-CN" sz="1800" dirty="0" err="1"/>
+              <a:t>abc</a:t>
+            </a:r>
+            <a:endParaRPr lang="en-US" altLang="zh-CN" sz="1800" dirty="0"/>
+          </a:p>
+          <a:p>
+            <a:pPr marL="457200" lvl="1" indent="0">
               <a:buNone/>
             </a:pPr>
-            <a:endParaRPr lang="en-US" altLang="zh-CN" dirty="0"/>
-          </a:p>
-          <a:p>
-            <a:pPr marL="914400" lvl="2" indent="0">
+            <a:r>
+              <a:rPr lang="en-US" altLang="zh-CN" sz="1800" dirty="0"/>
+              <a:t>echo  $(( 1 &amp;&amp; $b ))  //</a:t>
+            </a:r>
+            <a:r>
+              <a:rPr lang="zh-CN" altLang="en-US" sz="1800" dirty="0"/>
+              <a:t>输出是</a:t>
+            </a:r>
+            <a:r>
+              <a:rPr lang="en-US" altLang="zh-CN" sz="1800" dirty="0"/>
+              <a:t>0</a:t>
+            </a:r>
+          </a:p>
+          <a:p>
+            <a:pPr marL="457200" lvl="1" indent="0">
               <a:buNone/>
             </a:pPr>
             <a:r>
-              <a:rPr lang="en-US" altLang="zh-CN" dirty="0"/>
-              <a:t>x=$(($a+$b))</a:t>
-            </a:r>
-          </a:p>
-          <a:p>
-            <a:pPr marL="914400" lvl="2" indent="0">
+              <a:rPr lang="en-US" altLang="zh-CN" sz="1800" dirty="0"/>
+              <a:t>/</a:t>
+            </a:r>
+            <a:r>
+              <a:rPr lang="zh-CN" altLang="en-US" sz="1800" dirty="0"/>
+              <a:t>*************</a:t>
+            </a:r>
+            <a:r>
+              <a:rPr lang="en-US" altLang="zh-CN" sz="1800" dirty="0"/>
+              <a:t>/</a:t>
+            </a:r>
+          </a:p>
+          <a:p>
+            <a:pPr marL="457200" lvl="1" indent="0">
               <a:buNone/>
             </a:pPr>
-            <a:endParaRPr lang="en-US" altLang="zh-CN" dirty="0"/>
-          </a:p>
-          <a:p>
-            <a:pPr marL="914400" lvl="2" indent="0">
+            <a:r>
+              <a:rPr lang="en-US" altLang="zh-CN" sz="1800" dirty="0"/>
+              <a:t>b=12a</a:t>
+            </a:r>
+          </a:p>
+          <a:p>
+            <a:pPr marL="457200" lvl="1" indent="0">
               <a:buNone/>
             </a:pPr>
             <a:r>
-              <a:rPr lang="en-US" altLang="zh-CN" dirty="0"/>
-              <a:t>echo  $x</a:t>
-            </a:r>
-          </a:p>
-          <a:p>
-            <a:pPr marL="914400" lvl="2" indent="0">
-              <a:buNone/>
-            </a:pPr>
-            <a:r>
-              <a:rPr lang="zh-CN" altLang="en-US" dirty="0"/>
-              <a:t>如果</a:t>
-            </a:r>
-            <a:r>
-              <a:rPr lang="en-US" altLang="zh-CN" dirty="0"/>
-              <a:t>b=12a</a:t>
-            </a:r>
-            <a:r>
-              <a:rPr lang="zh-CN" altLang="en-US" dirty="0"/>
-              <a:t>，此时会报错，但是如果以字母开头的文本，比如</a:t>
-            </a:r>
-            <a:r>
-              <a:rPr lang="en-US" altLang="zh-CN" dirty="0"/>
-              <a:t>b=a12</a:t>
-            </a:r>
-            <a:r>
-              <a:rPr lang="zh-CN" altLang="en-US" dirty="0"/>
-              <a:t>，则</a:t>
-            </a:r>
-            <a:r>
-              <a:rPr lang="en-US" altLang="zh-CN" dirty="0"/>
-              <a:t>x=$(($a+$b))</a:t>
-            </a:r>
-            <a:r>
-              <a:rPr lang="zh-CN" altLang="en-US" dirty="0"/>
-              <a:t>则直接就计算为</a:t>
-            </a:r>
-            <a:r>
-              <a:rPr lang="en-US" altLang="zh-CN" dirty="0"/>
-              <a:t>a</a:t>
-            </a:r>
-            <a:r>
-              <a:rPr lang="zh-CN" altLang="en-US" dirty="0"/>
-              <a:t>的数值，</a:t>
-            </a:r>
-            <a:r>
-              <a:rPr lang="en-US" altLang="zh-CN" dirty="0"/>
-              <a:t>b</a:t>
-            </a:r>
-            <a:r>
-              <a:rPr lang="zh-CN" altLang="en-US" dirty="0"/>
-              <a:t>转成数字为</a:t>
-            </a:r>
-            <a:r>
-              <a:rPr lang="en-US" altLang="zh-CN" dirty="0"/>
-              <a:t>0</a:t>
-            </a:r>
-            <a:r>
-              <a:rPr lang="zh-CN" altLang="en-US" dirty="0"/>
-              <a:t>。</a:t>
-            </a:r>
-            <a:endParaRPr lang="en-US" altLang="zh-CN" dirty="0"/>
-          </a:p>
-          <a:p>
-            <a:pPr marL="914400" lvl="2" indent="0">
-              <a:buNone/>
-            </a:pPr>
-            <a:endParaRPr lang="en-US" altLang="zh-CN" dirty="0"/>
-          </a:p>
-          <a:p>
-            <a:pPr marL="0" indent="0">
-              <a:buNone/>
-            </a:pPr>
-            <a:endParaRPr lang="en-US" altLang="zh-CN" sz="2000" dirty="0"/>
+              <a:rPr lang="en-US" altLang="zh-CN" sz="1800" dirty="0"/>
+              <a:t>echo $(( 1 &amp;&amp; $b)) //</a:t>
+            </a:r>
+            <a:r>
+              <a:rPr lang="zh-CN" altLang="en-US" sz="1800" dirty="0"/>
+              <a:t>提示错误</a:t>
+            </a:r>
+            <a:endParaRPr lang="en-US" altLang="zh-CN" sz="1800" dirty="0"/>
+          </a:p>
+          <a:p>
+            <a:endParaRPr lang="zh-CN" altLang="en-US" sz="2000" dirty="0"/>
           </a:p>
         </p:txBody>
       </p:sp>
     </p:spTree>
     <p:extLst>
       <p:ext uri="{BB962C8B-B14F-4D97-AF65-F5344CB8AC3E}">
-        <p14:creationId xmlns:p14="http://schemas.microsoft.com/office/powerpoint/2010/main" val="3058948098"/>
+        <p14:creationId xmlns:p14="http://schemas.microsoft.com/office/powerpoint/2010/main" val="1261303279"/>
       </p:ext>
     </p:extLst>
   </p:cSld>
@@ -7961,7 +8856,7 @@
           <p:cNvPr id="2" name="标题 1">
             <a:extLst>
               <a:ext uri="{FF2B5EF4-FFF2-40B4-BE49-F238E27FC236}">
-                <a16:creationId xmlns:a16="http://schemas.microsoft.com/office/drawing/2014/main" id="{5C87EE67-1862-47A3-8368-16DC248FDC44}"/>
+                <a16:creationId xmlns:a16="http://schemas.microsoft.com/office/drawing/2014/main" id="{0C00CA4B-9B33-4A7A-B5C8-EBEFD26C924A}"/>
               </a:ext>
             </a:extLst>
           </p:cNvPr>
@@ -7979,7 +8874,7 @@
           <a:p>
             <a:r>
               <a:rPr lang="zh-CN" altLang="en-US" dirty="0"/>
-              <a:t>逻辑运算</a:t>
+              <a:t>放进环境变量</a:t>
             </a:r>
           </a:p>
         </p:txBody>
@@ -7989,7 +8884,7 @@
           <p:cNvPr id="3" name="内容占位符 2">
             <a:extLst>
               <a:ext uri="{FF2B5EF4-FFF2-40B4-BE49-F238E27FC236}">
-                <a16:creationId xmlns:a16="http://schemas.microsoft.com/office/drawing/2014/main" id="{21958A92-EFCF-4BD4-840B-8945E4435A10}"/>
+                <a16:creationId xmlns:a16="http://schemas.microsoft.com/office/drawing/2014/main" id="{D9310E58-FE8C-494D-B407-80E802EA0D90}"/>
               </a:ext>
             </a:extLst>
           </p:cNvPr>
@@ -8002,62 +8897,20 @@
         </p:nvSpPr>
         <p:spPr/>
         <p:txBody>
-          <a:bodyPr>
-            <a:normAutofit/>
-          </a:bodyPr>
+          <a:bodyPr/>
           <a:lstStyle/>
           <a:p>
             <a:r>
               <a:rPr lang="zh-CN" altLang="en-US" sz="2000" dirty="0"/>
-              <a:t>逻辑运算：</a:t>
-            </a:r>
-            <a:r>
-              <a:rPr lang="en-US" altLang="zh-CN" sz="2000" dirty="0"/>
-              <a:t>&amp;&amp;</a:t>
-            </a:r>
-            <a:r>
-              <a:rPr lang="zh-CN" altLang="en-US" sz="2000" dirty="0"/>
-              <a:t>，</a:t>
-            </a:r>
-            <a:r>
-              <a:rPr lang="en-US" altLang="zh-CN" sz="2000" dirty="0"/>
-              <a:t>||</a:t>
-            </a:r>
-            <a:r>
-              <a:rPr lang="zh-CN" altLang="en-US" sz="2000" dirty="0"/>
-              <a:t>， </a:t>
-            </a:r>
-            <a:r>
-              <a:rPr lang="en-US" altLang="zh-CN" sz="2000" dirty="0"/>
-              <a:t>!</a:t>
-            </a:r>
-            <a:r>
-              <a:rPr lang="zh-CN" altLang="en-US" sz="2000" dirty="0"/>
-              <a:t>。分别是</a:t>
-            </a:r>
-            <a:r>
-              <a:rPr lang="en-US" altLang="zh-CN" sz="2000" dirty="0"/>
-              <a:t>AND</a:t>
-            </a:r>
-            <a:r>
-              <a:rPr lang="zh-CN" altLang="en-US" sz="2000" dirty="0"/>
-              <a:t>，</a:t>
-            </a:r>
-            <a:r>
-              <a:rPr lang="en-US" altLang="zh-CN" sz="2000" dirty="0"/>
-              <a:t>OR</a:t>
-            </a:r>
-            <a:r>
-              <a:rPr lang="zh-CN" altLang="en-US" sz="2000" dirty="0"/>
-              <a:t>，</a:t>
-            </a:r>
-            <a:r>
-              <a:rPr lang="en-US" altLang="zh-CN" sz="2000" dirty="0"/>
-              <a:t>NOT</a:t>
-            </a:r>
-            <a:r>
-              <a:rPr lang="zh-CN" altLang="en-US" sz="2000" dirty="0"/>
-              <a:t>。</a:t>
+              <a:t>环境变量是全局存在的，在任何</a:t>
+            </a:r>
+            <a:r>
+              <a:rPr lang="en-US" altLang="zh-CN" sz="2000" dirty="0"/>
+              <a:t>shell</a:t>
+            </a:r>
+            <a:r>
+              <a:rPr lang="zh-CN" altLang="en-US" sz="2000" dirty="0"/>
+              <a:t>脚本中都可以直接使用。</a:t>
             </a:r>
             <a:endParaRPr lang="en-US" altLang="zh-CN" sz="2000" dirty="0"/>
           </a:p>
@@ -8067,52 +8920,105 @@
           <a:p>
             <a:r>
               <a:rPr lang="zh-CN" altLang="en-US" sz="2000" dirty="0"/>
-              <a:t>对逻辑运算来说，任何非</a:t>
-            </a:r>
-            <a:r>
-              <a:rPr lang="en-US" altLang="zh-CN" sz="2000" dirty="0"/>
-              <a:t>0</a:t>
-            </a:r>
-            <a:r>
-              <a:rPr lang="zh-CN" altLang="en-US" sz="2000" dirty="0"/>
-              <a:t>值都是真。</a:t>
+              <a:t>使用</a:t>
+            </a:r>
+            <a:r>
+              <a:rPr lang="en-US" altLang="zh-CN" sz="2000" dirty="0" err="1"/>
+              <a:t>env</a:t>
+            </a:r>
+            <a:r>
+              <a:rPr lang="zh-CN" altLang="en-US" sz="2000" dirty="0"/>
+              <a:t>查看环境变量。</a:t>
             </a:r>
             <a:endParaRPr lang="en-US" altLang="zh-CN" sz="2000" dirty="0"/>
           </a:p>
           <a:p>
+            <a:pPr marL="0" indent="0">
+              <a:buNone/>
+            </a:pPr>
             <a:endParaRPr lang="en-US" altLang="zh-CN" sz="2000" dirty="0"/>
           </a:p>
           <a:p>
             <a:r>
-              <a:rPr lang="zh-CN" altLang="en-US" sz="2000" dirty="0"/>
-              <a:t>示例：</a:t>
-            </a:r>
-            <a:r>
-              <a:rPr lang="en-US" altLang="zh-CN" sz="2000" dirty="0"/>
-              <a:t>echo  $((1&amp;&amp;0))  ;  echo $(( 2 || 0))</a:t>
-            </a:r>
-          </a:p>
-          <a:p>
+              <a:rPr lang="en-US" altLang="zh-CN" sz="2000" dirty="0"/>
+              <a:t>export  a</a:t>
+            </a:r>
+            <a:r>
+              <a:rPr lang="zh-CN" altLang="en-US" sz="2000" dirty="0"/>
+              <a:t>：把变量放到环境变量，环境变量是一个名称与值的简单列表。</a:t>
+            </a:r>
             <a:endParaRPr lang="en-US" altLang="zh-CN" sz="2000" dirty="0"/>
           </a:p>
           <a:p>
-            <a:r>
-              <a:rPr lang="zh-CN" altLang="en-US" sz="2000" dirty="0"/>
-              <a:t>非数字格式逻辑运算：</a:t>
-            </a:r>
+            <a:pPr marL="0" indent="0">
+              <a:buNone/>
+            </a:pPr>
             <a:endParaRPr lang="en-US" altLang="zh-CN" sz="2000" dirty="0"/>
           </a:p>
           <a:p>
+            <a:r>
+              <a:rPr lang="zh-CN" altLang="en-US" sz="2000" dirty="0"/>
+              <a:t>创建脚本</a:t>
+            </a:r>
+            <a:r>
+              <a:rPr lang="en-US" altLang="zh-CN" sz="2000" dirty="0"/>
+              <a:t>vartest.sh</a:t>
+            </a:r>
+            <a:r>
+              <a:rPr lang="zh-CN" altLang="en-US" sz="2000"/>
+              <a:t>写入以下代码，保存并设置可执行权限，查看运行结果：</a:t>
+            </a:r>
+            <a:endParaRPr lang="en-US" altLang="zh-CN" sz="2000" dirty="0"/>
+          </a:p>
+          <a:p>
             <a:pPr marL="457200" lvl="1" indent="0">
               <a:buNone/>
             </a:pPr>
             <a:r>
               <a:rPr lang="en-US" altLang="zh-CN" sz="1800" dirty="0"/>
-              <a:t>b=</a:t>
+              <a:t>a=`</a:t>
             </a:r>
             <a:r>
               <a:rPr lang="en-US" altLang="zh-CN" sz="1800" dirty="0" err="1"/>
-              <a:t>abc</a:t>
+              <a:t>env</a:t>
+            </a:r>
+            <a:r>
+              <a:rPr lang="en-US" altLang="zh-CN" sz="1800" dirty="0"/>
+              <a:t> | grep  </a:t>
+            </a:r>
+            <a:r>
+              <a:rPr lang="en-US" altLang="zh-CN" sz="1800" dirty="0" err="1"/>
+              <a:t>linux</a:t>
+            </a:r>
+            <a:r>
+              <a:rPr lang="en-US" altLang="zh-CN" sz="1800" dirty="0"/>
+              <a:t>`</a:t>
+            </a:r>
+          </a:p>
+          <a:p>
+            <a:pPr marL="457200" lvl="1" indent="0">
+              <a:buNone/>
+            </a:pPr>
+            <a:r>
+              <a:rPr lang="en-US" altLang="zh-CN" sz="1800" dirty="0" err="1"/>
+              <a:t>linux</a:t>
+            </a:r>
+            <a:r>
+              <a:rPr lang="en-US" altLang="zh-CN" sz="1800" dirty="0"/>
+              <a:t>=1</a:t>
+            </a:r>
+          </a:p>
+          <a:p>
+            <a:pPr marL="457200" lvl="1" indent="0">
+              <a:buNone/>
+            </a:pPr>
+            <a:r>
+              <a:rPr lang="en-US" altLang="zh-CN" sz="1800" dirty="0"/>
+              <a:t>export </a:t>
+            </a:r>
+            <a:r>
+              <a:rPr lang="en-US" altLang="zh-CN" sz="1800" dirty="0" err="1"/>
+              <a:t>linux</a:t>
             </a:r>
             <a:endParaRPr lang="en-US" altLang="zh-CN" sz="1800" dirty="0"/>
           </a:p>
@@ -8122,15 +9028,40 @@
             </a:pPr>
             <a:r>
               <a:rPr lang="en-US" altLang="zh-CN" sz="1800" dirty="0"/>
-              <a:t>echo  $(( 1 &amp;&amp; $b ))  //</a:t>
+              <a:t>b=`</a:t>
+            </a:r>
+            <a:r>
+              <a:rPr lang="en-US" altLang="zh-CN" sz="1800" dirty="0" err="1"/>
+              <a:t>env</a:t>
+            </a:r>
+            <a:r>
+              <a:rPr lang="en-US" altLang="zh-CN" sz="1800" dirty="0"/>
+              <a:t> | grep </a:t>
+            </a:r>
+            <a:r>
+              <a:rPr lang="en-US" altLang="zh-CN" sz="1800" dirty="0" err="1"/>
+              <a:t>linux</a:t>
+            </a:r>
+            <a:r>
+              <a:rPr lang="en-US" altLang="zh-CN" sz="1800" dirty="0"/>
+              <a:t>`</a:t>
+            </a:r>
+          </a:p>
+          <a:p>
+            <a:pPr marL="457200" lvl="1" indent="0">
+              <a:buNone/>
+            </a:pPr>
+            <a:r>
+              <a:rPr lang="en-US" altLang="zh-CN" sz="1800" dirty="0"/>
+              <a:t>echo “a :</a:t>
             </a:r>
             <a:r>
               <a:rPr lang="zh-CN" altLang="en-US" sz="1800" dirty="0"/>
-              <a:t>输出是</a:t>
+              <a:t> </a:t>
             </a:r>
             <a:r>
               <a:rPr lang="en-US" altLang="zh-CN" sz="1800" dirty="0"/>
-              <a:t>0</a:t>
+              <a:t>$a”</a:t>
             </a:r>
           </a:p>
           <a:p>
@@ -8139,49 +9070,27 @@
             </a:pPr>
             <a:r>
               <a:rPr lang="en-US" altLang="zh-CN" sz="1800" dirty="0"/>
-              <a:t>/</a:t>
-            </a:r>
-            <a:r>
-              <a:rPr lang="zh-CN" altLang="en-US" sz="1800" dirty="0"/>
-              <a:t>*************</a:t>
-            </a:r>
-            <a:r>
-              <a:rPr lang="en-US" altLang="zh-CN" sz="1800" dirty="0"/>
-              <a:t>/</a:t>
+              <a:t>echo “b : $b”</a:t>
             </a:r>
           </a:p>
           <a:p>
             <a:pPr marL="457200" lvl="1" indent="0">
               <a:buNone/>
             </a:pPr>
-            <a:r>
-              <a:rPr lang="en-US" altLang="zh-CN" sz="1800" dirty="0"/>
-              <a:t>b=12a</a:t>
-            </a:r>
+            <a:endParaRPr lang="en-US" altLang="zh-CN" sz="1800" dirty="0"/>
           </a:p>
           <a:p>
             <a:pPr marL="457200" lvl="1" indent="0">
               <a:buNone/>
             </a:pPr>
-            <a:r>
-              <a:rPr lang="en-US" altLang="zh-CN" sz="1800" dirty="0"/>
-              <a:t>echo $(( 1 &amp;&amp; $b)) //</a:t>
-            </a:r>
-            <a:r>
-              <a:rPr lang="zh-CN" altLang="en-US" sz="1800" dirty="0"/>
-              <a:t>提示错误</a:t>
-            </a:r>
             <a:endParaRPr lang="en-US" altLang="zh-CN" sz="1800" dirty="0"/>
-          </a:p>
-          <a:p>
-            <a:endParaRPr lang="zh-CN" altLang="en-US" sz="2000" dirty="0"/>
           </a:p>
         </p:txBody>
       </p:sp>
     </p:spTree>
     <p:extLst>
       <p:ext uri="{BB962C8B-B14F-4D97-AF65-F5344CB8AC3E}">
-        <p14:creationId xmlns:p14="http://schemas.microsoft.com/office/powerpoint/2010/main" val="1261303279"/>
+        <p14:creationId xmlns:p14="http://schemas.microsoft.com/office/powerpoint/2010/main" val="3936334075"/>
       </p:ext>
     </p:extLst>
   </p:cSld>
@@ -8213,7 +9122,7 @@
           <p:cNvPr id="2" name="标题 1">
             <a:extLst>
               <a:ext uri="{FF2B5EF4-FFF2-40B4-BE49-F238E27FC236}">
-                <a16:creationId xmlns:a16="http://schemas.microsoft.com/office/drawing/2014/main" id="{0C00CA4B-9B33-4A7A-B5C8-EBEFD26C924A}"/>
+                <a16:creationId xmlns:a16="http://schemas.microsoft.com/office/drawing/2014/main" id="{8B88BACC-24DE-4087-9AB3-A099CF573089}"/>
               </a:ext>
             </a:extLst>
           </p:cNvPr>
@@ -8230,9 +9139,10 @@
           <a:lstStyle/>
           <a:p>
             <a:r>
-              <a:rPr lang="zh-CN" altLang="en-US" dirty="0"/>
-              <a:t>放进环境变量</a:t>
-            </a:r>
+              <a:rPr lang="en-US" altLang="zh-CN" dirty="0"/>
+              <a:t>test</a:t>
+            </a:r>
+            <a:endParaRPr lang="zh-CN" altLang="en-US" dirty="0"/>
           </a:p>
         </p:txBody>
       </p:sp>
@@ -8241,7 +9151,7 @@
           <p:cNvPr id="3" name="内容占位符 2">
             <a:extLst>
               <a:ext uri="{FF2B5EF4-FFF2-40B4-BE49-F238E27FC236}">
-                <a16:creationId xmlns:a16="http://schemas.microsoft.com/office/drawing/2014/main" id="{D9310E58-FE8C-494D-B407-80E802EA0D90}"/>
+                <a16:creationId xmlns:a16="http://schemas.microsoft.com/office/drawing/2014/main" id="{0A1C6B17-780B-4799-8193-E52FD817AC0E}"/>
               </a:ext>
             </a:extLst>
           </p:cNvPr>
@@ -8254,273 +9164,6 @@
         </p:nvSpPr>
         <p:spPr/>
         <p:txBody>
-          <a:bodyPr/>
-          <a:lstStyle/>
-          <a:p>
-            <a:r>
-              <a:rPr lang="zh-CN" altLang="en-US" sz="2000" dirty="0"/>
-              <a:t>环境变量是全局存在的，在任何</a:t>
-            </a:r>
-            <a:r>
-              <a:rPr lang="en-US" altLang="zh-CN" sz="2000" dirty="0"/>
-              <a:t>shell</a:t>
-            </a:r>
-            <a:r>
-              <a:rPr lang="zh-CN" altLang="en-US" sz="2000" dirty="0"/>
-              <a:t>脚本中都可以直接使用。</a:t>
-            </a:r>
-            <a:endParaRPr lang="en-US" altLang="zh-CN" sz="2000" dirty="0"/>
-          </a:p>
-          <a:p>
-            <a:endParaRPr lang="en-US" altLang="zh-CN" sz="2000" dirty="0"/>
-          </a:p>
-          <a:p>
-            <a:r>
-              <a:rPr lang="zh-CN" altLang="en-US" sz="2000" dirty="0"/>
-              <a:t>使用</a:t>
-            </a:r>
-            <a:r>
-              <a:rPr lang="en-US" altLang="zh-CN" sz="2000" dirty="0" err="1"/>
-              <a:t>env</a:t>
-            </a:r>
-            <a:r>
-              <a:rPr lang="zh-CN" altLang="en-US" sz="2000" dirty="0"/>
-              <a:t>查看环境变量。</a:t>
-            </a:r>
-            <a:endParaRPr lang="en-US" altLang="zh-CN" sz="2000" dirty="0"/>
-          </a:p>
-          <a:p>
-            <a:pPr marL="0" indent="0">
-              <a:buNone/>
-            </a:pPr>
-            <a:endParaRPr lang="en-US" altLang="zh-CN" sz="2000" dirty="0"/>
-          </a:p>
-          <a:p>
-            <a:r>
-              <a:rPr lang="en-US" altLang="zh-CN" sz="2000" dirty="0"/>
-              <a:t>export  a</a:t>
-            </a:r>
-            <a:r>
-              <a:rPr lang="zh-CN" altLang="en-US" sz="2000" dirty="0"/>
-              <a:t>：把变量放到环境变量，环境变量是一个名称与值的简单列表。</a:t>
-            </a:r>
-            <a:endParaRPr lang="en-US" altLang="zh-CN" sz="2000" dirty="0"/>
-          </a:p>
-          <a:p>
-            <a:pPr marL="0" indent="0">
-              <a:buNone/>
-            </a:pPr>
-            <a:endParaRPr lang="en-US" altLang="zh-CN" sz="2000" dirty="0"/>
-          </a:p>
-          <a:p>
-            <a:r>
-              <a:rPr lang="zh-CN" altLang="en-US" sz="2000" dirty="0"/>
-              <a:t>创建脚本</a:t>
-            </a:r>
-            <a:r>
-              <a:rPr lang="en-US" altLang="zh-CN" sz="2000" dirty="0"/>
-              <a:t>vartest.sh</a:t>
-            </a:r>
-            <a:r>
-              <a:rPr lang="zh-CN" altLang="en-US" sz="2000"/>
-              <a:t>写入以下代码，保存并设置可执行权限，查看运行结果：</a:t>
-            </a:r>
-            <a:endParaRPr lang="en-US" altLang="zh-CN" sz="2000" dirty="0"/>
-          </a:p>
-          <a:p>
-            <a:pPr marL="457200" lvl="1" indent="0">
-              <a:buNone/>
-            </a:pPr>
-            <a:r>
-              <a:rPr lang="en-US" altLang="zh-CN" sz="1800" dirty="0"/>
-              <a:t>a=`</a:t>
-            </a:r>
-            <a:r>
-              <a:rPr lang="en-US" altLang="zh-CN" sz="1800" dirty="0" err="1"/>
-              <a:t>env</a:t>
-            </a:r>
-            <a:r>
-              <a:rPr lang="en-US" altLang="zh-CN" sz="1800" dirty="0"/>
-              <a:t> | grep  </a:t>
-            </a:r>
-            <a:r>
-              <a:rPr lang="en-US" altLang="zh-CN" sz="1800" dirty="0" err="1"/>
-              <a:t>linux</a:t>
-            </a:r>
-            <a:r>
-              <a:rPr lang="en-US" altLang="zh-CN" sz="1800" dirty="0"/>
-              <a:t>`</a:t>
-            </a:r>
-          </a:p>
-          <a:p>
-            <a:pPr marL="457200" lvl="1" indent="0">
-              <a:buNone/>
-            </a:pPr>
-            <a:r>
-              <a:rPr lang="en-US" altLang="zh-CN" sz="1800" dirty="0" err="1"/>
-              <a:t>linux</a:t>
-            </a:r>
-            <a:r>
-              <a:rPr lang="en-US" altLang="zh-CN" sz="1800" dirty="0"/>
-              <a:t>=1</a:t>
-            </a:r>
-          </a:p>
-          <a:p>
-            <a:pPr marL="457200" lvl="1" indent="0">
-              <a:buNone/>
-            </a:pPr>
-            <a:r>
-              <a:rPr lang="en-US" altLang="zh-CN" sz="1800" dirty="0"/>
-              <a:t>export </a:t>
-            </a:r>
-            <a:r>
-              <a:rPr lang="en-US" altLang="zh-CN" sz="1800" dirty="0" err="1"/>
-              <a:t>linux</a:t>
-            </a:r>
-            <a:endParaRPr lang="en-US" altLang="zh-CN" sz="1800" dirty="0"/>
-          </a:p>
-          <a:p>
-            <a:pPr marL="457200" lvl="1" indent="0">
-              <a:buNone/>
-            </a:pPr>
-            <a:r>
-              <a:rPr lang="en-US" altLang="zh-CN" sz="1800" dirty="0"/>
-              <a:t>b=`</a:t>
-            </a:r>
-            <a:r>
-              <a:rPr lang="en-US" altLang="zh-CN" sz="1800" dirty="0" err="1"/>
-              <a:t>env</a:t>
-            </a:r>
-            <a:r>
-              <a:rPr lang="en-US" altLang="zh-CN" sz="1800" dirty="0"/>
-              <a:t> | grep </a:t>
-            </a:r>
-            <a:r>
-              <a:rPr lang="en-US" altLang="zh-CN" sz="1800" dirty="0" err="1"/>
-              <a:t>linux</a:t>
-            </a:r>
-            <a:r>
-              <a:rPr lang="en-US" altLang="zh-CN" sz="1800" dirty="0"/>
-              <a:t>`</a:t>
-            </a:r>
-          </a:p>
-          <a:p>
-            <a:pPr marL="457200" lvl="1" indent="0">
-              <a:buNone/>
-            </a:pPr>
-            <a:r>
-              <a:rPr lang="en-US" altLang="zh-CN" sz="1800" dirty="0"/>
-              <a:t>echo “a :</a:t>
-            </a:r>
-            <a:r>
-              <a:rPr lang="zh-CN" altLang="en-US" sz="1800" dirty="0"/>
-              <a:t> </a:t>
-            </a:r>
-            <a:r>
-              <a:rPr lang="en-US" altLang="zh-CN" sz="1800" dirty="0"/>
-              <a:t>$a”</a:t>
-            </a:r>
-          </a:p>
-          <a:p>
-            <a:pPr marL="457200" lvl="1" indent="0">
-              <a:buNone/>
-            </a:pPr>
-            <a:r>
-              <a:rPr lang="en-US" altLang="zh-CN" sz="1800" dirty="0"/>
-              <a:t>echo “b : $b”</a:t>
-            </a:r>
-          </a:p>
-          <a:p>
-            <a:pPr marL="457200" lvl="1" indent="0">
-              <a:buNone/>
-            </a:pPr>
-            <a:endParaRPr lang="en-US" altLang="zh-CN" sz="1800" dirty="0"/>
-          </a:p>
-          <a:p>
-            <a:pPr marL="457200" lvl="1" indent="0">
-              <a:buNone/>
-            </a:pPr>
-            <a:endParaRPr lang="en-US" altLang="zh-CN" sz="1800" dirty="0"/>
-          </a:p>
-        </p:txBody>
-      </p:sp>
-    </p:spTree>
-    <p:extLst>
-      <p:ext uri="{BB962C8B-B14F-4D97-AF65-F5344CB8AC3E}">
-        <p14:creationId xmlns:p14="http://schemas.microsoft.com/office/powerpoint/2010/main" val="3936334075"/>
-      </p:ext>
-    </p:extLst>
-  </p:cSld>
-  <p:clrMapOvr>
-    <a:masterClrMapping/>
-  </p:clrMapOvr>
-</p:sld>
-</file>
-
-<file path=ppt/slides/slide25.xml><?xml version="1.0" encoding="utf-8"?>
-<p:sld xmlns:a="http://schemas.openxmlformats.org/drawingml/2006/main" xmlns:r="http://schemas.openxmlformats.org/officeDocument/2006/relationships" xmlns:p="http://schemas.openxmlformats.org/presentationml/2006/main">
-  <p:cSld>
-    <p:spTree>
-      <p:nvGrpSpPr>
-        <p:cNvPr id="1" name=""/>
-        <p:cNvGrpSpPr/>
-        <p:nvPr/>
-      </p:nvGrpSpPr>
-      <p:grpSpPr>
-        <a:xfrm>
-          <a:off x="0" y="0"/>
-          <a:ext cx="0" cy="0"/>
-          <a:chOff x="0" y="0"/>
-          <a:chExt cx="0" cy="0"/>
-        </a:xfrm>
-      </p:grpSpPr>
-      <p:sp>
-        <p:nvSpPr>
-          <p:cNvPr id="2" name="标题 1">
-            <a:extLst>
-              <a:ext uri="{FF2B5EF4-FFF2-40B4-BE49-F238E27FC236}">
-                <a16:creationId xmlns:a16="http://schemas.microsoft.com/office/drawing/2014/main" id="{8B88BACC-24DE-4087-9AB3-A099CF573089}"/>
-              </a:ext>
-            </a:extLst>
-          </p:cNvPr>
-          <p:cNvSpPr>
-            <a:spLocks noGrp="1"/>
-          </p:cNvSpPr>
-          <p:nvPr>
-            <p:ph type="title"/>
-          </p:nvPr>
-        </p:nvSpPr>
-        <p:spPr/>
-        <p:txBody>
-          <a:bodyPr/>
-          <a:lstStyle/>
-          <a:p>
-            <a:r>
-              <a:rPr lang="en-US" altLang="zh-CN" dirty="0"/>
-              <a:t>test</a:t>
-            </a:r>
-            <a:endParaRPr lang="zh-CN" altLang="en-US" dirty="0"/>
-          </a:p>
-        </p:txBody>
-      </p:sp>
-      <p:sp>
-        <p:nvSpPr>
-          <p:cNvPr id="3" name="内容占位符 2">
-            <a:extLst>
-              <a:ext uri="{FF2B5EF4-FFF2-40B4-BE49-F238E27FC236}">
-                <a16:creationId xmlns:a16="http://schemas.microsoft.com/office/drawing/2014/main" id="{0A1C6B17-780B-4799-8193-E52FD817AC0E}"/>
-              </a:ext>
-            </a:extLst>
-          </p:cNvPr>
-          <p:cNvSpPr>
-            <a:spLocks noGrp="1"/>
-          </p:cNvSpPr>
-          <p:nvPr>
-            <p:ph idx="1"/>
-          </p:nvPr>
-        </p:nvSpPr>
-        <p:spPr/>
-        <p:txBody>
           <a:bodyPr>
             <a:normAutofit/>
           </a:bodyPr>
@@ -8545,7 +9188,21 @@
             </a:r>
             <a:r>
               <a:rPr lang="zh-CN" altLang="en-US" sz="2000" dirty="0"/>
-              <a:t>内建命令，可以处理脚本里的各类工作，产生的不是一般形式的输出，而是可用的退出状态。使用</a:t>
+              <a:t>内建命令，可以处理脚本里的各类工作，</a:t>
+            </a:r>
+            <a:r>
+              <a:rPr lang="zh-CN" altLang="en-US" sz="2000" dirty="0">
+                <a:solidFill>
+                  <a:schemeClr val="accent2">
+                    <a:lumMod val="50000"/>
+                  </a:schemeClr>
+                </a:solidFill>
+              </a:rPr>
+              <a:t>产生的不是一般形式的输出，而是可用的退出状态</a:t>
+            </a:r>
+            <a:r>
+              <a:rPr lang="zh-CN" altLang="en-US" sz="2000" dirty="0"/>
+              <a:t>。使用</a:t>
             </a:r>
             <a:r>
               <a:rPr lang="en-US" altLang="zh-CN" sz="2000" dirty="0"/>
@@ -8858,7 +9515,7 @@
 </p:sld>
 </file>
 
-<file path=ppt/slides/slide26.xml><?xml version="1.0" encoding="utf-8"?>
+<file path=ppt/slides/slide25.xml><?xml version="1.0" encoding="utf-8"?>
 <p:sld xmlns:a="http://schemas.openxmlformats.org/drawingml/2006/main" xmlns:r="http://schemas.openxmlformats.org/officeDocument/2006/relationships" xmlns:p="http://schemas.openxmlformats.org/presentationml/2006/main">
   <p:cSld>
     <p:spTree>
@@ -9171,6 +9828,241 @@
 </p:sld>
 </file>
 
+<file path=ppt/slides/slide26.xml><?xml version="1.0" encoding="utf-8"?>
+<p:sld xmlns:a="http://schemas.openxmlformats.org/drawingml/2006/main" xmlns:r="http://schemas.openxmlformats.org/officeDocument/2006/relationships" xmlns:p="http://schemas.openxmlformats.org/presentationml/2006/main">
+  <p:cSld>
+    <p:spTree>
+      <p:nvGrpSpPr>
+        <p:cNvPr id="1" name=""/>
+        <p:cNvGrpSpPr/>
+        <p:nvPr/>
+      </p:nvGrpSpPr>
+      <p:grpSpPr>
+        <a:xfrm>
+          <a:off x="0" y="0"/>
+          <a:ext cx="0" cy="0"/>
+          <a:chOff x="0" y="0"/>
+          <a:chExt cx="0" cy="0"/>
+        </a:xfrm>
+      </p:grpSpPr>
+      <p:sp>
+        <p:nvSpPr>
+          <p:cNvPr id="2" name="标题 1">
+            <a:extLst>
+              <a:ext uri="{FF2B5EF4-FFF2-40B4-BE49-F238E27FC236}">
+                <a16:creationId xmlns:a16="http://schemas.microsoft.com/office/drawing/2014/main" id="{9E328C32-8851-4853-AD26-4F64E70337AE}"/>
+              </a:ext>
+            </a:extLst>
+          </p:cNvPr>
+          <p:cNvSpPr>
+            <a:spLocks noGrp="1"/>
+          </p:cNvSpPr>
+          <p:nvPr>
+            <p:ph type="title"/>
+          </p:nvPr>
+        </p:nvSpPr>
+        <p:spPr/>
+        <p:txBody>
+          <a:bodyPr/>
+          <a:lstStyle/>
+          <a:p>
+            <a:r>
+              <a:rPr lang="en-US" altLang="zh-CN" dirty="0" err="1"/>
+              <a:t>if,else,elif</a:t>
+            </a:r>
+            <a:r>
+              <a:rPr lang="zh-CN" altLang="en-US" dirty="0"/>
+              <a:t>示例</a:t>
+            </a:r>
+          </a:p>
+        </p:txBody>
+      </p:sp>
+      <p:sp>
+        <p:nvSpPr>
+          <p:cNvPr id="3" name="内容占位符 2">
+            <a:extLst>
+              <a:ext uri="{FF2B5EF4-FFF2-40B4-BE49-F238E27FC236}">
+                <a16:creationId xmlns:a16="http://schemas.microsoft.com/office/drawing/2014/main" id="{DD7E04DD-9E82-4F14-8054-5F856E49EDF6}"/>
+              </a:ext>
+            </a:extLst>
+          </p:cNvPr>
+          <p:cNvSpPr>
+            <a:spLocks noGrp="1"/>
+          </p:cNvSpPr>
+          <p:nvPr>
+            <p:ph idx="1"/>
+          </p:nvPr>
+        </p:nvSpPr>
+        <p:spPr/>
+        <p:txBody>
+          <a:bodyPr>
+            <a:normAutofit/>
+          </a:bodyPr>
+          <a:lstStyle/>
+          <a:p>
+            <a:r>
+              <a:rPr lang="en-US" altLang="zh-CN" sz="2200" dirty="0"/>
+              <a:t>if ,</a:t>
+            </a:r>
+            <a:r>
+              <a:rPr lang="en-US" altLang="zh-CN" sz="2200" dirty="0" err="1"/>
+              <a:t>else,elif</a:t>
+            </a:r>
+            <a:r>
+              <a:rPr lang="zh-CN" altLang="en-US" sz="2200" dirty="0"/>
+              <a:t>的用法：</a:t>
+            </a:r>
+            <a:endParaRPr lang="en-US" altLang="zh-CN" sz="2200" dirty="0"/>
+          </a:p>
+          <a:p>
+            <a:pPr marL="457200" lvl="1" indent="0">
+              <a:buNone/>
+            </a:pPr>
+            <a:r>
+              <a:rPr lang="en-US" altLang="zh-CN" sz="2200" dirty="0"/>
+              <a:t>file=~/tmp/a.sh</a:t>
+            </a:r>
+          </a:p>
+          <a:p>
+            <a:pPr marL="457200" lvl="1" indent="0">
+              <a:buNone/>
+            </a:pPr>
+            <a:r>
+              <a:rPr lang="en-US" altLang="zh-CN" sz="2200" dirty="0" err="1"/>
+              <a:t>dbin</a:t>
+            </a:r>
+            <a:r>
+              <a:rPr lang="en-US" altLang="zh-CN" sz="2200" dirty="0"/>
+              <a:t>=~/bin</a:t>
+            </a:r>
+          </a:p>
+          <a:p>
+            <a:pPr marL="457200" lvl="1" indent="0">
+              <a:buNone/>
+            </a:pPr>
+            <a:r>
+              <a:rPr lang="en-US" altLang="zh-CN" sz="2200" dirty="0"/>
+              <a:t>if  test  -f</a:t>
+            </a:r>
+            <a:r>
+              <a:rPr lang="zh-CN" altLang="en-US" sz="2200" dirty="0"/>
+              <a:t>  </a:t>
+            </a:r>
+            <a:r>
+              <a:rPr lang="en-US" altLang="zh-CN" sz="2200" dirty="0"/>
+              <a:t>“$file”</a:t>
+            </a:r>
+          </a:p>
+          <a:p>
+            <a:pPr marL="457200" lvl="1" indent="0">
+              <a:buNone/>
+            </a:pPr>
+            <a:r>
+              <a:rPr lang="en-US" altLang="zh-CN" sz="2200" dirty="0"/>
+              <a:t>    then</a:t>
+            </a:r>
+          </a:p>
+          <a:p>
+            <a:pPr marL="457200" lvl="1" indent="0">
+              <a:buNone/>
+            </a:pPr>
+            <a:r>
+              <a:rPr lang="en-US" altLang="zh-CN" sz="2200" dirty="0"/>
+              <a:t>        cat  “$file”</a:t>
+            </a:r>
+          </a:p>
+          <a:p>
+            <a:pPr marL="457200" lvl="1" indent="0">
+              <a:buNone/>
+            </a:pPr>
+            <a:r>
+              <a:rPr lang="en-US" altLang="zh-CN" sz="2200" dirty="0" err="1"/>
+              <a:t>elif</a:t>
+            </a:r>
+            <a:r>
+              <a:rPr lang="en-US" altLang="zh-CN" sz="2200" dirty="0"/>
+              <a:t> [ -d “$</a:t>
+            </a:r>
+            <a:r>
+              <a:rPr lang="en-US" altLang="zh-CN" sz="2200" dirty="0" err="1"/>
+              <a:t>dbin</a:t>
+            </a:r>
+            <a:r>
+              <a:rPr lang="en-US" altLang="zh-CN" sz="2200" dirty="0"/>
+              <a:t>” ]</a:t>
+            </a:r>
+          </a:p>
+          <a:p>
+            <a:pPr marL="457200" lvl="1" indent="0">
+              <a:buNone/>
+            </a:pPr>
+            <a:r>
+              <a:rPr lang="en-US" altLang="zh-CN" sz="2200" dirty="0"/>
+              <a:t>    then</a:t>
+            </a:r>
+          </a:p>
+          <a:p>
+            <a:pPr marL="457200" lvl="1" indent="0">
+              <a:buNone/>
+            </a:pPr>
+            <a:r>
+              <a:rPr lang="en-US" altLang="zh-CN" sz="2200" dirty="0"/>
+              <a:t>        ls “$</a:t>
+            </a:r>
+            <a:r>
+              <a:rPr lang="en-US" altLang="zh-CN" sz="2200" dirty="0" err="1"/>
+              <a:t>dbin</a:t>
+            </a:r>
+            <a:r>
+              <a:rPr lang="en-US" altLang="zh-CN" sz="2200" dirty="0"/>
+              <a:t>”</a:t>
+            </a:r>
+          </a:p>
+          <a:p>
+            <a:pPr marL="457200" lvl="1" indent="0">
+              <a:buNone/>
+            </a:pPr>
+            <a:r>
+              <a:rPr lang="en-US" altLang="zh-CN" sz="2200" dirty="0"/>
+              <a:t>else</a:t>
+            </a:r>
+          </a:p>
+          <a:p>
+            <a:pPr marL="457200" lvl="1" indent="0">
+              <a:buNone/>
+            </a:pPr>
+            <a:r>
+              <a:rPr lang="en-US" altLang="zh-CN" sz="2200" dirty="0"/>
+              <a:t>    echo  “file not found”</a:t>
+            </a:r>
+          </a:p>
+          <a:p>
+            <a:pPr marL="457200" lvl="1" indent="0">
+              <a:buNone/>
+            </a:pPr>
+            <a:r>
+              <a:rPr lang="en-US" altLang="zh-CN" sz="2200" dirty="0"/>
+              <a:t>fi</a:t>
+            </a:r>
+          </a:p>
+          <a:p>
+            <a:endParaRPr lang="zh-CN" altLang="en-US" dirty="0"/>
+          </a:p>
+        </p:txBody>
+      </p:sp>
+    </p:spTree>
+    <p:extLst>
+      <p:ext uri="{BB962C8B-B14F-4D97-AF65-F5344CB8AC3E}">
+        <p14:creationId xmlns:p14="http://schemas.microsoft.com/office/powerpoint/2010/main" val="2006120448"/>
+      </p:ext>
+    </p:extLst>
+  </p:cSld>
+  <p:clrMapOvr>
+    <a:masterClrMapping/>
+  </p:clrMapOvr>
+</p:sld>
+</file>
+
 <file path=ppt/slides/slide27.xml><?xml version="1.0" encoding="utf-8"?>
 <p:sld xmlns:a="http://schemas.openxmlformats.org/drawingml/2006/main" xmlns:r="http://schemas.openxmlformats.org/officeDocument/2006/relationships" xmlns:p="http://schemas.openxmlformats.org/presentationml/2006/main">
   <p:cSld>
@@ -9210,13 +10102,10 @@
           <a:lstStyle/>
           <a:p>
             <a:r>
-              <a:rPr lang="en-US" altLang="zh-CN" dirty="0" err="1"/>
-              <a:t>if,else,elif</a:t>
-            </a:r>
-            <a:r>
-              <a:rPr lang="zh-CN" altLang="en-US" dirty="0"/>
-              <a:t>示例</a:t>
-            </a:r>
+              <a:rPr lang="en-US" altLang="zh-CN" dirty="0"/>
+              <a:t>case</a:t>
+            </a:r>
+            <a:endParaRPr lang="zh-CN" altLang="en-US" dirty="0"/>
           </a:p>
         </p:txBody>
       </p:sp>
@@ -9244,139 +10133,58 @@
           <a:lstStyle/>
           <a:p>
             <a:r>
+              <a:rPr lang="zh-CN" altLang="en-US" sz="2200" dirty="0"/>
+              <a:t>多个判断值可以使用</a:t>
+            </a:r>
+            <a:r>
               <a:rPr lang="en-US" altLang="zh-CN" sz="2200" dirty="0"/>
-              <a:t>if ,</a:t>
-            </a:r>
-            <a:r>
-              <a:rPr lang="en-US" altLang="zh-CN" sz="2200" dirty="0" err="1"/>
-              <a:t>else,elif</a:t>
+              <a:t>if</a:t>
             </a:r>
             <a:r>
               <a:rPr lang="zh-CN" altLang="en-US" sz="2200" dirty="0"/>
-              <a:t>的用法：</a:t>
-            </a:r>
-            <a:endParaRPr lang="en-US" altLang="zh-CN" sz="2200" dirty="0"/>
-          </a:p>
-          <a:p>
-            <a:pPr marL="457200" lvl="1" indent="0">
-              <a:buNone/>
-            </a:pPr>
-            <a:r>
-              <a:rPr lang="en-US" altLang="zh-CN" sz="2200" dirty="0"/>
-              <a:t>file=~/tmp/a.sh</a:t>
-            </a:r>
-          </a:p>
-          <a:p>
-            <a:pPr marL="457200" lvl="1" indent="0">
-              <a:buNone/>
-            </a:pPr>
-            <a:r>
-              <a:rPr lang="en-US" altLang="zh-CN" sz="2200" dirty="0" err="1"/>
-              <a:t>dbin</a:t>
-            </a:r>
-            <a:r>
-              <a:rPr lang="en-US" altLang="zh-CN" sz="2200" dirty="0"/>
-              <a:t>=~/bin</a:t>
-            </a:r>
-          </a:p>
-          <a:p>
-            <a:pPr marL="457200" lvl="1" indent="0">
-              <a:buNone/>
-            </a:pPr>
-            <a:r>
-              <a:rPr lang="en-US" altLang="zh-CN" sz="2200" dirty="0"/>
-              <a:t>if  test  -f</a:t>
-            </a:r>
-            <a:r>
-              <a:rPr lang="zh-CN" altLang="en-US" sz="2200" dirty="0"/>
-              <a:t>  </a:t>
-            </a:r>
-            <a:r>
-              <a:rPr lang="en-US" altLang="zh-CN" sz="2200" dirty="0"/>
-              <a:t>“$file”</a:t>
-            </a:r>
-          </a:p>
-          <a:p>
-            <a:pPr marL="457200" lvl="1" indent="0">
-              <a:buNone/>
-            </a:pPr>
-            <a:r>
-              <a:rPr lang="en-US" altLang="zh-CN" sz="2200" dirty="0"/>
-              <a:t>    then</a:t>
-            </a:r>
-          </a:p>
-          <a:p>
-            <a:pPr marL="457200" lvl="1" indent="0">
-              <a:buNone/>
-            </a:pPr>
-            <a:r>
-              <a:rPr lang="en-US" altLang="zh-CN" sz="2200" dirty="0"/>
-              <a:t>        cat  “$file”</a:t>
-            </a:r>
-          </a:p>
-          <a:p>
-            <a:pPr marL="457200" lvl="1" indent="0">
-              <a:buNone/>
-            </a:pPr>
+              <a:t>，</a:t>
+            </a:r>
             <a:r>
               <a:rPr lang="en-US" altLang="zh-CN" sz="2200" dirty="0" err="1"/>
               <a:t>elif</a:t>
             </a:r>
             <a:r>
-              <a:rPr lang="en-US" altLang="zh-CN" sz="2200" dirty="0"/>
-              <a:t> [ -d “$</a:t>
-            </a:r>
-            <a:r>
-              <a:rPr lang="en-US" altLang="zh-CN" sz="2200" dirty="0" err="1"/>
-              <a:t>dbin</a:t>
-            </a:r>
-            <a:r>
-              <a:rPr lang="en-US" altLang="zh-CN" sz="2200" dirty="0"/>
-              <a:t>” ]</a:t>
-            </a:r>
-          </a:p>
-          <a:p>
-            <a:pPr marL="457200" lvl="1" indent="0">
-              <a:buNone/>
-            </a:pPr>
-            <a:r>
-              <a:rPr lang="en-US" altLang="zh-CN" sz="2200" dirty="0"/>
-              <a:t>    then</a:t>
-            </a:r>
-          </a:p>
-          <a:p>
-            <a:pPr marL="457200" lvl="1" indent="0">
-              <a:buNone/>
-            </a:pPr>
-            <a:r>
-              <a:rPr lang="en-US" altLang="zh-CN" sz="2200" dirty="0"/>
-              <a:t>        ls “$</a:t>
-            </a:r>
-            <a:r>
-              <a:rPr lang="en-US" altLang="zh-CN" sz="2200" dirty="0" err="1"/>
-              <a:t>dbin</a:t>
-            </a:r>
-            <a:r>
-              <a:rPr lang="en-US" altLang="zh-CN" sz="2200" dirty="0"/>
-              <a:t>”</a:t>
-            </a:r>
-          </a:p>
-          <a:p>
-            <a:pPr marL="457200" lvl="1" indent="0">
-              <a:buNone/>
-            </a:pPr>
+              <a:rPr lang="zh-CN" altLang="en-US" sz="2200" dirty="0"/>
+              <a:t>，</a:t>
+            </a:r>
             <a:r>
               <a:rPr lang="en-US" altLang="zh-CN" sz="2200" dirty="0"/>
               <a:t>else</a:t>
             </a:r>
+            <a:r>
+              <a:rPr lang="zh-CN" altLang="en-US" sz="2200" dirty="0"/>
+              <a:t>组合。更简洁的形式是使用</a:t>
+            </a:r>
+            <a:r>
+              <a:rPr lang="en-US" altLang="zh-CN" sz="2200" dirty="0"/>
+              <a:t>case</a:t>
+            </a:r>
+            <a:r>
+              <a:rPr lang="zh-CN" altLang="en-US" sz="2200" dirty="0"/>
+              <a:t>语句实现，就像普通编程语言的</a:t>
+            </a:r>
+            <a:r>
+              <a:rPr lang="en-US" altLang="zh-CN" sz="2200" dirty="0"/>
+              <a:t>switch</a:t>
+            </a:r>
+            <a:r>
+              <a:rPr lang="zh-CN" altLang="en-US" sz="2200" dirty="0"/>
+              <a:t>。语法结构：</a:t>
+            </a:r>
+            <a:endParaRPr lang="en-US" altLang="zh-CN" sz="2200" dirty="0"/>
           </a:p>
           <a:p>
             <a:pPr marL="457200" lvl="1" indent="0">
               <a:buNone/>
             </a:pPr>
             <a:r>
-              <a:rPr lang="en-US" altLang="zh-CN" sz="2200" dirty="0"/>
-              <a:t>    echo  “file not found”</a:t>
+              <a:rPr lang="en-US" altLang="zh-CN" sz="2000" dirty="0"/>
+              <a:t>case WORD in</a:t>
             </a:r>
           </a:p>
           <a:p>
@@ -9384,19 +10192,141 @@
               <a:buNone/>
             </a:pPr>
             <a:r>
-              <a:rPr lang="en-US" altLang="zh-CN" sz="2200" dirty="0"/>
-              <a:t>fi</a:t>
-            </a:r>
-          </a:p>
-          <a:p>
-            <a:endParaRPr lang="zh-CN" altLang="en-US" dirty="0"/>
+              <a:rPr lang="en-US" altLang="zh-CN" sz="2000" dirty="0"/>
+              <a:t>    VALUE1)</a:t>
+            </a:r>
+          </a:p>
+          <a:p>
+            <a:pPr marL="457200" lvl="1" indent="0">
+              <a:buNone/>
+            </a:pPr>
+            <a:r>
+              <a:rPr lang="en-US" altLang="zh-CN" sz="2000" dirty="0"/>
+              <a:t>        [COMMANDS]</a:t>
+            </a:r>
+          </a:p>
+          <a:p>
+            <a:pPr marL="457200" lvl="1" indent="0">
+              <a:buNone/>
+            </a:pPr>
+            <a:r>
+              <a:rPr lang="en-US" altLang="zh-CN" sz="2000" dirty="0"/>
+              <a:t>        ;;</a:t>
+            </a:r>
+          </a:p>
+          <a:p>
+            <a:pPr marL="457200" lvl="1" indent="0">
+              <a:buNone/>
+            </a:pPr>
+            <a:r>
+              <a:rPr lang="en-US" altLang="zh-CN" sz="2000" dirty="0"/>
+              <a:t>    VALUE2)</a:t>
+            </a:r>
+          </a:p>
+          <a:p>
+            <a:pPr marL="457200" lvl="1" indent="0">
+              <a:buNone/>
+            </a:pPr>
+            <a:r>
+              <a:rPr lang="en-US" altLang="zh-CN" sz="2000" dirty="0"/>
+              <a:t>        [COMMANDS]</a:t>
+            </a:r>
+          </a:p>
+          <a:p>
+            <a:pPr marL="457200" lvl="1" indent="0">
+              <a:buNone/>
+            </a:pPr>
+            <a:r>
+              <a:rPr lang="en-US" altLang="zh-CN" sz="2000" dirty="0"/>
+              <a:t>        ;;</a:t>
+            </a:r>
+          </a:p>
+          <a:p>
+            <a:pPr marL="457200" lvl="1" indent="0">
+              <a:buNone/>
+            </a:pPr>
+            <a:r>
+              <a:rPr lang="en-US" altLang="zh-CN" sz="2000" dirty="0"/>
+              <a:t>    *)</a:t>
+            </a:r>
+          </a:p>
+          <a:p>
+            <a:pPr marL="457200" lvl="1" indent="0">
+              <a:buNone/>
+            </a:pPr>
+            <a:r>
+              <a:rPr lang="en-US" altLang="zh-CN" sz="2000" dirty="0"/>
+              <a:t>        [COMMANDS]</a:t>
+            </a:r>
+          </a:p>
+          <a:p>
+            <a:pPr marL="457200" lvl="1" indent="0">
+              <a:buNone/>
+            </a:pPr>
+            <a:r>
+              <a:rPr lang="en-US" altLang="zh-CN" sz="2000" dirty="0"/>
+              <a:t>        ;;  //</a:t>
+            </a:r>
+            <a:r>
+              <a:rPr lang="en-US" altLang="zh-CN" sz="2000" dirty="0" err="1"/>
+              <a:t>esac</a:t>
+            </a:r>
+            <a:r>
+              <a:rPr lang="zh-CN" altLang="en-US" sz="2000" dirty="0"/>
+              <a:t>之前的</a:t>
+            </a:r>
+            <a:r>
+              <a:rPr lang="en-US" altLang="zh-CN" sz="2000" dirty="0"/>
+              <a:t>;;</a:t>
+            </a:r>
+            <a:r>
+              <a:rPr lang="zh-CN" altLang="en-US" sz="2000" dirty="0"/>
+              <a:t>可以省略</a:t>
+            </a:r>
+            <a:endParaRPr lang="en-US" altLang="zh-CN" sz="2000" dirty="0"/>
+          </a:p>
+          <a:p>
+            <a:pPr marL="457200" lvl="1" indent="0">
+              <a:buNone/>
+            </a:pPr>
+            <a:r>
+              <a:rPr lang="en-US" altLang="zh-CN" sz="2000" dirty="0" err="1"/>
+              <a:t>esac</a:t>
+            </a:r>
+            <a:endParaRPr lang="en-US" altLang="zh-CN" sz="2000" dirty="0"/>
+          </a:p>
+          <a:p>
+            <a:r>
+              <a:rPr lang="en-US" altLang="zh-CN" sz="2000" dirty="0"/>
+              <a:t>)</a:t>
+            </a:r>
+            <a:r>
+              <a:rPr lang="zh-CN" altLang="en-US" sz="2000" dirty="0"/>
+              <a:t>是必须要加的，每个逻辑块执行到</a:t>
+            </a:r>
+            <a:r>
+              <a:rPr lang="en-US" altLang="zh-CN" sz="2000" dirty="0"/>
+              <a:t>;;</a:t>
+            </a:r>
+            <a:r>
+              <a:rPr lang="zh-CN" altLang="en-US" sz="2000" dirty="0"/>
+              <a:t>结束。*</a:t>
+            </a:r>
+            <a:r>
+              <a:rPr lang="en-US" altLang="zh-CN" sz="2000" dirty="0"/>
+              <a:t>)</a:t>
+            </a:r>
+            <a:r>
+              <a:rPr lang="zh-CN" altLang="en-US" sz="2000" dirty="0"/>
+              <a:t>是默认情况，并非必须。</a:t>
+            </a:r>
           </a:p>
         </p:txBody>
       </p:sp>
     </p:spTree>
     <p:extLst>
       <p:ext uri="{BB962C8B-B14F-4D97-AF65-F5344CB8AC3E}">
-        <p14:creationId xmlns:p14="http://schemas.microsoft.com/office/powerpoint/2010/main" val="2006120448"/>
+        <p14:creationId xmlns:p14="http://schemas.microsoft.com/office/powerpoint/2010/main" val="4021538054"/>
       </p:ext>
     </p:extLst>
   </p:cSld>
@@ -9448,279 +10378,6 @@
               <a:rPr lang="en-US" altLang="zh-CN" dirty="0"/>
               <a:t>case</a:t>
             </a:r>
-            <a:endParaRPr lang="zh-CN" altLang="en-US" dirty="0"/>
-          </a:p>
-        </p:txBody>
-      </p:sp>
-      <p:sp>
-        <p:nvSpPr>
-          <p:cNvPr id="3" name="内容占位符 2">
-            <a:extLst>
-              <a:ext uri="{FF2B5EF4-FFF2-40B4-BE49-F238E27FC236}">
-                <a16:creationId xmlns:a16="http://schemas.microsoft.com/office/drawing/2014/main" id="{DD7E04DD-9E82-4F14-8054-5F856E49EDF6}"/>
-              </a:ext>
-            </a:extLst>
-          </p:cNvPr>
-          <p:cNvSpPr>
-            <a:spLocks noGrp="1"/>
-          </p:cNvSpPr>
-          <p:nvPr>
-            <p:ph idx="1"/>
-          </p:nvPr>
-        </p:nvSpPr>
-        <p:spPr/>
-        <p:txBody>
-          <a:bodyPr>
-            <a:normAutofit/>
-          </a:bodyPr>
-          <a:lstStyle/>
-          <a:p>
-            <a:r>
-              <a:rPr lang="zh-CN" altLang="en-US" sz="2200" dirty="0"/>
-              <a:t>多个判断值可以使用</a:t>
-            </a:r>
-            <a:r>
-              <a:rPr lang="en-US" altLang="zh-CN" sz="2200" dirty="0"/>
-              <a:t>if</a:t>
-            </a:r>
-            <a:r>
-              <a:rPr lang="zh-CN" altLang="en-US" sz="2200" dirty="0"/>
-              <a:t>，</a:t>
-            </a:r>
-            <a:r>
-              <a:rPr lang="en-US" altLang="zh-CN" sz="2200" dirty="0" err="1"/>
-              <a:t>elif</a:t>
-            </a:r>
-            <a:r>
-              <a:rPr lang="zh-CN" altLang="en-US" sz="2200" dirty="0"/>
-              <a:t>，</a:t>
-            </a:r>
-            <a:r>
-              <a:rPr lang="en-US" altLang="zh-CN" sz="2200" dirty="0"/>
-              <a:t>else</a:t>
-            </a:r>
-            <a:r>
-              <a:rPr lang="zh-CN" altLang="en-US" sz="2200" dirty="0"/>
-              <a:t>组合。更简洁的形式是使用</a:t>
-            </a:r>
-            <a:r>
-              <a:rPr lang="en-US" altLang="zh-CN" sz="2200" dirty="0"/>
-              <a:t>case</a:t>
-            </a:r>
-            <a:r>
-              <a:rPr lang="zh-CN" altLang="en-US" sz="2200" dirty="0"/>
-              <a:t>语句实现，就像普通编程语言的</a:t>
-            </a:r>
-            <a:r>
-              <a:rPr lang="en-US" altLang="zh-CN" sz="2200" dirty="0"/>
-              <a:t>switch</a:t>
-            </a:r>
-            <a:r>
-              <a:rPr lang="zh-CN" altLang="en-US" sz="2200" dirty="0"/>
-              <a:t>。语法结构：</a:t>
-            </a:r>
-            <a:endParaRPr lang="en-US" altLang="zh-CN" sz="2200" dirty="0"/>
-          </a:p>
-          <a:p>
-            <a:pPr marL="457200" lvl="1" indent="0">
-              <a:buNone/>
-            </a:pPr>
-            <a:r>
-              <a:rPr lang="en-US" altLang="zh-CN" sz="2000" dirty="0"/>
-              <a:t>case WORD in</a:t>
-            </a:r>
-          </a:p>
-          <a:p>
-            <a:pPr marL="457200" lvl="1" indent="0">
-              <a:buNone/>
-            </a:pPr>
-            <a:r>
-              <a:rPr lang="en-US" altLang="zh-CN" sz="2000" dirty="0"/>
-              <a:t>    VALUE1)</a:t>
-            </a:r>
-          </a:p>
-          <a:p>
-            <a:pPr marL="457200" lvl="1" indent="0">
-              <a:buNone/>
-            </a:pPr>
-            <a:r>
-              <a:rPr lang="en-US" altLang="zh-CN" sz="2000" dirty="0"/>
-              <a:t>        [COMMANDS]</a:t>
-            </a:r>
-          </a:p>
-          <a:p>
-            <a:pPr marL="457200" lvl="1" indent="0">
-              <a:buNone/>
-            </a:pPr>
-            <a:r>
-              <a:rPr lang="en-US" altLang="zh-CN" sz="2000" dirty="0"/>
-              <a:t>        ;;</a:t>
-            </a:r>
-          </a:p>
-          <a:p>
-            <a:pPr marL="457200" lvl="1" indent="0">
-              <a:buNone/>
-            </a:pPr>
-            <a:r>
-              <a:rPr lang="en-US" altLang="zh-CN" sz="2000" dirty="0"/>
-              <a:t>    VALUE2)</a:t>
-            </a:r>
-          </a:p>
-          <a:p>
-            <a:pPr marL="457200" lvl="1" indent="0">
-              <a:buNone/>
-            </a:pPr>
-            <a:r>
-              <a:rPr lang="en-US" altLang="zh-CN" sz="2000" dirty="0"/>
-              <a:t>        [COMMANDS]</a:t>
-            </a:r>
-          </a:p>
-          <a:p>
-            <a:pPr marL="457200" lvl="1" indent="0">
-              <a:buNone/>
-            </a:pPr>
-            <a:r>
-              <a:rPr lang="en-US" altLang="zh-CN" sz="2000" dirty="0"/>
-              <a:t>        ;;</a:t>
-            </a:r>
-          </a:p>
-          <a:p>
-            <a:pPr marL="457200" lvl="1" indent="0">
-              <a:buNone/>
-            </a:pPr>
-            <a:r>
-              <a:rPr lang="en-US" altLang="zh-CN" sz="2000" dirty="0"/>
-              <a:t>    *)</a:t>
-            </a:r>
-          </a:p>
-          <a:p>
-            <a:pPr marL="457200" lvl="1" indent="0">
-              <a:buNone/>
-            </a:pPr>
-            <a:r>
-              <a:rPr lang="en-US" altLang="zh-CN" sz="2000" dirty="0"/>
-              <a:t>        [COMMANDS]</a:t>
-            </a:r>
-          </a:p>
-          <a:p>
-            <a:pPr marL="457200" lvl="1" indent="0">
-              <a:buNone/>
-            </a:pPr>
-            <a:r>
-              <a:rPr lang="en-US" altLang="zh-CN" sz="2000" dirty="0"/>
-              <a:t>        ;;  //</a:t>
-            </a:r>
-            <a:r>
-              <a:rPr lang="en-US" altLang="zh-CN" sz="2000" dirty="0" err="1"/>
-              <a:t>esac</a:t>
-            </a:r>
-            <a:r>
-              <a:rPr lang="zh-CN" altLang="en-US" sz="2000" dirty="0"/>
-              <a:t>之前的</a:t>
-            </a:r>
-            <a:r>
-              <a:rPr lang="en-US" altLang="zh-CN" sz="2000" dirty="0"/>
-              <a:t>;;</a:t>
-            </a:r>
-            <a:r>
-              <a:rPr lang="zh-CN" altLang="en-US" sz="2000" dirty="0"/>
-              <a:t>可以省略</a:t>
-            </a:r>
-            <a:endParaRPr lang="en-US" altLang="zh-CN" sz="2000" dirty="0"/>
-          </a:p>
-          <a:p>
-            <a:pPr marL="457200" lvl="1" indent="0">
-              <a:buNone/>
-            </a:pPr>
-            <a:r>
-              <a:rPr lang="en-US" altLang="zh-CN" sz="2000" dirty="0" err="1"/>
-              <a:t>esac</a:t>
-            </a:r>
-            <a:endParaRPr lang="en-US" altLang="zh-CN" sz="2000" dirty="0"/>
-          </a:p>
-          <a:p>
-            <a:r>
-              <a:rPr lang="en-US" altLang="zh-CN" sz="2000" dirty="0"/>
-              <a:t>)</a:t>
-            </a:r>
-            <a:r>
-              <a:rPr lang="zh-CN" altLang="en-US" sz="2000" dirty="0"/>
-              <a:t>是必须要加的，每个逻辑块执行到</a:t>
-            </a:r>
-            <a:r>
-              <a:rPr lang="en-US" altLang="zh-CN" sz="2000" dirty="0"/>
-              <a:t>;;</a:t>
-            </a:r>
-            <a:r>
-              <a:rPr lang="zh-CN" altLang="en-US" sz="2000" dirty="0"/>
-              <a:t>结束。*</a:t>
-            </a:r>
-            <a:r>
-              <a:rPr lang="en-US" altLang="zh-CN" sz="2000" dirty="0"/>
-              <a:t>)</a:t>
-            </a:r>
-            <a:r>
-              <a:rPr lang="zh-CN" altLang="en-US" sz="2000" dirty="0"/>
-              <a:t>是默认情况，并非必须。</a:t>
-            </a:r>
-          </a:p>
-        </p:txBody>
-      </p:sp>
-    </p:spTree>
-    <p:extLst>
-      <p:ext uri="{BB962C8B-B14F-4D97-AF65-F5344CB8AC3E}">
-        <p14:creationId xmlns:p14="http://schemas.microsoft.com/office/powerpoint/2010/main" val="4021538054"/>
-      </p:ext>
-    </p:extLst>
-  </p:cSld>
-  <p:clrMapOvr>
-    <a:masterClrMapping/>
-  </p:clrMapOvr>
-</p:sld>
-</file>
-
-<file path=ppt/slides/slide29.xml><?xml version="1.0" encoding="utf-8"?>
-<p:sld xmlns:a="http://schemas.openxmlformats.org/drawingml/2006/main" xmlns:r="http://schemas.openxmlformats.org/officeDocument/2006/relationships" xmlns:p="http://schemas.openxmlformats.org/presentationml/2006/main">
-  <p:cSld>
-    <p:spTree>
-      <p:nvGrpSpPr>
-        <p:cNvPr id="1" name=""/>
-        <p:cNvGrpSpPr/>
-        <p:nvPr/>
-      </p:nvGrpSpPr>
-      <p:grpSpPr>
-        <a:xfrm>
-          <a:off x="0" y="0"/>
-          <a:ext cx="0" cy="0"/>
-          <a:chOff x="0" y="0"/>
-          <a:chExt cx="0" cy="0"/>
-        </a:xfrm>
-      </p:grpSpPr>
-      <p:sp>
-        <p:nvSpPr>
-          <p:cNvPr id="2" name="标题 1">
-            <a:extLst>
-              <a:ext uri="{FF2B5EF4-FFF2-40B4-BE49-F238E27FC236}">
-                <a16:creationId xmlns:a16="http://schemas.microsoft.com/office/drawing/2014/main" id="{9E328C32-8851-4853-AD26-4F64E70337AE}"/>
-              </a:ext>
-            </a:extLst>
-          </p:cNvPr>
-          <p:cNvSpPr>
-            <a:spLocks noGrp="1"/>
-          </p:cNvSpPr>
-          <p:nvPr>
-            <p:ph type="title"/>
-          </p:nvPr>
-        </p:nvSpPr>
-        <p:spPr/>
-        <p:txBody>
-          <a:bodyPr/>
-          <a:lstStyle/>
-          <a:p>
-            <a:r>
-              <a:rPr lang="en-US" altLang="zh-CN" dirty="0"/>
-              <a:t>case</a:t>
-            </a:r>
             <a:r>
               <a:rPr lang="zh-CN" altLang="en-US" dirty="0"/>
               <a:t>示例</a:t>
@@ -9888,108 +10545,7 @@
 </p:sld>
 </file>
 
-<file path=ppt/slides/slide3.xml><?xml version="1.0" encoding="utf-8"?>
-<p:sld xmlns:a="http://schemas.openxmlformats.org/drawingml/2006/main" xmlns:r="http://schemas.openxmlformats.org/officeDocument/2006/relationships" xmlns:p="http://schemas.openxmlformats.org/presentationml/2006/main">
-  <p:cSld>
-    <p:spTree>
-      <p:nvGrpSpPr>
-        <p:cNvPr id="1" name=""/>
-        <p:cNvGrpSpPr/>
-        <p:nvPr/>
-      </p:nvGrpSpPr>
-      <p:grpSpPr>
-        <a:xfrm>
-          <a:off x="0" y="0"/>
-          <a:ext cx="0" cy="0"/>
-          <a:chOff x="0" y="0"/>
-          <a:chExt cx="0" cy="0"/>
-        </a:xfrm>
-      </p:grpSpPr>
-      <p:sp>
-        <p:nvSpPr>
-          <p:cNvPr id="4" name="标题 3">
-            <a:extLst>
-              <a:ext uri="{FF2B5EF4-FFF2-40B4-BE49-F238E27FC236}">
-                <a16:creationId xmlns:a16="http://schemas.microsoft.com/office/drawing/2014/main" id="{2729939D-814A-4BD2-9922-3F8EA865938B}"/>
-              </a:ext>
-            </a:extLst>
-          </p:cNvPr>
-          <p:cNvSpPr>
-            <a:spLocks noGrp="1"/>
-          </p:cNvSpPr>
-          <p:nvPr>
-            <p:ph type="title"/>
-          </p:nvPr>
-        </p:nvSpPr>
-        <p:spPr>
-          <a:xfrm>
-            <a:off x="838200" y="683581"/>
-            <a:ext cx="10515600" cy="736846"/>
-          </a:xfrm>
-        </p:spPr>
-        <p:txBody>
-          <a:bodyPr/>
-          <a:lstStyle/>
-          <a:p>
-            <a:r>
-              <a:rPr lang="en-US" altLang="zh-CN" dirty="0"/>
-              <a:t>1</a:t>
-            </a:r>
-            <a:endParaRPr lang="zh-CN" altLang="en-US" dirty="0"/>
-          </a:p>
-        </p:txBody>
-      </p:sp>
-      <p:sp>
-        <p:nvSpPr>
-          <p:cNvPr id="3" name="内容占位符 2">
-            <a:extLst>
-              <a:ext uri="{FF2B5EF4-FFF2-40B4-BE49-F238E27FC236}">
-                <a16:creationId xmlns:a16="http://schemas.microsoft.com/office/drawing/2014/main" id="{3C8E7491-39CF-4BD4-9510-F0E0DF2ADF5B}"/>
-              </a:ext>
-            </a:extLst>
-          </p:cNvPr>
-          <p:cNvSpPr>
-            <a:spLocks noGrp="1"/>
-          </p:cNvSpPr>
-          <p:nvPr>
-            <p:ph idx="1"/>
-          </p:nvPr>
-        </p:nvSpPr>
-        <p:spPr/>
-        <p:txBody>
-          <a:bodyPr anchor="ctr"/>
-          <a:lstStyle/>
-          <a:p>
-            <a:pPr marL="0" indent="0" algn="ctr">
-              <a:buNone/>
-            </a:pPr>
-            <a:r>
-              <a:rPr lang="zh-CN" altLang="en-US" dirty="0">
-                <a:solidFill>
-                  <a:schemeClr val="accent1">
-                    <a:lumMod val="50000"/>
-                  </a:schemeClr>
-                </a:solidFill>
-              </a:rPr>
-              <a:t>知识回顾</a:t>
-            </a:r>
-          </a:p>
-        </p:txBody>
-      </p:sp>
-    </p:spTree>
-    <p:extLst>
-      <p:ext uri="{BB962C8B-B14F-4D97-AF65-F5344CB8AC3E}">
-        <p14:creationId xmlns:p14="http://schemas.microsoft.com/office/powerpoint/2010/main" val="4085003278"/>
-      </p:ext>
-    </p:extLst>
-  </p:cSld>
-  <p:clrMapOvr>
-    <a:masterClrMapping/>
-  </p:clrMapOvr>
-</p:sld>
-</file>
-
-<file path=ppt/slides/slide30.xml><?xml version="1.0" encoding="utf-8"?>
+<file path=ppt/slides/slide29.xml><?xml version="1.0" encoding="utf-8"?>
 <p:sld xmlns:a="http://schemas.openxmlformats.org/drawingml/2006/main" xmlns:r="http://schemas.openxmlformats.org/officeDocument/2006/relationships" xmlns:p="http://schemas.openxmlformats.org/presentationml/2006/main">
   <p:cSld>
     <p:spTree>
@@ -10381,7 +10937,108 @@
 </p:sld>
 </file>
 
-<file path=ppt/slides/slide31.xml><?xml version="1.0" encoding="utf-8"?>
+<file path=ppt/slides/slide3.xml><?xml version="1.0" encoding="utf-8"?>
+<p:sld xmlns:a="http://schemas.openxmlformats.org/drawingml/2006/main" xmlns:r="http://schemas.openxmlformats.org/officeDocument/2006/relationships" xmlns:p="http://schemas.openxmlformats.org/presentationml/2006/main">
+  <p:cSld>
+    <p:spTree>
+      <p:nvGrpSpPr>
+        <p:cNvPr id="1" name=""/>
+        <p:cNvGrpSpPr/>
+        <p:nvPr/>
+      </p:nvGrpSpPr>
+      <p:grpSpPr>
+        <a:xfrm>
+          <a:off x="0" y="0"/>
+          <a:ext cx="0" cy="0"/>
+          <a:chOff x="0" y="0"/>
+          <a:chExt cx="0" cy="0"/>
+        </a:xfrm>
+      </p:grpSpPr>
+      <p:sp>
+        <p:nvSpPr>
+          <p:cNvPr id="4" name="标题 3">
+            <a:extLst>
+              <a:ext uri="{FF2B5EF4-FFF2-40B4-BE49-F238E27FC236}">
+                <a16:creationId xmlns:a16="http://schemas.microsoft.com/office/drawing/2014/main" id="{2729939D-814A-4BD2-9922-3F8EA865938B}"/>
+              </a:ext>
+            </a:extLst>
+          </p:cNvPr>
+          <p:cNvSpPr>
+            <a:spLocks noGrp="1"/>
+          </p:cNvSpPr>
+          <p:nvPr>
+            <p:ph type="title"/>
+          </p:nvPr>
+        </p:nvSpPr>
+        <p:spPr>
+          <a:xfrm>
+            <a:off x="838200" y="683581"/>
+            <a:ext cx="10515600" cy="736846"/>
+          </a:xfrm>
+        </p:spPr>
+        <p:txBody>
+          <a:bodyPr/>
+          <a:lstStyle/>
+          <a:p>
+            <a:r>
+              <a:rPr lang="en-US" altLang="zh-CN" dirty="0"/>
+              <a:t>1</a:t>
+            </a:r>
+            <a:endParaRPr lang="zh-CN" altLang="en-US" dirty="0"/>
+          </a:p>
+        </p:txBody>
+      </p:sp>
+      <p:sp>
+        <p:nvSpPr>
+          <p:cNvPr id="3" name="内容占位符 2">
+            <a:extLst>
+              <a:ext uri="{FF2B5EF4-FFF2-40B4-BE49-F238E27FC236}">
+                <a16:creationId xmlns:a16="http://schemas.microsoft.com/office/drawing/2014/main" id="{3C8E7491-39CF-4BD4-9510-F0E0DF2ADF5B}"/>
+              </a:ext>
+            </a:extLst>
+          </p:cNvPr>
+          <p:cNvSpPr>
+            <a:spLocks noGrp="1"/>
+          </p:cNvSpPr>
+          <p:nvPr>
+            <p:ph idx="1"/>
+          </p:nvPr>
+        </p:nvSpPr>
+        <p:spPr/>
+        <p:txBody>
+          <a:bodyPr anchor="ctr"/>
+          <a:lstStyle/>
+          <a:p>
+            <a:pPr marL="0" indent="0" algn="ctr">
+              <a:buNone/>
+            </a:pPr>
+            <a:r>
+              <a:rPr lang="zh-CN" altLang="en-US" dirty="0">
+                <a:solidFill>
+                  <a:schemeClr val="accent1">
+                    <a:lumMod val="50000"/>
+                  </a:schemeClr>
+                </a:solidFill>
+              </a:rPr>
+              <a:t>知识回顾</a:t>
+            </a:r>
+          </a:p>
+        </p:txBody>
+      </p:sp>
+    </p:spTree>
+    <p:extLst>
+      <p:ext uri="{BB962C8B-B14F-4D97-AF65-F5344CB8AC3E}">
+        <p14:creationId xmlns:p14="http://schemas.microsoft.com/office/powerpoint/2010/main" val="4085003278"/>
+      </p:ext>
+    </p:extLst>
+  </p:cSld>
+  <p:clrMapOvr>
+    <a:masterClrMapping/>
+  </p:clrMapOvr>
+</p:sld>
+</file>
+
+<file path=ppt/slides/slide30.xml><?xml version="1.0" encoding="utf-8"?>
 <p:sld xmlns:a="http://schemas.openxmlformats.org/drawingml/2006/main" xmlns:r="http://schemas.openxmlformats.org/officeDocument/2006/relationships" xmlns:p="http://schemas.openxmlformats.org/presentationml/2006/main">
   <p:cSld>
     <p:spTree>
@@ -10718,6 +11375,172 @@
 </p:sld>
 </file>
 
+<file path=ppt/slides/slide31.xml><?xml version="1.0" encoding="utf-8"?>
+<p:sld xmlns:a="http://schemas.openxmlformats.org/drawingml/2006/main" xmlns:r="http://schemas.openxmlformats.org/officeDocument/2006/relationships" xmlns:p="http://schemas.openxmlformats.org/presentationml/2006/main">
+  <p:cSld>
+    <p:spTree>
+      <p:nvGrpSpPr>
+        <p:cNvPr id="1" name=""/>
+        <p:cNvGrpSpPr/>
+        <p:nvPr/>
+      </p:nvGrpSpPr>
+      <p:grpSpPr>
+        <a:xfrm>
+          <a:off x="0" y="0"/>
+          <a:ext cx="0" cy="0"/>
+          <a:chOff x="0" y="0"/>
+          <a:chExt cx="0" cy="0"/>
+        </a:xfrm>
+      </p:grpSpPr>
+      <p:sp>
+        <p:nvSpPr>
+          <p:cNvPr id="2" name="标题 1">
+            <a:extLst>
+              <a:ext uri="{FF2B5EF4-FFF2-40B4-BE49-F238E27FC236}">
+                <a16:creationId xmlns:a16="http://schemas.microsoft.com/office/drawing/2014/main" id="{8B88BACC-24DE-4087-9AB3-A099CF573089}"/>
+              </a:ext>
+            </a:extLst>
+          </p:cNvPr>
+          <p:cNvSpPr>
+            <a:spLocks noGrp="1"/>
+          </p:cNvSpPr>
+          <p:nvPr>
+            <p:ph type="title"/>
+          </p:nvPr>
+        </p:nvSpPr>
+        <p:spPr/>
+        <p:txBody>
+          <a:bodyPr/>
+          <a:lstStyle/>
+          <a:p>
+            <a:r>
+              <a:rPr lang="zh-CN" altLang="en-US" dirty="0"/>
+              <a:t>函数</a:t>
+            </a:r>
+          </a:p>
+        </p:txBody>
+      </p:sp>
+      <p:sp>
+        <p:nvSpPr>
+          <p:cNvPr id="3" name="内容占位符 2">
+            <a:extLst>
+              <a:ext uri="{FF2B5EF4-FFF2-40B4-BE49-F238E27FC236}">
+                <a16:creationId xmlns:a16="http://schemas.microsoft.com/office/drawing/2014/main" id="{0A1C6B17-780B-4799-8193-E52FD817AC0E}"/>
+              </a:ext>
+            </a:extLst>
+          </p:cNvPr>
+          <p:cNvSpPr>
+            <a:spLocks noGrp="1"/>
+          </p:cNvSpPr>
+          <p:nvPr>
+            <p:ph idx="1"/>
+          </p:nvPr>
+        </p:nvSpPr>
+        <p:spPr/>
+        <p:txBody>
+          <a:bodyPr/>
+          <a:lstStyle/>
+          <a:p>
+            <a:r>
+              <a:rPr lang="en-US" altLang="zh-CN" sz="2000" dirty="0"/>
+              <a:t>shell</a:t>
+            </a:r>
+            <a:r>
+              <a:rPr lang="zh-CN" altLang="en-US" sz="2000" dirty="0"/>
+              <a:t>中定义一个函数：</a:t>
+            </a:r>
+            <a:endParaRPr lang="en-US" altLang="zh-CN" sz="2000" dirty="0"/>
+          </a:p>
+          <a:p>
+            <a:pPr marL="457200" lvl="1" indent="0">
+              <a:buNone/>
+            </a:pPr>
+            <a:r>
+              <a:rPr lang="en-US" altLang="zh-CN" sz="2000" dirty="0" err="1"/>
+              <a:t>loop_show_time</a:t>
+            </a:r>
+            <a:r>
+              <a:rPr lang="en-US" altLang="zh-CN" sz="2000" dirty="0"/>
+              <a:t>(){</a:t>
+            </a:r>
+          </a:p>
+          <a:p>
+            <a:pPr marL="457200" lvl="1" indent="0">
+              <a:buNone/>
+            </a:pPr>
+            <a:r>
+              <a:rPr lang="en-US" altLang="zh-CN" sz="2000" dirty="0"/>
+              <a:t>    while date ; do</a:t>
+            </a:r>
+          </a:p>
+          <a:p>
+            <a:pPr marL="457200" lvl="1" indent="0">
+              <a:buNone/>
+            </a:pPr>
+            <a:r>
+              <a:rPr lang="en-US" altLang="zh-CN" sz="2000" dirty="0"/>
+              <a:t>        sleep 1</a:t>
+            </a:r>
+          </a:p>
+          <a:p>
+            <a:pPr marL="457200" lvl="1" indent="0">
+              <a:buNone/>
+            </a:pPr>
+            <a:r>
+              <a:rPr lang="en-US" altLang="zh-CN" sz="2000" dirty="0"/>
+              <a:t>        clear</a:t>
+            </a:r>
+          </a:p>
+          <a:p>
+            <a:pPr marL="457200" lvl="1" indent="0">
+              <a:buNone/>
+            </a:pPr>
+            <a:r>
+              <a:rPr lang="en-US" altLang="zh-CN" sz="2000" dirty="0"/>
+              <a:t>    done</a:t>
+            </a:r>
+          </a:p>
+          <a:p>
+            <a:pPr marL="457200" lvl="1" indent="0">
+              <a:buNone/>
+            </a:pPr>
+            <a:r>
+              <a:rPr lang="en-US" altLang="zh-CN" sz="2000" dirty="0"/>
+              <a:t>}</a:t>
+            </a:r>
+          </a:p>
+          <a:p>
+            <a:r>
+              <a:rPr lang="zh-CN" altLang="en-US" sz="2000" dirty="0"/>
+              <a:t>调用函数：</a:t>
+            </a:r>
+            <a:r>
+              <a:rPr lang="en-US" altLang="zh-CN" sz="2000" dirty="0" err="1"/>
+              <a:t>loop_show_time</a:t>
+            </a:r>
+            <a:endParaRPr lang="en-US" altLang="zh-CN" sz="2000" dirty="0"/>
+          </a:p>
+          <a:p>
+            <a:pPr marL="0" indent="0">
+              <a:buNone/>
+            </a:pPr>
+            <a:endParaRPr lang="en-US" altLang="zh-CN" sz="2000" dirty="0"/>
+          </a:p>
+        </p:txBody>
+      </p:sp>
+    </p:spTree>
+    <p:extLst>
+      <p:ext uri="{BB962C8B-B14F-4D97-AF65-F5344CB8AC3E}">
+        <p14:creationId xmlns:p14="http://schemas.microsoft.com/office/powerpoint/2010/main" val="909140970"/>
+      </p:ext>
+    </p:extLst>
+  </p:cSld>
+  <p:clrMapOvr>
+    <a:masterClrMapping/>
+  </p:clrMapOvr>
+</p:sld>
+</file>
+
 <file path=ppt/slides/slide4.xml><?xml version="1.0" encoding="utf-8"?>
 <p:sld xmlns:a="http://schemas.openxmlformats.org/drawingml/2006/main" xmlns:r="http://schemas.openxmlformats.org/officeDocument/2006/relationships" xmlns:p="http://schemas.openxmlformats.org/presentationml/2006/main">
   <p:cSld>
@@ -11479,15 +12302,7 @@
             </a:r>
             <a:r>
               <a:rPr lang="zh-CN" altLang="en-US" sz="2000" dirty="0"/>
-              <a:t>的网站支持热部署，因为是脚本运行，每次请求会重新加载脚本，所以代码更改后改变会立即体现，这是优点，同时也是缺点：</a:t>
-            </a:r>
-            <a:r>
-              <a:rPr lang="en-US" altLang="zh-CN" sz="2000" dirty="0"/>
-              <a:t>PHP</a:t>
-            </a:r>
-            <a:r>
-              <a:rPr lang="zh-CN" altLang="en-US" sz="2000" dirty="0"/>
-              <a:t>不适合常驻内存，实时运行的场景，服务端推送也很难实现。</a:t>
+              <a:t>的网站支持热部署，因为是解释器动态加载程序文件解释执行，每次请求会重新加载脚本，所以代码更改后改变会立即体现，这是一个优势。</a:t>
             </a:r>
             <a:endParaRPr lang="en-US" altLang="zh-CN" sz="2000" dirty="0"/>
           </a:p>

--- a/materials/slides/ch01-review-and-linux.pptx
+++ b/materials/slides/ch01-review-and-linux.pptx
@@ -245,7 +245,7 @@
           <a:p>
             <a:fld id="{E923E828-953C-4D4A-9B10-11E7329F433D}" type="datetimeFigureOut">
               <a:rPr lang="zh-CN" altLang="en-US" smtClean="0"/>
-              <a:t>2018/3/3</a:t>
+              <a:t>2018/3/5</a:t>
             </a:fld>
             <a:endParaRPr lang="zh-CN" altLang="en-US"/>
           </a:p>
@@ -426,7 +426,7 @@
           <a:p>
             <a:fld id="{867C5346-22E5-4085-8130-851344A84DFF}" type="datetimeFigureOut">
               <a:rPr lang="zh-CN" altLang="en-US" smtClean="0"/>
-              <a:t>2018/3/3</a:t>
+              <a:t>2018/3/5</a:t>
             </a:fld>
             <a:endParaRPr lang="zh-CN" altLang="en-US"/>
           </a:p>
@@ -936,7 +936,7 @@
           <a:p>
             <a:fld id="{A5E21016-498F-4141-B0CA-D95A38CA7D62}" type="datetimeFigureOut">
               <a:rPr lang="zh-CN" altLang="en-US" smtClean="0"/>
-              <a:t>2018/3/3</a:t>
+              <a:t>2018/3/5</a:t>
             </a:fld>
             <a:endParaRPr lang="zh-CN" altLang="en-US"/>
           </a:p>
@@ -1166,7 +1166,7 @@
           <a:p>
             <a:fld id="{A5E21016-498F-4141-B0CA-D95A38CA7D62}" type="datetimeFigureOut">
               <a:rPr lang="zh-CN" altLang="en-US" smtClean="0"/>
-              <a:t>2018/3/3</a:t>
+              <a:t>2018/3/5</a:t>
             </a:fld>
             <a:endParaRPr lang="zh-CN" altLang="en-US"/>
           </a:p>
@@ -1401,7 +1401,7 @@
           <a:p>
             <a:fld id="{A5E21016-498F-4141-B0CA-D95A38CA7D62}" type="datetimeFigureOut">
               <a:rPr lang="zh-CN" altLang="en-US" smtClean="0"/>
-              <a:t>2018/3/3</a:t>
+              <a:t>2018/3/5</a:t>
             </a:fld>
             <a:endParaRPr lang="zh-CN" altLang="en-US"/>
           </a:p>
@@ -1963,7 +1963,7 @@
           <a:p>
             <a:fld id="{A5E21016-498F-4141-B0CA-D95A38CA7D62}" type="datetimeFigureOut">
               <a:rPr lang="zh-CN" altLang="en-US" smtClean="0"/>
-              <a:t>2018/3/3</a:t>
+              <a:t>2018/3/5</a:t>
             </a:fld>
             <a:endParaRPr lang="zh-CN" altLang="en-US"/>
           </a:p>
@@ -2260,7 +2260,7 @@
           <a:p>
             <a:fld id="{A5E21016-498F-4141-B0CA-D95A38CA7D62}" type="datetimeFigureOut">
               <a:rPr lang="zh-CN" altLang="en-US" smtClean="0"/>
-              <a:t>2018/3/3</a:t>
+              <a:t>2018/3/5</a:t>
             </a:fld>
             <a:endParaRPr lang="zh-CN" altLang="en-US"/>
           </a:p>
@@ -2699,7 +2699,7 @@
           <a:p>
             <a:fld id="{A5E21016-498F-4141-B0CA-D95A38CA7D62}" type="datetimeFigureOut">
               <a:rPr lang="zh-CN" altLang="en-US" smtClean="0"/>
-              <a:t>2018/3/3</a:t>
+              <a:t>2018/3/5</a:t>
             </a:fld>
             <a:endParaRPr lang="zh-CN" altLang="en-US"/>
           </a:p>
@@ -2872,7 +2872,7 @@
           <a:p>
             <a:fld id="{A5E21016-498F-4141-B0CA-D95A38CA7D62}" type="datetimeFigureOut">
               <a:rPr lang="zh-CN" altLang="en-US" smtClean="0"/>
-              <a:t>2018/3/3</a:t>
+              <a:t>2018/3/5</a:t>
             </a:fld>
             <a:endParaRPr lang="zh-CN" altLang="en-US"/>
           </a:p>
@@ -3009,7 +3009,7 @@
           <a:p>
             <a:fld id="{A5E21016-498F-4141-B0CA-D95A38CA7D62}" type="datetimeFigureOut">
               <a:rPr lang="zh-CN" altLang="en-US" smtClean="0"/>
-              <a:t>2018/3/3</a:t>
+              <a:t>2018/3/5</a:t>
             </a:fld>
             <a:endParaRPr lang="zh-CN" altLang="en-US"/>
           </a:p>
@@ -3347,7 +3347,7 @@
           <a:p>
             <a:fld id="{A5E21016-498F-4141-B0CA-D95A38CA7D62}" type="datetimeFigureOut">
               <a:rPr lang="zh-CN" altLang="en-US" smtClean="0"/>
-              <a:t>2018/3/3</a:t>
+              <a:t>2018/3/5</a:t>
             </a:fld>
             <a:endParaRPr lang="zh-CN" altLang="en-US"/>
           </a:p>
@@ -3662,7 +3662,7 @@
           <a:p>
             <a:fld id="{A5E21016-498F-4141-B0CA-D95A38CA7D62}" type="datetimeFigureOut">
               <a:rPr lang="zh-CN" altLang="en-US" smtClean="0"/>
-              <a:t>2018/3/3</a:t>
+              <a:t>2018/3/5</a:t>
             </a:fld>
             <a:endParaRPr lang="zh-CN" altLang="en-US"/>
           </a:p>
@@ -4464,8 +4464,8 @@
         </p:nvSpPr>
         <p:spPr>
           <a:xfrm>
-            <a:off x="838200" y="1828800"/>
-            <a:ext cx="2505807" cy="360485"/>
+            <a:off x="838200" y="1828801"/>
+            <a:ext cx="2505807" cy="782460"/>
           </a:xfrm>
           <a:prstGeom prst="rect">
             <a:avLst/>
@@ -4496,7 +4496,7 @@
           <a:p>
             <a:pPr algn="ctr"/>
             <a:r>
-              <a:rPr lang="zh-CN" altLang="en-US" dirty="0">
+              <a:rPr lang="zh-CN" altLang="en-US" sz="2000" dirty="0">
                 <a:solidFill>
                   <a:schemeClr val="tx1">
                     <a:lumMod val="95000"/>
@@ -4521,13 +4521,14 @@
           <p:cNvCxnSpPr>
             <a:cxnSpLocks/>
             <a:stCxn id="7" idx="3"/>
+            <a:endCxn id="11" idx="1"/>
           </p:cNvCxnSpPr>
           <p:nvPr/>
         </p:nvCxnSpPr>
         <p:spPr>
-          <a:xfrm flipV="1">
-            <a:off x="3344007" y="2009042"/>
-            <a:ext cx="700455" cy="1"/>
+          <a:xfrm>
+            <a:off x="3344007" y="2220031"/>
+            <a:ext cx="700455" cy="5128"/>
           </a:xfrm>
           <a:prstGeom prst="straightConnector1">
             <a:avLst/>
@@ -4571,8 +4572,8 @@
         </p:nvSpPr>
         <p:spPr>
           <a:xfrm>
-            <a:off x="4044462" y="1839058"/>
-            <a:ext cx="3121270" cy="360482"/>
+            <a:off x="4044462" y="1839057"/>
+            <a:ext cx="3121270" cy="772203"/>
           </a:xfrm>
           <a:prstGeom prst="rect">
             <a:avLst/>
@@ -4603,7 +4604,7 @@
           <a:p>
             <a:pPr algn="ctr"/>
             <a:r>
-              <a:rPr lang="zh-CN" altLang="en-US" dirty="0">
+              <a:rPr lang="zh-CN" altLang="en-US" sz="2000" dirty="0">
                 <a:solidFill>
                   <a:schemeClr val="tx1">
                     <a:lumMod val="95000"/>
@@ -4709,7 +4710,7 @@
           <a:p>
             <a:pPr algn="ctr"/>
             <a:r>
-              <a:rPr lang="zh-CN" altLang="en-US" dirty="0">
+              <a:rPr lang="zh-CN" altLang="en-US" sz="2000" dirty="0">
                 <a:solidFill>
                   <a:schemeClr val="tx1">
                     <a:lumMod val="95000"/>
@@ -4720,7 +4721,7 @@
               <a:t>根据输入的命令名称从</a:t>
             </a:r>
             <a:r>
-              <a:rPr lang="en-US" altLang="zh-CN" dirty="0">
+              <a:rPr lang="en-US" altLang="zh-CN" sz="2000" dirty="0">
                 <a:solidFill>
                   <a:schemeClr val="tx1">
                     <a:lumMod val="95000"/>
@@ -4731,7 +4732,7 @@
               <a:t>PATH</a:t>
             </a:r>
             <a:r>
-              <a:rPr lang="zh-CN" altLang="en-US" dirty="0">
+              <a:rPr lang="zh-CN" altLang="en-US" sz="2000" dirty="0">
                 <a:solidFill>
                   <a:schemeClr val="tx1">
                     <a:lumMod val="95000"/>
@@ -4896,8 +4897,8 @@
         </p:nvSpPr>
         <p:spPr>
           <a:xfrm>
-            <a:off x="10078917" y="3002541"/>
-            <a:ext cx="920262" cy="360482"/>
+            <a:off x="10078916" y="3002541"/>
+            <a:ext cx="1010369" cy="360482"/>
           </a:xfrm>
           <a:prstGeom prst="rect">
             <a:avLst/>
@@ -4933,7 +4934,7 @@
           <a:p>
             <a:pPr algn="ctr"/>
             <a:r>
-              <a:rPr lang="zh-CN" altLang="en-US" dirty="0">
+              <a:rPr lang="zh-CN" altLang="en-US" sz="2000" dirty="0">
                 <a:solidFill>
                   <a:schemeClr val="tx1">
                     <a:lumMod val="95000"/>
@@ -4961,7 +4962,7 @@
         <p:spPr>
           <a:xfrm>
             <a:off x="9068537" y="3732314"/>
-            <a:ext cx="2020759" cy="631534"/>
+            <a:ext cx="2285260" cy="631534"/>
           </a:xfrm>
           <a:prstGeom prst="rect">
             <a:avLst/>
@@ -4992,7 +4993,7 @@
           <a:p>
             <a:pPr algn="ctr"/>
             <a:r>
-              <a:rPr lang="zh-CN" altLang="en-US" dirty="0">
+              <a:rPr lang="zh-CN" altLang="en-US" sz="2000" dirty="0">
                 <a:solidFill>
                   <a:schemeClr val="tx1">
                     <a:lumMod val="95000"/>
@@ -5019,8 +5020,8 @@
         </p:nvSpPr>
         <p:spPr>
           <a:xfrm>
-            <a:off x="7455875" y="3068518"/>
-            <a:ext cx="1166447" cy="360482"/>
+            <a:off x="7350379" y="3068518"/>
+            <a:ext cx="1271944" cy="360482"/>
           </a:xfrm>
           <a:prstGeom prst="rect">
             <a:avLst/>
@@ -5056,7 +5057,7 @@
           <a:p>
             <a:pPr algn="ctr"/>
             <a:r>
-              <a:rPr lang="zh-CN" altLang="en-US" dirty="0">
+              <a:rPr lang="zh-CN" altLang="en-US" sz="2000" dirty="0">
                 <a:solidFill>
                   <a:schemeClr val="tx1">
                     <a:lumMod val="95000"/>
@@ -5115,7 +5116,7 @@
           <a:p>
             <a:pPr algn="ctr"/>
             <a:r>
-              <a:rPr lang="zh-CN" altLang="en-US" dirty="0">
+              <a:rPr lang="zh-CN" altLang="en-US" sz="2000" dirty="0">
                 <a:solidFill>
                   <a:schemeClr val="tx1">
                     <a:lumMod val="95000"/>
@@ -5214,52 +5215,52 @@
           <a:lstStyle/>
           <a:p>
             <a:r>
-              <a:rPr lang="zh-CN" altLang="en-US" sz="2000" dirty="0"/>
+              <a:rPr lang="zh-CN" altLang="en-US" sz="2400" dirty="0"/>
               <a:t>在</a:t>
             </a:r>
             <a:r>
-              <a:rPr lang="en-US" altLang="zh-CN" sz="2000" dirty="0"/>
+              <a:rPr lang="en-US" altLang="zh-CN" sz="2400" dirty="0"/>
               <a:t>shell</a:t>
             </a:r>
             <a:r>
-              <a:rPr lang="zh-CN" altLang="en-US" sz="2000" dirty="0"/>
+              <a:rPr lang="zh-CN" altLang="en-US" sz="2400" dirty="0"/>
               <a:t>中输入命令运行程序，程序的正常输出信息（标准输出）和一些出错信息（标准错误）会通过</a:t>
             </a:r>
             <a:r>
-              <a:rPr lang="en-US" altLang="zh-CN" sz="2000" dirty="0"/>
+              <a:rPr lang="en-US" altLang="zh-CN" sz="2400" dirty="0"/>
               <a:t>shell</a:t>
             </a:r>
             <a:r>
-              <a:rPr lang="zh-CN" altLang="en-US" sz="2000" dirty="0"/>
+              <a:rPr lang="zh-CN" altLang="en-US" sz="2400" dirty="0"/>
               <a:t>显示在屏幕上。有时候我们并不需要把这些输出信息（包括标准输出和标准错误）显示在屏幕上，或需要把这些输出信息保存在一个文件中，这时就需要进行输出重定向。输入重定向也是如此。</a:t>
             </a:r>
-            <a:endParaRPr lang="en-US" altLang="zh-CN" sz="2000" dirty="0"/>
-          </a:p>
-          <a:p>
-            <a:endParaRPr lang="en-US" altLang="zh-CN" sz="2000" dirty="0"/>
-          </a:p>
-          <a:p>
-            <a:r>
-              <a:rPr lang="zh-CN" altLang="en-US" sz="2000" dirty="0"/>
+            <a:endParaRPr lang="en-US" altLang="zh-CN" sz="2400" dirty="0"/>
+          </a:p>
+          <a:p>
+            <a:endParaRPr lang="en-US" altLang="zh-CN" sz="2400" dirty="0"/>
+          </a:p>
+          <a:p>
+            <a:r>
+              <a:rPr lang="zh-CN" altLang="en-US" sz="2400" dirty="0"/>
               <a:t>执行重定向操作的是</a:t>
             </a:r>
             <a:r>
-              <a:rPr lang="en-US" altLang="zh-CN" sz="2000" dirty="0"/>
+              <a:rPr lang="en-US" altLang="zh-CN" sz="2400" dirty="0"/>
               <a:t>shell</a:t>
             </a:r>
             <a:r>
-              <a:rPr lang="zh-CN" altLang="en-US" sz="2000" dirty="0"/>
+              <a:rPr lang="zh-CN" altLang="en-US" sz="2400" dirty="0"/>
               <a:t>，而不是程序。</a:t>
             </a:r>
             <a:r>
-              <a:rPr lang="en-US" altLang="zh-CN" sz="2000" dirty="0"/>
+              <a:rPr lang="en-US" altLang="zh-CN" sz="2400" dirty="0"/>
               <a:t>shell</a:t>
             </a:r>
             <a:r>
-              <a:rPr lang="zh-CN" altLang="en-US" sz="2000" dirty="0"/>
+              <a:rPr lang="zh-CN" altLang="en-US" sz="2400" dirty="0"/>
               <a:t>把重定向符号解释成指令，将标准输出（或标准错误）指向文件，而不是当前显示设备。输入重定向也是如此。</a:t>
             </a:r>
-            <a:endParaRPr lang="en-US" altLang="zh-CN" sz="2000" dirty="0"/>
+            <a:endParaRPr lang="en-US" altLang="zh-CN" sz="2400" dirty="0"/>
           </a:p>
         </p:txBody>
       </p:sp>
@@ -5366,9 +5367,6 @@
             </a:r>
             <a:endParaRPr lang="en-US" altLang="zh-CN" sz="2000" dirty="0"/>
           </a:p>
-          <a:p>
-            <a:endParaRPr lang="en-US" altLang="zh-CN" sz="2000" dirty="0"/>
-          </a:p>
         </p:txBody>
       </p:sp>
       <p:graphicFrame>
@@ -5380,7 +5378,7 @@
           <p:nvPr>
             <p:extLst>
               <p:ext uri="{D42A27DB-BD31-4B8C-83A1-F6EECF244321}">
-                <p14:modId xmlns:p14="http://schemas.microsoft.com/office/powerpoint/2010/main" val="487300174"/>
+                <p14:modId xmlns:p14="http://schemas.microsoft.com/office/powerpoint/2010/main" val="1453275623"/>
               </p:ext>
             </p:extLst>
           </p:nvPr>
@@ -5443,7 +5441,7 @@
                         <a:tabLst/>
                       </a:pPr>
                       <a:r>
-                        <a:rPr kumimoji="0" lang="zh-CN" altLang="en-US" sz="2000" u="none" strike="noStrike" cap="none" normalizeH="0" baseline="0" dirty="0">
+                        <a:rPr kumimoji="0" lang="zh-CN" altLang="en-US" sz="2000" b="1" u="none" strike="noStrike" cap="none" normalizeH="0" baseline="0" dirty="0">
                           <a:ln>
                             <a:noFill/>
                           </a:ln>
@@ -5451,7 +5449,7 @@
                         </a:rPr>
                         <a:t>类型</a:t>
                       </a:r>
-                      <a:endParaRPr kumimoji="0" lang="zh-CN" altLang="en-US" sz="2000" b="0" i="0" u="none" strike="noStrike" cap="none" normalizeH="0" baseline="0" dirty="0">
+                      <a:endParaRPr kumimoji="0" lang="zh-CN" altLang="en-US" sz="2000" b="1" i="0" u="none" strike="noStrike" cap="none" normalizeH="0" baseline="0" dirty="0">
                         <a:ln>
                           <a:noFill/>
                         </a:ln>
@@ -5491,7 +5489,7 @@
                         <a:tabLst/>
                       </a:pPr>
                       <a:r>
-                        <a:rPr kumimoji="0" lang="zh-CN" altLang="en-US" sz="2000" u="none" strike="noStrike" cap="none" normalizeH="0" baseline="0" dirty="0">
+                        <a:rPr kumimoji="0" lang="zh-CN" altLang="en-US" sz="2000" b="1" u="none" strike="noStrike" cap="none" normalizeH="0" baseline="0" dirty="0">
                           <a:ln>
                             <a:noFill/>
                           </a:ln>
@@ -5499,7 +5497,7 @@
                         </a:rPr>
                         <a:t>操作符</a:t>
                       </a:r>
-                      <a:endParaRPr kumimoji="0" lang="zh-CN" altLang="en-US" sz="2000" b="0" i="0" u="none" strike="noStrike" cap="none" normalizeH="0" baseline="0" dirty="0">
+                      <a:endParaRPr kumimoji="0" lang="zh-CN" altLang="en-US" sz="2000" b="1" i="0" u="none" strike="noStrike" cap="none" normalizeH="0" baseline="0" dirty="0">
                         <a:ln>
                           <a:noFill/>
                         </a:ln>
@@ -5539,7 +5537,7 @@
                         <a:tabLst/>
                       </a:pPr>
                       <a:r>
-                        <a:rPr kumimoji="0" lang="zh-CN" altLang="en-US" sz="2000" u="none" strike="noStrike" cap="none" normalizeH="0" baseline="0" dirty="0">
+                        <a:rPr kumimoji="0" lang="zh-CN" altLang="en-US" sz="2000" b="1" u="none" strike="noStrike" cap="none" normalizeH="0" baseline="0" dirty="0">
                           <a:ln>
                             <a:noFill/>
                           </a:ln>
@@ -5547,7 +5545,7 @@
                         </a:rPr>
                         <a:t>用途</a:t>
                       </a:r>
-                      <a:endParaRPr kumimoji="0" lang="zh-CN" altLang="en-US" sz="2000" b="0" i="0" u="none" strike="noStrike" cap="none" normalizeH="0" baseline="0" dirty="0">
+                      <a:endParaRPr kumimoji="0" lang="zh-CN" altLang="en-US" sz="2000" b="1" i="0" u="none" strike="noStrike" cap="none" normalizeH="0" baseline="0" dirty="0">
                         <a:ln>
                           <a:noFill/>
                         </a:ln>
@@ -5594,7 +5592,7 @@
                         <a:tabLst/>
                       </a:pPr>
                       <a:r>
-                        <a:rPr kumimoji="0" lang="zh-CN" altLang="en-US" sz="1800" u="none" strike="noStrike" cap="none" normalizeH="0" baseline="0" dirty="0">
+                        <a:rPr kumimoji="0" lang="zh-CN" altLang="en-US" sz="2000" u="none" strike="noStrike" cap="none" normalizeH="0" baseline="0" dirty="0">
                           <a:ln>
                             <a:noFill/>
                           </a:ln>
@@ -5602,7 +5600,7 @@
                         </a:rPr>
                         <a:t>重定向标准输入</a:t>
                       </a:r>
-                      <a:endParaRPr kumimoji="0" lang="zh-CN" altLang="en-US" sz="1800" b="0" i="0" u="none" strike="noStrike" cap="none" normalizeH="0" baseline="0" dirty="0">
+                      <a:endParaRPr kumimoji="0" lang="zh-CN" altLang="en-US" sz="2000" b="0" i="0" u="none" strike="noStrike" cap="none" normalizeH="0" baseline="0" dirty="0">
                         <a:ln>
                           <a:noFill/>
                         </a:ln>
@@ -5642,7 +5640,7 @@
                         <a:tabLst/>
                       </a:pPr>
                       <a:r>
-                        <a:rPr kumimoji="0" lang="en-US" altLang="zh-CN" sz="1800" u="none" strike="noStrike" cap="none" normalizeH="0" baseline="0" dirty="0">
+                        <a:rPr kumimoji="0" lang="en-US" altLang="zh-CN" sz="2000" u="none" strike="noStrike" cap="none" normalizeH="0" baseline="0" dirty="0">
                           <a:ln>
                             <a:noFill/>
                           </a:ln>
@@ -5650,7 +5648,7 @@
                         </a:rPr>
                         <a:t>&lt;</a:t>
                       </a:r>
-                      <a:endParaRPr kumimoji="0" lang="en-US" altLang="zh-CN" sz="1800" b="0" i="0" u="none" strike="noStrike" cap="none" normalizeH="0" baseline="0" dirty="0">
+                      <a:endParaRPr kumimoji="0" lang="en-US" altLang="zh-CN" sz="2000" b="0" i="0" u="none" strike="noStrike" cap="none" normalizeH="0" baseline="0" dirty="0">
                         <a:ln>
                           <a:noFill/>
                         </a:ln>
@@ -5690,7 +5688,7 @@
                         <a:tabLst/>
                       </a:pPr>
                       <a:r>
-                        <a:rPr kumimoji="0" lang="zh-CN" altLang="en-US" sz="1800" u="none" strike="noStrike" cap="none" normalizeH="0" baseline="0" dirty="0">
+                        <a:rPr kumimoji="0" lang="zh-CN" altLang="en-US" sz="2000" u="none" strike="noStrike" cap="none" normalizeH="0" baseline="0" dirty="0">
                           <a:ln>
                             <a:noFill/>
                           </a:ln>
@@ -5698,7 +5696,7 @@
                         </a:rPr>
                         <a:t>将命令中接收输入的途径由默认的键盘更改为指定的文件 </a:t>
                       </a:r>
-                      <a:endParaRPr kumimoji="0" lang="zh-CN" altLang="en-US" sz="1800" b="0" i="0" u="none" strike="noStrike" cap="none" normalizeH="0" baseline="0" dirty="0">
+                      <a:endParaRPr kumimoji="0" lang="zh-CN" altLang="en-US" sz="2000" b="0" i="0" u="none" strike="noStrike" cap="none" normalizeH="0" baseline="0" dirty="0">
                         <a:ln>
                           <a:noFill/>
                         </a:ln>
@@ -5745,7 +5743,7 @@
                         <a:tabLst/>
                       </a:pPr>
                       <a:r>
-                        <a:rPr kumimoji="0" lang="zh-CN" altLang="en-US" sz="1800" u="none" strike="noStrike" cap="none" normalizeH="0" baseline="0" dirty="0">
+                        <a:rPr kumimoji="0" lang="zh-CN" altLang="en-US" sz="2000" u="none" strike="noStrike" cap="none" normalizeH="0" baseline="0" dirty="0">
                           <a:ln>
                             <a:noFill/>
                           </a:ln>
@@ -5753,7 +5751,7 @@
                         </a:rPr>
                         <a:t>重定向标准输出</a:t>
                       </a:r>
-                      <a:endParaRPr kumimoji="0" lang="zh-CN" altLang="en-US" sz="1800" b="0" i="0" u="none" strike="noStrike" cap="none" normalizeH="0" baseline="0" dirty="0">
+                      <a:endParaRPr kumimoji="0" lang="zh-CN" altLang="en-US" sz="2000" b="0" i="0" u="none" strike="noStrike" cap="none" normalizeH="0" baseline="0" dirty="0">
                         <a:ln>
                           <a:noFill/>
                         </a:ln>
@@ -5793,7 +5791,7 @@
                         <a:tabLst/>
                       </a:pPr>
                       <a:r>
-                        <a:rPr kumimoji="0" lang="en-US" altLang="zh-CN" sz="1800" u="none" strike="noStrike" cap="none" normalizeH="0" baseline="0" dirty="0">
+                        <a:rPr kumimoji="0" lang="en-US" altLang="zh-CN" sz="2000" u="none" strike="noStrike" cap="none" normalizeH="0" baseline="0" dirty="0">
                           <a:ln>
                             <a:noFill/>
                           </a:ln>
@@ -5801,7 +5799,7 @@
                         </a:rPr>
                         <a:t>&gt;</a:t>
                       </a:r>
-                      <a:endParaRPr kumimoji="0" lang="en-US" altLang="zh-CN" sz="1800" b="0" i="0" u="none" strike="noStrike" cap="none" normalizeH="0" baseline="0" dirty="0">
+                      <a:endParaRPr kumimoji="0" lang="en-US" altLang="zh-CN" sz="2000" b="0" i="0" u="none" strike="noStrike" cap="none" normalizeH="0" baseline="0" dirty="0">
                         <a:ln>
                           <a:noFill/>
                         </a:ln>
@@ -5841,7 +5839,7 @@
                         <a:tabLst/>
                       </a:pPr>
                       <a:r>
-                        <a:rPr kumimoji="0" lang="zh-CN" altLang="en-US" sz="1800" u="none" strike="noStrike" cap="none" normalizeH="0" baseline="0" dirty="0">
+                        <a:rPr kumimoji="0" lang="zh-CN" altLang="en-US" sz="2000" u="none" strike="noStrike" cap="none" normalizeH="0" baseline="0" dirty="0">
                           <a:ln>
                             <a:noFill/>
                           </a:ln>
@@ -5849,7 +5847,7 @@
                         </a:rPr>
                         <a:t>以替换的方式将命令的执行结果输出到指定的文件，而不是直接显示在屏幕上 </a:t>
                       </a:r>
-                      <a:endParaRPr kumimoji="0" lang="zh-CN" altLang="en-US" sz="1800" b="0" i="0" u="none" strike="noStrike" cap="none" normalizeH="0" baseline="0" dirty="0">
+                      <a:endParaRPr kumimoji="0" lang="zh-CN" altLang="en-US" sz="2000" b="0" i="0" u="none" strike="noStrike" cap="none" normalizeH="0" baseline="0" dirty="0">
                         <a:ln>
                           <a:noFill/>
                         </a:ln>
@@ -5906,7 +5904,7 @@
                         <a:tabLst/>
                       </a:pPr>
                       <a:r>
-                        <a:rPr kumimoji="0" lang="en-US" altLang="zh-CN" sz="1800" u="none" strike="noStrike" cap="none" normalizeH="0" baseline="0" dirty="0">
+                        <a:rPr kumimoji="0" lang="en-US" altLang="zh-CN" sz="2000" u="none" strike="noStrike" cap="none" normalizeH="0" baseline="0" dirty="0">
                           <a:ln>
                             <a:noFill/>
                           </a:ln>
@@ -5914,7 +5912,7 @@
                         </a:rPr>
                         <a:t>&gt;&gt;</a:t>
                       </a:r>
-                      <a:endParaRPr kumimoji="0" lang="en-US" altLang="zh-CN" sz="1800" b="0" i="0" u="none" strike="noStrike" cap="none" normalizeH="0" baseline="0" dirty="0">
+                      <a:endParaRPr kumimoji="0" lang="en-US" altLang="zh-CN" sz="2000" b="0" i="0" u="none" strike="noStrike" cap="none" normalizeH="0" baseline="0" dirty="0">
                         <a:ln>
                           <a:noFill/>
                         </a:ln>
@@ -5954,7 +5952,7 @@
                         <a:tabLst/>
                       </a:pPr>
                       <a:r>
-                        <a:rPr kumimoji="0" lang="zh-CN" altLang="en-US" sz="1800" u="none" strike="noStrike" cap="none" normalizeH="0" baseline="0" dirty="0">
+                        <a:rPr kumimoji="0" lang="zh-CN" altLang="en-US" sz="2000" u="none" strike="noStrike" cap="none" normalizeH="0" baseline="0" dirty="0">
                           <a:ln>
                             <a:noFill/>
                           </a:ln>
@@ -5962,7 +5960,7 @@
                         </a:rPr>
                         <a:t>将命令执行的结果追加输出到指定文件 </a:t>
                       </a:r>
-                      <a:endParaRPr kumimoji="0" lang="zh-CN" altLang="en-US" sz="1800" b="0" i="0" u="none" strike="noStrike" cap="none" normalizeH="0" baseline="0" dirty="0">
+                      <a:endParaRPr kumimoji="0" lang="zh-CN" altLang="en-US" sz="2000" b="0" i="0" u="none" strike="noStrike" cap="none" normalizeH="0" baseline="0" dirty="0">
                         <a:ln>
                           <a:noFill/>
                         </a:ln>
@@ -6009,7 +6007,7 @@
                         <a:tabLst/>
                       </a:pPr>
                       <a:r>
-                        <a:rPr kumimoji="0" lang="zh-CN" altLang="en-US" sz="1800" u="none" strike="noStrike" cap="none" normalizeH="0" baseline="0" dirty="0">
+                        <a:rPr kumimoji="0" lang="zh-CN" altLang="en-US" sz="2000" u="none" strike="noStrike" cap="none" normalizeH="0" baseline="0" dirty="0">
                           <a:ln>
                             <a:noFill/>
                           </a:ln>
@@ -6017,7 +6015,7 @@
                         </a:rPr>
                         <a:t>重定向标准错误</a:t>
                       </a:r>
-                      <a:endParaRPr kumimoji="0" lang="zh-CN" altLang="en-US" sz="1800" b="0" i="0" u="none" strike="noStrike" cap="none" normalizeH="0" baseline="0" dirty="0">
+                      <a:endParaRPr kumimoji="0" lang="zh-CN" altLang="en-US" sz="2000" b="0" i="0" u="none" strike="noStrike" cap="none" normalizeH="0" baseline="0" dirty="0">
                         <a:ln>
                           <a:noFill/>
                         </a:ln>
@@ -6057,7 +6055,7 @@
                         <a:tabLst/>
                       </a:pPr>
                       <a:r>
-                        <a:rPr kumimoji="0" lang="en-US" altLang="zh-CN" sz="1800" u="none" strike="noStrike" cap="none" normalizeH="0" baseline="0">
+                        <a:rPr kumimoji="0" lang="en-US" altLang="zh-CN" sz="2000" u="none" strike="noStrike" cap="none" normalizeH="0" baseline="0">
                           <a:ln>
                             <a:noFill/>
                           </a:ln>
@@ -6065,7 +6063,7 @@
                         </a:rPr>
                         <a:t>2&gt;</a:t>
                       </a:r>
-                      <a:endParaRPr kumimoji="0" lang="en-US" altLang="zh-CN" sz="1800" b="0" i="0" u="none" strike="noStrike" cap="none" normalizeH="0" baseline="0">
+                      <a:endParaRPr kumimoji="0" lang="en-US" altLang="zh-CN" sz="2000" b="0" i="0" u="none" strike="noStrike" cap="none" normalizeH="0" baseline="0">
                         <a:ln>
                           <a:noFill/>
                         </a:ln>
@@ -6105,7 +6103,7 @@
                         <a:tabLst/>
                       </a:pPr>
                       <a:r>
-                        <a:rPr kumimoji="0" lang="zh-CN" altLang="en-US" sz="1800" u="none" strike="noStrike" cap="none" normalizeH="0" baseline="0" dirty="0">
+                        <a:rPr kumimoji="0" lang="zh-CN" altLang="en-US" sz="2000" u="none" strike="noStrike" cap="none" normalizeH="0" baseline="0" dirty="0">
                           <a:ln>
                             <a:noFill/>
                           </a:ln>
@@ -6113,7 +6111,7 @@
                         </a:rPr>
                         <a:t>清空指定文件的内容，并将标准错误信息保存到该文件中</a:t>
                       </a:r>
-                      <a:endParaRPr kumimoji="0" lang="zh-CN" altLang="en-US" sz="1800" b="0" i="0" u="none" strike="noStrike" cap="none" normalizeH="0" baseline="0" dirty="0">
+                      <a:endParaRPr kumimoji="0" lang="zh-CN" altLang="en-US" sz="2000" b="0" i="0" u="none" strike="noStrike" cap="none" normalizeH="0" baseline="0" dirty="0">
                         <a:ln>
                           <a:noFill/>
                         </a:ln>
@@ -6170,7 +6168,7 @@
                         <a:tabLst/>
                       </a:pPr>
                       <a:r>
-                        <a:rPr kumimoji="0" lang="en-US" altLang="zh-CN" sz="1800" u="none" strike="noStrike" cap="none" normalizeH="0" baseline="0">
+                        <a:rPr kumimoji="0" lang="en-US" altLang="zh-CN" sz="2000" u="none" strike="noStrike" cap="none" normalizeH="0" baseline="0">
                           <a:ln>
                             <a:noFill/>
                           </a:ln>
@@ -6178,7 +6176,7 @@
                         </a:rPr>
                         <a:t>2&gt;&gt;</a:t>
                       </a:r>
-                      <a:endParaRPr kumimoji="0" lang="en-US" altLang="zh-CN" sz="1800" b="0" i="0" u="none" strike="noStrike" cap="none" normalizeH="0" baseline="0">
+                      <a:endParaRPr kumimoji="0" lang="en-US" altLang="zh-CN" sz="2000" b="0" i="0" u="none" strike="noStrike" cap="none" normalizeH="0" baseline="0">
                         <a:ln>
                           <a:noFill/>
                         </a:ln>
@@ -6218,7 +6216,7 @@
                         <a:tabLst/>
                       </a:pPr>
                       <a:r>
-                        <a:rPr kumimoji="0" lang="zh-CN" altLang="en-US" sz="1800" u="none" strike="noStrike" cap="none" normalizeH="0" baseline="0" dirty="0">
+                        <a:rPr kumimoji="0" lang="zh-CN" altLang="en-US" sz="2000" u="none" strike="noStrike" cap="none" normalizeH="0" baseline="0" dirty="0">
                           <a:ln>
                             <a:noFill/>
                           </a:ln>
@@ -6226,7 +6224,7 @@
                         </a:rPr>
                         <a:t>将标准错误信息追加输出到指定的文件中</a:t>
                       </a:r>
-                      <a:endParaRPr kumimoji="0" lang="zh-CN" altLang="en-US" sz="1800" b="0" i="0" u="none" strike="noStrike" cap="none" normalizeH="0" baseline="0" dirty="0">
+                      <a:endParaRPr kumimoji="0" lang="zh-CN" altLang="en-US" sz="2000" b="0" i="0" u="none" strike="noStrike" cap="none" normalizeH="0" baseline="0" dirty="0">
                         <a:ln>
                           <a:noFill/>
                         </a:ln>
@@ -6273,7 +6271,7 @@
                         <a:tabLst/>
                       </a:pPr>
                       <a:r>
-                        <a:rPr kumimoji="0" lang="zh-CN" altLang="en-US" sz="1800" u="none" strike="noStrike" cap="none" normalizeH="0" baseline="0" dirty="0">
+                        <a:rPr kumimoji="0" lang="zh-CN" altLang="en-US" sz="2000" u="none" strike="noStrike" cap="none" normalizeH="0" baseline="0" dirty="0">
                           <a:ln>
                             <a:noFill/>
                           </a:ln>
@@ -6281,7 +6279,7 @@
                         </a:rPr>
                         <a:t>重定向标准输出和标准错误</a:t>
                       </a:r>
-                      <a:endParaRPr kumimoji="0" lang="zh-CN" altLang="en-US" sz="1800" b="0" i="0" u="none" strike="noStrike" cap="none" normalizeH="0" baseline="0" dirty="0">
+                      <a:endParaRPr kumimoji="0" lang="zh-CN" altLang="en-US" sz="2000" b="0" i="0" u="none" strike="noStrike" cap="none" normalizeH="0" baseline="0" dirty="0">
                         <a:ln>
                           <a:noFill/>
                         </a:ln>
@@ -6321,7 +6319,7 @@
                         <a:tabLst/>
                       </a:pPr>
                       <a:r>
-                        <a:rPr kumimoji="0" lang="en-US" altLang="zh-CN" sz="1800" u="none" strike="noStrike" cap="none" normalizeH="0" baseline="0" dirty="0">
+                        <a:rPr kumimoji="0" lang="en-US" altLang="zh-CN" sz="2000" u="none" strike="noStrike" cap="none" normalizeH="0" baseline="0" dirty="0">
                           <a:ln>
                             <a:noFill/>
                           </a:ln>
@@ -6330,7 +6328,7 @@
                         <a:t>&amp;&gt;</a:t>
                       </a:r>
                       <a:r>
-                        <a:rPr kumimoji="0" lang="zh-CN" altLang="en-US" sz="1800" u="none" strike="noStrike" cap="none" normalizeH="0" baseline="0" dirty="0">
+                        <a:rPr kumimoji="0" lang="zh-CN" altLang="en-US" sz="2000" u="none" strike="noStrike" cap="none" normalizeH="0" baseline="0" dirty="0">
                           <a:ln>
                             <a:noFill/>
                           </a:ln>
@@ -6339,7 +6337,7 @@
                         <a:t>或</a:t>
                       </a:r>
                       <a:r>
-                        <a:rPr kumimoji="0" lang="en-US" altLang="zh-CN" sz="1800" u="none" strike="noStrike" cap="none" normalizeH="0" baseline="0" dirty="0">
+                        <a:rPr kumimoji="0" lang="en-US" altLang="zh-CN" sz="2000" u="none" strike="noStrike" cap="none" normalizeH="0" baseline="0" dirty="0">
                           <a:ln>
                             <a:noFill/>
                           </a:ln>
@@ -6347,7 +6345,7 @@
                         </a:rPr>
                         <a:t>&gt;&amp;</a:t>
                       </a:r>
-                      <a:endParaRPr kumimoji="0" lang="en-US" altLang="zh-CN" sz="1800" b="0" i="0" u="none" strike="noStrike" cap="none" normalizeH="0" baseline="0" dirty="0">
+                      <a:endParaRPr kumimoji="0" lang="en-US" altLang="zh-CN" sz="2000" b="0" i="0" u="none" strike="noStrike" cap="none" normalizeH="0" baseline="0" dirty="0">
                         <a:ln>
                           <a:noFill/>
                         </a:ln>
@@ -6387,7 +6385,7 @@
                         <a:tabLst/>
                       </a:pPr>
                       <a:r>
-                        <a:rPr kumimoji="0" lang="zh-CN" altLang="en-US" sz="1800" u="none" strike="noStrike" cap="none" normalizeH="0" baseline="0" dirty="0">
+                        <a:rPr kumimoji="0" lang="zh-CN" altLang="en-US" sz="2000" u="none" strike="noStrike" cap="none" normalizeH="0" baseline="0" dirty="0">
                           <a:ln>
                             <a:noFill/>
                           </a:ln>
@@ -6395,7 +6393,7 @@
                         </a:rPr>
                         <a:t>将标准输出、标准错误的内容全部保存到指定的文件中，而不是直接显示在屏幕上</a:t>
                       </a:r>
-                      <a:endParaRPr kumimoji="0" lang="zh-CN" altLang="en-US" sz="1800" b="0" i="0" u="none" strike="noStrike" cap="none" normalizeH="0" baseline="0" dirty="0">
+                      <a:endParaRPr kumimoji="0" lang="zh-CN" altLang="en-US" sz="2000" b="0" i="0" u="none" strike="noStrike" cap="none" normalizeH="0" baseline="0" dirty="0">
                         <a:ln>
                           <a:noFill/>
                         </a:ln>
@@ -6491,128 +6489,128 @@
           <a:lstStyle/>
           <a:p>
             <a:r>
-              <a:rPr lang="en-US" altLang="zh-CN" sz="2000" dirty="0"/>
+              <a:rPr lang="en-US" altLang="zh-CN" sz="2400" dirty="0"/>
               <a:t>echo  ‘</a:t>
             </a:r>
             <a:r>
-              <a:rPr lang="en-US" altLang="zh-CN" sz="2000" dirty="0" err="1"/>
+              <a:rPr lang="en-US" altLang="zh-CN" sz="2400" dirty="0" err="1"/>
               <a:t>abc</a:t>
             </a:r>
             <a:r>
-              <a:rPr lang="en-US" altLang="zh-CN" sz="2000" dirty="0"/>
+              <a:rPr lang="en-US" altLang="zh-CN" sz="2400" dirty="0"/>
               <a:t>’ </a:t>
             </a:r>
             <a:r>
-              <a:rPr lang="zh-CN" altLang="en-US" sz="2000" dirty="0"/>
+              <a:rPr lang="zh-CN" altLang="en-US" sz="2400" dirty="0"/>
               <a:t>会输出</a:t>
             </a:r>
             <a:r>
-              <a:rPr lang="en-US" altLang="zh-CN" sz="2000" dirty="0" err="1"/>
+              <a:rPr lang="en-US" altLang="zh-CN" sz="2400" dirty="0" err="1"/>
               <a:t>abc</a:t>
             </a:r>
             <a:r>
-              <a:rPr lang="zh-CN" altLang="en-US" sz="2000" dirty="0"/>
+              <a:rPr lang="zh-CN" altLang="en-US" sz="2400" dirty="0"/>
               <a:t>到屏幕。</a:t>
             </a:r>
             <a:r>
-              <a:rPr lang="en-US" altLang="zh-CN" sz="2000" dirty="0"/>
+              <a:rPr lang="en-US" altLang="zh-CN" sz="2400" dirty="0"/>
               <a:t>echo  ‘</a:t>
             </a:r>
             <a:r>
-              <a:rPr lang="en-US" altLang="zh-CN" sz="2000" dirty="0" err="1"/>
+              <a:rPr lang="en-US" altLang="zh-CN" sz="2400" dirty="0" err="1"/>
               <a:t>abc</a:t>
             </a:r>
             <a:r>
-              <a:rPr lang="en-US" altLang="zh-CN" sz="2000" dirty="0"/>
+              <a:rPr lang="en-US" altLang="zh-CN" sz="2400" dirty="0"/>
               <a:t>’ &gt; </a:t>
             </a:r>
             <a:r>
-              <a:rPr lang="en-US" altLang="zh-CN" sz="2000" dirty="0" err="1"/>
+              <a:rPr lang="en-US" altLang="zh-CN" sz="2400" dirty="0" err="1"/>
               <a:t>tmp</a:t>
             </a:r>
             <a:r>
-              <a:rPr lang="en-US" altLang="zh-CN" sz="2000" dirty="0"/>
+              <a:rPr lang="en-US" altLang="zh-CN" sz="2400" dirty="0"/>
               <a:t>/buff</a:t>
             </a:r>
             <a:r>
-              <a:rPr lang="zh-CN" altLang="en-US" sz="2000" dirty="0"/>
+              <a:rPr lang="zh-CN" altLang="en-US" sz="2400" dirty="0"/>
               <a:t>会把</a:t>
             </a:r>
             <a:r>
-              <a:rPr lang="en-US" altLang="zh-CN" sz="2000" dirty="0" err="1"/>
+              <a:rPr lang="en-US" altLang="zh-CN" sz="2400" dirty="0" err="1"/>
               <a:t>abc</a:t>
             </a:r>
             <a:r>
-              <a:rPr lang="zh-CN" altLang="en-US" sz="2000" dirty="0"/>
+              <a:rPr lang="zh-CN" altLang="en-US" sz="2400" dirty="0"/>
               <a:t>输出到</a:t>
             </a:r>
             <a:r>
-              <a:rPr lang="en-US" altLang="zh-CN" sz="2000" dirty="0" err="1"/>
+              <a:rPr lang="en-US" altLang="zh-CN" sz="2400" dirty="0" err="1"/>
               <a:t>tmp</a:t>
             </a:r>
             <a:r>
-              <a:rPr lang="en-US" altLang="zh-CN" sz="2000" dirty="0"/>
+              <a:rPr lang="en-US" altLang="zh-CN" sz="2400" dirty="0"/>
               <a:t>/buff</a:t>
             </a:r>
             <a:r>
-              <a:rPr lang="zh-CN" altLang="en-US" sz="2000" dirty="0"/>
+              <a:rPr lang="zh-CN" altLang="en-US" sz="2400" dirty="0"/>
               <a:t>这个文件。</a:t>
             </a:r>
-            <a:endParaRPr lang="en-US" altLang="zh-CN" sz="2000" dirty="0"/>
-          </a:p>
-          <a:p>
-            <a:endParaRPr lang="en-US" altLang="zh-CN" sz="2000" dirty="0"/>
-          </a:p>
-          <a:p>
-            <a:r>
-              <a:rPr lang="zh-CN" altLang="en-US" sz="2000" dirty="0"/>
+            <a:endParaRPr lang="en-US" altLang="zh-CN" sz="2400" dirty="0"/>
+          </a:p>
+          <a:p>
+            <a:endParaRPr lang="en-US" altLang="zh-CN" sz="2400" dirty="0"/>
+          </a:p>
+          <a:p>
+            <a:r>
+              <a:rPr lang="zh-CN" altLang="en-US" sz="2400" dirty="0"/>
               <a:t>如果没有此文件则会创建这个文件并写入。但是如果文件存在并且不为空，则重定向会导致之前的数据丢失，只保存重定向的数据。</a:t>
             </a:r>
-            <a:endParaRPr lang="en-US" altLang="zh-CN" sz="2000" dirty="0"/>
-          </a:p>
-          <a:p>
-            <a:endParaRPr lang="en-US" altLang="zh-CN" sz="2000" dirty="0"/>
-          </a:p>
-          <a:p>
-            <a:r>
-              <a:rPr lang="en-US" altLang="zh-CN" sz="2000" dirty="0"/>
+            <a:endParaRPr lang="en-US" altLang="zh-CN" sz="2400" dirty="0"/>
+          </a:p>
+          <a:p>
+            <a:endParaRPr lang="en-US" altLang="zh-CN" sz="2400" dirty="0"/>
+          </a:p>
+          <a:p>
+            <a:r>
+              <a:rPr lang="en-US" altLang="zh-CN" sz="2400" dirty="0"/>
               <a:t>echo ‘</a:t>
             </a:r>
             <a:r>
-              <a:rPr lang="en-US" altLang="zh-CN" sz="2000" dirty="0" err="1"/>
+              <a:rPr lang="en-US" altLang="zh-CN" sz="2400" dirty="0" err="1"/>
               <a:t>abc</a:t>
             </a:r>
             <a:r>
-              <a:rPr lang="en-US" altLang="zh-CN" sz="2000" dirty="0"/>
+              <a:rPr lang="en-US" altLang="zh-CN" sz="2400" dirty="0"/>
               <a:t>’  &gt;&gt;  /</a:t>
             </a:r>
             <a:r>
-              <a:rPr lang="en-US" altLang="zh-CN" sz="2000" dirty="0" err="1"/>
+              <a:rPr lang="en-US" altLang="zh-CN" sz="2400" dirty="0" err="1"/>
               <a:t>tmp</a:t>
             </a:r>
             <a:r>
-              <a:rPr lang="en-US" altLang="zh-CN" sz="2000" dirty="0"/>
+              <a:rPr lang="en-US" altLang="zh-CN" sz="2400" dirty="0"/>
               <a:t>/buff </a:t>
             </a:r>
             <a:r>
-              <a:rPr lang="zh-CN" altLang="en-US" sz="2000" dirty="0"/>
+              <a:rPr lang="zh-CN" altLang="en-US" sz="2400" dirty="0"/>
               <a:t>会把</a:t>
             </a:r>
             <a:r>
-              <a:rPr lang="en-US" altLang="zh-CN" sz="2000" dirty="0" err="1"/>
+              <a:rPr lang="en-US" altLang="zh-CN" sz="2400" dirty="0" err="1"/>
               <a:t>abc</a:t>
             </a:r>
             <a:r>
-              <a:rPr lang="zh-CN" altLang="en-US" sz="2000" dirty="0"/>
+              <a:rPr lang="zh-CN" altLang="en-US" sz="2400" dirty="0"/>
               <a:t>追加到文件末尾，之前的数据不会丢失。</a:t>
             </a:r>
-            <a:endParaRPr lang="en-US" altLang="zh-CN" sz="2000" dirty="0"/>
-          </a:p>
-          <a:p>
-            <a:endParaRPr lang="en-US" altLang="zh-CN" sz="2000" dirty="0"/>
-          </a:p>
-          <a:p>
-            <a:endParaRPr lang="en-US" altLang="zh-CN" sz="2000" dirty="0"/>
+            <a:endParaRPr lang="en-US" altLang="zh-CN" sz="2400" dirty="0"/>
+          </a:p>
+          <a:p>
+            <a:endParaRPr lang="en-US" altLang="zh-CN" sz="2400" dirty="0"/>
+          </a:p>
+          <a:p>
+            <a:endParaRPr lang="en-US" altLang="zh-CN" sz="2400" dirty="0"/>
           </a:p>
         </p:txBody>
       </p:sp>
@@ -6692,41 +6690,43 @@
         </p:nvSpPr>
         <p:spPr/>
         <p:txBody>
-          <a:bodyPr/>
+          <a:bodyPr>
+            <a:normAutofit/>
+          </a:bodyPr>
           <a:lstStyle/>
           <a:p>
             <a:r>
-              <a:rPr lang="en-US" altLang="zh-CN" sz="2000" dirty="0"/>
+              <a:rPr lang="en-US" altLang="zh-CN" sz="2400" dirty="0"/>
               <a:t>| </a:t>
             </a:r>
             <a:r>
-              <a:rPr lang="zh-CN" altLang="en-US" sz="2000" dirty="0"/>
+              <a:rPr lang="zh-CN" altLang="en-US" sz="2400" dirty="0"/>
               <a:t>用于连接一个程序的输出和另一个程序的输入。</a:t>
             </a:r>
-            <a:endParaRPr lang="en-US" altLang="zh-CN" sz="2000" dirty="0"/>
-          </a:p>
-          <a:p>
-            <a:endParaRPr lang="en-US" altLang="zh-CN" sz="2000" dirty="0"/>
-          </a:p>
-          <a:p>
-            <a:r>
-              <a:rPr lang="en-US" altLang="zh-CN" sz="2000" dirty="0"/>
+            <a:endParaRPr lang="en-US" altLang="zh-CN" sz="2400" dirty="0"/>
+          </a:p>
+          <a:p>
+            <a:endParaRPr lang="en-US" altLang="zh-CN" sz="2400" dirty="0"/>
+          </a:p>
+          <a:p>
+            <a:r>
+              <a:rPr lang="en-US" altLang="zh-CN" sz="2400" dirty="0"/>
               <a:t>shell</a:t>
             </a:r>
             <a:r>
-              <a:rPr lang="zh-CN" altLang="en-US" sz="2000" dirty="0"/>
+              <a:rPr lang="zh-CN" altLang="en-US" sz="2400" dirty="0"/>
               <a:t>在解释命令遇到 </a:t>
             </a:r>
             <a:r>
-              <a:rPr lang="en-US" altLang="zh-CN" sz="2000" dirty="0"/>
+              <a:rPr lang="en-US" altLang="zh-CN" sz="2400" dirty="0"/>
               <a:t>| </a:t>
             </a:r>
             <a:r>
-              <a:rPr lang="zh-CN" altLang="en-US" sz="2000" dirty="0"/>
+              <a:rPr lang="zh-CN" altLang="en-US" sz="2400" dirty="0"/>
               <a:t>时会创建管道，</a:t>
             </a:r>
             <a:r>
-              <a:rPr lang="zh-CN" altLang="en-US" sz="2000" dirty="0">
+              <a:rPr lang="zh-CN" altLang="en-US" sz="2400" dirty="0">
                 <a:solidFill>
                   <a:schemeClr val="accent2">
                     <a:lumMod val="50000"/>
@@ -6735,7 +6735,7 @@
               </a:rPr>
               <a:t>并创建两个进程，把标准输入输出重定向到管道，前一个进程向管道写数据，后一个进程从管道读数据。</a:t>
             </a:r>
-            <a:endParaRPr lang="en-US" altLang="zh-CN" sz="2000" dirty="0">
+            <a:endParaRPr lang="en-US" altLang="zh-CN" sz="2400" dirty="0">
               <a:solidFill>
                 <a:schemeClr val="accent2">
                   <a:lumMod val="50000"/>
@@ -6747,10 +6747,10 @@
             <a:pPr marL="0" indent="0">
               <a:buNone/>
             </a:pPr>
-            <a:endParaRPr lang="en-US" altLang="zh-CN" sz="2000" dirty="0"/>
-          </a:p>
-          <a:p>
-            <a:endParaRPr lang="en-US" altLang="zh-CN" sz="2000" dirty="0"/>
+            <a:endParaRPr lang="en-US" altLang="zh-CN" sz="2400" dirty="0"/>
+          </a:p>
+          <a:p>
+            <a:endParaRPr lang="en-US" altLang="zh-CN" sz="2400" dirty="0"/>
           </a:p>
         </p:txBody>
       </p:sp>
@@ -6830,155 +6830,154 @@
         </p:nvSpPr>
         <p:spPr/>
         <p:txBody>
-          <a:bodyPr/>
+          <a:bodyPr>
+            <a:normAutofit/>
+          </a:bodyPr>
           <a:lstStyle/>
           <a:p>
             <a:r>
-              <a:rPr lang="zh-CN" altLang="en-US" sz="1800" dirty="0"/>
+              <a:rPr lang="zh-CN" altLang="en-US" sz="2400" dirty="0"/>
               <a:t>查找名称含有</a:t>
             </a:r>
             <a:r>
-              <a:rPr lang="en-US" altLang="zh-CN" sz="1800" dirty="0" err="1"/>
+              <a:rPr lang="en-US" altLang="zh-CN" sz="2400" dirty="0" err="1"/>
               <a:t>gcc</a:t>
             </a:r>
             <a:r>
-              <a:rPr lang="zh-CN" altLang="en-US" sz="1800" dirty="0"/>
+              <a:rPr lang="zh-CN" altLang="en-US" sz="2400" dirty="0"/>
               <a:t>的文件并使用</a:t>
             </a:r>
             <a:r>
-              <a:rPr lang="en-US" altLang="zh-CN" sz="1800" dirty="0" err="1"/>
+              <a:rPr lang="en-US" altLang="zh-CN" sz="2400" dirty="0" err="1"/>
               <a:t>wc</a:t>
             </a:r>
             <a:r>
-              <a:rPr lang="zh-CN" altLang="en-US" sz="1800" dirty="0"/>
+              <a:rPr lang="zh-CN" altLang="en-US" sz="2400" dirty="0"/>
               <a:t>计数</a:t>
             </a:r>
-            <a:endParaRPr lang="en-US" altLang="zh-CN" sz="1800" dirty="0"/>
+            <a:endParaRPr lang="en-US" altLang="zh-CN" sz="2400" dirty="0"/>
           </a:p>
           <a:p>
             <a:pPr marL="457200" lvl="1" indent="0">
               <a:buNone/>
             </a:pPr>
             <a:r>
-              <a:rPr lang="en-US" altLang="zh-CN" sz="1800" dirty="0" err="1"/>
+              <a:rPr lang="en-US" altLang="zh-CN" dirty="0" err="1"/>
               <a:t>sudo</a:t>
             </a:r>
             <a:r>
-              <a:rPr lang="en-US" altLang="zh-CN" sz="1800" dirty="0"/>
+              <a:rPr lang="en-US" altLang="zh-CN" dirty="0"/>
               <a:t> find / -name </a:t>
             </a:r>
             <a:r>
-              <a:rPr lang="en-US" altLang="zh-CN" sz="1800" dirty="0" err="1"/>
+              <a:rPr lang="en-US" altLang="zh-CN" dirty="0" err="1"/>
               <a:t>gcc</a:t>
             </a:r>
             <a:r>
-              <a:rPr lang="en-US" altLang="zh-CN" sz="1800" dirty="0"/>
+              <a:rPr lang="en-US" altLang="zh-CN" dirty="0"/>
               <a:t> | </a:t>
             </a:r>
             <a:r>
-              <a:rPr lang="en-US" altLang="zh-CN" sz="1800" dirty="0" err="1"/>
+              <a:rPr lang="en-US" altLang="zh-CN" dirty="0" err="1"/>
               <a:t>wc</a:t>
             </a:r>
             <a:r>
-              <a:rPr lang="en-US" altLang="zh-CN" sz="1800" dirty="0"/>
+              <a:rPr lang="en-US" altLang="zh-CN" dirty="0"/>
               <a:t> –l </a:t>
             </a:r>
           </a:p>
           <a:p>
             <a:pPr lvl="1"/>
-            <a:endParaRPr lang="en-US" altLang="zh-CN" sz="1800" dirty="0"/>
-          </a:p>
-          <a:p>
-            <a:r>
-              <a:rPr lang="zh-CN" altLang="en-US" sz="2000" dirty="0"/>
+            <a:endParaRPr lang="en-US" altLang="zh-CN" dirty="0"/>
+          </a:p>
+          <a:p>
+            <a:r>
+              <a:rPr lang="zh-CN" altLang="en-US" sz="2400" dirty="0"/>
               <a:t>查找名称含有</a:t>
             </a:r>
             <a:r>
-              <a:rPr lang="en-US" altLang="zh-CN" sz="2000" dirty="0" err="1"/>
+              <a:rPr lang="en-US" altLang="zh-CN" sz="2400" dirty="0" err="1"/>
               <a:t>ssh</a:t>
             </a:r>
             <a:r>
-              <a:rPr lang="zh-CN" altLang="en-US" sz="2000" dirty="0"/>
+              <a:rPr lang="zh-CN" altLang="en-US" sz="2400" dirty="0"/>
               <a:t>的进程</a:t>
             </a:r>
-            <a:endParaRPr lang="en-US" altLang="zh-CN" sz="2000" dirty="0"/>
+            <a:endParaRPr lang="en-US" altLang="zh-CN" sz="2400" dirty="0"/>
           </a:p>
           <a:p>
             <a:pPr marL="457200" lvl="1" indent="0">
               <a:buNone/>
             </a:pPr>
             <a:r>
-              <a:rPr lang="en-US" altLang="zh-CN" sz="1800" dirty="0" err="1"/>
+              <a:rPr lang="en-US" altLang="zh-CN" dirty="0" err="1"/>
               <a:t>ps</a:t>
             </a:r>
             <a:r>
-              <a:rPr lang="en-US" altLang="zh-CN" sz="1800" dirty="0"/>
+              <a:rPr lang="en-US" altLang="zh-CN" dirty="0"/>
               <a:t> -</a:t>
             </a:r>
             <a:r>
-              <a:rPr lang="en-US" altLang="zh-CN" sz="1800" dirty="0" err="1"/>
+              <a:rPr lang="en-US" altLang="zh-CN" dirty="0" err="1"/>
               <a:t>ef</a:t>
             </a:r>
             <a:r>
-              <a:rPr lang="en-US" altLang="zh-CN" sz="1800" dirty="0"/>
+              <a:rPr lang="en-US" altLang="zh-CN" dirty="0"/>
               <a:t> | grep </a:t>
             </a:r>
             <a:r>
-              <a:rPr lang="en-US" altLang="zh-CN" sz="1800" dirty="0" err="1"/>
+              <a:rPr lang="en-US" altLang="zh-CN" dirty="0" err="1"/>
               <a:t>ssh</a:t>
             </a:r>
-            <a:endParaRPr lang="en-US" altLang="zh-CN" sz="1800" dirty="0"/>
+            <a:endParaRPr lang="en-US" altLang="zh-CN" dirty="0"/>
           </a:p>
           <a:p>
             <a:pPr lvl="1"/>
-            <a:endParaRPr lang="en-US" altLang="zh-CN" sz="1800" dirty="0"/>
-          </a:p>
-          <a:p>
-            <a:r>
-              <a:rPr lang="zh-CN" altLang="en-US" sz="2000" dirty="0"/>
+            <a:endParaRPr lang="en-US" altLang="zh-CN" dirty="0"/>
+          </a:p>
+          <a:p>
+            <a:r>
+              <a:rPr lang="zh-CN" altLang="en-US" sz="2400" dirty="0"/>
               <a:t>分页查看内容</a:t>
             </a:r>
-            <a:endParaRPr lang="en-US" altLang="zh-CN" sz="2000" dirty="0"/>
+            <a:endParaRPr lang="en-US" altLang="zh-CN" sz="2400" dirty="0"/>
           </a:p>
           <a:p>
             <a:pPr marL="457200" lvl="1" indent="0">
               <a:buNone/>
             </a:pPr>
             <a:r>
-              <a:rPr lang="en-US" altLang="zh-CN" sz="1800" dirty="0"/>
+              <a:rPr lang="en-US" altLang="zh-CN" dirty="0"/>
               <a:t>ls –l –R /</a:t>
             </a:r>
             <a:r>
-              <a:rPr lang="en-US" altLang="zh-CN" sz="1800" dirty="0" err="1"/>
+              <a:rPr lang="en-US" altLang="zh-CN" dirty="0" err="1"/>
               <a:t>usr</a:t>
             </a:r>
             <a:r>
-              <a:rPr lang="en-US" altLang="zh-CN" sz="1800" dirty="0"/>
+              <a:rPr lang="en-US" altLang="zh-CN" dirty="0"/>
               <a:t>/share | less</a:t>
             </a:r>
           </a:p>
           <a:p>
             <a:pPr lvl="1"/>
-            <a:endParaRPr lang="en-US" altLang="zh-CN" sz="1800" dirty="0"/>
-          </a:p>
-          <a:p>
-            <a:r>
-              <a:rPr lang="zh-CN" altLang="en-US" sz="2000" dirty="0"/>
+            <a:endParaRPr lang="en-US" altLang="zh-CN" dirty="0"/>
+          </a:p>
+          <a:p>
+            <a:r>
+              <a:rPr lang="zh-CN" altLang="en-US" sz="2400" dirty="0"/>
               <a:t>排序文件</a:t>
             </a:r>
-            <a:endParaRPr lang="en-US" altLang="zh-CN" sz="2000" dirty="0"/>
+            <a:endParaRPr lang="en-US" altLang="zh-CN" sz="2400" dirty="0"/>
           </a:p>
           <a:p>
             <a:pPr marL="457200" lvl="1" indent="0">
               <a:buNone/>
             </a:pPr>
             <a:r>
-              <a:rPr lang="en-US" altLang="zh-CN" sz="1800" dirty="0"/>
+              <a:rPr lang="en-US" altLang="zh-CN" dirty="0"/>
               <a:t>ls | sort –r</a:t>
             </a:r>
-          </a:p>
-          <a:p>
-            <a:endParaRPr lang="en-US" altLang="zh-CN" sz="2000" dirty="0"/>
           </a:p>
         </p:txBody>
       </p:sp>
@@ -7173,243 +7172,155 @@
         </p:nvSpPr>
         <p:spPr/>
         <p:txBody>
-          <a:bodyPr/>
+          <a:bodyPr>
+            <a:normAutofit/>
+          </a:bodyPr>
           <a:lstStyle/>
           <a:p>
             <a:r>
-              <a:rPr lang="en-US" altLang="zh-CN" sz="2000" dirty="0"/>
+              <a:rPr lang="en-US" altLang="zh-CN" sz="2400" dirty="0"/>
               <a:t>shell</a:t>
             </a:r>
             <a:r>
-              <a:rPr lang="zh-CN" altLang="en-US" sz="2000" dirty="0"/>
-              <a:t>的实现版本支持的语法大致都相同，区别并不大。一般都支持变量，</a:t>
-            </a:r>
-            <a:r>
-              <a:rPr lang="en-US" altLang="zh-CN" sz="2000" dirty="0"/>
-              <a:t>if</a:t>
-            </a:r>
-            <a:r>
-              <a:rPr lang="zh-CN" altLang="en-US" sz="2000" dirty="0"/>
+              <a:rPr lang="zh-CN" altLang="en-US" sz="2400" dirty="0"/>
+              <a:t>脚本就是一个命令堆叠成的文件，由</a:t>
+            </a:r>
+            <a:r>
+              <a:rPr lang="en-US" altLang="zh-CN" sz="2400" dirty="0"/>
+              <a:t>shell</a:t>
+            </a:r>
+            <a:r>
+              <a:rPr lang="zh-CN" altLang="en-US" sz="2400" dirty="0"/>
+              <a:t>解释执行。</a:t>
+            </a:r>
+            <a:endParaRPr lang="en-US" altLang="zh-CN" sz="2400" dirty="0"/>
+          </a:p>
+          <a:p>
+            <a:r>
+              <a:rPr lang="zh-CN" altLang="en-US" sz="2400" dirty="0"/>
+              <a:t>文件第一行使用</a:t>
+            </a:r>
+            <a:r>
+              <a:rPr lang="en-US" altLang="zh-CN" sz="2400" dirty="0"/>
+              <a:t>#!/bin/bash</a:t>
+            </a:r>
+            <a:r>
+              <a:rPr lang="zh-CN" altLang="en-US" sz="2400" dirty="0"/>
+              <a:t>表明这是一个</a:t>
+            </a:r>
+            <a:r>
+              <a:rPr lang="en-US" altLang="zh-CN" sz="2400" dirty="0"/>
+              <a:t>bash</a:t>
+            </a:r>
+            <a:r>
+              <a:rPr lang="zh-CN" altLang="en-US" sz="2400" dirty="0"/>
+              <a:t>脚本，注意有些脚本程序使用</a:t>
+            </a:r>
+            <a:r>
+              <a:rPr lang="en-US" altLang="zh-CN" sz="2400" dirty="0"/>
+              <a:t>#!/bin/</a:t>
+            </a:r>
+            <a:r>
+              <a:rPr lang="en-US" altLang="zh-CN" sz="2400" dirty="0" err="1"/>
+              <a:t>sh</a:t>
+            </a:r>
+            <a:r>
+              <a:rPr lang="zh-CN" altLang="en-US" sz="2400" dirty="0"/>
+              <a:t>表示。</a:t>
+            </a:r>
+            <a:endParaRPr lang="en-US" altLang="zh-CN" sz="2400" dirty="0"/>
+          </a:p>
+          <a:p>
+            <a:r>
+              <a:rPr lang="zh-CN" altLang="en-US" sz="2400" dirty="0"/>
+              <a:t>在</a:t>
+            </a:r>
+            <a:r>
+              <a:rPr lang="en-US" altLang="zh-CN" sz="2400" dirty="0"/>
+              <a:t>Ubuntu/Debian</a:t>
+            </a:r>
+            <a:r>
+              <a:rPr lang="zh-CN" altLang="en-US" sz="2400" dirty="0"/>
+              <a:t>上，</a:t>
+            </a:r>
+            <a:r>
+              <a:rPr lang="en-US" altLang="zh-CN" sz="2400" dirty="0" err="1"/>
+              <a:t>sh</a:t>
+            </a:r>
+            <a:r>
+              <a:rPr lang="zh-CN" altLang="en-US" sz="2400" dirty="0"/>
+              <a:t>是一个符号链接指向</a:t>
+            </a:r>
+            <a:r>
+              <a:rPr lang="en-US" altLang="zh-CN" sz="2400" dirty="0"/>
+              <a:t>dash</a:t>
+            </a:r>
+            <a:r>
+              <a:rPr lang="zh-CN" altLang="en-US" sz="2400" dirty="0"/>
               <a:t>，</a:t>
             </a:r>
             <a:r>
-              <a:rPr lang="en-US" altLang="zh-CN" sz="2000" dirty="0"/>
-              <a:t>else</a:t>
-            </a:r>
-            <a:r>
-              <a:rPr lang="zh-CN" altLang="en-US" sz="2000" dirty="0"/>
-              <a:t>，</a:t>
-            </a:r>
-            <a:r>
-              <a:rPr lang="en-US" altLang="zh-CN" sz="2000" dirty="0"/>
-              <a:t>for</a:t>
-            </a:r>
-            <a:r>
-              <a:rPr lang="zh-CN" altLang="en-US" sz="2000" dirty="0"/>
-              <a:t>，</a:t>
-            </a:r>
-            <a:r>
-              <a:rPr lang="en-US" altLang="zh-CN" sz="2000" dirty="0"/>
-              <a:t>while</a:t>
-            </a:r>
-            <a:r>
-              <a:rPr lang="zh-CN" altLang="en-US" sz="2000" dirty="0"/>
-              <a:t>关键字等。</a:t>
-            </a:r>
-            <a:endParaRPr lang="en-US" altLang="zh-CN" sz="2000" dirty="0"/>
-          </a:p>
-          <a:p>
-            <a:r>
-              <a:rPr lang="en-US" altLang="zh-CN" sz="2000" dirty="0"/>
+              <a:rPr lang="en-US" altLang="zh-CN" sz="2400" dirty="0"/>
+              <a:t>dash</a:t>
+            </a:r>
+            <a:r>
+              <a:rPr lang="zh-CN" altLang="en-US" sz="2400" dirty="0"/>
+              <a:t>是一个专为执行脚本而设计的</a:t>
+            </a:r>
+            <a:r>
+              <a:rPr lang="en-US" altLang="zh-CN" sz="2400" dirty="0"/>
               <a:t>shell</a:t>
             </a:r>
             <a:r>
-              <a:rPr lang="zh-CN" altLang="en-US" sz="2000" dirty="0"/>
-              <a:t>脚本在运行时会逐步执行脚本文件里面的命令。脚本实际上就是</a:t>
-            </a:r>
-            <a:r>
-              <a:rPr lang="en-US" altLang="zh-CN" sz="2000" dirty="0"/>
-              <a:t>shell</a:t>
-            </a:r>
-            <a:r>
-              <a:rPr lang="zh-CN" altLang="en-US" sz="2000" dirty="0"/>
-              <a:t>命令的堆叠。</a:t>
-            </a:r>
-            <a:endParaRPr lang="en-US" altLang="zh-CN" sz="2000" dirty="0"/>
-          </a:p>
-          <a:p>
-            <a:r>
-              <a:rPr lang="zh-CN" altLang="en-US" sz="2000" dirty="0"/>
-              <a:t>大多数</a:t>
-            </a:r>
-            <a:r>
-              <a:rPr lang="en-US" altLang="zh-CN" sz="2000" dirty="0"/>
-              <a:t>Linux</a:t>
-            </a:r>
-            <a:r>
-              <a:rPr lang="zh-CN" altLang="en-US" sz="2000" dirty="0"/>
-              <a:t>发行版的默认</a:t>
-            </a:r>
-            <a:r>
-              <a:rPr lang="en-US" altLang="zh-CN" sz="2000" dirty="0"/>
-              <a:t>shell</a:t>
-            </a:r>
-            <a:r>
-              <a:rPr lang="zh-CN" altLang="en-US" sz="2000" dirty="0"/>
-              <a:t>都是</a:t>
-            </a:r>
-            <a:r>
-              <a:rPr lang="en-US" altLang="zh-CN" sz="2000" dirty="0"/>
+              <a:rPr lang="zh-CN" altLang="en-US" sz="2400" dirty="0"/>
+              <a:t>程序，执行速度快，语法遵循</a:t>
+            </a:r>
+            <a:r>
+              <a:rPr lang="en-US" altLang="zh-CN" sz="2400" dirty="0"/>
+              <a:t>POSIX</a:t>
+            </a:r>
+            <a:r>
+              <a:rPr lang="zh-CN" altLang="en-US" sz="2400" dirty="0"/>
+              <a:t>标准，但是功能比</a:t>
+            </a:r>
+            <a:r>
+              <a:rPr lang="en-US" altLang="zh-CN" sz="2400" dirty="0"/>
               <a:t>bash</a:t>
             </a:r>
             <a:r>
-              <a:rPr lang="zh-CN" altLang="en-US" sz="2000" dirty="0"/>
-              <a:t>。其他</a:t>
-            </a:r>
-            <a:r>
-              <a:rPr lang="en-US" altLang="zh-CN" sz="2000" dirty="0"/>
-              <a:t>shell</a:t>
-            </a:r>
-            <a:r>
-              <a:rPr lang="zh-CN" altLang="en-US" sz="2000" dirty="0"/>
-              <a:t>实现程序虽有自己不同的设计，但是也会兼容</a:t>
-            </a:r>
-            <a:r>
-              <a:rPr lang="en-US" altLang="zh-CN" sz="2000" dirty="0"/>
+              <a:rPr lang="zh-CN" altLang="en-US" sz="2400" dirty="0"/>
+              <a:t>少很多。</a:t>
+            </a:r>
+            <a:endParaRPr lang="en-US" altLang="zh-CN" sz="2400" dirty="0"/>
+          </a:p>
+          <a:p>
+            <a:r>
+              <a:rPr lang="zh-CN" altLang="en-US" sz="2400" dirty="0"/>
+              <a:t>一个简单的脚本：开头声明这是一个</a:t>
+            </a:r>
+            <a:r>
+              <a:rPr lang="en-US" altLang="zh-CN" sz="2400" dirty="0"/>
               <a:t>bash</a:t>
             </a:r>
             <a:r>
-              <a:rPr lang="zh-CN" altLang="en-US" sz="2000" dirty="0"/>
-              <a:t>的配置文件。</a:t>
-            </a:r>
-            <a:endParaRPr lang="en-US" altLang="zh-CN" sz="2000" dirty="0"/>
-          </a:p>
-          <a:p>
-            <a:r>
-              <a:rPr lang="zh-CN" altLang="en-US" sz="2000" dirty="0"/>
-              <a:t>文件第一行使用</a:t>
-            </a:r>
-            <a:r>
-              <a:rPr lang="en-US" altLang="zh-CN" sz="2000" dirty="0"/>
-              <a:t>#!/bin/bash</a:t>
-            </a:r>
-            <a:r>
-              <a:rPr lang="zh-CN" altLang="en-US" sz="2000" dirty="0"/>
-              <a:t>表明这是一个</a:t>
-            </a:r>
-            <a:r>
-              <a:rPr lang="en-US" altLang="zh-CN" sz="2000" dirty="0"/>
-              <a:t>bash</a:t>
-            </a:r>
-            <a:r>
-              <a:rPr lang="zh-CN" altLang="en-US" sz="2000" dirty="0"/>
-              <a:t>脚本，注意有些脚本程序使用</a:t>
-            </a:r>
-            <a:r>
-              <a:rPr lang="en-US" altLang="zh-CN" sz="2000" dirty="0"/>
-              <a:t>#!/bin/</a:t>
-            </a:r>
-            <a:r>
-              <a:rPr lang="en-US" altLang="zh-CN" sz="2000" dirty="0" err="1"/>
-              <a:t>sh</a:t>
-            </a:r>
-            <a:r>
-              <a:rPr lang="zh-CN" altLang="en-US" sz="2000" dirty="0"/>
-              <a:t>表示。</a:t>
-            </a:r>
-            <a:endParaRPr lang="en-US" altLang="zh-CN" sz="2000" dirty="0"/>
-          </a:p>
-          <a:p>
-            <a:r>
-              <a:rPr lang="zh-CN" altLang="en-US" sz="2000" dirty="0"/>
-              <a:t>在</a:t>
-            </a:r>
-            <a:r>
-              <a:rPr lang="en-US" altLang="zh-CN" sz="2000" dirty="0"/>
-              <a:t>Ubuntu/Debian</a:t>
-            </a:r>
-            <a:r>
-              <a:rPr lang="zh-CN" altLang="en-US" sz="2000" dirty="0"/>
-              <a:t>上，</a:t>
-            </a:r>
-            <a:r>
-              <a:rPr lang="en-US" altLang="zh-CN" sz="2000" dirty="0" err="1"/>
-              <a:t>sh</a:t>
-            </a:r>
-            <a:r>
-              <a:rPr lang="zh-CN" altLang="en-US" sz="2000" dirty="0"/>
-              <a:t>是一个符号链接指向</a:t>
-            </a:r>
-            <a:r>
-              <a:rPr lang="en-US" altLang="zh-CN" sz="2000" dirty="0"/>
-              <a:t>dash</a:t>
-            </a:r>
-            <a:r>
-              <a:rPr lang="zh-CN" altLang="en-US" sz="2000" dirty="0"/>
-              <a:t>，</a:t>
-            </a:r>
-            <a:r>
-              <a:rPr lang="en-US" altLang="zh-CN" sz="2000" dirty="0"/>
-              <a:t>dash</a:t>
-            </a:r>
-            <a:r>
-              <a:rPr lang="zh-CN" altLang="en-US" sz="2000" dirty="0"/>
-              <a:t>是一个专为执行脚本而设计的</a:t>
-            </a:r>
-            <a:r>
-              <a:rPr lang="en-US" altLang="zh-CN" sz="2000" dirty="0"/>
-              <a:t>shell</a:t>
-            </a:r>
-            <a:r>
-              <a:rPr lang="zh-CN" altLang="en-US" sz="2000" dirty="0"/>
-              <a:t>程序，执行速度快，语法遵循</a:t>
-            </a:r>
-            <a:r>
-              <a:rPr lang="en-US" altLang="zh-CN" sz="2000" dirty="0"/>
-              <a:t>POSIX</a:t>
-            </a:r>
-            <a:r>
-              <a:rPr lang="zh-CN" altLang="en-US" sz="2000" dirty="0"/>
-              <a:t>标准，但是功能比</a:t>
-            </a:r>
-            <a:r>
-              <a:rPr lang="en-US" altLang="zh-CN" sz="2000" dirty="0"/>
-              <a:t>bash</a:t>
-            </a:r>
-            <a:r>
-              <a:rPr lang="zh-CN" altLang="en-US" sz="2000" dirty="0"/>
-              <a:t>少很多。</a:t>
-            </a:r>
-            <a:endParaRPr lang="en-US" altLang="zh-CN" sz="2000" dirty="0"/>
-          </a:p>
-          <a:p>
-            <a:r>
-              <a:rPr lang="zh-CN" altLang="en-US" sz="2000" dirty="0"/>
-              <a:t>一个简单的脚本：开头声明这是一个</a:t>
-            </a:r>
-            <a:r>
-              <a:rPr lang="en-US" altLang="zh-CN" sz="2000" dirty="0"/>
-              <a:t>bash</a:t>
-            </a:r>
-            <a:r>
-              <a:rPr lang="zh-CN" altLang="en-US" sz="2000" dirty="0"/>
+              <a:rPr lang="zh-CN" altLang="en-US" sz="2400" dirty="0"/>
               <a:t>脚本，然后是主要操作代码，最后以</a:t>
             </a:r>
             <a:r>
-              <a:rPr lang="en-US" altLang="zh-CN" sz="2000" dirty="0"/>
+              <a:rPr lang="en-US" altLang="zh-CN" sz="2400" dirty="0"/>
               <a:t>exit 0</a:t>
             </a:r>
             <a:r>
-              <a:rPr lang="zh-CN" altLang="en-US" sz="2000" dirty="0"/>
+              <a:rPr lang="zh-CN" altLang="en-US" sz="2400" dirty="0"/>
               <a:t>退出。</a:t>
             </a:r>
-            <a:endParaRPr lang="en-US" altLang="zh-CN" sz="2000" dirty="0"/>
+            <a:endParaRPr lang="en-US" altLang="zh-CN" sz="2400" dirty="0"/>
           </a:p>
           <a:p>
             <a:pPr marL="0" indent="0">
               <a:buNone/>
             </a:pPr>
-            <a:endParaRPr lang="en-US" altLang="zh-CN" sz="2000" dirty="0"/>
+            <a:endParaRPr lang="en-US" altLang="zh-CN" sz="2400" dirty="0"/>
           </a:p>
         </p:txBody>
       </p:sp>
@@ -7441,7 +7352,7 @@
         </p:blipFill>
         <p:spPr>
           <a:xfrm>
-            <a:off x="2813961" y="4973350"/>
+            <a:off x="3286210" y="4893768"/>
             <a:ext cx="5619579" cy="1602018"/>
           </a:xfrm>
           <a:prstGeom prst="rect">
@@ -7525,87 +7436,89 @@
         </p:nvSpPr>
         <p:spPr/>
         <p:txBody>
-          <a:bodyPr/>
+          <a:bodyPr>
+            <a:normAutofit/>
+          </a:bodyPr>
           <a:lstStyle/>
           <a:p>
-            <a:endParaRPr lang="en-US" altLang="zh-CN" sz="2000" dirty="0"/>
-          </a:p>
-          <a:p>
-            <a:r>
-              <a:rPr lang="zh-CN" altLang="en-US" sz="2000" dirty="0"/>
+            <a:endParaRPr lang="en-US" altLang="zh-CN" sz="2400" dirty="0"/>
+          </a:p>
+          <a:p>
+            <a:r>
+              <a:rPr lang="zh-CN" altLang="en-US" sz="2400" dirty="0"/>
               <a:t>执行脚本可以使用 </a:t>
             </a:r>
             <a:r>
-              <a:rPr lang="en-US" altLang="zh-CN" sz="2000" dirty="0"/>
+              <a:rPr lang="en-US" altLang="zh-CN" sz="2400" dirty="0"/>
               <a:t>bash [SCRIPT NAME]</a:t>
             </a:r>
             <a:r>
-              <a:rPr lang="zh-CN" altLang="en-US" sz="2000" dirty="0"/>
+              <a:rPr lang="zh-CN" altLang="en-US" sz="2400" dirty="0"/>
               <a:t>，此时</a:t>
             </a:r>
             <a:r>
-              <a:rPr lang="en-US" altLang="zh-CN" sz="2000" dirty="0"/>
+              <a:rPr lang="en-US" altLang="zh-CN" sz="2400" dirty="0"/>
               <a:t>bash</a:t>
             </a:r>
             <a:r>
-              <a:rPr lang="zh-CN" altLang="en-US" sz="2000" dirty="0"/>
+              <a:rPr lang="zh-CN" altLang="en-US" sz="2400" dirty="0"/>
               <a:t>读取脚本文件并执行，</a:t>
             </a:r>
             <a:r>
-              <a:rPr lang="en-US" altLang="zh-CN" sz="2000" dirty="0"/>
+              <a:rPr lang="en-US" altLang="zh-CN" sz="2400" dirty="0"/>
               <a:t>#!/bin/bash</a:t>
             </a:r>
             <a:r>
-              <a:rPr lang="zh-CN" altLang="en-US" sz="2000" dirty="0"/>
+              <a:rPr lang="zh-CN" altLang="en-US" sz="2400" dirty="0"/>
               <a:t>是被解释为注释。</a:t>
             </a:r>
-            <a:endParaRPr lang="en-US" altLang="zh-CN" sz="2000" dirty="0"/>
-          </a:p>
-          <a:p>
-            <a:endParaRPr lang="en-US" altLang="zh-CN" sz="2000" dirty="0"/>
-          </a:p>
-          <a:p>
-            <a:r>
-              <a:rPr lang="zh-CN" altLang="en-US" sz="2000" dirty="0"/>
+            <a:endParaRPr lang="en-US" altLang="zh-CN" sz="2400" dirty="0"/>
+          </a:p>
+          <a:p>
+            <a:endParaRPr lang="en-US" altLang="zh-CN" sz="2400" dirty="0"/>
+          </a:p>
+          <a:p>
+            <a:r>
+              <a:rPr lang="zh-CN" altLang="en-US" sz="2400" dirty="0"/>
               <a:t>另一种方式就是给脚本添加可执行权限：</a:t>
             </a:r>
             <a:r>
-              <a:rPr lang="en-US" altLang="zh-CN" sz="2000" dirty="0" err="1"/>
+              <a:rPr lang="en-US" altLang="zh-CN" sz="2400" dirty="0" err="1"/>
               <a:t>chmod</a:t>
             </a:r>
             <a:r>
-              <a:rPr lang="en-US" altLang="zh-CN" sz="2000" dirty="0"/>
+              <a:rPr lang="en-US" altLang="zh-CN" sz="2400" dirty="0"/>
               <a:t> +x [SCRIPT NAME]</a:t>
             </a:r>
           </a:p>
           <a:p>
-            <a:endParaRPr lang="en-US" altLang="zh-CN" sz="2000" dirty="0"/>
-          </a:p>
-          <a:p>
-            <a:r>
-              <a:rPr lang="zh-CN" altLang="en-US" sz="2000" dirty="0"/>
+            <a:endParaRPr lang="en-US" altLang="zh-CN" sz="2400" dirty="0"/>
+          </a:p>
+          <a:p>
+            <a:r>
+              <a:rPr lang="zh-CN" altLang="en-US" sz="2400" dirty="0"/>
               <a:t>给脚本添加执行权限，脚本开头的</a:t>
             </a:r>
             <a:r>
-              <a:rPr lang="en-US" altLang="zh-CN" sz="2000" dirty="0"/>
+              <a:rPr lang="en-US" altLang="zh-CN" sz="2400" dirty="0"/>
               <a:t>#!/bin/bash</a:t>
             </a:r>
             <a:r>
-              <a:rPr lang="zh-CN" altLang="en-US" sz="2000" dirty="0"/>
+              <a:rPr lang="zh-CN" altLang="en-US" sz="2400" dirty="0"/>
               <a:t>声明这是一个脚本文件，要用</a:t>
             </a:r>
             <a:r>
-              <a:rPr lang="en-US" altLang="zh-CN" sz="2000" dirty="0"/>
+              <a:rPr lang="en-US" altLang="zh-CN" sz="2400" dirty="0"/>
               <a:t>/bin/bash</a:t>
             </a:r>
             <a:r>
-              <a:rPr lang="zh-CN" altLang="en-US" sz="2000" dirty="0"/>
+              <a:rPr lang="zh-CN" altLang="en-US" sz="2400" dirty="0"/>
               <a:t>执行。</a:t>
             </a:r>
-            <a:endParaRPr lang="en-US" altLang="zh-CN" sz="2000" dirty="0"/>
-          </a:p>
-          <a:p>
-            <a:endParaRPr lang="en-US" altLang="zh-CN" sz="2000" dirty="0"/>
+            <a:endParaRPr lang="en-US" altLang="zh-CN" sz="2400" dirty="0"/>
+          </a:p>
+          <a:p>
+            <a:endParaRPr lang="en-US" altLang="zh-CN" sz="2400" dirty="0"/>
           </a:p>
         </p:txBody>
       </p:sp>
@@ -7685,216 +7598,212 @@
         </p:nvSpPr>
         <p:spPr/>
         <p:txBody>
-          <a:bodyPr/>
+          <a:bodyPr>
+            <a:noAutofit/>
+          </a:bodyPr>
           <a:lstStyle/>
           <a:p>
             <a:r>
-              <a:rPr lang="en-US" altLang="zh-CN" sz="2000" dirty="0"/>
+              <a:rPr lang="en-US" altLang="zh-CN" sz="2400" dirty="0"/>
               <a:t>shell</a:t>
             </a:r>
             <a:r>
-              <a:rPr lang="zh-CN" altLang="en-US" sz="2000" dirty="0"/>
+              <a:rPr lang="zh-CN" altLang="en-US" sz="2400" dirty="0"/>
               <a:t>运行</a:t>
             </a:r>
             <a:r>
-              <a:rPr lang="en-US" altLang="zh-CN" sz="2000" dirty="0"/>
+              <a:rPr lang="en-US" altLang="zh-CN" sz="2400" dirty="0"/>
               <a:t>a=123</a:t>
             </a:r>
             <a:r>
-              <a:rPr lang="zh-CN" altLang="en-US" sz="2000" dirty="0"/>
+              <a:rPr lang="zh-CN" altLang="en-US" sz="2400" dirty="0"/>
               <a:t>就定义了</a:t>
             </a:r>
             <a:r>
-              <a:rPr lang="en-US" altLang="zh-CN" sz="2000" dirty="0"/>
+              <a:rPr lang="en-US" altLang="zh-CN" sz="2400" dirty="0"/>
               <a:t>a</a:t>
             </a:r>
             <a:r>
-              <a:rPr lang="zh-CN" altLang="en-US" sz="2000" dirty="0"/>
+              <a:rPr lang="zh-CN" altLang="en-US" sz="2400" dirty="0"/>
               <a:t>变量。</a:t>
             </a:r>
             <a:r>
-              <a:rPr lang="en-US" altLang="zh-CN" sz="2000" dirty="0"/>
+              <a:rPr lang="en-US" altLang="zh-CN" sz="2400" dirty="0"/>
               <a:t>shell</a:t>
             </a:r>
             <a:r>
-              <a:rPr lang="zh-CN" altLang="en-US" sz="2000" dirty="0"/>
+              <a:rPr lang="zh-CN" altLang="en-US" sz="2400" dirty="0"/>
               <a:t>中的变量就是为某些需要保存的数据用一个名称标记，方便以后使用。变量的名称以字母或是下划线符号开头，后可跟任意长度的字母、数字、下划线。</a:t>
             </a:r>
-            <a:endParaRPr lang="en-US" altLang="zh-CN" sz="2000" dirty="0"/>
-          </a:p>
-          <a:p>
-            <a:r>
-              <a:rPr lang="en-US" altLang="zh-CN" sz="2000" dirty="0"/>
+            <a:endParaRPr lang="en-US" altLang="zh-CN" sz="2400" dirty="0"/>
+          </a:p>
+          <a:p>
+            <a:r>
+              <a:rPr lang="en-US" altLang="zh-CN" sz="2400" dirty="0"/>
               <a:t>=</a:t>
             </a:r>
             <a:r>
-              <a:rPr lang="zh-CN" altLang="en-US" sz="2000" dirty="0"/>
+              <a:rPr lang="zh-CN" altLang="en-US" sz="2400" dirty="0"/>
               <a:t>左右不能有空格，否则会按照运行命令的方式去执行。</a:t>
             </a:r>
-            <a:endParaRPr lang="en-US" altLang="zh-CN" sz="2000" dirty="0"/>
-          </a:p>
-          <a:p>
-            <a:endParaRPr lang="en-US" altLang="zh-CN" sz="2000" dirty="0"/>
-          </a:p>
-          <a:p>
-            <a:r>
-              <a:rPr lang="en-US" altLang="zh-CN" sz="2000" dirty="0"/>
+            <a:endParaRPr lang="en-US" altLang="zh-CN" sz="2400" dirty="0"/>
+          </a:p>
+          <a:p>
+            <a:endParaRPr lang="en-US" altLang="zh-CN" sz="2400" dirty="0"/>
+          </a:p>
+          <a:p>
+            <a:r>
+              <a:rPr lang="en-US" altLang="zh-CN" sz="2400" dirty="0"/>
               <a:t>a=`</a:t>
             </a:r>
             <a:r>
-              <a:rPr lang="en-US" altLang="zh-CN" sz="2000" dirty="0" err="1"/>
+              <a:rPr lang="en-US" altLang="zh-CN" sz="2400" dirty="0" err="1"/>
               <a:t>ls`</a:t>
             </a:r>
             <a:r>
-              <a:rPr lang="en-US" altLang="zh-CN" sz="2000" dirty="0"/>
+              <a:rPr lang="en-US" altLang="zh-CN" sz="2400" dirty="0"/>
               <a:t> </a:t>
             </a:r>
             <a:r>
-              <a:rPr lang="zh-CN" altLang="en-US" sz="2000" dirty="0"/>
+              <a:rPr lang="zh-CN" altLang="en-US" sz="2400" dirty="0"/>
               <a:t>会把</a:t>
             </a:r>
             <a:r>
-              <a:rPr lang="en-US" altLang="zh-CN" sz="2000" dirty="0"/>
+              <a:rPr lang="en-US" altLang="zh-CN" sz="2400" dirty="0"/>
               <a:t>ls</a:t>
             </a:r>
             <a:r>
-              <a:rPr lang="zh-CN" altLang="en-US" sz="2000" dirty="0"/>
+              <a:rPr lang="zh-CN" altLang="en-US" sz="2400" dirty="0"/>
               <a:t>运行的结果赋值给</a:t>
             </a:r>
             <a:r>
-              <a:rPr lang="en-US" altLang="zh-CN" sz="2000" dirty="0"/>
+              <a:rPr lang="en-US" altLang="zh-CN" sz="2400" dirty="0"/>
               <a:t>a</a:t>
             </a:r>
             <a:r>
-              <a:rPr lang="zh-CN" altLang="en-US" sz="2000" dirty="0"/>
+              <a:rPr lang="zh-CN" altLang="en-US" sz="2400" dirty="0"/>
               <a:t>。注意</a:t>
             </a:r>
             <a:r>
-              <a:rPr lang="en-US" altLang="zh-CN" sz="2000" dirty="0"/>
+              <a:rPr lang="en-US" altLang="zh-CN" sz="2400" dirty="0"/>
               <a:t>ls</a:t>
             </a:r>
             <a:r>
-              <a:rPr lang="zh-CN" altLang="en-US" sz="2000" dirty="0"/>
+              <a:rPr lang="zh-CN" altLang="en-US" sz="2400" dirty="0"/>
               <a:t>不是被单引号包含，而是数字键</a:t>
             </a:r>
             <a:r>
-              <a:rPr lang="en-US" altLang="zh-CN" sz="2000" dirty="0"/>
+              <a:rPr lang="en-US" altLang="zh-CN" sz="2400" dirty="0"/>
               <a:t>1</a:t>
             </a:r>
             <a:r>
-              <a:rPr lang="zh-CN" altLang="en-US" sz="2000" dirty="0"/>
+              <a:rPr lang="zh-CN" altLang="en-US" sz="2400" dirty="0"/>
               <a:t>左侧按键，按住</a:t>
             </a:r>
             <a:r>
-              <a:rPr lang="en-US" altLang="zh-CN" sz="2000" dirty="0"/>
+              <a:rPr lang="en-US" altLang="zh-CN" sz="2400" dirty="0"/>
               <a:t>Shift</a:t>
             </a:r>
             <a:r>
-              <a:rPr lang="zh-CN" altLang="en-US" sz="2000" dirty="0"/>
+              <a:rPr lang="zh-CN" altLang="en-US" sz="2400" dirty="0"/>
               <a:t>输入</a:t>
             </a:r>
             <a:r>
-              <a:rPr lang="en-US" altLang="zh-CN" sz="2000" dirty="0"/>
+              <a:rPr lang="en-US" altLang="zh-CN" sz="2400" dirty="0"/>
               <a:t>~</a:t>
             </a:r>
             <a:r>
-              <a:rPr lang="zh-CN" altLang="en-US" sz="2000" dirty="0"/>
+              <a:rPr lang="zh-CN" altLang="en-US" sz="2400" dirty="0"/>
               <a:t>，英语键盘直接按下输入</a:t>
             </a:r>
             <a:r>
-              <a:rPr lang="en-US" altLang="zh-CN" sz="2000" dirty="0"/>
+              <a:rPr lang="en-US" altLang="zh-CN" sz="2400" dirty="0"/>
               <a:t>`</a:t>
             </a:r>
             <a:r>
-              <a:rPr lang="zh-CN" altLang="en-US" sz="2000" dirty="0"/>
+              <a:rPr lang="zh-CN" altLang="en-US" sz="2400" dirty="0"/>
               <a:t>。</a:t>
             </a:r>
-            <a:endParaRPr lang="en-US" altLang="zh-CN" sz="2000" dirty="0"/>
-          </a:p>
-          <a:p>
-            <a:endParaRPr lang="en-US" altLang="zh-CN" sz="2000" dirty="0"/>
-          </a:p>
-          <a:p>
-            <a:r>
-              <a:rPr lang="en-US" altLang="zh-CN" sz="2000" dirty="0"/>
+            <a:endParaRPr lang="en-US" altLang="zh-CN" sz="2400" dirty="0"/>
+          </a:p>
+          <a:p>
+            <a:endParaRPr lang="en-US" altLang="zh-CN" sz="2400" dirty="0"/>
+          </a:p>
+          <a:p>
+            <a:r>
+              <a:rPr lang="en-US" altLang="zh-CN" sz="2400" dirty="0"/>
               <a:t>echo $a</a:t>
             </a:r>
             <a:r>
-              <a:rPr lang="zh-CN" altLang="en-US" sz="2000" dirty="0"/>
+              <a:rPr lang="zh-CN" altLang="en-US" sz="2400" dirty="0"/>
               <a:t>可以输出变量的值。</a:t>
             </a:r>
-            <a:endParaRPr lang="en-US" altLang="zh-CN" sz="2000" dirty="0"/>
-          </a:p>
-          <a:p>
-            <a:endParaRPr lang="en-US" altLang="zh-CN" sz="2000" dirty="0"/>
-          </a:p>
-          <a:p>
-            <a:r>
-              <a:rPr lang="en-US" altLang="zh-CN" sz="2000" dirty="0"/>
+            <a:endParaRPr lang="en-US" altLang="zh-CN" sz="2400" dirty="0"/>
+          </a:p>
+          <a:p>
+            <a:r>
+              <a:rPr lang="en-US" altLang="zh-CN" sz="2400" dirty="0"/>
               <a:t>shell</a:t>
             </a:r>
             <a:r>
-              <a:rPr lang="zh-CN" altLang="en-US" sz="2000" dirty="0"/>
+              <a:rPr lang="zh-CN" altLang="en-US" sz="2400" dirty="0"/>
               <a:t>中的变量就是键值对（</a:t>
             </a:r>
             <a:r>
-              <a:rPr lang="en-US" altLang="zh-CN" sz="2000" dirty="0"/>
+              <a:rPr lang="en-US" altLang="zh-CN" sz="2400" dirty="0"/>
               <a:t>key-value</a:t>
             </a:r>
             <a:r>
-              <a:rPr lang="zh-CN" altLang="en-US" sz="2000" dirty="0"/>
+              <a:rPr lang="zh-CN" altLang="en-US" sz="2400" dirty="0"/>
               <a:t>）的列表，都是以文本的形式存储的。</a:t>
             </a:r>
-            <a:endParaRPr lang="en-US" altLang="zh-CN" sz="2000" dirty="0"/>
-          </a:p>
-          <a:p>
-            <a:endParaRPr lang="en-US" altLang="zh-CN" sz="2000" dirty="0"/>
-          </a:p>
-          <a:p>
-            <a:r>
-              <a:rPr lang="en-US" altLang="zh-CN" sz="2000" dirty="0"/>
+            <a:endParaRPr lang="en-US" altLang="zh-CN" sz="2400" dirty="0"/>
+          </a:p>
+          <a:p>
+            <a:r>
+              <a:rPr lang="en-US" altLang="zh-CN" sz="2400" dirty="0"/>
               <a:t>a=1+2</a:t>
             </a:r>
             <a:r>
-              <a:rPr lang="zh-CN" altLang="en-US" sz="2000" dirty="0"/>
+              <a:rPr lang="zh-CN" altLang="en-US" sz="2400" dirty="0"/>
               <a:t>不会进行计算把</a:t>
             </a:r>
             <a:r>
-              <a:rPr lang="en-US" altLang="zh-CN" sz="2000" dirty="0"/>
+              <a:rPr lang="en-US" altLang="zh-CN" sz="2400" dirty="0"/>
               <a:t>3</a:t>
             </a:r>
             <a:r>
-              <a:rPr lang="zh-CN" altLang="en-US" sz="2000" dirty="0"/>
+              <a:rPr lang="zh-CN" altLang="en-US" sz="2400" dirty="0"/>
               <a:t>赋值给</a:t>
             </a:r>
             <a:r>
-              <a:rPr lang="en-US" altLang="zh-CN" sz="2000" dirty="0"/>
+              <a:rPr lang="en-US" altLang="zh-CN" sz="2400" dirty="0"/>
               <a:t>a</a:t>
             </a:r>
             <a:r>
-              <a:rPr lang="zh-CN" altLang="en-US" sz="2000" dirty="0"/>
+              <a:rPr lang="zh-CN" altLang="en-US" sz="2400" dirty="0"/>
               <a:t>，而是</a:t>
             </a:r>
             <a:r>
-              <a:rPr lang="en-US" altLang="zh-CN" sz="2000" dirty="0"/>
+              <a:rPr lang="en-US" altLang="zh-CN" sz="2400" dirty="0"/>
               <a:t>a</a:t>
             </a:r>
             <a:r>
-              <a:rPr lang="zh-CN" altLang="en-US" sz="2000" dirty="0"/>
+              <a:rPr lang="zh-CN" altLang="en-US" sz="2400" dirty="0"/>
               <a:t>的值就是‘</a:t>
             </a:r>
             <a:r>
-              <a:rPr lang="en-US" altLang="zh-CN" sz="2000" dirty="0"/>
+              <a:rPr lang="en-US" altLang="zh-CN" sz="2400" dirty="0"/>
               <a:t>1+2</a:t>
             </a:r>
             <a:r>
-              <a:rPr lang="zh-CN" altLang="en-US" sz="2000" dirty="0"/>
+              <a:rPr lang="zh-CN" altLang="en-US" sz="2400" dirty="0"/>
               <a:t>’这段文本。</a:t>
             </a:r>
-            <a:endParaRPr lang="en-US" altLang="zh-CN" sz="2000" dirty="0"/>
-          </a:p>
-          <a:p>
-            <a:endParaRPr lang="en-US" altLang="zh-CN" sz="2000" dirty="0"/>
+            <a:endParaRPr lang="en-US" altLang="zh-CN" sz="2400" dirty="0"/>
+          </a:p>
+          <a:p>
+            <a:endParaRPr lang="en-US" altLang="zh-CN" sz="2400" dirty="0"/>
           </a:p>
         </p:txBody>
       </p:sp>
@@ -7977,7 +7886,7 @@
             <p:ph idx="1"/>
             <p:extLst>
               <p:ext uri="{D42A27DB-BD31-4B8C-83A1-F6EECF244321}">
-                <p14:modId xmlns:p14="http://schemas.microsoft.com/office/powerpoint/2010/main" val="2173196533"/>
+                <p14:modId xmlns:p14="http://schemas.microsoft.com/office/powerpoint/2010/main" val="1233852599"/>
               </p:ext>
             </p:extLst>
           </p:nvPr>
@@ -8009,11 +7918,11 @@
                     <a:p>
                       <a:pPr lvl="4" algn="l"/>
                       <a:r>
-                        <a:rPr lang="zh-CN" altLang="en-US" sz="2000" b="0" dirty="0">
+                        <a:rPr lang="zh-CN" altLang="en-US" sz="2400" b="0" dirty="0">
                           <a:latin typeface="汉仪家书简" panose="02010609000101010101" pitchFamily="49" charset="-122"/>
                           <a:ea typeface="汉仪家书简" panose="02010609000101010101" pitchFamily="49" charset="-122"/>
                         </a:rPr>
-                        <a:t>知识回顾</a:t>
+                        <a:t>知识回顾与整理</a:t>
                       </a:r>
                     </a:p>
                   </a:txBody>
@@ -8060,14 +7969,14 @@
                     <a:p>
                       <a:pPr lvl="4" algn="l"/>
                       <a:r>
-                        <a:rPr lang="en-US" altLang="zh-CN" sz="2000" dirty="0">
+                        <a:rPr lang="en-US" altLang="zh-CN" sz="2400" dirty="0">
                           <a:latin typeface="汉仪家书简" panose="02010609000101010101" pitchFamily="49" charset="-122"/>
                           <a:ea typeface="汉仪家书简" panose="02010609000101010101" pitchFamily="49" charset="-122"/>
                         </a:rPr>
                         <a:t>Linux</a:t>
                       </a:r>
                       <a:r>
-                        <a:rPr lang="zh-CN" altLang="en-US" sz="2000" dirty="0">
+                        <a:rPr lang="zh-CN" altLang="en-US" sz="2400" dirty="0">
                           <a:latin typeface="汉仪家书简" panose="02010609000101010101" pitchFamily="49" charset="-122"/>
                           <a:ea typeface="汉仪家书简" panose="02010609000101010101" pitchFamily="49" charset="-122"/>
                         </a:rPr>
@@ -8118,14 +8027,14 @@
                     <a:p>
                       <a:pPr lvl="4" algn="l"/>
                       <a:r>
-                        <a:rPr lang="en-US" altLang="zh-CN" sz="2000" dirty="0">
+                        <a:rPr lang="en-US" altLang="zh-CN" sz="2400" dirty="0">
                           <a:latin typeface="汉仪家书简" panose="02010609000101010101" pitchFamily="49" charset="-122"/>
                           <a:ea typeface="汉仪家书简" panose="02010609000101010101" pitchFamily="49" charset="-122"/>
                         </a:rPr>
                         <a:t>shell</a:t>
                       </a:r>
                       <a:r>
-                        <a:rPr lang="zh-CN" altLang="en-US" sz="2000" dirty="0">
+                        <a:rPr lang="zh-CN" altLang="en-US" sz="2400" dirty="0">
                           <a:latin typeface="汉仪家书简" panose="02010609000101010101" pitchFamily="49" charset="-122"/>
                           <a:ea typeface="汉仪家书简" panose="02010609000101010101" pitchFamily="49" charset="-122"/>
                         </a:rPr>
@@ -8259,27 +8168,27 @@
               </a:lnSpc>
             </a:pPr>
             <a:r>
-              <a:rPr lang="zh-CN" altLang="en-US" sz="2000" dirty="0"/>
+              <a:rPr lang="zh-CN" altLang="en-US" sz="2400" dirty="0"/>
               <a:t>变量设置后，是可以修改值的：</a:t>
             </a:r>
             <a:r>
-              <a:rPr lang="en-US" altLang="zh-CN" sz="2000" dirty="0"/>
+              <a:rPr lang="en-US" altLang="zh-CN" sz="2400" dirty="0"/>
               <a:t>a=12; a=13</a:t>
             </a:r>
             <a:r>
-              <a:rPr lang="zh-CN" altLang="en-US" sz="2000" dirty="0"/>
+              <a:rPr lang="zh-CN" altLang="en-US" sz="2400" dirty="0"/>
               <a:t>，此时</a:t>
             </a:r>
             <a:r>
-              <a:rPr lang="en-US" altLang="zh-CN" sz="2000" dirty="0"/>
+              <a:rPr lang="en-US" altLang="zh-CN" sz="2400" dirty="0"/>
               <a:t>a</a:t>
             </a:r>
             <a:r>
-              <a:rPr lang="zh-CN" altLang="en-US" sz="2000" dirty="0"/>
+              <a:rPr lang="zh-CN" altLang="en-US" sz="2400" dirty="0"/>
               <a:t>的值就是</a:t>
             </a:r>
             <a:r>
-              <a:rPr lang="en-US" altLang="zh-CN" sz="2000" dirty="0"/>
+              <a:rPr lang="en-US" altLang="zh-CN" sz="2400" dirty="0"/>
               <a:t>13</a:t>
             </a:r>
           </a:p>
@@ -8289,7 +8198,7 @@
                 <a:spcPct val="120000"/>
               </a:lnSpc>
             </a:pPr>
-            <a:endParaRPr lang="en-US" altLang="zh-CN" sz="2000" dirty="0"/>
+            <a:endParaRPr lang="en-US" altLang="zh-CN" sz="2400" dirty="0"/>
           </a:p>
           <a:p>
             <a:pPr>
@@ -8298,19 +8207,19 @@
               </a:lnSpc>
             </a:pPr>
             <a:r>
-              <a:rPr lang="en-US" altLang="zh-CN" sz="2000" dirty="0" err="1"/>
+              <a:rPr lang="en-US" altLang="zh-CN" sz="2400" dirty="0" err="1"/>
               <a:t>readonly</a:t>
             </a:r>
             <a:r>
-              <a:rPr lang="zh-CN" altLang="en-US" sz="2000" dirty="0"/>
+              <a:rPr lang="zh-CN" altLang="en-US" sz="2400" dirty="0"/>
               <a:t>把变量设置为只读：</a:t>
             </a:r>
             <a:r>
-              <a:rPr lang="en-US" altLang="zh-CN" sz="2000" dirty="0" err="1"/>
+              <a:rPr lang="en-US" altLang="zh-CN" sz="2400" dirty="0" err="1"/>
               <a:t>readonly</a:t>
             </a:r>
             <a:r>
-              <a:rPr lang="en-US" altLang="zh-CN" sz="2000" dirty="0"/>
+              <a:rPr lang="en-US" altLang="zh-CN" sz="2400" dirty="0"/>
               <a:t>  a</a:t>
             </a:r>
           </a:p>
@@ -8320,7 +8229,7 @@
                 <a:spcPct val="120000"/>
               </a:lnSpc>
             </a:pPr>
-            <a:endParaRPr lang="en-US" altLang="zh-CN" sz="2000" dirty="0"/>
+            <a:endParaRPr lang="en-US" altLang="zh-CN" sz="2400" dirty="0"/>
           </a:p>
           <a:p>
             <a:pPr>
@@ -8329,18 +8238,18 @@
               </a:lnSpc>
             </a:pPr>
             <a:r>
-              <a:rPr lang="zh-CN" altLang="en-US" sz="2000" dirty="0"/>
+              <a:rPr lang="zh-CN" altLang="en-US" sz="2400" dirty="0"/>
               <a:t>但是设置之后，只读变量就无法更改和取消。除非重置</a:t>
             </a:r>
             <a:r>
-              <a:rPr lang="en-US" altLang="zh-CN" sz="2000" dirty="0"/>
+              <a:rPr lang="en-US" altLang="zh-CN" sz="2400" dirty="0"/>
               <a:t>shell</a:t>
             </a:r>
             <a:r>
-              <a:rPr lang="zh-CN" altLang="en-US" sz="2000" dirty="0"/>
+              <a:rPr lang="zh-CN" altLang="en-US" sz="2400" dirty="0"/>
               <a:t>环境。</a:t>
             </a:r>
-            <a:endParaRPr lang="en-US" altLang="zh-CN" sz="2000" dirty="0"/>
+            <a:endParaRPr lang="en-US" altLang="zh-CN" sz="2400" dirty="0"/>
           </a:p>
           <a:p>
             <a:pPr marL="0" indent="0">
@@ -8349,7 +8258,7 @@
               </a:lnSpc>
               <a:buNone/>
             </a:pPr>
-            <a:endParaRPr lang="en-US" altLang="zh-CN" sz="2000" dirty="0"/>
+            <a:endParaRPr lang="en-US" altLang="zh-CN" sz="2400" dirty="0"/>
           </a:p>
         </p:txBody>
       </p:sp>
@@ -8429,41 +8338,43 @@
         </p:nvSpPr>
         <p:spPr/>
         <p:txBody>
-          <a:bodyPr/>
+          <a:bodyPr>
+            <a:normAutofit/>
+          </a:bodyPr>
           <a:lstStyle/>
           <a:p>
             <a:r>
-              <a:rPr lang="en-US" altLang="zh-CN" sz="2000" dirty="0"/>
+              <a:rPr lang="en-US" altLang="zh-CN" sz="2400" dirty="0"/>
               <a:t>shell</a:t>
             </a:r>
             <a:r>
-              <a:rPr lang="zh-CN" altLang="en-US" sz="2000" dirty="0"/>
+              <a:rPr lang="zh-CN" altLang="en-US" sz="2400" dirty="0"/>
               <a:t>支持算术运算，并且</a:t>
             </a:r>
             <a:r>
-              <a:rPr lang="en-US" altLang="zh-CN" sz="2000" dirty="0"/>
+              <a:rPr lang="en-US" altLang="zh-CN" sz="2400" dirty="0"/>
               <a:t>shell</a:t>
             </a:r>
             <a:r>
-              <a:rPr lang="zh-CN" altLang="en-US" sz="2000" dirty="0"/>
+              <a:rPr lang="zh-CN" altLang="en-US" sz="2400" dirty="0"/>
               <a:t>会对</a:t>
             </a:r>
             <a:r>
-              <a:rPr lang="en-US" altLang="zh-CN" sz="2000" dirty="0"/>
+              <a:rPr lang="en-US" altLang="zh-CN" sz="2400" dirty="0"/>
               <a:t>$((····))</a:t>
             </a:r>
             <a:r>
-              <a:rPr lang="zh-CN" altLang="en-US" sz="2000" dirty="0"/>
+              <a:rPr lang="zh-CN" altLang="en-US" sz="2400" dirty="0"/>
               <a:t>里的算数表达式进行运算。</a:t>
             </a:r>
-            <a:endParaRPr lang="en-US" altLang="zh-CN" sz="2000" dirty="0"/>
+            <a:endParaRPr lang="en-US" altLang="zh-CN" sz="2400" dirty="0"/>
           </a:p>
           <a:p>
             <a:pPr marL="914400" lvl="2" indent="0">
               <a:buNone/>
             </a:pPr>
             <a:r>
-              <a:rPr lang="en-US" altLang="zh-CN" dirty="0"/>
+              <a:rPr lang="en-US" altLang="zh-CN" sz="2400" dirty="0"/>
               <a:t>a=12;b=14</a:t>
             </a:r>
           </a:p>
@@ -8471,14 +8382,14 @@
             <a:pPr marL="914400" lvl="2" indent="0">
               <a:buNone/>
             </a:pPr>
-            <a:endParaRPr lang="en-US" altLang="zh-CN" dirty="0"/>
+            <a:endParaRPr lang="en-US" altLang="zh-CN" sz="2400" dirty="0"/>
           </a:p>
           <a:p>
             <a:pPr marL="914400" lvl="2" indent="0">
               <a:buNone/>
             </a:pPr>
             <a:r>
-              <a:rPr lang="en-US" altLang="zh-CN" dirty="0"/>
+              <a:rPr lang="en-US" altLang="zh-CN" sz="2400" dirty="0"/>
               <a:t>x=$(($a+$b))</a:t>
             </a:r>
           </a:p>
@@ -8486,14 +8397,14 @@
             <a:pPr marL="914400" lvl="2" indent="0">
               <a:buNone/>
             </a:pPr>
-            <a:endParaRPr lang="en-US" altLang="zh-CN" dirty="0"/>
+            <a:endParaRPr lang="en-US" altLang="zh-CN" sz="2400" dirty="0"/>
           </a:p>
           <a:p>
             <a:pPr marL="914400" lvl="2" indent="0">
               <a:buNone/>
             </a:pPr>
             <a:r>
-              <a:rPr lang="en-US" altLang="zh-CN" dirty="0"/>
+              <a:rPr lang="en-US" altLang="zh-CN" sz="2400" dirty="0"/>
               <a:t>echo  $x</a:t>
             </a:r>
           </a:p>
@@ -8502,70 +8413,70 @@
               <a:buNone/>
             </a:pPr>
             <a:r>
-              <a:rPr lang="zh-CN" altLang="en-US" dirty="0"/>
+              <a:rPr lang="zh-CN" altLang="en-US" sz="2400" dirty="0"/>
               <a:t>如果</a:t>
             </a:r>
             <a:r>
-              <a:rPr lang="en-US" altLang="zh-CN" dirty="0"/>
+              <a:rPr lang="en-US" altLang="zh-CN" sz="2400" dirty="0"/>
               <a:t>b=12a</a:t>
             </a:r>
             <a:r>
-              <a:rPr lang="zh-CN" altLang="en-US" dirty="0"/>
+              <a:rPr lang="zh-CN" altLang="en-US" sz="2400" dirty="0"/>
               <a:t>，此时会报错，但是如果以字母开头的文本，比如</a:t>
             </a:r>
             <a:r>
-              <a:rPr lang="en-US" altLang="zh-CN" dirty="0"/>
+              <a:rPr lang="en-US" altLang="zh-CN" sz="2400" dirty="0"/>
               <a:t>b=a12</a:t>
             </a:r>
             <a:r>
-              <a:rPr lang="zh-CN" altLang="en-US" dirty="0"/>
+              <a:rPr lang="zh-CN" altLang="en-US" sz="2400" dirty="0"/>
               <a:t>，则</a:t>
             </a:r>
             <a:r>
-              <a:rPr lang="en-US" altLang="zh-CN" dirty="0"/>
+              <a:rPr lang="en-US" altLang="zh-CN" sz="2400" dirty="0"/>
               <a:t>x=$(($a+$b))</a:t>
             </a:r>
             <a:r>
-              <a:rPr lang="zh-CN" altLang="en-US" dirty="0"/>
+              <a:rPr lang="zh-CN" altLang="en-US" sz="2400" dirty="0"/>
               <a:t>则直接就计算为</a:t>
             </a:r>
             <a:r>
-              <a:rPr lang="en-US" altLang="zh-CN" dirty="0"/>
+              <a:rPr lang="en-US" altLang="zh-CN" sz="2400" dirty="0"/>
               <a:t>a</a:t>
             </a:r>
             <a:r>
-              <a:rPr lang="zh-CN" altLang="en-US" dirty="0"/>
+              <a:rPr lang="zh-CN" altLang="en-US" sz="2400" dirty="0"/>
               <a:t>的数值，</a:t>
             </a:r>
             <a:r>
-              <a:rPr lang="en-US" altLang="zh-CN" dirty="0"/>
+              <a:rPr lang="en-US" altLang="zh-CN" sz="2400" dirty="0"/>
               <a:t>b</a:t>
             </a:r>
             <a:r>
-              <a:rPr lang="zh-CN" altLang="en-US" dirty="0"/>
+              <a:rPr lang="zh-CN" altLang="en-US" sz="2400" dirty="0"/>
               <a:t>转成数字为</a:t>
             </a:r>
             <a:r>
-              <a:rPr lang="en-US" altLang="zh-CN" dirty="0"/>
+              <a:rPr lang="en-US" altLang="zh-CN" sz="2400" dirty="0"/>
               <a:t>0</a:t>
             </a:r>
             <a:r>
-              <a:rPr lang="zh-CN" altLang="en-US" dirty="0"/>
+              <a:rPr lang="zh-CN" altLang="en-US" sz="2400" dirty="0"/>
               <a:t>。</a:t>
             </a:r>
-            <a:endParaRPr lang="en-US" altLang="zh-CN" dirty="0"/>
+            <a:endParaRPr lang="en-US" altLang="zh-CN" sz="2400" dirty="0"/>
           </a:p>
           <a:p>
             <a:pPr marL="914400" lvl="2" indent="0">
               <a:buNone/>
             </a:pPr>
-            <a:endParaRPr lang="en-US" altLang="zh-CN" dirty="0"/>
+            <a:endParaRPr lang="en-US" altLang="zh-CN" sz="2400" dirty="0"/>
           </a:p>
           <a:p>
             <a:pPr marL="0" indent="0">
               <a:buNone/>
             </a:pPr>
-            <a:endParaRPr lang="en-US" altLang="zh-CN" sz="2000" dirty="0"/>
+            <a:endParaRPr lang="en-US" altLang="zh-CN" sz="2400" dirty="0"/>
           </a:p>
         </p:txBody>
       </p:sp>
@@ -8646,133 +8557,127 @@
         <p:spPr/>
         <p:txBody>
           <a:bodyPr>
-            <a:normAutofit/>
+            <a:noAutofit/>
           </a:bodyPr>
           <a:lstStyle/>
           <a:p>
             <a:r>
-              <a:rPr lang="zh-CN" altLang="en-US" sz="2000" dirty="0"/>
+              <a:rPr lang="zh-CN" altLang="en-US" sz="2400" dirty="0"/>
               <a:t>逻辑运算：</a:t>
             </a:r>
             <a:r>
-              <a:rPr lang="en-US" altLang="zh-CN" sz="2000" dirty="0"/>
+              <a:rPr lang="en-US" altLang="zh-CN" sz="2400" dirty="0"/>
               <a:t>&amp;&amp;</a:t>
             </a:r>
             <a:r>
-              <a:rPr lang="zh-CN" altLang="en-US" sz="2000" dirty="0"/>
+              <a:rPr lang="zh-CN" altLang="en-US" sz="2400" dirty="0"/>
               <a:t>，</a:t>
             </a:r>
             <a:r>
-              <a:rPr lang="en-US" altLang="zh-CN" sz="2000" dirty="0"/>
+              <a:rPr lang="en-US" altLang="zh-CN" sz="2400" dirty="0"/>
               <a:t>||</a:t>
             </a:r>
             <a:r>
-              <a:rPr lang="zh-CN" altLang="en-US" sz="2000" dirty="0"/>
+              <a:rPr lang="zh-CN" altLang="en-US" sz="2400" dirty="0"/>
               <a:t>， </a:t>
             </a:r>
             <a:r>
-              <a:rPr lang="en-US" altLang="zh-CN" sz="2000" dirty="0"/>
+              <a:rPr lang="en-US" altLang="zh-CN" sz="2400" dirty="0"/>
               <a:t>!</a:t>
             </a:r>
             <a:r>
-              <a:rPr lang="zh-CN" altLang="en-US" sz="2000" dirty="0"/>
+              <a:rPr lang="zh-CN" altLang="en-US" sz="2400" dirty="0"/>
               <a:t>。分别是</a:t>
             </a:r>
             <a:r>
-              <a:rPr lang="en-US" altLang="zh-CN" sz="2000" dirty="0"/>
+              <a:rPr lang="en-US" altLang="zh-CN" sz="2400" dirty="0"/>
               <a:t>AND</a:t>
             </a:r>
             <a:r>
-              <a:rPr lang="zh-CN" altLang="en-US" sz="2000" dirty="0"/>
+              <a:rPr lang="zh-CN" altLang="en-US" sz="2400" dirty="0"/>
               <a:t>，</a:t>
             </a:r>
             <a:r>
-              <a:rPr lang="en-US" altLang="zh-CN" sz="2000" dirty="0"/>
+              <a:rPr lang="en-US" altLang="zh-CN" sz="2400" dirty="0"/>
               <a:t>OR</a:t>
             </a:r>
             <a:r>
-              <a:rPr lang="zh-CN" altLang="en-US" sz="2000" dirty="0"/>
+              <a:rPr lang="zh-CN" altLang="en-US" sz="2400" dirty="0"/>
               <a:t>，</a:t>
             </a:r>
             <a:r>
-              <a:rPr lang="en-US" altLang="zh-CN" sz="2000" dirty="0"/>
+              <a:rPr lang="en-US" altLang="zh-CN" sz="2400" dirty="0"/>
               <a:t>NOT</a:t>
             </a:r>
             <a:r>
-              <a:rPr lang="zh-CN" altLang="en-US" sz="2000" dirty="0"/>
+              <a:rPr lang="zh-CN" altLang="en-US" sz="2400" dirty="0"/>
               <a:t>。</a:t>
             </a:r>
-            <a:endParaRPr lang="en-US" altLang="zh-CN" sz="2000" dirty="0"/>
-          </a:p>
-          <a:p>
-            <a:endParaRPr lang="en-US" altLang="zh-CN" sz="2000" dirty="0"/>
-          </a:p>
-          <a:p>
-            <a:r>
-              <a:rPr lang="zh-CN" altLang="en-US" sz="2000" dirty="0"/>
+            <a:endParaRPr lang="en-US" altLang="zh-CN" sz="2400" dirty="0"/>
+          </a:p>
+          <a:p>
+            <a:r>
+              <a:rPr lang="zh-CN" altLang="en-US" sz="2400" dirty="0"/>
               <a:t>对逻辑运算来说，任何非</a:t>
             </a:r>
             <a:r>
-              <a:rPr lang="en-US" altLang="zh-CN" sz="2000" dirty="0"/>
+              <a:rPr lang="en-US" altLang="zh-CN" sz="2400" dirty="0"/>
               <a:t>0</a:t>
             </a:r>
             <a:r>
-              <a:rPr lang="zh-CN" altLang="en-US" sz="2000" dirty="0"/>
+              <a:rPr lang="zh-CN" altLang="en-US" sz="2400" dirty="0"/>
               <a:t>值都是真。</a:t>
             </a:r>
-            <a:endParaRPr lang="en-US" altLang="zh-CN" sz="2000" dirty="0"/>
-          </a:p>
-          <a:p>
-            <a:endParaRPr lang="en-US" altLang="zh-CN" sz="2000" dirty="0"/>
-          </a:p>
-          <a:p>
-            <a:r>
-              <a:rPr lang="zh-CN" altLang="en-US" sz="2000" dirty="0"/>
+            <a:endParaRPr lang="en-US" altLang="zh-CN" sz="2400" dirty="0"/>
+          </a:p>
+          <a:p>
+            <a:r>
+              <a:rPr lang="zh-CN" altLang="en-US" sz="2400" dirty="0"/>
               <a:t>示例：</a:t>
             </a:r>
             <a:r>
-              <a:rPr lang="en-US" altLang="zh-CN" sz="2000" dirty="0"/>
+              <a:rPr lang="en-US" altLang="zh-CN" sz="2400" dirty="0"/>
               <a:t>echo  $((1&amp;&amp;0))  ;  echo $(( 2 || 0))</a:t>
             </a:r>
           </a:p>
           <a:p>
-            <a:endParaRPr lang="en-US" altLang="zh-CN" sz="2000" dirty="0"/>
-          </a:p>
-          <a:p>
-            <a:r>
-              <a:rPr lang="zh-CN" altLang="en-US" sz="2000" dirty="0"/>
+            <a:endParaRPr lang="en-US" altLang="zh-CN" sz="2400" dirty="0"/>
+          </a:p>
+          <a:p>
+            <a:r>
+              <a:rPr lang="zh-CN" altLang="en-US" sz="2400" dirty="0"/>
               <a:t>非数字格式逻辑运算：</a:t>
             </a:r>
-            <a:endParaRPr lang="en-US" altLang="zh-CN" sz="2000" dirty="0"/>
+            <a:endParaRPr lang="en-US" altLang="zh-CN" sz="2400" dirty="0"/>
           </a:p>
           <a:p>
             <a:pPr marL="457200" lvl="1" indent="0">
               <a:buNone/>
             </a:pPr>
             <a:r>
-              <a:rPr lang="en-US" altLang="zh-CN" sz="1800" dirty="0"/>
+              <a:rPr lang="en-US" altLang="zh-CN" dirty="0"/>
               <a:t>b=</a:t>
             </a:r>
             <a:r>
-              <a:rPr lang="en-US" altLang="zh-CN" sz="1800" dirty="0" err="1"/>
+              <a:rPr lang="en-US" altLang="zh-CN" dirty="0" err="1"/>
               <a:t>abc</a:t>
             </a:r>
-            <a:endParaRPr lang="en-US" altLang="zh-CN" sz="1800" dirty="0"/>
+            <a:endParaRPr lang="en-US" altLang="zh-CN" dirty="0"/>
           </a:p>
           <a:p>
             <a:pPr marL="457200" lvl="1" indent="0">
               <a:buNone/>
             </a:pPr>
             <a:r>
-              <a:rPr lang="en-US" altLang="zh-CN" sz="1800" dirty="0"/>
+              <a:rPr lang="en-US" altLang="zh-CN" dirty="0"/>
               <a:t>echo  $(( 1 &amp;&amp; $b ))  //</a:t>
             </a:r>
             <a:r>
-              <a:rPr lang="zh-CN" altLang="en-US" sz="1800" dirty="0"/>
+              <a:rPr lang="zh-CN" altLang="en-US" dirty="0"/>
               <a:t>输出是</a:t>
             </a:r>
             <a:r>
-              <a:rPr lang="en-US" altLang="zh-CN" sz="1800" dirty="0"/>
+              <a:rPr lang="en-US" altLang="zh-CN" dirty="0"/>
               <a:t>0</a:t>
             </a:r>
           </a:p>
@@ -8781,15 +8686,15 @@
               <a:buNone/>
             </a:pPr>
             <a:r>
-              <a:rPr lang="en-US" altLang="zh-CN" sz="1800" dirty="0"/>
+              <a:rPr lang="en-US" altLang="zh-CN" dirty="0"/>
               <a:t>/</a:t>
             </a:r>
             <a:r>
-              <a:rPr lang="zh-CN" altLang="en-US" sz="1800" dirty="0"/>
+              <a:rPr lang="zh-CN" altLang="en-US" dirty="0"/>
               <a:t>*************</a:t>
             </a:r>
             <a:r>
-              <a:rPr lang="en-US" altLang="zh-CN" sz="1800" dirty="0"/>
+              <a:rPr lang="en-US" altLang="zh-CN" dirty="0"/>
               <a:t>/</a:t>
             </a:r>
           </a:p>
@@ -8798,7 +8703,7 @@
               <a:buNone/>
             </a:pPr>
             <a:r>
-              <a:rPr lang="en-US" altLang="zh-CN" sz="1800" dirty="0"/>
+              <a:rPr lang="en-US" altLang="zh-CN" dirty="0"/>
               <a:t>b=12a</a:t>
             </a:r>
           </a:p>
@@ -8807,17 +8712,17 @@
               <a:buNone/>
             </a:pPr>
             <a:r>
-              <a:rPr lang="en-US" altLang="zh-CN" sz="1800" dirty="0"/>
+              <a:rPr lang="en-US" altLang="zh-CN" dirty="0"/>
               <a:t>echo $(( 1 &amp;&amp; $b)) //</a:t>
             </a:r>
             <a:r>
-              <a:rPr lang="zh-CN" altLang="en-US" sz="1800" dirty="0"/>
+              <a:rPr lang="zh-CN" altLang="en-US" dirty="0"/>
               <a:t>提示错误</a:t>
             </a:r>
-            <a:endParaRPr lang="en-US" altLang="zh-CN" sz="1800" dirty="0"/>
-          </a:p>
-          <a:p>
-            <a:endParaRPr lang="zh-CN" altLang="en-US" sz="2000" dirty="0"/>
+            <a:endParaRPr lang="en-US" altLang="zh-CN" dirty="0"/>
+          </a:p>
+          <a:p>
+            <a:endParaRPr lang="zh-CN" altLang="en-US" sz="2400" dirty="0"/>
           </a:p>
         </p:txBody>
       </p:sp>
@@ -8897,101 +8802,146 @@
         </p:nvSpPr>
         <p:spPr/>
         <p:txBody>
-          <a:bodyPr/>
+          <a:bodyPr>
+            <a:normAutofit/>
+          </a:bodyPr>
           <a:lstStyle/>
           <a:p>
             <a:r>
-              <a:rPr lang="zh-CN" altLang="en-US" sz="2000" dirty="0"/>
+              <a:rPr lang="zh-CN" altLang="en-US" sz="2400" dirty="0"/>
               <a:t>环境变量是全局存在的，在任何</a:t>
             </a:r>
             <a:r>
-              <a:rPr lang="en-US" altLang="zh-CN" sz="2000" dirty="0"/>
+              <a:rPr lang="en-US" altLang="zh-CN" sz="2400" dirty="0"/>
               <a:t>shell</a:t>
             </a:r>
             <a:r>
-              <a:rPr lang="zh-CN" altLang="en-US" sz="2000" dirty="0"/>
+              <a:rPr lang="zh-CN" altLang="en-US" sz="2400" dirty="0"/>
               <a:t>脚本中都可以直接使用。</a:t>
             </a:r>
-            <a:endParaRPr lang="en-US" altLang="zh-CN" sz="2000" dirty="0"/>
-          </a:p>
-          <a:p>
-            <a:endParaRPr lang="en-US" altLang="zh-CN" sz="2000" dirty="0"/>
-          </a:p>
-          <a:p>
-            <a:r>
-              <a:rPr lang="zh-CN" altLang="en-US" sz="2000" dirty="0"/>
+            <a:endParaRPr lang="en-US" altLang="zh-CN" sz="2400" dirty="0"/>
+          </a:p>
+          <a:p>
+            <a:r>
+              <a:rPr lang="zh-CN" altLang="en-US" sz="2400" dirty="0"/>
               <a:t>使用</a:t>
             </a:r>
             <a:r>
-              <a:rPr lang="en-US" altLang="zh-CN" sz="2000" dirty="0" err="1"/>
+              <a:rPr lang="en-US" altLang="zh-CN" sz="2400" dirty="0" err="1"/>
               <a:t>env</a:t>
             </a:r>
             <a:r>
-              <a:rPr lang="zh-CN" altLang="en-US" sz="2000" dirty="0"/>
+              <a:rPr lang="zh-CN" altLang="en-US" sz="2400" dirty="0"/>
               <a:t>查看环境变量。</a:t>
             </a:r>
-            <a:endParaRPr lang="en-US" altLang="zh-CN" sz="2000" dirty="0"/>
+            <a:endParaRPr lang="en-US" altLang="zh-CN" sz="2400" dirty="0"/>
+          </a:p>
+          <a:p>
+            <a:r>
+              <a:rPr lang="en-US" altLang="zh-CN" sz="2400" dirty="0"/>
+              <a:t>export  a</a:t>
+            </a:r>
+            <a:r>
+              <a:rPr lang="zh-CN" altLang="en-US" sz="2400" dirty="0"/>
+              <a:t>：把变量放到环境变量，环境变量是一个名称与值的简单列表。</a:t>
+            </a:r>
+            <a:endParaRPr lang="en-US" altLang="zh-CN" sz="2400" dirty="0"/>
           </a:p>
           <a:p>
             <a:pPr marL="0" indent="0">
               <a:buNone/>
             </a:pPr>
-            <a:endParaRPr lang="en-US" altLang="zh-CN" sz="2000" dirty="0"/>
-          </a:p>
-          <a:p>
-            <a:r>
-              <a:rPr lang="en-US" altLang="zh-CN" sz="2000" dirty="0"/>
-              <a:t>export  a</a:t>
-            </a:r>
-            <a:r>
-              <a:rPr lang="zh-CN" altLang="en-US" sz="2000" dirty="0"/>
-              <a:t>：把变量放到环境变量，环境变量是一个名称与值的简单列表。</a:t>
-            </a:r>
-            <a:endParaRPr lang="en-US" altLang="zh-CN" sz="2000" dirty="0"/>
-          </a:p>
-          <a:p>
-            <a:pPr marL="0" indent="0">
+            <a:endParaRPr lang="en-US" altLang="zh-CN" sz="2400" dirty="0"/>
+          </a:p>
+          <a:p>
+            <a:r>
+              <a:rPr lang="zh-CN" altLang="en-US" sz="2400" dirty="0"/>
+              <a:t>创建脚本</a:t>
+            </a:r>
+            <a:r>
+              <a:rPr lang="en-US" altLang="zh-CN" sz="2400" dirty="0"/>
+              <a:t>vartest.sh</a:t>
+            </a:r>
+            <a:r>
+              <a:rPr lang="zh-CN" altLang="en-US" sz="2400" dirty="0"/>
+              <a:t>写入以下代码，保存并设置可执行权限，查看运行结果：</a:t>
+            </a:r>
+            <a:endParaRPr lang="en-US" altLang="zh-CN" sz="2400" dirty="0"/>
+          </a:p>
+          <a:p>
+            <a:pPr marL="457200" lvl="1" indent="0">
               <a:buNone/>
             </a:pPr>
-            <a:endParaRPr lang="en-US" altLang="zh-CN" sz="2000" dirty="0"/>
-          </a:p>
-          <a:p>
-            <a:r>
-              <a:rPr lang="zh-CN" altLang="en-US" sz="2000" dirty="0"/>
-              <a:t>创建脚本</a:t>
-            </a:r>
-            <a:r>
-              <a:rPr lang="en-US" altLang="zh-CN" sz="2000" dirty="0"/>
-              <a:t>vartest.sh</a:t>
-            </a:r>
-            <a:r>
-              <a:rPr lang="zh-CN" altLang="en-US" sz="2000"/>
-              <a:t>写入以下代码，保存并设置可执行权限，查看运行结果：</a:t>
-            </a:r>
-            <a:endParaRPr lang="en-US" altLang="zh-CN" sz="2000" dirty="0"/>
+            <a:r>
+              <a:rPr lang="en-US" altLang="zh-CN" dirty="0"/>
+              <a:t>a=`</a:t>
+            </a:r>
+            <a:r>
+              <a:rPr lang="en-US" altLang="zh-CN" dirty="0" err="1"/>
+              <a:t>env</a:t>
+            </a:r>
+            <a:r>
+              <a:rPr lang="en-US" altLang="zh-CN" dirty="0"/>
+              <a:t> | grep  </a:t>
+            </a:r>
+            <a:r>
+              <a:rPr lang="en-US" altLang="zh-CN" dirty="0" err="1"/>
+              <a:t>linux</a:t>
+            </a:r>
+            <a:r>
+              <a:rPr lang="en-US" altLang="zh-CN" dirty="0"/>
+              <a:t>`</a:t>
+            </a:r>
           </a:p>
           <a:p>
             <a:pPr marL="457200" lvl="1" indent="0">
               <a:buNone/>
             </a:pPr>
             <a:r>
-              <a:rPr lang="en-US" altLang="zh-CN" sz="1800" dirty="0"/>
-              <a:t>a=`</a:t>
-            </a:r>
-            <a:r>
-              <a:rPr lang="en-US" altLang="zh-CN" sz="1800" dirty="0" err="1"/>
+              <a:rPr lang="en-US" altLang="zh-CN" dirty="0" err="1"/>
+              <a:t>linux</a:t>
+            </a:r>
+            <a:r>
+              <a:rPr lang="en-US" altLang="zh-CN" dirty="0"/>
+              <a:t>=1</a:t>
+            </a:r>
+          </a:p>
+          <a:p>
+            <a:pPr marL="457200" lvl="1" indent="0">
+              <a:buNone/>
+            </a:pPr>
+            <a:r>
+              <a:rPr lang="en-US" altLang="zh-CN" dirty="0"/>
+              <a:t>export </a:t>
+            </a:r>
+            <a:r>
+              <a:rPr lang="en-US" altLang="zh-CN" dirty="0" err="1"/>
+              <a:t>linux</a:t>
+            </a:r>
+            <a:endParaRPr lang="en-US" altLang="zh-CN" dirty="0"/>
+          </a:p>
+          <a:p>
+            <a:pPr marL="457200" lvl="1" indent="0">
+              <a:buNone/>
+            </a:pPr>
+            <a:r>
+              <a:rPr lang="en-US" altLang="zh-CN" dirty="0"/>
+              <a:t>b=`</a:t>
+            </a:r>
+            <a:r>
+              <a:rPr lang="en-US" altLang="zh-CN" dirty="0" err="1"/>
               <a:t>env</a:t>
             </a:r>
             <a:r>
-              <a:rPr lang="en-US" altLang="zh-CN" sz="1800" dirty="0"/>
-              <a:t> | grep  </a:t>
-            </a:r>
-            <a:r>
-              <a:rPr lang="en-US" altLang="zh-CN" sz="1800" dirty="0" err="1"/>
+              <a:rPr lang="en-US" altLang="zh-CN" dirty="0"/>
+              <a:t> | grep </a:t>
+            </a:r>
+            <a:r>
+              <a:rPr lang="en-US" altLang="zh-CN" dirty="0" err="1"/>
               <a:t>linux</a:t>
             </a:r>
             <a:r>
-              <a:rPr lang="en-US" altLang="zh-CN" sz="1800" dirty="0"/>
+              <a:rPr lang="en-US" altLang="zh-CN" dirty="0"/>
               <a:t>`</a:t>
             </a:r>
           </a:p>
@@ -9000,12 +8950,16 @@
               <a:buNone/>
             </a:pPr>
             <a:r>
-              <a:rPr lang="en-US" altLang="zh-CN" sz="1800" dirty="0" err="1"/>
-              <a:t>linux</a:t>
-            </a:r>
-            <a:r>
-              <a:rPr lang="en-US" altLang="zh-CN" sz="1800" dirty="0"/>
-              <a:t>=1</a:t>
+              <a:rPr lang="en-US" altLang="zh-CN" dirty="0"/>
+              <a:t>echo “a :</a:t>
+            </a:r>
+            <a:r>
+              <a:rPr lang="zh-CN" altLang="en-US" dirty="0"/>
+              <a:t> </a:t>
+            </a:r>
+            <a:r>
+              <a:rPr lang="en-US" altLang="zh-CN" dirty="0"/>
+              <a:t>$a”</a:t>
             </a:r>
           </a:p>
           <a:p>
@@ -9013,77 +8967,9 @@
               <a:buNone/>
             </a:pPr>
             <a:r>
-              <a:rPr lang="en-US" altLang="zh-CN" sz="1800" dirty="0"/>
-              <a:t>export </a:t>
-            </a:r>
-            <a:r>
-              <a:rPr lang="en-US" altLang="zh-CN" sz="1800" dirty="0" err="1"/>
-              <a:t>linux</a:t>
-            </a:r>
-            <a:endParaRPr lang="en-US" altLang="zh-CN" sz="1800" dirty="0"/>
-          </a:p>
-          <a:p>
-            <a:pPr marL="457200" lvl="1" indent="0">
-              <a:buNone/>
-            </a:pPr>
-            <a:r>
-              <a:rPr lang="en-US" altLang="zh-CN" sz="1800" dirty="0"/>
-              <a:t>b=`</a:t>
-            </a:r>
-            <a:r>
-              <a:rPr lang="en-US" altLang="zh-CN" sz="1800" dirty="0" err="1"/>
-              <a:t>env</a:t>
-            </a:r>
-            <a:r>
-              <a:rPr lang="en-US" altLang="zh-CN" sz="1800" dirty="0"/>
-              <a:t> | grep </a:t>
-            </a:r>
-            <a:r>
-              <a:rPr lang="en-US" altLang="zh-CN" sz="1800" dirty="0" err="1"/>
-              <a:t>linux</a:t>
-            </a:r>
-            <a:r>
-              <a:rPr lang="en-US" altLang="zh-CN" sz="1800" dirty="0"/>
-              <a:t>`</a:t>
-            </a:r>
-          </a:p>
-          <a:p>
-            <a:pPr marL="457200" lvl="1" indent="0">
-              <a:buNone/>
-            </a:pPr>
-            <a:r>
-              <a:rPr lang="en-US" altLang="zh-CN" sz="1800" dirty="0"/>
-              <a:t>echo “a :</a:t>
-            </a:r>
-            <a:r>
-              <a:rPr lang="zh-CN" altLang="en-US" sz="1800" dirty="0"/>
-              <a:t> </a:t>
-            </a:r>
-            <a:r>
-              <a:rPr lang="en-US" altLang="zh-CN" sz="1800" dirty="0"/>
-              <a:t>$a”</a:t>
-            </a:r>
-          </a:p>
-          <a:p>
-            <a:pPr marL="457200" lvl="1" indent="0">
-              <a:buNone/>
-            </a:pPr>
-            <a:r>
-              <a:rPr lang="en-US" altLang="zh-CN" sz="1800" dirty="0"/>
+              <a:rPr lang="en-US" altLang="zh-CN" dirty="0"/>
               <a:t>echo “b : $b”</a:t>
             </a:r>
-          </a:p>
-          <a:p>
-            <a:pPr marL="457200" lvl="1" indent="0">
-              <a:buNone/>
-            </a:pPr>
-            <a:endParaRPr lang="en-US" altLang="zh-CN" sz="1800" dirty="0"/>
-          </a:p>
-          <a:p>
-            <a:pPr marL="457200" lvl="1" indent="0">
-              <a:buNone/>
-            </a:pPr>
-            <a:endParaRPr lang="en-US" altLang="zh-CN" sz="1800" dirty="0"/>
           </a:p>
         </p:txBody>
       </p:sp>
@@ -9175,23 +9061,23 @@
               </a:lnSpc>
             </a:pPr>
             <a:r>
-              <a:rPr lang="en-US" altLang="zh-CN" sz="2000" dirty="0"/>
+              <a:rPr lang="en-US" altLang="zh-CN" sz="2400" dirty="0"/>
               <a:t>test</a:t>
             </a:r>
             <a:r>
-              <a:rPr lang="zh-CN" altLang="en-US" sz="2000" dirty="0"/>
+              <a:rPr lang="zh-CN" altLang="en-US" sz="2400" dirty="0"/>
               <a:t>是</a:t>
             </a:r>
             <a:r>
-              <a:rPr lang="en-US" altLang="zh-CN" sz="2000" dirty="0"/>
+              <a:rPr lang="en-US" altLang="zh-CN" sz="2400" dirty="0"/>
               <a:t>shell</a:t>
             </a:r>
             <a:r>
-              <a:rPr lang="zh-CN" altLang="en-US" sz="2000" dirty="0"/>
+              <a:rPr lang="zh-CN" altLang="en-US" sz="2400" dirty="0"/>
               <a:t>内建命令，可以处理脚本里的各类工作，</a:t>
             </a:r>
             <a:r>
-              <a:rPr lang="zh-CN" altLang="en-US" sz="2000" dirty="0">
+              <a:rPr lang="zh-CN" altLang="en-US" sz="2400" dirty="0">
                 <a:solidFill>
                   <a:schemeClr val="accent2">
                     <a:lumMod val="50000"/>
@@ -9201,18 +9087,18 @@
               <a:t>产生的不是一般形式的输出，而是可用的退出状态</a:t>
             </a:r>
             <a:r>
-              <a:rPr lang="zh-CN" altLang="en-US" sz="2000" dirty="0"/>
+              <a:rPr lang="zh-CN" altLang="en-US" sz="2400" dirty="0"/>
               <a:t>。使用</a:t>
             </a:r>
             <a:r>
-              <a:rPr lang="en-US" altLang="zh-CN" sz="2000" dirty="0"/>
+              <a:rPr lang="en-US" altLang="zh-CN" sz="2400" dirty="0"/>
               <a:t>help  test</a:t>
             </a:r>
             <a:r>
-              <a:rPr lang="zh-CN" altLang="en-US" sz="2000" dirty="0"/>
+              <a:rPr lang="zh-CN" altLang="en-US" sz="2400" dirty="0"/>
               <a:t>查看帮助文档。</a:t>
             </a:r>
-            <a:endParaRPr lang="en-US" altLang="zh-CN" sz="2000" dirty="0"/>
+            <a:endParaRPr lang="en-US" altLang="zh-CN" sz="2400" dirty="0"/>
           </a:p>
           <a:p>
             <a:pPr>
@@ -9221,54 +9107,54 @@
               </a:lnSpc>
             </a:pPr>
             <a:r>
-              <a:rPr lang="en-US" altLang="zh-CN" sz="2000" dirty="0"/>
+              <a:rPr lang="en-US" altLang="zh-CN" sz="2400" dirty="0"/>
               <a:t>test</a:t>
             </a:r>
             <a:r>
-              <a:rPr lang="zh-CN" altLang="en-US" sz="2000" dirty="0"/>
+              <a:rPr lang="zh-CN" altLang="en-US" sz="2400" dirty="0"/>
               <a:t>命令有其他形式：</a:t>
             </a:r>
             <a:r>
-              <a:rPr lang="en-US" altLang="zh-CN" sz="2000" dirty="0"/>
+              <a:rPr lang="en-US" altLang="zh-CN" sz="2400" dirty="0"/>
               <a:t>[······]</a:t>
             </a:r>
             <a:r>
-              <a:rPr lang="zh-CN" altLang="en-US" sz="2000" dirty="0"/>
+              <a:rPr lang="zh-CN" altLang="en-US" sz="2400" dirty="0"/>
               <a:t>，</a:t>
             </a:r>
             <a:r>
-              <a:rPr lang="en-US" altLang="zh-CN" sz="2000" dirty="0"/>
+              <a:rPr lang="en-US" altLang="zh-CN" sz="2400" dirty="0"/>
               <a:t>[[······]]</a:t>
             </a:r>
             <a:r>
-              <a:rPr lang="zh-CN" altLang="en-US" sz="2000" dirty="0"/>
+              <a:rPr lang="zh-CN" altLang="en-US" sz="2400" dirty="0"/>
               <a:t>。当在</a:t>
             </a:r>
             <a:r>
-              <a:rPr lang="en-US" altLang="zh-CN" sz="2000" dirty="0"/>
+              <a:rPr lang="en-US" altLang="zh-CN" sz="2400" dirty="0"/>
               <a:t>[ ]</a:t>
             </a:r>
             <a:r>
-              <a:rPr lang="zh-CN" altLang="en-US" sz="2000" dirty="0"/>
+              <a:rPr lang="zh-CN" altLang="en-US" sz="2400" dirty="0"/>
               <a:t>中使用</a:t>
             </a:r>
             <a:r>
-              <a:rPr lang="en-US" altLang="zh-CN" sz="2000" dirty="0"/>
+              <a:rPr lang="en-US" altLang="zh-CN" sz="2400" dirty="0"/>
               <a:t>&amp;&amp; || </a:t>
             </a:r>
             <a:r>
-              <a:rPr lang="zh-CN" altLang="en-US" sz="2000" dirty="0"/>
+              <a:rPr lang="zh-CN" altLang="en-US" sz="2400" dirty="0"/>
               <a:t>会出错，这时候要使用</a:t>
             </a:r>
             <a:r>
-              <a:rPr lang="en-US" altLang="zh-CN" sz="2000" dirty="0"/>
+              <a:rPr lang="en-US" altLang="zh-CN" sz="2400" dirty="0"/>
               <a:t>[[ ]]</a:t>
             </a:r>
             <a:r>
-              <a:rPr lang="zh-CN" altLang="en-US" sz="2000" dirty="0"/>
+              <a:rPr lang="zh-CN" altLang="en-US" sz="2400" dirty="0"/>
               <a:t>。</a:t>
             </a:r>
-            <a:endParaRPr lang="en-US" altLang="zh-CN" sz="2000" dirty="0"/>
+            <a:endParaRPr lang="en-US" altLang="zh-CN" sz="2400" dirty="0"/>
           </a:p>
           <a:p>
             <a:pPr>
@@ -9276,7 +9162,187 @@
                 <a:spcPct val="120000"/>
               </a:lnSpc>
             </a:pPr>
-            <a:endParaRPr lang="en-US" altLang="zh-CN" sz="2000" dirty="0"/>
+            <a:r>
+              <a:rPr lang="en-US" altLang="zh-CN" sz="2400" dirty="0"/>
+              <a:t>test</a:t>
+            </a:r>
+            <a:r>
+              <a:rPr lang="zh-CN" altLang="en-US" sz="2400" dirty="0"/>
+              <a:t>返回</a:t>
+            </a:r>
+            <a:r>
+              <a:rPr lang="en-US" altLang="zh-CN" sz="2400" dirty="0"/>
+              <a:t>true</a:t>
+            </a:r>
+            <a:r>
+              <a:rPr lang="zh-CN" altLang="en-US" sz="2400" dirty="0"/>
+              <a:t>或</a:t>
+            </a:r>
+            <a:r>
+              <a:rPr lang="en-US" altLang="zh-CN" sz="2400" dirty="0"/>
+              <a:t>false</a:t>
+            </a:r>
+            <a:r>
+              <a:rPr lang="zh-CN" altLang="en-US" sz="2400" dirty="0"/>
+              <a:t>，但是</a:t>
+            </a:r>
+            <a:r>
+              <a:rPr lang="en-US" altLang="zh-CN" sz="2400" dirty="0"/>
+              <a:t>test</a:t>
+            </a:r>
+            <a:r>
+              <a:rPr lang="zh-CN" altLang="en-US" sz="2400" dirty="0"/>
+              <a:t>返回的</a:t>
+            </a:r>
+            <a:r>
+              <a:rPr lang="en-US" altLang="zh-CN" sz="2400" dirty="0"/>
+              <a:t>true</a:t>
+            </a:r>
+            <a:r>
+              <a:rPr lang="zh-CN" altLang="en-US" sz="2400" dirty="0"/>
+              <a:t>是</a:t>
+            </a:r>
+            <a:r>
+              <a:rPr lang="en-US" altLang="zh-CN" sz="2400" dirty="0"/>
+              <a:t>0</a:t>
+            </a:r>
+            <a:r>
+              <a:rPr lang="zh-CN" altLang="en-US" sz="2400" dirty="0"/>
+              <a:t>，</a:t>
+            </a:r>
+            <a:r>
+              <a:rPr lang="en-US" altLang="zh-CN" sz="2400" dirty="0"/>
+              <a:t>false</a:t>
+            </a:r>
+            <a:r>
+              <a:rPr lang="zh-CN" altLang="en-US" sz="2400" dirty="0"/>
+              <a:t>是</a:t>
+            </a:r>
+            <a:r>
+              <a:rPr lang="en-US" altLang="zh-CN" sz="2400" dirty="0"/>
+              <a:t>1</a:t>
+            </a:r>
+            <a:r>
+              <a:rPr lang="zh-CN" altLang="en-US" sz="2400" dirty="0"/>
+              <a:t>，这和通常的编程语言定义的</a:t>
+            </a:r>
+            <a:r>
+              <a:rPr lang="en-US" altLang="zh-CN" sz="2400" dirty="0"/>
+              <a:t>true</a:t>
+            </a:r>
+            <a:r>
+              <a:rPr lang="zh-CN" altLang="en-US" sz="2400" dirty="0"/>
+              <a:t>是</a:t>
+            </a:r>
+            <a:r>
+              <a:rPr lang="en-US" altLang="zh-CN" sz="2400" dirty="0"/>
+              <a:t>1</a:t>
+            </a:r>
+            <a:r>
+              <a:rPr lang="zh-CN" altLang="en-US" sz="2400" dirty="0"/>
+              <a:t>（或非</a:t>
+            </a:r>
+            <a:r>
+              <a:rPr lang="en-US" altLang="zh-CN" sz="2400" dirty="0"/>
+              <a:t>0</a:t>
+            </a:r>
+            <a:r>
+              <a:rPr lang="zh-CN" altLang="en-US" sz="2400" dirty="0"/>
+              <a:t>值），</a:t>
+            </a:r>
+            <a:r>
+              <a:rPr lang="en-US" altLang="zh-CN" sz="2400" dirty="0"/>
+              <a:t>false</a:t>
+            </a:r>
+            <a:r>
+              <a:rPr lang="zh-CN" altLang="en-US" sz="2400" dirty="0"/>
+              <a:t>是</a:t>
+            </a:r>
+            <a:r>
+              <a:rPr lang="en-US" altLang="zh-CN" sz="2400" dirty="0"/>
+              <a:t>0</a:t>
+            </a:r>
+            <a:r>
+              <a:rPr lang="zh-CN" altLang="en-US" sz="2400" dirty="0"/>
+              <a:t>有所区别。</a:t>
+            </a:r>
+            <a:r>
+              <a:rPr lang="zh-CN" altLang="en-US" sz="2400" dirty="0">
+                <a:solidFill>
+                  <a:srgbClr val="C00000"/>
+                </a:solidFill>
+              </a:rPr>
+              <a:t>（</a:t>
+            </a:r>
+            <a:r>
+              <a:rPr lang="en-US" altLang="zh-CN" sz="2400" dirty="0">
+                <a:solidFill>
+                  <a:srgbClr val="C00000"/>
+                </a:solidFill>
+              </a:rPr>
+              <a:t>Linux/Unix</a:t>
+            </a:r>
+            <a:r>
+              <a:rPr lang="zh-CN" altLang="en-US" sz="2400" dirty="0">
+                <a:solidFill>
+                  <a:srgbClr val="C00000"/>
+                </a:solidFill>
+              </a:rPr>
+              <a:t>上程序退出状态为</a:t>
+            </a:r>
+            <a:r>
+              <a:rPr lang="en-US" altLang="zh-CN" sz="2400" dirty="0">
+                <a:solidFill>
+                  <a:srgbClr val="C00000"/>
+                </a:solidFill>
+              </a:rPr>
+              <a:t>0</a:t>
+            </a:r>
+            <a:r>
+              <a:rPr lang="zh-CN" altLang="en-US" sz="2400" dirty="0">
+                <a:solidFill>
+                  <a:srgbClr val="C00000"/>
+                </a:solidFill>
+              </a:rPr>
+              <a:t>表示</a:t>
+            </a:r>
+            <a:r>
+              <a:rPr lang="en-US" altLang="zh-CN" sz="2400" dirty="0">
+                <a:solidFill>
+                  <a:srgbClr val="C00000"/>
+                </a:solidFill>
+              </a:rPr>
+              <a:t>0</a:t>
+            </a:r>
+            <a:r>
+              <a:rPr lang="zh-CN" altLang="en-US" sz="2400" dirty="0">
+                <a:solidFill>
+                  <a:srgbClr val="C00000"/>
+                </a:solidFill>
+              </a:rPr>
+              <a:t>错误正确执行，而非</a:t>
+            </a:r>
+            <a:r>
+              <a:rPr lang="en-US" altLang="zh-CN" sz="2400" dirty="0">
+                <a:solidFill>
+                  <a:srgbClr val="C00000"/>
+                </a:solidFill>
+              </a:rPr>
+              <a:t>0</a:t>
+            </a:r>
+            <a:r>
+              <a:rPr lang="zh-CN" altLang="en-US" sz="2400" dirty="0">
+                <a:solidFill>
+                  <a:srgbClr val="C00000"/>
+                </a:solidFill>
+              </a:rPr>
+              <a:t>值表示有错。）</a:t>
+            </a:r>
+            <a:endParaRPr lang="en-US" altLang="zh-CN" sz="2400" dirty="0">
+              <a:solidFill>
+                <a:srgbClr val="C00000"/>
+              </a:solidFill>
+            </a:endParaRPr>
           </a:p>
           <a:p>
             <a:pPr>
@@ -9284,219 +9350,31 @@
                 <a:spcPct val="120000"/>
               </a:lnSpc>
             </a:pPr>
-            <a:r>
-              <a:rPr lang="en-US" altLang="zh-CN" sz="2000" dirty="0"/>
-              <a:t>test</a:t>
-            </a:r>
-            <a:r>
-              <a:rPr lang="zh-CN" altLang="en-US" sz="2000" dirty="0"/>
-              <a:t>返回</a:t>
-            </a:r>
-            <a:r>
-              <a:rPr lang="en-US" altLang="zh-CN" sz="2000" dirty="0"/>
-              <a:t>true</a:t>
-            </a:r>
-            <a:r>
-              <a:rPr lang="zh-CN" altLang="en-US" sz="2000" dirty="0"/>
-              <a:t>或</a:t>
-            </a:r>
-            <a:r>
-              <a:rPr lang="en-US" altLang="zh-CN" sz="2000" dirty="0"/>
-              <a:t>false</a:t>
-            </a:r>
-            <a:r>
-              <a:rPr lang="zh-CN" altLang="en-US" sz="2000" dirty="0"/>
-              <a:t>，但是</a:t>
-            </a:r>
-            <a:r>
-              <a:rPr lang="en-US" altLang="zh-CN" sz="2000" dirty="0"/>
-              <a:t>test</a:t>
-            </a:r>
-            <a:r>
-              <a:rPr lang="zh-CN" altLang="en-US" sz="2000" dirty="0"/>
-              <a:t>返回的</a:t>
-            </a:r>
-            <a:r>
-              <a:rPr lang="en-US" altLang="zh-CN" sz="2000" dirty="0"/>
-              <a:t>true</a:t>
-            </a:r>
-            <a:r>
-              <a:rPr lang="zh-CN" altLang="en-US" sz="2000" dirty="0"/>
-              <a:t>是</a:t>
-            </a:r>
-            <a:r>
-              <a:rPr lang="en-US" altLang="zh-CN" sz="2000" dirty="0"/>
-              <a:t>0</a:t>
-            </a:r>
-            <a:r>
-              <a:rPr lang="zh-CN" altLang="en-US" sz="2000" dirty="0"/>
-              <a:t>，</a:t>
-            </a:r>
-            <a:r>
-              <a:rPr lang="en-US" altLang="zh-CN" sz="2000" dirty="0"/>
-              <a:t>false</a:t>
-            </a:r>
-            <a:r>
-              <a:rPr lang="zh-CN" altLang="en-US" sz="2000" dirty="0"/>
-              <a:t>是</a:t>
-            </a:r>
-            <a:r>
-              <a:rPr lang="en-US" altLang="zh-CN" sz="2000" dirty="0"/>
-              <a:t>1</a:t>
-            </a:r>
-            <a:r>
-              <a:rPr lang="zh-CN" altLang="en-US" sz="2000" dirty="0"/>
-              <a:t>，这和通常的编程语言定义的</a:t>
-            </a:r>
-            <a:r>
-              <a:rPr lang="en-US" altLang="zh-CN" sz="2000" dirty="0"/>
-              <a:t>true</a:t>
-            </a:r>
-            <a:r>
-              <a:rPr lang="zh-CN" altLang="en-US" sz="2000" dirty="0"/>
-              <a:t>是</a:t>
-            </a:r>
-            <a:r>
-              <a:rPr lang="en-US" altLang="zh-CN" sz="2000" dirty="0"/>
-              <a:t>1</a:t>
-            </a:r>
-            <a:r>
-              <a:rPr lang="zh-CN" altLang="en-US" sz="2000" dirty="0"/>
-              <a:t>（或非</a:t>
-            </a:r>
-            <a:r>
-              <a:rPr lang="en-US" altLang="zh-CN" sz="2000" dirty="0"/>
-              <a:t>0</a:t>
-            </a:r>
-            <a:r>
-              <a:rPr lang="zh-CN" altLang="en-US" sz="2000" dirty="0"/>
-              <a:t>值），</a:t>
-            </a:r>
-            <a:r>
-              <a:rPr lang="en-US" altLang="zh-CN" sz="2000" dirty="0"/>
-              <a:t>false</a:t>
-            </a:r>
-            <a:r>
-              <a:rPr lang="zh-CN" altLang="en-US" sz="2000" dirty="0"/>
-              <a:t>是</a:t>
-            </a:r>
-            <a:r>
-              <a:rPr lang="en-US" altLang="zh-CN" sz="2000" dirty="0"/>
-              <a:t>0</a:t>
-            </a:r>
-            <a:r>
-              <a:rPr lang="zh-CN" altLang="en-US" sz="2000" dirty="0"/>
-              <a:t>有所区别。</a:t>
-            </a:r>
-            <a:r>
-              <a:rPr lang="zh-CN" altLang="en-US" sz="2000" dirty="0">
-                <a:solidFill>
-                  <a:srgbClr val="C00000"/>
-                </a:solidFill>
-              </a:rPr>
-              <a:t>（</a:t>
-            </a:r>
-            <a:r>
-              <a:rPr lang="en-US" altLang="zh-CN" sz="2000" dirty="0">
-                <a:solidFill>
-                  <a:srgbClr val="C00000"/>
-                </a:solidFill>
-              </a:rPr>
-              <a:t>Linux/Unix</a:t>
-            </a:r>
-            <a:r>
-              <a:rPr lang="zh-CN" altLang="en-US" sz="2000" dirty="0">
-                <a:solidFill>
-                  <a:srgbClr val="C00000"/>
-                </a:solidFill>
-              </a:rPr>
-              <a:t>上程序退出状态为</a:t>
-            </a:r>
-            <a:r>
-              <a:rPr lang="en-US" altLang="zh-CN" sz="2000" dirty="0">
-                <a:solidFill>
-                  <a:srgbClr val="C00000"/>
-                </a:solidFill>
-              </a:rPr>
-              <a:t>0</a:t>
-            </a:r>
-            <a:r>
-              <a:rPr lang="zh-CN" altLang="en-US" sz="2000" dirty="0">
-                <a:solidFill>
-                  <a:srgbClr val="C00000"/>
-                </a:solidFill>
-              </a:rPr>
-              <a:t>表示</a:t>
-            </a:r>
-            <a:r>
-              <a:rPr lang="en-US" altLang="zh-CN" sz="2000" dirty="0">
-                <a:solidFill>
-                  <a:srgbClr val="C00000"/>
-                </a:solidFill>
-              </a:rPr>
-              <a:t>0</a:t>
-            </a:r>
-            <a:r>
-              <a:rPr lang="zh-CN" altLang="en-US" sz="2000" dirty="0">
-                <a:solidFill>
-                  <a:srgbClr val="C00000"/>
-                </a:solidFill>
-              </a:rPr>
-              <a:t>错误正确执行，而非</a:t>
-            </a:r>
-            <a:r>
-              <a:rPr lang="en-US" altLang="zh-CN" sz="2000" dirty="0">
-                <a:solidFill>
-                  <a:srgbClr val="C00000"/>
-                </a:solidFill>
-              </a:rPr>
-              <a:t>0</a:t>
-            </a:r>
-            <a:r>
-              <a:rPr lang="zh-CN" altLang="en-US" sz="2000" dirty="0">
-                <a:solidFill>
-                  <a:srgbClr val="C00000"/>
-                </a:solidFill>
-              </a:rPr>
-              <a:t>值表示有错。）</a:t>
-            </a:r>
-            <a:endParaRPr lang="en-US" altLang="zh-CN" sz="2000" dirty="0">
-              <a:solidFill>
-                <a:srgbClr val="C00000"/>
-              </a:solidFill>
-            </a:endParaRPr>
-          </a:p>
-          <a:p>
-            <a:pPr>
-              <a:lnSpc>
-                <a:spcPct val="120000"/>
-              </a:lnSpc>
-            </a:pPr>
-            <a:endParaRPr lang="en-US" altLang="zh-CN" sz="2000" dirty="0"/>
-          </a:p>
-          <a:p>
-            <a:r>
-              <a:rPr lang="zh-CN" altLang="en-US" sz="2000" dirty="0"/>
+            <a:endParaRPr lang="en-US" altLang="zh-CN" sz="2400" dirty="0"/>
+          </a:p>
+          <a:p>
+            <a:r>
+              <a:rPr lang="zh-CN" altLang="en-US" sz="2400" dirty="0"/>
               <a:t>例：</a:t>
             </a:r>
             <a:r>
-              <a:rPr lang="en-US" altLang="zh-CN" sz="2000" dirty="0"/>
+              <a:rPr lang="en-US" altLang="zh-CN" sz="2400" dirty="0"/>
               <a:t>test  “</a:t>
             </a:r>
             <a:r>
-              <a:rPr lang="en-US" altLang="zh-CN" sz="2000" dirty="0" err="1"/>
+              <a:rPr lang="en-US" altLang="zh-CN" sz="2400" dirty="0" err="1"/>
               <a:t>abc</a:t>
             </a:r>
             <a:r>
-              <a:rPr lang="en-US" altLang="zh-CN" sz="2000" dirty="0"/>
+              <a:rPr lang="en-US" altLang="zh-CN" sz="2400" dirty="0"/>
               <a:t>”=“</a:t>
             </a:r>
             <a:r>
-              <a:rPr lang="en-US" altLang="zh-CN" sz="2000" dirty="0" err="1"/>
+              <a:rPr lang="en-US" altLang="zh-CN" sz="2400" dirty="0" err="1"/>
               <a:t>abc</a:t>
             </a:r>
             <a:r>
-              <a:rPr lang="en-US" altLang="zh-CN" sz="2000" dirty="0"/>
+              <a:rPr lang="en-US" altLang="zh-CN" sz="2400" dirty="0"/>
               <a:t>” ;  test  -f  ~/tmp/a.sh ; [ -f  ~/tmp/a.sh ]</a:t>
             </a:r>
           </a:p>
@@ -9585,26 +9463,26 @@
           <a:lstStyle/>
           <a:p>
             <a:r>
-              <a:rPr lang="en-US" altLang="zh-CN" sz="2200" dirty="0"/>
+              <a:rPr lang="en-US" altLang="zh-CN" sz="2400" dirty="0"/>
               <a:t>if ,</a:t>
             </a:r>
             <a:r>
-              <a:rPr lang="en-US" altLang="zh-CN" sz="2200" dirty="0" err="1"/>
+              <a:rPr lang="en-US" altLang="zh-CN" sz="2400" dirty="0" err="1"/>
               <a:t>else,elif</a:t>
             </a:r>
             <a:r>
-              <a:rPr lang="zh-CN" altLang="en-US" sz="2200" dirty="0"/>
+              <a:rPr lang="zh-CN" altLang="en-US" sz="2400" dirty="0"/>
               <a:t>的语法结构：</a:t>
             </a:r>
-            <a:endParaRPr lang="en-US" altLang="zh-CN" sz="1800" dirty="0"/>
-          </a:p>
-          <a:p>
-            <a:r>
-              <a:rPr lang="zh-CN" altLang="en-US" sz="2000" dirty="0"/>
+            <a:endParaRPr lang="en-US" altLang="zh-CN" sz="2400" dirty="0"/>
+          </a:p>
+          <a:p>
+            <a:r>
+              <a:rPr lang="zh-CN" altLang="en-US" sz="2400" dirty="0"/>
               <a:t>写在一行要使用分号分隔：</a:t>
             </a:r>
             <a:r>
-              <a:rPr lang="en-US" altLang="zh-CN" sz="2000" dirty="0"/>
+              <a:rPr lang="en-US" altLang="zh-CN" sz="2400" dirty="0"/>
               <a:t>if  [COMMAND] ; then  [COMMAND] ; fi</a:t>
             </a:r>
           </a:p>
@@ -9623,7 +9501,11 @@
             <a:graphicFrameLocks noGrp="1"/>
           </p:cNvGraphicFramePr>
           <p:nvPr>
-            <p:extLst/>
+            <p:extLst>
+              <p:ext uri="{D42A27DB-BD31-4B8C-83A1-F6EECF244321}">
+                <p14:modId xmlns:p14="http://schemas.microsoft.com/office/powerpoint/2010/main" val="4072042558"/>
+              </p:ext>
+            </p:extLst>
           </p:nvPr>
         </p:nvGraphicFramePr>
         <p:xfrm>
@@ -9666,28 +9548,28 @@
                     <a:lstStyle/>
                     <a:p>
                       <a:r>
-                        <a:rPr lang="en-US" altLang="zh-CN" dirty="0"/>
+                        <a:rPr lang="en-US" altLang="zh-CN" sz="2400" dirty="0"/>
                         <a:t>if  [COMMAND]</a:t>
                       </a:r>
                     </a:p>
                     <a:p>
                       <a:r>
-                        <a:rPr lang="en-US" altLang="zh-CN" dirty="0"/>
+                        <a:rPr lang="en-US" altLang="zh-CN" sz="2400" dirty="0"/>
                         <a:t>then</a:t>
                       </a:r>
                     </a:p>
                     <a:p>
                       <a:r>
-                        <a:rPr lang="en-US" altLang="zh-CN" dirty="0"/>
+                        <a:rPr lang="en-US" altLang="zh-CN" sz="2400" dirty="0"/>
                         <a:t>        [COMMAND]</a:t>
                       </a:r>
                     </a:p>
                     <a:p>
                       <a:r>
-                        <a:rPr lang="en-US" altLang="zh-CN" dirty="0"/>
+                        <a:rPr lang="en-US" altLang="zh-CN" sz="2400" dirty="0"/>
                         <a:t>fi</a:t>
                       </a:r>
-                      <a:endParaRPr lang="zh-CN" altLang="en-US" dirty="0"/>
+                      <a:endParaRPr lang="zh-CN" altLang="en-US" sz="2400" dirty="0"/>
                     </a:p>
                   </a:txBody>
                   <a:tcPr>
@@ -9705,34 +9587,34 @@
                     <a:lstStyle/>
                     <a:p>
                       <a:r>
-                        <a:rPr lang="en-US" altLang="zh-CN" dirty="0"/>
+                        <a:rPr lang="en-US" altLang="zh-CN" sz="2400" dirty="0"/>
                         <a:t>if [COMMAND]; then</a:t>
                       </a:r>
                     </a:p>
                     <a:p>
                       <a:r>
-                        <a:rPr lang="en-US" altLang="zh-CN" dirty="0"/>
+                        <a:rPr lang="en-US" altLang="zh-CN" sz="2400" dirty="0"/>
                         <a:t>        [COMMAND]</a:t>
                       </a:r>
                     </a:p>
                     <a:p>
                       <a:r>
-                        <a:rPr lang="en-US" altLang="zh-CN" dirty="0"/>
+                        <a:rPr lang="en-US" altLang="zh-CN" sz="2400" dirty="0"/>
                         <a:t>else</a:t>
                       </a:r>
                     </a:p>
                     <a:p>
                       <a:r>
-                        <a:rPr lang="en-US" altLang="zh-CN" dirty="0"/>
+                        <a:rPr lang="en-US" altLang="zh-CN" sz="2400" dirty="0"/>
                         <a:t>        [COMMAND]</a:t>
                       </a:r>
                     </a:p>
                     <a:p>
                       <a:r>
-                        <a:rPr lang="en-US" altLang="zh-CN" dirty="0"/>
+                        <a:rPr lang="en-US" altLang="zh-CN" sz="2400" dirty="0"/>
                         <a:t>fi</a:t>
                       </a:r>
-                      <a:endParaRPr lang="zh-CN" altLang="en-US" dirty="0"/>
+                      <a:endParaRPr lang="zh-CN" altLang="en-US" sz="2400" dirty="0"/>
                     </a:p>
                   </a:txBody>
                   <a:tcPr>
@@ -9750,50 +9632,50 @@
                     <a:lstStyle/>
                     <a:p>
                       <a:r>
-                        <a:rPr lang="en-US" altLang="zh-CN" dirty="0"/>
+                        <a:rPr lang="en-US" altLang="zh-CN" sz="2400" dirty="0"/>
                         <a:t>if  [COMMAND]; then</a:t>
                       </a:r>
                     </a:p>
                     <a:p>
                       <a:r>
-                        <a:rPr lang="en-US" altLang="zh-CN" dirty="0"/>
+                        <a:rPr lang="en-US" altLang="zh-CN" sz="2400" dirty="0"/>
                         <a:t>        [COMMAND]</a:t>
                       </a:r>
                     </a:p>
                     <a:p>
                       <a:r>
-                        <a:rPr lang="en-US" altLang="zh-CN" dirty="0" err="1"/>
+                        <a:rPr lang="en-US" altLang="zh-CN" sz="2400" dirty="0" err="1"/>
                         <a:t>elif</a:t>
                       </a:r>
                       <a:r>
-                        <a:rPr lang="en-US" altLang="zh-CN" dirty="0"/>
+                        <a:rPr lang="en-US" altLang="zh-CN" sz="2400" dirty="0"/>
                         <a:t>  [COMMAND] ; then</a:t>
                       </a:r>
                     </a:p>
                     <a:p>
                       <a:r>
-                        <a:rPr lang="en-US" altLang="zh-CN" dirty="0"/>
+                        <a:rPr lang="en-US" altLang="zh-CN" sz="2400" dirty="0"/>
                         <a:t>        [COMMAND]</a:t>
                       </a:r>
                     </a:p>
                     <a:p>
                       <a:r>
-                        <a:rPr lang="en-US" altLang="zh-CN" dirty="0"/>
+                        <a:rPr lang="en-US" altLang="zh-CN" sz="2400" dirty="0"/>
                         <a:t>else</a:t>
                       </a:r>
                     </a:p>
                     <a:p>
                       <a:r>
-                        <a:rPr lang="en-US" altLang="zh-CN" dirty="0"/>
+                        <a:rPr lang="en-US" altLang="zh-CN" sz="2400" dirty="0"/>
                         <a:t>        [COMMAND]</a:t>
                       </a:r>
                     </a:p>
                     <a:p>
                       <a:r>
-                        <a:rPr lang="en-US" altLang="zh-CN" dirty="0"/>
+                        <a:rPr lang="en-US" altLang="zh-CN" sz="2400" dirty="0"/>
                         <a:t>fi</a:t>
                       </a:r>
-                      <a:endParaRPr lang="zh-CN" altLang="en-US" dirty="0"/>
+                      <a:endParaRPr lang="zh-CN" altLang="en-US" sz="2400" dirty="0"/>
                     </a:p>
                   </a:txBody>
                   <a:tcPr>
@@ -9901,25 +9783,25 @@
           <a:lstStyle/>
           <a:p>
             <a:r>
-              <a:rPr lang="en-US" altLang="zh-CN" sz="2200" dirty="0"/>
+              <a:rPr lang="en-US" altLang="zh-CN" sz="2400" dirty="0"/>
               <a:t>if ,</a:t>
             </a:r>
             <a:r>
-              <a:rPr lang="en-US" altLang="zh-CN" sz="2200" dirty="0" err="1"/>
+              <a:rPr lang="en-US" altLang="zh-CN" sz="2400" dirty="0" err="1"/>
               <a:t>else,elif</a:t>
             </a:r>
             <a:r>
-              <a:rPr lang="zh-CN" altLang="en-US" sz="2200" dirty="0"/>
+              <a:rPr lang="zh-CN" altLang="en-US" sz="2400" dirty="0"/>
               <a:t>的用法：</a:t>
             </a:r>
-            <a:endParaRPr lang="en-US" altLang="zh-CN" sz="2200" dirty="0"/>
+            <a:endParaRPr lang="en-US" altLang="zh-CN" sz="2400" dirty="0"/>
           </a:p>
           <a:p>
             <a:pPr marL="457200" lvl="1" indent="0">
               <a:buNone/>
             </a:pPr>
             <a:r>
-              <a:rPr lang="en-US" altLang="zh-CN" sz="2200" dirty="0"/>
+              <a:rPr lang="en-US" altLang="zh-CN" dirty="0"/>
               <a:t>file=~/tmp/a.sh</a:t>
             </a:r>
           </a:p>
@@ -9928,11 +9810,11 @@
               <a:buNone/>
             </a:pPr>
             <a:r>
-              <a:rPr lang="en-US" altLang="zh-CN" sz="2200" dirty="0" err="1"/>
+              <a:rPr lang="en-US" altLang="zh-CN" dirty="0" err="1"/>
               <a:t>dbin</a:t>
             </a:r>
             <a:r>
-              <a:rPr lang="en-US" altLang="zh-CN" sz="2200" dirty="0"/>
+              <a:rPr lang="en-US" altLang="zh-CN" dirty="0"/>
               <a:t>=~/bin</a:t>
             </a:r>
           </a:p>
@@ -9941,15 +9823,15 @@
               <a:buNone/>
             </a:pPr>
             <a:r>
-              <a:rPr lang="en-US" altLang="zh-CN" sz="2200" dirty="0"/>
+              <a:rPr lang="en-US" altLang="zh-CN" dirty="0"/>
               <a:t>if  test  -f</a:t>
             </a:r>
             <a:r>
-              <a:rPr lang="zh-CN" altLang="en-US" sz="2200" dirty="0"/>
+              <a:rPr lang="zh-CN" altLang="en-US" dirty="0"/>
               <a:t>  </a:t>
             </a:r>
             <a:r>
-              <a:rPr lang="en-US" altLang="zh-CN" sz="2200" dirty="0"/>
+              <a:rPr lang="en-US" altLang="zh-CN" dirty="0"/>
               <a:t>“$file”</a:t>
             </a:r>
           </a:p>
@@ -9958,7 +9840,7 @@
               <a:buNone/>
             </a:pPr>
             <a:r>
-              <a:rPr lang="en-US" altLang="zh-CN" sz="2200" dirty="0"/>
+              <a:rPr lang="en-US" altLang="zh-CN" dirty="0"/>
               <a:t>    then</a:t>
             </a:r>
           </a:p>
@@ -9967,7 +9849,7 @@
               <a:buNone/>
             </a:pPr>
             <a:r>
-              <a:rPr lang="en-US" altLang="zh-CN" sz="2200" dirty="0"/>
+              <a:rPr lang="en-US" altLang="zh-CN" dirty="0"/>
               <a:t>        cat  “$file”</a:t>
             </a:r>
           </a:p>
@@ -9976,19 +9858,19 @@
               <a:buNone/>
             </a:pPr>
             <a:r>
-              <a:rPr lang="en-US" altLang="zh-CN" sz="2200" dirty="0" err="1"/>
+              <a:rPr lang="en-US" altLang="zh-CN" dirty="0" err="1"/>
               <a:t>elif</a:t>
             </a:r>
             <a:r>
-              <a:rPr lang="en-US" altLang="zh-CN" sz="2200" dirty="0"/>
+              <a:rPr lang="en-US" altLang="zh-CN" dirty="0"/>
               <a:t> [ -d “$</a:t>
             </a:r>
             <a:r>
-              <a:rPr lang="en-US" altLang="zh-CN" sz="2200" dirty="0" err="1"/>
+              <a:rPr lang="en-US" altLang="zh-CN" dirty="0" err="1"/>
               <a:t>dbin</a:t>
             </a:r>
             <a:r>
-              <a:rPr lang="en-US" altLang="zh-CN" sz="2200" dirty="0"/>
+              <a:rPr lang="en-US" altLang="zh-CN" dirty="0"/>
               <a:t>” ]</a:t>
             </a:r>
           </a:p>
@@ -9997,7 +9879,7 @@
               <a:buNone/>
             </a:pPr>
             <a:r>
-              <a:rPr lang="en-US" altLang="zh-CN" sz="2200" dirty="0"/>
+              <a:rPr lang="en-US" altLang="zh-CN" dirty="0"/>
               <a:t>    then</a:t>
             </a:r>
           </a:p>
@@ -10006,15 +9888,15 @@
               <a:buNone/>
             </a:pPr>
             <a:r>
-              <a:rPr lang="en-US" altLang="zh-CN" sz="2200" dirty="0"/>
+              <a:rPr lang="en-US" altLang="zh-CN" dirty="0"/>
               <a:t>        ls “$</a:t>
             </a:r>
             <a:r>
-              <a:rPr lang="en-US" altLang="zh-CN" sz="2200" dirty="0" err="1"/>
+              <a:rPr lang="en-US" altLang="zh-CN" dirty="0" err="1"/>
               <a:t>dbin</a:t>
             </a:r>
             <a:r>
-              <a:rPr lang="en-US" altLang="zh-CN" sz="2200" dirty="0"/>
+              <a:rPr lang="en-US" altLang="zh-CN" dirty="0"/>
               <a:t>”</a:t>
             </a:r>
           </a:p>
@@ -10023,7 +9905,7 @@
               <a:buNone/>
             </a:pPr>
             <a:r>
-              <a:rPr lang="en-US" altLang="zh-CN" sz="2200" dirty="0"/>
+              <a:rPr lang="en-US" altLang="zh-CN" dirty="0"/>
               <a:t>else</a:t>
             </a:r>
           </a:p>
@@ -10032,7 +9914,7 @@
               <a:buNone/>
             </a:pPr>
             <a:r>
-              <a:rPr lang="en-US" altLang="zh-CN" sz="2200" dirty="0"/>
+              <a:rPr lang="en-US" altLang="zh-CN" dirty="0"/>
               <a:t>    echo  “file not found”</a:t>
             </a:r>
           </a:p>
@@ -10041,12 +9923,9 @@
               <a:buNone/>
             </a:pPr>
             <a:r>
-              <a:rPr lang="en-US" altLang="zh-CN" sz="2200" dirty="0"/>
+              <a:rPr lang="en-US" altLang="zh-CN" dirty="0"/>
               <a:t>fi</a:t>
             </a:r>
-          </a:p>
-          <a:p>
-            <a:endParaRPr lang="zh-CN" altLang="en-US" dirty="0"/>
           </a:p>
         </p:txBody>
       </p:sp>
@@ -10128,55 +10007,55 @@
         <p:spPr/>
         <p:txBody>
           <a:bodyPr>
-            <a:normAutofit/>
+            <a:noAutofit/>
           </a:bodyPr>
           <a:lstStyle/>
           <a:p>
             <a:r>
-              <a:rPr lang="zh-CN" altLang="en-US" sz="2200" dirty="0"/>
+              <a:rPr lang="zh-CN" altLang="en-US" sz="2400" dirty="0"/>
               <a:t>多个判断值可以使用</a:t>
             </a:r>
             <a:r>
-              <a:rPr lang="en-US" altLang="zh-CN" sz="2200" dirty="0"/>
+              <a:rPr lang="en-US" altLang="zh-CN" sz="2400" dirty="0"/>
               <a:t>if</a:t>
             </a:r>
             <a:r>
-              <a:rPr lang="zh-CN" altLang="en-US" sz="2200" dirty="0"/>
+              <a:rPr lang="zh-CN" altLang="en-US" sz="2400" dirty="0"/>
               <a:t>，</a:t>
             </a:r>
             <a:r>
-              <a:rPr lang="en-US" altLang="zh-CN" sz="2200" dirty="0" err="1"/>
+              <a:rPr lang="en-US" altLang="zh-CN" sz="2400" dirty="0" err="1"/>
               <a:t>elif</a:t>
             </a:r>
             <a:r>
-              <a:rPr lang="zh-CN" altLang="en-US" sz="2200" dirty="0"/>
+              <a:rPr lang="zh-CN" altLang="en-US" sz="2400" dirty="0"/>
               <a:t>，</a:t>
             </a:r>
             <a:r>
-              <a:rPr lang="en-US" altLang="zh-CN" sz="2200" dirty="0"/>
+              <a:rPr lang="en-US" altLang="zh-CN" sz="2400" dirty="0"/>
               <a:t>else</a:t>
             </a:r>
             <a:r>
-              <a:rPr lang="zh-CN" altLang="en-US" sz="2200" dirty="0"/>
+              <a:rPr lang="zh-CN" altLang="en-US" sz="2400" dirty="0"/>
               <a:t>组合。更简洁的形式是使用</a:t>
             </a:r>
             <a:r>
-              <a:rPr lang="en-US" altLang="zh-CN" sz="2200" dirty="0"/>
+              <a:rPr lang="en-US" altLang="zh-CN" sz="2400" dirty="0"/>
               <a:t>case</a:t>
             </a:r>
             <a:r>
-              <a:rPr lang="zh-CN" altLang="en-US" sz="2200" dirty="0"/>
+              <a:rPr lang="zh-CN" altLang="en-US" sz="2400" dirty="0"/>
               <a:t>语句实现，就像普通编程语言的</a:t>
             </a:r>
             <a:r>
-              <a:rPr lang="en-US" altLang="zh-CN" sz="2200" dirty="0"/>
+              <a:rPr lang="en-US" altLang="zh-CN" sz="2400" dirty="0"/>
               <a:t>switch</a:t>
             </a:r>
             <a:r>
-              <a:rPr lang="zh-CN" altLang="en-US" sz="2200" dirty="0"/>
+              <a:rPr lang="zh-CN" altLang="en-US" sz="2400" dirty="0"/>
               <a:t>。语法结构：</a:t>
             </a:r>
-            <a:endParaRPr lang="en-US" altLang="zh-CN" sz="2200" dirty="0"/>
+            <a:endParaRPr lang="en-US" altLang="zh-CN" sz="2400" dirty="0"/>
           </a:p>
           <a:p>
             <a:pPr marL="457200" lvl="1" indent="0">
@@ -10297,27 +10176,27 @@
           </a:p>
           <a:p>
             <a:r>
-              <a:rPr lang="en-US" altLang="zh-CN" sz="2000" dirty="0"/>
+              <a:rPr lang="en-US" altLang="zh-CN" sz="2400" dirty="0"/>
               <a:t>)</a:t>
             </a:r>
             <a:r>
-              <a:rPr lang="zh-CN" altLang="en-US" sz="2000" dirty="0"/>
+              <a:rPr lang="zh-CN" altLang="en-US" sz="2400" dirty="0"/>
               <a:t>是必须要加的，每个逻辑块执行到</a:t>
             </a:r>
             <a:r>
-              <a:rPr lang="en-US" altLang="zh-CN" sz="2000" dirty="0"/>
+              <a:rPr lang="en-US" altLang="zh-CN" sz="2400" dirty="0"/>
               <a:t>;;</a:t>
             </a:r>
             <a:r>
-              <a:rPr lang="zh-CN" altLang="en-US" sz="2000" dirty="0"/>
+              <a:rPr lang="zh-CN" altLang="en-US" sz="2400" dirty="0"/>
               <a:t>结束。*</a:t>
             </a:r>
             <a:r>
-              <a:rPr lang="en-US" altLang="zh-CN" sz="2000" dirty="0"/>
+              <a:rPr lang="en-US" altLang="zh-CN" sz="2400" dirty="0"/>
               <a:t>)</a:t>
             </a:r>
             <a:r>
-              <a:rPr lang="zh-CN" altLang="en-US" sz="2000" dirty="0"/>
+              <a:rPr lang="zh-CN" altLang="en-US" sz="2400" dirty="0"/>
               <a:t>是默认情况，并非必须。</a:t>
             </a:r>
           </a:p>
@@ -10404,131 +10283,164 @@
         <p:spPr/>
         <p:txBody>
           <a:bodyPr>
-            <a:normAutofit/>
+            <a:noAutofit/>
           </a:bodyPr>
           <a:lstStyle/>
           <a:p>
             <a:r>
-              <a:rPr lang="zh-CN" altLang="en-US" sz="2000" dirty="0"/>
+              <a:rPr lang="zh-CN" altLang="en-US" sz="2400" dirty="0"/>
               <a:t>创建</a:t>
             </a:r>
             <a:r>
-              <a:rPr lang="en-US" altLang="zh-CN" sz="2000" dirty="0"/>
+              <a:rPr lang="en-US" altLang="zh-CN" sz="2400" dirty="0"/>
               <a:t>shell</a:t>
             </a:r>
             <a:r>
-              <a:rPr lang="zh-CN" altLang="en-US" sz="2000" dirty="0"/>
+              <a:rPr lang="zh-CN" altLang="en-US" sz="2400" dirty="0"/>
               <a:t>脚本</a:t>
             </a:r>
             <a:r>
-              <a:rPr lang="en-US" altLang="zh-CN" sz="2000" dirty="0"/>
+              <a:rPr lang="en-US" altLang="zh-CN" sz="2400" dirty="0"/>
               <a:t>casetest.sh</a:t>
             </a:r>
             <a:r>
-              <a:rPr lang="zh-CN" altLang="en-US" sz="2000" dirty="0"/>
+              <a:rPr lang="zh-CN" altLang="en-US" sz="2400" dirty="0"/>
               <a:t>，写入一下代码并运行：</a:t>
             </a:r>
-            <a:endParaRPr lang="en-US" altLang="zh-CN" sz="2000" dirty="0"/>
-          </a:p>
-          <a:p>
-            <a:pPr marL="0" indent="0">
+            <a:endParaRPr lang="en-US" altLang="zh-CN" sz="2400" dirty="0"/>
+          </a:p>
+          <a:p>
+            <a:pPr marL="457200" lvl="1" indent="0">
+              <a:lnSpc>
+                <a:spcPts val="2200"/>
+              </a:lnSpc>
               <a:buNone/>
             </a:pPr>
             <a:r>
-              <a:rPr lang="en-US" altLang="zh-CN" sz="2000" dirty="0"/>
+              <a:rPr lang="en-US" altLang="zh-CN" dirty="0"/>
               <a:t>case  $1 in</a:t>
             </a:r>
           </a:p>
           <a:p>
-            <a:pPr marL="0" indent="0">
+            <a:pPr marL="457200" lvl="1" indent="0">
+              <a:lnSpc>
+                <a:spcPts val="2200"/>
+              </a:lnSpc>
               <a:buNone/>
             </a:pPr>
             <a:r>
-              <a:rPr lang="en-US" altLang="zh-CN" sz="2000" dirty="0"/>
+              <a:rPr lang="en-US" altLang="zh-CN" dirty="0"/>
               <a:t>    “hello”)</a:t>
             </a:r>
           </a:p>
           <a:p>
-            <a:pPr marL="0" indent="0">
+            <a:pPr marL="457200" lvl="1" indent="0">
+              <a:lnSpc>
+                <a:spcPts val="2200"/>
+              </a:lnSpc>
               <a:buNone/>
             </a:pPr>
             <a:r>
-              <a:rPr lang="en-US" altLang="zh-CN" sz="2000" dirty="0"/>
+              <a:rPr lang="en-US" altLang="zh-CN" dirty="0"/>
               <a:t>        echo “hey!”</a:t>
             </a:r>
           </a:p>
           <a:p>
-            <a:pPr marL="0" indent="0">
+            <a:pPr marL="457200" lvl="1" indent="0">
+              <a:lnSpc>
+                <a:spcPts val="2200"/>
+              </a:lnSpc>
               <a:buNone/>
             </a:pPr>
             <a:r>
-              <a:rPr lang="en-US" altLang="zh-CN" sz="2000" dirty="0"/>
+              <a:rPr lang="en-US" altLang="zh-CN" dirty="0"/>
               <a:t>        ;;</a:t>
             </a:r>
           </a:p>
           <a:p>
-            <a:pPr marL="0" indent="0">
+            <a:pPr marL="457200" lvl="1" indent="0">
+              <a:lnSpc>
+                <a:spcPts val="2200"/>
+              </a:lnSpc>
               <a:buNone/>
             </a:pPr>
             <a:r>
-              <a:rPr lang="en-US" altLang="zh-CN" sz="2000" dirty="0"/>
+              <a:rPr lang="en-US" altLang="zh-CN" dirty="0"/>
               <a:t>    “time”)</a:t>
             </a:r>
           </a:p>
           <a:p>
-            <a:pPr marL="0" indent="0">
+            <a:pPr marL="457200" lvl="1" indent="0">
+              <a:lnSpc>
+                <a:spcPts val="2200"/>
+              </a:lnSpc>
               <a:buNone/>
             </a:pPr>
             <a:r>
-              <a:rPr lang="en-US" altLang="zh-CN" sz="2000" dirty="0"/>
+              <a:rPr lang="en-US" altLang="zh-CN" dirty="0"/>
               <a:t>        date</a:t>
             </a:r>
           </a:p>
           <a:p>
-            <a:pPr marL="0" indent="0">
+            <a:pPr marL="457200" lvl="1" indent="0">
+              <a:lnSpc>
+                <a:spcPts val="2200"/>
+              </a:lnSpc>
               <a:buNone/>
             </a:pPr>
             <a:r>
-              <a:rPr lang="en-US" altLang="zh-CN" sz="2000" dirty="0"/>
+              <a:rPr lang="en-US" altLang="zh-CN" dirty="0"/>
               <a:t>        ;;</a:t>
             </a:r>
           </a:p>
           <a:p>
-            <a:pPr marL="0" indent="0">
+            <a:pPr marL="457200" lvl="1" indent="0">
+              <a:lnSpc>
+                <a:spcPts val="2200"/>
+              </a:lnSpc>
               <a:buNone/>
             </a:pPr>
             <a:r>
-              <a:rPr lang="en-US" altLang="zh-CN" sz="2000" dirty="0"/>
+              <a:rPr lang="en-US" altLang="zh-CN" dirty="0"/>
               <a:t>    *)</a:t>
             </a:r>
           </a:p>
           <a:p>
-            <a:pPr marL="0" indent="0">
+            <a:pPr marL="457200" lvl="1" indent="0">
+              <a:lnSpc>
+                <a:spcPts val="2200"/>
+              </a:lnSpc>
               <a:buNone/>
             </a:pPr>
             <a:r>
-              <a:rPr lang="en-US" altLang="zh-CN" sz="2000" dirty="0"/>
+              <a:rPr lang="en-US" altLang="zh-CN" dirty="0"/>
               <a:t>        echo “nothing to do”</a:t>
             </a:r>
           </a:p>
           <a:p>
-            <a:pPr marL="0" indent="0">
+            <a:pPr marL="457200" lvl="1" indent="0">
+              <a:lnSpc>
+                <a:spcPts val="2200"/>
+              </a:lnSpc>
               <a:buNone/>
             </a:pPr>
             <a:r>
-              <a:rPr lang="en-US" altLang="zh-CN" sz="2000" dirty="0"/>
+              <a:rPr lang="en-US" altLang="zh-CN" dirty="0"/>
               <a:t>        exit 0</a:t>
             </a:r>
           </a:p>
           <a:p>
-            <a:pPr marL="0" indent="0">
+            <a:pPr marL="457200" lvl="1" indent="0">
+              <a:lnSpc>
+                <a:spcPts val="2200"/>
+              </a:lnSpc>
               <a:buNone/>
             </a:pPr>
             <a:r>
-              <a:rPr lang="en-US" altLang="zh-CN" sz="2000" dirty="0" err="1"/>
+              <a:rPr lang="en-US" altLang="zh-CN" dirty="0" err="1"/>
               <a:t>esac</a:t>
             </a:r>
-            <a:endParaRPr lang="zh-CN" altLang="en-US" sz="2000" dirty="0"/>
+            <a:endParaRPr lang="zh-CN" altLang="en-US" dirty="0"/>
           </a:p>
         </p:txBody>
       </p:sp>
@@ -10671,12 +10583,6 @@
             <a:endParaRPr lang="en-US" altLang="zh-CN" sz="2000" dirty="0"/>
           </a:p>
           <a:p>
-            <a:pPr marL="0" indent="0">
-              <a:buNone/>
-            </a:pPr>
-            <a:endParaRPr lang="en-US" altLang="zh-CN" sz="2000" dirty="0"/>
-          </a:p>
-          <a:p>
             <a:endParaRPr lang="en-US" altLang="zh-CN" sz="2000" dirty="0"/>
           </a:p>
         </p:txBody>
@@ -10694,7 +10600,11 @@
             <a:graphicFrameLocks noGrp="1"/>
           </p:cNvGraphicFramePr>
           <p:nvPr>
-            <p:extLst/>
+            <p:extLst>
+              <p:ext uri="{D42A27DB-BD31-4B8C-83A1-F6EECF244321}">
+                <p14:modId xmlns:p14="http://schemas.microsoft.com/office/powerpoint/2010/main" val="679319457"/>
+              </p:ext>
+            </p:extLst>
           </p:nvPr>
         </p:nvGraphicFramePr>
         <p:xfrm>
@@ -10737,51 +10647,51 @@
                     <a:lstStyle/>
                     <a:p>
                       <a:r>
-                        <a:rPr lang="zh-CN" altLang="en-US" dirty="0"/>
+                        <a:rPr lang="zh-CN" altLang="en-US" sz="2000" dirty="0"/>
                         <a:t>循环列表</a:t>
                       </a:r>
-                      <a:endParaRPr lang="en-US" altLang="zh-CN" dirty="0"/>
+                      <a:endParaRPr lang="en-US" altLang="zh-CN" sz="2000" dirty="0"/>
                     </a:p>
                     <a:p>
-                      <a:endParaRPr lang="en-US" altLang="zh-CN" dirty="0"/>
+                      <a:endParaRPr lang="en-US" altLang="zh-CN" sz="2000" dirty="0"/>
                     </a:p>
                     <a:p>
                       <a:r>
-                        <a:rPr lang="en-US" altLang="zh-CN" dirty="0"/>
+                        <a:rPr lang="en-US" altLang="zh-CN" sz="2000" dirty="0"/>
                         <a:t>for  </a:t>
                       </a:r>
                       <a:r>
-                        <a:rPr lang="en-US" altLang="zh-CN" dirty="0" err="1"/>
+                        <a:rPr lang="en-US" altLang="zh-CN" sz="2000" dirty="0" err="1"/>
                         <a:t>i</a:t>
                       </a:r>
                       <a:r>
-                        <a:rPr lang="en-US" altLang="zh-CN" dirty="0"/>
+                        <a:rPr lang="en-US" altLang="zh-CN" sz="2000" dirty="0"/>
                         <a:t>  in  a b c</a:t>
                       </a:r>
                     </a:p>
                     <a:p>
                       <a:r>
-                        <a:rPr lang="en-US" altLang="zh-CN" dirty="0"/>
+                        <a:rPr lang="en-US" altLang="zh-CN" sz="2000" dirty="0"/>
                         <a:t>do</a:t>
                       </a:r>
                     </a:p>
                     <a:p>
                       <a:r>
-                        <a:rPr lang="en-US" altLang="zh-CN" dirty="0"/>
+                        <a:rPr lang="en-US" altLang="zh-CN" sz="2000" dirty="0"/>
                         <a:t>    echo $</a:t>
                       </a:r>
                       <a:r>
-                        <a:rPr lang="en-US" altLang="zh-CN" dirty="0" err="1"/>
+                        <a:rPr lang="en-US" altLang="zh-CN" sz="2000" dirty="0" err="1"/>
                         <a:t>i</a:t>
                       </a:r>
-                      <a:endParaRPr lang="en-US" altLang="zh-CN" dirty="0"/>
+                      <a:endParaRPr lang="en-US" altLang="zh-CN" sz="2000" dirty="0"/>
                     </a:p>
                     <a:p>
                       <a:r>
-                        <a:rPr lang="en-US" altLang="zh-CN" dirty="0"/>
+                        <a:rPr lang="en-US" altLang="zh-CN" sz="2000" dirty="0"/>
                         <a:t>done</a:t>
                       </a:r>
-                      <a:endParaRPr lang="zh-CN" altLang="en-US" dirty="0"/>
+                      <a:endParaRPr lang="zh-CN" altLang="en-US" sz="2000" dirty="0"/>
                     </a:p>
                   </a:txBody>
                   <a:tcPr/>
@@ -10792,53 +10702,53 @@
                     <a:lstStyle/>
                     <a:p>
                       <a:r>
-                        <a:rPr lang="zh-CN" altLang="en-US" dirty="0"/>
+                        <a:rPr lang="zh-CN" altLang="en-US" sz="2000" dirty="0"/>
                         <a:t>遍历目录下所有文件</a:t>
                       </a:r>
-                      <a:endParaRPr lang="en-US" altLang="zh-CN" dirty="0"/>
+                      <a:endParaRPr lang="en-US" altLang="zh-CN" sz="2000" dirty="0"/>
                     </a:p>
                     <a:p>
-                      <a:endParaRPr lang="en-US" altLang="zh-CN" dirty="0"/>
+                      <a:endParaRPr lang="en-US" altLang="zh-CN" sz="2000" dirty="0"/>
                     </a:p>
                     <a:p>
                       <a:r>
-                        <a:rPr lang="en-US" altLang="zh-CN" dirty="0"/>
+                        <a:rPr lang="en-US" altLang="zh-CN" sz="2000" dirty="0"/>
                         <a:t>for  </a:t>
                       </a:r>
                       <a:r>
-                        <a:rPr lang="en-US" altLang="zh-CN" dirty="0" err="1"/>
+                        <a:rPr lang="en-US" altLang="zh-CN" sz="2000" dirty="0" err="1"/>
                         <a:t>i</a:t>
                       </a:r>
                       <a:r>
-                        <a:rPr lang="en-US" altLang="zh-CN" dirty="0"/>
+                        <a:rPr lang="en-US" altLang="zh-CN" sz="2000" dirty="0"/>
                         <a:t>  in  ./*</a:t>
                       </a:r>
                     </a:p>
                     <a:p>
                       <a:r>
-                        <a:rPr lang="en-US" altLang="zh-CN" dirty="0"/>
+                        <a:rPr lang="en-US" altLang="zh-CN" sz="2000" dirty="0"/>
                         <a:t>do</a:t>
                       </a:r>
                     </a:p>
                     <a:p>
                       <a:r>
-                        <a:rPr lang="en-US" altLang="zh-CN" dirty="0"/>
+                        <a:rPr lang="en-US" altLang="zh-CN" sz="2000" dirty="0"/>
                         <a:t>    echo  $</a:t>
                       </a:r>
                       <a:r>
-                        <a:rPr lang="en-US" altLang="zh-CN" dirty="0" err="1"/>
+                        <a:rPr lang="en-US" altLang="zh-CN" sz="2000" dirty="0" err="1"/>
                         <a:t>i</a:t>
                       </a:r>
-                      <a:endParaRPr lang="en-US" altLang="zh-CN" dirty="0"/>
+                      <a:endParaRPr lang="en-US" altLang="zh-CN" sz="2000" dirty="0"/>
                     </a:p>
                     <a:p>
                       <a:r>
-                        <a:rPr lang="en-US" altLang="zh-CN" dirty="0"/>
+                        <a:rPr lang="en-US" altLang="zh-CN" sz="2000" dirty="0"/>
                         <a:t>done</a:t>
                       </a:r>
                     </a:p>
                     <a:p>
-                      <a:endParaRPr lang="zh-CN" altLang="en-US" dirty="0"/>
+                      <a:endParaRPr lang="zh-CN" altLang="en-US" sz="2000" dirty="0"/>
                     </a:p>
                   </a:txBody>
                   <a:tcPr/>
@@ -10849,67 +10759,67 @@
                     <a:lstStyle/>
                     <a:p>
                       <a:r>
-                        <a:rPr lang="zh-CN" altLang="en-US" dirty="0"/>
+                        <a:rPr lang="zh-CN" altLang="en-US" sz="2000" dirty="0"/>
                         <a:t>计数循环，这种结构</a:t>
                       </a:r>
                       <a:r>
-                        <a:rPr lang="en-US" altLang="zh-CN" dirty="0"/>
+                        <a:rPr lang="en-US" altLang="zh-CN" sz="2000" dirty="0"/>
                         <a:t>bash</a:t>
                       </a:r>
                       <a:r>
-                        <a:rPr lang="zh-CN" altLang="en-US" dirty="0"/>
+                        <a:rPr lang="zh-CN" altLang="en-US" sz="2000" dirty="0"/>
                         <a:t>支持，</a:t>
                       </a:r>
                       <a:r>
-                        <a:rPr lang="en-US" altLang="zh-CN" dirty="0" err="1"/>
+                        <a:rPr lang="en-US" altLang="zh-CN" sz="2000" dirty="0" err="1"/>
                         <a:t>sh</a:t>
                       </a:r>
                       <a:r>
-                        <a:rPr lang="zh-CN" altLang="en-US" dirty="0"/>
+                        <a:rPr lang="zh-CN" altLang="en-US" sz="2000" dirty="0"/>
                         <a:t>不支持</a:t>
                       </a:r>
-                      <a:endParaRPr lang="en-US" altLang="zh-CN" dirty="0"/>
+                      <a:endParaRPr lang="en-US" altLang="zh-CN" sz="2000" dirty="0"/>
                     </a:p>
                     <a:p>
-                      <a:endParaRPr lang="en-US" altLang="zh-CN" dirty="0"/>
+                      <a:endParaRPr lang="en-US" altLang="zh-CN" sz="2000" dirty="0"/>
                     </a:p>
                     <a:p>
                       <a:r>
-                        <a:rPr lang="en-US" altLang="zh-CN" dirty="0"/>
+                        <a:rPr lang="en-US" altLang="zh-CN" sz="2000" dirty="0"/>
                         <a:t>for  (( </a:t>
                       </a:r>
                       <a:r>
-                        <a:rPr lang="en-US" altLang="zh-CN" dirty="0" err="1"/>
+                        <a:rPr lang="en-US" altLang="zh-CN" sz="2000" dirty="0" err="1"/>
                         <a:t>i</a:t>
                       </a:r>
                       <a:r>
-                        <a:rPr lang="en-US" altLang="zh-CN" dirty="0"/>
+                        <a:rPr lang="en-US" altLang="zh-CN" sz="2000" dirty="0"/>
                         <a:t>=0;i&lt;100;i++ ))</a:t>
                       </a:r>
                     </a:p>
                     <a:p>
                       <a:r>
-                        <a:rPr lang="en-US" altLang="zh-CN" dirty="0"/>
+                        <a:rPr lang="en-US" altLang="zh-CN" sz="2000" dirty="0"/>
                         <a:t>do</a:t>
                       </a:r>
                     </a:p>
                     <a:p>
                       <a:r>
-                        <a:rPr lang="en-US" altLang="zh-CN" dirty="0"/>
+                        <a:rPr lang="en-US" altLang="zh-CN" sz="2000" dirty="0"/>
                         <a:t>    echo $</a:t>
                       </a:r>
                       <a:r>
-                        <a:rPr lang="en-US" altLang="zh-CN" dirty="0" err="1"/>
+                        <a:rPr lang="en-US" altLang="zh-CN" sz="2000" dirty="0" err="1"/>
                         <a:t>i</a:t>
                       </a:r>
-                      <a:endParaRPr lang="en-US" altLang="zh-CN" dirty="0"/>
+                      <a:endParaRPr lang="en-US" altLang="zh-CN" sz="2000" dirty="0"/>
                     </a:p>
                     <a:p>
                       <a:r>
-                        <a:rPr lang="en-US" altLang="zh-CN" dirty="0"/>
+                        <a:rPr lang="en-US" altLang="zh-CN" sz="2000" dirty="0"/>
                         <a:t>done</a:t>
                       </a:r>
-                      <a:endParaRPr lang="zh-CN" altLang="en-US" dirty="0"/>
+                      <a:endParaRPr lang="zh-CN" altLang="en-US" sz="2000" dirty="0"/>
                     </a:p>
                   </a:txBody>
                   <a:tcPr/>
@@ -11020,7 +10930,7 @@
                   </a:schemeClr>
                 </a:solidFill>
               </a:rPr>
-              <a:t>知识回顾</a:t>
+              <a:t>知识回顾与整理</a:t>
             </a:r>
           </a:p>
         </p:txBody>
@@ -11438,29 +11348,31 @@
         </p:nvSpPr>
         <p:spPr/>
         <p:txBody>
-          <a:bodyPr/>
+          <a:bodyPr>
+            <a:normAutofit/>
+          </a:bodyPr>
           <a:lstStyle/>
           <a:p>
             <a:r>
-              <a:rPr lang="en-US" altLang="zh-CN" sz="2000" dirty="0"/>
+              <a:rPr lang="en-US" altLang="zh-CN" sz="2400" dirty="0"/>
               <a:t>shell</a:t>
             </a:r>
             <a:r>
-              <a:rPr lang="zh-CN" altLang="en-US" sz="2000" dirty="0"/>
+              <a:rPr lang="zh-CN" altLang="en-US" sz="2400" dirty="0"/>
               <a:t>中定义一个函数：</a:t>
             </a:r>
-            <a:endParaRPr lang="en-US" altLang="zh-CN" sz="2000" dirty="0"/>
+            <a:endParaRPr lang="en-US" altLang="zh-CN" sz="2400" dirty="0"/>
           </a:p>
           <a:p>
             <a:pPr marL="457200" lvl="1" indent="0">
               <a:buNone/>
             </a:pPr>
             <a:r>
-              <a:rPr lang="en-US" altLang="zh-CN" sz="2000" dirty="0" err="1"/>
+              <a:rPr lang="en-US" altLang="zh-CN" dirty="0" err="1"/>
               <a:t>loop_show_time</a:t>
             </a:r>
             <a:r>
-              <a:rPr lang="en-US" altLang="zh-CN" sz="2000" dirty="0"/>
+              <a:rPr lang="en-US" altLang="zh-CN" dirty="0"/>
               <a:t>(){</a:t>
             </a:r>
           </a:p>
@@ -11469,7 +11381,7 @@
               <a:buNone/>
             </a:pPr>
             <a:r>
-              <a:rPr lang="en-US" altLang="zh-CN" sz="2000" dirty="0"/>
+              <a:rPr lang="en-US" altLang="zh-CN" dirty="0"/>
               <a:t>    while date ; do</a:t>
             </a:r>
           </a:p>
@@ -11478,7 +11390,7 @@
               <a:buNone/>
             </a:pPr>
             <a:r>
-              <a:rPr lang="en-US" altLang="zh-CN" sz="2000" dirty="0"/>
+              <a:rPr lang="en-US" altLang="zh-CN" dirty="0"/>
               <a:t>        sleep 1</a:t>
             </a:r>
           </a:p>
@@ -11487,7 +11399,7 @@
               <a:buNone/>
             </a:pPr>
             <a:r>
-              <a:rPr lang="en-US" altLang="zh-CN" sz="2000" dirty="0"/>
+              <a:rPr lang="en-US" altLang="zh-CN" dirty="0"/>
               <a:t>        clear</a:t>
             </a:r>
           </a:p>
@@ -11496,7 +11408,7 @@
               <a:buNone/>
             </a:pPr>
             <a:r>
-              <a:rPr lang="en-US" altLang="zh-CN" sz="2000" dirty="0"/>
+              <a:rPr lang="en-US" altLang="zh-CN" dirty="0"/>
               <a:t>    done</a:t>
             </a:r>
           </a:p>
@@ -11505,26 +11417,20 @@
               <a:buNone/>
             </a:pPr>
             <a:r>
-              <a:rPr lang="en-US" altLang="zh-CN" sz="2000" dirty="0"/>
+              <a:rPr lang="en-US" altLang="zh-CN" dirty="0"/>
               <a:t>}</a:t>
             </a:r>
           </a:p>
           <a:p>
             <a:r>
-              <a:rPr lang="zh-CN" altLang="en-US" sz="2000" dirty="0"/>
+              <a:rPr lang="zh-CN" altLang="en-US" sz="2400" dirty="0"/>
               <a:t>调用函数：</a:t>
             </a:r>
             <a:r>
-              <a:rPr lang="en-US" altLang="zh-CN" sz="2000" dirty="0" err="1"/>
+              <a:rPr lang="en-US" altLang="zh-CN" sz="2400" dirty="0" err="1"/>
               <a:t>loop_show_time</a:t>
             </a:r>
-            <a:endParaRPr lang="en-US" altLang="zh-CN" sz="2000" dirty="0"/>
-          </a:p>
-          <a:p>
-            <a:pPr marL="0" indent="0">
-              <a:buNone/>
-            </a:pPr>
-            <a:endParaRPr lang="en-US" altLang="zh-CN" sz="2000" dirty="0"/>
+            <a:endParaRPr lang="en-US" altLang="zh-CN" sz="2400" dirty="0"/>
           </a:p>
         </p:txBody>
       </p:sp>
@@ -11678,7 +11584,7 @@
           <a:p>
             <a:pPr algn="ctr"/>
             <a:r>
-              <a:rPr lang="en-US" altLang="zh-CN" dirty="0">
+              <a:rPr lang="en-US" altLang="zh-CN" sz="2000" dirty="0">
                 <a:solidFill>
                   <a:schemeClr val="tx1">
                     <a:lumMod val="85000"/>
@@ -11688,7 +11594,7 @@
               </a:rPr>
               <a:t>Apache</a:t>
             </a:r>
-            <a:endParaRPr lang="zh-CN" altLang="en-US" dirty="0">
+            <a:endParaRPr lang="zh-CN" altLang="en-US" sz="2000" dirty="0">
               <a:solidFill>
                 <a:schemeClr val="tx1">
                   <a:lumMod val="85000"/>
@@ -11753,7 +11659,7 @@
         <p:spPr>
           <a:xfrm>
             <a:off x="1198485" y="1828800"/>
-            <a:ext cx="1455938" cy="369332"/>
+            <a:ext cx="1455938" cy="400110"/>
           </a:xfrm>
           <a:prstGeom prst="rect">
             <a:avLst/>
@@ -11770,10 +11676,10 @@
           <a:lstStyle/>
           <a:p>
             <a:r>
-              <a:rPr lang="en-US" altLang="zh-CN" dirty="0"/>
+              <a:rPr lang="en-US" altLang="zh-CN" sz="2000" dirty="0"/>
               <a:t>Request</a:t>
             </a:r>
-            <a:endParaRPr lang="zh-CN" altLang="en-US" dirty="0"/>
+            <a:endParaRPr lang="zh-CN" altLang="en-US" sz="2000" dirty="0"/>
           </a:p>
         </p:txBody>
       </p:sp>
@@ -11792,7 +11698,7 @@
         <p:spPr>
           <a:xfrm>
             <a:off x="1198485" y="2425371"/>
-            <a:ext cx="1455938" cy="369332"/>
+            <a:ext cx="1455938" cy="400110"/>
           </a:xfrm>
           <a:prstGeom prst="rect">
             <a:avLst/>
@@ -11809,10 +11715,10 @@
           <a:lstStyle/>
           <a:p>
             <a:r>
-              <a:rPr lang="en-US" altLang="zh-CN" dirty="0"/>
+              <a:rPr lang="en-US" altLang="zh-CN" sz="2000" dirty="0"/>
               <a:t>Response</a:t>
             </a:r>
-            <a:endParaRPr lang="zh-CN" altLang="en-US" dirty="0"/>
+            <a:endParaRPr lang="zh-CN" altLang="en-US" sz="2000" dirty="0"/>
           </a:p>
         </p:txBody>
       </p:sp>
@@ -11910,7 +11816,7 @@
           <a:p>
             <a:pPr algn="ctr"/>
             <a:r>
-              <a:rPr lang="en-US" altLang="zh-CN" dirty="0">
+              <a:rPr lang="en-US" altLang="zh-CN" sz="2000" dirty="0">
                 <a:solidFill>
                   <a:schemeClr val="tx1">
                     <a:lumMod val="85000"/>
@@ -11921,7 +11827,7 @@
               <a:t>PHP</a:t>
             </a:r>
             <a:r>
-              <a:rPr lang="zh-CN" altLang="en-US" dirty="0">
+              <a:rPr lang="zh-CN" altLang="en-US" sz="2000" dirty="0">
                 <a:solidFill>
                   <a:schemeClr val="tx1">
                     <a:lumMod val="85000"/>
@@ -12025,7 +11931,7 @@
           <a:p>
             <a:pPr algn="ctr"/>
             <a:r>
-              <a:rPr lang="en-US" altLang="zh-CN" dirty="0">
+              <a:rPr lang="en-US" altLang="zh-CN" sz="2000" dirty="0">
                 <a:solidFill>
                   <a:schemeClr val="tx1">
                     <a:lumMod val="85000"/>
@@ -12035,7 +11941,7 @@
               </a:rPr>
               <a:t>MySQL</a:t>
             </a:r>
-            <a:endParaRPr lang="zh-CN" altLang="en-US" dirty="0">
+            <a:endParaRPr lang="zh-CN" altLang="en-US" sz="2000" dirty="0">
               <a:solidFill>
                 <a:schemeClr val="tx1">
                   <a:lumMod val="85000"/>
@@ -12107,8 +12013,8 @@
         </p:nvSpPr>
         <p:spPr>
           <a:xfrm>
-            <a:off x="1926454" y="3915012"/>
-            <a:ext cx="7093258" cy="1200329"/>
+            <a:off x="1926453" y="3915012"/>
+            <a:ext cx="8615517" cy="1569660"/>
           </a:xfrm>
           <a:prstGeom prst="rect">
             <a:avLst/>
@@ -12122,57 +12028,57 @@
           <a:lstStyle/>
           <a:p>
             <a:r>
-              <a:rPr lang="en-US" altLang="zh-CN" dirty="0"/>
+              <a:rPr lang="en-US" altLang="zh-CN" sz="2400" dirty="0"/>
               <a:t>Apache</a:t>
             </a:r>
             <a:r>
-              <a:rPr lang="zh-CN" altLang="en-US" dirty="0"/>
+              <a:rPr lang="zh-CN" altLang="en-US" sz="2400" dirty="0"/>
               <a:t>与</a:t>
             </a:r>
             <a:r>
-              <a:rPr lang="en-US" altLang="zh-CN" dirty="0"/>
+              <a:rPr lang="en-US" altLang="zh-CN" sz="2400" dirty="0"/>
               <a:t>PHP</a:t>
             </a:r>
             <a:r>
-              <a:rPr lang="zh-CN" altLang="en-US" dirty="0"/>
+              <a:rPr lang="zh-CN" altLang="en-US" sz="2400" dirty="0"/>
               <a:t>的接入方式最简单的是使用</a:t>
             </a:r>
             <a:r>
-              <a:rPr lang="en-US" altLang="zh-CN" dirty="0" err="1"/>
+              <a:rPr lang="en-US" altLang="zh-CN" sz="2400" dirty="0" err="1"/>
               <a:t>mod_php</a:t>
             </a:r>
             <a:r>
-              <a:rPr lang="zh-CN" altLang="en-US" dirty="0"/>
+              <a:rPr lang="zh-CN" altLang="en-US" sz="2400" dirty="0"/>
               <a:t>，请求到达后，</a:t>
             </a:r>
             <a:r>
-              <a:rPr lang="en-US" altLang="zh-CN" dirty="0"/>
+              <a:rPr lang="en-US" altLang="zh-CN" sz="2400" dirty="0"/>
               <a:t>Apache</a:t>
             </a:r>
             <a:r>
-              <a:rPr lang="zh-CN" altLang="en-US" dirty="0"/>
+              <a:rPr lang="zh-CN" altLang="en-US" sz="2400" dirty="0"/>
               <a:t>会创建进程运行</a:t>
             </a:r>
             <a:r>
-              <a:rPr lang="en-US" altLang="zh-CN" dirty="0"/>
+              <a:rPr lang="en-US" altLang="zh-CN" sz="2400" dirty="0"/>
               <a:t>PHP</a:t>
             </a:r>
             <a:r>
-              <a:rPr lang="zh-CN" altLang="en-US" dirty="0"/>
+              <a:rPr lang="zh-CN" altLang="en-US" sz="2400" dirty="0"/>
               <a:t>解释器处理。</a:t>
             </a:r>
-            <a:endParaRPr lang="en-US" altLang="zh-CN" dirty="0"/>
-          </a:p>
-          <a:p>
-            <a:endParaRPr lang="en-US" altLang="zh-CN" dirty="0"/>
-          </a:p>
-          <a:p>
-            <a:r>
-              <a:rPr lang="en-US" altLang="zh-CN" dirty="0"/>
+            <a:endParaRPr lang="en-US" altLang="zh-CN" sz="2400" dirty="0"/>
+          </a:p>
+          <a:p>
+            <a:endParaRPr lang="en-US" altLang="zh-CN" sz="2400" dirty="0"/>
+          </a:p>
+          <a:p>
+            <a:r>
+              <a:rPr lang="en-US" altLang="zh-CN" sz="2400" dirty="0"/>
               <a:t>Apache</a:t>
             </a:r>
             <a:r>
-              <a:rPr lang="zh-CN" altLang="en-US" dirty="0"/>
+              <a:rPr lang="zh-CN" altLang="en-US" sz="2400" dirty="0"/>
               <a:t>的这种处理方式效率很低，只能应对并发不高的场景。</a:t>
             </a:r>
           </a:p>
@@ -12268,65 +12174,67 @@
           </a:xfrm>
         </p:spPr>
         <p:txBody>
-          <a:bodyPr/>
+          <a:bodyPr>
+            <a:normAutofit/>
+          </a:bodyPr>
           <a:lstStyle/>
           <a:p>
             <a:r>
-              <a:rPr lang="en-US" altLang="zh-CN" sz="2000" dirty="0"/>
+              <a:rPr lang="en-US" altLang="zh-CN" sz="2400" dirty="0"/>
               <a:t>PHP</a:t>
             </a:r>
             <a:r>
-              <a:rPr lang="zh-CN" altLang="en-US" sz="2000" dirty="0"/>
+              <a:rPr lang="zh-CN" altLang="en-US" sz="2400" dirty="0"/>
               <a:t>几乎只被用于</a:t>
             </a:r>
             <a:r>
-              <a:rPr lang="en-US" altLang="zh-CN" sz="2000" dirty="0"/>
+              <a:rPr lang="en-US" altLang="zh-CN" sz="2400" dirty="0"/>
               <a:t>Web</a:t>
             </a:r>
             <a:r>
-              <a:rPr lang="zh-CN" altLang="en-US" sz="2000" dirty="0"/>
+              <a:rPr lang="zh-CN" altLang="en-US" sz="2400" dirty="0"/>
               <a:t>领域。</a:t>
             </a:r>
-            <a:endParaRPr lang="en-US" altLang="zh-CN" sz="2000" dirty="0"/>
+            <a:endParaRPr lang="en-US" altLang="zh-CN" sz="2400" dirty="0"/>
           </a:p>
           <a:p>
             <a:pPr marL="0" indent="0">
               <a:buNone/>
             </a:pPr>
-            <a:endParaRPr lang="en-US" altLang="zh-CN" sz="2000" dirty="0"/>
-          </a:p>
-          <a:p>
-            <a:r>
-              <a:rPr lang="en-US" altLang="zh-CN" sz="2000" dirty="0"/>
+            <a:endParaRPr lang="en-US" altLang="zh-CN" sz="2400" dirty="0"/>
+          </a:p>
+          <a:p>
+            <a:r>
+              <a:rPr lang="en-US" altLang="zh-CN" sz="2400" dirty="0"/>
               <a:t>PHP</a:t>
             </a:r>
             <a:r>
-              <a:rPr lang="zh-CN" altLang="en-US" sz="2000" dirty="0"/>
+              <a:rPr lang="zh-CN" altLang="en-US" sz="2400" dirty="0"/>
               <a:t>的网站支持热部署，因为是解释器动态加载程序文件解释执行，每次请求会重新加载脚本，所以代码更改后改变会立即体现，这是一个优势。</a:t>
             </a:r>
-            <a:endParaRPr lang="en-US" altLang="zh-CN" sz="2000" dirty="0"/>
-          </a:p>
-          <a:p>
-            <a:endParaRPr lang="en-US" altLang="zh-CN" sz="2000" dirty="0"/>
-          </a:p>
-          <a:p>
-            <a:r>
-              <a:rPr lang="en-US" altLang="zh-CN" sz="2000" dirty="0"/>
+            <a:endParaRPr lang="en-US" altLang="zh-CN" sz="2400" dirty="0"/>
+          </a:p>
+          <a:p>
+            <a:endParaRPr lang="en-US" altLang="zh-CN" sz="2400" dirty="0"/>
+          </a:p>
+          <a:p>
+            <a:r>
+              <a:rPr lang="en-US" altLang="zh-CN" sz="2400" dirty="0"/>
               <a:t>PHP7</a:t>
             </a:r>
             <a:r>
-              <a:rPr lang="zh-CN" altLang="en-US" sz="2000" dirty="0"/>
+              <a:rPr lang="zh-CN" altLang="en-US" sz="2400" dirty="0"/>
               <a:t>的发布，是一个重大成就。任何一个语言都是不断适应当前需求的，</a:t>
             </a:r>
             <a:r>
-              <a:rPr lang="en-US" altLang="zh-CN" sz="2000" dirty="0"/>
+              <a:rPr lang="en-US" altLang="zh-CN" sz="2400" dirty="0"/>
               <a:t>PHP</a:t>
             </a:r>
             <a:r>
-              <a:rPr lang="zh-CN" altLang="en-US" sz="2000" dirty="0"/>
+              <a:rPr lang="zh-CN" altLang="en-US" sz="2400" dirty="0"/>
               <a:t>也在不断改变。</a:t>
             </a:r>
-            <a:endParaRPr lang="en-US" altLang="zh-CN" sz="2000" dirty="0"/>
+            <a:endParaRPr lang="en-US" altLang="zh-CN" sz="2400" dirty="0"/>
           </a:p>
         </p:txBody>
       </p:sp>
@@ -12425,41 +12333,41 @@
           <a:lstStyle/>
           <a:p>
             <a:r>
-              <a:rPr lang="en-US" altLang="zh-CN" sz="2000" dirty="0"/>
+              <a:rPr lang="en-US" altLang="zh-CN" sz="2400" dirty="0"/>
               <a:t>PHP</a:t>
             </a:r>
             <a:r>
-              <a:rPr lang="zh-CN" altLang="en-US" sz="2000" dirty="0"/>
+              <a:rPr lang="zh-CN" altLang="en-US" sz="2400" dirty="0"/>
               <a:t>负责后端数据库处理，前端模板渲染。</a:t>
             </a:r>
-            <a:endParaRPr lang="en-US" altLang="zh-CN" sz="2000" dirty="0"/>
-          </a:p>
-          <a:p>
-            <a:endParaRPr lang="en-US" altLang="zh-CN" sz="2000" dirty="0"/>
-          </a:p>
-          <a:p>
-            <a:r>
-              <a:rPr lang="zh-CN" altLang="en-US" sz="2000" dirty="0"/>
+            <a:endParaRPr lang="en-US" altLang="zh-CN" sz="2400" dirty="0"/>
+          </a:p>
+          <a:p>
+            <a:endParaRPr lang="en-US" altLang="zh-CN" sz="2400" dirty="0"/>
+          </a:p>
+          <a:p>
+            <a:r>
+              <a:rPr lang="zh-CN" altLang="en-US" sz="2400" dirty="0"/>
               <a:t>小规模站点，不用考虑缓存，甚至不用日志。</a:t>
             </a:r>
-            <a:endParaRPr lang="en-US" altLang="zh-CN" sz="2000" dirty="0"/>
-          </a:p>
-          <a:p>
-            <a:endParaRPr lang="en-US" altLang="zh-CN" sz="2000" dirty="0"/>
-          </a:p>
-          <a:p>
-            <a:r>
-              <a:rPr lang="zh-CN" altLang="en-US" sz="2000" dirty="0"/>
+            <a:endParaRPr lang="en-US" altLang="zh-CN" sz="2400" dirty="0"/>
+          </a:p>
+          <a:p>
+            <a:endParaRPr lang="en-US" altLang="zh-CN" sz="2400" dirty="0"/>
+          </a:p>
+          <a:p>
+            <a:r>
+              <a:rPr lang="zh-CN" altLang="en-US" sz="2400" dirty="0"/>
               <a:t>初具规模的网站就要使用日志记录操作，错误等信息，网站访问量大就要使用缓存，消息队列等技术，避免直接操作数据库导致数据库服务异常。</a:t>
             </a:r>
-            <a:endParaRPr lang="en-US" altLang="zh-CN" sz="2000" dirty="0"/>
-          </a:p>
-          <a:p>
-            <a:endParaRPr lang="en-US" altLang="zh-CN" sz="2000" dirty="0"/>
-          </a:p>
-          <a:p>
-            <a:r>
-              <a:rPr lang="zh-CN" altLang="en-US" sz="2000" dirty="0"/>
+            <a:endParaRPr lang="en-US" altLang="zh-CN" sz="2400" dirty="0"/>
+          </a:p>
+          <a:p>
+            <a:endParaRPr lang="en-US" altLang="zh-CN" sz="2400" dirty="0"/>
+          </a:p>
+          <a:p>
+            <a:r>
+              <a:rPr lang="zh-CN" altLang="en-US" sz="2400" dirty="0"/>
               <a:t>多数网站不能推送。</a:t>
             </a:r>
           </a:p>
@@ -12547,101 +12455,101 @@
         <p:spPr/>
         <p:txBody>
           <a:bodyPr>
-            <a:normAutofit/>
+            <a:noAutofit/>
           </a:bodyPr>
           <a:lstStyle/>
           <a:p>
             <a:r>
-              <a:rPr lang="zh-CN" altLang="en-US" sz="2000" dirty="0"/>
+              <a:rPr lang="zh-CN" altLang="en-US" sz="2400" dirty="0"/>
               <a:t>前后端分离后，</a:t>
             </a:r>
             <a:r>
-              <a:rPr lang="en-US" altLang="zh-CN" sz="2000" dirty="0"/>
+              <a:rPr lang="en-US" altLang="zh-CN" sz="2400" dirty="0"/>
               <a:t>PHP</a:t>
             </a:r>
             <a:r>
-              <a:rPr lang="zh-CN" altLang="en-US" sz="2000" dirty="0"/>
+              <a:rPr lang="zh-CN" altLang="en-US" sz="2400" dirty="0"/>
               <a:t>不再负责模板渲染。</a:t>
             </a:r>
-            <a:endParaRPr lang="en-US" altLang="zh-CN" sz="2000" dirty="0"/>
-          </a:p>
-          <a:p>
-            <a:endParaRPr lang="en-US" altLang="zh-CN" sz="2000" dirty="0"/>
-          </a:p>
-          <a:p>
-            <a:r>
-              <a:rPr lang="en-US" altLang="zh-CN" sz="2000" dirty="0"/>
+            <a:endParaRPr lang="en-US" altLang="zh-CN" sz="2400" dirty="0"/>
+          </a:p>
+          <a:p>
+            <a:endParaRPr lang="en-US" altLang="zh-CN" sz="2400" dirty="0"/>
+          </a:p>
+          <a:p>
+            <a:r>
+              <a:rPr lang="en-US" altLang="zh-CN" sz="2400" dirty="0"/>
               <a:t>PHP</a:t>
             </a:r>
             <a:r>
-              <a:rPr lang="zh-CN" altLang="en-US" sz="2000" dirty="0"/>
+              <a:rPr lang="zh-CN" altLang="en-US" sz="2400" dirty="0"/>
               <a:t>实现接口，返回</a:t>
             </a:r>
             <a:r>
-              <a:rPr lang="en-US" altLang="zh-CN" sz="2000" dirty="0"/>
+              <a:rPr lang="en-US" altLang="zh-CN" sz="2400" dirty="0"/>
               <a:t>JSON</a:t>
             </a:r>
             <a:r>
-              <a:rPr lang="zh-CN" altLang="en-US" sz="2000" dirty="0"/>
+              <a:rPr lang="zh-CN" altLang="en-US" sz="2400" dirty="0"/>
               <a:t>格式的数据。</a:t>
             </a:r>
-            <a:endParaRPr lang="en-US" altLang="zh-CN" sz="2000" dirty="0"/>
-          </a:p>
-          <a:p>
-            <a:endParaRPr lang="en-US" altLang="zh-CN" sz="2000" dirty="0"/>
-          </a:p>
-          <a:p>
-            <a:r>
-              <a:rPr lang="zh-CN" altLang="en-US" sz="2000" dirty="0"/>
+            <a:endParaRPr lang="en-US" altLang="zh-CN" sz="2400" dirty="0"/>
+          </a:p>
+          <a:p>
+            <a:endParaRPr lang="en-US" altLang="zh-CN" sz="2400" dirty="0"/>
+          </a:p>
+          <a:p>
+            <a:r>
+              <a:rPr lang="zh-CN" altLang="en-US" sz="2400" dirty="0"/>
               <a:t>前端使用</a:t>
             </a:r>
             <a:r>
-              <a:rPr lang="en-US" altLang="zh-CN" sz="2000" dirty="0"/>
+              <a:rPr lang="en-US" altLang="zh-CN" sz="2400" dirty="0"/>
               <a:t>AJAX</a:t>
             </a:r>
             <a:r>
-              <a:rPr lang="zh-CN" altLang="en-US" sz="2000" dirty="0"/>
+              <a:rPr lang="zh-CN" altLang="en-US" sz="2400" dirty="0"/>
               <a:t>发起请求，并进行页面数据生成。一般会使用成熟的框架快速开发。</a:t>
             </a:r>
-            <a:endParaRPr lang="en-US" altLang="zh-CN" sz="2000" dirty="0"/>
-          </a:p>
-          <a:p>
-            <a:endParaRPr lang="en-US" altLang="zh-CN" sz="2000" dirty="0"/>
-          </a:p>
-          <a:p>
-            <a:r>
-              <a:rPr lang="zh-CN" altLang="en-US" sz="2000" dirty="0"/>
+            <a:endParaRPr lang="en-US" altLang="zh-CN" sz="2400" dirty="0"/>
+          </a:p>
+          <a:p>
+            <a:endParaRPr lang="en-US" altLang="zh-CN" sz="2400" dirty="0"/>
+          </a:p>
+          <a:p>
+            <a:r>
+              <a:rPr lang="zh-CN" altLang="en-US" sz="2400" dirty="0"/>
               <a:t>前后端分离能更好的降低开发耦合性，开发工作可以同时进行。前端页面和后端服务器通过接口进行通信。</a:t>
             </a:r>
-            <a:endParaRPr lang="en-US" altLang="zh-CN" sz="2000" dirty="0"/>
-          </a:p>
-          <a:p>
-            <a:endParaRPr lang="en-US" altLang="zh-CN" sz="2000" dirty="0"/>
-          </a:p>
-          <a:p>
-            <a:r>
-              <a:rPr lang="zh-CN" altLang="en-US" sz="2000" dirty="0"/>
+            <a:endParaRPr lang="en-US" altLang="zh-CN" sz="2400" dirty="0"/>
+          </a:p>
+          <a:p>
+            <a:endParaRPr lang="en-US" altLang="zh-CN" sz="2400" dirty="0"/>
+          </a:p>
+          <a:p>
+            <a:r>
+              <a:rPr lang="zh-CN" altLang="en-US" sz="2400" dirty="0"/>
               <a:t>前端使用响应式设计，自适应窗口大小变化并自动调整布局。</a:t>
             </a:r>
-            <a:endParaRPr lang="en-US" altLang="zh-CN" sz="2000" dirty="0"/>
-          </a:p>
-          <a:p>
-            <a:endParaRPr lang="en-US" altLang="zh-CN" sz="2000" dirty="0"/>
-          </a:p>
-          <a:p>
-            <a:r>
-              <a:rPr lang="zh-CN" altLang="en-US" sz="2000" dirty="0"/>
+            <a:endParaRPr lang="en-US" altLang="zh-CN" sz="2400" dirty="0"/>
+          </a:p>
+          <a:p>
+            <a:endParaRPr lang="en-US" altLang="zh-CN" sz="2400" dirty="0"/>
+          </a:p>
+          <a:p>
+            <a:r>
+              <a:rPr lang="zh-CN" altLang="en-US" sz="2400" dirty="0"/>
               <a:t>目前，单页应用是趋势，前端页面向原生</a:t>
             </a:r>
             <a:r>
-              <a:rPr lang="en-US" altLang="zh-CN" sz="2000" dirty="0"/>
+              <a:rPr lang="en-US" altLang="zh-CN" sz="2400" dirty="0"/>
               <a:t>app</a:t>
             </a:r>
             <a:r>
-              <a:rPr lang="zh-CN" altLang="en-US" sz="2000" dirty="0"/>
+              <a:rPr lang="zh-CN" altLang="en-US" sz="2400" dirty="0"/>
               <a:t>的体验靠近。</a:t>
             </a:r>
-            <a:endParaRPr lang="en-US" altLang="zh-CN" sz="2000" dirty="0"/>
+            <a:endParaRPr lang="en-US" altLang="zh-CN" sz="2400" dirty="0"/>
           </a:p>
         </p:txBody>
       </p:sp>
@@ -12836,50 +12744,162 @@
         </p:nvSpPr>
         <p:spPr/>
         <p:txBody>
-          <a:bodyPr/>
+          <a:bodyPr>
+            <a:normAutofit lnSpcReduction="10000"/>
+          </a:bodyPr>
           <a:lstStyle/>
           <a:p>
             <a:r>
+              <a:rPr lang="en-US" altLang="zh-CN" sz="2400" dirty="0"/>
+              <a:t>bash</a:t>
+            </a:r>
+            <a:r>
+              <a:rPr lang="zh-CN" altLang="en-US" sz="2400" dirty="0"/>
+              <a:t>会根据</a:t>
+            </a:r>
+            <a:r>
+              <a:rPr lang="en-US" altLang="zh-CN" sz="2400" dirty="0"/>
+              <a:t>PATH</a:t>
+            </a:r>
+            <a:r>
+              <a:rPr lang="zh-CN" altLang="en-US" sz="2400" dirty="0"/>
+              <a:t>变量的设置自动寻找输入的命令。如果有同名的命令，按照路径顺序找到后返回执行，不再继续寻找。有同名的指令可以输入路径运行。</a:t>
+            </a:r>
+            <a:endParaRPr lang="en-US" altLang="zh-CN" sz="2400" dirty="0"/>
+          </a:p>
+          <a:p>
+            <a:r>
+              <a:rPr lang="en-US" altLang="zh-CN" sz="2400" dirty="0"/>
+              <a:t>.profile</a:t>
+            </a:r>
+            <a:r>
+              <a:rPr lang="zh-CN" altLang="en-US" sz="2400" dirty="0"/>
+              <a:t>记录了</a:t>
+            </a:r>
+            <a:r>
+              <a:rPr lang="en-US" altLang="zh-CN" sz="2400" dirty="0"/>
+              <a:t>bash</a:t>
+            </a:r>
+            <a:r>
+              <a:rPr lang="zh-CN" altLang="en-US" sz="2400" dirty="0"/>
+              <a:t>会在哪些目录查找命令</a:t>
+            </a:r>
+            <a:endParaRPr lang="en-US" altLang="zh-CN" sz="2400" dirty="0"/>
+          </a:p>
+          <a:p>
+            <a:r>
+              <a:rPr lang="zh-CN" altLang="en-US" sz="2400" dirty="0"/>
+              <a:t>默认的路径：</a:t>
+            </a:r>
+            <a:endParaRPr lang="en-US" altLang="zh-CN" sz="2400" dirty="0"/>
+          </a:p>
+          <a:p>
+            <a:pPr marL="457200" lvl="1" indent="0">
+              <a:buNone/>
+            </a:pPr>
+            <a:r>
               <a:rPr lang="en-US" altLang="zh-CN" sz="2000" dirty="0"/>
-              <a:t>bash</a:t>
-            </a:r>
-            <a:r>
-              <a:rPr lang="zh-CN" altLang="en-US" sz="2000" dirty="0"/>
-              <a:t>会根据</a:t>
-            </a:r>
+              <a:t>~/bin</a:t>
+            </a:r>
+          </a:p>
+          <a:p>
+            <a:pPr marL="457200" lvl="1" indent="0">
+              <a:buNone/>
+            </a:pPr>
             <a:r>
               <a:rPr lang="en-US" altLang="zh-CN" sz="2000" dirty="0"/>
-              <a:t>PATH</a:t>
-            </a:r>
-            <a:r>
-              <a:rPr lang="zh-CN" altLang="en-US" sz="2000" dirty="0"/>
-              <a:t>变量的设置自动寻找输入的命令。如果有同名的命令，按照路径顺序找到后返回执行，不再继续寻找。有同名的指令可以输入路径运行。</a:t>
+              <a:t>~/.local/bin</a:t>
+            </a:r>
+          </a:p>
+          <a:p>
+            <a:pPr marL="457200" lvl="1" indent="0">
+              <a:buNone/>
+            </a:pPr>
+            <a:r>
+              <a:rPr lang="en-US" altLang="zh-CN" sz="2000" dirty="0"/>
+              <a:t>/</a:t>
+            </a:r>
+            <a:r>
+              <a:rPr lang="en-US" altLang="zh-CN" sz="2000" dirty="0" err="1"/>
+              <a:t>usr</a:t>
+            </a:r>
+            <a:r>
+              <a:rPr lang="en-US" altLang="zh-CN" sz="2000" dirty="0"/>
+              <a:t>/local/</a:t>
+            </a:r>
+            <a:r>
+              <a:rPr lang="en-US" altLang="zh-CN" sz="2000" dirty="0" err="1"/>
+              <a:t>sbin</a:t>
             </a:r>
             <a:endParaRPr lang="en-US" altLang="zh-CN" sz="2000" dirty="0"/>
           </a:p>
           <a:p>
+            <a:pPr marL="457200" lvl="1" indent="0">
+              <a:buNone/>
+            </a:pPr>
             <a:r>
               <a:rPr lang="en-US" altLang="zh-CN" sz="2000" dirty="0"/>
-              <a:t>.profile</a:t>
-            </a:r>
-            <a:r>
-              <a:rPr lang="zh-CN" altLang="en-US" sz="2000" dirty="0"/>
-              <a:t>记录了</a:t>
+              <a:t>/</a:t>
+            </a:r>
+            <a:r>
+              <a:rPr lang="en-US" altLang="zh-CN" sz="2000" dirty="0" err="1"/>
+              <a:t>usr</a:t>
             </a:r>
             <a:r>
               <a:rPr lang="en-US" altLang="zh-CN" sz="2000" dirty="0"/>
-              <a:t>bash</a:t>
-            </a:r>
-            <a:r>
-              <a:rPr lang="zh-CN" altLang="en-US" sz="2000" dirty="0"/>
-              <a:t>会在哪些目录查找命令</a:t>
+              <a:t>/local/bin</a:t>
+            </a:r>
+          </a:p>
+          <a:p>
+            <a:pPr marL="457200" lvl="1" indent="0">
+              <a:buNone/>
+            </a:pPr>
+            <a:r>
+              <a:rPr lang="en-US" altLang="zh-CN" sz="2000" dirty="0"/>
+              <a:t>/</a:t>
+            </a:r>
+            <a:r>
+              <a:rPr lang="en-US" altLang="zh-CN" sz="2000" dirty="0" err="1"/>
+              <a:t>usr</a:t>
+            </a:r>
+            <a:r>
+              <a:rPr lang="en-US" altLang="zh-CN" sz="2000" dirty="0"/>
+              <a:t>/</a:t>
+            </a:r>
+            <a:r>
+              <a:rPr lang="en-US" altLang="zh-CN" sz="2000" dirty="0" err="1"/>
+              <a:t>sbin</a:t>
             </a:r>
             <a:endParaRPr lang="en-US" altLang="zh-CN" sz="2000" dirty="0"/>
           </a:p>
           <a:p>
-            <a:r>
-              <a:rPr lang="zh-CN" altLang="en-US" sz="2000" dirty="0"/>
-              <a:t>默认的路径：</a:t>
+            <a:pPr marL="457200" lvl="1" indent="0">
+              <a:buNone/>
+            </a:pPr>
+            <a:r>
+              <a:rPr lang="en-US" altLang="zh-CN" sz="2000" dirty="0"/>
+              <a:t>/</a:t>
+            </a:r>
+            <a:r>
+              <a:rPr lang="en-US" altLang="zh-CN" sz="2000" dirty="0" err="1"/>
+              <a:t>usr</a:t>
+            </a:r>
+            <a:r>
+              <a:rPr lang="en-US" altLang="zh-CN" sz="2000" dirty="0"/>
+              <a:t>/bin</a:t>
+            </a:r>
+          </a:p>
+          <a:p>
+            <a:pPr marL="457200" lvl="1" indent="0">
+              <a:buNone/>
+            </a:pPr>
+            <a:r>
+              <a:rPr lang="en-US" altLang="zh-CN" sz="2000" dirty="0"/>
+              <a:t>/</a:t>
+            </a:r>
+            <a:r>
+              <a:rPr lang="en-US" altLang="zh-CN" sz="2000" dirty="0" err="1"/>
+              <a:t>sbin</a:t>
             </a:r>
             <a:endParaRPr lang="en-US" altLang="zh-CN" sz="2000" dirty="0"/>
           </a:p>
@@ -12888,8 +12908,8 @@
               <a:buNone/>
             </a:pPr>
             <a:r>
-              <a:rPr lang="en-US" altLang="zh-CN" sz="1800" dirty="0"/>
-              <a:t>~/bin</a:t>
+              <a:rPr lang="en-US" altLang="zh-CN" sz="2000" dirty="0"/>
+              <a:t>/bin</a:t>
             </a:r>
           </a:p>
           <a:p>
@@ -12897,8 +12917,16 @@
               <a:buNone/>
             </a:pPr>
             <a:r>
-              <a:rPr lang="en-US" altLang="zh-CN" sz="1800" dirty="0"/>
-              <a:t>~/.local/bin</a:t>
+              <a:rPr lang="en-US" altLang="zh-CN" sz="2000" dirty="0"/>
+              <a:t>/</a:t>
+            </a:r>
+            <a:r>
+              <a:rPr lang="en-US" altLang="zh-CN" sz="2000" dirty="0" err="1"/>
+              <a:t>usr</a:t>
+            </a:r>
+            <a:r>
+              <a:rPr lang="en-US" altLang="zh-CN" sz="2000" dirty="0"/>
+              <a:t>/games</a:t>
             </a:r>
           </a:p>
           <a:p>
@@ -12906,133 +12934,15 @@
               <a:buNone/>
             </a:pPr>
             <a:r>
-              <a:rPr lang="en-US" altLang="zh-CN" sz="1800" dirty="0"/>
+              <a:rPr lang="en-US" altLang="zh-CN" sz="2000" dirty="0"/>
               <a:t>/</a:t>
             </a:r>
             <a:r>
-              <a:rPr lang="en-US" altLang="zh-CN" sz="1800" dirty="0" err="1"/>
+              <a:rPr lang="en-US" altLang="zh-CN" sz="2000" dirty="0" err="1"/>
               <a:t>usr</a:t>
             </a:r>
             <a:r>
-              <a:rPr lang="en-US" altLang="zh-CN" sz="1800" dirty="0"/>
-              <a:t>/local/</a:t>
-            </a:r>
-            <a:r>
-              <a:rPr lang="en-US" altLang="zh-CN" sz="1800" dirty="0" err="1"/>
-              <a:t>sbin</a:t>
-            </a:r>
-            <a:endParaRPr lang="en-US" altLang="zh-CN" sz="1800" dirty="0"/>
-          </a:p>
-          <a:p>
-            <a:pPr marL="457200" lvl="1" indent="0">
-              <a:buNone/>
-            </a:pPr>
-            <a:r>
-              <a:rPr lang="en-US" altLang="zh-CN" sz="1800" dirty="0"/>
-              <a:t>/</a:t>
-            </a:r>
-            <a:r>
-              <a:rPr lang="en-US" altLang="zh-CN" sz="1800" dirty="0" err="1"/>
-              <a:t>usr</a:t>
-            </a:r>
-            <a:r>
-              <a:rPr lang="en-US" altLang="zh-CN" sz="1800" dirty="0"/>
-              <a:t>/local/bin</a:t>
-            </a:r>
-          </a:p>
-          <a:p>
-            <a:pPr marL="457200" lvl="1" indent="0">
-              <a:buNone/>
-            </a:pPr>
-            <a:r>
-              <a:rPr lang="en-US" altLang="zh-CN" sz="1800" dirty="0"/>
-              <a:t>/</a:t>
-            </a:r>
-            <a:r>
-              <a:rPr lang="en-US" altLang="zh-CN" sz="1800" dirty="0" err="1"/>
-              <a:t>usr</a:t>
-            </a:r>
-            <a:r>
-              <a:rPr lang="en-US" altLang="zh-CN" sz="1800" dirty="0"/>
-              <a:t>/</a:t>
-            </a:r>
-            <a:r>
-              <a:rPr lang="en-US" altLang="zh-CN" sz="1800" dirty="0" err="1"/>
-              <a:t>sbin</a:t>
-            </a:r>
-            <a:endParaRPr lang="en-US" altLang="zh-CN" sz="1800" dirty="0"/>
-          </a:p>
-          <a:p>
-            <a:pPr marL="457200" lvl="1" indent="0">
-              <a:buNone/>
-            </a:pPr>
-            <a:r>
-              <a:rPr lang="en-US" altLang="zh-CN" sz="1800" dirty="0"/>
-              <a:t>/</a:t>
-            </a:r>
-            <a:r>
-              <a:rPr lang="en-US" altLang="zh-CN" sz="1800" dirty="0" err="1"/>
-              <a:t>usr</a:t>
-            </a:r>
-            <a:r>
-              <a:rPr lang="en-US" altLang="zh-CN" sz="1800" dirty="0"/>
-              <a:t>/bin</a:t>
-            </a:r>
-          </a:p>
-          <a:p>
-            <a:pPr marL="457200" lvl="1" indent="0">
-              <a:buNone/>
-            </a:pPr>
-            <a:r>
-              <a:rPr lang="en-US" altLang="zh-CN" sz="1800" dirty="0"/>
-              <a:t>/</a:t>
-            </a:r>
-            <a:r>
-              <a:rPr lang="en-US" altLang="zh-CN" sz="1800" dirty="0" err="1"/>
-              <a:t>sbin</a:t>
-            </a:r>
-            <a:endParaRPr lang="en-US" altLang="zh-CN" sz="1800" dirty="0"/>
-          </a:p>
-          <a:p>
-            <a:pPr marL="457200" lvl="1" indent="0">
-              <a:buNone/>
-            </a:pPr>
-            <a:r>
-              <a:rPr lang="en-US" altLang="zh-CN" sz="1800" dirty="0"/>
-              <a:t>/bin</a:t>
-            </a:r>
-          </a:p>
-          <a:p>
-            <a:pPr marL="457200" lvl="1" indent="0">
-              <a:buNone/>
-            </a:pPr>
-            <a:r>
-              <a:rPr lang="en-US" altLang="zh-CN" sz="1800" dirty="0"/>
-              <a:t>/</a:t>
-            </a:r>
-            <a:r>
-              <a:rPr lang="en-US" altLang="zh-CN" sz="1800" dirty="0" err="1"/>
-              <a:t>usr</a:t>
-            </a:r>
-            <a:r>
-              <a:rPr lang="en-US" altLang="zh-CN" sz="1800" dirty="0"/>
-              <a:t>/games</a:t>
-            </a:r>
-          </a:p>
-          <a:p>
-            <a:pPr marL="457200" lvl="1" indent="0">
-              <a:buNone/>
-            </a:pPr>
-            <a:r>
-              <a:rPr lang="en-US" altLang="zh-CN" sz="1800" dirty="0"/>
-              <a:t>/</a:t>
-            </a:r>
-            <a:r>
-              <a:rPr lang="en-US" altLang="zh-CN" sz="1800" dirty="0" err="1"/>
-              <a:t>usr</a:t>
-            </a:r>
-            <a:r>
-              <a:rPr lang="en-US" altLang="zh-CN" sz="1800" dirty="0"/>
+              <a:rPr lang="en-US" altLang="zh-CN" sz="2000" dirty="0"/>
               <a:t>/local/games</a:t>
             </a:r>
           </a:p>
